--- a/HexagonalAndBeyond.pptx
+++ b/HexagonalAndBeyond.pptx
@@ -6,11 +6,11 @@
   </p:sldMasterIdLst>
   <p:sldIdLst>
     <p:sldId id="257" r:id="rId2"/>
-    <p:sldId id="262" r:id="rId3"/>
-    <p:sldId id="263" r:id="rId4"/>
-    <p:sldId id="258" r:id="rId5"/>
-    <p:sldId id="259" r:id="rId6"/>
-    <p:sldId id="260" r:id="rId7"/>
+    <p:sldId id="263" r:id="rId3"/>
+    <p:sldId id="258" r:id="rId4"/>
+    <p:sldId id="259" r:id="rId5"/>
+    <p:sldId id="260" r:id="rId6"/>
+    <p:sldId id="264" r:id="rId7"/>
   </p:sldIdLst>
   <p:sldSz cx="12192000" cy="6858000"/>
   <p:notesSz cx="6858000" cy="9144000"/>
@@ -111,7 +111,18 @@
   </p:defaultTextStyle>
   <p:extLst>
     <p:ext uri="{EFAFB233-063F-42B5-8137-9DF3F51BA10A}">
-      <p15:sldGuideLst xmlns:p15="http://schemas.microsoft.com/office/powerpoint/2012/main"/>
+      <p15:sldGuideLst xmlns:p15="http://schemas.microsoft.com/office/powerpoint/2012/main">
+        <p15:guide id="1" orient="horz" pos="2160" userDrawn="1">
+          <p15:clr>
+            <a:srgbClr val="A4A3A4"/>
+          </p15:clr>
+        </p15:guide>
+        <p15:guide id="2" pos="3840" userDrawn="1">
+          <p15:clr>
+            <a:srgbClr val="A4A3A4"/>
+          </p15:clr>
+        </p15:guide>
+      </p15:sldGuideLst>
     </p:ext>
   </p:extLst>
 </p:presentation>
@@ -274,7 +285,7 @@
           <a:p>
             <a:fld id="{DC0C38C1-EB25-493B-8E40-CB7D44766240}" type="datetimeFigureOut">
               <a:rPr lang="fr-FR" smtClean="0"/>
-              <a:t>29/05/2022</a:t>
+              <a:t>31/05/2022</a:t>
             </a:fld>
             <a:endParaRPr lang="fr-FR"/>
           </a:p>
@@ -482,7 +493,7 @@
           <a:p>
             <a:fld id="{DC0C38C1-EB25-493B-8E40-CB7D44766240}" type="datetimeFigureOut">
               <a:rPr lang="fr-FR" smtClean="0"/>
-              <a:t>29/05/2022</a:t>
+              <a:t>31/05/2022</a:t>
             </a:fld>
             <a:endParaRPr lang="fr-FR"/>
           </a:p>
@@ -700,7 +711,7 @@
           <a:p>
             <a:fld id="{DC0C38C1-EB25-493B-8E40-CB7D44766240}" type="datetimeFigureOut">
               <a:rPr lang="fr-FR" smtClean="0"/>
-              <a:t>29/05/2022</a:t>
+              <a:t>31/05/2022</a:t>
             </a:fld>
             <a:endParaRPr lang="fr-FR"/>
           </a:p>
@@ -908,7 +919,7 @@
           <a:p>
             <a:fld id="{DC0C38C1-EB25-493B-8E40-CB7D44766240}" type="datetimeFigureOut">
               <a:rPr lang="fr-FR" smtClean="0"/>
-              <a:t>29/05/2022</a:t>
+              <a:t>31/05/2022</a:t>
             </a:fld>
             <a:endParaRPr lang="fr-FR"/>
           </a:p>
@@ -1192,7 +1203,7 @@
           <a:p>
             <a:fld id="{DC0C38C1-EB25-493B-8E40-CB7D44766240}" type="datetimeFigureOut">
               <a:rPr lang="fr-FR" smtClean="0"/>
-              <a:t>29/05/2022</a:t>
+              <a:t>31/05/2022</a:t>
             </a:fld>
             <a:endParaRPr lang="fr-FR"/>
           </a:p>
@@ -1468,7 +1479,7 @@
           <a:p>
             <a:fld id="{DC0C38C1-EB25-493B-8E40-CB7D44766240}" type="datetimeFigureOut">
               <a:rPr lang="fr-FR" smtClean="0"/>
-              <a:t>29/05/2022</a:t>
+              <a:t>31/05/2022</a:t>
             </a:fld>
             <a:endParaRPr lang="fr-FR"/>
           </a:p>
@@ -1891,7 +1902,7 @@
           <a:p>
             <a:fld id="{DC0C38C1-EB25-493B-8E40-CB7D44766240}" type="datetimeFigureOut">
               <a:rPr lang="fr-FR" smtClean="0"/>
-              <a:t>29/05/2022</a:t>
+              <a:t>31/05/2022</a:t>
             </a:fld>
             <a:endParaRPr lang="fr-FR"/>
           </a:p>
@@ -2041,7 +2052,7 @@
           <a:p>
             <a:fld id="{DC0C38C1-EB25-493B-8E40-CB7D44766240}" type="datetimeFigureOut">
               <a:rPr lang="fr-FR" smtClean="0"/>
-              <a:t>29/05/2022</a:t>
+              <a:t>31/05/2022</a:t>
             </a:fld>
             <a:endParaRPr lang="fr-FR"/>
           </a:p>
@@ -2162,7 +2173,7 @@
           <a:p>
             <a:fld id="{DC0C38C1-EB25-493B-8E40-CB7D44766240}" type="datetimeFigureOut">
               <a:rPr lang="fr-FR" smtClean="0"/>
-              <a:t>29/05/2022</a:t>
+              <a:t>31/05/2022</a:t>
             </a:fld>
             <a:endParaRPr lang="fr-FR"/>
           </a:p>
@@ -2483,7 +2494,7 @@
           <a:p>
             <a:fld id="{DC0C38C1-EB25-493B-8E40-CB7D44766240}" type="datetimeFigureOut">
               <a:rPr lang="fr-FR" smtClean="0"/>
-              <a:t>29/05/2022</a:t>
+              <a:t>31/05/2022</a:t>
             </a:fld>
             <a:endParaRPr lang="fr-FR"/>
           </a:p>
@@ -2780,7 +2791,7 @@
           <a:p>
             <a:fld id="{DC0C38C1-EB25-493B-8E40-CB7D44766240}" type="datetimeFigureOut">
               <a:rPr lang="fr-FR" smtClean="0"/>
-              <a:t>29/05/2022</a:t>
+              <a:t>31/05/2022</a:t>
             </a:fld>
             <a:endParaRPr lang="fr-FR"/>
           </a:p>
@@ -3026,7 +3037,7 @@
           <a:p>
             <a:fld id="{DC0C38C1-EB25-493B-8E40-CB7D44766240}" type="datetimeFigureOut">
               <a:rPr lang="fr-FR" smtClean="0"/>
-              <a:t>29/05/2022</a:t>
+              <a:t>31/05/2022</a:t>
             </a:fld>
             <a:endParaRPr lang="fr-FR"/>
           </a:p>
@@ -3427,7 +3438,7 @@
 </file>
 
 <file path=ppt/slides/slide1.xml><?xml version="1.0" encoding="utf-8"?>
-<p:sld xmlns:a="http://schemas.openxmlformats.org/drawingml/2006/main" xmlns:r="http://schemas.openxmlformats.org/officeDocument/2006/relationships" xmlns:p="http://schemas.openxmlformats.org/presentationml/2006/main">
+<p:sld xmlns:a="http://schemas.openxmlformats.org/drawingml/2006/main" xmlns:r="http://schemas.openxmlformats.org/officeDocument/2006/relationships" xmlns:p="http://schemas.openxmlformats.org/presentationml/2006/main" show="0">
   <p:cSld>
     <p:bg>
       <p:bgPr>
@@ -9934,6878 +9945,6 @@
 </file>
 
 <file path=ppt/slides/slide2.xml><?xml version="1.0" encoding="utf-8"?>
-<p:sld xmlns:a="http://schemas.openxmlformats.org/drawingml/2006/main" xmlns:r="http://schemas.openxmlformats.org/officeDocument/2006/relationships" xmlns:p="http://schemas.openxmlformats.org/presentationml/2006/main" show="0">
-  <p:cSld>
-    <p:bg>
-      <p:bgPr>
-        <a:solidFill>
-          <a:srgbClr val="FFF4D5"/>
-        </a:solidFill>
-        <a:effectLst/>
-      </p:bgPr>
-    </p:bg>
-    <p:spTree>
-      <p:nvGrpSpPr>
-        <p:cNvPr id="1" name=""/>
-        <p:cNvGrpSpPr/>
-        <p:nvPr/>
-      </p:nvGrpSpPr>
-      <p:grpSpPr>
-        <a:xfrm>
-          <a:off x="0" y="0"/>
-          <a:ext cx="0" cy="0"/>
-          <a:chOff x="0" y="0"/>
-          <a:chExt cx="0" cy="0"/>
-        </a:xfrm>
-      </p:grpSpPr>
-      <p:sp>
-        <p:nvSpPr>
-          <p:cNvPr id="136" name="Hexagon 135">
-            <a:extLst>
-              <a:ext uri="{FF2B5EF4-FFF2-40B4-BE49-F238E27FC236}">
-                <a16:creationId xmlns:a16="http://schemas.microsoft.com/office/drawing/2014/main" id="{EC44BCBE-8551-7ADA-F7BA-C38A2A8EC1E7}"/>
-              </a:ext>
-            </a:extLst>
-          </p:cNvPr>
-          <p:cNvSpPr/>
-          <p:nvPr/>
-        </p:nvSpPr>
-        <p:spPr>
-          <a:xfrm>
-            <a:off x="2108714" y="1256937"/>
-            <a:ext cx="9930885" cy="5366859"/>
-          </a:xfrm>
-          <a:prstGeom prst="hexagon">
-            <a:avLst/>
-          </a:prstGeom>
-          <a:solidFill>
-            <a:schemeClr val="bg2">
-              <a:lumMod val="90000"/>
-            </a:schemeClr>
-          </a:solidFill>
-          <a:ln w="60325">
-            <a:solidFill>
-              <a:schemeClr val="tx1"/>
-            </a:solidFill>
-          </a:ln>
-        </p:spPr>
-        <p:style>
-          <a:lnRef idx="2">
-            <a:schemeClr val="accent1">
-              <a:shade val="50000"/>
-            </a:schemeClr>
-          </a:lnRef>
-          <a:fillRef idx="1">
-            <a:schemeClr val="accent1"/>
-          </a:fillRef>
-          <a:effectRef idx="0">
-            <a:schemeClr val="accent1"/>
-          </a:effectRef>
-          <a:fontRef idx="minor">
-            <a:schemeClr val="lt1"/>
-          </a:fontRef>
-        </p:style>
-        <p:txBody>
-          <a:bodyPr rtlCol="0" anchor="ctr"/>
-          <a:lstStyle/>
-          <a:p>
-            <a:pPr algn="ctr"/>
-            <a:endParaRPr lang="en-US"/>
-          </a:p>
-        </p:txBody>
-      </p:sp>
-      <p:grpSp>
-        <p:nvGrpSpPr>
-          <p:cNvPr id="108" name="Group 107">
-            <a:extLst>
-              <a:ext uri="{FF2B5EF4-FFF2-40B4-BE49-F238E27FC236}">
-                <a16:creationId xmlns:a16="http://schemas.microsoft.com/office/drawing/2014/main" id="{C9519DF9-D88C-BC65-1891-341D0A8C0E31}"/>
-              </a:ext>
-            </a:extLst>
-          </p:cNvPr>
-          <p:cNvGrpSpPr/>
-          <p:nvPr/>
-        </p:nvGrpSpPr>
-        <p:grpSpPr>
-          <a:xfrm>
-            <a:off x="9425014" y="2154917"/>
-            <a:ext cx="2065418" cy="1746874"/>
-            <a:chOff x="7307900" y="829444"/>
-            <a:chExt cx="4512824" cy="3816824"/>
-          </a:xfrm>
-        </p:grpSpPr>
-        <p:sp>
-          <p:nvSpPr>
-            <p:cNvPr id="110" name="Hexagon 109">
-              <a:extLst>
-                <a:ext uri="{FF2B5EF4-FFF2-40B4-BE49-F238E27FC236}">
-                  <a16:creationId xmlns:a16="http://schemas.microsoft.com/office/drawing/2014/main" id="{C98829F0-1FFB-4B5F-D4E8-FE99C6D770CE}"/>
-                </a:ext>
-              </a:extLst>
-            </p:cNvPr>
-            <p:cNvSpPr/>
-            <p:nvPr/>
-          </p:nvSpPr>
-          <p:spPr>
-            <a:xfrm>
-              <a:off x="7307900" y="829444"/>
-              <a:ext cx="4300345" cy="3562815"/>
-            </a:xfrm>
-            <a:prstGeom prst="hexagon">
-              <a:avLst/>
-            </a:prstGeom>
-            <a:solidFill>
-              <a:srgbClr val="EDEDED"/>
-            </a:solidFill>
-            <a:ln w="47625">
-              <a:solidFill>
-                <a:schemeClr val="tx1">
-                  <a:lumMod val="65000"/>
-                  <a:lumOff val="35000"/>
-                </a:schemeClr>
-              </a:solidFill>
-            </a:ln>
-          </p:spPr>
-          <p:style>
-            <a:lnRef idx="2">
-              <a:schemeClr val="accent1">
-                <a:shade val="50000"/>
-              </a:schemeClr>
-            </a:lnRef>
-            <a:fillRef idx="1">
-              <a:schemeClr val="accent1"/>
-            </a:fillRef>
-            <a:effectRef idx="0">
-              <a:schemeClr val="accent1"/>
-            </a:effectRef>
-            <a:fontRef idx="minor">
-              <a:schemeClr val="lt1"/>
-            </a:fontRef>
-          </p:style>
-          <p:txBody>
-            <a:bodyPr rtlCol="0" anchor="ctr"/>
-            <a:lstStyle/>
-            <a:p>
-              <a:pPr algn="ctr"/>
-              <a:endParaRPr lang="fr-FR"/>
-            </a:p>
-          </p:txBody>
-        </p:sp>
-        <p:sp>
-          <p:nvSpPr>
-            <p:cNvPr id="111" name="Hexagon 110">
-              <a:extLst>
-                <a:ext uri="{FF2B5EF4-FFF2-40B4-BE49-F238E27FC236}">
-                  <a16:creationId xmlns:a16="http://schemas.microsoft.com/office/drawing/2014/main" id="{E42EF234-EF67-D125-4B32-BDD1538F45CD}"/>
-                </a:ext>
-              </a:extLst>
-            </p:cNvPr>
-            <p:cNvSpPr/>
-            <p:nvPr/>
-          </p:nvSpPr>
-          <p:spPr>
-            <a:xfrm>
-              <a:off x="7500977" y="1564082"/>
-              <a:ext cx="3040381" cy="2093540"/>
-            </a:xfrm>
-            <a:prstGeom prst="hexagon">
-              <a:avLst/>
-            </a:prstGeom>
-            <a:solidFill>
-              <a:schemeClr val="bg2">
-                <a:lumMod val="75000"/>
-              </a:schemeClr>
-            </a:solidFill>
-            <a:ln w="28575">
-              <a:solidFill>
-                <a:schemeClr val="tx1">
-                  <a:lumMod val="65000"/>
-                  <a:lumOff val="35000"/>
-                </a:schemeClr>
-              </a:solidFill>
-            </a:ln>
-          </p:spPr>
-          <p:style>
-            <a:lnRef idx="2">
-              <a:schemeClr val="accent1">
-                <a:shade val="50000"/>
-              </a:schemeClr>
-            </a:lnRef>
-            <a:fillRef idx="1">
-              <a:schemeClr val="accent1"/>
-            </a:fillRef>
-            <a:effectRef idx="0">
-              <a:schemeClr val="accent1"/>
-            </a:effectRef>
-            <a:fontRef idx="minor">
-              <a:schemeClr val="lt1"/>
-            </a:fontRef>
-          </p:style>
-          <p:txBody>
-            <a:bodyPr rtlCol="0" anchor="ctr"/>
-            <a:lstStyle/>
-            <a:p>
-              <a:pPr algn="ctr"/>
-              <a:endParaRPr lang="fr-FR"/>
-            </a:p>
-          </p:txBody>
-        </p:sp>
-        <p:grpSp>
-          <p:nvGrpSpPr>
-            <p:cNvPr id="112" name="Group 111">
-              <a:extLst>
-                <a:ext uri="{FF2B5EF4-FFF2-40B4-BE49-F238E27FC236}">
-                  <a16:creationId xmlns:a16="http://schemas.microsoft.com/office/drawing/2014/main" id="{22D09461-9F4A-3D04-5BCD-9677E90DEFD4}"/>
-                </a:ext>
-              </a:extLst>
-            </p:cNvPr>
-            <p:cNvGrpSpPr/>
-            <p:nvPr/>
-          </p:nvGrpSpPr>
-          <p:grpSpPr>
-            <a:xfrm>
-              <a:off x="7772216" y="2035862"/>
-              <a:ext cx="171372" cy="373398"/>
-              <a:chOff x="7709921" y="3180257"/>
-              <a:chExt cx="171372" cy="373398"/>
-            </a:xfrm>
-          </p:grpSpPr>
-          <p:cxnSp>
-            <p:nvCxnSpPr>
-              <p:cNvPr id="145" name="Straight Connector 144">
-                <a:extLst>
-                  <a:ext uri="{FF2B5EF4-FFF2-40B4-BE49-F238E27FC236}">
-                    <a16:creationId xmlns:a16="http://schemas.microsoft.com/office/drawing/2014/main" id="{7884435C-7CF8-F5C2-4B2D-C968FB7CB466}"/>
-                  </a:ext>
-                </a:extLst>
-              </p:cNvPr>
-              <p:cNvCxnSpPr>
-                <a:cxnSpLocks/>
-                <a:stCxn id="146" idx="4"/>
-                <a:endCxn id="122" idx="0"/>
-              </p:cNvCxnSpPr>
-              <p:nvPr/>
-            </p:nvCxnSpPr>
-            <p:spPr>
-              <a:xfrm flipH="1">
-                <a:off x="7793469" y="3351633"/>
-                <a:ext cx="2139" cy="202022"/>
-              </a:xfrm>
-              <a:prstGeom prst="line">
-                <a:avLst/>
-              </a:prstGeom>
-              <a:ln w="19050">
-                <a:solidFill>
-                  <a:schemeClr val="tx1"/>
-                </a:solidFill>
-              </a:ln>
-            </p:spPr>
-            <p:style>
-              <a:lnRef idx="1">
-                <a:schemeClr val="accent1"/>
-              </a:lnRef>
-              <a:fillRef idx="0">
-                <a:schemeClr val="accent1"/>
-              </a:fillRef>
-              <a:effectRef idx="0">
-                <a:schemeClr val="accent1"/>
-              </a:effectRef>
-              <a:fontRef idx="minor">
-                <a:schemeClr val="tx1"/>
-              </a:fontRef>
-            </p:style>
-          </p:cxnSp>
-          <p:sp>
-            <p:nvSpPr>
-              <p:cNvPr id="146" name="Oval 145">
-                <a:extLst>
-                  <a:ext uri="{FF2B5EF4-FFF2-40B4-BE49-F238E27FC236}">
-                    <a16:creationId xmlns:a16="http://schemas.microsoft.com/office/drawing/2014/main" id="{49D34A67-17C2-E6A5-018A-8D3B4F54DC41}"/>
-                  </a:ext>
-                </a:extLst>
-              </p:cNvPr>
-              <p:cNvSpPr/>
-              <p:nvPr/>
-            </p:nvSpPr>
-            <p:spPr>
-              <a:xfrm>
-                <a:off x="7709921" y="3180257"/>
-                <a:ext cx="171372" cy="171376"/>
-              </a:xfrm>
-              <a:prstGeom prst="ellipse">
-                <a:avLst/>
-              </a:prstGeom>
-              <a:solidFill>
-                <a:schemeClr val="bg1"/>
-              </a:solidFill>
-              <a:ln w="19050">
-                <a:solidFill>
-                  <a:schemeClr val="tx1"/>
-                </a:solidFill>
-              </a:ln>
-            </p:spPr>
-            <p:style>
-              <a:lnRef idx="2">
-                <a:schemeClr val="accent1">
-                  <a:shade val="50000"/>
-                </a:schemeClr>
-              </a:lnRef>
-              <a:fillRef idx="1">
-                <a:schemeClr val="accent1"/>
-              </a:fillRef>
-              <a:effectRef idx="0">
-                <a:schemeClr val="accent1"/>
-              </a:effectRef>
-              <a:fontRef idx="minor">
-                <a:schemeClr val="lt1"/>
-              </a:fontRef>
-            </p:style>
-            <p:txBody>
-              <a:bodyPr rtlCol="0" anchor="ctr"/>
-              <a:lstStyle/>
-              <a:p>
-                <a:pPr algn="ctr"/>
-                <a:endParaRPr lang="en-GB"/>
-              </a:p>
-            </p:txBody>
-          </p:sp>
-        </p:grpSp>
-        <p:sp>
-          <p:nvSpPr>
-            <p:cNvPr id="113" name="Rectangle: Rounded Corners 112">
-              <a:extLst>
-                <a:ext uri="{FF2B5EF4-FFF2-40B4-BE49-F238E27FC236}">
-                  <a16:creationId xmlns:a16="http://schemas.microsoft.com/office/drawing/2014/main" id="{1129713F-5FF7-7BB1-DD12-6336E3C70E7E}"/>
-                </a:ext>
-              </a:extLst>
-            </p:cNvPr>
-            <p:cNvSpPr/>
-            <p:nvPr/>
-          </p:nvSpPr>
-          <p:spPr>
-            <a:xfrm>
-              <a:off x="9671729" y="2659803"/>
-              <a:ext cx="425816" cy="351565"/>
-            </a:xfrm>
-            <a:prstGeom prst="roundRect">
-              <a:avLst/>
-            </a:prstGeom>
-            <a:solidFill>
-              <a:schemeClr val="tx1">
-                <a:lumMod val="65000"/>
-                <a:lumOff val="35000"/>
-              </a:schemeClr>
-            </a:solidFill>
-            <a:ln>
-              <a:solidFill>
-                <a:schemeClr val="tx1"/>
-              </a:solidFill>
-            </a:ln>
-          </p:spPr>
-          <p:style>
-            <a:lnRef idx="2">
-              <a:schemeClr val="accent1">
-                <a:shade val="50000"/>
-              </a:schemeClr>
-            </a:lnRef>
-            <a:fillRef idx="1">
-              <a:schemeClr val="accent1"/>
-            </a:fillRef>
-            <a:effectRef idx="0">
-              <a:schemeClr val="accent1"/>
-            </a:effectRef>
-            <a:fontRef idx="minor">
-              <a:schemeClr val="lt1"/>
-            </a:fontRef>
-          </p:style>
-          <p:txBody>
-            <a:bodyPr rtlCol="0" anchor="ctr"/>
-            <a:lstStyle/>
-            <a:p>
-              <a:pPr algn="ctr"/>
-              <a:endParaRPr lang="en-GB"/>
-            </a:p>
-          </p:txBody>
-        </p:sp>
-        <p:cxnSp>
-          <p:nvCxnSpPr>
-            <p:cNvPr id="117" name="Connector: Elbow 116">
-              <a:extLst>
-                <a:ext uri="{FF2B5EF4-FFF2-40B4-BE49-F238E27FC236}">
-                  <a16:creationId xmlns:a16="http://schemas.microsoft.com/office/drawing/2014/main" id="{5B6C9977-28EA-9052-580B-3508DD7BD2FA}"/>
-                </a:ext>
-              </a:extLst>
-            </p:cNvPr>
-            <p:cNvCxnSpPr>
-              <a:cxnSpLocks/>
-              <a:stCxn id="122" idx="3"/>
-              <a:endCxn id="119" idx="1"/>
-            </p:cNvCxnSpPr>
-            <p:nvPr/>
-          </p:nvCxnSpPr>
-          <p:spPr>
-            <a:xfrm flipV="1">
-              <a:off x="8068672" y="2432927"/>
-              <a:ext cx="641069" cy="152116"/>
-            </a:xfrm>
-            <a:prstGeom prst="bentConnector3">
-              <a:avLst>
-                <a:gd name="adj1" fmla="val 50000"/>
-              </a:avLst>
-            </a:prstGeom>
-            <a:ln w="9525">
-              <a:solidFill>
-                <a:schemeClr val="tx1"/>
-              </a:solidFill>
-              <a:tailEnd type="none"/>
-            </a:ln>
-          </p:spPr>
-          <p:style>
-            <a:lnRef idx="1">
-              <a:schemeClr val="accent1"/>
-            </a:lnRef>
-            <a:fillRef idx="0">
-              <a:schemeClr val="accent1"/>
-            </a:fillRef>
-            <a:effectRef idx="0">
-              <a:schemeClr val="accent1"/>
-            </a:effectRef>
-            <a:fontRef idx="minor">
-              <a:schemeClr val="tx1"/>
-            </a:fontRef>
-          </p:style>
-        </p:cxnSp>
-        <p:cxnSp>
-          <p:nvCxnSpPr>
-            <p:cNvPr id="118" name="Connector: Elbow 117">
-              <a:extLst>
-                <a:ext uri="{FF2B5EF4-FFF2-40B4-BE49-F238E27FC236}">
-                  <a16:creationId xmlns:a16="http://schemas.microsoft.com/office/drawing/2014/main" id="{FBACF5DA-C217-3EAB-066F-06AE8C1FA099}"/>
-                </a:ext>
-              </a:extLst>
-            </p:cNvPr>
-            <p:cNvCxnSpPr>
-              <a:cxnSpLocks/>
-              <a:stCxn id="119" idx="3"/>
-              <a:endCxn id="113" idx="0"/>
-            </p:cNvCxnSpPr>
-            <p:nvPr/>
-          </p:nvCxnSpPr>
-          <p:spPr>
-            <a:xfrm>
-              <a:off x="9135557" y="2432927"/>
-              <a:ext cx="749080" cy="226876"/>
-            </a:xfrm>
-            <a:prstGeom prst="bentConnector2">
-              <a:avLst/>
-            </a:prstGeom>
-            <a:ln w="9525">
-              <a:solidFill>
-                <a:schemeClr val="tx1"/>
-              </a:solidFill>
-              <a:tailEnd type="none"/>
-            </a:ln>
-          </p:spPr>
-          <p:style>
-            <a:lnRef idx="1">
-              <a:schemeClr val="accent1"/>
-            </a:lnRef>
-            <a:fillRef idx="0">
-              <a:schemeClr val="accent1"/>
-            </a:fillRef>
-            <a:effectRef idx="0">
-              <a:schemeClr val="accent1"/>
-            </a:effectRef>
-            <a:fontRef idx="minor">
-              <a:schemeClr val="tx1"/>
-            </a:fontRef>
-          </p:style>
-        </p:cxnSp>
-        <p:sp>
-          <p:nvSpPr>
-            <p:cNvPr id="119" name="Rectangle: Rounded Corners 118">
-              <a:extLst>
-                <a:ext uri="{FF2B5EF4-FFF2-40B4-BE49-F238E27FC236}">
-                  <a16:creationId xmlns:a16="http://schemas.microsoft.com/office/drawing/2014/main" id="{A7FDC16C-6B39-38B3-C029-5FC9D9D0F560}"/>
-                </a:ext>
-              </a:extLst>
-            </p:cNvPr>
-            <p:cNvSpPr/>
-            <p:nvPr/>
-          </p:nvSpPr>
-          <p:spPr>
-            <a:xfrm>
-              <a:off x="8709741" y="2257145"/>
-              <a:ext cx="425816" cy="351565"/>
-            </a:xfrm>
-            <a:prstGeom prst="roundRect">
-              <a:avLst/>
-            </a:prstGeom>
-            <a:solidFill>
-              <a:schemeClr val="tx1">
-                <a:lumMod val="65000"/>
-                <a:lumOff val="35000"/>
-              </a:schemeClr>
-            </a:solidFill>
-            <a:ln>
-              <a:solidFill>
-                <a:schemeClr val="tx1"/>
-              </a:solidFill>
-            </a:ln>
-          </p:spPr>
-          <p:style>
-            <a:lnRef idx="2">
-              <a:schemeClr val="accent1">
-                <a:shade val="50000"/>
-              </a:schemeClr>
-            </a:lnRef>
-            <a:fillRef idx="1">
-              <a:schemeClr val="accent1"/>
-            </a:fillRef>
-            <a:effectRef idx="0">
-              <a:schemeClr val="accent1"/>
-            </a:effectRef>
-            <a:fontRef idx="minor">
-              <a:schemeClr val="lt1"/>
-            </a:fontRef>
-          </p:style>
-          <p:txBody>
-            <a:bodyPr rtlCol="0" anchor="ctr"/>
-            <a:lstStyle/>
-            <a:p>
-              <a:pPr algn="ctr"/>
-              <a:endParaRPr lang="en-GB"/>
-            </a:p>
-          </p:txBody>
-        </p:sp>
-        <p:sp>
-          <p:nvSpPr>
-            <p:cNvPr id="121" name="Diamond 120">
-              <a:extLst>
-                <a:ext uri="{FF2B5EF4-FFF2-40B4-BE49-F238E27FC236}">
-                  <a16:creationId xmlns:a16="http://schemas.microsoft.com/office/drawing/2014/main" id="{3E3FBFCC-B4FC-C206-4123-DCA180EF3ADD}"/>
-                </a:ext>
-              </a:extLst>
-            </p:cNvPr>
-            <p:cNvSpPr/>
-            <p:nvPr/>
-          </p:nvSpPr>
-          <p:spPr>
-            <a:xfrm>
-              <a:off x="9148994" y="2360445"/>
-              <a:ext cx="167131" cy="167131"/>
-            </a:xfrm>
-            <a:prstGeom prst="diamond">
-              <a:avLst/>
-            </a:prstGeom>
-            <a:solidFill>
-              <a:schemeClr val="tx1"/>
-            </a:solidFill>
-            <a:ln>
-              <a:solidFill>
-                <a:schemeClr val="tx1"/>
-              </a:solidFill>
-            </a:ln>
-          </p:spPr>
-          <p:style>
-            <a:lnRef idx="2">
-              <a:schemeClr val="accent1">
-                <a:shade val="50000"/>
-              </a:schemeClr>
-            </a:lnRef>
-            <a:fillRef idx="1">
-              <a:schemeClr val="accent1"/>
-            </a:fillRef>
-            <a:effectRef idx="0">
-              <a:schemeClr val="accent1"/>
-            </a:effectRef>
-            <a:fontRef idx="minor">
-              <a:schemeClr val="lt1"/>
-            </a:fontRef>
-          </p:style>
-          <p:txBody>
-            <a:bodyPr rtlCol="0" anchor="ctr"/>
-            <a:lstStyle/>
-            <a:p>
-              <a:pPr algn="ctr"/>
-              <a:endParaRPr lang="en-GB"/>
-            </a:p>
-          </p:txBody>
-        </p:sp>
-        <p:sp>
-          <p:nvSpPr>
-            <p:cNvPr id="122" name="Rectangle: Rounded Corners 121">
-              <a:extLst>
-                <a:ext uri="{FF2B5EF4-FFF2-40B4-BE49-F238E27FC236}">
-                  <a16:creationId xmlns:a16="http://schemas.microsoft.com/office/drawing/2014/main" id="{0007BD17-C433-0BF7-D32C-A062E73A6203}"/>
-                </a:ext>
-              </a:extLst>
-            </p:cNvPr>
-            <p:cNvSpPr/>
-            <p:nvPr/>
-          </p:nvSpPr>
-          <p:spPr>
-            <a:xfrm>
-              <a:off x="7642854" y="2409260"/>
-              <a:ext cx="425817" cy="351564"/>
-            </a:xfrm>
-            <a:prstGeom prst="roundRect">
-              <a:avLst/>
-            </a:prstGeom>
-            <a:solidFill>
-              <a:schemeClr val="tx1">
-                <a:lumMod val="65000"/>
-                <a:lumOff val="35000"/>
-              </a:schemeClr>
-            </a:solidFill>
-            <a:ln>
-              <a:solidFill>
-                <a:schemeClr val="tx1"/>
-              </a:solidFill>
-            </a:ln>
-          </p:spPr>
-          <p:style>
-            <a:lnRef idx="2">
-              <a:schemeClr val="accent1">
-                <a:shade val="50000"/>
-              </a:schemeClr>
-            </a:lnRef>
-            <a:fillRef idx="1">
-              <a:schemeClr val="accent1"/>
-            </a:fillRef>
-            <a:effectRef idx="0">
-              <a:schemeClr val="accent1"/>
-            </a:effectRef>
-            <a:fontRef idx="minor">
-              <a:schemeClr val="lt1"/>
-            </a:fontRef>
-          </p:style>
-          <p:txBody>
-            <a:bodyPr rtlCol="0" anchor="ctr"/>
-            <a:lstStyle/>
-            <a:p>
-              <a:pPr algn="ctr"/>
-              <a:endParaRPr lang="en-GB"/>
-            </a:p>
-          </p:txBody>
-        </p:sp>
-        <p:sp>
-          <p:nvSpPr>
-            <p:cNvPr id="123" name="Diamond 122">
-              <a:extLst>
-                <a:ext uri="{FF2B5EF4-FFF2-40B4-BE49-F238E27FC236}">
-                  <a16:creationId xmlns:a16="http://schemas.microsoft.com/office/drawing/2014/main" id="{E5B3A599-A73E-5DBF-F73D-E4AA991D7A51}"/>
-                </a:ext>
-              </a:extLst>
-            </p:cNvPr>
-            <p:cNvSpPr/>
-            <p:nvPr/>
-          </p:nvSpPr>
-          <p:spPr>
-            <a:xfrm>
-              <a:off x="8089828" y="2500425"/>
-              <a:ext cx="167131" cy="167133"/>
-            </a:xfrm>
-            <a:prstGeom prst="diamond">
-              <a:avLst/>
-            </a:prstGeom>
-            <a:solidFill>
-              <a:schemeClr val="tx1"/>
-            </a:solidFill>
-            <a:ln>
-              <a:solidFill>
-                <a:schemeClr val="tx1"/>
-              </a:solidFill>
-            </a:ln>
-          </p:spPr>
-          <p:style>
-            <a:lnRef idx="2">
-              <a:schemeClr val="accent1">
-                <a:shade val="50000"/>
-              </a:schemeClr>
-            </a:lnRef>
-            <a:fillRef idx="1">
-              <a:schemeClr val="accent1"/>
-            </a:fillRef>
-            <a:effectRef idx="0">
-              <a:schemeClr val="accent1"/>
-            </a:effectRef>
-            <a:fontRef idx="minor">
-              <a:schemeClr val="lt1"/>
-            </a:fontRef>
-          </p:style>
-          <p:txBody>
-            <a:bodyPr rtlCol="0" anchor="ctr"/>
-            <a:lstStyle/>
-            <a:p>
-              <a:pPr algn="ctr"/>
-              <a:endParaRPr lang="en-GB"/>
-            </a:p>
-          </p:txBody>
-        </p:sp>
-        <p:sp>
-          <p:nvSpPr>
-            <p:cNvPr id="129" name="Rectangle: Rounded Corners 128">
-              <a:extLst>
-                <a:ext uri="{FF2B5EF4-FFF2-40B4-BE49-F238E27FC236}">
-                  <a16:creationId xmlns:a16="http://schemas.microsoft.com/office/drawing/2014/main" id="{8F1E295B-61C5-A6CF-CB16-F439EE79B9CB}"/>
-                </a:ext>
-              </a:extLst>
-            </p:cNvPr>
-            <p:cNvSpPr/>
-            <p:nvPr/>
-          </p:nvSpPr>
-          <p:spPr>
-            <a:xfrm>
-              <a:off x="8954217" y="3078046"/>
-              <a:ext cx="425816" cy="351565"/>
-            </a:xfrm>
-            <a:prstGeom prst="roundRect">
-              <a:avLst/>
-            </a:prstGeom>
-            <a:solidFill>
-              <a:schemeClr val="tx1">
-                <a:lumMod val="65000"/>
-                <a:lumOff val="35000"/>
-              </a:schemeClr>
-            </a:solidFill>
-            <a:ln>
-              <a:solidFill>
-                <a:schemeClr val="tx1"/>
-              </a:solidFill>
-            </a:ln>
-          </p:spPr>
-          <p:style>
-            <a:lnRef idx="2">
-              <a:schemeClr val="accent1">
-                <a:shade val="50000"/>
-              </a:schemeClr>
-            </a:lnRef>
-            <a:fillRef idx="1">
-              <a:schemeClr val="accent1"/>
-            </a:fillRef>
-            <a:effectRef idx="0">
-              <a:schemeClr val="accent1"/>
-            </a:effectRef>
-            <a:fontRef idx="minor">
-              <a:schemeClr val="lt1"/>
-            </a:fontRef>
-          </p:style>
-          <p:txBody>
-            <a:bodyPr rtlCol="0" anchor="ctr"/>
-            <a:lstStyle/>
-            <a:p>
-              <a:pPr algn="ctr"/>
-              <a:endParaRPr lang="en-GB"/>
-            </a:p>
-          </p:txBody>
-        </p:sp>
-        <p:cxnSp>
-          <p:nvCxnSpPr>
-            <p:cNvPr id="130" name="Connector: Elbow 129">
-              <a:extLst>
-                <a:ext uri="{FF2B5EF4-FFF2-40B4-BE49-F238E27FC236}">
-                  <a16:creationId xmlns:a16="http://schemas.microsoft.com/office/drawing/2014/main" id="{434B0F26-61A6-1A17-378D-5F2FA2785C5F}"/>
-                </a:ext>
-              </a:extLst>
-            </p:cNvPr>
-            <p:cNvCxnSpPr>
-              <a:cxnSpLocks/>
-              <a:stCxn id="142" idx="3"/>
-              <a:endCxn id="129" idx="1"/>
-            </p:cNvCxnSpPr>
-            <p:nvPr/>
-          </p:nvCxnSpPr>
-          <p:spPr>
-            <a:xfrm flipH="1">
-              <a:off x="8954216" y="2814472"/>
-              <a:ext cx="698886" cy="439357"/>
-            </a:xfrm>
-            <a:prstGeom prst="bentConnector5">
-              <a:avLst>
-                <a:gd name="adj1" fmla="val 33475"/>
-                <a:gd name="adj2" fmla="val 26193"/>
-                <a:gd name="adj3" fmla="val 124784"/>
-              </a:avLst>
-            </a:prstGeom>
-            <a:ln w="9525">
-              <a:solidFill>
-                <a:schemeClr val="tx1"/>
-              </a:solidFill>
-              <a:tailEnd type="none"/>
-            </a:ln>
-          </p:spPr>
-          <p:style>
-            <a:lnRef idx="1">
-              <a:schemeClr val="accent1"/>
-            </a:lnRef>
-            <a:fillRef idx="0">
-              <a:schemeClr val="accent1"/>
-            </a:fillRef>
-            <a:effectRef idx="0">
-              <a:schemeClr val="accent1"/>
-            </a:effectRef>
-            <a:fontRef idx="minor">
-              <a:schemeClr val="tx1"/>
-            </a:fontRef>
-          </p:style>
-        </p:cxnSp>
-        <p:sp>
-          <p:nvSpPr>
-            <p:cNvPr id="132" name="TextBox 131">
-              <a:extLst>
-                <a:ext uri="{FF2B5EF4-FFF2-40B4-BE49-F238E27FC236}">
-                  <a16:creationId xmlns:a16="http://schemas.microsoft.com/office/drawing/2014/main" id="{82581BEE-7BAE-191B-D103-DD527B5E86C8}"/>
-                </a:ext>
-              </a:extLst>
-            </p:cNvPr>
-            <p:cNvSpPr txBox="1"/>
-            <p:nvPr/>
-          </p:nvSpPr>
-          <p:spPr>
-            <a:xfrm>
-              <a:off x="7784967" y="1545014"/>
-              <a:ext cx="2343049" cy="672476"/>
-            </a:xfrm>
-            <a:prstGeom prst="rect">
-              <a:avLst/>
-            </a:prstGeom>
-            <a:noFill/>
-          </p:spPr>
-          <p:txBody>
-            <a:bodyPr wrap="square" rtlCol="0">
-              <a:spAutoFit/>
-            </a:bodyPr>
-            <a:lstStyle/>
-            <a:p>
-              <a:pPr algn="r"/>
-              <a:r>
-                <a:rPr lang="en-GB" sz="700" b="1" cap="all" dirty="0">
-                  <a:solidFill>
-                    <a:schemeClr val="bg1"/>
-                  </a:solidFill>
-                  <a:latin typeface="Alte Haas Grotesk" panose="02000503000000020004" pitchFamily="2" charset="0"/>
-                </a:rPr>
-                <a:t>Auditorium Layouts Domain</a:t>
-              </a:r>
-            </a:p>
-          </p:txBody>
-        </p:sp>
-        <p:sp>
-          <p:nvSpPr>
-            <p:cNvPr id="135" name="TextBox 134">
-              <a:extLst>
-                <a:ext uri="{FF2B5EF4-FFF2-40B4-BE49-F238E27FC236}">
-                  <a16:creationId xmlns:a16="http://schemas.microsoft.com/office/drawing/2014/main" id="{D2600057-EF96-D1A9-19C4-E56C19CCA83D}"/>
-                </a:ext>
-              </a:extLst>
-            </p:cNvPr>
-            <p:cNvSpPr txBox="1"/>
-            <p:nvPr/>
-          </p:nvSpPr>
-          <p:spPr>
-            <a:xfrm>
-              <a:off x="9182781" y="862837"/>
-              <a:ext cx="1523319" cy="504355"/>
-            </a:xfrm>
-            <a:prstGeom prst="rect">
-              <a:avLst/>
-            </a:prstGeom>
-            <a:noFill/>
-          </p:spPr>
-          <p:txBody>
-            <a:bodyPr wrap="square" rtlCol="0">
-              <a:spAutoFit/>
-            </a:bodyPr>
-            <a:lstStyle/>
-            <a:p>
-              <a:pPr algn="r"/>
-              <a:r>
-                <a:rPr lang="en-GB" sz="900" b="1" cap="all" dirty="0">
-                  <a:latin typeface="Alte Haas Grotesk" panose="02000503000000020004" pitchFamily="2" charset="0"/>
-                </a:rPr>
-                <a:t>Infra</a:t>
-              </a:r>
-            </a:p>
-          </p:txBody>
-        </p:sp>
-        <p:sp>
-          <p:nvSpPr>
-            <p:cNvPr id="137" name="Right Brace 136">
-              <a:extLst>
-                <a:ext uri="{FF2B5EF4-FFF2-40B4-BE49-F238E27FC236}">
-                  <a16:creationId xmlns:a16="http://schemas.microsoft.com/office/drawing/2014/main" id="{07EECF37-3B8E-D3ED-3172-A0D9A9C69B96}"/>
-                </a:ext>
-              </a:extLst>
-            </p:cNvPr>
-            <p:cNvSpPr/>
-            <p:nvPr/>
-          </p:nvSpPr>
-          <p:spPr>
-            <a:xfrm rot="12414236">
-              <a:off x="10019507" y="3457714"/>
-              <a:ext cx="883655" cy="428062"/>
-            </a:xfrm>
-            <a:prstGeom prst="rightBrace">
-              <a:avLst>
-                <a:gd name="adj1" fmla="val 9622"/>
-                <a:gd name="adj2" fmla="val 54011"/>
-              </a:avLst>
-            </a:prstGeom>
-            <a:ln w="34925">
-              <a:solidFill>
-                <a:schemeClr val="tx1"/>
-              </a:solidFill>
-            </a:ln>
-          </p:spPr>
-          <p:style>
-            <a:lnRef idx="1">
-              <a:schemeClr val="accent1"/>
-            </a:lnRef>
-            <a:fillRef idx="0">
-              <a:schemeClr val="accent1"/>
-            </a:fillRef>
-            <a:effectRef idx="0">
-              <a:schemeClr val="accent1"/>
-            </a:effectRef>
-            <a:fontRef idx="minor">
-              <a:schemeClr val="tx1"/>
-            </a:fontRef>
-          </p:style>
-          <p:txBody>
-            <a:bodyPr rtlCol="0" anchor="ctr"/>
-            <a:lstStyle/>
-            <a:p>
-              <a:pPr algn="ctr"/>
-              <a:endParaRPr lang="en-GB"/>
-            </a:p>
-          </p:txBody>
-        </p:sp>
-        <p:sp>
-          <p:nvSpPr>
-            <p:cNvPr id="138" name="Oval 137">
-              <a:extLst>
-                <a:ext uri="{FF2B5EF4-FFF2-40B4-BE49-F238E27FC236}">
-                  <a16:creationId xmlns:a16="http://schemas.microsoft.com/office/drawing/2014/main" id="{A4DA0AA6-0A96-E197-34AA-6D36B6C1E37D}"/>
-                </a:ext>
-              </a:extLst>
-            </p:cNvPr>
-            <p:cNvSpPr/>
-            <p:nvPr/>
-          </p:nvSpPr>
-          <p:spPr>
-            <a:xfrm>
-              <a:off x="9926171" y="3343924"/>
-              <a:ext cx="171374" cy="171374"/>
-            </a:xfrm>
-            <a:prstGeom prst="ellipse">
-              <a:avLst/>
-            </a:prstGeom>
-            <a:solidFill>
-              <a:schemeClr val="bg1"/>
-            </a:solidFill>
-            <a:ln w="19050">
-              <a:solidFill>
-                <a:schemeClr val="tx1"/>
-              </a:solidFill>
-            </a:ln>
-          </p:spPr>
-          <p:style>
-            <a:lnRef idx="2">
-              <a:schemeClr val="accent1">
-                <a:shade val="50000"/>
-              </a:schemeClr>
-            </a:lnRef>
-            <a:fillRef idx="1">
-              <a:schemeClr val="accent1"/>
-            </a:fillRef>
-            <a:effectRef idx="0">
-              <a:schemeClr val="accent1"/>
-            </a:effectRef>
-            <a:fontRef idx="minor">
-              <a:schemeClr val="lt1"/>
-            </a:fontRef>
-          </p:style>
-          <p:txBody>
-            <a:bodyPr rtlCol="0" anchor="ctr"/>
-            <a:lstStyle/>
-            <a:p>
-              <a:pPr algn="ctr"/>
-              <a:endParaRPr lang="en-GB"/>
-            </a:p>
-          </p:txBody>
-        </p:sp>
-        <p:sp>
-          <p:nvSpPr>
-            <p:cNvPr id="140" name="Rectangle 139">
-              <a:extLst>
-                <a:ext uri="{FF2B5EF4-FFF2-40B4-BE49-F238E27FC236}">
-                  <a16:creationId xmlns:a16="http://schemas.microsoft.com/office/drawing/2014/main" id="{C9F01918-B23C-B137-AF92-FD5026FDDD26}"/>
-                </a:ext>
-              </a:extLst>
-            </p:cNvPr>
-            <p:cNvSpPr/>
-            <p:nvPr/>
-          </p:nvSpPr>
-          <p:spPr>
-            <a:xfrm rot="17820000">
-              <a:off x="10071333" y="3192930"/>
-              <a:ext cx="1449785" cy="546310"/>
-            </a:xfrm>
-            <a:prstGeom prst="rect">
-              <a:avLst/>
-            </a:prstGeom>
-            <a:solidFill>
-              <a:schemeClr val="accent4">
-                <a:lumMod val="60000"/>
-                <a:lumOff val="40000"/>
-              </a:schemeClr>
-            </a:solidFill>
-            <a:ln w="25400">
-              <a:solidFill>
-                <a:schemeClr val="tx1"/>
-              </a:solidFill>
-            </a:ln>
-          </p:spPr>
-          <p:style>
-            <a:lnRef idx="2">
-              <a:schemeClr val="accent1">
-                <a:shade val="50000"/>
-              </a:schemeClr>
-            </a:lnRef>
-            <a:fillRef idx="1">
-              <a:schemeClr val="accent1"/>
-            </a:fillRef>
-            <a:effectRef idx="0">
-              <a:schemeClr val="accent1"/>
-            </a:effectRef>
-            <a:fontRef idx="minor">
-              <a:schemeClr val="lt1"/>
-            </a:fontRef>
-          </p:style>
-          <p:txBody>
-            <a:bodyPr rtlCol="0" anchor="ctr"/>
-            <a:lstStyle/>
-            <a:p>
-              <a:pPr algn="ctr"/>
-              <a:r>
-                <a:rPr lang="fr-FR" sz="600" b="1" cap="all" dirty="0">
-                  <a:solidFill>
-                    <a:schemeClr val="tx1"/>
-                  </a:solidFill>
-                </a:rPr>
-                <a:t>repository</a:t>
-              </a:r>
-              <a:endParaRPr lang="en-GB" sz="600" b="1" cap="all" dirty="0">
-                <a:solidFill>
-                  <a:schemeClr val="tx1"/>
-                </a:solidFill>
-              </a:endParaRPr>
-            </a:p>
-          </p:txBody>
-        </p:sp>
-        <p:cxnSp>
-          <p:nvCxnSpPr>
-            <p:cNvPr id="141" name="Straight Arrow Connector 140">
-              <a:extLst>
-                <a:ext uri="{FF2B5EF4-FFF2-40B4-BE49-F238E27FC236}">
-                  <a16:creationId xmlns:a16="http://schemas.microsoft.com/office/drawing/2014/main" id="{4E0A2670-2B5C-1944-A686-990CDB83417E}"/>
-                </a:ext>
-              </a:extLst>
-            </p:cNvPr>
-            <p:cNvCxnSpPr>
-              <a:cxnSpLocks/>
-              <a:stCxn id="129" idx="3"/>
-              <a:endCxn id="138" idx="2"/>
-            </p:cNvCxnSpPr>
-            <p:nvPr/>
-          </p:nvCxnSpPr>
-          <p:spPr>
-            <a:xfrm>
-              <a:off x="9380033" y="3253829"/>
-              <a:ext cx="546138" cy="175782"/>
-            </a:xfrm>
-            <a:prstGeom prst="straightConnector1">
-              <a:avLst/>
-            </a:prstGeom>
-            <a:ln w="9525">
-              <a:solidFill>
-                <a:schemeClr val="tx1"/>
-              </a:solidFill>
-              <a:prstDash val="dash"/>
-              <a:tailEnd type="triangle"/>
-            </a:ln>
-          </p:spPr>
-          <p:style>
-            <a:lnRef idx="1">
-              <a:schemeClr val="accent1"/>
-            </a:lnRef>
-            <a:fillRef idx="0">
-              <a:schemeClr val="accent1"/>
-            </a:fillRef>
-            <a:effectRef idx="0">
-              <a:schemeClr val="accent1"/>
-            </a:effectRef>
-            <a:fontRef idx="minor">
-              <a:schemeClr val="tx1"/>
-            </a:fontRef>
-          </p:style>
-        </p:cxnSp>
-        <p:sp>
-          <p:nvSpPr>
-            <p:cNvPr id="142" name="Diamond 141">
-              <a:extLst>
-                <a:ext uri="{FF2B5EF4-FFF2-40B4-BE49-F238E27FC236}">
-                  <a16:creationId xmlns:a16="http://schemas.microsoft.com/office/drawing/2014/main" id="{723686CE-455C-C7DE-7FCB-C16BA803CF59}"/>
-                </a:ext>
-              </a:extLst>
-            </p:cNvPr>
-            <p:cNvSpPr/>
-            <p:nvPr/>
-          </p:nvSpPr>
-          <p:spPr>
-            <a:xfrm>
-              <a:off x="9485971" y="2730905"/>
-              <a:ext cx="167131" cy="167131"/>
-            </a:xfrm>
-            <a:prstGeom prst="diamond">
-              <a:avLst/>
-            </a:prstGeom>
-            <a:solidFill>
-              <a:schemeClr val="tx1"/>
-            </a:solidFill>
-            <a:ln>
-              <a:solidFill>
-                <a:schemeClr val="tx1"/>
-              </a:solidFill>
-            </a:ln>
-          </p:spPr>
-          <p:style>
-            <a:lnRef idx="2">
-              <a:schemeClr val="accent1">
-                <a:shade val="50000"/>
-              </a:schemeClr>
-            </a:lnRef>
-            <a:fillRef idx="1">
-              <a:schemeClr val="accent1"/>
-            </a:fillRef>
-            <a:effectRef idx="0">
-              <a:schemeClr val="accent1"/>
-            </a:effectRef>
-            <a:fontRef idx="minor">
-              <a:schemeClr val="lt1"/>
-            </a:fontRef>
-          </p:style>
-          <p:txBody>
-            <a:bodyPr rtlCol="0" anchor="ctr"/>
-            <a:lstStyle/>
-            <a:p>
-              <a:pPr algn="ctr"/>
-              <a:endParaRPr lang="en-GB"/>
-            </a:p>
-          </p:txBody>
-        </p:sp>
-        <p:sp>
-          <p:nvSpPr>
-            <p:cNvPr id="143" name="Flowchart: Magnetic Disk 142">
-              <a:extLst>
-                <a:ext uri="{FF2B5EF4-FFF2-40B4-BE49-F238E27FC236}">
-                  <a16:creationId xmlns:a16="http://schemas.microsoft.com/office/drawing/2014/main" id="{C7D2CC5E-A081-4C8D-44F4-FF2C65CFF3E4}"/>
-                </a:ext>
-              </a:extLst>
-            </p:cNvPr>
-            <p:cNvSpPr/>
-            <p:nvPr/>
-          </p:nvSpPr>
-          <p:spPr>
-            <a:xfrm>
-              <a:off x="11316203" y="3938291"/>
-              <a:ext cx="504521" cy="707977"/>
-            </a:xfrm>
-            <a:prstGeom prst="flowChartMagneticDisk">
-              <a:avLst/>
-            </a:prstGeom>
-            <a:solidFill>
-              <a:srgbClr val="EDEDED"/>
-            </a:solidFill>
-            <a:ln w="25400">
-              <a:solidFill>
-                <a:schemeClr val="tx1">
-                  <a:lumMod val="65000"/>
-                  <a:lumOff val="35000"/>
-                </a:schemeClr>
-              </a:solidFill>
-            </a:ln>
-          </p:spPr>
-          <p:style>
-            <a:lnRef idx="2">
-              <a:schemeClr val="accent1">
-                <a:shade val="50000"/>
-              </a:schemeClr>
-            </a:lnRef>
-            <a:fillRef idx="1">
-              <a:schemeClr val="accent1"/>
-            </a:fillRef>
-            <a:effectRef idx="0">
-              <a:schemeClr val="accent1"/>
-            </a:effectRef>
-            <a:fontRef idx="minor">
-              <a:schemeClr val="lt1"/>
-            </a:fontRef>
-          </p:style>
-          <p:txBody>
-            <a:bodyPr lIns="0" tIns="0" rIns="0" bIns="0" rtlCol="0" anchor="ctr"/>
-            <a:lstStyle/>
-            <a:p>
-              <a:pPr algn="ctr"/>
-              <a:r>
-                <a:rPr lang="fr-FR" sz="800" b="1" cap="all" dirty="0" err="1">
-                  <a:solidFill>
-                    <a:schemeClr val="tx1">
-                      <a:lumMod val="65000"/>
-                      <a:lumOff val="35000"/>
-                    </a:schemeClr>
-                  </a:solidFill>
-                  <a:latin typeface="Alte Haas Grotesk" panose="02000503000000020004" pitchFamily="2" charset="0"/>
-                </a:rPr>
-                <a:t>db</a:t>
-              </a:r>
-              <a:endParaRPr lang="fr-FR" sz="900" b="1" cap="all" dirty="0">
-                <a:solidFill>
-                  <a:schemeClr val="tx1">
-                    <a:lumMod val="65000"/>
-                    <a:lumOff val="35000"/>
-                  </a:schemeClr>
-                </a:solidFill>
-                <a:latin typeface="Alte Haas Grotesk" panose="02000503000000020004" pitchFamily="2" charset="0"/>
-              </a:endParaRPr>
-            </a:p>
-          </p:txBody>
-        </p:sp>
-        <p:cxnSp>
-          <p:nvCxnSpPr>
-            <p:cNvPr id="144" name="Straight Arrow Connector 143">
-              <a:extLst>
-                <a:ext uri="{FF2B5EF4-FFF2-40B4-BE49-F238E27FC236}">
-                  <a16:creationId xmlns:a16="http://schemas.microsoft.com/office/drawing/2014/main" id="{7989AB27-3187-985B-454F-982C59559D66}"/>
-                </a:ext>
-              </a:extLst>
-            </p:cNvPr>
-            <p:cNvCxnSpPr>
-              <a:cxnSpLocks/>
-              <a:stCxn id="140" idx="2"/>
-              <a:endCxn id="143" idx="1"/>
-            </p:cNvCxnSpPr>
-            <p:nvPr/>
-          </p:nvCxnSpPr>
-          <p:spPr>
-            <a:xfrm>
-              <a:off x="11039608" y="3590096"/>
-              <a:ext cx="528855" cy="348195"/>
-            </a:xfrm>
-            <a:prstGeom prst="straightConnector1">
-              <a:avLst/>
-            </a:prstGeom>
-            <a:ln w="19050">
-              <a:solidFill>
-                <a:schemeClr val="tx1"/>
-              </a:solidFill>
-              <a:prstDash val="solid"/>
-              <a:tailEnd type="triangle"/>
-            </a:ln>
-          </p:spPr>
-          <p:style>
-            <a:lnRef idx="1">
-              <a:schemeClr val="accent1"/>
-            </a:lnRef>
-            <a:fillRef idx="0">
-              <a:schemeClr val="accent1"/>
-            </a:fillRef>
-            <a:effectRef idx="0">
-              <a:schemeClr val="accent1"/>
-            </a:effectRef>
-            <a:fontRef idx="minor">
-              <a:schemeClr val="tx1"/>
-            </a:fontRef>
-          </p:style>
-        </p:cxnSp>
-      </p:grpSp>
-      <p:pic>
-        <p:nvPicPr>
-          <p:cNvPr id="72" name="Picture 71">
-            <a:extLst>
-              <a:ext uri="{FF2B5EF4-FFF2-40B4-BE49-F238E27FC236}">
-                <a16:creationId xmlns:a16="http://schemas.microsoft.com/office/drawing/2014/main" id="{7EB3B387-29CE-ED80-CE7F-BA9EBA7FB2A2}"/>
-              </a:ext>
-            </a:extLst>
-          </p:cNvPr>
-          <p:cNvPicPr>
-            <a:picLocks noChangeAspect="1"/>
-          </p:cNvPicPr>
-          <p:nvPr/>
-        </p:nvPicPr>
-        <p:blipFill>
-          <a:blip r:embed="rId2">
-            <a:extLst>
-              <a:ext uri="{28A0092B-C50C-407E-A947-70E740481C1C}">
-                <a14:useLocalDpi xmlns:a14="http://schemas.microsoft.com/office/drawing/2010/main" val="0"/>
-              </a:ext>
-            </a:extLst>
-          </a:blip>
-          <a:stretch>
-            <a:fillRect/>
-          </a:stretch>
-        </p:blipFill>
-        <p:spPr>
-          <a:xfrm>
-            <a:off x="1609064" y="1585162"/>
-            <a:ext cx="602596" cy="567946"/>
-          </a:xfrm>
-          <a:prstGeom prst="rect">
-            <a:avLst/>
-          </a:prstGeom>
-        </p:spPr>
-      </p:pic>
-      <p:cxnSp>
-        <p:nvCxnSpPr>
-          <p:cNvPr id="73" name="Straight Arrow Connector 72">
-            <a:extLst>
-              <a:ext uri="{FF2B5EF4-FFF2-40B4-BE49-F238E27FC236}">
-                <a16:creationId xmlns:a16="http://schemas.microsoft.com/office/drawing/2014/main" id="{E0BD609C-A372-9B77-A208-61AAF7FAC62E}"/>
-              </a:ext>
-            </a:extLst>
-          </p:cNvPr>
-          <p:cNvCxnSpPr>
-            <a:cxnSpLocks/>
-            <a:stCxn id="72" idx="2"/>
-          </p:cNvCxnSpPr>
-          <p:nvPr/>
-        </p:nvCxnSpPr>
-        <p:spPr>
-          <a:xfrm>
-            <a:off x="1910362" y="2153108"/>
-            <a:ext cx="568867" cy="910311"/>
-          </a:xfrm>
-          <a:prstGeom prst="straightConnector1">
-            <a:avLst/>
-          </a:prstGeom>
-          <a:ln w="19050">
-            <a:solidFill>
-              <a:schemeClr val="tx1"/>
-            </a:solidFill>
-            <a:prstDash val="solid"/>
-            <a:tailEnd type="triangle"/>
-          </a:ln>
-        </p:spPr>
-        <p:style>
-          <a:lnRef idx="1">
-            <a:schemeClr val="accent1"/>
-          </a:lnRef>
-          <a:fillRef idx="0">
-            <a:schemeClr val="accent1"/>
-          </a:fillRef>
-          <a:effectRef idx="0">
-            <a:schemeClr val="accent1"/>
-          </a:effectRef>
-          <a:fontRef idx="minor">
-            <a:schemeClr val="tx1"/>
-          </a:fontRef>
-        </p:style>
-      </p:cxnSp>
-      <p:sp>
-        <p:nvSpPr>
-          <p:cNvPr id="76" name="TextBox 75">
-            <a:extLst>
-              <a:ext uri="{FF2B5EF4-FFF2-40B4-BE49-F238E27FC236}">
-                <a16:creationId xmlns:a16="http://schemas.microsoft.com/office/drawing/2014/main" id="{6C22163D-87CF-BDE6-599E-F2275CD480AD}"/>
-              </a:ext>
-            </a:extLst>
-          </p:cNvPr>
-          <p:cNvSpPr txBox="1"/>
-          <p:nvPr/>
-        </p:nvSpPr>
-        <p:spPr>
-          <a:xfrm>
-            <a:off x="553665" y="176549"/>
-            <a:ext cx="11130335" cy="800219"/>
-          </a:xfrm>
-          <a:prstGeom prst="rect">
-            <a:avLst/>
-          </a:prstGeom>
-          <a:noFill/>
-        </p:spPr>
-        <p:txBody>
-          <a:bodyPr wrap="square" rtlCol="0" anchor="t">
-            <a:spAutoFit/>
-          </a:bodyPr>
-          <a:lstStyle/>
-          <a:p>
-            <a:pPr algn="r"/>
-            <a:r>
-              <a:rPr lang="en-US" sz="2300" b="1" cap="all" dirty="0">
-                <a:solidFill>
-                  <a:srgbClr val="C00000"/>
-                </a:solidFill>
-                <a:latin typeface="Alte Haas Grotesk" panose="02000503000000020004" pitchFamily="2" charset="0"/>
-              </a:rPr>
-              <a:t>The hive - Modular monolith with hexagons inside</a:t>
-            </a:r>
-          </a:p>
-          <a:p>
-            <a:pPr algn="r"/>
-            <a:endParaRPr lang="en-US" sz="2300" b="1" cap="all" dirty="0">
-              <a:solidFill>
-                <a:srgbClr val="C00000"/>
-              </a:solidFill>
-              <a:latin typeface="Alte Haas Grotesk" panose="02000503000000020004" pitchFamily="2" charset="0"/>
-            </a:endParaRPr>
-          </a:p>
-        </p:txBody>
-      </p:sp>
-      <p:grpSp>
-        <p:nvGrpSpPr>
-          <p:cNvPr id="5" name="Group 4">
-            <a:extLst>
-              <a:ext uri="{FF2B5EF4-FFF2-40B4-BE49-F238E27FC236}">
-                <a16:creationId xmlns:a16="http://schemas.microsoft.com/office/drawing/2014/main" id="{90954354-D504-297B-FF5D-301577B26666}"/>
-              </a:ext>
-            </a:extLst>
-          </p:cNvPr>
-          <p:cNvGrpSpPr/>
-          <p:nvPr/>
-        </p:nvGrpSpPr>
-        <p:grpSpPr>
-          <a:xfrm>
-            <a:off x="6948123" y="1786631"/>
-            <a:ext cx="2689398" cy="2141669"/>
-            <a:chOff x="6538019" y="3278432"/>
-            <a:chExt cx="3085367" cy="2476727"/>
-          </a:xfrm>
-        </p:grpSpPr>
-        <p:grpSp>
-          <p:nvGrpSpPr>
-            <p:cNvPr id="4" name="Group 3">
-              <a:extLst>
-                <a:ext uri="{FF2B5EF4-FFF2-40B4-BE49-F238E27FC236}">
-                  <a16:creationId xmlns:a16="http://schemas.microsoft.com/office/drawing/2014/main" id="{A0AD7627-CA42-A16A-95A7-5420680D70BC}"/>
-                </a:ext>
-              </a:extLst>
-            </p:cNvPr>
-            <p:cNvGrpSpPr/>
-            <p:nvPr/>
-          </p:nvGrpSpPr>
-          <p:grpSpPr>
-            <a:xfrm>
-              <a:off x="6538019" y="3278432"/>
-              <a:ext cx="3085367" cy="2476727"/>
-              <a:chOff x="7337918" y="829444"/>
-              <a:chExt cx="5829362" cy="4679428"/>
-            </a:xfrm>
-          </p:grpSpPr>
-          <p:sp>
-            <p:nvSpPr>
-              <p:cNvPr id="54" name="Hexagon 53">
-                <a:extLst>
-                  <a:ext uri="{FF2B5EF4-FFF2-40B4-BE49-F238E27FC236}">
-                    <a16:creationId xmlns:a16="http://schemas.microsoft.com/office/drawing/2014/main" id="{9DD52ED7-5148-67C5-D885-4E2830223613}"/>
-                  </a:ext>
-                </a:extLst>
-              </p:cNvPr>
-              <p:cNvSpPr/>
-              <p:nvPr/>
-            </p:nvSpPr>
-            <p:spPr>
-              <a:xfrm>
-                <a:off x="7337918" y="829444"/>
-                <a:ext cx="4270328" cy="3562815"/>
-              </a:xfrm>
-              <a:prstGeom prst="hexagon">
-                <a:avLst/>
-              </a:prstGeom>
-              <a:solidFill>
-                <a:srgbClr val="C5E0B4"/>
-              </a:solidFill>
-              <a:ln w="47625">
-                <a:solidFill>
-                  <a:schemeClr val="accent6">
-                    <a:lumMod val="50000"/>
-                  </a:schemeClr>
-                </a:solidFill>
-              </a:ln>
-            </p:spPr>
-            <p:style>
-              <a:lnRef idx="2">
-                <a:schemeClr val="accent1">
-                  <a:shade val="50000"/>
-                </a:schemeClr>
-              </a:lnRef>
-              <a:fillRef idx="1">
-                <a:schemeClr val="accent1"/>
-              </a:fillRef>
-              <a:effectRef idx="0">
-                <a:schemeClr val="accent1"/>
-              </a:effectRef>
-              <a:fontRef idx="minor">
-                <a:schemeClr val="lt1"/>
-              </a:fontRef>
-            </p:style>
-            <p:txBody>
-              <a:bodyPr rtlCol="0" anchor="ctr"/>
-              <a:lstStyle/>
-              <a:p>
-                <a:pPr algn="ctr"/>
-                <a:endParaRPr lang="fr-FR"/>
-              </a:p>
-            </p:txBody>
-          </p:sp>
-          <p:sp>
-            <p:nvSpPr>
-              <p:cNvPr id="55" name="Hexagon 54">
-                <a:extLst>
-                  <a:ext uri="{FF2B5EF4-FFF2-40B4-BE49-F238E27FC236}">
-                    <a16:creationId xmlns:a16="http://schemas.microsoft.com/office/drawing/2014/main" id="{E1A94735-76EC-0EEC-1E7A-94F203EE3E8A}"/>
-                  </a:ext>
-                </a:extLst>
-              </p:cNvPr>
-              <p:cNvSpPr/>
-              <p:nvPr/>
-            </p:nvSpPr>
-            <p:spPr>
-              <a:xfrm>
-                <a:off x="7500976" y="1564081"/>
-                <a:ext cx="3040380" cy="2093540"/>
-              </a:xfrm>
-              <a:prstGeom prst="hexagon">
-                <a:avLst/>
-              </a:prstGeom>
-              <a:solidFill>
-                <a:schemeClr val="accent6">
-                  <a:lumMod val="75000"/>
-                </a:schemeClr>
-              </a:solidFill>
-              <a:ln w="28575">
-                <a:solidFill>
-                  <a:schemeClr val="accent6">
-                    <a:lumMod val="50000"/>
-                  </a:schemeClr>
-                </a:solidFill>
-              </a:ln>
-            </p:spPr>
-            <p:style>
-              <a:lnRef idx="2">
-                <a:schemeClr val="accent1">
-                  <a:shade val="50000"/>
-                </a:schemeClr>
-              </a:lnRef>
-              <a:fillRef idx="1">
-                <a:schemeClr val="accent1"/>
-              </a:fillRef>
-              <a:effectRef idx="0">
-                <a:schemeClr val="accent1"/>
-              </a:effectRef>
-              <a:fontRef idx="minor">
-                <a:schemeClr val="lt1"/>
-              </a:fontRef>
-            </p:style>
-            <p:txBody>
-              <a:bodyPr rtlCol="0" anchor="ctr"/>
-              <a:lstStyle/>
-              <a:p>
-                <a:pPr algn="ctr"/>
-                <a:endParaRPr lang="fr-FR"/>
-              </a:p>
-            </p:txBody>
-          </p:sp>
-          <p:grpSp>
-            <p:nvGrpSpPr>
-              <p:cNvPr id="58" name="Group 57">
-                <a:extLst>
-                  <a:ext uri="{FF2B5EF4-FFF2-40B4-BE49-F238E27FC236}">
-                    <a16:creationId xmlns:a16="http://schemas.microsoft.com/office/drawing/2014/main" id="{46FE6698-D1C7-EB99-A29D-01C15BFE6930}"/>
-                  </a:ext>
-                </a:extLst>
-              </p:cNvPr>
-              <p:cNvGrpSpPr/>
-              <p:nvPr/>
-            </p:nvGrpSpPr>
-            <p:grpSpPr>
-              <a:xfrm>
-                <a:off x="7861806" y="2350240"/>
-                <a:ext cx="171374" cy="381578"/>
-                <a:chOff x="7799511" y="3494635"/>
-                <a:chExt cx="171374" cy="381578"/>
-              </a:xfrm>
-            </p:grpSpPr>
-            <p:cxnSp>
-              <p:nvCxnSpPr>
-                <p:cNvPr id="59" name="Straight Connector 58">
-                  <a:extLst>
-                    <a:ext uri="{FF2B5EF4-FFF2-40B4-BE49-F238E27FC236}">
-                      <a16:creationId xmlns:a16="http://schemas.microsoft.com/office/drawing/2014/main" id="{346842CB-ECB5-4A41-CB6E-850668EB1AAA}"/>
-                    </a:ext>
-                  </a:extLst>
-                </p:cNvPr>
-                <p:cNvCxnSpPr>
-                  <a:cxnSpLocks/>
-                </p:cNvCxnSpPr>
-                <p:nvPr/>
-              </p:nvCxnSpPr>
-              <p:spPr>
-                <a:xfrm>
-                  <a:off x="7885198" y="3666009"/>
-                  <a:ext cx="0" cy="210204"/>
-                </a:xfrm>
-                <a:prstGeom prst="line">
-                  <a:avLst/>
-                </a:prstGeom>
-                <a:ln w="38100">
-                  <a:solidFill>
-                    <a:schemeClr val="tx1"/>
-                  </a:solidFill>
-                </a:ln>
-              </p:spPr>
-              <p:style>
-                <a:lnRef idx="1">
-                  <a:schemeClr val="accent1"/>
-                </a:lnRef>
-                <a:fillRef idx="0">
-                  <a:schemeClr val="accent1"/>
-                </a:fillRef>
-                <a:effectRef idx="0">
-                  <a:schemeClr val="accent1"/>
-                </a:effectRef>
-                <a:fontRef idx="minor">
-                  <a:schemeClr val="tx1"/>
-                </a:fontRef>
-              </p:style>
-            </p:cxnSp>
-            <p:sp>
-              <p:nvSpPr>
-                <p:cNvPr id="60" name="Oval 59">
-                  <a:extLst>
-                    <a:ext uri="{FF2B5EF4-FFF2-40B4-BE49-F238E27FC236}">
-                      <a16:creationId xmlns:a16="http://schemas.microsoft.com/office/drawing/2014/main" id="{B239EA92-866E-0A54-CA7C-B0B33D25230B}"/>
-                    </a:ext>
-                  </a:extLst>
-                </p:cNvPr>
-                <p:cNvSpPr/>
-                <p:nvPr/>
-              </p:nvSpPr>
-              <p:spPr>
-                <a:xfrm>
-                  <a:off x="7799511" y="3494635"/>
-                  <a:ext cx="171374" cy="171374"/>
-                </a:xfrm>
-                <a:prstGeom prst="ellipse">
-                  <a:avLst/>
-                </a:prstGeom>
-                <a:solidFill>
-                  <a:schemeClr val="bg1"/>
-                </a:solidFill>
-                <a:ln w="19050">
-                  <a:solidFill>
-                    <a:schemeClr val="tx1"/>
-                  </a:solidFill>
-                </a:ln>
-              </p:spPr>
-              <p:style>
-                <a:lnRef idx="2">
-                  <a:schemeClr val="accent1">
-                    <a:shade val="50000"/>
-                  </a:schemeClr>
-                </a:lnRef>
-                <a:fillRef idx="1">
-                  <a:schemeClr val="accent1"/>
-                </a:fillRef>
-                <a:effectRef idx="0">
-                  <a:schemeClr val="accent1"/>
-                </a:effectRef>
-                <a:fontRef idx="minor">
-                  <a:schemeClr val="lt1"/>
-                </a:fontRef>
-              </p:style>
-              <p:txBody>
-                <a:bodyPr rtlCol="0" anchor="ctr"/>
-                <a:lstStyle/>
-                <a:p>
-                  <a:pPr algn="ctr"/>
-                  <a:endParaRPr lang="en-GB"/>
-                </a:p>
-              </p:txBody>
-            </p:sp>
-          </p:grpSp>
-          <p:sp>
-            <p:nvSpPr>
-              <p:cNvPr id="61" name="Rectangle: Rounded Corners 60">
-                <a:extLst>
-                  <a:ext uri="{FF2B5EF4-FFF2-40B4-BE49-F238E27FC236}">
-                    <a16:creationId xmlns:a16="http://schemas.microsoft.com/office/drawing/2014/main" id="{A91F7BBF-76E0-0B42-A3AD-72D12FFFF00E}"/>
-                  </a:ext>
-                </a:extLst>
-              </p:cNvPr>
-              <p:cNvSpPr/>
-              <p:nvPr/>
-            </p:nvSpPr>
-            <p:spPr>
-              <a:xfrm>
-                <a:off x="9299552" y="2347348"/>
-                <a:ext cx="425816" cy="351565"/>
-              </a:xfrm>
-              <a:prstGeom prst="roundRect">
-                <a:avLst/>
-              </a:prstGeom>
-              <a:solidFill>
-                <a:schemeClr val="accent6">
-                  <a:lumMod val="50000"/>
-                </a:schemeClr>
-              </a:solidFill>
-              <a:ln>
-                <a:solidFill>
-                  <a:schemeClr val="tx1"/>
-                </a:solidFill>
-              </a:ln>
-            </p:spPr>
-            <p:style>
-              <a:lnRef idx="2">
-                <a:schemeClr val="accent1">
-                  <a:shade val="50000"/>
-                </a:schemeClr>
-              </a:lnRef>
-              <a:fillRef idx="1">
-                <a:schemeClr val="accent1"/>
-              </a:fillRef>
-              <a:effectRef idx="0">
-                <a:schemeClr val="accent1"/>
-              </a:effectRef>
-              <a:fontRef idx="minor">
-                <a:schemeClr val="lt1"/>
-              </a:fontRef>
-            </p:style>
-            <p:txBody>
-              <a:bodyPr rtlCol="0" anchor="ctr"/>
-              <a:lstStyle/>
-              <a:p>
-                <a:pPr algn="ctr"/>
-                <a:endParaRPr lang="en-GB"/>
-              </a:p>
-            </p:txBody>
-          </p:sp>
-          <p:cxnSp>
-            <p:nvCxnSpPr>
-              <p:cNvPr id="62" name="Connector: Elbow 61">
-                <a:extLst>
-                  <a:ext uri="{FF2B5EF4-FFF2-40B4-BE49-F238E27FC236}">
-                    <a16:creationId xmlns:a16="http://schemas.microsoft.com/office/drawing/2014/main" id="{F35028B4-E820-3AD3-679D-1FBB515019AD}"/>
-                  </a:ext>
-                </a:extLst>
-              </p:cNvPr>
-              <p:cNvCxnSpPr>
-                <a:cxnSpLocks/>
-                <a:stCxn id="75" idx="3"/>
-                <a:endCxn id="68" idx="1"/>
-              </p:cNvCxnSpPr>
-              <p:nvPr/>
-            </p:nvCxnSpPr>
-            <p:spPr>
-              <a:xfrm flipV="1">
-                <a:off x="8165112" y="2432929"/>
-                <a:ext cx="380123" cy="439386"/>
-              </a:xfrm>
-              <a:prstGeom prst="bentConnector3">
-                <a:avLst/>
-              </a:prstGeom>
-              <a:ln w="9525">
-                <a:solidFill>
-                  <a:schemeClr val="tx1"/>
-                </a:solidFill>
-                <a:tailEnd type="none"/>
-              </a:ln>
-            </p:spPr>
-            <p:style>
-              <a:lnRef idx="1">
-                <a:schemeClr val="accent1"/>
-              </a:lnRef>
-              <a:fillRef idx="0">
-                <a:schemeClr val="accent1"/>
-              </a:fillRef>
-              <a:effectRef idx="0">
-                <a:schemeClr val="accent1"/>
-              </a:effectRef>
-              <a:fontRef idx="minor">
-                <a:schemeClr val="tx1"/>
-              </a:fontRef>
-            </p:style>
-          </p:cxnSp>
-          <p:cxnSp>
-            <p:nvCxnSpPr>
-              <p:cNvPr id="67" name="Connector: Elbow 66">
-                <a:extLst>
-                  <a:ext uri="{FF2B5EF4-FFF2-40B4-BE49-F238E27FC236}">
-                    <a16:creationId xmlns:a16="http://schemas.microsoft.com/office/drawing/2014/main" id="{F4DA6F4A-D250-0679-5659-97B30FF5D9B5}"/>
-                  </a:ext>
-                </a:extLst>
-              </p:cNvPr>
-              <p:cNvCxnSpPr>
-                <a:cxnSpLocks/>
-                <a:stCxn id="68" idx="3"/>
-                <a:endCxn id="61" idx="0"/>
-              </p:cNvCxnSpPr>
-              <p:nvPr/>
-            </p:nvCxnSpPr>
-            <p:spPr>
-              <a:xfrm flipV="1">
-                <a:off x="8971051" y="2347348"/>
-                <a:ext cx="541409" cy="85579"/>
-              </a:xfrm>
-              <a:prstGeom prst="bentConnector4">
-                <a:avLst>
-                  <a:gd name="adj1" fmla="val 49865"/>
-                  <a:gd name="adj2" fmla="val 163347"/>
-                </a:avLst>
-              </a:prstGeom>
-              <a:ln w="9525">
-                <a:solidFill>
-                  <a:schemeClr val="tx1"/>
-                </a:solidFill>
-                <a:tailEnd type="none"/>
-              </a:ln>
-            </p:spPr>
-            <p:style>
-              <a:lnRef idx="1">
-                <a:schemeClr val="accent1"/>
-              </a:lnRef>
-              <a:fillRef idx="0">
-                <a:schemeClr val="accent1"/>
-              </a:fillRef>
-              <a:effectRef idx="0">
-                <a:schemeClr val="accent1"/>
-              </a:effectRef>
-              <a:fontRef idx="minor">
-                <a:schemeClr val="tx1"/>
-              </a:fontRef>
-            </p:style>
-          </p:cxnSp>
-          <p:sp>
-            <p:nvSpPr>
-              <p:cNvPr id="68" name="Rectangle: Rounded Corners 67">
-                <a:extLst>
-                  <a:ext uri="{FF2B5EF4-FFF2-40B4-BE49-F238E27FC236}">
-                    <a16:creationId xmlns:a16="http://schemas.microsoft.com/office/drawing/2014/main" id="{E3DC875F-221F-60CA-BAAA-116AF524C906}"/>
-                  </a:ext>
-                </a:extLst>
-              </p:cNvPr>
-              <p:cNvSpPr/>
-              <p:nvPr/>
-            </p:nvSpPr>
-            <p:spPr>
-              <a:xfrm>
-                <a:off x="8545235" y="2257145"/>
-                <a:ext cx="425816" cy="351565"/>
-              </a:xfrm>
-              <a:prstGeom prst="roundRect">
-                <a:avLst/>
-              </a:prstGeom>
-              <a:solidFill>
-                <a:schemeClr val="accent6">
-                  <a:lumMod val="50000"/>
-                </a:schemeClr>
-              </a:solidFill>
-              <a:ln>
-                <a:solidFill>
-                  <a:schemeClr val="tx1"/>
-                </a:solidFill>
-              </a:ln>
-            </p:spPr>
-            <p:style>
-              <a:lnRef idx="2">
-                <a:schemeClr val="accent1">
-                  <a:shade val="50000"/>
-                </a:schemeClr>
-              </a:lnRef>
-              <a:fillRef idx="1">
-                <a:schemeClr val="accent1"/>
-              </a:fillRef>
-              <a:effectRef idx="0">
-                <a:schemeClr val="accent1"/>
-              </a:effectRef>
-              <a:fontRef idx="minor">
-                <a:schemeClr val="lt1"/>
-              </a:fontRef>
-            </p:style>
-            <p:txBody>
-              <a:bodyPr rtlCol="0" anchor="ctr"/>
-              <a:lstStyle/>
-              <a:p>
-                <a:pPr algn="ctr"/>
-                <a:endParaRPr lang="en-GB"/>
-              </a:p>
-            </p:txBody>
-          </p:sp>
-          <p:sp>
-            <p:nvSpPr>
-              <p:cNvPr id="69" name="Diamond 68">
-                <a:extLst>
-                  <a:ext uri="{FF2B5EF4-FFF2-40B4-BE49-F238E27FC236}">
-                    <a16:creationId xmlns:a16="http://schemas.microsoft.com/office/drawing/2014/main" id="{38959B09-D0ED-0133-3C32-6E7FE0C1DE99}"/>
-                  </a:ext>
-                </a:extLst>
-              </p:cNvPr>
-              <p:cNvSpPr/>
-              <p:nvPr/>
-            </p:nvSpPr>
-            <p:spPr>
-              <a:xfrm>
-                <a:off x="8992014" y="2343811"/>
-                <a:ext cx="167131" cy="167131"/>
-              </a:xfrm>
-              <a:prstGeom prst="diamond">
-                <a:avLst/>
-              </a:prstGeom>
-              <a:solidFill>
-                <a:schemeClr val="tx1"/>
-              </a:solidFill>
-              <a:ln>
-                <a:solidFill>
-                  <a:schemeClr val="tx1"/>
-                </a:solidFill>
-              </a:ln>
-            </p:spPr>
-            <p:style>
-              <a:lnRef idx="2">
-                <a:schemeClr val="accent1">
-                  <a:shade val="50000"/>
-                </a:schemeClr>
-              </a:lnRef>
-              <a:fillRef idx="1">
-                <a:schemeClr val="accent1"/>
-              </a:fillRef>
-              <a:effectRef idx="0">
-                <a:schemeClr val="accent1"/>
-              </a:effectRef>
-              <a:fontRef idx="minor">
-                <a:schemeClr val="lt1"/>
-              </a:fontRef>
-            </p:style>
-            <p:txBody>
-              <a:bodyPr rtlCol="0" anchor="ctr"/>
-              <a:lstStyle/>
-              <a:p>
-                <a:pPr algn="ctr"/>
-                <a:endParaRPr lang="en-GB"/>
-              </a:p>
-            </p:txBody>
-          </p:sp>
-          <p:sp>
-            <p:nvSpPr>
-              <p:cNvPr id="75" name="Rectangle: Rounded Corners 74">
-                <a:extLst>
-                  <a:ext uri="{FF2B5EF4-FFF2-40B4-BE49-F238E27FC236}">
-                    <a16:creationId xmlns:a16="http://schemas.microsoft.com/office/drawing/2014/main" id="{0248DB1F-705C-5333-B937-E8B8427AF43B}"/>
-                  </a:ext>
-                </a:extLst>
-              </p:cNvPr>
-              <p:cNvSpPr/>
-              <p:nvPr/>
-            </p:nvSpPr>
-            <p:spPr>
-              <a:xfrm>
-                <a:off x="7739293" y="2696532"/>
-                <a:ext cx="425819" cy="351564"/>
-              </a:xfrm>
-              <a:prstGeom prst="roundRect">
-                <a:avLst/>
-              </a:prstGeom>
-              <a:solidFill>
-                <a:schemeClr val="accent6">
-                  <a:lumMod val="50000"/>
-                </a:schemeClr>
-              </a:solidFill>
-              <a:ln>
-                <a:solidFill>
-                  <a:schemeClr val="tx1"/>
-                </a:solidFill>
-              </a:ln>
-            </p:spPr>
-            <p:style>
-              <a:lnRef idx="2">
-                <a:schemeClr val="accent1">
-                  <a:shade val="50000"/>
-                </a:schemeClr>
-              </a:lnRef>
-              <a:fillRef idx="1">
-                <a:schemeClr val="accent1"/>
-              </a:fillRef>
-              <a:effectRef idx="0">
-                <a:schemeClr val="accent1"/>
-              </a:effectRef>
-              <a:fontRef idx="minor">
-                <a:schemeClr val="lt1"/>
-              </a:fontRef>
-            </p:style>
-            <p:txBody>
-              <a:bodyPr rtlCol="0" anchor="ctr"/>
-              <a:lstStyle/>
-              <a:p>
-                <a:pPr algn="ctr"/>
-                <a:endParaRPr lang="en-GB"/>
-              </a:p>
-            </p:txBody>
-          </p:sp>
-          <p:sp>
-            <p:nvSpPr>
-              <p:cNvPr id="77" name="Diamond 76">
-                <a:extLst>
-                  <a:ext uri="{FF2B5EF4-FFF2-40B4-BE49-F238E27FC236}">
-                    <a16:creationId xmlns:a16="http://schemas.microsoft.com/office/drawing/2014/main" id="{6F5E8D24-8A24-64CE-5518-2761583907EC}"/>
-                  </a:ext>
-                </a:extLst>
-              </p:cNvPr>
-              <p:cNvSpPr/>
-              <p:nvPr/>
-            </p:nvSpPr>
-            <p:spPr>
-              <a:xfrm>
-                <a:off x="8177762" y="2788992"/>
-                <a:ext cx="167130" cy="167133"/>
-              </a:xfrm>
-              <a:prstGeom prst="diamond">
-                <a:avLst/>
-              </a:prstGeom>
-              <a:solidFill>
-                <a:schemeClr val="tx1"/>
-              </a:solidFill>
-              <a:ln>
-                <a:solidFill>
-                  <a:schemeClr val="tx1"/>
-                </a:solidFill>
-              </a:ln>
-            </p:spPr>
-            <p:style>
-              <a:lnRef idx="2">
-                <a:schemeClr val="accent1">
-                  <a:shade val="50000"/>
-                </a:schemeClr>
-              </a:lnRef>
-              <a:fillRef idx="1">
-                <a:schemeClr val="accent1"/>
-              </a:fillRef>
-              <a:effectRef idx="0">
-                <a:schemeClr val="accent1"/>
-              </a:effectRef>
-              <a:fontRef idx="minor">
-                <a:schemeClr val="lt1"/>
-              </a:fontRef>
-            </p:style>
-            <p:txBody>
-              <a:bodyPr rtlCol="0" anchor="ctr"/>
-              <a:lstStyle/>
-              <a:p>
-                <a:pPr algn="ctr"/>
-                <a:endParaRPr lang="en-GB"/>
-              </a:p>
-            </p:txBody>
-          </p:sp>
-          <p:sp>
-            <p:nvSpPr>
-              <p:cNvPr id="78" name="Right Brace 77">
-                <a:extLst>
-                  <a:ext uri="{FF2B5EF4-FFF2-40B4-BE49-F238E27FC236}">
-                    <a16:creationId xmlns:a16="http://schemas.microsoft.com/office/drawing/2014/main" id="{5526F385-4419-589B-87CB-309B2247E2DD}"/>
-                  </a:ext>
-                </a:extLst>
-              </p:cNvPr>
-              <p:cNvSpPr/>
-              <p:nvPr/>
-            </p:nvSpPr>
-            <p:spPr>
-              <a:xfrm rot="12414236">
-                <a:off x="10428366" y="2672008"/>
-                <a:ext cx="883655" cy="428062"/>
-              </a:xfrm>
-              <a:prstGeom prst="rightBrace">
-                <a:avLst>
-                  <a:gd name="adj1" fmla="val 9622"/>
-                  <a:gd name="adj2" fmla="val 54011"/>
-                </a:avLst>
-              </a:prstGeom>
-              <a:ln w="34925">
-                <a:solidFill>
-                  <a:schemeClr val="tx1"/>
-                </a:solidFill>
-              </a:ln>
-            </p:spPr>
-            <p:style>
-              <a:lnRef idx="1">
-                <a:schemeClr val="accent1"/>
-              </a:lnRef>
-              <a:fillRef idx="0">
-                <a:schemeClr val="accent1"/>
-              </a:fillRef>
-              <a:effectRef idx="0">
-                <a:schemeClr val="accent1"/>
-              </a:effectRef>
-              <a:fontRef idx="minor">
-                <a:schemeClr val="tx1"/>
-              </a:fontRef>
-            </p:style>
-            <p:txBody>
-              <a:bodyPr rtlCol="0" anchor="ctr"/>
-              <a:lstStyle/>
-              <a:p>
-                <a:pPr algn="ctr"/>
-                <a:endParaRPr lang="en-GB"/>
-              </a:p>
-            </p:txBody>
-          </p:sp>
-          <p:cxnSp>
-            <p:nvCxnSpPr>
-              <p:cNvPr id="81" name="Straight Arrow Connector 80">
-                <a:extLst>
-                  <a:ext uri="{FF2B5EF4-FFF2-40B4-BE49-F238E27FC236}">
-                    <a16:creationId xmlns:a16="http://schemas.microsoft.com/office/drawing/2014/main" id="{372655C0-14CB-8966-42FE-167A0B45D45B}"/>
-                  </a:ext>
-                </a:extLst>
-              </p:cNvPr>
-              <p:cNvCxnSpPr>
-                <a:cxnSpLocks/>
-                <a:stCxn id="61" idx="3"/>
-                <a:endCxn id="82" idx="1"/>
-              </p:cNvCxnSpPr>
-              <p:nvPr/>
-            </p:nvCxnSpPr>
-            <p:spPr>
-              <a:xfrm>
-                <a:off x="9725368" y="2523131"/>
-                <a:ext cx="634759" cy="60184"/>
-              </a:xfrm>
-              <a:prstGeom prst="straightConnector1">
-                <a:avLst/>
-              </a:prstGeom>
-              <a:ln w="9525">
-                <a:solidFill>
-                  <a:schemeClr val="tx1"/>
-                </a:solidFill>
-                <a:prstDash val="dash"/>
-                <a:tailEnd type="triangle"/>
-              </a:ln>
-            </p:spPr>
-            <p:style>
-              <a:lnRef idx="1">
-                <a:schemeClr val="accent1"/>
-              </a:lnRef>
-              <a:fillRef idx="0">
-                <a:schemeClr val="accent1"/>
-              </a:fillRef>
-              <a:effectRef idx="0">
-                <a:schemeClr val="accent1"/>
-              </a:effectRef>
-              <a:fontRef idx="minor">
-                <a:schemeClr val="tx1"/>
-              </a:fontRef>
-            </p:style>
-          </p:cxnSp>
-          <p:sp>
-            <p:nvSpPr>
-              <p:cNvPr id="82" name="Oval 81">
-                <a:extLst>
-                  <a:ext uri="{FF2B5EF4-FFF2-40B4-BE49-F238E27FC236}">
-                    <a16:creationId xmlns:a16="http://schemas.microsoft.com/office/drawing/2014/main" id="{FB5953B9-54B3-B547-8D14-8A7FE26D7C31}"/>
-                  </a:ext>
-                </a:extLst>
-              </p:cNvPr>
-              <p:cNvSpPr/>
-              <p:nvPr/>
-            </p:nvSpPr>
-            <p:spPr>
-              <a:xfrm>
-                <a:off x="10335030" y="2558218"/>
-                <a:ext cx="171374" cy="171374"/>
-              </a:xfrm>
-              <a:prstGeom prst="ellipse">
-                <a:avLst/>
-              </a:prstGeom>
-              <a:solidFill>
-                <a:schemeClr val="bg1"/>
-              </a:solidFill>
-              <a:ln w="19050">
-                <a:solidFill>
-                  <a:schemeClr val="tx1"/>
-                </a:solidFill>
-              </a:ln>
-            </p:spPr>
-            <p:style>
-              <a:lnRef idx="2">
-                <a:schemeClr val="accent1">
-                  <a:shade val="50000"/>
-                </a:schemeClr>
-              </a:lnRef>
-              <a:fillRef idx="1">
-                <a:schemeClr val="accent1"/>
-              </a:fillRef>
-              <a:effectRef idx="0">
-                <a:schemeClr val="accent1"/>
-              </a:effectRef>
-              <a:fontRef idx="minor">
-                <a:schemeClr val="lt1"/>
-              </a:fontRef>
-            </p:style>
-            <p:txBody>
-              <a:bodyPr rtlCol="0" anchor="ctr"/>
-              <a:lstStyle/>
-              <a:p>
-                <a:pPr algn="ctr"/>
-                <a:endParaRPr lang="en-GB"/>
-              </a:p>
-            </p:txBody>
-          </p:sp>
-          <p:sp>
-            <p:nvSpPr>
-              <p:cNvPr id="87" name="Rectangle: Rounded Corners 86">
-                <a:extLst>
-                  <a:ext uri="{FF2B5EF4-FFF2-40B4-BE49-F238E27FC236}">
-                    <a16:creationId xmlns:a16="http://schemas.microsoft.com/office/drawing/2014/main" id="{93063552-4216-984A-B7EB-C376D8B80F06}"/>
-                  </a:ext>
-                </a:extLst>
-              </p:cNvPr>
-              <p:cNvSpPr/>
-              <p:nvPr/>
-            </p:nvSpPr>
-            <p:spPr>
-              <a:xfrm>
-                <a:off x="8610954" y="2989347"/>
-                <a:ext cx="425816" cy="351564"/>
-              </a:xfrm>
-              <a:prstGeom prst="roundRect">
-                <a:avLst/>
-              </a:prstGeom>
-              <a:solidFill>
-                <a:schemeClr val="accent6">
-                  <a:lumMod val="50000"/>
-                </a:schemeClr>
-              </a:solidFill>
-              <a:ln>
-                <a:solidFill>
-                  <a:schemeClr val="tx1"/>
-                </a:solidFill>
-              </a:ln>
-            </p:spPr>
-            <p:style>
-              <a:lnRef idx="2">
-                <a:schemeClr val="accent1">
-                  <a:shade val="50000"/>
-                </a:schemeClr>
-              </a:lnRef>
-              <a:fillRef idx="1">
-                <a:schemeClr val="accent1"/>
-              </a:fillRef>
-              <a:effectRef idx="0">
-                <a:schemeClr val="accent1"/>
-              </a:effectRef>
-              <a:fontRef idx="minor">
-                <a:schemeClr val="lt1"/>
-              </a:fontRef>
-            </p:style>
-            <p:txBody>
-              <a:bodyPr rtlCol="0" anchor="ctr"/>
-              <a:lstStyle/>
-              <a:p>
-                <a:pPr algn="ctr"/>
-                <a:endParaRPr lang="en-GB"/>
-              </a:p>
-            </p:txBody>
-          </p:sp>
-          <p:cxnSp>
-            <p:nvCxnSpPr>
-              <p:cNvPr id="90" name="Straight Arrow Connector 89">
-                <a:extLst>
-                  <a:ext uri="{FF2B5EF4-FFF2-40B4-BE49-F238E27FC236}">
-                    <a16:creationId xmlns:a16="http://schemas.microsoft.com/office/drawing/2014/main" id="{802E32F5-5DE5-AFCD-E40C-7A0751D592C4}"/>
-                  </a:ext>
-                </a:extLst>
-              </p:cNvPr>
-              <p:cNvCxnSpPr>
-                <a:cxnSpLocks/>
-                <a:stCxn id="75" idx="2"/>
-                <a:endCxn id="87" idx="1"/>
-              </p:cNvCxnSpPr>
-              <p:nvPr/>
-            </p:nvCxnSpPr>
-            <p:spPr>
-              <a:xfrm>
-                <a:off x="7952204" y="3048096"/>
-                <a:ext cx="658750" cy="117034"/>
-              </a:xfrm>
-              <a:prstGeom prst="straightConnector1">
-                <a:avLst/>
-              </a:prstGeom>
-              <a:ln w="9525">
-                <a:solidFill>
-                  <a:schemeClr val="tx1"/>
-                </a:solidFill>
-                <a:prstDash val="dash"/>
-                <a:tailEnd type="triangle"/>
-              </a:ln>
-            </p:spPr>
-            <p:style>
-              <a:lnRef idx="1">
-                <a:schemeClr val="accent1"/>
-              </a:lnRef>
-              <a:fillRef idx="0">
-                <a:schemeClr val="accent1"/>
-              </a:fillRef>
-              <a:effectRef idx="0">
-                <a:schemeClr val="accent1"/>
-              </a:effectRef>
-              <a:fontRef idx="minor">
-                <a:schemeClr val="tx1"/>
-              </a:fontRef>
-            </p:style>
-          </p:cxnSp>
-          <p:sp>
-            <p:nvSpPr>
-              <p:cNvPr id="91" name="TextBox 90">
-                <a:extLst>
-                  <a:ext uri="{FF2B5EF4-FFF2-40B4-BE49-F238E27FC236}">
-                    <a16:creationId xmlns:a16="http://schemas.microsoft.com/office/drawing/2014/main" id="{A72E871A-5011-AE88-AEE3-79FCA3EE906D}"/>
-                  </a:ext>
-                </a:extLst>
-              </p:cNvPr>
-              <p:cNvSpPr txBox="1"/>
-              <p:nvPr/>
-            </p:nvSpPr>
-            <p:spPr>
-              <a:xfrm>
-                <a:off x="7898728" y="1545013"/>
-                <a:ext cx="2229287" cy="672476"/>
-              </a:xfrm>
-              <a:prstGeom prst="rect">
-                <a:avLst/>
-              </a:prstGeom>
-              <a:noFill/>
-            </p:spPr>
-            <p:txBody>
-              <a:bodyPr wrap="square" rtlCol="0">
-                <a:spAutoFit/>
-              </a:bodyPr>
-              <a:lstStyle/>
-              <a:p>
-                <a:pPr algn="r"/>
-                <a:r>
-                  <a:rPr lang="en-GB" sz="700" b="1" cap="all" dirty="0">
-                    <a:solidFill>
-                      <a:schemeClr val="bg1"/>
-                    </a:solidFill>
-                    <a:latin typeface="Alte Haas Grotesk" panose="02000503000000020004" pitchFamily="2" charset="0"/>
-                  </a:rPr>
-                  <a:t>Auditorium </a:t>
-                </a:r>
-                <a:r>
-                  <a:rPr lang="en-GB" sz="700" b="1" cap="all" dirty="0" err="1">
-                    <a:solidFill>
-                      <a:schemeClr val="bg1"/>
-                    </a:solidFill>
-                    <a:latin typeface="Alte Haas Grotesk" panose="02000503000000020004" pitchFamily="2" charset="0"/>
-                  </a:rPr>
-                  <a:t>seatings</a:t>
-                </a:r>
-                <a:r>
-                  <a:rPr lang="en-GB" sz="700" b="1" cap="all" dirty="0">
-                    <a:solidFill>
-                      <a:schemeClr val="bg1"/>
-                    </a:solidFill>
-                    <a:latin typeface="Alte Haas Grotesk" panose="02000503000000020004" pitchFamily="2" charset="0"/>
-                  </a:rPr>
-                  <a:t> Domain</a:t>
-                </a:r>
-              </a:p>
-            </p:txBody>
-          </p:sp>
-          <p:sp>
-            <p:nvSpPr>
-              <p:cNvPr id="92" name="TextBox 91">
-                <a:extLst>
-                  <a:ext uri="{FF2B5EF4-FFF2-40B4-BE49-F238E27FC236}">
-                    <a16:creationId xmlns:a16="http://schemas.microsoft.com/office/drawing/2014/main" id="{EC6B82CF-2338-4999-5916-6422740C2309}"/>
-                  </a:ext>
-                </a:extLst>
-              </p:cNvPr>
-              <p:cNvSpPr txBox="1"/>
-              <p:nvPr/>
-            </p:nvSpPr>
-            <p:spPr>
-              <a:xfrm>
-                <a:off x="9182782" y="862837"/>
-                <a:ext cx="1523319" cy="504355"/>
-              </a:xfrm>
-              <a:prstGeom prst="rect">
-                <a:avLst/>
-              </a:prstGeom>
-              <a:noFill/>
-            </p:spPr>
-            <p:txBody>
-              <a:bodyPr wrap="square" rtlCol="0">
-                <a:spAutoFit/>
-              </a:bodyPr>
-              <a:lstStyle/>
-              <a:p>
-                <a:pPr algn="r"/>
-                <a:r>
-                  <a:rPr lang="en-GB" sz="900" b="1" cap="all" dirty="0">
-                    <a:latin typeface="Alte Haas Grotesk" panose="02000503000000020004" pitchFamily="2" charset="0"/>
-                  </a:rPr>
-                  <a:t>Infra</a:t>
-                </a:r>
-              </a:p>
-            </p:txBody>
-          </p:sp>
-          <p:sp>
-            <p:nvSpPr>
-              <p:cNvPr id="97" name="Right Brace 96">
-                <a:extLst>
-                  <a:ext uri="{FF2B5EF4-FFF2-40B4-BE49-F238E27FC236}">
-                    <a16:creationId xmlns:a16="http://schemas.microsoft.com/office/drawing/2014/main" id="{CB6994B6-0811-5440-AEF9-9EFFA4C518AE}"/>
-                  </a:ext>
-                </a:extLst>
-              </p:cNvPr>
-              <p:cNvSpPr/>
-              <p:nvPr/>
-            </p:nvSpPr>
-            <p:spPr>
-              <a:xfrm rot="12414236">
-                <a:off x="10019507" y="3457714"/>
-                <a:ext cx="883655" cy="428062"/>
-              </a:xfrm>
-              <a:prstGeom prst="rightBrace">
-                <a:avLst>
-                  <a:gd name="adj1" fmla="val 9622"/>
-                  <a:gd name="adj2" fmla="val 54011"/>
-                </a:avLst>
-              </a:prstGeom>
-              <a:ln w="34925">
-                <a:solidFill>
-                  <a:schemeClr val="tx1"/>
-                </a:solidFill>
-              </a:ln>
-            </p:spPr>
-            <p:style>
-              <a:lnRef idx="1">
-                <a:schemeClr val="accent1"/>
-              </a:lnRef>
-              <a:fillRef idx="0">
-                <a:schemeClr val="accent1"/>
-              </a:fillRef>
-              <a:effectRef idx="0">
-                <a:schemeClr val="accent1"/>
-              </a:effectRef>
-              <a:fontRef idx="minor">
-                <a:schemeClr val="tx1"/>
-              </a:fontRef>
-            </p:style>
-            <p:txBody>
-              <a:bodyPr rtlCol="0" anchor="ctr"/>
-              <a:lstStyle/>
-              <a:p>
-                <a:pPr algn="ctr"/>
-                <a:endParaRPr lang="en-GB"/>
-              </a:p>
-            </p:txBody>
-          </p:sp>
-          <p:sp>
-            <p:nvSpPr>
-              <p:cNvPr id="98" name="Oval 97">
-                <a:extLst>
-                  <a:ext uri="{FF2B5EF4-FFF2-40B4-BE49-F238E27FC236}">
-                    <a16:creationId xmlns:a16="http://schemas.microsoft.com/office/drawing/2014/main" id="{7BF73818-E535-8698-FF9A-9D010DCB30F2}"/>
-                  </a:ext>
-                </a:extLst>
-              </p:cNvPr>
-              <p:cNvSpPr/>
-              <p:nvPr/>
-            </p:nvSpPr>
-            <p:spPr>
-              <a:xfrm>
-                <a:off x="9926171" y="3343924"/>
-                <a:ext cx="171374" cy="171374"/>
-              </a:xfrm>
-              <a:prstGeom prst="ellipse">
-                <a:avLst/>
-              </a:prstGeom>
-              <a:solidFill>
-                <a:schemeClr val="bg1"/>
-              </a:solidFill>
-              <a:ln w="19050">
-                <a:solidFill>
-                  <a:schemeClr val="tx1"/>
-                </a:solidFill>
-              </a:ln>
-            </p:spPr>
-            <p:style>
-              <a:lnRef idx="2">
-                <a:schemeClr val="accent1">
-                  <a:shade val="50000"/>
-                </a:schemeClr>
-              </a:lnRef>
-              <a:fillRef idx="1">
-                <a:schemeClr val="accent1"/>
-              </a:fillRef>
-              <a:effectRef idx="0">
-                <a:schemeClr val="accent1"/>
-              </a:effectRef>
-              <a:fontRef idx="minor">
-                <a:schemeClr val="lt1"/>
-              </a:fontRef>
-            </p:style>
-            <p:txBody>
-              <a:bodyPr rtlCol="0" anchor="ctr"/>
-              <a:lstStyle/>
-              <a:p>
-                <a:pPr algn="ctr"/>
-                <a:endParaRPr lang="en-GB"/>
-              </a:p>
-            </p:txBody>
-          </p:sp>
-          <p:cxnSp>
-            <p:nvCxnSpPr>
-              <p:cNvPr id="101" name="Straight Arrow Connector 100">
-                <a:extLst>
-                  <a:ext uri="{FF2B5EF4-FFF2-40B4-BE49-F238E27FC236}">
-                    <a16:creationId xmlns:a16="http://schemas.microsoft.com/office/drawing/2014/main" id="{AB22FC2B-703A-9B0F-4D8A-789FABE0662A}"/>
-                  </a:ext>
-                </a:extLst>
-              </p:cNvPr>
-              <p:cNvCxnSpPr>
-                <a:cxnSpLocks/>
-                <a:stCxn id="87" idx="3"/>
-                <a:endCxn id="157" idx="0"/>
-              </p:cNvCxnSpPr>
-              <p:nvPr/>
-            </p:nvCxnSpPr>
-            <p:spPr>
-              <a:xfrm>
-                <a:off x="9036771" y="3165130"/>
-                <a:ext cx="379173" cy="290938"/>
-              </a:xfrm>
-              <a:prstGeom prst="straightConnector1">
-                <a:avLst/>
-              </a:prstGeom>
-              <a:ln w="9525">
-                <a:solidFill>
-                  <a:schemeClr val="tx1"/>
-                </a:solidFill>
-                <a:prstDash val="dash"/>
-                <a:tailEnd type="triangle"/>
-              </a:ln>
-            </p:spPr>
-            <p:style>
-              <a:lnRef idx="1">
-                <a:schemeClr val="accent1"/>
-              </a:lnRef>
-              <a:fillRef idx="0">
-                <a:schemeClr val="accent1"/>
-              </a:fillRef>
-              <a:effectRef idx="0">
-                <a:schemeClr val="accent1"/>
-              </a:effectRef>
-              <a:fontRef idx="minor">
-                <a:schemeClr val="tx1"/>
-              </a:fontRef>
-            </p:style>
-          </p:cxnSp>
-          <p:sp>
-            <p:nvSpPr>
-              <p:cNvPr id="105" name="Flowchart: Magnetic Disk 104">
-                <a:extLst>
-                  <a:ext uri="{FF2B5EF4-FFF2-40B4-BE49-F238E27FC236}">
-                    <a16:creationId xmlns:a16="http://schemas.microsoft.com/office/drawing/2014/main" id="{8D161307-1DEE-03B2-9CAB-88CE7816CC5A}"/>
-                  </a:ext>
-                </a:extLst>
-              </p:cNvPr>
-              <p:cNvSpPr/>
-              <p:nvPr/>
-            </p:nvSpPr>
-            <p:spPr>
-              <a:xfrm>
-                <a:off x="9279389" y="4800895"/>
-                <a:ext cx="504522" cy="707977"/>
-              </a:xfrm>
-              <a:prstGeom prst="flowChartMagneticDisk">
-                <a:avLst/>
-              </a:prstGeom>
-              <a:solidFill>
-                <a:schemeClr val="accent6">
-                  <a:lumMod val="40000"/>
-                  <a:lumOff val="60000"/>
-                </a:schemeClr>
-              </a:solidFill>
-              <a:ln w="25400">
-                <a:solidFill>
-                  <a:schemeClr val="accent6">
-                    <a:lumMod val="50000"/>
-                  </a:schemeClr>
-                </a:solidFill>
-              </a:ln>
-            </p:spPr>
-            <p:style>
-              <a:lnRef idx="2">
-                <a:schemeClr val="accent1">
-                  <a:shade val="50000"/>
-                </a:schemeClr>
-              </a:lnRef>
-              <a:fillRef idx="1">
-                <a:schemeClr val="accent1"/>
-              </a:fillRef>
-              <a:effectRef idx="0">
-                <a:schemeClr val="accent1"/>
-              </a:effectRef>
-              <a:fontRef idx="minor">
-                <a:schemeClr val="lt1"/>
-              </a:fontRef>
-            </p:style>
-            <p:txBody>
-              <a:bodyPr lIns="0" tIns="0" rIns="0" bIns="0" rtlCol="0" anchor="ctr"/>
-              <a:lstStyle/>
-              <a:p>
-                <a:pPr algn="ctr"/>
-                <a:r>
-                  <a:rPr lang="fr-FR" sz="800" b="1" cap="all" dirty="0" err="1">
-                    <a:solidFill>
-                      <a:schemeClr val="tx1"/>
-                    </a:solidFill>
-                    <a:latin typeface="Alte Haas Grotesk" panose="02000503000000020004" pitchFamily="2" charset="0"/>
-                  </a:rPr>
-                  <a:t>db</a:t>
-                </a:r>
-                <a:endParaRPr lang="fr-FR" sz="900" b="1" cap="all" dirty="0">
-                  <a:solidFill>
-                    <a:schemeClr val="tx1"/>
-                  </a:solidFill>
-                  <a:latin typeface="Alte Haas Grotesk" panose="02000503000000020004" pitchFamily="2" charset="0"/>
-                </a:endParaRPr>
-              </a:p>
-            </p:txBody>
-          </p:sp>
-          <p:cxnSp>
-            <p:nvCxnSpPr>
-              <p:cNvPr id="106" name="Straight Arrow Connector 105">
-                <a:extLst>
-                  <a:ext uri="{FF2B5EF4-FFF2-40B4-BE49-F238E27FC236}">
-                    <a16:creationId xmlns:a16="http://schemas.microsoft.com/office/drawing/2014/main" id="{1C9B2727-85A9-5D12-FFC7-BBD7E9F4CDB7}"/>
-                  </a:ext>
-                </a:extLst>
-              </p:cNvPr>
-              <p:cNvCxnSpPr>
-                <a:cxnSpLocks/>
-                <a:stCxn id="156" idx="2"/>
-                <a:endCxn id="105" idx="1"/>
-              </p:cNvCxnSpPr>
-              <p:nvPr/>
-            </p:nvCxnSpPr>
-            <p:spPr>
-              <a:xfrm>
-                <a:off x="9229822" y="4360616"/>
-                <a:ext cx="301829" cy="440279"/>
-              </a:xfrm>
-              <a:prstGeom prst="straightConnector1">
-                <a:avLst/>
-              </a:prstGeom>
-              <a:ln w="19050">
-                <a:solidFill>
-                  <a:schemeClr val="tx1"/>
-                </a:solidFill>
-                <a:prstDash val="solid"/>
-                <a:tailEnd type="triangle"/>
-              </a:ln>
-            </p:spPr>
-            <p:style>
-              <a:lnRef idx="1">
-                <a:schemeClr val="accent1"/>
-              </a:lnRef>
-              <a:fillRef idx="0">
-                <a:schemeClr val="accent1"/>
-              </a:fillRef>
-              <a:effectRef idx="0">
-                <a:schemeClr val="accent1"/>
-              </a:effectRef>
-              <a:fontRef idx="minor">
-                <a:schemeClr val="tx1"/>
-              </a:fontRef>
-            </p:style>
-          </p:cxnSp>
-          <p:cxnSp>
-            <p:nvCxnSpPr>
-              <p:cNvPr id="96" name="Straight Arrow Connector 95">
-                <a:extLst>
-                  <a:ext uri="{FF2B5EF4-FFF2-40B4-BE49-F238E27FC236}">
-                    <a16:creationId xmlns:a16="http://schemas.microsoft.com/office/drawing/2014/main" id="{58D62D67-5149-3436-1CC3-463C92665045}"/>
-                  </a:ext>
-                </a:extLst>
-              </p:cNvPr>
-              <p:cNvCxnSpPr>
-                <a:cxnSpLocks/>
-                <a:stCxn id="83" idx="2"/>
-                <a:endCxn id="146" idx="2"/>
-              </p:cNvCxnSpPr>
-              <p:nvPr/>
-            </p:nvCxnSpPr>
-            <p:spPr>
-              <a:xfrm flipV="1">
-                <a:off x="11366269" y="2926235"/>
-                <a:ext cx="1801011" cy="99192"/>
-              </a:xfrm>
-              <a:prstGeom prst="straightConnector1">
-                <a:avLst/>
-              </a:prstGeom>
-              <a:ln w="38100">
-                <a:solidFill>
-                  <a:srgbClr val="C00000"/>
-                </a:solidFill>
-                <a:prstDash val="dash"/>
-                <a:tailEnd type="triangle"/>
-              </a:ln>
-            </p:spPr>
-            <p:style>
-              <a:lnRef idx="1">
-                <a:schemeClr val="accent1"/>
-              </a:lnRef>
-              <a:fillRef idx="0">
-                <a:schemeClr val="accent1"/>
-              </a:fillRef>
-              <a:effectRef idx="0">
-                <a:schemeClr val="accent1"/>
-              </a:effectRef>
-              <a:fontRef idx="minor">
-                <a:schemeClr val="tx1"/>
-              </a:fontRef>
-            </p:style>
-          </p:cxnSp>
-          <p:sp>
-            <p:nvSpPr>
-              <p:cNvPr id="83" name="Rectangle 82">
-                <a:extLst>
-                  <a:ext uri="{FF2B5EF4-FFF2-40B4-BE49-F238E27FC236}">
-                    <a16:creationId xmlns:a16="http://schemas.microsoft.com/office/drawing/2014/main" id="{027515E5-641D-244C-3F43-2B18AEC193E8}"/>
-                  </a:ext>
-                </a:extLst>
-              </p:cNvPr>
-              <p:cNvSpPr/>
-              <p:nvPr/>
-            </p:nvSpPr>
-            <p:spPr>
-              <a:xfrm rot="17820000">
-                <a:off x="10652918" y="2627266"/>
-                <a:ext cx="939937" cy="546309"/>
-              </a:xfrm>
-              <a:prstGeom prst="rect">
-                <a:avLst/>
-              </a:prstGeom>
-              <a:solidFill>
-                <a:schemeClr val="accent4">
-                  <a:lumMod val="20000"/>
-                  <a:lumOff val="80000"/>
-                </a:schemeClr>
-              </a:solidFill>
-              <a:ln w="25400">
-                <a:solidFill>
-                  <a:schemeClr val="tx1"/>
-                </a:solidFill>
-              </a:ln>
-            </p:spPr>
-            <p:style>
-              <a:lnRef idx="2">
-                <a:schemeClr val="accent1">
-                  <a:shade val="50000"/>
-                </a:schemeClr>
-              </a:lnRef>
-              <a:fillRef idx="1">
-                <a:schemeClr val="accent1"/>
-              </a:fillRef>
-              <a:effectRef idx="0">
-                <a:schemeClr val="accent1"/>
-              </a:effectRef>
-              <a:fontRef idx="minor">
-                <a:schemeClr val="lt1"/>
-              </a:fontRef>
-            </p:style>
-            <p:txBody>
-              <a:bodyPr lIns="0" tIns="0" rIns="0" bIns="0" rtlCol="0" anchor="ctr"/>
-              <a:lstStyle/>
-              <a:p>
-                <a:pPr algn="ctr"/>
-                <a:r>
-                  <a:rPr lang="fr-FR" sz="600" b="1" cap="all" dirty="0">
-                    <a:solidFill>
-                      <a:schemeClr val="tx1"/>
-                    </a:solidFill>
-                  </a:rPr>
-                  <a:t>In Proc Adapter</a:t>
-                </a:r>
-                <a:endParaRPr lang="en-GB" sz="600" b="1" cap="all" dirty="0">
-                  <a:solidFill>
-                    <a:schemeClr val="tx1"/>
-                  </a:solidFill>
-                </a:endParaRPr>
-              </a:p>
-            </p:txBody>
-          </p:sp>
-          <p:sp>
-            <p:nvSpPr>
-              <p:cNvPr id="99" name="Rectangle 98">
-                <a:extLst>
-                  <a:ext uri="{FF2B5EF4-FFF2-40B4-BE49-F238E27FC236}">
-                    <a16:creationId xmlns:a16="http://schemas.microsoft.com/office/drawing/2014/main" id="{BA5B4300-7BC7-FD5A-7FEE-BCA41814D470}"/>
-                  </a:ext>
-                </a:extLst>
-              </p:cNvPr>
-              <p:cNvSpPr/>
-              <p:nvPr/>
-            </p:nvSpPr>
-            <p:spPr>
-              <a:xfrm rot="17820000">
-                <a:off x="10184556" y="3646512"/>
-                <a:ext cx="823283" cy="546309"/>
-              </a:xfrm>
-              <a:prstGeom prst="rect">
-                <a:avLst/>
-              </a:prstGeom>
-              <a:solidFill>
-                <a:schemeClr val="accent4">
-                  <a:lumMod val="20000"/>
-                  <a:lumOff val="80000"/>
-                </a:schemeClr>
-              </a:solidFill>
-              <a:ln w="25400">
-                <a:solidFill>
-                  <a:schemeClr val="tx1"/>
-                </a:solidFill>
-              </a:ln>
-            </p:spPr>
-            <p:style>
-              <a:lnRef idx="2">
-                <a:schemeClr val="accent1">
-                  <a:shade val="50000"/>
-                </a:schemeClr>
-              </a:lnRef>
-              <a:fillRef idx="1">
-                <a:schemeClr val="accent1"/>
-              </a:fillRef>
-              <a:effectRef idx="0">
-                <a:schemeClr val="accent1"/>
-              </a:effectRef>
-              <a:fontRef idx="minor">
-                <a:schemeClr val="lt1"/>
-              </a:fontRef>
-            </p:style>
-            <p:txBody>
-              <a:bodyPr lIns="0" tIns="0" rIns="0" bIns="0" rtlCol="0" anchor="ctr"/>
-              <a:lstStyle/>
-              <a:p>
-                <a:pPr algn="ctr"/>
-                <a:r>
-                  <a:rPr lang="fr-FR" sz="600" b="1" cap="all" dirty="0">
-                    <a:solidFill>
-                      <a:schemeClr val="tx1"/>
-                    </a:solidFill>
-                  </a:rPr>
-                  <a:t>In Proc Adapter</a:t>
-                </a:r>
-                <a:endParaRPr lang="en-GB" sz="600" b="1" cap="all" dirty="0">
-                  <a:solidFill>
-                    <a:schemeClr val="tx1"/>
-                  </a:solidFill>
-                </a:endParaRPr>
-              </a:p>
-            </p:txBody>
-          </p:sp>
-        </p:grpSp>
-        <p:sp>
-          <p:nvSpPr>
-            <p:cNvPr id="156" name="Rectangle 155">
-              <a:extLst>
-                <a:ext uri="{FF2B5EF4-FFF2-40B4-BE49-F238E27FC236}">
-                  <a16:creationId xmlns:a16="http://schemas.microsoft.com/office/drawing/2014/main" id="{672DC2E9-55DA-8084-9E7D-FCDC54DFA35D}"/>
-                </a:ext>
-              </a:extLst>
-            </p:cNvPr>
-            <p:cNvSpPr/>
-            <p:nvPr/>
-          </p:nvSpPr>
-          <p:spPr>
-            <a:xfrm>
-              <a:off x="7132824" y="4858259"/>
-              <a:ext cx="813086" cy="289151"/>
-            </a:xfrm>
-            <a:prstGeom prst="rect">
-              <a:avLst/>
-            </a:prstGeom>
-            <a:solidFill>
-              <a:schemeClr val="accent4">
-                <a:lumMod val="60000"/>
-                <a:lumOff val="40000"/>
-              </a:schemeClr>
-            </a:solidFill>
-            <a:ln w="25400">
-              <a:solidFill>
-                <a:schemeClr val="tx1"/>
-              </a:solidFill>
-            </a:ln>
-          </p:spPr>
-          <p:style>
-            <a:lnRef idx="2">
-              <a:schemeClr val="accent1">
-                <a:shade val="50000"/>
-              </a:schemeClr>
-            </a:lnRef>
-            <a:fillRef idx="1">
-              <a:schemeClr val="accent1"/>
-            </a:fillRef>
-            <a:effectRef idx="0">
-              <a:schemeClr val="accent1"/>
-            </a:effectRef>
-            <a:fontRef idx="minor">
-              <a:schemeClr val="lt1"/>
-            </a:fontRef>
-          </p:style>
-          <p:txBody>
-            <a:bodyPr rtlCol="0" anchor="ctr"/>
-            <a:lstStyle/>
-            <a:p>
-              <a:pPr algn="ctr"/>
-              <a:r>
-                <a:rPr lang="fr-FR" sz="700" b="1" cap="all" dirty="0">
-                  <a:solidFill>
-                    <a:schemeClr val="tx1"/>
-                  </a:solidFill>
-                </a:rPr>
-                <a:t>Repository (adapter)</a:t>
-              </a:r>
-              <a:endParaRPr lang="en-GB" sz="700" b="1" cap="all" dirty="0">
-                <a:solidFill>
-                  <a:schemeClr val="tx1"/>
-                </a:solidFill>
-              </a:endParaRPr>
-            </a:p>
-          </p:txBody>
-        </p:sp>
-        <p:sp>
-          <p:nvSpPr>
-            <p:cNvPr id="157" name="Oval 156">
-              <a:extLst>
-                <a:ext uri="{FF2B5EF4-FFF2-40B4-BE49-F238E27FC236}">
-                  <a16:creationId xmlns:a16="http://schemas.microsoft.com/office/drawing/2014/main" id="{FE3FA1EB-E4A8-5024-249A-54445D541DD8}"/>
-                </a:ext>
-              </a:extLst>
-            </p:cNvPr>
-            <p:cNvSpPr/>
-            <p:nvPr/>
-          </p:nvSpPr>
-          <p:spPr>
-            <a:xfrm>
-              <a:off x="7592525" y="4668651"/>
-              <a:ext cx="90705" cy="90705"/>
-            </a:xfrm>
-            <a:prstGeom prst="ellipse">
-              <a:avLst/>
-            </a:prstGeom>
-            <a:solidFill>
-              <a:schemeClr val="bg1"/>
-            </a:solidFill>
-            <a:ln w="19050">
-              <a:solidFill>
-                <a:schemeClr val="tx1"/>
-              </a:solidFill>
-            </a:ln>
-          </p:spPr>
-          <p:style>
-            <a:lnRef idx="2">
-              <a:schemeClr val="accent1">
-                <a:shade val="50000"/>
-              </a:schemeClr>
-            </a:lnRef>
-            <a:fillRef idx="1">
-              <a:schemeClr val="accent1"/>
-            </a:fillRef>
-            <a:effectRef idx="0">
-              <a:schemeClr val="accent1"/>
-            </a:effectRef>
-            <a:fontRef idx="minor">
-              <a:schemeClr val="lt1"/>
-            </a:fontRef>
-          </p:style>
-          <p:txBody>
-            <a:bodyPr rtlCol="0" anchor="ctr"/>
-            <a:lstStyle/>
-            <a:p>
-              <a:pPr algn="ctr"/>
-              <a:endParaRPr lang="en-GB"/>
-            </a:p>
-          </p:txBody>
-        </p:sp>
-        <p:cxnSp>
-          <p:nvCxnSpPr>
-            <p:cNvPr id="162" name="Straight Arrow Connector 161">
-              <a:extLst>
-                <a:ext uri="{FF2B5EF4-FFF2-40B4-BE49-F238E27FC236}">
-                  <a16:creationId xmlns:a16="http://schemas.microsoft.com/office/drawing/2014/main" id="{C40ADE02-A855-B9AD-B51A-EC29453999ED}"/>
-                </a:ext>
-              </a:extLst>
-            </p:cNvPr>
-            <p:cNvCxnSpPr>
-              <a:cxnSpLocks/>
-              <a:stCxn id="61" idx="2"/>
-              <a:endCxn id="98" idx="1"/>
-            </p:cNvCxnSpPr>
-            <p:nvPr/>
-          </p:nvCxnSpPr>
-          <p:spPr>
-            <a:xfrm>
-              <a:off x="7688948" y="4267904"/>
-              <a:ext cx="232252" cy="354674"/>
-            </a:xfrm>
-            <a:prstGeom prst="straightConnector1">
-              <a:avLst/>
-            </a:prstGeom>
-            <a:ln w="9525">
-              <a:solidFill>
-                <a:schemeClr val="tx1"/>
-              </a:solidFill>
-              <a:prstDash val="dash"/>
-              <a:tailEnd type="triangle"/>
-            </a:ln>
-          </p:spPr>
-          <p:style>
-            <a:lnRef idx="1">
-              <a:schemeClr val="accent1"/>
-            </a:lnRef>
-            <a:fillRef idx="0">
-              <a:schemeClr val="accent1"/>
-            </a:fillRef>
-            <a:effectRef idx="0">
-              <a:schemeClr val="accent1"/>
-            </a:effectRef>
-            <a:fontRef idx="minor">
-              <a:schemeClr val="tx1"/>
-            </a:fontRef>
-          </p:style>
-        </p:cxnSp>
-        <p:cxnSp>
-          <p:nvCxnSpPr>
-            <p:cNvPr id="165" name="Straight Connector 164">
-              <a:extLst>
-                <a:ext uri="{FF2B5EF4-FFF2-40B4-BE49-F238E27FC236}">
-                  <a16:creationId xmlns:a16="http://schemas.microsoft.com/office/drawing/2014/main" id="{E5D81625-ABA7-5E41-0B86-5C44C13CE09C}"/>
-                </a:ext>
-              </a:extLst>
-            </p:cNvPr>
-            <p:cNvCxnSpPr>
-              <a:cxnSpLocks/>
-              <a:stCxn id="157" idx="4"/>
-              <a:endCxn id="156" idx="0"/>
-            </p:cNvCxnSpPr>
-            <p:nvPr/>
-          </p:nvCxnSpPr>
-          <p:spPr>
-            <a:xfrm flipH="1">
-              <a:off x="7539367" y="4759356"/>
-              <a:ext cx="98511" cy="98903"/>
-            </a:xfrm>
-            <a:prstGeom prst="line">
-              <a:avLst/>
-            </a:prstGeom>
-            <a:ln w="19050">
-              <a:solidFill>
-                <a:schemeClr val="tx1"/>
-              </a:solidFill>
-            </a:ln>
-          </p:spPr>
-          <p:style>
-            <a:lnRef idx="1">
-              <a:schemeClr val="accent1"/>
-            </a:lnRef>
-            <a:fillRef idx="0">
-              <a:schemeClr val="accent1"/>
-            </a:fillRef>
-            <a:effectRef idx="0">
-              <a:schemeClr val="accent1"/>
-            </a:effectRef>
-            <a:fontRef idx="minor">
-              <a:schemeClr val="tx1"/>
-            </a:fontRef>
-          </p:style>
-        </p:cxnSp>
-      </p:grpSp>
-      <p:grpSp>
-        <p:nvGrpSpPr>
-          <p:cNvPr id="170" name="Group 169">
-            <a:extLst>
-              <a:ext uri="{FF2B5EF4-FFF2-40B4-BE49-F238E27FC236}">
-                <a16:creationId xmlns:a16="http://schemas.microsoft.com/office/drawing/2014/main" id="{D719F29D-6F85-7020-4225-D0621E2FF04F}"/>
-              </a:ext>
-            </a:extLst>
-          </p:cNvPr>
-          <p:cNvGrpSpPr/>
-          <p:nvPr/>
-        </p:nvGrpSpPr>
-        <p:grpSpPr>
-          <a:xfrm>
-            <a:off x="8882948" y="4047477"/>
-            <a:ext cx="2108218" cy="1630620"/>
-            <a:chOff x="7318869" y="829444"/>
-            <a:chExt cx="4606340" cy="3562815"/>
-          </a:xfrm>
-        </p:grpSpPr>
-        <p:sp>
-          <p:nvSpPr>
-            <p:cNvPr id="171" name="Hexagon 170">
-              <a:extLst>
-                <a:ext uri="{FF2B5EF4-FFF2-40B4-BE49-F238E27FC236}">
-                  <a16:creationId xmlns:a16="http://schemas.microsoft.com/office/drawing/2014/main" id="{3CA6504F-1E7B-6DEF-73CD-3E03203C337F}"/>
-                </a:ext>
-              </a:extLst>
-            </p:cNvPr>
-            <p:cNvSpPr/>
-            <p:nvPr/>
-          </p:nvSpPr>
-          <p:spPr>
-            <a:xfrm>
-              <a:off x="7318869" y="829444"/>
-              <a:ext cx="4289374" cy="3562815"/>
-            </a:xfrm>
-            <a:prstGeom prst="hexagon">
-              <a:avLst/>
-            </a:prstGeom>
-            <a:solidFill>
-              <a:srgbClr val="DEEBF7"/>
-            </a:solidFill>
-            <a:ln w="47625">
-              <a:solidFill>
-                <a:schemeClr val="accent1"/>
-              </a:solidFill>
-            </a:ln>
-          </p:spPr>
-          <p:style>
-            <a:lnRef idx="2">
-              <a:schemeClr val="accent1">
-                <a:shade val="50000"/>
-              </a:schemeClr>
-            </a:lnRef>
-            <a:fillRef idx="1">
-              <a:schemeClr val="accent1"/>
-            </a:fillRef>
-            <a:effectRef idx="0">
-              <a:schemeClr val="accent1"/>
-            </a:effectRef>
-            <a:fontRef idx="minor">
-              <a:schemeClr val="lt1"/>
-            </a:fontRef>
-          </p:style>
-          <p:txBody>
-            <a:bodyPr rtlCol="0" anchor="ctr"/>
-            <a:lstStyle/>
-            <a:p>
-              <a:pPr algn="ctr"/>
-              <a:endParaRPr lang="fr-FR"/>
-            </a:p>
-          </p:txBody>
-        </p:sp>
-        <p:sp>
-          <p:nvSpPr>
-            <p:cNvPr id="172" name="Hexagon 171">
-              <a:extLst>
-                <a:ext uri="{FF2B5EF4-FFF2-40B4-BE49-F238E27FC236}">
-                  <a16:creationId xmlns:a16="http://schemas.microsoft.com/office/drawing/2014/main" id="{4EB66E99-62F9-9EA0-9D4D-A22383D683B7}"/>
-                </a:ext>
-              </a:extLst>
-            </p:cNvPr>
-            <p:cNvSpPr/>
-            <p:nvPr/>
-          </p:nvSpPr>
-          <p:spPr>
-            <a:xfrm>
-              <a:off x="7500976" y="1564081"/>
-              <a:ext cx="3040380" cy="2093540"/>
-            </a:xfrm>
-            <a:prstGeom prst="hexagon">
-              <a:avLst/>
-            </a:prstGeom>
-            <a:solidFill>
-              <a:schemeClr val="accent1">
-                <a:lumMod val="60000"/>
-                <a:lumOff val="40000"/>
-              </a:schemeClr>
-            </a:solidFill>
-            <a:ln w="28575">
-              <a:solidFill>
-                <a:schemeClr val="accent1">
-                  <a:lumMod val="75000"/>
-                </a:schemeClr>
-              </a:solidFill>
-            </a:ln>
-          </p:spPr>
-          <p:style>
-            <a:lnRef idx="2">
-              <a:schemeClr val="accent1">
-                <a:shade val="50000"/>
-              </a:schemeClr>
-            </a:lnRef>
-            <a:fillRef idx="1">
-              <a:schemeClr val="accent1"/>
-            </a:fillRef>
-            <a:effectRef idx="0">
-              <a:schemeClr val="accent1"/>
-            </a:effectRef>
-            <a:fontRef idx="minor">
-              <a:schemeClr val="lt1"/>
-            </a:fontRef>
-          </p:style>
-          <p:txBody>
-            <a:bodyPr rtlCol="0" anchor="ctr"/>
-            <a:lstStyle/>
-            <a:p>
-              <a:pPr algn="ctr"/>
-              <a:endParaRPr lang="fr-FR"/>
-            </a:p>
-          </p:txBody>
-        </p:sp>
-        <p:grpSp>
-          <p:nvGrpSpPr>
-            <p:cNvPr id="173" name="Group 172">
-              <a:extLst>
-                <a:ext uri="{FF2B5EF4-FFF2-40B4-BE49-F238E27FC236}">
-                  <a16:creationId xmlns:a16="http://schemas.microsoft.com/office/drawing/2014/main" id="{84ADA9C4-001C-AC3A-28BA-0097E7A9FB53}"/>
-                </a:ext>
-              </a:extLst>
-            </p:cNvPr>
-            <p:cNvGrpSpPr/>
-            <p:nvPr/>
-          </p:nvGrpSpPr>
-          <p:grpSpPr>
-            <a:xfrm>
-              <a:off x="7718305" y="2120128"/>
-              <a:ext cx="171374" cy="289785"/>
-              <a:chOff x="7656010" y="3264523"/>
-              <a:chExt cx="171374" cy="289785"/>
-            </a:xfrm>
-          </p:grpSpPr>
-          <p:cxnSp>
-            <p:nvCxnSpPr>
-              <p:cNvPr id="192" name="Straight Connector 191">
-                <a:extLst>
-                  <a:ext uri="{FF2B5EF4-FFF2-40B4-BE49-F238E27FC236}">
-                    <a16:creationId xmlns:a16="http://schemas.microsoft.com/office/drawing/2014/main" id="{D5445CED-3298-C85E-A5E4-C7620DF3B714}"/>
-                  </a:ext>
-                </a:extLst>
-              </p:cNvPr>
-              <p:cNvCxnSpPr>
-                <a:cxnSpLocks/>
-                <a:stCxn id="193" idx="4"/>
-                <a:endCxn id="179" idx="0"/>
-              </p:cNvCxnSpPr>
-              <p:nvPr/>
-            </p:nvCxnSpPr>
-            <p:spPr>
-              <a:xfrm flipH="1">
-                <a:off x="7741696" y="3435898"/>
-                <a:ext cx="2" cy="118410"/>
-              </a:xfrm>
-              <a:prstGeom prst="line">
-                <a:avLst/>
-              </a:prstGeom>
-              <a:ln w="19050">
-                <a:solidFill>
-                  <a:schemeClr val="tx1"/>
-                </a:solidFill>
-              </a:ln>
-            </p:spPr>
-            <p:style>
-              <a:lnRef idx="1">
-                <a:schemeClr val="accent1"/>
-              </a:lnRef>
-              <a:fillRef idx="0">
-                <a:schemeClr val="accent1"/>
-              </a:fillRef>
-              <a:effectRef idx="0">
-                <a:schemeClr val="accent1"/>
-              </a:effectRef>
-              <a:fontRef idx="minor">
-                <a:schemeClr val="tx1"/>
-              </a:fontRef>
-            </p:style>
-          </p:cxnSp>
-          <p:sp>
-            <p:nvSpPr>
-              <p:cNvPr id="193" name="Oval 192">
-                <a:extLst>
-                  <a:ext uri="{FF2B5EF4-FFF2-40B4-BE49-F238E27FC236}">
-                    <a16:creationId xmlns:a16="http://schemas.microsoft.com/office/drawing/2014/main" id="{7E625A81-8EFE-62CB-0837-2464A0E24774}"/>
-                  </a:ext>
-                </a:extLst>
-              </p:cNvPr>
-              <p:cNvSpPr/>
-              <p:nvPr/>
-            </p:nvSpPr>
-            <p:spPr>
-              <a:xfrm>
-                <a:off x="7656010" y="3264523"/>
-                <a:ext cx="171374" cy="171374"/>
-              </a:xfrm>
-              <a:prstGeom prst="ellipse">
-                <a:avLst/>
-              </a:prstGeom>
-              <a:solidFill>
-                <a:schemeClr val="bg1"/>
-              </a:solidFill>
-              <a:ln w="19050">
-                <a:solidFill>
-                  <a:schemeClr val="tx1"/>
-                </a:solidFill>
-              </a:ln>
-            </p:spPr>
-            <p:style>
-              <a:lnRef idx="2">
-                <a:schemeClr val="accent1">
-                  <a:shade val="50000"/>
-                </a:schemeClr>
-              </a:lnRef>
-              <a:fillRef idx="1">
-                <a:schemeClr val="accent1"/>
-              </a:fillRef>
-              <a:effectRef idx="0">
-                <a:schemeClr val="accent1"/>
-              </a:effectRef>
-              <a:fontRef idx="minor">
-                <a:schemeClr val="lt1"/>
-              </a:fontRef>
-            </p:style>
-            <p:txBody>
-              <a:bodyPr rtlCol="0" anchor="ctr"/>
-              <a:lstStyle/>
-              <a:p>
-                <a:pPr algn="ctr"/>
-                <a:endParaRPr lang="en-GB"/>
-              </a:p>
-            </p:txBody>
-          </p:sp>
-        </p:grpSp>
-        <p:sp>
-          <p:nvSpPr>
-            <p:cNvPr id="174" name="Rectangle: Rounded Corners 173">
-              <a:extLst>
-                <a:ext uri="{FF2B5EF4-FFF2-40B4-BE49-F238E27FC236}">
-                  <a16:creationId xmlns:a16="http://schemas.microsoft.com/office/drawing/2014/main" id="{4FD48332-DD92-05C8-CACD-AF9C69CDAAD6}"/>
-                </a:ext>
-              </a:extLst>
-            </p:cNvPr>
-            <p:cNvSpPr/>
-            <p:nvPr/>
-          </p:nvSpPr>
-          <p:spPr>
-            <a:xfrm>
-              <a:off x="9671729" y="2659803"/>
-              <a:ext cx="425816" cy="351565"/>
-            </a:xfrm>
-            <a:prstGeom prst="roundRect">
-              <a:avLst/>
-            </a:prstGeom>
-            <a:solidFill>
-              <a:schemeClr val="accent1">
-                <a:lumMod val="75000"/>
-              </a:schemeClr>
-            </a:solidFill>
-            <a:ln>
-              <a:solidFill>
-                <a:schemeClr val="accent1">
-                  <a:lumMod val="50000"/>
-                </a:schemeClr>
-              </a:solidFill>
-            </a:ln>
-          </p:spPr>
-          <p:style>
-            <a:lnRef idx="2">
-              <a:schemeClr val="accent1">
-                <a:shade val="50000"/>
-              </a:schemeClr>
-            </a:lnRef>
-            <a:fillRef idx="1">
-              <a:schemeClr val="accent1"/>
-            </a:fillRef>
-            <a:effectRef idx="0">
-              <a:schemeClr val="accent1"/>
-            </a:effectRef>
-            <a:fontRef idx="minor">
-              <a:schemeClr val="lt1"/>
-            </a:fontRef>
-          </p:style>
-          <p:txBody>
-            <a:bodyPr rtlCol="0" anchor="ctr"/>
-            <a:lstStyle/>
-            <a:p>
-              <a:pPr algn="ctr"/>
-              <a:endParaRPr lang="en-GB"/>
-            </a:p>
-          </p:txBody>
-        </p:sp>
-        <p:cxnSp>
-          <p:nvCxnSpPr>
-            <p:cNvPr id="175" name="Connector: Elbow 174">
-              <a:extLst>
-                <a:ext uri="{FF2B5EF4-FFF2-40B4-BE49-F238E27FC236}">
-                  <a16:creationId xmlns:a16="http://schemas.microsoft.com/office/drawing/2014/main" id="{E5A4018A-BAB1-7BD0-049C-33311D8E211A}"/>
-                </a:ext>
-              </a:extLst>
-            </p:cNvPr>
-            <p:cNvCxnSpPr>
-              <a:cxnSpLocks/>
-              <a:stCxn id="179" idx="3"/>
-              <a:endCxn id="177" idx="1"/>
-            </p:cNvCxnSpPr>
-            <p:nvPr/>
-          </p:nvCxnSpPr>
-          <p:spPr>
-            <a:xfrm>
-              <a:off x="8016899" y="2585695"/>
-              <a:ext cx="512096" cy="78639"/>
-            </a:xfrm>
-            <a:prstGeom prst="bentConnector3">
-              <a:avLst>
-                <a:gd name="adj1" fmla="val 50000"/>
-              </a:avLst>
-            </a:prstGeom>
-            <a:ln w="9525">
-              <a:solidFill>
-                <a:schemeClr val="tx1"/>
-              </a:solidFill>
-              <a:tailEnd type="none"/>
-            </a:ln>
-          </p:spPr>
-          <p:style>
-            <a:lnRef idx="1">
-              <a:schemeClr val="accent1"/>
-            </a:lnRef>
-            <a:fillRef idx="0">
-              <a:schemeClr val="accent1"/>
-            </a:fillRef>
-            <a:effectRef idx="0">
-              <a:schemeClr val="accent1"/>
-            </a:effectRef>
-            <a:fontRef idx="minor">
-              <a:schemeClr val="tx1"/>
-            </a:fontRef>
-          </p:style>
-        </p:cxnSp>
-        <p:cxnSp>
-          <p:nvCxnSpPr>
-            <p:cNvPr id="176" name="Connector: Elbow 175">
-              <a:extLst>
-                <a:ext uri="{FF2B5EF4-FFF2-40B4-BE49-F238E27FC236}">
-                  <a16:creationId xmlns:a16="http://schemas.microsoft.com/office/drawing/2014/main" id="{A6A24D67-17C0-4D77-423E-C601C2D2325C}"/>
-                </a:ext>
-              </a:extLst>
-            </p:cNvPr>
-            <p:cNvCxnSpPr>
-              <a:cxnSpLocks/>
-              <a:stCxn id="177" idx="3"/>
-              <a:endCxn id="174" idx="0"/>
-            </p:cNvCxnSpPr>
-            <p:nvPr/>
-          </p:nvCxnSpPr>
-          <p:spPr>
-            <a:xfrm flipV="1">
-              <a:off x="8954811" y="2659803"/>
-              <a:ext cx="929826" cy="4531"/>
-            </a:xfrm>
-            <a:prstGeom prst="bentConnector4">
-              <a:avLst>
-                <a:gd name="adj1" fmla="val 38551"/>
-                <a:gd name="adj2" fmla="val 9555014"/>
-              </a:avLst>
-            </a:prstGeom>
-            <a:ln w="9525">
-              <a:solidFill>
-                <a:schemeClr val="tx1"/>
-              </a:solidFill>
-              <a:tailEnd type="none"/>
-            </a:ln>
-          </p:spPr>
-          <p:style>
-            <a:lnRef idx="1">
-              <a:schemeClr val="accent1"/>
-            </a:lnRef>
-            <a:fillRef idx="0">
-              <a:schemeClr val="accent1"/>
-            </a:fillRef>
-            <a:effectRef idx="0">
-              <a:schemeClr val="accent1"/>
-            </a:effectRef>
-            <a:fontRef idx="minor">
-              <a:schemeClr val="tx1"/>
-            </a:fontRef>
-          </p:style>
-        </p:cxnSp>
-        <p:sp>
-          <p:nvSpPr>
-            <p:cNvPr id="177" name="Rectangle: Rounded Corners 176">
-              <a:extLst>
-                <a:ext uri="{FF2B5EF4-FFF2-40B4-BE49-F238E27FC236}">
-                  <a16:creationId xmlns:a16="http://schemas.microsoft.com/office/drawing/2014/main" id="{2E004944-F882-C9A8-65B9-67369A2AD7D8}"/>
-                </a:ext>
-              </a:extLst>
-            </p:cNvPr>
-            <p:cNvSpPr/>
-            <p:nvPr/>
-          </p:nvSpPr>
-          <p:spPr>
-            <a:xfrm>
-              <a:off x="8528995" y="2488551"/>
-              <a:ext cx="425816" cy="351565"/>
-            </a:xfrm>
-            <a:prstGeom prst="roundRect">
-              <a:avLst/>
-            </a:prstGeom>
-            <a:solidFill>
-              <a:schemeClr val="accent1">
-                <a:lumMod val="75000"/>
-              </a:schemeClr>
-            </a:solidFill>
-            <a:ln>
-              <a:solidFill>
-                <a:schemeClr val="accent1">
-                  <a:lumMod val="50000"/>
-                </a:schemeClr>
-              </a:solidFill>
-            </a:ln>
-          </p:spPr>
-          <p:style>
-            <a:lnRef idx="2">
-              <a:schemeClr val="accent1">
-                <a:shade val="50000"/>
-              </a:schemeClr>
-            </a:lnRef>
-            <a:fillRef idx="1">
-              <a:schemeClr val="accent1"/>
-            </a:fillRef>
-            <a:effectRef idx="0">
-              <a:schemeClr val="accent1"/>
-            </a:effectRef>
-            <a:fontRef idx="minor">
-              <a:schemeClr val="lt1"/>
-            </a:fontRef>
-          </p:style>
-          <p:txBody>
-            <a:bodyPr rtlCol="0" anchor="ctr"/>
-            <a:lstStyle/>
-            <a:p>
-              <a:pPr algn="ctr"/>
-              <a:endParaRPr lang="en-GB"/>
-            </a:p>
-          </p:txBody>
-        </p:sp>
-        <p:sp>
-          <p:nvSpPr>
-            <p:cNvPr id="178" name="Diamond 177">
-              <a:extLst>
-                <a:ext uri="{FF2B5EF4-FFF2-40B4-BE49-F238E27FC236}">
-                  <a16:creationId xmlns:a16="http://schemas.microsoft.com/office/drawing/2014/main" id="{D31FEAF5-1B44-7985-E332-1ED7980355EB}"/>
-                </a:ext>
-              </a:extLst>
-            </p:cNvPr>
-            <p:cNvSpPr/>
-            <p:nvPr/>
-          </p:nvSpPr>
-          <p:spPr>
-            <a:xfrm>
-              <a:off x="8980321" y="2579197"/>
-              <a:ext cx="167131" cy="167131"/>
-            </a:xfrm>
-            <a:prstGeom prst="diamond">
-              <a:avLst/>
-            </a:prstGeom>
-            <a:solidFill>
-              <a:schemeClr val="tx1"/>
-            </a:solidFill>
-            <a:ln>
-              <a:solidFill>
-                <a:schemeClr val="tx1"/>
-              </a:solidFill>
-            </a:ln>
-          </p:spPr>
-          <p:style>
-            <a:lnRef idx="2">
-              <a:schemeClr val="accent1">
-                <a:shade val="50000"/>
-              </a:schemeClr>
-            </a:lnRef>
-            <a:fillRef idx="1">
-              <a:schemeClr val="accent1"/>
-            </a:fillRef>
-            <a:effectRef idx="0">
-              <a:schemeClr val="accent1"/>
-            </a:effectRef>
-            <a:fontRef idx="minor">
-              <a:schemeClr val="lt1"/>
-            </a:fontRef>
-          </p:style>
-          <p:txBody>
-            <a:bodyPr rtlCol="0" anchor="ctr"/>
-            <a:lstStyle/>
-            <a:p>
-              <a:pPr algn="ctr"/>
-              <a:endParaRPr lang="en-GB"/>
-            </a:p>
-          </p:txBody>
-        </p:sp>
-        <p:sp>
-          <p:nvSpPr>
-            <p:cNvPr id="179" name="Rectangle: Rounded Corners 178">
-              <a:extLst>
-                <a:ext uri="{FF2B5EF4-FFF2-40B4-BE49-F238E27FC236}">
-                  <a16:creationId xmlns:a16="http://schemas.microsoft.com/office/drawing/2014/main" id="{959DE4A7-82CE-54D2-AF15-5C1BA18B7EF9}"/>
-                </a:ext>
-              </a:extLst>
-            </p:cNvPr>
-            <p:cNvSpPr/>
-            <p:nvPr/>
-          </p:nvSpPr>
-          <p:spPr>
-            <a:xfrm>
-              <a:off x="7591081" y="2409913"/>
-              <a:ext cx="425818" cy="351565"/>
-            </a:xfrm>
-            <a:prstGeom prst="roundRect">
-              <a:avLst/>
-            </a:prstGeom>
-            <a:solidFill>
-              <a:schemeClr val="accent1">
-                <a:lumMod val="75000"/>
-              </a:schemeClr>
-            </a:solidFill>
-            <a:ln>
-              <a:solidFill>
-                <a:schemeClr val="accent1">
-                  <a:lumMod val="50000"/>
-                </a:schemeClr>
-              </a:solidFill>
-            </a:ln>
-          </p:spPr>
-          <p:style>
-            <a:lnRef idx="2">
-              <a:schemeClr val="accent1">
-                <a:shade val="50000"/>
-              </a:schemeClr>
-            </a:lnRef>
-            <a:fillRef idx="1">
-              <a:schemeClr val="accent1"/>
-            </a:fillRef>
-            <a:effectRef idx="0">
-              <a:schemeClr val="accent1"/>
-            </a:effectRef>
-            <a:fontRef idx="minor">
-              <a:schemeClr val="lt1"/>
-            </a:fontRef>
-          </p:style>
-          <p:txBody>
-            <a:bodyPr rtlCol="0" anchor="ctr"/>
-            <a:lstStyle/>
-            <a:p>
-              <a:pPr algn="ctr"/>
-              <a:endParaRPr lang="en-GB"/>
-            </a:p>
-          </p:txBody>
-        </p:sp>
-        <p:sp>
-          <p:nvSpPr>
-            <p:cNvPr id="180" name="Diamond 179">
-              <a:extLst>
-                <a:ext uri="{FF2B5EF4-FFF2-40B4-BE49-F238E27FC236}">
-                  <a16:creationId xmlns:a16="http://schemas.microsoft.com/office/drawing/2014/main" id="{FEFA422D-00F5-2E3F-EECF-6BA3674F1EBD}"/>
-                </a:ext>
-              </a:extLst>
-            </p:cNvPr>
-            <p:cNvSpPr/>
-            <p:nvPr/>
-          </p:nvSpPr>
-          <p:spPr>
-            <a:xfrm>
-              <a:off x="8026607" y="2502780"/>
-              <a:ext cx="167131" cy="167133"/>
-            </a:xfrm>
-            <a:prstGeom prst="diamond">
-              <a:avLst/>
-            </a:prstGeom>
-            <a:solidFill>
-              <a:schemeClr val="tx1"/>
-            </a:solidFill>
-            <a:ln>
-              <a:solidFill>
-                <a:schemeClr val="tx1"/>
-              </a:solidFill>
-            </a:ln>
-          </p:spPr>
-          <p:style>
-            <a:lnRef idx="2">
-              <a:schemeClr val="accent1">
-                <a:shade val="50000"/>
-              </a:schemeClr>
-            </a:lnRef>
-            <a:fillRef idx="1">
-              <a:schemeClr val="accent1"/>
-            </a:fillRef>
-            <a:effectRef idx="0">
-              <a:schemeClr val="accent1"/>
-            </a:effectRef>
-            <a:fontRef idx="minor">
-              <a:schemeClr val="lt1"/>
-            </a:fontRef>
-          </p:style>
-          <p:txBody>
-            <a:bodyPr rtlCol="0" anchor="ctr"/>
-            <a:lstStyle/>
-            <a:p>
-              <a:pPr algn="ctr"/>
-              <a:endParaRPr lang="en-GB"/>
-            </a:p>
-          </p:txBody>
-        </p:sp>
-        <p:sp>
-          <p:nvSpPr>
-            <p:cNvPr id="181" name="Rectangle: Rounded Corners 180">
-              <a:extLst>
-                <a:ext uri="{FF2B5EF4-FFF2-40B4-BE49-F238E27FC236}">
-                  <a16:creationId xmlns:a16="http://schemas.microsoft.com/office/drawing/2014/main" id="{68C69193-9641-660A-D29C-EDC53265D823}"/>
-                </a:ext>
-              </a:extLst>
-            </p:cNvPr>
-            <p:cNvSpPr/>
-            <p:nvPr/>
-          </p:nvSpPr>
-          <p:spPr>
-            <a:xfrm>
-              <a:off x="8954217" y="3078046"/>
-              <a:ext cx="425816" cy="351565"/>
-            </a:xfrm>
-            <a:prstGeom prst="roundRect">
-              <a:avLst/>
-            </a:prstGeom>
-            <a:solidFill>
-              <a:schemeClr val="accent1">
-                <a:lumMod val="75000"/>
-              </a:schemeClr>
-            </a:solidFill>
-            <a:ln>
-              <a:solidFill>
-                <a:schemeClr val="accent1">
-                  <a:lumMod val="50000"/>
-                </a:schemeClr>
-              </a:solidFill>
-            </a:ln>
-          </p:spPr>
-          <p:style>
-            <a:lnRef idx="2">
-              <a:schemeClr val="accent1">
-                <a:shade val="50000"/>
-              </a:schemeClr>
-            </a:lnRef>
-            <a:fillRef idx="1">
-              <a:schemeClr val="accent1"/>
-            </a:fillRef>
-            <a:effectRef idx="0">
-              <a:schemeClr val="accent1"/>
-            </a:effectRef>
-            <a:fontRef idx="minor">
-              <a:schemeClr val="lt1"/>
-            </a:fontRef>
-          </p:style>
-          <p:txBody>
-            <a:bodyPr rtlCol="0" anchor="ctr"/>
-            <a:lstStyle/>
-            <a:p>
-              <a:pPr algn="ctr"/>
-              <a:endParaRPr lang="en-GB"/>
-            </a:p>
-          </p:txBody>
-        </p:sp>
-        <p:cxnSp>
-          <p:nvCxnSpPr>
-            <p:cNvPr id="182" name="Connector: Elbow 181">
-              <a:extLst>
-                <a:ext uri="{FF2B5EF4-FFF2-40B4-BE49-F238E27FC236}">
-                  <a16:creationId xmlns:a16="http://schemas.microsoft.com/office/drawing/2014/main" id="{2BCAC452-57D1-8C6E-7210-EAF0C06E26E0}"/>
-                </a:ext>
-              </a:extLst>
-            </p:cNvPr>
-            <p:cNvCxnSpPr>
-              <a:cxnSpLocks/>
-              <a:stCxn id="189" idx="3"/>
-              <a:endCxn id="181" idx="1"/>
-            </p:cNvCxnSpPr>
-            <p:nvPr/>
-          </p:nvCxnSpPr>
-          <p:spPr>
-            <a:xfrm flipH="1">
-              <a:off x="8954216" y="2814472"/>
-              <a:ext cx="698886" cy="439357"/>
-            </a:xfrm>
-            <a:prstGeom prst="bentConnector5">
-              <a:avLst>
-                <a:gd name="adj1" fmla="val 33475"/>
-                <a:gd name="adj2" fmla="val 26193"/>
-                <a:gd name="adj3" fmla="val 124784"/>
-              </a:avLst>
-            </a:prstGeom>
-            <a:ln w="9525">
-              <a:solidFill>
-                <a:schemeClr val="tx1"/>
-              </a:solidFill>
-              <a:tailEnd type="none"/>
-            </a:ln>
-          </p:spPr>
-          <p:style>
-            <a:lnRef idx="1">
-              <a:schemeClr val="accent1"/>
-            </a:lnRef>
-            <a:fillRef idx="0">
-              <a:schemeClr val="accent1"/>
-            </a:fillRef>
-            <a:effectRef idx="0">
-              <a:schemeClr val="accent1"/>
-            </a:effectRef>
-            <a:fontRef idx="minor">
-              <a:schemeClr val="tx1"/>
-            </a:fontRef>
-          </p:style>
-        </p:cxnSp>
-        <p:sp>
-          <p:nvSpPr>
-            <p:cNvPr id="183" name="TextBox 182">
-              <a:extLst>
-                <a:ext uri="{FF2B5EF4-FFF2-40B4-BE49-F238E27FC236}">
-                  <a16:creationId xmlns:a16="http://schemas.microsoft.com/office/drawing/2014/main" id="{356034D7-7C58-6F75-7DF5-34251C720805}"/>
-                </a:ext>
-              </a:extLst>
-            </p:cNvPr>
-            <p:cNvSpPr txBox="1"/>
-            <p:nvPr/>
-          </p:nvSpPr>
-          <p:spPr>
-            <a:xfrm>
-              <a:off x="7618589" y="1545013"/>
-              <a:ext cx="2567017" cy="672476"/>
-            </a:xfrm>
-            <a:prstGeom prst="rect">
-              <a:avLst/>
-            </a:prstGeom>
-            <a:noFill/>
-          </p:spPr>
-          <p:txBody>
-            <a:bodyPr wrap="square" rtlCol="0">
-              <a:spAutoFit/>
-            </a:bodyPr>
-            <a:lstStyle/>
-            <a:p>
-              <a:pPr algn="r"/>
-              <a:r>
-                <a:rPr lang="en-GB" sz="700" b="1" cap="all" dirty="0">
-                  <a:solidFill>
-                    <a:schemeClr val="bg1"/>
-                  </a:solidFill>
-                  <a:latin typeface="Alte Haas Grotesk" panose="02000503000000020004" pitchFamily="2" charset="0"/>
-                </a:rPr>
-                <a:t>Seats Availability DOMAIN</a:t>
-              </a:r>
-            </a:p>
-          </p:txBody>
-        </p:sp>
-        <p:sp>
-          <p:nvSpPr>
-            <p:cNvPr id="184" name="TextBox 183">
-              <a:extLst>
-                <a:ext uri="{FF2B5EF4-FFF2-40B4-BE49-F238E27FC236}">
-                  <a16:creationId xmlns:a16="http://schemas.microsoft.com/office/drawing/2014/main" id="{96361581-2B69-94DE-F454-F0D9793AFB52}"/>
-                </a:ext>
-              </a:extLst>
-            </p:cNvPr>
-            <p:cNvSpPr txBox="1"/>
-            <p:nvPr/>
-          </p:nvSpPr>
-          <p:spPr>
-            <a:xfrm>
-              <a:off x="9182782" y="862837"/>
-              <a:ext cx="1523319" cy="504355"/>
-            </a:xfrm>
-            <a:prstGeom prst="rect">
-              <a:avLst/>
-            </a:prstGeom>
-            <a:noFill/>
-          </p:spPr>
-          <p:txBody>
-            <a:bodyPr wrap="square" rtlCol="0">
-              <a:spAutoFit/>
-            </a:bodyPr>
-            <a:lstStyle/>
-            <a:p>
-              <a:pPr algn="r"/>
-              <a:r>
-                <a:rPr lang="en-GB" sz="900" b="1" cap="all" dirty="0">
-                  <a:latin typeface="Alte Haas Grotesk" panose="02000503000000020004" pitchFamily="2" charset="0"/>
-                </a:rPr>
-                <a:t>Infra</a:t>
-              </a:r>
-            </a:p>
-          </p:txBody>
-        </p:sp>
-        <p:sp>
-          <p:nvSpPr>
-            <p:cNvPr id="185" name="Right Brace 184">
-              <a:extLst>
-                <a:ext uri="{FF2B5EF4-FFF2-40B4-BE49-F238E27FC236}">
-                  <a16:creationId xmlns:a16="http://schemas.microsoft.com/office/drawing/2014/main" id="{E89BE776-D4A3-4CBC-2B8C-8B0DB93D0CFF}"/>
-                </a:ext>
-              </a:extLst>
-            </p:cNvPr>
-            <p:cNvSpPr/>
-            <p:nvPr/>
-          </p:nvSpPr>
-          <p:spPr>
-            <a:xfrm rot="12414236">
-              <a:off x="10019507" y="3457714"/>
-              <a:ext cx="883655" cy="428062"/>
-            </a:xfrm>
-            <a:prstGeom prst="rightBrace">
-              <a:avLst>
-                <a:gd name="adj1" fmla="val 9622"/>
-                <a:gd name="adj2" fmla="val 54011"/>
-              </a:avLst>
-            </a:prstGeom>
-            <a:ln w="34925">
-              <a:solidFill>
-                <a:schemeClr val="tx1"/>
-              </a:solidFill>
-            </a:ln>
-          </p:spPr>
-          <p:style>
-            <a:lnRef idx="1">
-              <a:schemeClr val="accent1"/>
-            </a:lnRef>
-            <a:fillRef idx="0">
-              <a:schemeClr val="accent1"/>
-            </a:fillRef>
-            <a:effectRef idx="0">
-              <a:schemeClr val="accent1"/>
-            </a:effectRef>
-            <a:fontRef idx="minor">
-              <a:schemeClr val="tx1"/>
-            </a:fontRef>
-          </p:style>
-          <p:txBody>
-            <a:bodyPr rtlCol="0" anchor="ctr"/>
-            <a:lstStyle/>
-            <a:p>
-              <a:pPr algn="ctr"/>
-              <a:endParaRPr lang="en-GB"/>
-            </a:p>
-          </p:txBody>
-        </p:sp>
-        <p:sp>
-          <p:nvSpPr>
-            <p:cNvPr id="186" name="Oval 185">
-              <a:extLst>
-                <a:ext uri="{FF2B5EF4-FFF2-40B4-BE49-F238E27FC236}">
-                  <a16:creationId xmlns:a16="http://schemas.microsoft.com/office/drawing/2014/main" id="{F7EFA404-9C19-B860-A261-9E4C100A7DE4}"/>
-                </a:ext>
-              </a:extLst>
-            </p:cNvPr>
-            <p:cNvSpPr/>
-            <p:nvPr/>
-          </p:nvSpPr>
-          <p:spPr>
-            <a:xfrm>
-              <a:off x="9926171" y="3343924"/>
-              <a:ext cx="171374" cy="171374"/>
-            </a:xfrm>
-            <a:prstGeom prst="ellipse">
-              <a:avLst/>
-            </a:prstGeom>
-            <a:solidFill>
-              <a:schemeClr val="bg1"/>
-            </a:solidFill>
-            <a:ln w="19050">
-              <a:solidFill>
-                <a:schemeClr val="tx1"/>
-              </a:solidFill>
-            </a:ln>
-          </p:spPr>
-          <p:style>
-            <a:lnRef idx="2">
-              <a:schemeClr val="accent1">
-                <a:shade val="50000"/>
-              </a:schemeClr>
-            </a:lnRef>
-            <a:fillRef idx="1">
-              <a:schemeClr val="accent1"/>
-            </a:fillRef>
-            <a:effectRef idx="0">
-              <a:schemeClr val="accent1"/>
-            </a:effectRef>
-            <a:fontRef idx="minor">
-              <a:schemeClr val="lt1"/>
-            </a:fontRef>
-          </p:style>
-          <p:txBody>
-            <a:bodyPr rtlCol="0" anchor="ctr"/>
-            <a:lstStyle/>
-            <a:p>
-              <a:pPr algn="ctr"/>
-              <a:endParaRPr lang="en-GB"/>
-            </a:p>
-          </p:txBody>
-        </p:sp>
-        <p:sp>
-          <p:nvSpPr>
-            <p:cNvPr id="187" name="Rectangle 186">
-              <a:extLst>
-                <a:ext uri="{FF2B5EF4-FFF2-40B4-BE49-F238E27FC236}">
-                  <a16:creationId xmlns:a16="http://schemas.microsoft.com/office/drawing/2014/main" id="{E97DD16C-F9E2-3178-16D4-60241CEE07AA}"/>
-                </a:ext>
-              </a:extLst>
-            </p:cNvPr>
-            <p:cNvSpPr/>
-            <p:nvPr/>
-          </p:nvSpPr>
-          <p:spPr>
-            <a:xfrm rot="17820000">
-              <a:off x="10105290" y="3254003"/>
-              <a:ext cx="1312700" cy="546310"/>
-            </a:xfrm>
-            <a:prstGeom prst="rect">
-              <a:avLst/>
-            </a:prstGeom>
-            <a:solidFill>
-              <a:schemeClr val="accent4">
-                <a:lumMod val="60000"/>
-                <a:lumOff val="40000"/>
-              </a:schemeClr>
-            </a:solidFill>
-            <a:ln w="25400">
-              <a:solidFill>
-                <a:schemeClr val="tx1"/>
-              </a:solidFill>
-            </a:ln>
-          </p:spPr>
-          <p:style>
-            <a:lnRef idx="2">
-              <a:schemeClr val="accent1">
-                <a:shade val="50000"/>
-              </a:schemeClr>
-            </a:lnRef>
-            <a:fillRef idx="1">
-              <a:schemeClr val="accent1"/>
-            </a:fillRef>
-            <a:effectRef idx="0">
-              <a:schemeClr val="accent1"/>
-            </a:effectRef>
-            <a:fontRef idx="minor">
-              <a:schemeClr val="lt1"/>
-            </a:fontRef>
-          </p:style>
-          <p:txBody>
-            <a:bodyPr rtlCol="0" anchor="ctr"/>
-            <a:lstStyle/>
-            <a:p>
-              <a:pPr algn="ctr"/>
-              <a:r>
-                <a:rPr lang="fr-FR" sz="600" b="1" cap="all" dirty="0">
-                  <a:solidFill>
-                    <a:schemeClr val="tx1"/>
-                  </a:solidFill>
-                </a:rPr>
-                <a:t>repository</a:t>
-              </a:r>
-              <a:endParaRPr lang="en-GB" sz="600" b="1" cap="all" dirty="0">
-                <a:solidFill>
-                  <a:schemeClr val="tx1"/>
-                </a:solidFill>
-              </a:endParaRPr>
-            </a:p>
-          </p:txBody>
-        </p:sp>
-        <p:cxnSp>
-          <p:nvCxnSpPr>
-            <p:cNvPr id="188" name="Straight Arrow Connector 187">
-              <a:extLst>
-                <a:ext uri="{FF2B5EF4-FFF2-40B4-BE49-F238E27FC236}">
-                  <a16:creationId xmlns:a16="http://schemas.microsoft.com/office/drawing/2014/main" id="{03B731CE-C71E-A7D3-0C80-7B69E4ACF236}"/>
-                </a:ext>
-              </a:extLst>
-            </p:cNvPr>
-            <p:cNvCxnSpPr>
-              <a:cxnSpLocks/>
-              <a:stCxn id="181" idx="3"/>
-              <a:endCxn id="186" idx="2"/>
-            </p:cNvCxnSpPr>
-            <p:nvPr/>
-          </p:nvCxnSpPr>
-          <p:spPr>
-            <a:xfrm>
-              <a:off x="9380033" y="3253829"/>
-              <a:ext cx="546138" cy="175782"/>
-            </a:xfrm>
-            <a:prstGeom prst="straightConnector1">
-              <a:avLst/>
-            </a:prstGeom>
-            <a:ln w="9525">
-              <a:solidFill>
-                <a:schemeClr val="tx1"/>
-              </a:solidFill>
-              <a:prstDash val="dash"/>
-              <a:tailEnd type="triangle"/>
-            </a:ln>
-          </p:spPr>
-          <p:style>
-            <a:lnRef idx="1">
-              <a:schemeClr val="accent1"/>
-            </a:lnRef>
-            <a:fillRef idx="0">
-              <a:schemeClr val="accent1"/>
-            </a:fillRef>
-            <a:effectRef idx="0">
-              <a:schemeClr val="accent1"/>
-            </a:effectRef>
-            <a:fontRef idx="minor">
-              <a:schemeClr val="tx1"/>
-            </a:fontRef>
-          </p:style>
-        </p:cxnSp>
-        <p:sp>
-          <p:nvSpPr>
-            <p:cNvPr id="189" name="Diamond 188">
-              <a:extLst>
-                <a:ext uri="{FF2B5EF4-FFF2-40B4-BE49-F238E27FC236}">
-                  <a16:creationId xmlns:a16="http://schemas.microsoft.com/office/drawing/2014/main" id="{7503AD24-1058-9D59-37D2-073DDEE2FC85}"/>
-                </a:ext>
-              </a:extLst>
-            </p:cNvPr>
-            <p:cNvSpPr/>
-            <p:nvPr/>
-          </p:nvSpPr>
-          <p:spPr>
-            <a:xfrm>
-              <a:off x="9485971" y="2730905"/>
-              <a:ext cx="167131" cy="167131"/>
-            </a:xfrm>
-            <a:prstGeom prst="diamond">
-              <a:avLst/>
-            </a:prstGeom>
-            <a:solidFill>
-              <a:schemeClr val="tx1"/>
-            </a:solidFill>
-            <a:ln>
-              <a:solidFill>
-                <a:schemeClr val="tx1"/>
-              </a:solidFill>
-            </a:ln>
-          </p:spPr>
-          <p:style>
-            <a:lnRef idx="2">
-              <a:schemeClr val="accent1">
-                <a:shade val="50000"/>
-              </a:schemeClr>
-            </a:lnRef>
-            <a:fillRef idx="1">
-              <a:schemeClr val="accent1"/>
-            </a:fillRef>
-            <a:effectRef idx="0">
-              <a:schemeClr val="accent1"/>
-            </a:effectRef>
-            <a:fontRef idx="minor">
-              <a:schemeClr val="lt1"/>
-            </a:fontRef>
-          </p:style>
-          <p:txBody>
-            <a:bodyPr rtlCol="0" anchor="ctr"/>
-            <a:lstStyle/>
-            <a:p>
-              <a:pPr algn="ctr"/>
-              <a:endParaRPr lang="en-GB"/>
-            </a:p>
-          </p:txBody>
-        </p:sp>
-        <p:sp>
-          <p:nvSpPr>
-            <p:cNvPr id="190" name="Flowchart: Magnetic Disk 189">
-              <a:extLst>
-                <a:ext uri="{FF2B5EF4-FFF2-40B4-BE49-F238E27FC236}">
-                  <a16:creationId xmlns:a16="http://schemas.microsoft.com/office/drawing/2014/main" id="{869E3C6F-A3B0-4823-B10E-BA0A7B6BFD80}"/>
-                </a:ext>
-              </a:extLst>
-            </p:cNvPr>
-            <p:cNvSpPr/>
-            <p:nvPr/>
-          </p:nvSpPr>
-          <p:spPr>
-            <a:xfrm>
-              <a:off x="11420688" y="3640821"/>
-              <a:ext cx="504521" cy="707977"/>
-            </a:xfrm>
-            <a:prstGeom prst="flowChartMagneticDisk">
-              <a:avLst/>
-            </a:prstGeom>
-            <a:solidFill>
-              <a:srgbClr val="DEEBF7"/>
-            </a:solidFill>
-            <a:ln w="25400">
-              <a:solidFill>
-                <a:schemeClr val="accent1"/>
-              </a:solidFill>
-            </a:ln>
-          </p:spPr>
-          <p:style>
-            <a:lnRef idx="2">
-              <a:schemeClr val="accent1">
-                <a:shade val="50000"/>
-              </a:schemeClr>
-            </a:lnRef>
-            <a:fillRef idx="1">
-              <a:schemeClr val="accent1"/>
-            </a:fillRef>
-            <a:effectRef idx="0">
-              <a:schemeClr val="accent1"/>
-            </a:effectRef>
-            <a:fontRef idx="minor">
-              <a:schemeClr val="lt1"/>
-            </a:fontRef>
-          </p:style>
-          <p:txBody>
-            <a:bodyPr lIns="0" tIns="0" rIns="0" bIns="0" rtlCol="0" anchor="ctr"/>
-            <a:lstStyle/>
-            <a:p>
-              <a:pPr algn="ctr"/>
-              <a:r>
-                <a:rPr lang="fr-FR" sz="800" b="1" cap="all" dirty="0" err="1">
-                  <a:solidFill>
-                    <a:schemeClr val="accent1"/>
-                  </a:solidFill>
-                </a:rPr>
-                <a:t>db</a:t>
-              </a:r>
-              <a:endParaRPr lang="fr-FR" sz="800" b="1" cap="all" dirty="0">
-                <a:solidFill>
-                  <a:schemeClr val="accent1"/>
-                </a:solidFill>
-              </a:endParaRPr>
-            </a:p>
-          </p:txBody>
-        </p:sp>
-        <p:cxnSp>
-          <p:nvCxnSpPr>
-            <p:cNvPr id="191" name="Straight Arrow Connector 190">
-              <a:extLst>
-                <a:ext uri="{FF2B5EF4-FFF2-40B4-BE49-F238E27FC236}">
-                  <a16:creationId xmlns:a16="http://schemas.microsoft.com/office/drawing/2014/main" id="{E4783ED7-0832-34CB-BF77-7CABC0EE31E7}"/>
-                </a:ext>
-              </a:extLst>
-            </p:cNvPr>
-            <p:cNvCxnSpPr>
-              <a:cxnSpLocks/>
-              <a:stCxn id="187" idx="2"/>
-              <a:endCxn id="190" idx="2"/>
-            </p:cNvCxnSpPr>
-            <p:nvPr/>
-          </p:nvCxnSpPr>
-          <p:spPr>
-            <a:xfrm>
-              <a:off x="11005024" y="3651167"/>
-              <a:ext cx="415664" cy="343644"/>
-            </a:xfrm>
-            <a:prstGeom prst="straightConnector1">
-              <a:avLst/>
-            </a:prstGeom>
-            <a:ln w="19050">
-              <a:solidFill>
-                <a:schemeClr val="tx1"/>
-              </a:solidFill>
-              <a:prstDash val="solid"/>
-              <a:tailEnd type="triangle"/>
-            </a:ln>
-          </p:spPr>
-          <p:style>
-            <a:lnRef idx="1">
-              <a:schemeClr val="accent1"/>
-            </a:lnRef>
-            <a:fillRef idx="0">
-              <a:schemeClr val="accent1"/>
-            </a:fillRef>
-            <a:effectRef idx="0">
-              <a:schemeClr val="accent1"/>
-            </a:effectRef>
-            <a:fontRef idx="minor">
-              <a:schemeClr val="tx1"/>
-            </a:fontRef>
-          </p:style>
-        </p:cxnSp>
-      </p:grpSp>
-      <p:cxnSp>
-        <p:nvCxnSpPr>
-          <p:cNvPr id="209" name="Straight Arrow Connector 208">
-            <a:extLst>
-              <a:ext uri="{FF2B5EF4-FFF2-40B4-BE49-F238E27FC236}">
-                <a16:creationId xmlns:a16="http://schemas.microsoft.com/office/drawing/2014/main" id="{832440EA-B72F-04C3-EFD2-31AB61EB8382}"/>
-              </a:ext>
-            </a:extLst>
-          </p:cNvPr>
-          <p:cNvCxnSpPr>
-            <a:cxnSpLocks/>
-            <a:stCxn id="99" idx="2"/>
-            <a:endCxn id="193" idx="1"/>
-          </p:cNvCxnSpPr>
-          <p:nvPr/>
-        </p:nvCxnSpPr>
-        <p:spPr>
-          <a:xfrm>
-            <a:off x="8563622" y="3258169"/>
-            <a:ext cx="513625" cy="1391511"/>
-          </a:xfrm>
-          <a:prstGeom prst="straightConnector1">
-            <a:avLst/>
-          </a:prstGeom>
-          <a:ln w="38100">
-            <a:solidFill>
-              <a:srgbClr val="C00000"/>
-            </a:solidFill>
-            <a:prstDash val="sysDash"/>
-            <a:tailEnd type="triangle"/>
-          </a:ln>
-        </p:spPr>
-        <p:style>
-          <a:lnRef idx="1">
-            <a:schemeClr val="accent1"/>
-          </a:lnRef>
-          <a:fillRef idx="0">
-            <a:schemeClr val="accent1"/>
-          </a:fillRef>
-          <a:effectRef idx="0">
-            <a:schemeClr val="accent1"/>
-          </a:effectRef>
-          <a:fontRef idx="minor">
-            <a:schemeClr val="tx1"/>
-          </a:fontRef>
-        </p:style>
-      </p:cxnSp>
-      <p:sp>
-        <p:nvSpPr>
-          <p:cNvPr id="221" name="TextBox 220">
-            <a:extLst>
-              <a:ext uri="{FF2B5EF4-FFF2-40B4-BE49-F238E27FC236}">
-                <a16:creationId xmlns:a16="http://schemas.microsoft.com/office/drawing/2014/main" id="{BEEE675E-BFBD-EDC6-394C-1970CC9D85DC}"/>
-              </a:ext>
-            </a:extLst>
-          </p:cNvPr>
-          <p:cNvSpPr txBox="1"/>
-          <p:nvPr/>
-        </p:nvSpPr>
-        <p:spPr>
-          <a:xfrm>
-            <a:off x="8512216" y="3872380"/>
-            <a:ext cx="631861" cy="215444"/>
-          </a:xfrm>
-          <a:prstGeom prst="rect">
-            <a:avLst/>
-          </a:prstGeom>
-          <a:solidFill>
-            <a:srgbClr val="D0CECE"/>
-          </a:solidFill>
-        </p:spPr>
-        <p:txBody>
-          <a:bodyPr wrap="square" rtlCol="0">
-            <a:spAutoFit/>
-          </a:bodyPr>
-          <a:lstStyle>
-            <a:defPPr>
-              <a:defRPr lang="fr-FR"/>
-            </a:defPPr>
-            <a:lvl1pPr>
-              <a:defRPr sz="800" b="1">
-                <a:solidFill>
-                  <a:schemeClr val="bg1"/>
-                </a:solidFill>
-                <a:latin typeface="Alte Haas Grotesk" panose="02000503000000020004" pitchFamily="2" charset="0"/>
-              </a:defRPr>
-            </a:lvl1pPr>
-          </a:lstStyle>
-          <a:p>
-            <a:pPr algn="ctr"/>
-            <a:r>
-              <a:rPr lang="fr-FR" dirty="0">
-                <a:solidFill>
-                  <a:srgbClr val="C00000"/>
-                </a:solidFill>
-              </a:rPr>
-              <a:t>In proc</a:t>
-            </a:r>
-            <a:endParaRPr lang="en-GB" dirty="0">
-              <a:solidFill>
-                <a:srgbClr val="C00000"/>
-              </a:solidFill>
-            </a:endParaRPr>
-          </a:p>
-        </p:txBody>
-      </p:sp>
-      <p:sp>
-        <p:nvSpPr>
-          <p:cNvPr id="131" name="TextBox 130">
-            <a:extLst>
-              <a:ext uri="{FF2B5EF4-FFF2-40B4-BE49-F238E27FC236}">
-                <a16:creationId xmlns:a16="http://schemas.microsoft.com/office/drawing/2014/main" id="{EF5F1985-087A-9FCA-E34C-58A6EC09B337}"/>
-              </a:ext>
-            </a:extLst>
-          </p:cNvPr>
-          <p:cNvSpPr txBox="1"/>
-          <p:nvPr/>
-        </p:nvSpPr>
-        <p:spPr>
-          <a:xfrm>
-            <a:off x="8269919" y="698400"/>
-            <a:ext cx="3364147" cy="369332"/>
-          </a:xfrm>
-          <a:prstGeom prst="rect">
-            <a:avLst/>
-          </a:prstGeom>
-          <a:noFill/>
-        </p:spPr>
-        <p:txBody>
-          <a:bodyPr wrap="square" rtlCol="0">
-            <a:spAutoFit/>
-          </a:bodyPr>
-          <a:lstStyle/>
-          <a:p>
-            <a:pPr algn="r"/>
-            <a:r>
-              <a:rPr lang="en-US" dirty="0"/>
-              <a:t>@tpierrain (use case driven)</a:t>
-            </a:r>
-          </a:p>
-        </p:txBody>
-      </p:sp>
-      <p:grpSp>
-        <p:nvGrpSpPr>
-          <p:cNvPr id="6" name="Group 5">
-            <a:extLst>
-              <a:ext uri="{FF2B5EF4-FFF2-40B4-BE49-F238E27FC236}">
-                <a16:creationId xmlns:a16="http://schemas.microsoft.com/office/drawing/2014/main" id="{B7F2336F-C302-3934-374A-6C28C32E82AB}"/>
-              </a:ext>
-            </a:extLst>
-          </p:cNvPr>
-          <p:cNvGrpSpPr/>
-          <p:nvPr/>
-        </p:nvGrpSpPr>
-        <p:grpSpPr>
-          <a:xfrm>
-            <a:off x="3017686" y="2822964"/>
-            <a:ext cx="4373958" cy="3246679"/>
-            <a:chOff x="1631660" y="2946377"/>
-            <a:chExt cx="5058251" cy="3754612"/>
-          </a:xfrm>
-        </p:grpSpPr>
-        <p:grpSp>
-          <p:nvGrpSpPr>
-            <p:cNvPr id="13" name="Group 12">
-              <a:extLst>
-                <a:ext uri="{FF2B5EF4-FFF2-40B4-BE49-F238E27FC236}">
-                  <a16:creationId xmlns:a16="http://schemas.microsoft.com/office/drawing/2014/main" id="{0AB3D9A8-755B-FD11-F09A-0BBC83C7F00D}"/>
-                </a:ext>
-              </a:extLst>
-            </p:cNvPr>
-            <p:cNvGrpSpPr/>
-            <p:nvPr/>
-          </p:nvGrpSpPr>
-          <p:grpSpPr>
-            <a:xfrm>
-              <a:off x="1631660" y="2946377"/>
-              <a:ext cx="5058251" cy="3754612"/>
-              <a:chOff x="2088326" y="1806169"/>
-              <a:chExt cx="5058251" cy="3754612"/>
-            </a:xfrm>
-          </p:grpSpPr>
-          <p:grpSp>
-            <p:nvGrpSpPr>
-              <p:cNvPr id="12" name="Group 11">
-                <a:extLst>
-                  <a:ext uri="{FF2B5EF4-FFF2-40B4-BE49-F238E27FC236}">
-                    <a16:creationId xmlns:a16="http://schemas.microsoft.com/office/drawing/2014/main" id="{D7199C33-9B35-280C-DD78-0A46CD4EC4F9}"/>
-                  </a:ext>
-                </a:extLst>
-              </p:cNvPr>
-              <p:cNvGrpSpPr/>
-              <p:nvPr/>
-            </p:nvGrpSpPr>
-            <p:grpSpPr>
-              <a:xfrm>
-                <a:off x="2088326" y="1806169"/>
-                <a:ext cx="5058251" cy="3754612"/>
-                <a:chOff x="2088326" y="1806169"/>
-                <a:chExt cx="5058251" cy="3754612"/>
-              </a:xfrm>
-            </p:grpSpPr>
-            <p:sp>
-              <p:nvSpPr>
-                <p:cNvPr id="35" name="Hexagon 34">
-                  <a:extLst>
-                    <a:ext uri="{FF2B5EF4-FFF2-40B4-BE49-F238E27FC236}">
-                      <a16:creationId xmlns:a16="http://schemas.microsoft.com/office/drawing/2014/main" id="{33B14C1D-1A7E-737A-1CCD-C4EC7DED6FA1}"/>
-                    </a:ext>
-                  </a:extLst>
-                </p:cNvPr>
-                <p:cNvSpPr/>
-                <p:nvPr/>
-              </p:nvSpPr>
-              <p:spPr>
-                <a:xfrm>
-                  <a:off x="2088326" y="1806169"/>
-                  <a:ext cx="4216246" cy="3562815"/>
-                </a:xfrm>
-                <a:prstGeom prst="hexagon">
-                  <a:avLst/>
-                </a:prstGeom>
-                <a:solidFill>
-                  <a:srgbClr val="DFC9EF"/>
-                </a:solidFill>
-                <a:ln w="47625">
-                  <a:solidFill>
-                    <a:srgbClr val="7030A0"/>
-                  </a:solidFill>
-                </a:ln>
-              </p:spPr>
-              <p:style>
-                <a:lnRef idx="2">
-                  <a:schemeClr val="accent1">
-                    <a:shade val="50000"/>
-                  </a:schemeClr>
-                </a:lnRef>
-                <a:fillRef idx="1">
-                  <a:schemeClr val="accent1"/>
-                </a:fillRef>
-                <a:effectRef idx="0">
-                  <a:schemeClr val="accent1"/>
-                </a:effectRef>
-                <a:fontRef idx="minor">
-                  <a:schemeClr val="lt1"/>
-                </a:fontRef>
-              </p:style>
-              <p:txBody>
-                <a:bodyPr rtlCol="0" anchor="ctr"/>
-                <a:lstStyle/>
-                <a:p>
-                  <a:pPr algn="ctr"/>
-                  <a:endParaRPr lang="fr-FR"/>
-                </a:p>
-              </p:txBody>
-            </p:sp>
-            <p:sp>
-              <p:nvSpPr>
-                <p:cNvPr id="34" name="Hexagon 33">
-                  <a:extLst>
-                    <a:ext uri="{FF2B5EF4-FFF2-40B4-BE49-F238E27FC236}">
-                      <a16:creationId xmlns:a16="http://schemas.microsoft.com/office/drawing/2014/main" id="{6A6D51E6-CF65-EF02-1DBB-4E90126E0B31}"/>
-                    </a:ext>
-                  </a:extLst>
-                </p:cNvPr>
-                <p:cNvSpPr/>
-                <p:nvPr/>
-              </p:nvSpPr>
-              <p:spPr>
-                <a:xfrm>
-                  <a:off x="2206827" y="2540806"/>
-                  <a:ext cx="3040380" cy="2093540"/>
-                </a:xfrm>
-                <a:prstGeom prst="hexagon">
-                  <a:avLst/>
-                </a:prstGeom>
-                <a:solidFill>
-                  <a:srgbClr val="BA8CDC"/>
-                </a:solidFill>
-                <a:ln w="28575">
-                  <a:solidFill>
-                    <a:srgbClr val="7030A0"/>
-                  </a:solidFill>
-                </a:ln>
-              </p:spPr>
-              <p:style>
-                <a:lnRef idx="2">
-                  <a:schemeClr val="accent1">
-                    <a:shade val="50000"/>
-                  </a:schemeClr>
-                </a:lnRef>
-                <a:fillRef idx="1">
-                  <a:schemeClr val="accent1"/>
-                </a:fillRef>
-                <a:effectRef idx="0">
-                  <a:schemeClr val="accent1"/>
-                </a:effectRef>
-                <a:fontRef idx="minor">
-                  <a:schemeClr val="lt1"/>
-                </a:fontRef>
-              </p:style>
-              <p:txBody>
-                <a:bodyPr rtlCol="0" anchor="ctr"/>
-                <a:lstStyle/>
-                <a:p>
-                  <a:pPr algn="ctr"/>
-                  <a:endParaRPr lang="fr-FR"/>
-                </a:p>
-              </p:txBody>
-            </p:sp>
-            <p:grpSp>
-              <p:nvGrpSpPr>
-                <p:cNvPr id="40" name="Group 39">
-                  <a:extLst>
-                    <a:ext uri="{FF2B5EF4-FFF2-40B4-BE49-F238E27FC236}">
-                      <a16:creationId xmlns:a16="http://schemas.microsoft.com/office/drawing/2014/main" id="{940C4411-4AE3-4C39-3A25-7CA0DDA67A79}"/>
-                    </a:ext>
-                  </a:extLst>
-                </p:cNvPr>
-                <p:cNvGrpSpPr/>
-                <p:nvPr/>
-              </p:nvGrpSpPr>
-              <p:grpSpPr>
-                <a:xfrm>
-                  <a:off x="2457876" y="3028074"/>
-                  <a:ext cx="171374" cy="381578"/>
-                  <a:chOff x="7689730" y="3195744"/>
-                  <a:chExt cx="171374" cy="381578"/>
-                </a:xfrm>
-              </p:grpSpPr>
-              <p:cxnSp>
-                <p:nvCxnSpPr>
-                  <p:cNvPr id="36" name="Straight Connector 35">
-                    <a:extLst>
-                      <a:ext uri="{FF2B5EF4-FFF2-40B4-BE49-F238E27FC236}">
-                        <a16:creationId xmlns:a16="http://schemas.microsoft.com/office/drawing/2014/main" id="{5C6BA29F-F336-8477-0F22-3890AFCE60EA}"/>
-                      </a:ext>
-                    </a:extLst>
-                  </p:cNvPr>
-                  <p:cNvCxnSpPr>
-                    <a:cxnSpLocks/>
-                  </p:cNvCxnSpPr>
-                  <p:nvPr/>
-                </p:nvCxnSpPr>
-                <p:spPr>
-                  <a:xfrm>
-                    <a:off x="7775417" y="3367118"/>
-                    <a:ext cx="0" cy="210204"/>
-                  </a:xfrm>
-                  <a:prstGeom prst="line">
-                    <a:avLst/>
-                  </a:prstGeom>
-                  <a:ln w="38100">
-                    <a:solidFill>
-                      <a:schemeClr val="tx1"/>
-                    </a:solidFill>
-                  </a:ln>
-                </p:spPr>
-                <p:style>
-                  <a:lnRef idx="1">
-                    <a:schemeClr val="accent1"/>
-                  </a:lnRef>
-                  <a:fillRef idx="0">
-                    <a:schemeClr val="accent1"/>
-                  </a:fillRef>
-                  <a:effectRef idx="0">
-                    <a:schemeClr val="accent1"/>
-                  </a:effectRef>
-                  <a:fontRef idx="minor">
-                    <a:schemeClr val="tx1"/>
-                  </a:fontRef>
-                </p:style>
-              </p:cxnSp>
-              <p:sp>
-                <p:nvSpPr>
-                  <p:cNvPr id="39" name="Oval 38">
-                    <a:extLst>
-                      <a:ext uri="{FF2B5EF4-FFF2-40B4-BE49-F238E27FC236}">
-                        <a16:creationId xmlns:a16="http://schemas.microsoft.com/office/drawing/2014/main" id="{EF1A047A-9909-5D12-7282-628EA8ED1B30}"/>
-                      </a:ext>
-                    </a:extLst>
-                  </p:cNvPr>
-                  <p:cNvSpPr/>
-                  <p:nvPr/>
-                </p:nvSpPr>
-                <p:spPr>
-                  <a:xfrm>
-                    <a:off x="7689730" y="3195744"/>
-                    <a:ext cx="171374" cy="171374"/>
-                  </a:xfrm>
-                  <a:prstGeom prst="ellipse">
-                    <a:avLst/>
-                  </a:prstGeom>
-                  <a:solidFill>
-                    <a:schemeClr val="bg1"/>
-                  </a:solidFill>
-                  <a:ln w="19050">
-                    <a:solidFill>
-                      <a:schemeClr val="tx1"/>
-                    </a:solidFill>
-                  </a:ln>
-                </p:spPr>
-                <p:style>
-                  <a:lnRef idx="2">
-                    <a:schemeClr val="accent1">
-                      <a:shade val="50000"/>
-                    </a:schemeClr>
-                  </a:lnRef>
-                  <a:fillRef idx="1">
-                    <a:schemeClr val="accent1"/>
-                  </a:fillRef>
-                  <a:effectRef idx="0">
-                    <a:schemeClr val="accent1"/>
-                  </a:effectRef>
-                  <a:fontRef idx="minor">
-                    <a:schemeClr val="lt1"/>
-                  </a:fontRef>
-                </p:style>
-                <p:txBody>
-                  <a:bodyPr rtlCol="0" anchor="ctr"/>
-                  <a:lstStyle/>
-                  <a:p>
-                    <a:pPr algn="ctr"/>
-                    <a:endParaRPr lang="en-GB"/>
-                  </a:p>
-                </p:txBody>
-              </p:sp>
-            </p:grpSp>
-            <p:sp>
-              <p:nvSpPr>
-                <p:cNvPr id="43" name="Rectangle: Rounded Corners 42">
-                  <a:extLst>
-                    <a:ext uri="{FF2B5EF4-FFF2-40B4-BE49-F238E27FC236}">
-                      <a16:creationId xmlns:a16="http://schemas.microsoft.com/office/drawing/2014/main" id="{CE914DA8-CDC3-DE3A-3738-128639367FC4}"/>
-                    </a:ext>
-                  </a:extLst>
-                </p:cNvPr>
-                <p:cNvSpPr/>
-                <p:nvPr/>
-              </p:nvSpPr>
-              <p:spPr>
-                <a:xfrm>
-                  <a:off x="4005403" y="3328336"/>
-                  <a:ext cx="425816" cy="351565"/>
-                </a:xfrm>
-                <a:prstGeom prst="roundRect">
-                  <a:avLst/>
-                </a:prstGeom>
-                <a:solidFill>
-                  <a:srgbClr val="9A57CD"/>
-                </a:solidFill>
-                <a:ln>
-                  <a:solidFill>
-                    <a:schemeClr val="tx1"/>
-                  </a:solidFill>
-                </a:ln>
-              </p:spPr>
-              <p:style>
-                <a:lnRef idx="2">
-                  <a:schemeClr val="accent1">
-                    <a:shade val="50000"/>
-                  </a:schemeClr>
-                </a:lnRef>
-                <a:fillRef idx="1">
-                  <a:schemeClr val="accent1"/>
-                </a:fillRef>
-                <a:effectRef idx="0">
-                  <a:schemeClr val="accent1"/>
-                </a:effectRef>
-                <a:fontRef idx="minor">
-                  <a:schemeClr val="lt1"/>
-                </a:fontRef>
-              </p:style>
-              <p:txBody>
-                <a:bodyPr rtlCol="0" anchor="ctr"/>
-                <a:lstStyle/>
-                <a:p>
-                  <a:pPr algn="ctr"/>
-                  <a:endParaRPr lang="en-GB"/>
-                </a:p>
-              </p:txBody>
-            </p:sp>
-            <p:cxnSp>
-              <p:nvCxnSpPr>
-                <p:cNvPr id="44" name="Connector: Elbow 43">
-                  <a:extLst>
-                    <a:ext uri="{FF2B5EF4-FFF2-40B4-BE49-F238E27FC236}">
-                      <a16:creationId xmlns:a16="http://schemas.microsoft.com/office/drawing/2014/main" id="{80B21C75-7B16-2C9B-F4C3-5F3C6DFDC475}"/>
-                    </a:ext>
-                  </a:extLst>
-                </p:cNvPr>
-                <p:cNvCxnSpPr>
-                  <a:cxnSpLocks/>
-                  <a:stCxn id="48" idx="3"/>
-                  <a:endCxn id="46" idx="1"/>
-                </p:cNvCxnSpPr>
-                <p:nvPr/>
-              </p:nvCxnSpPr>
-              <p:spPr>
-                <a:xfrm flipV="1">
-                  <a:off x="2761180" y="2937979"/>
-                  <a:ext cx="604954" cy="612168"/>
-                </a:xfrm>
-                <a:prstGeom prst="bentConnector3">
-                  <a:avLst/>
-                </a:prstGeom>
-                <a:ln w="9525">
-                  <a:solidFill>
-                    <a:schemeClr val="tx1"/>
-                  </a:solidFill>
-                  <a:tailEnd type="none"/>
-                </a:ln>
-              </p:spPr>
-              <p:style>
-                <a:lnRef idx="1">
-                  <a:schemeClr val="accent1"/>
-                </a:lnRef>
-                <a:fillRef idx="0">
-                  <a:schemeClr val="accent1"/>
-                </a:fillRef>
-                <a:effectRef idx="0">
-                  <a:schemeClr val="accent1"/>
-                </a:effectRef>
-                <a:fontRef idx="minor">
-                  <a:schemeClr val="tx1"/>
-                </a:fontRef>
-              </p:style>
-            </p:cxnSp>
-            <p:cxnSp>
-              <p:nvCxnSpPr>
-                <p:cNvPr id="45" name="Connector: Elbow 44">
-                  <a:extLst>
-                    <a:ext uri="{FF2B5EF4-FFF2-40B4-BE49-F238E27FC236}">
-                      <a16:creationId xmlns:a16="http://schemas.microsoft.com/office/drawing/2014/main" id="{8F16B881-7F02-9320-ABC2-0B490E03D5CA}"/>
-                    </a:ext>
-                  </a:extLst>
-                </p:cNvPr>
-                <p:cNvCxnSpPr>
-                  <a:cxnSpLocks/>
-                  <a:stCxn id="46" idx="3"/>
-                </p:cNvCxnSpPr>
-                <p:nvPr/>
-              </p:nvCxnSpPr>
-              <p:spPr>
-                <a:xfrm>
-                  <a:off x="3791951" y="2937979"/>
-                  <a:ext cx="426360" cy="386094"/>
-                </a:xfrm>
-                <a:prstGeom prst="bentConnector2">
-                  <a:avLst/>
-                </a:prstGeom>
-                <a:ln w="9525">
-                  <a:solidFill>
-                    <a:schemeClr val="tx1"/>
-                  </a:solidFill>
-                  <a:tailEnd type="none"/>
-                </a:ln>
-              </p:spPr>
-              <p:style>
-                <a:lnRef idx="1">
-                  <a:schemeClr val="accent1"/>
-                </a:lnRef>
-                <a:fillRef idx="0">
-                  <a:schemeClr val="accent1"/>
-                </a:fillRef>
-                <a:effectRef idx="0">
-                  <a:schemeClr val="accent1"/>
-                </a:effectRef>
-                <a:fontRef idx="minor">
-                  <a:schemeClr val="tx1"/>
-                </a:fontRef>
-              </p:style>
-            </p:cxnSp>
-            <p:sp>
-              <p:nvSpPr>
-                <p:cNvPr id="46" name="Rectangle: Rounded Corners 45">
-                  <a:extLst>
-                    <a:ext uri="{FF2B5EF4-FFF2-40B4-BE49-F238E27FC236}">
-                      <a16:creationId xmlns:a16="http://schemas.microsoft.com/office/drawing/2014/main" id="{3BEC7E3D-294F-32B3-0467-8A3ABCBC742D}"/>
-                    </a:ext>
-                  </a:extLst>
-                </p:cNvPr>
-                <p:cNvSpPr/>
-                <p:nvPr/>
-              </p:nvSpPr>
-              <p:spPr>
-                <a:xfrm>
-                  <a:off x="3366134" y="2762196"/>
-                  <a:ext cx="425817" cy="351565"/>
-                </a:xfrm>
-                <a:prstGeom prst="roundRect">
-                  <a:avLst/>
-                </a:prstGeom>
-                <a:solidFill>
-                  <a:srgbClr val="9A57CD"/>
-                </a:solidFill>
-                <a:ln>
-                  <a:solidFill>
-                    <a:schemeClr val="tx1"/>
-                  </a:solidFill>
-                </a:ln>
-              </p:spPr>
-              <p:style>
-                <a:lnRef idx="2">
-                  <a:schemeClr val="accent1">
-                    <a:shade val="50000"/>
-                  </a:schemeClr>
-                </a:lnRef>
-                <a:fillRef idx="1">
-                  <a:schemeClr val="accent1"/>
-                </a:fillRef>
-                <a:effectRef idx="0">
-                  <a:schemeClr val="accent1"/>
-                </a:effectRef>
-                <a:fontRef idx="minor">
-                  <a:schemeClr val="lt1"/>
-                </a:fontRef>
-              </p:style>
-              <p:txBody>
-                <a:bodyPr rtlCol="0" anchor="ctr"/>
-                <a:lstStyle/>
-                <a:p>
-                  <a:pPr algn="ctr"/>
-                  <a:endParaRPr lang="en-GB"/>
-                </a:p>
-              </p:txBody>
-            </p:sp>
-            <p:sp>
-              <p:nvSpPr>
-                <p:cNvPr id="47" name="Diamond 46">
-                  <a:extLst>
-                    <a:ext uri="{FF2B5EF4-FFF2-40B4-BE49-F238E27FC236}">
-                      <a16:creationId xmlns:a16="http://schemas.microsoft.com/office/drawing/2014/main" id="{CF1E7E84-BE84-EF72-028C-7C6BE33BBDC3}"/>
-                    </a:ext>
-                  </a:extLst>
-                </p:cNvPr>
-                <p:cNvSpPr/>
-                <p:nvPr/>
-              </p:nvSpPr>
-              <p:spPr>
-                <a:xfrm>
-                  <a:off x="3799194" y="2848062"/>
-                  <a:ext cx="167131" cy="167131"/>
-                </a:xfrm>
-                <a:prstGeom prst="diamond">
-                  <a:avLst/>
-                </a:prstGeom>
-                <a:solidFill>
-                  <a:schemeClr val="tx1"/>
-                </a:solidFill>
-                <a:ln>
-                  <a:solidFill>
-                    <a:schemeClr val="tx1"/>
-                  </a:solidFill>
-                </a:ln>
-              </p:spPr>
-              <p:style>
-                <a:lnRef idx="2">
-                  <a:schemeClr val="accent1">
-                    <a:shade val="50000"/>
-                  </a:schemeClr>
-                </a:lnRef>
-                <a:fillRef idx="1">
-                  <a:schemeClr val="accent1"/>
-                </a:fillRef>
-                <a:effectRef idx="0">
-                  <a:schemeClr val="accent1"/>
-                </a:effectRef>
-                <a:fontRef idx="minor">
-                  <a:schemeClr val="lt1"/>
-                </a:fontRef>
-              </p:style>
-              <p:txBody>
-                <a:bodyPr rtlCol="0" anchor="ctr"/>
-                <a:lstStyle/>
-                <a:p>
-                  <a:pPr algn="ctr"/>
-                  <a:endParaRPr lang="en-GB"/>
-                </a:p>
-              </p:txBody>
-            </p:sp>
-            <p:sp>
-              <p:nvSpPr>
-                <p:cNvPr id="48" name="Rectangle: Rounded Corners 47">
-                  <a:extLst>
-                    <a:ext uri="{FF2B5EF4-FFF2-40B4-BE49-F238E27FC236}">
-                      <a16:creationId xmlns:a16="http://schemas.microsoft.com/office/drawing/2014/main" id="{A41AD289-0792-2EA4-E800-3122F9EFFC59}"/>
-                    </a:ext>
-                  </a:extLst>
-                </p:cNvPr>
-                <p:cNvSpPr/>
-                <p:nvPr/>
-              </p:nvSpPr>
-              <p:spPr>
-                <a:xfrm>
-                  <a:off x="2335362" y="3374364"/>
-                  <a:ext cx="425818" cy="351565"/>
-                </a:xfrm>
-                <a:prstGeom prst="roundRect">
-                  <a:avLst/>
-                </a:prstGeom>
-                <a:solidFill>
-                  <a:srgbClr val="9A57CD"/>
-                </a:solidFill>
-                <a:ln>
-                  <a:solidFill>
-                    <a:schemeClr val="tx1"/>
-                  </a:solidFill>
-                </a:ln>
-              </p:spPr>
-              <p:style>
-                <a:lnRef idx="2">
-                  <a:schemeClr val="accent1">
-                    <a:shade val="50000"/>
-                  </a:schemeClr>
-                </a:lnRef>
-                <a:fillRef idx="1">
-                  <a:schemeClr val="accent1"/>
-                </a:fillRef>
-                <a:effectRef idx="0">
-                  <a:schemeClr val="accent1"/>
-                </a:effectRef>
-                <a:fontRef idx="minor">
-                  <a:schemeClr val="lt1"/>
-                </a:fontRef>
-              </p:style>
-              <p:txBody>
-                <a:bodyPr rtlCol="0" anchor="ctr"/>
-                <a:lstStyle/>
-                <a:p>
-                  <a:pPr algn="ctr"/>
-                  <a:endParaRPr lang="en-GB"/>
-                </a:p>
-              </p:txBody>
-            </p:sp>
-            <p:sp>
-              <p:nvSpPr>
-                <p:cNvPr id="49" name="Diamond 48">
-                  <a:extLst>
-                    <a:ext uri="{FF2B5EF4-FFF2-40B4-BE49-F238E27FC236}">
-                      <a16:creationId xmlns:a16="http://schemas.microsoft.com/office/drawing/2014/main" id="{BC214A87-C3D5-FF0B-97DE-4DA23A95B490}"/>
-                    </a:ext>
-                  </a:extLst>
-                </p:cNvPr>
-                <p:cNvSpPr/>
-                <p:nvPr/>
-              </p:nvSpPr>
-              <p:spPr>
-                <a:xfrm>
-                  <a:off x="2764551" y="3467108"/>
-                  <a:ext cx="167130" cy="167132"/>
-                </a:xfrm>
-                <a:prstGeom prst="diamond">
-                  <a:avLst/>
-                </a:prstGeom>
-                <a:solidFill>
-                  <a:schemeClr val="tx1"/>
-                </a:solidFill>
-                <a:ln>
-                  <a:solidFill>
-                    <a:schemeClr val="tx1"/>
-                  </a:solidFill>
-                </a:ln>
-              </p:spPr>
-              <p:style>
-                <a:lnRef idx="2">
-                  <a:schemeClr val="accent1">
-                    <a:shade val="50000"/>
-                  </a:schemeClr>
-                </a:lnRef>
-                <a:fillRef idx="1">
-                  <a:schemeClr val="accent1"/>
-                </a:fillRef>
-                <a:effectRef idx="0">
-                  <a:schemeClr val="accent1"/>
-                </a:effectRef>
-                <a:fontRef idx="minor">
-                  <a:schemeClr val="lt1"/>
-                </a:fontRef>
-              </p:style>
-              <p:txBody>
-                <a:bodyPr rtlCol="0" anchor="ctr"/>
-                <a:lstStyle/>
-                <a:p>
-                  <a:pPr algn="ctr"/>
-                  <a:endParaRPr lang="en-GB"/>
-                </a:p>
-              </p:txBody>
-            </p:sp>
-            <p:sp>
-              <p:nvSpPr>
-                <p:cNvPr id="50" name="Right Brace 49">
-                  <a:extLst>
-                    <a:ext uri="{FF2B5EF4-FFF2-40B4-BE49-F238E27FC236}">
-                      <a16:creationId xmlns:a16="http://schemas.microsoft.com/office/drawing/2014/main" id="{6933D540-CF40-3B71-81DD-0728A7B7E745}"/>
-                    </a:ext>
-                  </a:extLst>
-                </p:cNvPr>
-                <p:cNvSpPr/>
-                <p:nvPr/>
-              </p:nvSpPr>
-              <p:spPr>
-                <a:xfrm rot="9165860">
-                  <a:off x="5056267" y="2920016"/>
-                  <a:ext cx="883655" cy="428062"/>
-                </a:xfrm>
-                <a:prstGeom prst="rightBrace">
-                  <a:avLst>
-                    <a:gd name="adj1" fmla="val 9622"/>
-                    <a:gd name="adj2" fmla="val 54011"/>
-                  </a:avLst>
-                </a:prstGeom>
-                <a:ln w="34925">
-                  <a:solidFill>
-                    <a:schemeClr val="tx1"/>
-                  </a:solidFill>
-                </a:ln>
-              </p:spPr>
-              <p:style>
-                <a:lnRef idx="1">
-                  <a:schemeClr val="accent1"/>
-                </a:lnRef>
-                <a:fillRef idx="0">
-                  <a:schemeClr val="accent1"/>
-                </a:fillRef>
-                <a:effectRef idx="0">
-                  <a:schemeClr val="accent1"/>
-                </a:effectRef>
-                <a:fontRef idx="minor">
-                  <a:schemeClr val="tx1"/>
-                </a:fontRef>
-              </p:style>
-              <p:txBody>
-                <a:bodyPr rtlCol="0" anchor="ctr"/>
-                <a:lstStyle/>
-                <a:p>
-                  <a:pPr algn="ctr"/>
-                  <a:endParaRPr lang="en-GB"/>
-                </a:p>
-              </p:txBody>
-            </p:sp>
-            <p:cxnSp>
-              <p:nvCxnSpPr>
-                <p:cNvPr id="51" name="Straight Arrow Connector 50">
-                  <a:extLst>
-                    <a:ext uri="{FF2B5EF4-FFF2-40B4-BE49-F238E27FC236}">
-                      <a16:creationId xmlns:a16="http://schemas.microsoft.com/office/drawing/2014/main" id="{272ECD37-CF7C-FD44-E585-9389787F552F}"/>
-                    </a:ext>
-                  </a:extLst>
-                </p:cNvPr>
-                <p:cNvCxnSpPr>
-                  <a:cxnSpLocks/>
-                  <a:stCxn id="43" idx="3"/>
-                  <a:endCxn id="52" idx="2"/>
-                </p:cNvCxnSpPr>
-                <p:nvPr/>
-              </p:nvCxnSpPr>
-              <p:spPr>
-                <a:xfrm flipV="1">
-                  <a:off x="4431219" y="3357031"/>
-                  <a:ext cx="513458" cy="147088"/>
-                </a:xfrm>
-                <a:prstGeom prst="straightConnector1">
-                  <a:avLst/>
-                </a:prstGeom>
-                <a:ln w="9525">
-                  <a:solidFill>
-                    <a:schemeClr val="tx1"/>
-                  </a:solidFill>
-                  <a:prstDash val="dash"/>
-                  <a:tailEnd type="triangle"/>
-                </a:ln>
-              </p:spPr>
-              <p:style>
-                <a:lnRef idx="1">
-                  <a:schemeClr val="accent1"/>
-                </a:lnRef>
-                <a:fillRef idx="0">
-                  <a:schemeClr val="accent1"/>
-                </a:fillRef>
-                <a:effectRef idx="0">
-                  <a:schemeClr val="accent1"/>
-                </a:effectRef>
-                <a:fontRef idx="minor">
-                  <a:schemeClr val="tx1"/>
-                </a:fontRef>
-              </p:style>
-            </p:cxnSp>
-            <p:sp>
-              <p:nvSpPr>
-                <p:cNvPr id="52" name="Oval 51">
-                  <a:extLst>
-                    <a:ext uri="{FF2B5EF4-FFF2-40B4-BE49-F238E27FC236}">
-                      <a16:creationId xmlns:a16="http://schemas.microsoft.com/office/drawing/2014/main" id="{213DB660-4E3D-3960-4A63-D7FBF409CF29}"/>
-                    </a:ext>
-                  </a:extLst>
-                </p:cNvPr>
-                <p:cNvSpPr/>
-                <p:nvPr/>
-              </p:nvSpPr>
-              <p:spPr>
-                <a:xfrm>
-                  <a:off x="4944677" y="3271344"/>
-                  <a:ext cx="171374" cy="171374"/>
-                </a:xfrm>
-                <a:prstGeom prst="ellipse">
-                  <a:avLst/>
-                </a:prstGeom>
-                <a:solidFill>
-                  <a:schemeClr val="bg1"/>
-                </a:solidFill>
-                <a:ln w="19050">
-                  <a:solidFill>
-                    <a:schemeClr val="tx1"/>
-                  </a:solidFill>
-                </a:ln>
-              </p:spPr>
-              <p:style>
-                <a:lnRef idx="2">
-                  <a:schemeClr val="accent1">
-                    <a:shade val="50000"/>
-                  </a:schemeClr>
-                </a:lnRef>
-                <a:fillRef idx="1">
-                  <a:schemeClr val="accent1"/>
-                </a:fillRef>
-                <a:effectRef idx="0">
-                  <a:schemeClr val="accent1"/>
-                </a:effectRef>
-                <a:fontRef idx="minor">
-                  <a:schemeClr val="lt1"/>
-                </a:fontRef>
-              </p:style>
-              <p:txBody>
-                <a:bodyPr rtlCol="0" anchor="ctr"/>
-                <a:lstStyle/>
-                <a:p>
-                  <a:pPr algn="ctr"/>
-                  <a:endParaRPr lang="en-GB"/>
-                </a:p>
-              </p:txBody>
-            </p:sp>
-            <p:sp>
-              <p:nvSpPr>
-                <p:cNvPr id="63" name="Rectangle: Rounded Corners 62">
-                  <a:extLst>
-                    <a:ext uri="{FF2B5EF4-FFF2-40B4-BE49-F238E27FC236}">
-                      <a16:creationId xmlns:a16="http://schemas.microsoft.com/office/drawing/2014/main" id="{7AC230C3-B6DC-459A-6E3F-2394AB209B41}"/>
-                    </a:ext>
-                  </a:extLst>
-                </p:cNvPr>
-                <p:cNvSpPr/>
-                <p:nvPr/>
-              </p:nvSpPr>
-              <p:spPr>
-                <a:xfrm>
-                  <a:off x="2899680" y="3981174"/>
-                  <a:ext cx="425816" cy="351565"/>
-                </a:xfrm>
-                <a:prstGeom prst="roundRect">
-                  <a:avLst/>
-                </a:prstGeom>
-                <a:solidFill>
-                  <a:srgbClr val="9A57CD"/>
-                </a:solidFill>
-                <a:ln>
-                  <a:solidFill>
-                    <a:schemeClr val="tx1"/>
-                  </a:solidFill>
-                </a:ln>
-              </p:spPr>
-              <p:style>
-                <a:lnRef idx="2">
-                  <a:schemeClr val="accent1">
-                    <a:shade val="50000"/>
-                  </a:schemeClr>
-                </a:lnRef>
-                <a:fillRef idx="1">
-                  <a:schemeClr val="accent1"/>
-                </a:fillRef>
-                <a:effectRef idx="0">
-                  <a:schemeClr val="accent1"/>
-                </a:effectRef>
-                <a:fontRef idx="minor">
-                  <a:schemeClr val="lt1"/>
-                </a:fontRef>
-              </p:style>
-              <p:txBody>
-                <a:bodyPr rtlCol="0" anchor="ctr"/>
-                <a:lstStyle/>
-                <a:p>
-                  <a:pPr algn="ctr"/>
-                  <a:endParaRPr lang="en-GB"/>
-                </a:p>
-              </p:txBody>
-            </p:sp>
-            <p:sp>
-              <p:nvSpPr>
-                <p:cNvPr id="64" name="Rectangle: Rounded Corners 63">
-                  <a:extLst>
-                    <a:ext uri="{FF2B5EF4-FFF2-40B4-BE49-F238E27FC236}">
-                      <a16:creationId xmlns:a16="http://schemas.microsoft.com/office/drawing/2014/main" id="{8253828B-6500-05DB-B3F4-DE0CEA08709C}"/>
-                    </a:ext>
-                  </a:extLst>
-                </p:cNvPr>
-                <p:cNvSpPr/>
-                <p:nvPr/>
-              </p:nvSpPr>
-              <p:spPr>
-                <a:xfrm>
-                  <a:off x="3660068" y="4059034"/>
-                  <a:ext cx="425816" cy="351565"/>
-                </a:xfrm>
-                <a:prstGeom prst="roundRect">
-                  <a:avLst/>
-                </a:prstGeom>
-                <a:solidFill>
-                  <a:srgbClr val="9A57CD"/>
-                </a:solidFill>
-                <a:ln>
-                  <a:solidFill>
-                    <a:schemeClr val="tx1"/>
-                  </a:solidFill>
-                </a:ln>
-              </p:spPr>
-              <p:style>
-                <a:lnRef idx="2">
-                  <a:schemeClr val="accent1">
-                    <a:shade val="50000"/>
-                  </a:schemeClr>
-                </a:lnRef>
-                <a:fillRef idx="1">
-                  <a:schemeClr val="accent1"/>
-                </a:fillRef>
-                <a:effectRef idx="0">
-                  <a:schemeClr val="accent1"/>
-                </a:effectRef>
-                <a:fontRef idx="minor">
-                  <a:schemeClr val="lt1"/>
-                </a:fontRef>
-              </p:style>
-              <p:txBody>
-                <a:bodyPr rtlCol="0" anchor="ctr"/>
-                <a:lstStyle/>
-                <a:p>
-                  <a:pPr algn="ctr"/>
-                  <a:endParaRPr lang="en-GB"/>
-                </a:p>
-              </p:txBody>
-            </p:sp>
-            <p:cxnSp>
-              <p:nvCxnSpPr>
-                <p:cNvPr id="65" name="Connector: Elbow 64">
-                  <a:extLst>
-                    <a:ext uri="{FF2B5EF4-FFF2-40B4-BE49-F238E27FC236}">
-                      <a16:creationId xmlns:a16="http://schemas.microsoft.com/office/drawing/2014/main" id="{623284CD-18F4-CF51-5F9F-6A6C6563AA46}"/>
-                    </a:ext>
-                  </a:extLst>
-                </p:cNvPr>
-                <p:cNvCxnSpPr>
-                  <a:cxnSpLocks/>
-                  <a:stCxn id="63" idx="3"/>
-                  <a:endCxn id="64" idx="1"/>
-                </p:cNvCxnSpPr>
-                <p:nvPr/>
-              </p:nvCxnSpPr>
-              <p:spPr>
-                <a:xfrm>
-                  <a:off x="3325496" y="4156957"/>
-                  <a:ext cx="334572" cy="77860"/>
-                </a:xfrm>
-                <a:prstGeom prst="bentConnector3">
-                  <a:avLst>
-                    <a:gd name="adj1" fmla="val 57592"/>
-                  </a:avLst>
-                </a:prstGeom>
-                <a:ln w="9525">
-                  <a:solidFill>
-                    <a:schemeClr val="tx1"/>
-                  </a:solidFill>
-                  <a:tailEnd type="none"/>
-                </a:ln>
-              </p:spPr>
-              <p:style>
-                <a:lnRef idx="1">
-                  <a:schemeClr val="accent1"/>
-                </a:lnRef>
-                <a:fillRef idx="0">
-                  <a:schemeClr val="accent1"/>
-                </a:fillRef>
-                <a:effectRef idx="0">
-                  <a:schemeClr val="accent1"/>
-                </a:effectRef>
-                <a:fontRef idx="minor">
-                  <a:schemeClr val="tx1"/>
-                </a:fontRef>
-              </p:style>
-            </p:cxnSp>
-            <p:cxnSp>
-              <p:nvCxnSpPr>
-                <p:cNvPr id="66" name="Straight Arrow Connector 65">
-                  <a:extLst>
-                    <a:ext uri="{FF2B5EF4-FFF2-40B4-BE49-F238E27FC236}">
-                      <a16:creationId xmlns:a16="http://schemas.microsoft.com/office/drawing/2014/main" id="{4E289FFA-45DA-6FFE-34F0-C4A60E2E3E8F}"/>
-                    </a:ext>
-                  </a:extLst>
-                </p:cNvPr>
-                <p:cNvCxnSpPr>
-                  <a:cxnSpLocks/>
-                  <a:stCxn id="48" idx="2"/>
-                  <a:endCxn id="63" idx="1"/>
-                </p:cNvCxnSpPr>
-                <p:nvPr/>
-              </p:nvCxnSpPr>
-              <p:spPr>
-                <a:xfrm>
-                  <a:off x="2548271" y="3725929"/>
-                  <a:ext cx="351409" cy="431028"/>
-                </a:xfrm>
-                <a:prstGeom prst="straightConnector1">
-                  <a:avLst/>
-                </a:prstGeom>
-                <a:ln w="9525">
-                  <a:solidFill>
-                    <a:schemeClr val="tx1"/>
-                  </a:solidFill>
-                  <a:prstDash val="dash"/>
-                  <a:tailEnd type="triangle"/>
-                </a:ln>
-              </p:spPr>
-              <p:style>
-                <a:lnRef idx="1">
-                  <a:schemeClr val="accent1"/>
-                </a:lnRef>
-                <a:fillRef idx="0">
-                  <a:schemeClr val="accent1"/>
-                </a:fillRef>
-                <a:effectRef idx="0">
-                  <a:schemeClr val="accent1"/>
-                </a:effectRef>
-                <a:fontRef idx="minor">
-                  <a:schemeClr val="tx1"/>
-                </a:fontRef>
-              </p:style>
-            </p:cxnSp>
-            <p:sp>
-              <p:nvSpPr>
-                <p:cNvPr id="70" name="TextBox 69">
-                  <a:extLst>
-                    <a:ext uri="{FF2B5EF4-FFF2-40B4-BE49-F238E27FC236}">
-                      <a16:creationId xmlns:a16="http://schemas.microsoft.com/office/drawing/2014/main" id="{F0DC8FA8-A750-E835-50E7-91D1B053EA3E}"/>
-                    </a:ext>
-                  </a:extLst>
-                </p:cNvPr>
-                <p:cNvSpPr txBox="1"/>
-                <p:nvPr/>
-              </p:nvSpPr>
-              <p:spPr>
-                <a:xfrm>
-                  <a:off x="2582958" y="2549181"/>
-                  <a:ext cx="2108329" cy="215444"/>
-                </a:xfrm>
-                <a:prstGeom prst="rect">
-                  <a:avLst/>
-                </a:prstGeom>
-                <a:noFill/>
-              </p:spPr>
-              <p:txBody>
-                <a:bodyPr wrap="square" rtlCol="0">
-                  <a:spAutoFit/>
-                </a:bodyPr>
-                <a:lstStyle/>
-                <a:p>
-                  <a:pPr algn="r"/>
-                  <a:r>
-                    <a:rPr lang="en-GB" sz="800" b="1" cap="all" dirty="0">
-                      <a:latin typeface="Alte Haas Grotesk" panose="02000503000000020004" pitchFamily="2" charset="0"/>
-                    </a:rPr>
-                    <a:t>Seat suggestions Domain</a:t>
-                  </a:r>
-                </a:p>
-              </p:txBody>
-            </p:sp>
-            <p:sp>
-              <p:nvSpPr>
-                <p:cNvPr id="85" name="Right Brace 84">
-                  <a:extLst>
-                    <a:ext uri="{FF2B5EF4-FFF2-40B4-BE49-F238E27FC236}">
-                      <a16:creationId xmlns:a16="http://schemas.microsoft.com/office/drawing/2014/main" id="{ECBCF79C-DB7C-8437-A8D1-79A66D6A3034}"/>
-                    </a:ext>
-                  </a:extLst>
-                </p:cNvPr>
-                <p:cNvSpPr/>
-                <p:nvPr/>
-              </p:nvSpPr>
-              <p:spPr>
-                <a:xfrm rot="12414236">
-                  <a:off x="4725358" y="4434439"/>
-                  <a:ext cx="883655" cy="428062"/>
-                </a:xfrm>
-                <a:prstGeom prst="rightBrace">
-                  <a:avLst>
-                    <a:gd name="adj1" fmla="val 9622"/>
-                    <a:gd name="adj2" fmla="val 54011"/>
-                  </a:avLst>
-                </a:prstGeom>
-                <a:ln w="34925">
-                  <a:solidFill>
-                    <a:schemeClr val="tx1"/>
-                  </a:solidFill>
-                </a:ln>
-              </p:spPr>
-              <p:style>
-                <a:lnRef idx="1">
-                  <a:schemeClr val="accent1"/>
-                </a:lnRef>
-                <a:fillRef idx="0">
-                  <a:schemeClr val="accent1"/>
-                </a:fillRef>
-                <a:effectRef idx="0">
-                  <a:schemeClr val="accent1"/>
-                </a:effectRef>
-                <a:fontRef idx="minor">
-                  <a:schemeClr val="tx1"/>
-                </a:fontRef>
-              </p:style>
-              <p:txBody>
-                <a:bodyPr rtlCol="0" anchor="ctr"/>
-                <a:lstStyle/>
-                <a:p>
-                  <a:pPr algn="ctr"/>
-                  <a:endParaRPr lang="en-GB"/>
-                </a:p>
-              </p:txBody>
-            </p:sp>
-            <p:sp>
-              <p:nvSpPr>
-                <p:cNvPr id="86" name="Oval 85">
-                  <a:extLst>
-                    <a:ext uri="{FF2B5EF4-FFF2-40B4-BE49-F238E27FC236}">
-                      <a16:creationId xmlns:a16="http://schemas.microsoft.com/office/drawing/2014/main" id="{EFB2C063-5C64-7717-7CF4-F13A7821C2FA}"/>
-                    </a:ext>
-                  </a:extLst>
-                </p:cNvPr>
-                <p:cNvSpPr/>
-                <p:nvPr/>
-              </p:nvSpPr>
-              <p:spPr>
-                <a:xfrm>
-                  <a:off x="4632022" y="4320649"/>
-                  <a:ext cx="171374" cy="171374"/>
-                </a:xfrm>
-                <a:prstGeom prst="ellipse">
-                  <a:avLst/>
-                </a:prstGeom>
-                <a:solidFill>
-                  <a:schemeClr val="bg1"/>
-                </a:solidFill>
-                <a:ln w="19050">
-                  <a:solidFill>
-                    <a:schemeClr val="tx1"/>
-                  </a:solidFill>
-                </a:ln>
-              </p:spPr>
-              <p:style>
-                <a:lnRef idx="2">
-                  <a:schemeClr val="accent1">
-                    <a:shade val="50000"/>
-                  </a:schemeClr>
-                </a:lnRef>
-                <a:fillRef idx="1">
-                  <a:schemeClr val="accent1"/>
-                </a:fillRef>
-                <a:effectRef idx="0">
-                  <a:schemeClr val="accent1"/>
-                </a:effectRef>
-                <a:fontRef idx="minor">
-                  <a:schemeClr val="lt1"/>
-                </a:fontRef>
-              </p:style>
-              <p:txBody>
-                <a:bodyPr rtlCol="0" anchor="ctr"/>
-                <a:lstStyle/>
-                <a:p>
-                  <a:pPr algn="ctr"/>
-                  <a:endParaRPr lang="en-GB"/>
-                </a:p>
-              </p:txBody>
-            </p:sp>
-            <p:sp>
-              <p:nvSpPr>
-                <p:cNvPr id="84" name="Rectangle 83">
-                  <a:extLst>
-                    <a:ext uri="{FF2B5EF4-FFF2-40B4-BE49-F238E27FC236}">
-                      <a16:creationId xmlns:a16="http://schemas.microsoft.com/office/drawing/2014/main" id="{DC2D66E4-746D-C29C-9C6E-03E99FEE3A62}"/>
-                    </a:ext>
-                  </a:extLst>
-                </p:cNvPr>
-                <p:cNvSpPr/>
-                <p:nvPr/>
-              </p:nvSpPr>
-              <p:spPr>
-                <a:xfrm rot="17820000">
-                  <a:off x="4959075" y="4515388"/>
-                  <a:ext cx="823899" cy="546311"/>
-                </a:xfrm>
-                <a:prstGeom prst="rect">
-                  <a:avLst/>
-                </a:prstGeom>
-                <a:solidFill>
-                  <a:schemeClr val="accent4">
-                    <a:lumMod val="60000"/>
-                    <a:lumOff val="40000"/>
-                  </a:schemeClr>
-                </a:solidFill>
-                <a:ln w="25400">
-                  <a:solidFill>
-                    <a:schemeClr val="tx1"/>
-                  </a:solidFill>
-                </a:ln>
-              </p:spPr>
-              <p:style>
-                <a:lnRef idx="2">
-                  <a:schemeClr val="accent1">
-                    <a:shade val="50000"/>
-                  </a:schemeClr>
-                </a:lnRef>
-                <a:fillRef idx="1">
-                  <a:schemeClr val="accent1"/>
-                </a:fillRef>
-                <a:effectRef idx="0">
-                  <a:schemeClr val="accent1"/>
-                </a:effectRef>
-                <a:fontRef idx="minor">
-                  <a:schemeClr val="lt1"/>
-                </a:fontRef>
-              </p:style>
-              <p:txBody>
-                <a:bodyPr rtlCol="0" anchor="ctr"/>
-                <a:lstStyle/>
-                <a:p>
-                  <a:pPr algn="ctr"/>
-                  <a:r>
-                    <a:rPr lang="fr-FR" sz="700" b="1" cap="all" dirty="0">
-                      <a:solidFill>
-                        <a:schemeClr val="tx1"/>
-                      </a:solidFill>
-                    </a:rPr>
-                    <a:t>Repository (Adapter)</a:t>
-                  </a:r>
-                  <a:endParaRPr lang="en-GB" sz="700" b="1" cap="all" dirty="0">
-                    <a:solidFill>
-                      <a:schemeClr val="tx1"/>
-                    </a:solidFill>
-                  </a:endParaRPr>
-                </a:p>
-              </p:txBody>
-            </p:sp>
-            <p:cxnSp>
-              <p:nvCxnSpPr>
-                <p:cNvPr id="94" name="Straight Arrow Connector 93">
-                  <a:extLst>
-                    <a:ext uri="{FF2B5EF4-FFF2-40B4-BE49-F238E27FC236}">
-                      <a16:creationId xmlns:a16="http://schemas.microsoft.com/office/drawing/2014/main" id="{6264A4D3-64FF-9EDF-3633-89AB523BA0D2}"/>
-                    </a:ext>
-                  </a:extLst>
-                </p:cNvPr>
-                <p:cNvCxnSpPr>
-                  <a:cxnSpLocks/>
-                  <a:stCxn id="64" idx="3"/>
-                  <a:endCxn id="86" idx="2"/>
-                </p:cNvCxnSpPr>
-                <p:nvPr/>
-              </p:nvCxnSpPr>
-              <p:spPr>
-                <a:xfrm>
-                  <a:off x="4085884" y="4234817"/>
-                  <a:ext cx="546138" cy="171519"/>
-                </a:xfrm>
-                <a:prstGeom prst="straightConnector1">
-                  <a:avLst/>
-                </a:prstGeom>
-                <a:ln w="9525">
-                  <a:solidFill>
-                    <a:schemeClr val="tx1"/>
-                  </a:solidFill>
-                  <a:prstDash val="dash"/>
-                  <a:tailEnd type="triangle"/>
-                </a:ln>
-              </p:spPr>
-              <p:style>
-                <a:lnRef idx="1">
-                  <a:schemeClr val="accent1"/>
-                </a:lnRef>
-                <a:fillRef idx="0">
-                  <a:schemeClr val="accent1"/>
-                </a:fillRef>
-                <a:effectRef idx="0">
-                  <a:schemeClr val="accent1"/>
-                </a:effectRef>
-                <a:fontRef idx="minor">
-                  <a:schemeClr val="tx1"/>
-                </a:fontRef>
-              </p:style>
-            </p:cxnSp>
-            <p:sp>
-              <p:nvSpPr>
-                <p:cNvPr id="100" name="Diamond 99">
-                  <a:extLst>
-                    <a:ext uri="{FF2B5EF4-FFF2-40B4-BE49-F238E27FC236}">
-                      <a16:creationId xmlns:a16="http://schemas.microsoft.com/office/drawing/2014/main" id="{6CA5F1AF-7106-D0E4-AB41-41734719A651}"/>
-                    </a:ext>
-                  </a:extLst>
-                </p:cNvPr>
-                <p:cNvSpPr/>
-                <p:nvPr/>
-              </p:nvSpPr>
-              <p:spPr>
-                <a:xfrm>
-                  <a:off x="3332536" y="4078151"/>
-                  <a:ext cx="167131" cy="167131"/>
-                </a:xfrm>
-                <a:prstGeom prst="diamond">
-                  <a:avLst/>
-                </a:prstGeom>
-                <a:solidFill>
-                  <a:schemeClr val="tx1"/>
-                </a:solidFill>
-                <a:ln>
-                  <a:solidFill>
-                    <a:schemeClr val="tx1"/>
-                  </a:solidFill>
-                </a:ln>
-              </p:spPr>
-              <p:style>
-                <a:lnRef idx="2">
-                  <a:schemeClr val="accent1">
-                    <a:shade val="50000"/>
-                  </a:schemeClr>
-                </a:lnRef>
-                <a:fillRef idx="1">
-                  <a:schemeClr val="accent1"/>
-                </a:fillRef>
-                <a:effectRef idx="0">
-                  <a:schemeClr val="accent1"/>
-                </a:effectRef>
-                <a:fontRef idx="minor">
-                  <a:schemeClr val="lt1"/>
-                </a:fontRef>
-              </p:style>
-              <p:txBody>
-                <a:bodyPr rtlCol="0" anchor="ctr"/>
-                <a:lstStyle/>
-                <a:p>
-                  <a:pPr algn="ctr"/>
-                  <a:endParaRPr lang="en-GB"/>
-                </a:p>
-              </p:txBody>
-            </p:sp>
-            <p:sp>
-              <p:nvSpPr>
-                <p:cNvPr id="102" name="Flowchart: Magnetic Disk 101">
-                  <a:extLst>
-                    <a:ext uri="{FF2B5EF4-FFF2-40B4-BE49-F238E27FC236}">
-                      <a16:creationId xmlns:a16="http://schemas.microsoft.com/office/drawing/2014/main" id="{8809B9B3-2ABA-7002-C465-823660F01F15}"/>
-                    </a:ext>
-                  </a:extLst>
-                </p:cNvPr>
-                <p:cNvSpPr/>
-                <p:nvPr/>
-              </p:nvSpPr>
-              <p:spPr>
-                <a:xfrm>
-                  <a:off x="6642056" y="4852803"/>
-                  <a:ext cx="504521" cy="707978"/>
-                </a:xfrm>
-                <a:prstGeom prst="flowChartMagneticDisk">
-                  <a:avLst/>
-                </a:prstGeom>
-                <a:solidFill>
-                  <a:srgbClr val="DFC9EF"/>
-                </a:solidFill>
-                <a:ln w="25400">
-                  <a:solidFill>
-                    <a:srgbClr val="7030A0"/>
-                  </a:solidFill>
-                </a:ln>
-              </p:spPr>
-              <p:style>
-                <a:lnRef idx="2">
-                  <a:schemeClr val="accent1">
-                    <a:shade val="50000"/>
-                  </a:schemeClr>
-                </a:lnRef>
-                <a:fillRef idx="1">
-                  <a:schemeClr val="accent1"/>
-                </a:fillRef>
-                <a:effectRef idx="0">
-                  <a:schemeClr val="accent1"/>
-                </a:effectRef>
-                <a:fontRef idx="minor">
-                  <a:schemeClr val="lt1"/>
-                </a:fontRef>
-              </p:style>
-              <p:txBody>
-                <a:bodyPr rtlCol="0" anchor="ctr"/>
-                <a:lstStyle/>
-                <a:p>
-                  <a:pPr algn="ctr"/>
-                  <a:r>
-                    <a:rPr lang="fr-FR" sz="1200" b="1" cap="all" dirty="0" err="1">
-                      <a:solidFill>
-                        <a:schemeClr val="tx1"/>
-                      </a:solidFill>
-                      <a:latin typeface="Alte Haas Grotesk" panose="02000503000000020004" pitchFamily="2" charset="0"/>
-                    </a:rPr>
-                    <a:t>db</a:t>
-                  </a:r>
-                  <a:endParaRPr lang="fr-FR" sz="1200" b="1" cap="all" dirty="0">
-                    <a:solidFill>
-                      <a:schemeClr val="tx1"/>
-                    </a:solidFill>
-                    <a:latin typeface="Alte Haas Grotesk" panose="02000503000000020004" pitchFamily="2" charset="0"/>
-                  </a:endParaRPr>
-                </a:p>
-              </p:txBody>
-            </p:sp>
-            <p:cxnSp>
-              <p:nvCxnSpPr>
-                <p:cNvPr id="103" name="Straight Arrow Connector 102">
-                  <a:extLst>
-                    <a:ext uri="{FF2B5EF4-FFF2-40B4-BE49-F238E27FC236}">
-                      <a16:creationId xmlns:a16="http://schemas.microsoft.com/office/drawing/2014/main" id="{9DC579C9-2B02-64AB-2FBD-5421A8699E3D}"/>
-                    </a:ext>
-                  </a:extLst>
-                </p:cNvPr>
-                <p:cNvCxnSpPr>
-                  <a:cxnSpLocks/>
-                  <a:stCxn id="84" idx="2"/>
-                  <a:endCxn id="102" idx="2"/>
-                </p:cNvCxnSpPr>
-                <p:nvPr/>
-              </p:nvCxnSpPr>
-              <p:spPr>
-                <a:xfrm>
-                  <a:off x="5614408" y="4912553"/>
-                  <a:ext cx="1027648" cy="294239"/>
-                </a:xfrm>
-                <a:prstGeom prst="straightConnector1">
-                  <a:avLst/>
-                </a:prstGeom>
-                <a:ln w="19050">
-                  <a:solidFill>
-                    <a:schemeClr val="tx1"/>
-                  </a:solidFill>
-                  <a:prstDash val="solid"/>
-                  <a:tailEnd type="triangle"/>
-                </a:ln>
-              </p:spPr>
-              <p:style>
-                <a:lnRef idx="1">
-                  <a:schemeClr val="accent1"/>
-                </a:lnRef>
-                <a:fillRef idx="0">
-                  <a:schemeClr val="accent1"/>
-                </a:fillRef>
-                <a:effectRef idx="0">
-                  <a:schemeClr val="accent1"/>
-                </a:effectRef>
-                <a:fontRef idx="minor">
-                  <a:schemeClr val="tx1"/>
-                </a:fontRef>
-              </p:style>
-            </p:cxnSp>
-          </p:grpSp>
-          <p:sp>
-            <p:nvSpPr>
-              <p:cNvPr id="216" name="Rectangle 215">
-                <a:extLst>
-                  <a:ext uri="{FF2B5EF4-FFF2-40B4-BE49-F238E27FC236}">
-                    <a16:creationId xmlns:a16="http://schemas.microsoft.com/office/drawing/2014/main" id="{B4EA41F1-A440-2F90-8DE8-61CF29EE04C4}"/>
-                  </a:ext>
-                </a:extLst>
-              </p:cNvPr>
-              <p:cNvSpPr/>
-              <p:nvPr/>
-            </p:nvSpPr>
-            <p:spPr>
-              <a:xfrm rot="14555838">
-                <a:off x="5278176" y="2741106"/>
-                <a:ext cx="824437" cy="546311"/>
-              </a:xfrm>
-              <a:prstGeom prst="rect">
-                <a:avLst/>
-              </a:prstGeom>
-              <a:solidFill>
-                <a:srgbClr val="FFF4D5"/>
-              </a:solidFill>
-              <a:ln w="25400">
-                <a:solidFill>
-                  <a:schemeClr val="tx1"/>
-                </a:solidFill>
-              </a:ln>
-            </p:spPr>
-            <p:style>
-              <a:lnRef idx="2">
-                <a:schemeClr val="accent1">
-                  <a:shade val="50000"/>
-                </a:schemeClr>
-              </a:lnRef>
-              <a:fillRef idx="1">
-                <a:schemeClr val="accent1"/>
-              </a:fillRef>
-              <a:effectRef idx="0">
-                <a:schemeClr val="accent1"/>
-              </a:effectRef>
-              <a:fontRef idx="minor">
-                <a:schemeClr val="lt1"/>
-              </a:fontRef>
-            </p:style>
-            <p:txBody>
-              <a:bodyPr vert="vert" rtlCol="0" anchor="ctr"/>
-              <a:lstStyle/>
-              <a:p>
-                <a:pPr algn="ctr"/>
-                <a:r>
-                  <a:rPr lang="fr-FR" sz="500" b="1" cap="all" dirty="0">
-                    <a:solidFill>
-                      <a:schemeClr val="tx1"/>
-                    </a:solidFill>
-                  </a:rPr>
-                  <a:t>Auditorium </a:t>
-                </a:r>
-                <a:r>
-                  <a:rPr lang="fr-FR" sz="500" b="1" cap="all" dirty="0" err="1">
-                    <a:solidFill>
-                      <a:schemeClr val="tx1"/>
-                    </a:solidFill>
-                  </a:rPr>
-                  <a:t>seatingS</a:t>
-                </a:r>
-                <a:r>
-                  <a:rPr lang="fr-FR" sz="500" b="1" cap="all" dirty="0">
-                    <a:solidFill>
-                      <a:schemeClr val="tx1"/>
-                    </a:solidFill>
-                  </a:rPr>
-                  <a:t> </a:t>
-                </a:r>
-              </a:p>
-              <a:p>
-                <a:pPr algn="ctr"/>
-                <a:endParaRPr lang="fr-FR" sz="500" b="1" cap="all" dirty="0">
-                  <a:solidFill>
-                    <a:schemeClr val="tx1"/>
-                  </a:solidFill>
-                </a:endParaRPr>
-              </a:p>
-              <a:p>
-                <a:pPr algn="ctr"/>
-                <a:r>
-                  <a:rPr lang="fr-FR" sz="700" b="1" cap="all" dirty="0" err="1">
-                    <a:solidFill>
-                      <a:schemeClr val="tx1"/>
-                    </a:solidFill>
-                  </a:rPr>
-                  <a:t>Inproc</a:t>
-                </a:r>
-                <a:r>
-                  <a:rPr lang="fr-FR" sz="700" b="1" cap="all" dirty="0">
-                    <a:solidFill>
-                      <a:schemeClr val="tx1"/>
-                    </a:solidFill>
-                  </a:rPr>
-                  <a:t> Adapter</a:t>
-                </a:r>
-                <a:endParaRPr lang="en-GB" sz="700" b="1" cap="all" dirty="0">
-                  <a:solidFill>
-                    <a:schemeClr val="tx1"/>
-                  </a:solidFill>
-                </a:endParaRPr>
-              </a:p>
-            </p:txBody>
-          </p:sp>
-        </p:grpSp>
-        <p:sp>
-          <p:nvSpPr>
-            <p:cNvPr id="71" name="TextBox 70">
-              <a:extLst>
-                <a:ext uri="{FF2B5EF4-FFF2-40B4-BE49-F238E27FC236}">
-                  <a16:creationId xmlns:a16="http://schemas.microsoft.com/office/drawing/2014/main" id="{36926729-2368-F21C-A7F2-F3D542F577A7}"/>
-                </a:ext>
-              </a:extLst>
-            </p:cNvPr>
-            <p:cNvSpPr txBox="1"/>
-            <p:nvPr/>
-          </p:nvSpPr>
-          <p:spPr>
-            <a:xfrm>
-              <a:off x="3403083" y="2997515"/>
-              <a:ext cx="1523320" cy="302538"/>
-            </a:xfrm>
-            <a:prstGeom prst="rect">
-              <a:avLst/>
-            </a:prstGeom>
-            <a:noFill/>
-          </p:spPr>
-          <p:txBody>
-            <a:bodyPr wrap="square" rtlCol="0">
-              <a:spAutoFit/>
-            </a:bodyPr>
-            <a:lstStyle/>
-            <a:p>
-              <a:pPr algn="r"/>
-              <a:r>
-                <a:rPr lang="en-GB" sz="1100" b="1" cap="all" dirty="0">
-                  <a:latin typeface="Alte Haas Grotesk" panose="02000503000000020004" pitchFamily="2" charset="0"/>
-                </a:rPr>
-                <a:t>Infra</a:t>
-              </a:r>
-            </a:p>
-          </p:txBody>
-        </p:sp>
-      </p:grpSp>
-      <p:cxnSp>
-        <p:nvCxnSpPr>
-          <p:cNvPr id="147" name="Straight Arrow Connector 146">
-            <a:extLst>
-              <a:ext uri="{FF2B5EF4-FFF2-40B4-BE49-F238E27FC236}">
-                <a16:creationId xmlns:a16="http://schemas.microsoft.com/office/drawing/2014/main" id="{F83914F7-2608-BBE8-0A2C-83B71E3AC613}"/>
-              </a:ext>
-            </a:extLst>
-          </p:cNvPr>
-          <p:cNvCxnSpPr>
-            <a:cxnSpLocks/>
-            <a:stCxn id="139" idx="2"/>
-            <a:endCxn id="60" idx="0"/>
-          </p:cNvCxnSpPr>
-          <p:nvPr/>
-        </p:nvCxnSpPr>
-        <p:spPr>
-          <a:xfrm>
-            <a:off x="3519053" y="2222406"/>
-            <a:ext cx="3710300" cy="260259"/>
-          </a:xfrm>
-          <a:prstGeom prst="straightConnector1">
-            <a:avLst/>
-          </a:prstGeom>
-          <a:ln w="38100">
-            <a:solidFill>
-              <a:srgbClr val="C00000"/>
-            </a:solidFill>
-            <a:prstDash val="sysDash"/>
-            <a:tailEnd type="triangle"/>
-          </a:ln>
-        </p:spPr>
-        <p:style>
-          <a:lnRef idx="1">
-            <a:schemeClr val="accent1"/>
-          </a:lnRef>
-          <a:fillRef idx="0">
-            <a:schemeClr val="accent1"/>
-          </a:fillRef>
-          <a:effectRef idx="0">
-            <a:schemeClr val="accent1"/>
-          </a:effectRef>
-          <a:fontRef idx="minor">
-            <a:schemeClr val="tx1"/>
-          </a:fontRef>
-        </p:style>
-      </p:cxnSp>
-      <p:cxnSp>
-        <p:nvCxnSpPr>
-          <p:cNvPr id="80" name="Straight Arrow Connector 79">
-            <a:extLst>
-              <a:ext uri="{FF2B5EF4-FFF2-40B4-BE49-F238E27FC236}">
-                <a16:creationId xmlns:a16="http://schemas.microsoft.com/office/drawing/2014/main" id="{CF148EDC-DFD7-DD46-9E09-4881F99D4190}"/>
-              </a:ext>
-            </a:extLst>
-          </p:cNvPr>
-          <p:cNvCxnSpPr>
-            <a:cxnSpLocks/>
-            <a:stCxn id="216" idx="2"/>
-            <a:endCxn id="60" idx="2"/>
-          </p:cNvCxnSpPr>
-          <p:nvPr/>
-        </p:nvCxnSpPr>
-        <p:spPr>
-          <a:xfrm flipV="1">
-            <a:off x="6342156" y="2521882"/>
-            <a:ext cx="847665" cy="1237030"/>
-          </a:xfrm>
-          <a:prstGeom prst="straightConnector1">
-            <a:avLst/>
-          </a:prstGeom>
-          <a:ln w="38100">
-            <a:solidFill>
-              <a:srgbClr val="C00000"/>
-            </a:solidFill>
-            <a:prstDash val="sysDash"/>
-            <a:tailEnd type="triangle"/>
-          </a:ln>
-        </p:spPr>
-        <p:style>
-          <a:lnRef idx="1">
-            <a:schemeClr val="accent1"/>
-          </a:lnRef>
-          <a:fillRef idx="0">
-            <a:schemeClr val="accent1"/>
-          </a:fillRef>
-          <a:effectRef idx="0">
-            <a:schemeClr val="accent1"/>
-          </a:effectRef>
-          <a:fontRef idx="minor">
-            <a:schemeClr val="tx1"/>
-          </a:fontRef>
-        </p:style>
-      </p:cxnSp>
-      <p:cxnSp>
-        <p:nvCxnSpPr>
-          <p:cNvPr id="37" name="Straight Arrow Connector 36">
-            <a:extLst>
-              <a:ext uri="{FF2B5EF4-FFF2-40B4-BE49-F238E27FC236}">
-                <a16:creationId xmlns:a16="http://schemas.microsoft.com/office/drawing/2014/main" id="{C1D393FB-81B7-2FB6-467B-12516C8DC7A7}"/>
-              </a:ext>
-            </a:extLst>
-          </p:cNvPr>
-          <p:cNvCxnSpPr>
-            <a:cxnSpLocks/>
-            <a:stCxn id="217" idx="2"/>
-            <a:endCxn id="39" idx="1"/>
-          </p:cNvCxnSpPr>
-          <p:nvPr/>
-        </p:nvCxnSpPr>
-        <p:spPr>
-          <a:xfrm>
-            <a:off x="2911681" y="3352107"/>
-            <a:ext cx="447263" cy="549162"/>
-          </a:xfrm>
-          <a:prstGeom prst="straightConnector1">
-            <a:avLst/>
-          </a:prstGeom>
-          <a:ln w="38100">
-            <a:solidFill>
-              <a:srgbClr val="C00000"/>
-            </a:solidFill>
-            <a:prstDash val="sysDash"/>
-            <a:tailEnd type="triangle"/>
-          </a:ln>
-        </p:spPr>
-        <p:style>
-          <a:lnRef idx="1">
-            <a:schemeClr val="accent1"/>
-          </a:lnRef>
-          <a:fillRef idx="0">
-            <a:schemeClr val="accent1"/>
-          </a:fillRef>
-          <a:effectRef idx="0">
-            <a:schemeClr val="accent1"/>
-          </a:effectRef>
-          <a:fontRef idx="minor">
-            <a:schemeClr val="tx1"/>
-          </a:fontRef>
-        </p:style>
-      </p:cxnSp>
-      <p:cxnSp>
-        <p:nvCxnSpPr>
-          <p:cNvPr id="154" name="Straight Arrow Connector 153">
-            <a:extLst>
-              <a:ext uri="{FF2B5EF4-FFF2-40B4-BE49-F238E27FC236}">
-                <a16:creationId xmlns:a16="http://schemas.microsoft.com/office/drawing/2014/main" id="{BB698B22-AD58-84D7-95CB-A55E5D30396A}"/>
-              </a:ext>
-            </a:extLst>
-          </p:cNvPr>
-          <p:cNvCxnSpPr>
-            <a:cxnSpLocks/>
-            <a:stCxn id="72" idx="3"/>
-          </p:cNvCxnSpPr>
-          <p:nvPr/>
-        </p:nvCxnSpPr>
-        <p:spPr>
-          <a:xfrm>
-            <a:off x="2211660" y="1869135"/>
-            <a:ext cx="822862" cy="128619"/>
-          </a:xfrm>
-          <a:prstGeom prst="straightConnector1">
-            <a:avLst/>
-          </a:prstGeom>
-          <a:ln w="19050">
-            <a:solidFill>
-              <a:schemeClr val="tx1"/>
-            </a:solidFill>
-            <a:prstDash val="solid"/>
-            <a:tailEnd type="triangle"/>
-          </a:ln>
-        </p:spPr>
-        <p:style>
-          <a:lnRef idx="1">
-            <a:schemeClr val="accent1"/>
-          </a:lnRef>
-          <a:fillRef idx="0">
-            <a:schemeClr val="accent1"/>
-          </a:fillRef>
-          <a:effectRef idx="0">
-            <a:schemeClr val="accent1"/>
-          </a:effectRef>
-          <a:fontRef idx="minor">
-            <a:schemeClr val="tx1"/>
-          </a:fontRef>
-        </p:style>
-      </p:cxnSp>
-      <p:sp>
-        <p:nvSpPr>
-          <p:cNvPr id="158" name="TextBox 157">
-            <a:extLst>
-              <a:ext uri="{FF2B5EF4-FFF2-40B4-BE49-F238E27FC236}">
-                <a16:creationId xmlns:a16="http://schemas.microsoft.com/office/drawing/2014/main" id="{2D8AC8C4-19B1-016D-D00B-7492972C0838}"/>
-              </a:ext>
-            </a:extLst>
-          </p:cNvPr>
-          <p:cNvSpPr txBox="1"/>
-          <p:nvPr/>
-        </p:nvSpPr>
-        <p:spPr>
-          <a:xfrm>
-            <a:off x="2330458" y="1779994"/>
-            <a:ext cx="334162" cy="182940"/>
-          </a:xfrm>
-          <a:prstGeom prst="rect">
-            <a:avLst/>
-          </a:prstGeom>
-          <a:solidFill>
-            <a:srgbClr val="FFF4D5"/>
-          </a:solidFill>
-        </p:spPr>
-        <p:txBody>
-          <a:bodyPr wrap="none" rtlCol="0">
-            <a:noAutofit/>
-          </a:bodyPr>
-          <a:lstStyle/>
-          <a:p>
-            <a:pPr algn="ctr"/>
-            <a:r>
-              <a:rPr lang="fr-FR" sz="900" b="1" dirty="0">
-                <a:latin typeface="Alte Haas Grotesk" panose="02000503000000020004" pitchFamily="2" charset="0"/>
-              </a:rPr>
-              <a:t>HTTP</a:t>
-            </a:r>
-            <a:endParaRPr lang="en-GB" sz="900" b="1" dirty="0">
-              <a:latin typeface="Alte Haas Grotesk" panose="02000503000000020004" pitchFamily="2" charset="0"/>
-            </a:endParaRPr>
-          </a:p>
-        </p:txBody>
-      </p:sp>
-      <p:sp>
-        <p:nvSpPr>
-          <p:cNvPr id="219" name="TextBox 218">
-            <a:extLst>
-              <a:ext uri="{FF2B5EF4-FFF2-40B4-BE49-F238E27FC236}">
-                <a16:creationId xmlns:a16="http://schemas.microsoft.com/office/drawing/2014/main" id="{367A1175-FBF3-4E40-D4B8-231602A6C53F}"/>
-              </a:ext>
-            </a:extLst>
-          </p:cNvPr>
-          <p:cNvSpPr txBox="1"/>
-          <p:nvPr/>
-        </p:nvSpPr>
-        <p:spPr>
-          <a:xfrm>
-            <a:off x="6553438" y="3243511"/>
-            <a:ext cx="587020" cy="215444"/>
-          </a:xfrm>
-          <a:prstGeom prst="rect">
-            <a:avLst/>
-          </a:prstGeom>
-          <a:solidFill>
-            <a:srgbClr val="D0CECE"/>
-          </a:solidFill>
-        </p:spPr>
-        <p:txBody>
-          <a:bodyPr wrap="square" rtlCol="0">
-            <a:spAutoFit/>
-          </a:bodyPr>
-          <a:lstStyle>
-            <a:defPPr>
-              <a:defRPr lang="fr-FR"/>
-            </a:defPPr>
-            <a:lvl1pPr>
-              <a:defRPr sz="800" b="1">
-                <a:solidFill>
-                  <a:schemeClr val="bg1"/>
-                </a:solidFill>
-                <a:latin typeface="Alte Haas Grotesk" panose="02000503000000020004" pitchFamily="2" charset="0"/>
-              </a:defRPr>
-            </a:lvl1pPr>
-          </a:lstStyle>
-          <a:p>
-            <a:r>
-              <a:rPr lang="fr-FR" dirty="0">
-                <a:solidFill>
-                  <a:srgbClr val="C00000"/>
-                </a:solidFill>
-              </a:rPr>
-              <a:t>In proc</a:t>
-            </a:r>
-            <a:endParaRPr lang="en-GB" dirty="0">
-              <a:solidFill>
-                <a:srgbClr val="C00000"/>
-              </a:solidFill>
-            </a:endParaRPr>
-          </a:p>
-        </p:txBody>
-      </p:sp>
-      <p:sp>
-        <p:nvSpPr>
-          <p:cNvPr id="222" name="TextBox 221">
-            <a:extLst>
-              <a:ext uri="{FF2B5EF4-FFF2-40B4-BE49-F238E27FC236}">
-                <a16:creationId xmlns:a16="http://schemas.microsoft.com/office/drawing/2014/main" id="{2E61778D-4348-A12B-7AC1-8933897B4DAF}"/>
-              </a:ext>
-            </a:extLst>
-          </p:cNvPr>
-          <p:cNvSpPr txBox="1"/>
-          <p:nvPr/>
-        </p:nvSpPr>
-        <p:spPr>
-          <a:xfrm rot="204180">
-            <a:off x="5289907" y="2253589"/>
-            <a:ext cx="635273" cy="215444"/>
-          </a:xfrm>
-          <a:prstGeom prst="rect">
-            <a:avLst/>
-          </a:prstGeom>
-          <a:solidFill>
-            <a:srgbClr val="D0CECE"/>
-          </a:solidFill>
-        </p:spPr>
-        <p:txBody>
-          <a:bodyPr wrap="square" rtlCol="0">
-            <a:spAutoFit/>
-          </a:bodyPr>
-          <a:lstStyle>
-            <a:defPPr>
-              <a:defRPr lang="fr-FR"/>
-            </a:defPPr>
-            <a:lvl1pPr>
-              <a:defRPr sz="800" b="1">
-                <a:solidFill>
-                  <a:srgbClr val="C00000"/>
-                </a:solidFill>
-                <a:latin typeface="Alte Haas Grotesk" panose="02000503000000020004" pitchFamily="2" charset="0"/>
-              </a:defRPr>
-            </a:lvl1pPr>
-          </a:lstStyle>
-          <a:p>
-            <a:pPr algn="ctr"/>
-            <a:r>
-              <a:rPr lang="fr-FR" dirty="0"/>
-              <a:t>In proc</a:t>
-            </a:r>
-            <a:endParaRPr lang="en-GB" dirty="0"/>
-          </a:p>
-        </p:txBody>
-      </p:sp>
-      <p:sp>
-        <p:nvSpPr>
-          <p:cNvPr id="220" name="TextBox 219">
-            <a:extLst>
-              <a:ext uri="{FF2B5EF4-FFF2-40B4-BE49-F238E27FC236}">
-                <a16:creationId xmlns:a16="http://schemas.microsoft.com/office/drawing/2014/main" id="{CB496A8E-E268-6B44-F810-6FFF3C315E14}"/>
-              </a:ext>
-            </a:extLst>
-          </p:cNvPr>
-          <p:cNvSpPr txBox="1"/>
-          <p:nvPr/>
-        </p:nvSpPr>
-        <p:spPr>
-          <a:xfrm>
-            <a:off x="8916163" y="2827735"/>
-            <a:ext cx="455070" cy="123111"/>
-          </a:xfrm>
-          <a:prstGeom prst="rect">
-            <a:avLst/>
-          </a:prstGeom>
-          <a:solidFill>
-            <a:srgbClr val="D0CECE"/>
-          </a:solidFill>
-        </p:spPr>
-        <p:txBody>
-          <a:bodyPr wrap="square" lIns="0" tIns="0" rIns="0" bIns="0" rtlCol="0">
-            <a:spAutoFit/>
-          </a:bodyPr>
-          <a:lstStyle>
-            <a:defPPr>
-              <a:defRPr lang="fr-FR"/>
-            </a:defPPr>
-            <a:lvl1pPr>
-              <a:defRPr sz="800" b="1">
-                <a:solidFill>
-                  <a:schemeClr val="bg1"/>
-                </a:solidFill>
-                <a:latin typeface="Alte Haas Grotesk" panose="02000503000000020004" pitchFamily="2" charset="0"/>
-              </a:defRPr>
-            </a:lvl1pPr>
-          </a:lstStyle>
-          <a:p>
-            <a:pPr algn="ctr"/>
-            <a:r>
-              <a:rPr lang="fr-FR" dirty="0">
-                <a:solidFill>
-                  <a:srgbClr val="C00000"/>
-                </a:solidFill>
-              </a:rPr>
-              <a:t>In proc</a:t>
-            </a:r>
-            <a:endParaRPr lang="en-GB" dirty="0">
-              <a:solidFill>
-                <a:srgbClr val="C00000"/>
-              </a:solidFill>
-            </a:endParaRPr>
-          </a:p>
-        </p:txBody>
-      </p:sp>
-      <p:sp>
-        <p:nvSpPr>
-          <p:cNvPr id="217" name="Rectangle 216">
-            <a:extLst>
-              <a:ext uri="{FF2B5EF4-FFF2-40B4-BE49-F238E27FC236}">
-                <a16:creationId xmlns:a16="http://schemas.microsoft.com/office/drawing/2014/main" id="{532EC0A5-21F3-7B7E-8302-4B3EB1649AD2}"/>
-              </a:ext>
-            </a:extLst>
-          </p:cNvPr>
-          <p:cNvSpPr/>
-          <p:nvPr/>
-        </p:nvSpPr>
-        <p:spPr>
-          <a:xfrm rot="17798078">
-            <a:off x="2194097" y="3035126"/>
-            <a:ext cx="1043890" cy="437728"/>
-          </a:xfrm>
-          <a:prstGeom prst="rect">
-            <a:avLst/>
-          </a:prstGeom>
-          <a:solidFill>
-            <a:schemeClr val="accent4">
-              <a:lumMod val="60000"/>
-              <a:lumOff val="40000"/>
-            </a:schemeClr>
-          </a:solidFill>
-          <a:ln w="25400">
-            <a:solidFill>
-              <a:schemeClr val="tx1"/>
-            </a:solidFill>
-          </a:ln>
-        </p:spPr>
-        <p:style>
-          <a:lnRef idx="2">
-            <a:schemeClr val="accent1">
-              <a:shade val="50000"/>
-            </a:schemeClr>
-          </a:lnRef>
-          <a:fillRef idx="1">
-            <a:schemeClr val="accent1"/>
-          </a:fillRef>
-          <a:effectRef idx="0">
-            <a:schemeClr val="accent1"/>
-          </a:effectRef>
-          <a:fontRef idx="minor">
-            <a:schemeClr val="lt1"/>
-          </a:fontRef>
-        </p:style>
-        <p:txBody>
-          <a:bodyPr lIns="91440" tIns="182880" rIns="91440" bIns="182880" rtlCol="0" anchor="ctr"/>
-          <a:lstStyle/>
-          <a:p>
-            <a:pPr algn="ctr"/>
-            <a:r>
-              <a:rPr lang="fr-FR" sz="900" b="1" cap="all" dirty="0">
-                <a:solidFill>
-                  <a:schemeClr val="tx1"/>
-                </a:solidFill>
-              </a:rPr>
-              <a:t>Suggesti0ns </a:t>
-            </a:r>
-            <a:r>
-              <a:rPr lang="fr-FR" sz="900" b="1" cap="all" dirty="0" err="1">
-                <a:solidFill>
-                  <a:schemeClr val="tx1"/>
-                </a:solidFill>
-              </a:rPr>
-              <a:t>WebController</a:t>
-            </a:r>
-            <a:r>
-              <a:rPr lang="fr-FR" sz="900" b="1" cap="all" dirty="0">
-                <a:solidFill>
-                  <a:schemeClr val="tx1"/>
-                </a:solidFill>
-              </a:rPr>
-              <a:t> (Adapter)</a:t>
-            </a:r>
-            <a:endParaRPr lang="en-GB" sz="900" b="1" cap="all" dirty="0">
-              <a:solidFill>
-                <a:schemeClr val="tx1"/>
-              </a:solidFill>
-            </a:endParaRPr>
-          </a:p>
-        </p:txBody>
-      </p:sp>
-      <p:sp>
-        <p:nvSpPr>
-          <p:cNvPr id="139" name="Rectangle 138">
-            <a:extLst>
-              <a:ext uri="{FF2B5EF4-FFF2-40B4-BE49-F238E27FC236}">
-                <a16:creationId xmlns:a16="http://schemas.microsoft.com/office/drawing/2014/main" id="{3A5C7D39-A1B5-71BE-A4E0-97FFCA78B304}"/>
-              </a:ext>
-            </a:extLst>
-          </p:cNvPr>
-          <p:cNvSpPr/>
-          <p:nvPr/>
-        </p:nvSpPr>
-        <p:spPr>
-          <a:xfrm rot="17798078">
-            <a:off x="2654415" y="1879848"/>
-            <a:ext cx="1306426" cy="473048"/>
-          </a:xfrm>
-          <a:prstGeom prst="rect">
-            <a:avLst/>
-          </a:prstGeom>
-          <a:solidFill>
-            <a:schemeClr val="accent4">
-              <a:lumMod val="60000"/>
-              <a:lumOff val="40000"/>
-            </a:schemeClr>
-          </a:solidFill>
-          <a:ln w="25400">
-            <a:solidFill>
-              <a:schemeClr val="tx1"/>
-            </a:solidFill>
-          </a:ln>
-        </p:spPr>
-        <p:style>
-          <a:lnRef idx="2">
-            <a:schemeClr val="accent1">
-              <a:shade val="50000"/>
-            </a:schemeClr>
-          </a:lnRef>
-          <a:fillRef idx="1">
-            <a:schemeClr val="accent1"/>
-          </a:fillRef>
-          <a:effectRef idx="0">
-            <a:schemeClr val="accent1"/>
-          </a:effectRef>
-          <a:fontRef idx="minor">
-            <a:schemeClr val="lt1"/>
-          </a:fontRef>
-        </p:style>
-        <p:txBody>
-          <a:bodyPr lIns="91440" tIns="182880" rIns="91440" bIns="182880" rtlCol="0" anchor="ctr"/>
-          <a:lstStyle/>
-          <a:p>
-            <a:pPr algn="ctr"/>
-            <a:r>
-              <a:rPr lang="fr-FR" sz="900" b="1" cap="all" dirty="0" err="1">
-                <a:solidFill>
-                  <a:schemeClr val="tx1"/>
-                </a:solidFill>
-              </a:rPr>
-              <a:t>AuditoriumSeatings</a:t>
-            </a:r>
-            <a:r>
-              <a:rPr lang="fr-FR" sz="900" b="1" cap="all" dirty="0">
-                <a:solidFill>
-                  <a:schemeClr val="tx1"/>
-                </a:solidFill>
-              </a:rPr>
-              <a:t> </a:t>
-            </a:r>
-            <a:r>
-              <a:rPr lang="fr-FR" sz="900" b="1" cap="all" dirty="0" err="1">
-                <a:solidFill>
-                  <a:schemeClr val="tx1"/>
-                </a:solidFill>
-              </a:rPr>
-              <a:t>WebController</a:t>
-            </a:r>
-            <a:r>
-              <a:rPr lang="fr-FR" sz="900" b="1" cap="all" dirty="0">
-                <a:solidFill>
-                  <a:schemeClr val="tx1"/>
-                </a:solidFill>
-              </a:rPr>
-              <a:t> (Adapter)</a:t>
-            </a:r>
-            <a:endParaRPr lang="en-GB" sz="900" b="1" cap="all" dirty="0">
-              <a:solidFill>
-                <a:schemeClr val="tx1"/>
-              </a:solidFill>
-            </a:endParaRPr>
-          </a:p>
-        </p:txBody>
-      </p:sp>
-      <p:sp>
-        <p:nvSpPr>
-          <p:cNvPr id="163" name="TextBox 162">
-            <a:extLst>
-              <a:ext uri="{FF2B5EF4-FFF2-40B4-BE49-F238E27FC236}">
-                <a16:creationId xmlns:a16="http://schemas.microsoft.com/office/drawing/2014/main" id="{B2C0EA16-5F2D-3D3A-ABE1-43FF73FA8F78}"/>
-              </a:ext>
-            </a:extLst>
-          </p:cNvPr>
-          <p:cNvSpPr txBox="1"/>
-          <p:nvPr/>
-        </p:nvSpPr>
-        <p:spPr>
-          <a:xfrm>
-            <a:off x="9352494" y="1263503"/>
-            <a:ext cx="1317241" cy="338554"/>
-          </a:xfrm>
-          <a:prstGeom prst="rect">
-            <a:avLst/>
-          </a:prstGeom>
-          <a:noFill/>
-        </p:spPr>
-        <p:txBody>
-          <a:bodyPr wrap="square" rtlCol="0">
-            <a:spAutoFit/>
-          </a:bodyPr>
-          <a:lstStyle/>
-          <a:p>
-            <a:pPr algn="r"/>
-            <a:r>
-              <a:rPr lang="en-GB" sz="1600" b="1" cap="all" dirty="0">
-                <a:latin typeface="Alte Haas Grotesk" panose="02000503000000020004" pitchFamily="2" charset="0"/>
-              </a:rPr>
-              <a:t>Infra</a:t>
-            </a:r>
-          </a:p>
-        </p:txBody>
-      </p:sp>
-      <p:sp>
-        <p:nvSpPr>
-          <p:cNvPr id="168" name="TextBox 167">
-            <a:extLst>
-              <a:ext uri="{FF2B5EF4-FFF2-40B4-BE49-F238E27FC236}">
-                <a16:creationId xmlns:a16="http://schemas.microsoft.com/office/drawing/2014/main" id="{006C0D17-4879-26D8-FD78-F4F8D0793256}"/>
-              </a:ext>
-            </a:extLst>
-          </p:cNvPr>
-          <p:cNvSpPr txBox="1"/>
-          <p:nvPr/>
-        </p:nvSpPr>
-        <p:spPr>
-          <a:xfrm>
-            <a:off x="1982697" y="2443376"/>
-            <a:ext cx="334162" cy="182940"/>
-          </a:xfrm>
-          <a:prstGeom prst="rect">
-            <a:avLst/>
-          </a:prstGeom>
-          <a:solidFill>
-            <a:srgbClr val="FFF4D5"/>
-          </a:solidFill>
-        </p:spPr>
-        <p:txBody>
-          <a:bodyPr wrap="none" rtlCol="0">
-            <a:noAutofit/>
-          </a:bodyPr>
-          <a:lstStyle/>
-          <a:p>
-            <a:pPr algn="ctr"/>
-            <a:r>
-              <a:rPr lang="fr-FR" sz="900" b="1" dirty="0">
-                <a:latin typeface="Alte Haas Grotesk" panose="02000503000000020004" pitchFamily="2" charset="0"/>
-              </a:rPr>
-              <a:t>HTTP</a:t>
-            </a:r>
-            <a:endParaRPr lang="en-GB" sz="900" b="1" dirty="0">
-              <a:latin typeface="Alte Haas Grotesk" panose="02000503000000020004" pitchFamily="2" charset="0"/>
-            </a:endParaRPr>
-          </a:p>
-        </p:txBody>
-      </p:sp>
-      <p:sp>
-        <p:nvSpPr>
-          <p:cNvPr id="169" name="TextBox 168">
-            <a:extLst>
-              <a:ext uri="{FF2B5EF4-FFF2-40B4-BE49-F238E27FC236}">
-                <a16:creationId xmlns:a16="http://schemas.microsoft.com/office/drawing/2014/main" id="{0DB9A6AF-CF81-D0DC-3A17-4581294E37A9}"/>
-              </a:ext>
-            </a:extLst>
-          </p:cNvPr>
-          <p:cNvSpPr txBox="1"/>
-          <p:nvPr/>
-        </p:nvSpPr>
-        <p:spPr>
-          <a:xfrm>
-            <a:off x="2922105" y="3511520"/>
-            <a:ext cx="344646" cy="123111"/>
-          </a:xfrm>
-          <a:prstGeom prst="rect">
-            <a:avLst/>
-          </a:prstGeom>
-          <a:solidFill>
-            <a:srgbClr val="D0CECE"/>
-          </a:solidFill>
-        </p:spPr>
-        <p:txBody>
-          <a:bodyPr wrap="none" lIns="0" tIns="0" rIns="0" bIns="0" rtlCol="0">
-            <a:spAutoFit/>
-          </a:bodyPr>
-          <a:lstStyle>
-            <a:defPPr>
-              <a:defRPr lang="fr-FR"/>
-            </a:defPPr>
-            <a:lvl1pPr>
-              <a:defRPr sz="800" b="1">
-                <a:solidFill>
-                  <a:schemeClr val="bg1"/>
-                </a:solidFill>
-                <a:latin typeface="Alte Haas Grotesk" panose="02000503000000020004" pitchFamily="2" charset="0"/>
-              </a:defRPr>
-            </a:lvl1pPr>
-          </a:lstStyle>
-          <a:p>
-            <a:r>
-              <a:rPr lang="fr-FR" dirty="0">
-                <a:solidFill>
-                  <a:srgbClr val="C00000"/>
-                </a:solidFill>
-              </a:rPr>
-              <a:t>In proc</a:t>
-            </a:r>
-            <a:endParaRPr lang="en-GB" dirty="0">
-              <a:solidFill>
-                <a:srgbClr val="C00000"/>
-              </a:solidFill>
-            </a:endParaRPr>
-          </a:p>
-        </p:txBody>
-      </p:sp>
-      <p:sp>
-        <p:nvSpPr>
-          <p:cNvPr id="194" name="TextBox 193">
-            <a:extLst>
-              <a:ext uri="{FF2B5EF4-FFF2-40B4-BE49-F238E27FC236}">
-                <a16:creationId xmlns:a16="http://schemas.microsoft.com/office/drawing/2014/main" id="{01A184E7-6658-24BB-7379-74097AC303AE}"/>
-              </a:ext>
-            </a:extLst>
-          </p:cNvPr>
-          <p:cNvSpPr txBox="1"/>
-          <p:nvPr/>
-        </p:nvSpPr>
-        <p:spPr>
-          <a:xfrm>
-            <a:off x="215222" y="3392142"/>
-            <a:ext cx="1832368" cy="3231654"/>
-          </a:xfrm>
-          <a:prstGeom prst="rect">
-            <a:avLst/>
-          </a:prstGeom>
-          <a:solidFill>
-            <a:schemeClr val="bg1"/>
-          </a:solidFill>
-          <a:ln w="9525">
-            <a:solidFill>
-              <a:schemeClr val="tx1"/>
-            </a:solidFill>
-          </a:ln>
-        </p:spPr>
-        <p:txBody>
-          <a:bodyPr wrap="square" rtlCol="0">
-            <a:spAutoFit/>
-          </a:bodyPr>
-          <a:lstStyle>
-            <a:defPPr>
-              <a:defRPr lang="fr-FR"/>
-            </a:defPPr>
-            <a:lvl1pPr>
-              <a:defRPr sz="1200" b="1"/>
-            </a:lvl1pPr>
-          </a:lstStyle>
-          <a:p>
-            <a:r>
-              <a:rPr lang="en-US" dirty="0"/>
-              <a:t>The whole hexagons are assembled </a:t>
-            </a:r>
-            <a:r>
-              <a:rPr lang="en-US" dirty="0">
-                <a:solidFill>
-                  <a:srgbClr val="C00000"/>
-                </a:solidFill>
-              </a:rPr>
-              <a:t>in the same process.</a:t>
-            </a:r>
-          </a:p>
-          <a:p>
-            <a:br>
-              <a:rPr lang="en-US" dirty="0">
-                <a:solidFill>
-                  <a:srgbClr val="C00000"/>
-                </a:solidFill>
-              </a:rPr>
-            </a:br>
-            <a:r>
-              <a:rPr lang="en-US" dirty="0"/>
-              <a:t>We are using “lightweight” &amp; In</a:t>
-            </a:r>
-            <a:r>
-              <a:rPr lang="fr-FR" dirty="0"/>
-              <a:t>-</a:t>
-            </a:r>
-            <a:r>
-              <a:rPr lang="en-US" dirty="0"/>
-              <a:t>Proc driven adapters that are making direct memory calls towards other hexagons' driver ports (i.e. driven </a:t>
-            </a:r>
-            <a:r>
-              <a:rPr lang="en-US" dirty="0">
-                <a:solidFill>
-                  <a:srgbClr val="C00000"/>
-                </a:solidFill>
-              </a:rPr>
-              <a:t>adapters</a:t>
-            </a:r>
-            <a:r>
-              <a:rPr lang="en-US" dirty="0"/>
-              <a:t> calling someone else’s driver </a:t>
-            </a:r>
-            <a:r>
-              <a:rPr lang="en-US" dirty="0">
-                <a:solidFill>
-                  <a:srgbClr val="C00000"/>
-                </a:solidFill>
-              </a:rPr>
-              <a:t>ports</a:t>
-            </a:r>
-            <a:r>
-              <a:rPr lang="en-US" dirty="0"/>
-              <a:t>).</a:t>
-            </a:r>
-          </a:p>
-          <a:p>
-            <a:endParaRPr lang="en-US" dirty="0"/>
-          </a:p>
-          <a:p>
-            <a:r>
-              <a:rPr lang="en-US" dirty="0"/>
-              <a:t>Modularized monoliths are very handy for any refactoring phase.</a:t>
-            </a:r>
-          </a:p>
-        </p:txBody>
-      </p:sp>
-    </p:spTree>
-    <p:extLst>
-      <p:ext uri="{BB962C8B-B14F-4D97-AF65-F5344CB8AC3E}">
-        <p14:creationId xmlns:p14="http://schemas.microsoft.com/office/powerpoint/2010/main" val="1055865229"/>
-      </p:ext>
-    </p:extLst>
-  </p:cSld>
-  <p:clrMapOvr>
-    <a:masterClrMapping/>
-  </p:clrMapOvr>
-</p:sld>
-</file>
-
-<file path=ppt/slides/slide3.xml><?xml version="1.0" encoding="utf-8"?>
 <p:sld xmlns:a="http://schemas.openxmlformats.org/drawingml/2006/main" xmlns:r="http://schemas.openxmlformats.org/officeDocument/2006/relationships" xmlns:p="http://schemas.openxmlformats.org/presentationml/2006/main">
   <p:cSld>
     <p:bg>
@@ -21249,8 +14388,13 @@
             <a:pPr algn="r"/>
             <a:r>
               <a:rPr lang="en-US" sz="1400" dirty="0"/>
-              <a:t>@tpierrain (use case driven)</a:t>
+              <a:t>@tpierrain (use case driven) </a:t>
             </a:r>
+            <a:r>
+              <a:rPr lang="en-US" sz="1050" dirty="0"/>
+              <a:t>2.1</a:t>
+            </a:r>
+            <a:endParaRPr lang="en-US" sz="1400" dirty="0"/>
           </a:p>
         </p:txBody>
       </p:sp>
@@ -22838,53 +15982,6 @@
       </p:grpSp>
       <p:cxnSp>
         <p:nvCxnSpPr>
-          <p:cNvPr id="147" name="Straight Arrow Connector 146">
-            <a:extLst>
-              <a:ext uri="{FF2B5EF4-FFF2-40B4-BE49-F238E27FC236}">
-                <a16:creationId xmlns:a16="http://schemas.microsoft.com/office/drawing/2014/main" id="{F83914F7-2608-BBE8-0A2C-83B71E3AC613}"/>
-              </a:ext>
-            </a:extLst>
-          </p:cNvPr>
-          <p:cNvCxnSpPr>
-            <a:cxnSpLocks/>
-            <a:stCxn id="139" idx="2"/>
-            <a:endCxn id="60" idx="0"/>
-          </p:cNvCxnSpPr>
-          <p:nvPr/>
-        </p:nvCxnSpPr>
-        <p:spPr>
-          <a:xfrm>
-            <a:off x="2925345" y="2599093"/>
-            <a:ext cx="4304008" cy="25590"/>
-          </a:xfrm>
-          <a:prstGeom prst="straightConnector1">
-            <a:avLst/>
-          </a:prstGeom>
-          <a:ln w="38100">
-            <a:solidFill>
-              <a:srgbClr val="C00000"/>
-            </a:solidFill>
-            <a:prstDash val="sysDash"/>
-            <a:tailEnd type="triangle"/>
-          </a:ln>
-        </p:spPr>
-        <p:style>
-          <a:lnRef idx="1">
-            <a:schemeClr val="accent1"/>
-          </a:lnRef>
-          <a:fillRef idx="0">
-            <a:schemeClr val="accent1"/>
-          </a:fillRef>
-          <a:effectRef idx="0">
-            <a:schemeClr val="accent1"/>
-          </a:effectRef>
-          <a:fontRef idx="minor">
-            <a:schemeClr val="tx1"/>
-          </a:fontRef>
-        </p:style>
-      </p:cxnSp>
-      <p:cxnSp>
-        <p:nvCxnSpPr>
           <p:cNvPr id="80" name="Straight Arrow Connector 79">
             <a:extLst>
               <a:ext uri="{FF2B5EF4-FFF2-40B4-BE49-F238E27FC236}">
@@ -22903,53 +16000,6 @@
           <a:xfrm flipV="1">
             <a:off x="6637431" y="2663900"/>
             <a:ext cx="552390" cy="1193488"/>
-          </a:xfrm>
-          <a:prstGeom prst="straightConnector1">
-            <a:avLst/>
-          </a:prstGeom>
-          <a:ln w="38100">
-            <a:solidFill>
-              <a:srgbClr val="C00000"/>
-            </a:solidFill>
-            <a:prstDash val="sysDash"/>
-            <a:tailEnd type="triangle"/>
-          </a:ln>
-        </p:spPr>
-        <p:style>
-          <a:lnRef idx="1">
-            <a:schemeClr val="accent1"/>
-          </a:lnRef>
-          <a:fillRef idx="0">
-            <a:schemeClr val="accent1"/>
-          </a:fillRef>
-          <a:effectRef idx="0">
-            <a:schemeClr val="accent1"/>
-          </a:effectRef>
-          <a:fontRef idx="minor">
-            <a:schemeClr val="tx1"/>
-          </a:fontRef>
-        </p:style>
-      </p:cxnSp>
-      <p:cxnSp>
-        <p:nvCxnSpPr>
-          <p:cNvPr id="37" name="Straight Arrow Connector 36">
-            <a:extLst>
-              <a:ext uri="{FF2B5EF4-FFF2-40B4-BE49-F238E27FC236}">
-                <a16:creationId xmlns:a16="http://schemas.microsoft.com/office/drawing/2014/main" id="{C1D393FB-81B7-2FB6-467B-12516C8DC7A7}"/>
-              </a:ext>
-            </a:extLst>
-          </p:cNvPr>
-          <p:cNvCxnSpPr>
-            <a:cxnSpLocks/>
-            <a:stCxn id="217" idx="2"/>
-            <a:endCxn id="39" idx="1"/>
-          </p:cNvCxnSpPr>
-          <p:nvPr/>
-        </p:nvCxnSpPr>
-        <p:spPr>
-          <a:xfrm>
-            <a:off x="2917325" y="3887086"/>
-            <a:ext cx="736894" cy="112659"/>
           </a:xfrm>
           <a:prstGeom prst="straightConnector1">
             <a:avLst/>
@@ -23102,64 +16152,6 @@
               <a:defRPr sz="800" b="1">
                 <a:solidFill>
                   <a:schemeClr val="bg1"/>
-                </a:solidFill>
-                <a:latin typeface="Alte Haas Grotesk" panose="02000503000000020004" pitchFamily="2" charset="0"/>
-              </a:defRPr>
-            </a:lvl1pPr>
-          </a:lstStyle>
-          <a:p>
-            <a:r>
-              <a:rPr lang="fr-FR" dirty="0">
-                <a:solidFill>
-                  <a:srgbClr val="C00000"/>
-                </a:solidFill>
-              </a:rPr>
-              <a:t>In-Proc</a:t>
-            </a:r>
-            <a:endParaRPr lang="en-GB" dirty="0">
-              <a:solidFill>
-                <a:srgbClr val="C00000"/>
-              </a:solidFill>
-            </a:endParaRPr>
-          </a:p>
-        </p:txBody>
-      </p:sp>
-      <p:sp>
-        <p:nvSpPr>
-          <p:cNvPr id="222" name="TextBox 221">
-            <a:extLst>
-              <a:ext uri="{FF2B5EF4-FFF2-40B4-BE49-F238E27FC236}">
-                <a16:creationId xmlns:a16="http://schemas.microsoft.com/office/drawing/2014/main" id="{2E61778D-4348-A12B-7AC1-8933897B4DAF}"/>
-              </a:ext>
-            </a:extLst>
-          </p:cNvPr>
-          <p:cNvSpPr txBox="1"/>
-          <p:nvPr/>
-        </p:nvSpPr>
-        <p:spPr>
-          <a:xfrm>
-            <a:off x="5295815" y="2494771"/>
-            <a:ext cx="635273" cy="215444"/>
-          </a:xfrm>
-          <a:prstGeom prst="rect">
-            <a:avLst/>
-          </a:prstGeom>
-          <a:solidFill>
-            <a:srgbClr val="D0CECE"/>
-          </a:solidFill>
-        </p:spPr>
-        <p:txBody>
-          <a:bodyPr wrap="square" rtlCol="0">
-            <a:spAutoFit/>
-          </a:bodyPr>
-          <a:lstStyle>
-            <a:defPPr>
-              <a:defRPr lang="fr-FR"/>
-            </a:defPPr>
-            <a:lvl1pPr>
-              <a:defRPr sz="800" b="1">
-                <a:solidFill>
-                  <a:srgbClr val="C00000"/>
                 </a:solidFill>
                 <a:latin typeface="Alte Haas Grotesk" panose="02000503000000020004" pitchFamily="2" charset="0"/>
               </a:defRPr>
@@ -23501,64 +16493,6 @@
       </p:sp>
       <p:sp>
         <p:nvSpPr>
-          <p:cNvPr id="169" name="TextBox 168">
-            <a:extLst>
-              <a:ext uri="{FF2B5EF4-FFF2-40B4-BE49-F238E27FC236}">
-                <a16:creationId xmlns:a16="http://schemas.microsoft.com/office/drawing/2014/main" id="{0DB9A6AF-CF81-D0DC-3A17-4581294E37A9}"/>
-              </a:ext>
-            </a:extLst>
-          </p:cNvPr>
-          <p:cNvSpPr txBox="1"/>
-          <p:nvPr/>
-        </p:nvSpPr>
-        <p:spPr>
-          <a:xfrm>
-            <a:off x="2989053" y="3876360"/>
-            <a:ext cx="437749" cy="123111"/>
-          </a:xfrm>
-          <a:prstGeom prst="rect">
-            <a:avLst/>
-          </a:prstGeom>
-          <a:solidFill>
-            <a:srgbClr val="D0CECE"/>
-          </a:solidFill>
-        </p:spPr>
-        <p:txBody>
-          <a:bodyPr wrap="none" lIns="36576" tIns="0" rIns="36576" bIns="0" rtlCol="0">
-            <a:spAutoFit/>
-          </a:bodyPr>
-          <a:lstStyle>
-            <a:defPPr>
-              <a:defRPr lang="fr-FR"/>
-            </a:defPPr>
-            <a:lvl1pPr>
-              <a:defRPr sz="800" b="1">
-                <a:solidFill>
-                  <a:schemeClr val="bg1"/>
-                </a:solidFill>
-                <a:latin typeface="Alte Haas Grotesk" panose="02000503000000020004" pitchFamily="2" charset="0"/>
-              </a:defRPr>
-            </a:lvl1pPr>
-          </a:lstStyle>
-          <a:p>
-            <a:r>
-              <a:rPr lang="fr-FR" dirty="0">
-                <a:solidFill>
-                  <a:srgbClr val="C00000"/>
-                </a:solidFill>
-              </a:rPr>
-              <a:t>In-Proc</a:t>
-            </a:r>
-            <a:endParaRPr lang="en-GB" dirty="0">
-              <a:solidFill>
-                <a:srgbClr val="C00000"/>
-              </a:solidFill>
-            </a:endParaRPr>
-          </a:p>
-        </p:txBody>
-      </p:sp>
-      <p:sp>
-        <p:nvSpPr>
           <p:cNvPr id="194" name="TextBox 193">
             <a:extLst>
               <a:ext uri="{FF2B5EF4-FFF2-40B4-BE49-F238E27FC236}">
@@ -23670,60 +16604,609 @@
       </p:sp>
       <p:sp>
         <p:nvSpPr>
-          <p:cNvPr id="159" name="TextBox 158">
+          <p:cNvPr id="148" name="Freeform: Shape 147">
             <a:extLst>
               <a:ext uri="{FF2B5EF4-FFF2-40B4-BE49-F238E27FC236}">
-                <a16:creationId xmlns:a16="http://schemas.microsoft.com/office/drawing/2014/main" id="{B80C0F13-268B-D0DE-D9ED-7FD94FAF631D}"/>
+                <a16:creationId xmlns:a16="http://schemas.microsoft.com/office/drawing/2014/main" id="{74C8E9E1-AD30-390D-7FB4-101B06EE2743}"/>
               </a:ext>
             </a:extLst>
           </p:cNvPr>
-          <p:cNvSpPr txBox="1"/>
+          <p:cNvSpPr/>
           <p:nvPr/>
         </p:nvSpPr>
         <p:spPr>
-          <a:xfrm>
-            <a:off x="5317744" y="2473171"/>
-            <a:ext cx="635273" cy="215444"/>
+          <a:xfrm rot="5400000">
+            <a:off x="4959647" y="523854"/>
+            <a:ext cx="218198" cy="4252138"/>
           </a:xfrm>
-          <a:prstGeom prst="rect">
+          <a:custGeom>
             <a:avLst/>
-          </a:prstGeom>
-          <a:solidFill>
-            <a:srgbClr val="D0CECE"/>
-          </a:solidFill>
+            <a:gdLst>
+              <a:gd name="connsiteX0" fmla="*/ 297741 w 583793"/>
+              <a:gd name="connsiteY0" fmla="*/ 4133088 h 4133088"/>
+              <a:gd name="connsiteX1" fmla="*/ 297741 w 583793"/>
+              <a:gd name="connsiteY1" fmla="*/ 3883152 h 4133088"/>
+              <a:gd name="connsiteX2" fmla="*/ 578157 w 583793"/>
+              <a:gd name="connsiteY2" fmla="*/ 3700272 h 4133088"/>
+              <a:gd name="connsiteX3" fmla="*/ 5133 w 583793"/>
+              <a:gd name="connsiteY3" fmla="*/ 3523488 h 4133088"/>
+              <a:gd name="connsiteX4" fmla="*/ 572061 w 583793"/>
+              <a:gd name="connsiteY4" fmla="*/ 3328416 h 4133088"/>
+              <a:gd name="connsiteX5" fmla="*/ 17325 w 583793"/>
+              <a:gd name="connsiteY5" fmla="*/ 3157728 h 4133088"/>
+              <a:gd name="connsiteX6" fmla="*/ 559869 w 583793"/>
+              <a:gd name="connsiteY6" fmla="*/ 2974848 h 4133088"/>
+              <a:gd name="connsiteX7" fmla="*/ 17325 w 583793"/>
+              <a:gd name="connsiteY7" fmla="*/ 2798064 h 4133088"/>
+              <a:gd name="connsiteX8" fmla="*/ 578157 w 583793"/>
+              <a:gd name="connsiteY8" fmla="*/ 2609088 h 4133088"/>
+              <a:gd name="connsiteX9" fmla="*/ 17325 w 583793"/>
+              <a:gd name="connsiteY9" fmla="*/ 2426208 h 4133088"/>
+              <a:gd name="connsiteX10" fmla="*/ 565965 w 583793"/>
+              <a:gd name="connsiteY10" fmla="*/ 2243328 h 4133088"/>
+              <a:gd name="connsiteX11" fmla="*/ 17325 w 583793"/>
+              <a:gd name="connsiteY11" fmla="*/ 2072640 h 4133088"/>
+              <a:gd name="connsiteX12" fmla="*/ 565965 w 583793"/>
+              <a:gd name="connsiteY12" fmla="*/ 1883664 h 4133088"/>
+              <a:gd name="connsiteX13" fmla="*/ 17325 w 583793"/>
+              <a:gd name="connsiteY13" fmla="*/ 1706880 h 4133088"/>
+              <a:gd name="connsiteX14" fmla="*/ 565965 w 583793"/>
+              <a:gd name="connsiteY14" fmla="*/ 1524000 h 4133088"/>
+              <a:gd name="connsiteX15" fmla="*/ 17325 w 583793"/>
+              <a:gd name="connsiteY15" fmla="*/ 1341120 h 4133088"/>
+              <a:gd name="connsiteX16" fmla="*/ 565965 w 583793"/>
+              <a:gd name="connsiteY16" fmla="*/ 1158240 h 4133088"/>
+              <a:gd name="connsiteX17" fmla="*/ 17325 w 583793"/>
+              <a:gd name="connsiteY17" fmla="*/ 975360 h 4133088"/>
+              <a:gd name="connsiteX18" fmla="*/ 565965 w 583793"/>
+              <a:gd name="connsiteY18" fmla="*/ 798576 h 4133088"/>
+              <a:gd name="connsiteX19" fmla="*/ 17325 w 583793"/>
+              <a:gd name="connsiteY19" fmla="*/ 615696 h 4133088"/>
+              <a:gd name="connsiteX20" fmla="*/ 572061 w 583793"/>
+              <a:gd name="connsiteY20" fmla="*/ 438912 h 4133088"/>
+              <a:gd name="connsiteX21" fmla="*/ 5133 w 583793"/>
+              <a:gd name="connsiteY21" fmla="*/ 256032 h 4133088"/>
+              <a:gd name="connsiteX22" fmla="*/ 291645 w 583793"/>
+              <a:gd name="connsiteY22" fmla="*/ 231648 h 4133088"/>
+              <a:gd name="connsiteX23" fmla="*/ 285549 w 583793"/>
+              <a:gd name="connsiteY23" fmla="*/ 0 h 4133088"/>
+            </a:gdLst>
+            <a:ahLst/>
+            <a:cxnLst>
+              <a:cxn ang="0">
+                <a:pos x="connsiteX0" y="connsiteY0"/>
+              </a:cxn>
+              <a:cxn ang="0">
+                <a:pos x="connsiteX1" y="connsiteY1"/>
+              </a:cxn>
+              <a:cxn ang="0">
+                <a:pos x="connsiteX2" y="connsiteY2"/>
+              </a:cxn>
+              <a:cxn ang="0">
+                <a:pos x="connsiteX3" y="connsiteY3"/>
+              </a:cxn>
+              <a:cxn ang="0">
+                <a:pos x="connsiteX4" y="connsiteY4"/>
+              </a:cxn>
+              <a:cxn ang="0">
+                <a:pos x="connsiteX5" y="connsiteY5"/>
+              </a:cxn>
+              <a:cxn ang="0">
+                <a:pos x="connsiteX6" y="connsiteY6"/>
+              </a:cxn>
+              <a:cxn ang="0">
+                <a:pos x="connsiteX7" y="connsiteY7"/>
+              </a:cxn>
+              <a:cxn ang="0">
+                <a:pos x="connsiteX8" y="connsiteY8"/>
+              </a:cxn>
+              <a:cxn ang="0">
+                <a:pos x="connsiteX9" y="connsiteY9"/>
+              </a:cxn>
+              <a:cxn ang="0">
+                <a:pos x="connsiteX10" y="connsiteY10"/>
+              </a:cxn>
+              <a:cxn ang="0">
+                <a:pos x="connsiteX11" y="connsiteY11"/>
+              </a:cxn>
+              <a:cxn ang="0">
+                <a:pos x="connsiteX12" y="connsiteY12"/>
+              </a:cxn>
+              <a:cxn ang="0">
+                <a:pos x="connsiteX13" y="connsiteY13"/>
+              </a:cxn>
+              <a:cxn ang="0">
+                <a:pos x="connsiteX14" y="connsiteY14"/>
+              </a:cxn>
+              <a:cxn ang="0">
+                <a:pos x="connsiteX15" y="connsiteY15"/>
+              </a:cxn>
+              <a:cxn ang="0">
+                <a:pos x="connsiteX16" y="connsiteY16"/>
+              </a:cxn>
+              <a:cxn ang="0">
+                <a:pos x="connsiteX17" y="connsiteY17"/>
+              </a:cxn>
+              <a:cxn ang="0">
+                <a:pos x="connsiteX18" y="connsiteY18"/>
+              </a:cxn>
+              <a:cxn ang="0">
+                <a:pos x="connsiteX19" y="connsiteY19"/>
+              </a:cxn>
+              <a:cxn ang="0">
+                <a:pos x="connsiteX20" y="connsiteY20"/>
+              </a:cxn>
+              <a:cxn ang="0">
+                <a:pos x="connsiteX21" y="connsiteY21"/>
+              </a:cxn>
+              <a:cxn ang="0">
+                <a:pos x="connsiteX22" y="connsiteY22"/>
+              </a:cxn>
+              <a:cxn ang="0">
+                <a:pos x="connsiteX23" y="connsiteY23"/>
+              </a:cxn>
+            </a:cxnLst>
+            <a:rect l="l" t="t" r="r" b="b"/>
+            <a:pathLst>
+              <a:path w="583793" h="4133088">
+                <a:moveTo>
+                  <a:pt x="297741" y="4133088"/>
+                </a:moveTo>
+                <a:cubicBezTo>
+                  <a:pt x="274373" y="4044188"/>
+                  <a:pt x="251005" y="3955288"/>
+                  <a:pt x="297741" y="3883152"/>
+                </a:cubicBezTo>
+                <a:cubicBezTo>
+                  <a:pt x="344477" y="3811016"/>
+                  <a:pt x="626925" y="3760216"/>
+                  <a:pt x="578157" y="3700272"/>
+                </a:cubicBezTo>
+                <a:cubicBezTo>
+                  <a:pt x="529389" y="3640328"/>
+                  <a:pt x="6149" y="3585464"/>
+                  <a:pt x="5133" y="3523488"/>
+                </a:cubicBezTo>
+                <a:cubicBezTo>
+                  <a:pt x="4117" y="3461512"/>
+                  <a:pt x="570029" y="3389376"/>
+                  <a:pt x="572061" y="3328416"/>
+                </a:cubicBezTo>
+                <a:cubicBezTo>
+                  <a:pt x="574093" y="3267456"/>
+                  <a:pt x="19357" y="3216656"/>
+                  <a:pt x="17325" y="3157728"/>
+                </a:cubicBezTo>
+                <a:cubicBezTo>
+                  <a:pt x="15293" y="3098800"/>
+                  <a:pt x="559869" y="3034792"/>
+                  <a:pt x="559869" y="2974848"/>
+                </a:cubicBezTo>
+                <a:cubicBezTo>
+                  <a:pt x="559869" y="2914904"/>
+                  <a:pt x="14277" y="2859024"/>
+                  <a:pt x="17325" y="2798064"/>
+                </a:cubicBezTo>
+                <a:cubicBezTo>
+                  <a:pt x="20373" y="2737104"/>
+                  <a:pt x="578157" y="2671064"/>
+                  <a:pt x="578157" y="2609088"/>
+                </a:cubicBezTo>
+                <a:cubicBezTo>
+                  <a:pt x="578157" y="2547112"/>
+                  <a:pt x="19357" y="2487168"/>
+                  <a:pt x="17325" y="2426208"/>
+                </a:cubicBezTo>
+                <a:cubicBezTo>
+                  <a:pt x="15293" y="2365248"/>
+                  <a:pt x="565965" y="2302256"/>
+                  <a:pt x="565965" y="2243328"/>
+                </a:cubicBezTo>
+                <a:cubicBezTo>
+                  <a:pt x="565965" y="2184400"/>
+                  <a:pt x="17325" y="2132584"/>
+                  <a:pt x="17325" y="2072640"/>
+                </a:cubicBezTo>
+                <a:cubicBezTo>
+                  <a:pt x="17325" y="2012696"/>
+                  <a:pt x="565965" y="1944624"/>
+                  <a:pt x="565965" y="1883664"/>
+                </a:cubicBezTo>
+                <a:cubicBezTo>
+                  <a:pt x="565965" y="1822704"/>
+                  <a:pt x="17325" y="1766824"/>
+                  <a:pt x="17325" y="1706880"/>
+                </a:cubicBezTo>
+                <a:cubicBezTo>
+                  <a:pt x="17325" y="1646936"/>
+                  <a:pt x="565965" y="1584960"/>
+                  <a:pt x="565965" y="1524000"/>
+                </a:cubicBezTo>
+                <a:cubicBezTo>
+                  <a:pt x="565965" y="1463040"/>
+                  <a:pt x="17325" y="1402080"/>
+                  <a:pt x="17325" y="1341120"/>
+                </a:cubicBezTo>
+                <a:cubicBezTo>
+                  <a:pt x="17325" y="1280160"/>
+                  <a:pt x="565965" y="1219200"/>
+                  <a:pt x="565965" y="1158240"/>
+                </a:cubicBezTo>
+                <a:cubicBezTo>
+                  <a:pt x="565965" y="1097280"/>
+                  <a:pt x="17325" y="1035304"/>
+                  <a:pt x="17325" y="975360"/>
+                </a:cubicBezTo>
+                <a:cubicBezTo>
+                  <a:pt x="17325" y="915416"/>
+                  <a:pt x="565965" y="858520"/>
+                  <a:pt x="565965" y="798576"/>
+                </a:cubicBezTo>
+                <a:cubicBezTo>
+                  <a:pt x="565965" y="738632"/>
+                  <a:pt x="16309" y="675640"/>
+                  <a:pt x="17325" y="615696"/>
+                </a:cubicBezTo>
+                <a:cubicBezTo>
+                  <a:pt x="18341" y="555752"/>
+                  <a:pt x="574093" y="498856"/>
+                  <a:pt x="572061" y="438912"/>
+                </a:cubicBezTo>
+                <a:cubicBezTo>
+                  <a:pt x="570029" y="378968"/>
+                  <a:pt x="51869" y="290576"/>
+                  <a:pt x="5133" y="256032"/>
+                </a:cubicBezTo>
+                <a:cubicBezTo>
+                  <a:pt x="-41603" y="221488"/>
+                  <a:pt x="244909" y="274320"/>
+                  <a:pt x="291645" y="231648"/>
+                </a:cubicBezTo>
+                <a:cubicBezTo>
+                  <a:pt x="338381" y="188976"/>
+                  <a:pt x="311965" y="94488"/>
+                  <a:pt x="285549" y="0"/>
+                </a:cubicBezTo>
+              </a:path>
+            </a:pathLst>
+          </a:custGeom>
+          <a:noFill/>
+          <a:ln w="22225">
+            <a:solidFill>
+              <a:schemeClr val="tx1"/>
+            </a:solidFill>
+          </a:ln>
+          <a:scene3d>
+            <a:camera prst="orthographicFront"/>
+            <a:lightRig rig="sunset" dir="t"/>
+          </a:scene3d>
         </p:spPr>
+        <p:style>
+          <a:lnRef idx="2">
+            <a:schemeClr val="accent1">
+              <a:shade val="50000"/>
+            </a:schemeClr>
+          </a:lnRef>
+          <a:fillRef idx="1">
+            <a:schemeClr val="accent1"/>
+          </a:fillRef>
+          <a:effectRef idx="0">
+            <a:schemeClr val="accent1"/>
+          </a:effectRef>
+          <a:fontRef idx="minor">
+            <a:schemeClr val="lt1"/>
+          </a:fontRef>
+        </p:style>
         <p:txBody>
-          <a:bodyPr wrap="square" rtlCol="0">
-            <a:spAutoFit/>
-          </a:bodyPr>
-          <a:lstStyle>
-            <a:defPPr>
-              <a:defRPr lang="fr-FR"/>
-            </a:defPPr>
-            <a:lvl1pPr>
-              <a:defRPr sz="800" b="1">
-                <a:solidFill>
-                  <a:srgbClr val="C00000"/>
-                </a:solidFill>
-                <a:latin typeface="Alte Haas Grotesk" panose="02000503000000020004" pitchFamily="2" charset="0"/>
-              </a:defRPr>
-            </a:lvl1pPr>
-          </a:lstStyle>
+          <a:bodyPr rtlCol="0" anchor="ctr"/>
+          <a:lstStyle/>
           <a:p>
             <a:pPr algn="ctr"/>
-            <a:r>
-              <a:rPr lang="fr-FR" dirty="0">
-                <a:solidFill>
-                  <a:srgbClr val="C00000"/>
-                </a:solidFill>
-              </a:rPr>
-              <a:t>In-Proc</a:t>
-            </a:r>
-            <a:endParaRPr lang="en-GB" dirty="0">
-              <a:solidFill>
-                <a:srgbClr val="C00000"/>
-              </a:solidFill>
-            </a:endParaRPr>
+            <a:endParaRPr lang="en-US"/>
+          </a:p>
+        </p:txBody>
+      </p:sp>
+      <p:sp>
+        <p:nvSpPr>
+          <p:cNvPr id="149" name="Freeform: Shape 148">
+            <a:extLst>
+              <a:ext uri="{FF2B5EF4-FFF2-40B4-BE49-F238E27FC236}">
+                <a16:creationId xmlns:a16="http://schemas.microsoft.com/office/drawing/2014/main" id="{FD90E8C7-DA67-D54C-7CCE-A6CF9AADAD5E}"/>
+              </a:ext>
+            </a:extLst>
+          </p:cNvPr>
+          <p:cNvSpPr/>
+          <p:nvPr/>
+        </p:nvSpPr>
+        <p:spPr>
+          <a:xfrm rot="6365413" flipH="1">
+            <a:off x="3199292" y="3553954"/>
+            <a:ext cx="155217" cy="746290"/>
+          </a:xfrm>
+          <a:custGeom>
+            <a:avLst/>
+            <a:gdLst>
+              <a:gd name="connsiteX0" fmla="*/ 297741 w 583793"/>
+              <a:gd name="connsiteY0" fmla="*/ 4133088 h 4133088"/>
+              <a:gd name="connsiteX1" fmla="*/ 297741 w 583793"/>
+              <a:gd name="connsiteY1" fmla="*/ 3883152 h 4133088"/>
+              <a:gd name="connsiteX2" fmla="*/ 578157 w 583793"/>
+              <a:gd name="connsiteY2" fmla="*/ 3700272 h 4133088"/>
+              <a:gd name="connsiteX3" fmla="*/ 5133 w 583793"/>
+              <a:gd name="connsiteY3" fmla="*/ 3523488 h 4133088"/>
+              <a:gd name="connsiteX4" fmla="*/ 572061 w 583793"/>
+              <a:gd name="connsiteY4" fmla="*/ 3328416 h 4133088"/>
+              <a:gd name="connsiteX5" fmla="*/ 17325 w 583793"/>
+              <a:gd name="connsiteY5" fmla="*/ 3157728 h 4133088"/>
+              <a:gd name="connsiteX6" fmla="*/ 559869 w 583793"/>
+              <a:gd name="connsiteY6" fmla="*/ 2974848 h 4133088"/>
+              <a:gd name="connsiteX7" fmla="*/ 17325 w 583793"/>
+              <a:gd name="connsiteY7" fmla="*/ 2798064 h 4133088"/>
+              <a:gd name="connsiteX8" fmla="*/ 578157 w 583793"/>
+              <a:gd name="connsiteY8" fmla="*/ 2609088 h 4133088"/>
+              <a:gd name="connsiteX9" fmla="*/ 17325 w 583793"/>
+              <a:gd name="connsiteY9" fmla="*/ 2426208 h 4133088"/>
+              <a:gd name="connsiteX10" fmla="*/ 565965 w 583793"/>
+              <a:gd name="connsiteY10" fmla="*/ 2243328 h 4133088"/>
+              <a:gd name="connsiteX11" fmla="*/ 17325 w 583793"/>
+              <a:gd name="connsiteY11" fmla="*/ 2072640 h 4133088"/>
+              <a:gd name="connsiteX12" fmla="*/ 565965 w 583793"/>
+              <a:gd name="connsiteY12" fmla="*/ 1883664 h 4133088"/>
+              <a:gd name="connsiteX13" fmla="*/ 17325 w 583793"/>
+              <a:gd name="connsiteY13" fmla="*/ 1706880 h 4133088"/>
+              <a:gd name="connsiteX14" fmla="*/ 565965 w 583793"/>
+              <a:gd name="connsiteY14" fmla="*/ 1524000 h 4133088"/>
+              <a:gd name="connsiteX15" fmla="*/ 17325 w 583793"/>
+              <a:gd name="connsiteY15" fmla="*/ 1341120 h 4133088"/>
+              <a:gd name="connsiteX16" fmla="*/ 565965 w 583793"/>
+              <a:gd name="connsiteY16" fmla="*/ 1158240 h 4133088"/>
+              <a:gd name="connsiteX17" fmla="*/ 17325 w 583793"/>
+              <a:gd name="connsiteY17" fmla="*/ 975360 h 4133088"/>
+              <a:gd name="connsiteX18" fmla="*/ 565965 w 583793"/>
+              <a:gd name="connsiteY18" fmla="*/ 798576 h 4133088"/>
+              <a:gd name="connsiteX19" fmla="*/ 17325 w 583793"/>
+              <a:gd name="connsiteY19" fmla="*/ 615696 h 4133088"/>
+              <a:gd name="connsiteX20" fmla="*/ 572061 w 583793"/>
+              <a:gd name="connsiteY20" fmla="*/ 438912 h 4133088"/>
+              <a:gd name="connsiteX21" fmla="*/ 5133 w 583793"/>
+              <a:gd name="connsiteY21" fmla="*/ 256032 h 4133088"/>
+              <a:gd name="connsiteX22" fmla="*/ 291645 w 583793"/>
+              <a:gd name="connsiteY22" fmla="*/ 231648 h 4133088"/>
+              <a:gd name="connsiteX23" fmla="*/ 285549 w 583793"/>
+              <a:gd name="connsiteY23" fmla="*/ 0 h 4133088"/>
+            </a:gdLst>
+            <a:ahLst/>
+            <a:cxnLst>
+              <a:cxn ang="0">
+                <a:pos x="connsiteX0" y="connsiteY0"/>
+              </a:cxn>
+              <a:cxn ang="0">
+                <a:pos x="connsiteX1" y="connsiteY1"/>
+              </a:cxn>
+              <a:cxn ang="0">
+                <a:pos x="connsiteX2" y="connsiteY2"/>
+              </a:cxn>
+              <a:cxn ang="0">
+                <a:pos x="connsiteX3" y="connsiteY3"/>
+              </a:cxn>
+              <a:cxn ang="0">
+                <a:pos x="connsiteX4" y="connsiteY4"/>
+              </a:cxn>
+              <a:cxn ang="0">
+                <a:pos x="connsiteX5" y="connsiteY5"/>
+              </a:cxn>
+              <a:cxn ang="0">
+                <a:pos x="connsiteX6" y="connsiteY6"/>
+              </a:cxn>
+              <a:cxn ang="0">
+                <a:pos x="connsiteX7" y="connsiteY7"/>
+              </a:cxn>
+              <a:cxn ang="0">
+                <a:pos x="connsiteX8" y="connsiteY8"/>
+              </a:cxn>
+              <a:cxn ang="0">
+                <a:pos x="connsiteX9" y="connsiteY9"/>
+              </a:cxn>
+              <a:cxn ang="0">
+                <a:pos x="connsiteX10" y="connsiteY10"/>
+              </a:cxn>
+              <a:cxn ang="0">
+                <a:pos x="connsiteX11" y="connsiteY11"/>
+              </a:cxn>
+              <a:cxn ang="0">
+                <a:pos x="connsiteX12" y="connsiteY12"/>
+              </a:cxn>
+              <a:cxn ang="0">
+                <a:pos x="connsiteX13" y="connsiteY13"/>
+              </a:cxn>
+              <a:cxn ang="0">
+                <a:pos x="connsiteX14" y="connsiteY14"/>
+              </a:cxn>
+              <a:cxn ang="0">
+                <a:pos x="connsiteX15" y="connsiteY15"/>
+              </a:cxn>
+              <a:cxn ang="0">
+                <a:pos x="connsiteX16" y="connsiteY16"/>
+              </a:cxn>
+              <a:cxn ang="0">
+                <a:pos x="connsiteX17" y="connsiteY17"/>
+              </a:cxn>
+              <a:cxn ang="0">
+                <a:pos x="connsiteX18" y="connsiteY18"/>
+              </a:cxn>
+              <a:cxn ang="0">
+                <a:pos x="connsiteX19" y="connsiteY19"/>
+              </a:cxn>
+              <a:cxn ang="0">
+                <a:pos x="connsiteX20" y="connsiteY20"/>
+              </a:cxn>
+              <a:cxn ang="0">
+                <a:pos x="connsiteX21" y="connsiteY21"/>
+              </a:cxn>
+              <a:cxn ang="0">
+                <a:pos x="connsiteX22" y="connsiteY22"/>
+              </a:cxn>
+              <a:cxn ang="0">
+                <a:pos x="connsiteX23" y="connsiteY23"/>
+              </a:cxn>
+            </a:cxnLst>
+            <a:rect l="l" t="t" r="r" b="b"/>
+            <a:pathLst>
+              <a:path w="583793" h="4133088">
+                <a:moveTo>
+                  <a:pt x="297741" y="4133088"/>
+                </a:moveTo>
+                <a:cubicBezTo>
+                  <a:pt x="274373" y="4044188"/>
+                  <a:pt x="251005" y="3955288"/>
+                  <a:pt x="297741" y="3883152"/>
+                </a:cubicBezTo>
+                <a:cubicBezTo>
+                  <a:pt x="344477" y="3811016"/>
+                  <a:pt x="626925" y="3760216"/>
+                  <a:pt x="578157" y="3700272"/>
+                </a:cubicBezTo>
+                <a:cubicBezTo>
+                  <a:pt x="529389" y="3640328"/>
+                  <a:pt x="6149" y="3585464"/>
+                  <a:pt x="5133" y="3523488"/>
+                </a:cubicBezTo>
+                <a:cubicBezTo>
+                  <a:pt x="4117" y="3461512"/>
+                  <a:pt x="570029" y="3389376"/>
+                  <a:pt x="572061" y="3328416"/>
+                </a:cubicBezTo>
+                <a:cubicBezTo>
+                  <a:pt x="574093" y="3267456"/>
+                  <a:pt x="19357" y="3216656"/>
+                  <a:pt x="17325" y="3157728"/>
+                </a:cubicBezTo>
+                <a:cubicBezTo>
+                  <a:pt x="15293" y="3098800"/>
+                  <a:pt x="559869" y="3034792"/>
+                  <a:pt x="559869" y="2974848"/>
+                </a:cubicBezTo>
+                <a:cubicBezTo>
+                  <a:pt x="559869" y="2914904"/>
+                  <a:pt x="14277" y="2859024"/>
+                  <a:pt x="17325" y="2798064"/>
+                </a:cubicBezTo>
+                <a:cubicBezTo>
+                  <a:pt x="20373" y="2737104"/>
+                  <a:pt x="578157" y="2671064"/>
+                  <a:pt x="578157" y="2609088"/>
+                </a:cubicBezTo>
+                <a:cubicBezTo>
+                  <a:pt x="578157" y="2547112"/>
+                  <a:pt x="19357" y="2487168"/>
+                  <a:pt x="17325" y="2426208"/>
+                </a:cubicBezTo>
+                <a:cubicBezTo>
+                  <a:pt x="15293" y="2365248"/>
+                  <a:pt x="565965" y="2302256"/>
+                  <a:pt x="565965" y="2243328"/>
+                </a:cubicBezTo>
+                <a:cubicBezTo>
+                  <a:pt x="565965" y="2184400"/>
+                  <a:pt x="17325" y="2132584"/>
+                  <a:pt x="17325" y="2072640"/>
+                </a:cubicBezTo>
+                <a:cubicBezTo>
+                  <a:pt x="17325" y="2012696"/>
+                  <a:pt x="565965" y="1944624"/>
+                  <a:pt x="565965" y="1883664"/>
+                </a:cubicBezTo>
+                <a:cubicBezTo>
+                  <a:pt x="565965" y="1822704"/>
+                  <a:pt x="17325" y="1766824"/>
+                  <a:pt x="17325" y="1706880"/>
+                </a:cubicBezTo>
+                <a:cubicBezTo>
+                  <a:pt x="17325" y="1646936"/>
+                  <a:pt x="565965" y="1584960"/>
+                  <a:pt x="565965" y="1524000"/>
+                </a:cubicBezTo>
+                <a:cubicBezTo>
+                  <a:pt x="565965" y="1463040"/>
+                  <a:pt x="17325" y="1402080"/>
+                  <a:pt x="17325" y="1341120"/>
+                </a:cubicBezTo>
+                <a:cubicBezTo>
+                  <a:pt x="17325" y="1280160"/>
+                  <a:pt x="565965" y="1219200"/>
+                  <a:pt x="565965" y="1158240"/>
+                </a:cubicBezTo>
+                <a:cubicBezTo>
+                  <a:pt x="565965" y="1097280"/>
+                  <a:pt x="17325" y="1035304"/>
+                  <a:pt x="17325" y="975360"/>
+                </a:cubicBezTo>
+                <a:cubicBezTo>
+                  <a:pt x="17325" y="915416"/>
+                  <a:pt x="565965" y="858520"/>
+                  <a:pt x="565965" y="798576"/>
+                </a:cubicBezTo>
+                <a:cubicBezTo>
+                  <a:pt x="565965" y="738632"/>
+                  <a:pt x="16309" y="675640"/>
+                  <a:pt x="17325" y="615696"/>
+                </a:cubicBezTo>
+                <a:cubicBezTo>
+                  <a:pt x="18341" y="555752"/>
+                  <a:pt x="574093" y="498856"/>
+                  <a:pt x="572061" y="438912"/>
+                </a:cubicBezTo>
+                <a:cubicBezTo>
+                  <a:pt x="570029" y="378968"/>
+                  <a:pt x="51869" y="290576"/>
+                  <a:pt x="5133" y="256032"/>
+                </a:cubicBezTo>
+                <a:cubicBezTo>
+                  <a:pt x="-41603" y="221488"/>
+                  <a:pt x="244909" y="274320"/>
+                  <a:pt x="291645" y="231648"/>
+                </a:cubicBezTo>
+                <a:cubicBezTo>
+                  <a:pt x="338381" y="188976"/>
+                  <a:pt x="311965" y="94488"/>
+                  <a:pt x="285549" y="0"/>
+                </a:cubicBezTo>
+              </a:path>
+            </a:pathLst>
+          </a:custGeom>
+          <a:noFill/>
+          <a:ln w="22225">
+            <a:solidFill>
+              <a:schemeClr val="tx1"/>
+            </a:solidFill>
+          </a:ln>
+          <a:scene3d>
+            <a:camera prst="orthographicFront"/>
+            <a:lightRig rig="sunset" dir="t"/>
+          </a:scene3d>
+        </p:spPr>
+        <p:style>
+          <a:lnRef idx="2">
+            <a:schemeClr val="accent1">
+              <a:shade val="50000"/>
+            </a:schemeClr>
+          </a:lnRef>
+          <a:fillRef idx="1">
+            <a:schemeClr val="accent1"/>
+          </a:fillRef>
+          <a:effectRef idx="0">
+            <a:schemeClr val="accent1"/>
+          </a:effectRef>
+          <a:fontRef idx="minor">
+            <a:schemeClr val="lt1"/>
+          </a:fontRef>
+        </p:style>
+        <p:txBody>
+          <a:bodyPr rtlCol="0" anchor="ctr"/>
+          <a:lstStyle/>
+          <a:p>
+            <a:pPr algn="ctr"/>
+            <a:endParaRPr lang="en-US"/>
           </a:p>
         </p:txBody>
       </p:sp>
@@ -23740,7 +17223,7 @@
 </p:sld>
 </file>
 
-<file path=ppt/slides/slide4.xml><?xml version="1.0" encoding="utf-8"?>
+<file path=ppt/slides/slide3.xml><?xml version="1.0" encoding="utf-8"?>
 <p:sld xmlns:a="http://schemas.openxmlformats.org/drawingml/2006/main" xmlns:r="http://schemas.openxmlformats.org/officeDocument/2006/relationships" xmlns:p="http://schemas.openxmlformats.org/presentationml/2006/main">
   <p:cSld>
     <p:bg>
@@ -30542,7 +24025,7 @@
 </p:sld>
 </file>
 
-<file path=ppt/slides/slide5.xml><?xml version="1.0" encoding="utf-8"?>
+<file path=ppt/slides/slide4.xml><?xml version="1.0" encoding="utf-8"?>
 <p:sld xmlns:a="http://schemas.openxmlformats.org/drawingml/2006/main" xmlns:r="http://schemas.openxmlformats.org/officeDocument/2006/relationships" xmlns:p="http://schemas.openxmlformats.org/presentationml/2006/main">
   <p:cSld>
     <p:bg>
@@ -35821,7 +29304,7 @@
 </p:sld>
 </file>
 
-<file path=ppt/slides/slide6.xml><?xml version="1.0" encoding="utf-8"?>
+<file path=ppt/slides/slide5.xml><?xml version="1.0" encoding="utf-8"?>
 <p:sld xmlns:a="http://schemas.openxmlformats.org/drawingml/2006/main" xmlns:r="http://schemas.openxmlformats.org/officeDocument/2006/relationships" xmlns:p="http://schemas.openxmlformats.org/presentationml/2006/main">
   <p:cSld>
     <p:bg>
@@ -42715,6 +36198,348 @@
 </p:sld>
 </file>
 
+<file path=ppt/slides/slide6.xml><?xml version="1.0" encoding="utf-8"?>
+<p:sld xmlns:a="http://schemas.openxmlformats.org/drawingml/2006/main" xmlns:r="http://schemas.openxmlformats.org/officeDocument/2006/relationships" xmlns:p="http://schemas.openxmlformats.org/presentationml/2006/main">
+  <p:cSld>
+    <p:bg>
+      <p:bgPr>
+        <a:solidFill>
+          <a:schemeClr val="bg1"/>
+        </a:solidFill>
+        <a:effectLst/>
+      </p:bgPr>
+    </p:bg>
+    <p:spTree>
+      <p:nvGrpSpPr>
+        <p:cNvPr id="1" name=""/>
+        <p:cNvGrpSpPr/>
+        <p:nvPr/>
+      </p:nvGrpSpPr>
+      <p:grpSpPr>
+        <a:xfrm>
+          <a:off x="0" y="0"/>
+          <a:ext cx="0" cy="0"/>
+          <a:chOff x="0" y="0"/>
+          <a:chExt cx="0" cy="0"/>
+        </a:xfrm>
+      </p:grpSpPr>
+      <p:sp>
+        <p:nvSpPr>
+          <p:cNvPr id="28" name="Freeform: Shape 27">
+            <a:extLst>
+              <a:ext uri="{FF2B5EF4-FFF2-40B4-BE49-F238E27FC236}">
+                <a16:creationId xmlns:a16="http://schemas.microsoft.com/office/drawing/2014/main" id="{C5604B79-1AA4-FE2D-2E58-FFA99C7505FC}"/>
+              </a:ext>
+            </a:extLst>
+          </p:cNvPr>
+          <p:cNvSpPr/>
+          <p:nvPr/>
+        </p:nvSpPr>
+        <p:spPr>
+          <a:xfrm rot="5400000">
+            <a:off x="2962221" y="3802758"/>
+            <a:ext cx="583793" cy="3153925"/>
+          </a:xfrm>
+          <a:custGeom>
+            <a:avLst/>
+            <a:gdLst>
+              <a:gd name="connsiteX0" fmla="*/ 297741 w 583793"/>
+              <a:gd name="connsiteY0" fmla="*/ 4133088 h 4133088"/>
+              <a:gd name="connsiteX1" fmla="*/ 297741 w 583793"/>
+              <a:gd name="connsiteY1" fmla="*/ 3883152 h 4133088"/>
+              <a:gd name="connsiteX2" fmla="*/ 578157 w 583793"/>
+              <a:gd name="connsiteY2" fmla="*/ 3700272 h 4133088"/>
+              <a:gd name="connsiteX3" fmla="*/ 5133 w 583793"/>
+              <a:gd name="connsiteY3" fmla="*/ 3523488 h 4133088"/>
+              <a:gd name="connsiteX4" fmla="*/ 572061 w 583793"/>
+              <a:gd name="connsiteY4" fmla="*/ 3328416 h 4133088"/>
+              <a:gd name="connsiteX5" fmla="*/ 17325 w 583793"/>
+              <a:gd name="connsiteY5" fmla="*/ 3157728 h 4133088"/>
+              <a:gd name="connsiteX6" fmla="*/ 559869 w 583793"/>
+              <a:gd name="connsiteY6" fmla="*/ 2974848 h 4133088"/>
+              <a:gd name="connsiteX7" fmla="*/ 17325 w 583793"/>
+              <a:gd name="connsiteY7" fmla="*/ 2798064 h 4133088"/>
+              <a:gd name="connsiteX8" fmla="*/ 578157 w 583793"/>
+              <a:gd name="connsiteY8" fmla="*/ 2609088 h 4133088"/>
+              <a:gd name="connsiteX9" fmla="*/ 17325 w 583793"/>
+              <a:gd name="connsiteY9" fmla="*/ 2426208 h 4133088"/>
+              <a:gd name="connsiteX10" fmla="*/ 565965 w 583793"/>
+              <a:gd name="connsiteY10" fmla="*/ 2243328 h 4133088"/>
+              <a:gd name="connsiteX11" fmla="*/ 17325 w 583793"/>
+              <a:gd name="connsiteY11" fmla="*/ 2072640 h 4133088"/>
+              <a:gd name="connsiteX12" fmla="*/ 565965 w 583793"/>
+              <a:gd name="connsiteY12" fmla="*/ 1883664 h 4133088"/>
+              <a:gd name="connsiteX13" fmla="*/ 17325 w 583793"/>
+              <a:gd name="connsiteY13" fmla="*/ 1706880 h 4133088"/>
+              <a:gd name="connsiteX14" fmla="*/ 565965 w 583793"/>
+              <a:gd name="connsiteY14" fmla="*/ 1524000 h 4133088"/>
+              <a:gd name="connsiteX15" fmla="*/ 17325 w 583793"/>
+              <a:gd name="connsiteY15" fmla="*/ 1341120 h 4133088"/>
+              <a:gd name="connsiteX16" fmla="*/ 565965 w 583793"/>
+              <a:gd name="connsiteY16" fmla="*/ 1158240 h 4133088"/>
+              <a:gd name="connsiteX17" fmla="*/ 17325 w 583793"/>
+              <a:gd name="connsiteY17" fmla="*/ 975360 h 4133088"/>
+              <a:gd name="connsiteX18" fmla="*/ 565965 w 583793"/>
+              <a:gd name="connsiteY18" fmla="*/ 798576 h 4133088"/>
+              <a:gd name="connsiteX19" fmla="*/ 17325 w 583793"/>
+              <a:gd name="connsiteY19" fmla="*/ 615696 h 4133088"/>
+              <a:gd name="connsiteX20" fmla="*/ 572061 w 583793"/>
+              <a:gd name="connsiteY20" fmla="*/ 438912 h 4133088"/>
+              <a:gd name="connsiteX21" fmla="*/ 5133 w 583793"/>
+              <a:gd name="connsiteY21" fmla="*/ 256032 h 4133088"/>
+              <a:gd name="connsiteX22" fmla="*/ 291645 w 583793"/>
+              <a:gd name="connsiteY22" fmla="*/ 231648 h 4133088"/>
+              <a:gd name="connsiteX23" fmla="*/ 285549 w 583793"/>
+              <a:gd name="connsiteY23" fmla="*/ 0 h 4133088"/>
+            </a:gdLst>
+            <a:ahLst/>
+            <a:cxnLst>
+              <a:cxn ang="0">
+                <a:pos x="connsiteX0" y="connsiteY0"/>
+              </a:cxn>
+              <a:cxn ang="0">
+                <a:pos x="connsiteX1" y="connsiteY1"/>
+              </a:cxn>
+              <a:cxn ang="0">
+                <a:pos x="connsiteX2" y="connsiteY2"/>
+              </a:cxn>
+              <a:cxn ang="0">
+                <a:pos x="connsiteX3" y="connsiteY3"/>
+              </a:cxn>
+              <a:cxn ang="0">
+                <a:pos x="connsiteX4" y="connsiteY4"/>
+              </a:cxn>
+              <a:cxn ang="0">
+                <a:pos x="connsiteX5" y="connsiteY5"/>
+              </a:cxn>
+              <a:cxn ang="0">
+                <a:pos x="connsiteX6" y="connsiteY6"/>
+              </a:cxn>
+              <a:cxn ang="0">
+                <a:pos x="connsiteX7" y="connsiteY7"/>
+              </a:cxn>
+              <a:cxn ang="0">
+                <a:pos x="connsiteX8" y="connsiteY8"/>
+              </a:cxn>
+              <a:cxn ang="0">
+                <a:pos x="connsiteX9" y="connsiteY9"/>
+              </a:cxn>
+              <a:cxn ang="0">
+                <a:pos x="connsiteX10" y="connsiteY10"/>
+              </a:cxn>
+              <a:cxn ang="0">
+                <a:pos x="connsiteX11" y="connsiteY11"/>
+              </a:cxn>
+              <a:cxn ang="0">
+                <a:pos x="connsiteX12" y="connsiteY12"/>
+              </a:cxn>
+              <a:cxn ang="0">
+                <a:pos x="connsiteX13" y="connsiteY13"/>
+              </a:cxn>
+              <a:cxn ang="0">
+                <a:pos x="connsiteX14" y="connsiteY14"/>
+              </a:cxn>
+              <a:cxn ang="0">
+                <a:pos x="connsiteX15" y="connsiteY15"/>
+              </a:cxn>
+              <a:cxn ang="0">
+                <a:pos x="connsiteX16" y="connsiteY16"/>
+              </a:cxn>
+              <a:cxn ang="0">
+                <a:pos x="connsiteX17" y="connsiteY17"/>
+              </a:cxn>
+              <a:cxn ang="0">
+                <a:pos x="connsiteX18" y="connsiteY18"/>
+              </a:cxn>
+              <a:cxn ang="0">
+                <a:pos x="connsiteX19" y="connsiteY19"/>
+              </a:cxn>
+              <a:cxn ang="0">
+                <a:pos x="connsiteX20" y="connsiteY20"/>
+              </a:cxn>
+              <a:cxn ang="0">
+                <a:pos x="connsiteX21" y="connsiteY21"/>
+              </a:cxn>
+              <a:cxn ang="0">
+                <a:pos x="connsiteX22" y="connsiteY22"/>
+              </a:cxn>
+              <a:cxn ang="0">
+                <a:pos x="connsiteX23" y="connsiteY23"/>
+              </a:cxn>
+            </a:cxnLst>
+            <a:rect l="l" t="t" r="r" b="b"/>
+            <a:pathLst>
+              <a:path w="583793" h="4133088">
+                <a:moveTo>
+                  <a:pt x="297741" y="4133088"/>
+                </a:moveTo>
+                <a:cubicBezTo>
+                  <a:pt x="274373" y="4044188"/>
+                  <a:pt x="251005" y="3955288"/>
+                  <a:pt x="297741" y="3883152"/>
+                </a:cubicBezTo>
+                <a:cubicBezTo>
+                  <a:pt x="344477" y="3811016"/>
+                  <a:pt x="626925" y="3760216"/>
+                  <a:pt x="578157" y="3700272"/>
+                </a:cubicBezTo>
+                <a:cubicBezTo>
+                  <a:pt x="529389" y="3640328"/>
+                  <a:pt x="6149" y="3585464"/>
+                  <a:pt x="5133" y="3523488"/>
+                </a:cubicBezTo>
+                <a:cubicBezTo>
+                  <a:pt x="4117" y="3461512"/>
+                  <a:pt x="570029" y="3389376"/>
+                  <a:pt x="572061" y="3328416"/>
+                </a:cubicBezTo>
+                <a:cubicBezTo>
+                  <a:pt x="574093" y="3267456"/>
+                  <a:pt x="19357" y="3216656"/>
+                  <a:pt x="17325" y="3157728"/>
+                </a:cubicBezTo>
+                <a:cubicBezTo>
+                  <a:pt x="15293" y="3098800"/>
+                  <a:pt x="559869" y="3034792"/>
+                  <a:pt x="559869" y="2974848"/>
+                </a:cubicBezTo>
+                <a:cubicBezTo>
+                  <a:pt x="559869" y="2914904"/>
+                  <a:pt x="14277" y="2859024"/>
+                  <a:pt x="17325" y="2798064"/>
+                </a:cubicBezTo>
+                <a:cubicBezTo>
+                  <a:pt x="20373" y="2737104"/>
+                  <a:pt x="578157" y="2671064"/>
+                  <a:pt x="578157" y="2609088"/>
+                </a:cubicBezTo>
+                <a:cubicBezTo>
+                  <a:pt x="578157" y="2547112"/>
+                  <a:pt x="19357" y="2487168"/>
+                  <a:pt x="17325" y="2426208"/>
+                </a:cubicBezTo>
+                <a:cubicBezTo>
+                  <a:pt x="15293" y="2365248"/>
+                  <a:pt x="565965" y="2302256"/>
+                  <a:pt x="565965" y="2243328"/>
+                </a:cubicBezTo>
+                <a:cubicBezTo>
+                  <a:pt x="565965" y="2184400"/>
+                  <a:pt x="17325" y="2132584"/>
+                  <a:pt x="17325" y="2072640"/>
+                </a:cubicBezTo>
+                <a:cubicBezTo>
+                  <a:pt x="17325" y="2012696"/>
+                  <a:pt x="565965" y="1944624"/>
+                  <a:pt x="565965" y="1883664"/>
+                </a:cubicBezTo>
+                <a:cubicBezTo>
+                  <a:pt x="565965" y="1822704"/>
+                  <a:pt x="17325" y="1766824"/>
+                  <a:pt x="17325" y="1706880"/>
+                </a:cubicBezTo>
+                <a:cubicBezTo>
+                  <a:pt x="17325" y="1646936"/>
+                  <a:pt x="565965" y="1584960"/>
+                  <a:pt x="565965" y="1524000"/>
+                </a:cubicBezTo>
+                <a:cubicBezTo>
+                  <a:pt x="565965" y="1463040"/>
+                  <a:pt x="17325" y="1402080"/>
+                  <a:pt x="17325" y="1341120"/>
+                </a:cubicBezTo>
+                <a:cubicBezTo>
+                  <a:pt x="17325" y="1280160"/>
+                  <a:pt x="565965" y="1219200"/>
+                  <a:pt x="565965" y="1158240"/>
+                </a:cubicBezTo>
+                <a:cubicBezTo>
+                  <a:pt x="565965" y="1097280"/>
+                  <a:pt x="17325" y="1035304"/>
+                  <a:pt x="17325" y="975360"/>
+                </a:cubicBezTo>
+                <a:cubicBezTo>
+                  <a:pt x="17325" y="915416"/>
+                  <a:pt x="565965" y="858520"/>
+                  <a:pt x="565965" y="798576"/>
+                </a:cubicBezTo>
+                <a:cubicBezTo>
+                  <a:pt x="565965" y="738632"/>
+                  <a:pt x="16309" y="675640"/>
+                  <a:pt x="17325" y="615696"/>
+                </a:cubicBezTo>
+                <a:cubicBezTo>
+                  <a:pt x="18341" y="555752"/>
+                  <a:pt x="574093" y="498856"/>
+                  <a:pt x="572061" y="438912"/>
+                </a:cubicBezTo>
+                <a:cubicBezTo>
+                  <a:pt x="570029" y="378968"/>
+                  <a:pt x="51869" y="290576"/>
+                  <a:pt x="5133" y="256032"/>
+                </a:cubicBezTo>
+                <a:cubicBezTo>
+                  <a:pt x="-41603" y="221488"/>
+                  <a:pt x="244909" y="274320"/>
+                  <a:pt x="291645" y="231648"/>
+                </a:cubicBezTo>
+                <a:cubicBezTo>
+                  <a:pt x="338381" y="188976"/>
+                  <a:pt x="311965" y="94488"/>
+                  <a:pt x="285549" y="0"/>
+                </a:cubicBezTo>
+              </a:path>
+            </a:pathLst>
+          </a:custGeom>
+          <a:noFill/>
+          <a:ln w="22225">
+            <a:solidFill>
+              <a:srgbClr val="C00000"/>
+            </a:solidFill>
+          </a:ln>
+          <a:scene3d>
+            <a:camera prst="orthographicFront"/>
+            <a:lightRig rig="sunset" dir="t"/>
+          </a:scene3d>
+        </p:spPr>
+        <p:style>
+          <a:lnRef idx="2">
+            <a:schemeClr val="accent1">
+              <a:shade val="50000"/>
+            </a:schemeClr>
+          </a:lnRef>
+          <a:fillRef idx="1">
+            <a:schemeClr val="accent1"/>
+          </a:fillRef>
+          <a:effectRef idx="0">
+            <a:schemeClr val="accent1"/>
+          </a:effectRef>
+          <a:fontRef idx="minor">
+            <a:schemeClr val="lt1"/>
+          </a:fontRef>
+        </p:style>
+        <p:txBody>
+          <a:bodyPr rtlCol="0" anchor="ctr"/>
+          <a:lstStyle/>
+          <a:p>
+            <a:pPr algn="ctr"/>
+            <a:endParaRPr lang="en-US"/>
+          </a:p>
+        </p:txBody>
+      </p:sp>
+    </p:spTree>
+    <p:extLst>
+      <p:ext uri="{BB962C8B-B14F-4D97-AF65-F5344CB8AC3E}">
+        <p14:creationId xmlns:p14="http://schemas.microsoft.com/office/powerpoint/2010/main" val="4260936754"/>
+      </p:ext>
+    </p:extLst>
+  </p:cSld>
+  <p:clrMapOvr>
+    <a:masterClrMapping/>
+  </p:clrMapOvr>
+</p:sld>
+</file>
+
 <file path=ppt/theme/theme1.xml><?xml version="1.0" encoding="utf-8"?>
 <a:theme xmlns:a="http://schemas.openxmlformats.org/drawingml/2006/main" name="Office Theme">
   <a:themeElements>

--- a/HexagonalAndBeyond.pptx
+++ b/HexagonalAndBeyond.pptx
@@ -10,7 +10,8 @@
     <p:sldId id="258" r:id="rId4"/>
     <p:sldId id="259" r:id="rId5"/>
     <p:sldId id="260" r:id="rId6"/>
-    <p:sldId id="264" r:id="rId7"/>
+    <p:sldId id="265" r:id="rId7"/>
+    <p:sldId id="264" r:id="rId8"/>
   </p:sldIdLst>
   <p:sldSz cx="12192000" cy="6858000"/>
   <p:notesSz cx="6858000" cy="9144000"/>
@@ -285,7 +286,7 @@
           <a:p>
             <a:fld id="{DC0C38C1-EB25-493B-8E40-CB7D44766240}" type="datetimeFigureOut">
               <a:rPr lang="fr-FR" smtClean="0"/>
-              <a:t>31/05/2022</a:t>
+              <a:t>02/06/2022</a:t>
             </a:fld>
             <a:endParaRPr lang="fr-FR"/>
           </a:p>
@@ -493,7 +494,7 @@
           <a:p>
             <a:fld id="{DC0C38C1-EB25-493B-8E40-CB7D44766240}" type="datetimeFigureOut">
               <a:rPr lang="fr-FR" smtClean="0"/>
-              <a:t>31/05/2022</a:t>
+              <a:t>02/06/2022</a:t>
             </a:fld>
             <a:endParaRPr lang="fr-FR"/>
           </a:p>
@@ -711,7 +712,7 @@
           <a:p>
             <a:fld id="{DC0C38C1-EB25-493B-8E40-CB7D44766240}" type="datetimeFigureOut">
               <a:rPr lang="fr-FR" smtClean="0"/>
-              <a:t>31/05/2022</a:t>
+              <a:t>02/06/2022</a:t>
             </a:fld>
             <a:endParaRPr lang="fr-FR"/>
           </a:p>
@@ -919,7 +920,7 @@
           <a:p>
             <a:fld id="{DC0C38C1-EB25-493B-8E40-CB7D44766240}" type="datetimeFigureOut">
               <a:rPr lang="fr-FR" smtClean="0"/>
-              <a:t>31/05/2022</a:t>
+              <a:t>02/06/2022</a:t>
             </a:fld>
             <a:endParaRPr lang="fr-FR"/>
           </a:p>
@@ -1203,7 +1204,7 @@
           <a:p>
             <a:fld id="{DC0C38C1-EB25-493B-8E40-CB7D44766240}" type="datetimeFigureOut">
               <a:rPr lang="fr-FR" smtClean="0"/>
-              <a:t>31/05/2022</a:t>
+              <a:t>02/06/2022</a:t>
             </a:fld>
             <a:endParaRPr lang="fr-FR"/>
           </a:p>
@@ -1479,7 +1480,7 @@
           <a:p>
             <a:fld id="{DC0C38C1-EB25-493B-8E40-CB7D44766240}" type="datetimeFigureOut">
               <a:rPr lang="fr-FR" smtClean="0"/>
-              <a:t>31/05/2022</a:t>
+              <a:t>02/06/2022</a:t>
             </a:fld>
             <a:endParaRPr lang="fr-FR"/>
           </a:p>
@@ -1902,7 +1903,7 @@
           <a:p>
             <a:fld id="{DC0C38C1-EB25-493B-8E40-CB7D44766240}" type="datetimeFigureOut">
               <a:rPr lang="fr-FR" smtClean="0"/>
-              <a:t>31/05/2022</a:t>
+              <a:t>02/06/2022</a:t>
             </a:fld>
             <a:endParaRPr lang="fr-FR"/>
           </a:p>
@@ -2052,7 +2053,7 @@
           <a:p>
             <a:fld id="{DC0C38C1-EB25-493B-8E40-CB7D44766240}" type="datetimeFigureOut">
               <a:rPr lang="fr-FR" smtClean="0"/>
-              <a:t>31/05/2022</a:t>
+              <a:t>02/06/2022</a:t>
             </a:fld>
             <a:endParaRPr lang="fr-FR"/>
           </a:p>
@@ -2173,7 +2174,7 @@
           <a:p>
             <a:fld id="{DC0C38C1-EB25-493B-8E40-CB7D44766240}" type="datetimeFigureOut">
               <a:rPr lang="fr-FR" smtClean="0"/>
-              <a:t>31/05/2022</a:t>
+              <a:t>02/06/2022</a:t>
             </a:fld>
             <a:endParaRPr lang="fr-FR"/>
           </a:p>
@@ -2494,7 +2495,7 @@
           <a:p>
             <a:fld id="{DC0C38C1-EB25-493B-8E40-CB7D44766240}" type="datetimeFigureOut">
               <a:rPr lang="fr-FR" smtClean="0"/>
-              <a:t>31/05/2022</a:t>
+              <a:t>02/06/2022</a:t>
             </a:fld>
             <a:endParaRPr lang="fr-FR"/>
           </a:p>
@@ -2791,7 +2792,7 @@
           <a:p>
             <a:fld id="{DC0C38C1-EB25-493B-8E40-CB7D44766240}" type="datetimeFigureOut">
               <a:rPr lang="fr-FR" smtClean="0"/>
-              <a:t>31/05/2022</a:t>
+              <a:t>02/06/2022</a:t>
             </a:fld>
             <a:endParaRPr lang="fr-FR"/>
           </a:p>
@@ -3037,7 +3038,7 @@
           <a:p>
             <a:fld id="{DC0C38C1-EB25-493B-8E40-CB7D44766240}" type="datetimeFigureOut">
               <a:rPr lang="fr-FR" smtClean="0"/>
-              <a:t>31/05/2022</a:t>
+              <a:t>02/06/2022</a:t>
             </a:fld>
             <a:endParaRPr lang="fr-FR"/>
           </a:p>
@@ -36204,6 +36205,2170 @@
     <p:bg>
       <p:bgPr>
         <a:solidFill>
+          <a:schemeClr val="accent2">
+            <a:lumMod val="20000"/>
+            <a:lumOff val="80000"/>
+          </a:schemeClr>
+        </a:solidFill>
+        <a:effectLst/>
+      </p:bgPr>
+    </p:bg>
+    <p:spTree>
+      <p:nvGrpSpPr>
+        <p:cNvPr id="1" name=""/>
+        <p:cNvGrpSpPr/>
+        <p:nvPr/>
+      </p:nvGrpSpPr>
+      <p:grpSpPr>
+        <a:xfrm>
+          <a:off x="0" y="0"/>
+          <a:ext cx="0" cy="0"/>
+          <a:chOff x="0" y="0"/>
+          <a:chExt cx="0" cy="0"/>
+        </a:xfrm>
+      </p:grpSpPr>
+      <p:sp>
+        <p:nvSpPr>
+          <p:cNvPr id="76" name="TextBox 75">
+            <a:extLst>
+              <a:ext uri="{FF2B5EF4-FFF2-40B4-BE49-F238E27FC236}">
+                <a16:creationId xmlns:a16="http://schemas.microsoft.com/office/drawing/2014/main" id="{6C22163D-87CF-BDE6-599E-F2275CD480AD}"/>
+              </a:ext>
+            </a:extLst>
+          </p:cNvPr>
+          <p:cNvSpPr txBox="1"/>
+          <p:nvPr/>
+        </p:nvSpPr>
+        <p:spPr>
+          <a:xfrm>
+            <a:off x="553665" y="176549"/>
+            <a:ext cx="11130335" cy="461665"/>
+          </a:xfrm>
+          <a:prstGeom prst="rect">
+            <a:avLst/>
+          </a:prstGeom>
+          <a:noFill/>
+        </p:spPr>
+        <p:txBody>
+          <a:bodyPr wrap="square" rtlCol="0" anchor="t">
+            <a:spAutoFit/>
+          </a:bodyPr>
+          <a:lstStyle/>
+          <a:p>
+            <a:pPr algn="r"/>
+            <a:r>
+              <a:rPr lang="en-US" sz="2300" b="1" cap="all" dirty="0">
+                <a:solidFill>
+                  <a:srgbClr val="C00000"/>
+                </a:solidFill>
+                <a:latin typeface="Alte Haas Grotesk" panose="02000503000000020004" pitchFamily="2" charset="0"/>
+              </a:rPr>
+              <a:t>Hexagonal “Micro” services</a:t>
+            </a:r>
+          </a:p>
+        </p:txBody>
+      </p:sp>
+      <p:sp>
+        <p:nvSpPr>
+          <p:cNvPr id="139" name="TextBox 138">
+            <a:extLst>
+              <a:ext uri="{FF2B5EF4-FFF2-40B4-BE49-F238E27FC236}">
+                <a16:creationId xmlns:a16="http://schemas.microsoft.com/office/drawing/2014/main" id="{D87D58F9-2C40-7FD4-B61B-2A6215BFBADB}"/>
+              </a:ext>
+            </a:extLst>
+          </p:cNvPr>
+          <p:cNvSpPr txBox="1"/>
+          <p:nvPr/>
+        </p:nvSpPr>
+        <p:spPr>
+          <a:xfrm>
+            <a:off x="8269919" y="698400"/>
+            <a:ext cx="3364147" cy="369332"/>
+          </a:xfrm>
+          <a:prstGeom prst="rect">
+            <a:avLst/>
+          </a:prstGeom>
+          <a:noFill/>
+        </p:spPr>
+        <p:txBody>
+          <a:bodyPr wrap="square" rtlCol="0">
+            <a:spAutoFit/>
+          </a:bodyPr>
+          <a:lstStyle/>
+          <a:p>
+            <a:pPr algn="r"/>
+            <a:r>
+              <a:rPr lang="en-US" dirty="0"/>
+              <a:t>@tpierrain (use case driven)</a:t>
+            </a:r>
+          </a:p>
+        </p:txBody>
+      </p:sp>
+      <p:cxnSp>
+        <p:nvCxnSpPr>
+          <p:cNvPr id="80" name="Straight Arrow Connector 79">
+            <a:extLst>
+              <a:ext uri="{FF2B5EF4-FFF2-40B4-BE49-F238E27FC236}">
+                <a16:creationId xmlns:a16="http://schemas.microsoft.com/office/drawing/2014/main" id="{CF148EDC-DFD7-DD46-9E09-4881F99D4190}"/>
+              </a:ext>
+            </a:extLst>
+          </p:cNvPr>
+          <p:cNvCxnSpPr>
+            <a:cxnSpLocks/>
+            <a:stCxn id="216" idx="2"/>
+            <a:endCxn id="54" idx="3"/>
+          </p:cNvCxnSpPr>
+          <p:nvPr/>
+        </p:nvCxnSpPr>
+        <p:spPr>
+          <a:xfrm>
+            <a:off x="7481098" y="4095553"/>
+            <a:ext cx="1504138" cy="519474"/>
+          </a:xfrm>
+          <a:prstGeom prst="straightConnector1">
+            <a:avLst/>
+          </a:prstGeom>
+          <a:ln w="19050">
+            <a:solidFill>
+              <a:schemeClr val="tx1"/>
+            </a:solidFill>
+            <a:prstDash val="solid"/>
+            <a:tailEnd type="triangle"/>
+          </a:ln>
+        </p:spPr>
+        <p:style>
+          <a:lnRef idx="1">
+            <a:schemeClr val="accent1"/>
+          </a:lnRef>
+          <a:fillRef idx="0">
+            <a:schemeClr val="accent1"/>
+          </a:fillRef>
+          <a:effectRef idx="0">
+            <a:schemeClr val="accent1"/>
+          </a:effectRef>
+          <a:fontRef idx="minor">
+            <a:schemeClr val="tx1"/>
+          </a:fontRef>
+        </p:style>
+      </p:cxnSp>
+      <p:sp>
+        <p:nvSpPr>
+          <p:cNvPr id="54" name="Hexagon 53">
+            <a:extLst>
+              <a:ext uri="{FF2B5EF4-FFF2-40B4-BE49-F238E27FC236}">
+                <a16:creationId xmlns:a16="http://schemas.microsoft.com/office/drawing/2014/main" id="{9DD52ED7-5148-67C5-D885-4E2830223613}"/>
+              </a:ext>
+            </a:extLst>
+          </p:cNvPr>
+          <p:cNvSpPr/>
+          <p:nvPr/>
+        </p:nvSpPr>
+        <p:spPr>
+          <a:xfrm>
+            <a:off x="8985236" y="3672163"/>
+            <a:ext cx="2738578" cy="1885727"/>
+          </a:xfrm>
+          <a:prstGeom prst="hexagon">
+            <a:avLst/>
+          </a:prstGeom>
+          <a:solidFill>
+            <a:srgbClr val="C5E0B4"/>
+          </a:solidFill>
+          <a:ln w="47625">
+            <a:solidFill>
+              <a:schemeClr val="accent6">
+                <a:lumMod val="50000"/>
+              </a:schemeClr>
+            </a:solidFill>
+          </a:ln>
+        </p:spPr>
+        <p:style>
+          <a:lnRef idx="2">
+            <a:schemeClr val="accent1">
+              <a:shade val="50000"/>
+            </a:schemeClr>
+          </a:lnRef>
+          <a:fillRef idx="1">
+            <a:schemeClr val="accent1"/>
+          </a:fillRef>
+          <a:effectRef idx="0">
+            <a:schemeClr val="accent1"/>
+          </a:effectRef>
+          <a:fontRef idx="minor">
+            <a:schemeClr val="lt1"/>
+          </a:fontRef>
+        </p:style>
+        <p:txBody>
+          <a:bodyPr rtlCol="0" anchor="ctr"/>
+          <a:lstStyle/>
+          <a:p>
+            <a:pPr algn="ctr"/>
+            <a:r>
+              <a:rPr lang="en-GB" sz="1800" b="1" cap="all" dirty="0">
+                <a:solidFill>
+                  <a:schemeClr val="tx1"/>
+                </a:solidFill>
+                <a:latin typeface="Alte Haas Grotesk" panose="02000503000000020004" pitchFamily="2" charset="0"/>
+              </a:rPr>
+              <a:t>Auditorium </a:t>
+            </a:r>
+            <a:r>
+              <a:rPr lang="en-GB" sz="1800" b="1" cap="all" dirty="0" err="1">
+                <a:solidFill>
+                  <a:schemeClr val="tx1"/>
+                </a:solidFill>
+                <a:latin typeface="Alte Haas Grotesk" panose="02000503000000020004" pitchFamily="2" charset="0"/>
+              </a:rPr>
+              <a:t>seatings</a:t>
+            </a:r>
+            <a:r>
+              <a:rPr lang="en-GB" sz="1800" b="1" cap="all" dirty="0">
+                <a:solidFill>
+                  <a:schemeClr val="tx1"/>
+                </a:solidFill>
+                <a:latin typeface="Alte Haas Grotesk" panose="02000503000000020004" pitchFamily="2" charset="0"/>
+              </a:rPr>
+              <a:t> API</a:t>
+            </a:r>
+            <a:endParaRPr lang="fr-FR" dirty="0">
+              <a:solidFill>
+                <a:schemeClr val="tx1"/>
+              </a:solidFill>
+            </a:endParaRPr>
+          </a:p>
+        </p:txBody>
+      </p:sp>
+      <p:grpSp>
+        <p:nvGrpSpPr>
+          <p:cNvPr id="9" name="Group 8">
+            <a:extLst>
+              <a:ext uri="{FF2B5EF4-FFF2-40B4-BE49-F238E27FC236}">
+                <a16:creationId xmlns:a16="http://schemas.microsoft.com/office/drawing/2014/main" id="{12C75229-5FE5-9C3C-75B6-2803B1934537}"/>
+              </a:ext>
+            </a:extLst>
+          </p:cNvPr>
+          <p:cNvGrpSpPr/>
+          <p:nvPr/>
+        </p:nvGrpSpPr>
+        <p:grpSpPr>
+          <a:xfrm>
+            <a:off x="1185295" y="1169988"/>
+            <a:ext cx="7317239" cy="4795034"/>
+            <a:chOff x="-228725" y="651514"/>
+            <a:chExt cx="7317239" cy="4795034"/>
+          </a:xfrm>
+        </p:grpSpPr>
+        <p:sp>
+          <p:nvSpPr>
+            <p:cNvPr id="35" name="Hexagon 34">
+              <a:extLst>
+                <a:ext uri="{FF2B5EF4-FFF2-40B4-BE49-F238E27FC236}">
+                  <a16:creationId xmlns:a16="http://schemas.microsoft.com/office/drawing/2014/main" id="{33B14C1D-1A7E-737A-1CCD-C4EC7DED6FA1}"/>
+                </a:ext>
+              </a:extLst>
+            </p:cNvPr>
+            <p:cNvSpPr/>
+            <p:nvPr/>
+          </p:nvSpPr>
+          <p:spPr>
+            <a:xfrm>
+              <a:off x="1130412" y="1372282"/>
+              <a:ext cx="5174160" cy="3562815"/>
+            </a:xfrm>
+            <a:prstGeom prst="hexagon">
+              <a:avLst/>
+            </a:prstGeom>
+            <a:solidFill>
+              <a:srgbClr val="DFC9EF"/>
+            </a:solidFill>
+            <a:ln w="47625">
+              <a:solidFill>
+                <a:srgbClr val="7030A0"/>
+              </a:solidFill>
+            </a:ln>
+          </p:spPr>
+          <p:style>
+            <a:lnRef idx="2">
+              <a:schemeClr val="accent1">
+                <a:shade val="50000"/>
+              </a:schemeClr>
+            </a:lnRef>
+            <a:fillRef idx="1">
+              <a:schemeClr val="accent1"/>
+            </a:fillRef>
+            <a:effectRef idx="0">
+              <a:schemeClr val="accent1"/>
+            </a:effectRef>
+            <a:fontRef idx="minor">
+              <a:schemeClr val="lt1"/>
+            </a:fontRef>
+          </p:style>
+          <p:txBody>
+            <a:bodyPr rtlCol="0" anchor="ctr"/>
+            <a:lstStyle/>
+            <a:p>
+              <a:pPr algn="ctr"/>
+              <a:endParaRPr lang="fr-FR"/>
+            </a:p>
+          </p:txBody>
+        </p:sp>
+        <p:sp>
+          <p:nvSpPr>
+            <p:cNvPr id="34" name="Hexagon 33">
+              <a:extLst>
+                <a:ext uri="{FF2B5EF4-FFF2-40B4-BE49-F238E27FC236}">
+                  <a16:creationId xmlns:a16="http://schemas.microsoft.com/office/drawing/2014/main" id="{6A6D51E6-CF65-EF02-1DBB-4E90126E0B31}"/>
+                </a:ext>
+              </a:extLst>
+            </p:cNvPr>
+            <p:cNvSpPr/>
+            <p:nvPr/>
+          </p:nvSpPr>
+          <p:spPr>
+            <a:xfrm>
+              <a:off x="2206827" y="2106919"/>
+              <a:ext cx="3040380" cy="2093540"/>
+            </a:xfrm>
+            <a:prstGeom prst="hexagon">
+              <a:avLst/>
+            </a:prstGeom>
+            <a:solidFill>
+              <a:srgbClr val="BA8CDC"/>
+            </a:solidFill>
+            <a:ln w="28575">
+              <a:solidFill>
+                <a:srgbClr val="7030A0"/>
+              </a:solidFill>
+            </a:ln>
+          </p:spPr>
+          <p:style>
+            <a:lnRef idx="2">
+              <a:schemeClr val="accent1">
+                <a:shade val="50000"/>
+              </a:schemeClr>
+            </a:lnRef>
+            <a:fillRef idx="1">
+              <a:schemeClr val="accent1"/>
+            </a:fillRef>
+            <a:effectRef idx="0">
+              <a:schemeClr val="accent1"/>
+            </a:effectRef>
+            <a:fontRef idx="minor">
+              <a:schemeClr val="lt1"/>
+            </a:fontRef>
+          </p:style>
+          <p:txBody>
+            <a:bodyPr rtlCol="0" anchor="ctr"/>
+            <a:lstStyle/>
+            <a:p>
+              <a:pPr algn="ctr"/>
+              <a:endParaRPr lang="fr-FR"/>
+            </a:p>
+          </p:txBody>
+        </p:sp>
+        <p:grpSp>
+          <p:nvGrpSpPr>
+            <p:cNvPr id="40" name="Group 39">
+              <a:extLst>
+                <a:ext uri="{FF2B5EF4-FFF2-40B4-BE49-F238E27FC236}">
+                  <a16:creationId xmlns:a16="http://schemas.microsoft.com/office/drawing/2014/main" id="{940C4411-4AE3-4C39-3A25-7CA0DDA67A79}"/>
+                </a:ext>
+              </a:extLst>
+            </p:cNvPr>
+            <p:cNvGrpSpPr/>
+            <p:nvPr/>
+          </p:nvGrpSpPr>
+          <p:grpSpPr>
+            <a:xfrm>
+              <a:off x="2457876" y="2594187"/>
+              <a:ext cx="171374" cy="381578"/>
+              <a:chOff x="7689730" y="3195744"/>
+              <a:chExt cx="171374" cy="381578"/>
+            </a:xfrm>
+          </p:grpSpPr>
+          <p:cxnSp>
+            <p:nvCxnSpPr>
+              <p:cNvPr id="36" name="Straight Connector 35">
+                <a:extLst>
+                  <a:ext uri="{FF2B5EF4-FFF2-40B4-BE49-F238E27FC236}">
+                    <a16:creationId xmlns:a16="http://schemas.microsoft.com/office/drawing/2014/main" id="{5C6BA29F-F336-8477-0F22-3890AFCE60EA}"/>
+                  </a:ext>
+                </a:extLst>
+              </p:cNvPr>
+              <p:cNvCxnSpPr>
+                <a:cxnSpLocks/>
+              </p:cNvCxnSpPr>
+              <p:nvPr/>
+            </p:nvCxnSpPr>
+            <p:spPr>
+              <a:xfrm>
+                <a:off x="7775417" y="3367118"/>
+                <a:ext cx="0" cy="210204"/>
+              </a:xfrm>
+              <a:prstGeom prst="line">
+                <a:avLst/>
+              </a:prstGeom>
+              <a:ln w="38100">
+                <a:solidFill>
+                  <a:schemeClr val="tx1"/>
+                </a:solidFill>
+              </a:ln>
+            </p:spPr>
+            <p:style>
+              <a:lnRef idx="1">
+                <a:schemeClr val="accent1"/>
+              </a:lnRef>
+              <a:fillRef idx="0">
+                <a:schemeClr val="accent1"/>
+              </a:fillRef>
+              <a:effectRef idx="0">
+                <a:schemeClr val="accent1"/>
+              </a:effectRef>
+              <a:fontRef idx="minor">
+                <a:schemeClr val="tx1"/>
+              </a:fontRef>
+            </p:style>
+          </p:cxnSp>
+          <p:sp>
+            <p:nvSpPr>
+              <p:cNvPr id="39" name="Oval 38">
+                <a:extLst>
+                  <a:ext uri="{FF2B5EF4-FFF2-40B4-BE49-F238E27FC236}">
+                    <a16:creationId xmlns:a16="http://schemas.microsoft.com/office/drawing/2014/main" id="{EF1A047A-9909-5D12-7282-628EA8ED1B30}"/>
+                  </a:ext>
+                </a:extLst>
+              </p:cNvPr>
+              <p:cNvSpPr/>
+              <p:nvPr/>
+            </p:nvSpPr>
+            <p:spPr>
+              <a:xfrm>
+                <a:off x="7689730" y="3195744"/>
+                <a:ext cx="171374" cy="171374"/>
+              </a:xfrm>
+              <a:prstGeom prst="ellipse">
+                <a:avLst/>
+              </a:prstGeom>
+              <a:solidFill>
+                <a:schemeClr val="bg1"/>
+              </a:solidFill>
+              <a:ln w="19050">
+                <a:solidFill>
+                  <a:schemeClr val="tx1"/>
+                </a:solidFill>
+              </a:ln>
+            </p:spPr>
+            <p:style>
+              <a:lnRef idx="2">
+                <a:schemeClr val="accent1">
+                  <a:shade val="50000"/>
+                </a:schemeClr>
+              </a:lnRef>
+              <a:fillRef idx="1">
+                <a:schemeClr val="accent1"/>
+              </a:fillRef>
+              <a:effectRef idx="0">
+                <a:schemeClr val="accent1"/>
+              </a:effectRef>
+              <a:fontRef idx="minor">
+                <a:schemeClr val="lt1"/>
+              </a:fontRef>
+            </p:style>
+            <p:txBody>
+              <a:bodyPr rtlCol="0" anchor="ctr"/>
+              <a:lstStyle/>
+              <a:p>
+                <a:pPr algn="ctr"/>
+                <a:endParaRPr lang="en-GB"/>
+              </a:p>
+            </p:txBody>
+          </p:sp>
+        </p:grpSp>
+        <p:sp>
+          <p:nvSpPr>
+            <p:cNvPr id="43" name="Rectangle: Rounded Corners 42">
+              <a:extLst>
+                <a:ext uri="{FF2B5EF4-FFF2-40B4-BE49-F238E27FC236}">
+                  <a16:creationId xmlns:a16="http://schemas.microsoft.com/office/drawing/2014/main" id="{CE914DA8-CDC3-DE3A-3738-128639367FC4}"/>
+                </a:ext>
+              </a:extLst>
+            </p:cNvPr>
+            <p:cNvSpPr/>
+            <p:nvPr/>
+          </p:nvSpPr>
+          <p:spPr>
+            <a:xfrm>
+              <a:off x="4005403" y="2890186"/>
+              <a:ext cx="425816" cy="351565"/>
+            </a:xfrm>
+            <a:prstGeom prst="roundRect">
+              <a:avLst/>
+            </a:prstGeom>
+            <a:solidFill>
+              <a:srgbClr val="9A57CD"/>
+            </a:solidFill>
+            <a:ln>
+              <a:solidFill>
+                <a:schemeClr val="tx1"/>
+              </a:solidFill>
+            </a:ln>
+          </p:spPr>
+          <p:style>
+            <a:lnRef idx="2">
+              <a:schemeClr val="accent1">
+                <a:shade val="50000"/>
+              </a:schemeClr>
+            </a:lnRef>
+            <a:fillRef idx="1">
+              <a:schemeClr val="accent1"/>
+            </a:fillRef>
+            <a:effectRef idx="0">
+              <a:schemeClr val="accent1"/>
+            </a:effectRef>
+            <a:fontRef idx="minor">
+              <a:schemeClr val="lt1"/>
+            </a:fontRef>
+          </p:style>
+          <p:txBody>
+            <a:bodyPr rtlCol="0" anchor="ctr"/>
+            <a:lstStyle/>
+            <a:p>
+              <a:pPr algn="ctr"/>
+              <a:endParaRPr lang="en-GB"/>
+            </a:p>
+          </p:txBody>
+        </p:sp>
+        <p:cxnSp>
+          <p:nvCxnSpPr>
+            <p:cNvPr id="44" name="Connector: Elbow 43">
+              <a:extLst>
+                <a:ext uri="{FF2B5EF4-FFF2-40B4-BE49-F238E27FC236}">
+                  <a16:creationId xmlns:a16="http://schemas.microsoft.com/office/drawing/2014/main" id="{80B21C75-7B16-2C9B-F4C3-5F3C6DFDC475}"/>
+                </a:ext>
+              </a:extLst>
+            </p:cNvPr>
+            <p:cNvCxnSpPr>
+              <a:cxnSpLocks/>
+              <a:stCxn id="48" idx="3"/>
+              <a:endCxn id="46" idx="1"/>
+            </p:cNvCxnSpPr>
+            <p:nvPr/>
+          </p:nvCxnSpPr>
+          <p:spPr>
+            <a:xfrm flipV="1">
+              <a:off x="2761180" y="2504092"/>
+              <a:ext cx="604954" cy="612168"/>
+            </a:xfrm>
+            <a:prstGeom prst="bentConnector3">
+              <a:avLst/>
+            </a:prstGeom>
+            <a:ln w="9525">
+              <a:solidFill>
+                <a:schemeClr val="tx1"/>
+              </a:solidFill>
+              <a:tailEnd type="none"/>
+            </a:ln>
+          </p:spPr>
+          <p:style>
+            <a:lnRef idx="1">
+              <a:schemeClr val="accent1"/>
+            </a:lnRef>
+            <a:fillRef idx="0">
+              <a:schemeClr val="accent1"/>
+            </a:fillRef>
+            <a:effectRef idx="0">
+              <a:schemeClr val="accent1"/>
+            </a:effectRef>
+            <a:fontRef idx="minor">
+              <a:schemeClr val="tx1"/>
+            </a:fontRef>
+          </p:style>
+        </p:cxnSp>
+        <p:cxnSp>
+          <p:nvCxnSpPr>
+            <p:cNvPr id="45" name="Connector: Elbow 44">
+              <a:extLst>
+                <a:ext uri="{FF2B5EF4-FFF2-40B4-BE49-F238E27FC236}">
+                  <a16:creationId xmlns:a16="http://schemas.microsoft.com/office/drawing/2014/main" id="{8F16B881-7F02-9320-ABC2-0B490E03D5CA}"/>
+                </a:ext>
+              </a:extLst>
+            </p:cNvPr>
+            <p:cNvCxnSpPr>
+              <a:cxnSpLocks/>
+              <a:stCxn id="46" idx="3"/>
+              <a:endCxn id="43" idx="0"/>
+            </p:cNvCxnSpPr>
+            <p:nvPr/>
+          </p:nvCxnSpPr>
+          <p:spPr>
+            <a:xfrm>
+              <a:off x="3791951" y="2504092"/>
+              <a:ext cx="426360" cy="386094"/>
+            </a:xfrm>
+            <a:prstGeom prst="bentConnector2">
+              <a:avLst/>
+            </a:prstGeom>
+            <a:ln w="9525">
+              <a:solidFill>
+                <a:schemeClr val="tx1"/>
+              </a:solidFill>
+              <a:tailEnd type="none"/>
+            </a:ln>
+          </p:spPr>
+          <p:style>
+            <a:lnRef idx="1">
+              <a:schemeClr val="accent1"/>
+            </a:lnRef>
+            <a:fillRef idx="0">
+              <a:schemeClr val="accent1"/>
+            </a:fillRef>
+            <a:effectRef idx="0">
+              <a:schemeClr val="accent1"/>
+            </a:effectRef>
+            <a:fontRef idx="minor">
+              <a:schemeClr val="tx1"/>
+            </a:fontRef>
+          </p:style>
+        </p:cxnSp>
+        <p:sp>
+          <p:nvSpPr>
+            <p:cNvPr id="46" name="Rectangle: Rounded Corners 45">
+              <a:extLst>
+                <a:ext uri="{FF2B5EF4-FFF2-40B4-BE49-F238E27FC236}">
+                  <a16:creationId xmlns:a16="http://schemas.microsoft.com/office/drawing/2014/main" id="{3BEC7E3D-294F-32B3-0467-8A3ABCBC742D}"/>
+                </a:ext>
+              </a:extLst>
+            </p:cNvPr>
+            <p:cNvSpPr/>
+            <p:nvPr/>
+          </p:nvSpPr>
+          <p:spPr>
+            <a:xfrm>
+              <a:off x="3366134" y="2328309"/>
+              <a:ext cx="425817" cy="351565"/>
+            </a:xfrm>
+            <a:prstGeom prst="roundRect">
+              <a:avLst/>
+            </a:prstGeom>
+            <a:solidFill>
+              <a:srgbClr val="9A57CD"/>
+            </a:solidFill>
+            <a:ln>
+              <a:solidFill>
+                <a:schemeClr val="tx1"/>
+              </a:solidFill>
+            </a:ln>
+          </p:spPr>
+          <p:style>
+            <a:lnRef idx="2">
+              <a:schemeClr val="accent1">
+                <a:shade val="50000"/>
+              </a:schemeClr>
+            </a:lnRef>
+            <a:fillRef idx="1">
+              <a:schemeClr val="accent1"/>
+            </a:fillRef>
+            <a:effectRef idx="0">
+              <a:schemeClr val="accent1"/>
+            </a:effectRef>
+            <a:fontRef idx="minor">
+              <a:schemeClr val="lt1"/>
+            </a:fontRef>
+          </p:style>
+          <p:txBody>
+            <a:bodyPr rtlCol="0" anchor="ctr"/>
+            <a:lstStyle/>
+            <a:p>
+              <a:pPr algn="ctr"/>
+              <a:endParaRPr lang="en-GB"/>
+            </a:p>
+          </p:txBody>
+        </p:sp>
+        <p:sp>
+          <p:nvSpPr>
+            <p:cNvPr id="47" name="Diamond 46">
+              <a:extLst>
+                <a:ext uri="{FF2B5EF4-FFF2-40B4-BE49-F238E27FC236}">
+                  <a16:creationId xmlns:a16="http://schemas.microsoft.com/office/drawing/2014/main" id="{CF1E7E84-BE84-EF72-028C-7C6BE33BBDC3}"/>
+                </a:ext>
+              </a:extLst>
+            </p:cNvPr>
+            <p:cNvSpPr/>
+            <p:nvPr/>
+          </p:nvSpPr>
+          <p:spPr>
+            <a:xfrm>
+              <a:off x="3799194" y="2414175"/>
+              <a:ext cx="167131" cy="167131"/>
+            </a:xfrm>
+            <a:prstGeom prst="diamond">
+              <a:avLst/>
+            </a:prstGeom>
+            <a:solidFill>
+              <a:schemeClr val="tx1"/>
+            </a:solidFill>
+            <a:ln>
+              <a:solidFill>
+                <a:schemeClr val="tx1"/>
+              </a:solidFill>
+            </a:ln>
+          </p:spPr>
+          <p:style>
+            <a:lnRef idx="2">
+              <a:schemeClr val="accent1">
+                <a:shade val="50000"/>
+              </a:schemeClr>
+            </a:lnRef>
+            <a:fillRef idx="1">
+              <a:schemeClr val="accent1"/>
+            </a:fillRef>
+            <a:effectRef idx="0">
+              <a:schemeClr val="accent1"/>
+            </a:effectRef>
+            <a:fontRef idx="minor">
+              <a:schemeClr val="lt1"/>
+            </a:fontRef>
+          </p:style>
+          <p:txBody>
+            <a:bodyPr rtlCol="0" anchor="ctr"/>
+            <a:lstStyle/>
+            <a:p>
+              <a:pPr algn="ctr"/>
+              <a:endParaRPr lang="en-GB"/>
+            </a:p>
+          </p:txBody>
+        </p:sp>
+        <p:sp>
+          <p:nvSpPr>
+            <p:cNvPr id="48" name="Rectangle: Rounded Corners 47">
+              <a:extLst>
+                <a:ext uri="{FF2B5EF4-FFF2-40B4-BE49-F238E27FC236}">
+                  <a16:creationId xmlns:a16="http://schemas.microsoft.com/office/drawing/2014/main" id="{A41AD289-0792-2EA4-E800-3122F9EFFC59}"/>
+                </a:ext>
+              </a:extLst>
+            </p:cNvPr>
+            <p:cNvSpPr/>
+            <p:nvPr/>
+          </p:nvSpPr>
+          <p:spPr>
+            <a:xfrm>
+              <a:off x="2335362" y="2940477"/>
+              <a:ext cx="425818" cy="351565"/>
+            </a:xfrm>
+            <a:prstGeom prst="roundRect">
+              <a:avLst/>
+            </a:prstGeom>
+            <a:solidFill>
+              <a:srgbClr val="9A57CD"/>
+            </a:solidFill>
+            <a:ln>
+              <a:solidFill>
+                <a:schemeClr val="tx1"/>
+              </a:solidFill>
+            </a:ln>
+          </p:spPr>
+          <p:style>
+            <a:lnRef idx="2">
+              <a:schemeClr val="accent1">
+                <a:shade val="50000"/>
+              </a:schemeClr>
+            </a:lnRef>
+            <a:fillRef idx="1">
+              <a:schemeClr val="accent1"/>
+            </a:fillRef>
+            <a:effectRef idx="0">
+              <a:schemeClr val="accent1"/>
+            </a:effectRef>
+            <a:fontRef idx="minor">
+              <a:schemeClr val="lt1"/>
+            </a:fontRef>
+          </p:style>
+          <p:txBody>
+            <a:bodyPr rtlCol="0" anchor="ctr"/>
+            <a:lstStyle/>
+            <a:p>
+              <a:pPr algn="ctr"/>
+              <a:endParaRPr lang="en-GB"/>
+            </a:p>
+          </p:txBody>
+        </p:sp>
+        <p:sp>
+          <p:nvSpPr>
+            <p:cNvPr id="49" name="Diamond 48">
+              <a:extLst>
+                <a:ext uri="{FF2B5EF4-FFF2-40B4-BE49-F238E27FC236}">
+                  <a16:creationId xmlns:a16="http://schemas.microsoft.com/office/drawing/2014/main" id="{BC214A87-C3D5-FF0B-97DE-4DA23A95B490}"/>
+                </a:ext>
+              </a:extLst>
+            </p:cNvPr>
+            <p:cNvSpPr/>
+            <p:nvPr/>
+          </p:nvSpPr>
+          <p:spPr>
+            <a:xfrm>
+              <a:off x="2764551" y="3028958"/>
+              <a:ext cx="167130" cy="167132"/>
+            </a:xfrm>
+            <a:prstGeom prst="diamond">
+              <a:avLst/>
+            </a:prstGeom>
+            <a:solidFill>
+              <a:schemeClr val="tx1"/>
+            </a:solidFill>
+            <a:ln>
+              <a:solidFill>
+                <a:schemeClr val="tx1"/>
+              </a:solidFill>
+            </a:ln>
+          </p:spPr>
+          <p:style>
+            <a:lnRef idx="2">
+              <a:schemeClr val="accent1">
+                <a:shade val="50000"/>
+              </a:schemeClr>
+            </a:lnRef>
+            <a:fillRef idx="1">
+              <a:schemeClr val="accent1"/>
+            </a:fillRef>
+            <a:effectRef idx="0">
+              <a:schemeClr val="accent1"/>
+            </a:effectRef>
+            <a:fontRef idx="minor">
+              <a:schemeClr val="lt1"/>
+            </a:fontRef>
+          </p:style>
+          <p:txBody>
+            <a:bodyPr rtlCol="0" anchor="ctr"/>
+            <a:lstStyle/>
+            <a:p>
+              <a:pPr algn="ctr"/>
+              <a:endParaRPr lang="en-GB"/>
+            </a:p>
+          </p:txBody>
+        </p:sp>
+        <p:sp>
+          <p:nvSpPr>
+            <p:cNvPr id="50" name="Right Brace 49">
+              <a:extLst>
+                <a:ext uri="{FF2B5EF4-FFF2-40B4-BE49-F238E27FC236}">
+                  <a16:creationId xmlns:a16="http://schemas.microsoft.com/office/drawing/2014/main" id="{6933D540-CF40-3B71-81DD-0728A7B7E745}"/>
+                </a:ext>
+              </a:extLst>
+            </p:cNvPr>
+            <p:cNvSpPr/>
+            <p:nvPr/>
+          </p:nvSpPr>
+          <p:spPr>
+            <a:xfrm rot="12414236">
+              <a:off x="5134217" y="3214846"/>
+              <a:ext cx="883655" cy="428062"/>
+            </a:xfrm>
+            <a:prstGeom prst="rightBrace">
+              <a:avLst>
+                <a:gd name="adj1" fmla="val 9622"/>
+                <a:gd name="adj2" fmla="val 54011"/>
+              </a:avLst>
+            </a:prstGeom>
+            <a:ln w="34925">
+              <a:solidFill>
+                <a:schemeClr val="tx1"/>
+              </a:solidFill>
+            </a:ln>
+          </p:spPr>
+          <p:style>
+            <a:lnRef idx="1">
+              <a:schemeClr val="accent1"/>
+            </a:lnRef>
+            <a:fillRef idx="0">
+              <a:schemeClr val="accent1"/>
+            </a:fillRef>
+            <a:effectRef idx="0">
+              <a:schemeClr val="accent1"/>
+            </a:effectRef>
+            <a:fontRef idx="minor">
+              <a:schemeClr val="tx1"/>
+            </a:fontRef>
+          </p:style>
+          <p:txBody>
+            <a:bodyPr rtlCol="0" anchor="ctr"/>
+            <a:lstStyle/>
+            <a:p>
+              <a:pPr algn="ctr"/>
+              <a:endParaRPr lang="en-GB"/>
+            </a:p>
+          </p:txBody>
+        </p:sp>
+        <p:cxnSp>
+          <p:nvCxnSpPr>
+            <p:cNvPr id="51" name="Straight Arrow Connector 50">
+              <a:extLst>
+                <a:ext uri="{FF2B5EF4-FFF2-40B4-BE49-F238E27FC236}">
+                  <a16:creationId xmlns:a16="http://schemas.microsoft.com/office/drawing/2014/main" id="{272ECD37-CF7C-FD44-E585-9389787F552F}"/>
+                </a:ext>
+              </a:extLst>
+            </p:cNvPr>
+            <p:cNvCxnSpPr>
+              <a:cxnSpLocks/>
+              <a:stCxn id="43" idx="3"/>
+              <a:endCxn id="52" idx="1"/>
+            </p:cNvCxnSpPr>
+            <p:nvPr/>
+          </p:nvCxnSpPr>
+          <p:spPr>
+            <a:xfrm>
+              <a:off x="4431219" y="3065969"/>
+              <a:ext cx="634759" cy="60184"/>
+            </a:xfrm>
+            <a:prstGeom prst="straightConnector1">
+              <a:avLst/>
+            </a:prstGeom>
+            <a:ln w="9525">
+              <a:solidFill>
+                <a:schemeClr val="tx1"/>
+              </a:solidFill>
+              <a:prstDash val="dash"/>
+              <a:tailEnd type="triangle"/>
+            </a:ln>
+          </p:spPr>
+          <p:style>
+            <a:lnRef idx="1">
+              <a:schemeClr val="accent1"/>
+            </a:lnRef>
+            <a:fillRef idx="0">
+              <a:schemeClr val="accent1"/>
+            </a:fillRef>
+            <a:effectRef idx="0">
+              <a:schemeClr val="accent1"/>
+            </a:effectRef>
+            <a:fontRef idx="minor">
+              <a:schemeClr val="tx1"/>
+            </a:fontRef>
+          </p:style>
+        </p:cxnSp>
+        <p:sp>
+          <p:nvSpPr>
+            <p:cNvPr id="52" name="Oval 51">
+              <a:extLst>
+                <a:ext uri="{FF2B5EF4-FFF2-40B4-BE49-F238E27FC236}">
+                  <a16:creationId xmlns:a16="http://schemas.microsoft.com/office/drawing/2014/main" id="{213DB660-4E3D-3960-4A63-D7FBF409CF29}"/>
+                </a:ext>
+              </a:extLst>
+            </p:cNvPr>
+            <p:cNvSpPr/>
+            <p:nvPr/>
+          </p:nvSpPr>
+          <p:spPr>
+            <a:xfrm>
+              <a:off x="5040881" y="3101056"/>
+              <a:ext cx="171374" cy="171374"/>
+            </a:xfrm>
+            <a:prstGeom prst="ellipse">
+              <a:avLst/>
+            </a:prstGeom>
+            <a:solidFill>
+              <a:schemeClr val="bg1"/>
+            </a:solidFill>
+            <a:ln w="19050">
+              <a:solidFill>
+                <a:schemeClr val="tx1"/>
+              </a:solidFill>
+            </a:ln>
+          </p:spPr>
+          <p:style>
+            <a:lnRef idx="2">
+              <a:schemeClr val="accent1">
+                <a:shade val="50000"/>
+              </a:schemeClr>
+            </a:lnRef>
+            <a:fillRef idx="1">
+              <a:schemeClr val="accent1"/>
+            </a:fillRef>
+            <a:effectRef idx="0">
+              <a:schemeClr val="accent1"/>
+            </a:effectRef>
+            <a:fontRef idx="minor">
+              <a:schemeClr val="lt1"/>
+            </a:fontRef>
+          </p:style>
+          <p:txBody>
+            <a:bodyPr rtlCol="0" anchor="ctr"/>
+            <a:lstStyle/>
+            <a:p>
+              <a:pPr algn="ctr"/>
+              <a:endParaRPr lang="en-GB"/>
+            </a:p>
+          </p:txBody>
+        </p:sp>
+        <p:sp>
+          <p:nvSpPr>
+            <p:cNvPr id="63" name="Rectangle: Rounded Corners 62">
+              <a:extLst>
+                <a:ext uri="{FF2B5EF4-FFF2-40B4-BE49-F238E27FC236}">
+                  <a16:creationId xmlns:a16="http://schemas.microsoft.com/office/drawing/2014/main" id="{7AC230C3-B6DC-459A-6E3F-2394AB209B41}"/>
+                </a:ext>
+              </a:extLst>
+            </p:cNvPr>
+            <p:cNvSpPr/>
+            <p:nvPr/>
+          </p:nvSpPr>
+          <p:spPr>
+            <a:xfrm>
+              <a:off x="2899680" y="3543024"/>
+              <a:ext cx="425816" cy="351565"/>
+            </a:xfrm>
+            <a:prstGeom prst="roundRect">
+              <a:avLst/>
+            </a:prstGeom>
+            <a:solidFill>
+              <a:srgbClr val="9A57CD"/>
+            </a:solidFill>
+            <a:ln>
+              <a:solidFill>
+                <a:schemeClr val="tx1"/>
+              </a:solidFill>
+            </a:ln>
+          </p:spPr>
+          <p:style>
+            <a:lnRef idx="2">
+              <a:schemeClr val="accent1">
+                <a:shade val="50000"/>
+              </a:schemeClr>
+            </a:lnRef>
+            <a:fillRef idx="1">
+              <a:schemeClr val="accent1"/>
+            </a:fillRef>
+            <a:effectRef idx="0">
+              <a:schemeClr val="accent1"/>
+            </a:effectRef>
+            <a:fontRef idx="minor">
+              <a:schemeClr val="lt1"/>
+            </a:fontRef>
+          </p:style>
+          <p:txBody>
+            <a:bodyPr rtlCol="0" anchor="ctr"/>
+            <a:lstStyle/>
+            <a:p>
+              <a:pPr algn="ctr"/>
+              <a:endParaRPr lang="en-GB"/>
+            </a:p>
+          </p:txBody>
+        </p:sp>
+        <p:sp>
+          <p:nvSpPr>
+            <p:cNvPr id="64" name="Rectangle: Rounded Corners 63">
+              <a:extLst>
+                <a:ext uri="{FF2B5EF4-FFF2-40B4-BE49-F238E27FC236}">
+                  <a16:creationId xmlns:a16="http://schemas.microsoft.com/office/drawing/2014/main" id="{8253828B-6500-05DB-B3F4-DE0CEA08709C}"/>
+                </a:ext>
+              </a:extLst>
+            </p:cNvPr>
+            <p:cNvSpPr/>
+            <p:nvPr/>
+          </p:nvSpPr>
+          <p:spPr>
+            <a:xfrm>
+              <a:off x="3660068" y="3620884"/>
+              <a:ext cx="425816" cy="351565"/>
+            </a:xfrm>
+            <a:prstGeom prst="roundRect">
+              <a:avLst/>
+            </a:prstGeom>
+            <a:solidFill>
+              <a:srgbClr val="9A57CD"/>
+            </a:solidFill>
+            <a:ln>
+              <a:solidFill>
+                <a:schemeClr val="tx1"/>
+              </a:solidFill>
+            </a:ln>
+          </p:spPr>
+          <p:style>
+            <a:lnRef idx="2">
+              <a:schemeClr val="accent1">
+                <a:shade val="50000"/>
+              </a:schemeClr>
+            </a:lnRef>
+            <a:fillRef idx="1">
+              <a:schemeClr val="accent1"/>
+            </a:fillRef>
+            <a:effectRef idx="0">
+              <a:schemeClr val="accent1"/>
+            </a:effectRef>
+            <a:fontRef idx="minor">
+              <a:schemeClr val="lt1"/>
+            </a:fontRef>
+          </p:style>
+          <p:txBody>
+            <a:bodyPr rtlCol="0" anchor="ctr"/>
+            <a:lstStyle/>
+            <a:p>
+              <a:pPr algn="ctr"/>
+              <a:endParaRPr lang="en-GB"/>
+            </a:p>
+          </p:txBody>
+        </p:sp>
+        <p:cxnSp>
+          <p:nvCxnSpPr>
+            <p:cNvPr id="65" name="Connector: Elbow 64">
+              <a:extLst>
+                <a:ext uri="{FF2B5EF4-FFF2-40B4-BE49-F238E27FC236}">
+                  <a16:creationId xmlns:a16="http://schemas.microsoft.com/office/drawing/2014/main" id="{623284CD-18F4-CF51-5F9F-6A6C6563AA46}"/>
+                </a:ext>
+              </a:extLst>
+            </p:cNvPr>
+            <p:cNvCxnSpPr>
+              <a:cxnSpLocks/>
+              <a:stCxn id="63" idx="3"/>
+              <a:endCxn id="64" idx="1"/>
+            </p:cNvCxnSpPr>
+            <p:nvPr/>
+          </p:nvCxnSpPr>
+          <p:spPr>
+            <a:xfrm>
+              <a:off x="3325496" y="3718807"/>
+              <a:ext cx="334572" cy="77860"/>
+            </a:xfrm>
+            <a:prstGeom prst="bentConnector3">
+              <a:avLst>
+                <a:gd name="adj1" fmla="val 57592"/>
+              </a:avLst>
+            </a:prstGeom>
+            <a:ln w="9525">
+              <a:solidFill>
+                <a:schemeClr val="tx1"/>
+              </a:solidFill>
+              <a:tailEnd type="none"/>
+            </a:ln>
+          </p:spPr>
+          <p:style>
+            <a:lnRef idx="1">
+              <a:schemeClr val="accent1"/>
+            </a:lnRef>
+            <a:fillRef idx="0">
+              <a:schemeClr val="accent1"/>
+            </a:fillRef>
+            <a:effectRef idx="0">
+              <a:schemeClr val="accent1"/>
+            </a:effectRef>
+            <a:fontRef idx="minor">
+              <a:schemeClr val="tx1"/>
+            </a:fontRef>
+          </p:style>
+        </p:cxnSp>
+        <p:cxnSp>
+          <p:nvCxnSpPr>
+            <p:cNvPr id="66" name="Straight Arrow Connector 65">
+              <a:extLst>
+                <a:ext uri="{FF2B5EF4-FFF2-40B4-BE49-F238E27FC236}">
+                  <a16:creationId xmlns:a16="http://schemas.microsoft.com/office/drawing/2014/main" id="{4E289FFA-45DA-6FFE-34F0-C4A60E2E3E8F}"/>
+                </a:ext>
+              </a:extLst>
+            </p:cNvPr>
+            <p:cNvCxnSpPr>
+              <a:cxnSpLocks/>
+              <a:stCxn id="48" idx="2"/>
+              <a:endCxn id="63" idx="1"/>
+            </p:cNvCxnSpPr>
+            <p:nvPr/>
+          </p:nvCxnSpPr>
+          <p:spPr>
+            <a:xfrm>
+              <a:off x="2548271" y="3292042"/>
+              <a:ext cx="351409" cy="426765"/>
+            </a:xfrm>
+            <a:prstGeom prst="straightConnector1">
+              <a:avLst/>
+            </a:prstGeom>
+            <a:ln w="9525">
+              <a:solidFill>
+                <a:schemeClr val="tx1"/>
+              </a:solidFill>
+              <a:prstDash val="dash"/>
+              <a:tailEnd type="triangle"/>
+            </a:ln>
+          </p:spPr>
+          <p:style>
+            <a:lnRef idx="1">
+              <a:schemeClr val="accent1"/>
+            </a:lnRef>
+            <a:fillRef idx="0">
+              <a:schemeClr val="accent1"/>
+            </a:fillRef>
+            <a:effectRef idx="0">
+              <a:schemeClr val="accent1"/>
+            </a:effectRef>
+            <a:fontRef idx="minor">
+              <a:schemeClr val="tx1"/>
+            </a:fontRef>
+          </p:style>
+        </p:cxnSp>
+        <p:sp>
+          <p:nvSpPr>
+            <p:cNvPr id="70" name="TextBox 69">
+              <a:extLst>
+                <a:ext uri="{FF2B5EF4-FFF2-40B4-BE49-F238E27FC236}">
+                  <a16:creationId xmlns:a16="http://schemas.microsoft.com/office/drawing/2014/main" id="{F0DC8FA8-A750-E835-50E7-91D1B053EA3E}"/>
+                </a:ext>
+              </a:extLst>
+            </p:cNvPr>
+            <p:cNvSpPr txBox="1"/>
+            <p:nvPr/>
+          </p:nvSpPr>
+          <p:spPr>
+            <a:xfrm>
+              <a:off x="2582958" y="2115294"/>
+              <a:ext cx="2108329" cy="215444"/>
+            </a:xfrm>
+            <a:prstGeom prst="rect">
+              <a:avLst/>
+            </a:prstGeom>
+            <a:noFill/>
+          </p:spPr>
+          <p:txBody>
+            <a:bodyPr wrap="square" rtlCol="0">
+              <a:spAutoFit/>
+            </a:bodyPr>
+            <a:lstStyle/>
+            <a:p>
+              <a:pPr algn="r"/>
+              <a:r>
+                <a:rPr lang="en-GB" sz="800" b="1" cap="all" dirty="0">
+                  <a:latin typeface="Alte Haas Grotesk" panose="02000503000000020004" pitchFamily="2" charset="0"/>
+                </a:rPr>
+                <a:t>Seat suggestions Domain</a:t>
+              </a:r>
+            </a:p>
+          </p:txBody>
+        </p:sp>
+        <p:sp>
+          <p:nvSpPr>
+            <p:cNvPr id="71" name="TextBox 70">
+              <a:extLst>
+                <a:ext uri="{FF2B5EF4-FFF2-40B4-BE49-F238E27FC236}">
+                  <a16:creationId xmlns:a16="http://schemas.microsoft.com/office/drawing/2014/main" id="{36926729-2368-F21C-A7F2-F3D542F577A7}"/>
+                </a:ext>
+              </a:extLst>
+            </p:cNvPr>
+            <p:cNvSpPr txBox="1"/>
+            <p:nvPr/>
+          </p:nvSpPr>
+          <p:spPr>
+            <a:xfrm>
+              <a:off x="3888634" y="1405675"/>
+              <a:ext cx="1523320" cy="272522"/>
+            </a:xfrm>
+            <a:prstGeom prst="rect">
+              <a:avLst/>
+            </a:prstGeom>
+            <a:noFill/>
+          </p:spPr>
+          <p:txBody>
+            <a:bodyPr wrap="square" rtlCol="0">
+              <a:spAutoFit/>
+            </a:bodyPr>
+            <a:lstStyle/>
+            <a:p>
+              <a:pPr algn="r"/>
+              <a:r>
+                <a:rPr lang="en-GB" sz="800" b="1" cap="all" dirty="0">
+                  <a:latin typeface="Alte Haas Grotesk" panose="02000503000000020004" pitchFamily="2" charset="0"/>
+                </a:rPr>
+                <a:t>Infrastructure</a:t>
+              </a:r>
+            </a:p>
+          </p:txBody>
+        </p:sp>
+        <p:pic>
+          <p:nvPicPr>
+            <p:cNvPr id="72" name="Picture 71">
+              <a:extLst>
+                <a:ext uri="{FF2B5EF4-FFF2-40B4-BE49-F238E27FC236}">
+                  <a16:creationId xmlns:a16="http://schemas.microsoft.com/office/drawing/2014/main" id="{7EB3B387-29CE-ED80-CE7F-BA9EBA7FB2A2}"/>
+                </a:ext>
+              </a:extLst>
+            </p:cNvPr>
+            <p:cNvPicPr>
+              <a:picLocks noChangeAspect="1"/>
+            </p:cNvPicPr>
+            <p:nvPr/>
+          </p:nvPicPr>
+          <p:blipFill>
+            <a:blip r:embed="rId2">
+              <a:extLst>
+                <a:ext uri="{28A0092B-C50C-407E-A947-70E740481C1C}">
+                  <a14:useLocalDpi xmlns:a14="http://schemas.microsoft.com/office/drawing/2010/main" val="0"/>
+                </a:ext>
+              </a:extLst>
+            </a:blip>
+            <a:stretch>
+              <a:fillRect/>
+            </a:stretch>
+          </p:blipFill>
+          <p:spPr>
+            <a:xfrm>
+              <a:off x="-228725" y="651514"/>
+              <a:ext cx="696871" cy="656800"/>
+            </a:xfrm>
+            <a:prstGeom prst="rect">
+              <a:avLst/>
+            </a:prstGeom>
+          </p:spPr>
+        </p:pic>
+        <p:cxnSp>
+          <p:nvCxnSpPr>
+            <p:cNvPr id="73" name="Straight Arrow Connector 72">
+              <a:extLst>
+                <a:ext uri="{FF2B5EF4-FFF2-40B4-BE49-F238E27FC236}">
+                  <a16:creationId xmlns:a16="http://schemas.microsoft.com/office/drawing/2014/main" id="{E0BD609C-A372-9B77-A208-61AAF7FAC62E}"/>
+                </a:ext>
+              </a:extLst>
+            </p:cNvPr>
+            <p:cNvCxnSpPr>
+              <a:cxnSpLocks/>
+            </p:cNvCxnSpPr>
+            <p:nvPr/>
+          </p:nvCxnSpPr>
+          <p:spPr>
+            <a:xfrm>
+              <a:off x="447979" y="1267403"/>
+              <a:ext cx="1145077" cy="894772"/>
+            </a:xfrm>
+            <a:prstGeom prst="straightConnector1">
+              <a:avLst/>
+            </a:prstGeom>
+            <a:ln w="19050">
+              <a:solidFill>
+                <a:schemeClr val="tx1"/>
+              </a:solidFill>
+              <a:prstDash val="solid"/>
+              <a:tailEnd type="triangle"/>
+            </a:ln>
+          </p:spPr>
+          <p:style>
+            <a:lnRef idx="1">
+              <a:schemeClr val="accent1"/>
+            </a:lnRef>
+            <a:fillRef idx="0">
+              <a:schemeClr val="accent1"/>
+            </a:fillRef>
+            <a:effectRef idx="0">
+              <a:schemeClr val="accent1"/>
+            </a:effectRef>
+            <a:fontRef idx="minor">
+              <a:schemeClr val="tx1"/>
+            </a:fontRef>
+          </p:style>
+        </p:cxnSp>
+        <p:sp>
+          <p:nvSpPr>
+            <p:cNvPr id="74" name="TextBox 73">
+              <a:extLst>
+                <a:ext uri="{FF2B5EF4-FFF2-40B4-BE49-F238E27FC236}">
+                  <a16:creationId xmlns:a16="http://schemas.microsoft.com/office/drawing/2014/main" id="{39B6EC26-17C9-4060-F3BD-944E655A43B6}"/>
+                </a:ext>
+              </a:extLst>
+            </p:cNvPr>
+            <p:cNvSpPr txBox="1"/>
+            <p:nvPr/>
+          </p:nvSpPr>
+          <p:spPr>
+            <a:xfrm>
+              <a:off x="756465" y="1541936"/>
+              <a:ext cx="487634" cy="230832"/>
+            </a:xfrm>
+            <a:prstGeom prst="rect">
+              <a:avLst/>
+            </a:prstGeom>
+            <a:solidFill>
+              <a:srgbClr val="FBE5D6"/>
+            </a:solidFill>
+          </p:spPr>
+          <p:txBody>
+            <a:bodyPr wrap="none" rtlCol="0">
+              <a:spAutoFit/>
+            </a:bodyPr>
+            <a:lstStyle>
+              <a:defPPr>
+                <a:defRPr lang="fr-FR"/>
+              </a:defPPr>
+              <a:lvl1pPr>
+                <a:defRPr sz="900" b="1">
+                  <a:latin typeface="Alte Haas Grotesk" panose="02000503000000020004" pitchFamily="2" charset="0"/>
+                </a:defRPr>
+              </a:lvl1pPr>
+            </a:lstStyle>
+            <a:p>
+              <a:r>
+                <a:rPr lang="fr-FR" dirty="0"/>
+                <a:t>HTTP</a:t>
+              </a:r>
+              <a:endParaRPr lang="en-GB" dirty="0"/>
+            </a:p>
+          </p:txBody>
+        </p:sp>
+        <p:sp>
+          <p:nvSpPr>
+            <p:cNvPr id="85" name="Right Brace 84">
+              <a:extLst>
+                <a:ext uri="{FF2B5EF4-FFF2-40B4-BE49-F238E27FC236}">
+                  <a16:creationId xmlns:a16="http://schemas.microsoft.com/office/drawing/2014/main" id="{ECBCF79C-DB7C-8437-A8D1-79A66D6A3034}"/>
+                </a:ext>
+              </a:extLst>
+            </p:cNvPr>
+            <p:cNvSpPr/>
+            <p:nvPr/>
+          </p:nvSpPr>
+          <p:spPr>
+            <a:xfrm rot="12414236">
+              <a:off x="4725358" y="4000552"/>
+              <a:ext cx="883655" cy="428062"/>
+            </a:xfrm>
+            <a:prstGeom prst="rightBrace">
+              <a:avLst>
+                <a:gd name="adj1" fmla="val 9622"/>
+                <a:gd name="adj2" fmla="val 54011"/>
+              </a:avLst>
+            </a:prstGeom>
+            <a:ln w="34925">
+              <a:solidFill>
+                <a:schemeClr val="tx1"/>
+              </a:solidFill>
+            </a:ln>
+          </p:spPr>
+          <p:style>
+            <a:lnRef idx="1">
+              <a:schemeClr val="accent1"/>
+            </a:lnRef>
+            <a:fillRef idx="0">
+              <a:schemeClr val="accent1"/>
+            </a:fillRef>
+            <a:effectRef idx="0">
+              <a:schemeClr val="accent1"/>
+            </a:effectRef>
+            <a:fontRef idx="minor">
+              <a:schemeClr val="tx1"/>
+            </a:fontRef>
+          </p:style>
+          <p:txBody>
+            <a:bodyPr rtlCol="0" anchor="ctr"/>
+            <a:lstStyle/>
+            <a:p>
+              <a:pPr algn="ctr"/>
+              <a:endParaRPr lang="en-GB"/>
+            </a:p>
+          </p:txBody>
+        </p:sp>
+        <p:sp>
+          <p:nvSpPr>
+            <p:cNvPr id="86" name="Oval 85">
+              <a:extLst>
+                <a:ext uri="{FF2B5EF4-FFF2-40B4-BE49-F238E27FC236}">
+                  <a16:creationId xmlns:a16="http://schemas.microsoft.com/office/drawing/2014/main" id="{EFB2C063-5C64-7717-7CF4-F13A7821C2FA}"/>
+                </a:ext>
+              </a:extLst>
+            </p:cNvPr>
+            <p:cNvSpPr/>
+            <p:nvPr/>
+          </p:nvSpPr>
+          <p:spPr>
+            <a:xfrm>
+              <a:off x="4632022" y="3886762"/>
+              <a:ext cx="171374" cy="171374"/>
+            </a:xfrm>
+            <a:prstGeom prst="ellipse">
+              <a:avLst/>
+            </a:prstGeom>
+            <a:solidFill>
+              <a:schemeClr val="bg1"/>
+            </a:solidFill>
+            <a:ln w="19050">
+              <a:solidFill>
+                <a:schemeClr val="tx1"/>
+              </a:solidFill>
+            </a:ln>
+          </p:spPr>
+          <p:style>
+            <a:lnRef idx="2">
+              <a:schemeClr val="accent1">
+                <a:shade val="50000"/>
+              </a:schemeClr>
+            </a:lnRef>
+            <a:fillRef idx="1">
+              <a:schemeClr val="accent1"/>
+            </a:fillRef>
+            <a:effectRef idx="0">
+              <a:schemeClr val="accent1"/>
+            </a:effectRef>
+            <a:fontRef idx="minor">
+              <a:schemeClr val="lt1"/>
+            </a:fontRef>
+          </p:style>
+          <p:txBody>
+            <a:bodyPr rtlCol="0" anchor="ctr"/>
+            <a:lstStyle/>
+            <a:p>
+              <a:pPr algn="ctr"/>
+              <a:endParaRPr lang="en-GB"/>
+            </a:p>
+          </p:txBody>
+        </p:sp>
+        <p:sp>
+          <p:nvSpPr>
+            <p:cNvPr id="84" name="Rectangle 83">
+              <a:extLst>
+                <a:ext uri="{FF2B5EF4-FFF2-40B4-BE49-F238E27FC236}">
+                  <a16:creationId xmlns:a16="http://schemas.microsoft.com/office/drawing/2014/main" id="{DC2D66E4-746D-C29C-9C6E-03E99FEE3A62}"/>
+                </a:ext>
+              </a:extLst>
+            </p:cNvPr>
+            <p:cNvSpPr/>
+            <p:nvPr/>
+          </p:nvSpPr>
+          <p:spPr>
+            <a:xfrm rot="17820000">
+              <a:off x="4959075" y="4081501"/>
+              <a:ext cx="823899" cy="546311"/>
+            </a:xfrm>
+            <a:prstGeom prst="rect">
+              <a:avLst/>
+            </a:prstGeom>
+            <a:solidFill>
+              <a:schemeClr val="accent4">
+                <a:lumMod val="60000"/>
+                <a:lumOff val="40000"/>
+              </a:schemeClr>
+            </a:solidFill>
+            <a:ln w="25400">
+              <a:solidFill>
+                <a:schemeClr val="tx1"/>
+              </a:solidFill>
+            </a:ln>
+          </p:spPr>
+          <p:style>
+            <a:lnRef idx="2">
+              <a:schemeClr val="accent1">
+                <a:shade val="50000"/>
+              </a:schemeClr>
+            </a:lnRef>
+            <a:fillRef idx="1">
+              <a:schemeClr val="accent1"/>
+            </a:fillRef>
+            <a:effectRef idx="0">
+              <a:schemeClr val="accent1"/>
+            </a:effectRef>
+            <a:fontRef idx="minor">
+              <a:schemeClr val="lt1"/>
+            </a:fontRef>
+          </p:style>
+          <p:txBody>
+            <a:bodyPr rtlCol="0" anchor="ctr"/>
+            <a:lstStyle/>
+            <a:p>
+              <a:pPr algn="ctr"/>
+              <a:r>
+                <a:rPr lang="fr-FR" sz="900" cap="all" dirty="0">
+                  <a:solidFill>
+                    <a:schemeClr val="tx1"/>
+                  </a:solidFill>
+                </a:rPr>
+                <a:t>Repository (Adapter)</a:t>
+              </a:r>
+              <a:endParaRPr lang="en-GB" sz="900" cap="all" dirty="0">
+                <a:solidFill>
+                  <a:schemeClr val="tx1"/>
+                </a:solidFill>
+              </a:endParaRPr>
+            </a:p>
+          </p:txBody>
+        </p:sp>
+        <p:cxnSp>
+          <p:nvCxnSpPr>
+            <p:cNvPr id="94" name="Straight Arrow Connector 93">
+              <a:extLst>
+                <a:ext uri="{FF2B5EF4-FFF2-40B4-BE49-F238E27FC236}">
+                  <a16:creationId xmlns:a16="http://schemas.microsoft.com/office/drawing/2014/main" id="{6264A4D3-64FF-9EDF-3633-89AB523BA0D2}"/>
+                </a:ext>
+              </a:extLst>
+            </p:cNvPr>
+            <p:cNvCxnSpPr>
+              <a:cxnSpLocks/>
+              <a:stCxn id="64" idx="3"/>
+              <a:endCxn id="86" idx="2"/>
+            </p:cNvCxnSpPr>
+            <p:nvPr/>
+          </p:nvCxnSpPr>
+          <p:spPr>
+            <a:xfrm>
+              <a:off x="4085884" y="3796667"/>
+              <a:ext cx="546138" cy="175782"/>
+            </a:xfrm>
+            <a:prstGeom prst="straightConnector1">
+              <a:avLst/>
+            </a:prstGeom>
+            <a:ln w="9525">
+              <a:solidFill>
+                <a:schemeClr val="tx1"/>
+              </a:solidFill>
+              <a:prstDash val="dash"/>
+              <a:tailEnd type="triangle"/>
+            </a:ln>
+          </p:spPr>
+          <p:style>
+            <a:lnRef idx="1">
+              <a:schemeClr val="accent1"/>
+            </a:lnRef>
+            <a:fillRef idx="0">
+              <a:schemeClr val="accent1"/>
+            </a:fillRef>
+            <a:effectRef idx="0">
+              <a:schemeClr val="accent1"/>
+            </a:effectRef>
+            <a:fontRef idx="minor">
+              <a:schemeClr val="tx1"/>
+            </a:fontRef>
+          </p:style>
+        </p:cxnSp>
+        <p:sp>
+          <p:nvSpPr>
+            <p:cNvPr id="100" name="Diamond 99">
+              <a:extLst>
+                <a:ext uri="{FF2B5EF4-FFF2-40B4-BE49-F238E27FC236}">
+                  <a16:creationId xmlns:a16="http://schemas.microsoft.com/office/drawing/2014/main" id="{6CA5F1AF-7106-D0E4-AB41-41734719A651}"/>
+                </a:ext>
+              </a:extLst>
+            </p:cNvPr>
+            <p:cNvSpPr/>
+            <p:nvPr/>
+          </p:nvSpPr>
+          <p:spPr>
+            <a:xfrm>
+              <a:off x="3332536" y="3640001"/>
+              <a:ext cx="167131" cy="167131"/>
+            </a:xfrm>
+            <a:prstGeom prst="diamond">
+              <a:avLst/>
+            </a:prstGeom>
+            <a:solidFill>
+              <a:schemeClr val="tx1"/>
+            </a:solidFill>
+            <a:ln>
+              <a:solidFill>
+                <a:schemeClr val="tx1"/>
+              </a:solidFill>
+            </a:ln>
+          </p:spPr>
+          <p:style>
+            <a:lnRef idx="2">
+              <a:schemeClr val="accent1">
+                <a:shade val="50000"/>
+              </a:schemeClr>
+            </a:lnRef>
+            <a:fillRef idx="1">
+              <a:schemeClr val="accent1"/>
+            </a:fillRef>
+            <a:effectRef idx="0">
+              <a:schemeClr val="accent1"/>
+            </a:effectRef>
+            <a:fontRef idx="minor">
+              <a:schemeClr val="lt1"/>
+            </a:fontRef>
+          </p:style>
+          <p:txBody>
+            <a:bodyPr rtlCol="0" anchor="ctr"/>
+            <a:lstStyle/>
+            <a:p>
+              <a:pPr algn="ctr"/>
+              <a:endParaRPr lang="en-GB"/>
+            </a:p>
+          </p:txBody>
+        </p:sp>
+        <p:sp>
+          <p:nvSpPr>
+            <p:cNvPr id="102" name="Flowchart: Magnetic Disk 101">
+              <a:extLst>
+                <a:ext uri="{FF2B5EF4-FFF2-40B4-BE49-F238E27FC236}">
+                  <a16:creationId xmlns:a16="http://schemas.microsoft.com/office/drawing/2014/main" id="{8809B9B3-2ABA-7002-C465-823660F01F15}"/>
+                </a:ext>
+              </a:extLst>
+            </p:cNvPr>
+            <p:cNvSpPr/>
+            <p:nvPr/>
+          </p:nvSpPr>
+          <p:spPr>
+            <a:xfrm>
+              <a:off x="6449037" y="4738570"/>
+              <a:ext cx="504521" cy="707978"/>
+            </a:xfrm>
+            <a:prstGeom prst="flowChartMagneticDisk">
+              <a:avLst/>
+            </a:prstGeom>
+            <a:solidFill>
+              <a:srgbClr val="DFC9EF"/>
+            </a:solidFill>
+            <a:ln w="25400">
+              <a:solidFill>
+                <a:srgbClr val="7030A0"/>
+              </a:solidFill>
+            </a:ln>
+          </p:spPr>
+          <p:style>
+            <a:lnRef idx="2">
+              <a:schemeClr val="accent1">
+                <a:shade val="50000"/>
+              </a:schemeClr>
+            </a:lnRef>
+            <a:fillRef idx="1">
+              <a:schemeClr val="accent1"/>
+            </a:fillRef>
+            <a:effectRef idx="0">
+              <a:schemeClr val="accent1"/>
+            </a:effectRef>
+            <a:fontRef idx="minor">
+              <a:schemeClr val="lt1"/>
+            </a:fontRef>
+          </p:style>
+          <p:txBody>
+            <a:bodyPr rtlCol="0" anchor="ctr"/>
+            <a:lstStyle/>
+            <a:p>
+              <a:pPr algn="ctr"/>
+              <a:r>
+                <a:rPr lang="fr-FR" sz="1400" b="1" cap="all" dirty="0" err="1">
+                  <a:solidFill>
+                    <a:schemeClr val="tx1"/>
+                  </a:solidFill>
+                  <a:latin typeface="Alte Haas Grotesk" panose="02000503000000020004" pitchFamily="2" charset="0"/>
+                </a:rPr>
+                <a:t>db</a:t>
+              </a:r>
+              <a:endParaRPr lang="fr-FR" sz="1400" b="1" cap="all" dirty="0">
+                <a:solidFill>
+                  <a:schemeClr val="tx1"/>
+                </a:solidFill>
+                <a:latin typeface="Alte Haas Grotesk" panose="02000503000000020004" pitchFamily="2" charset="0"/>
+              </a:endParaRPr>
+            </a:p>
+          </p:txBody>
+        </p:sp>
+        <p:cxnSp>
+          <p:nvCxnSpPr>
+            <p:cNvPr id="103" name="Straight Arrow Connector 102">
+              <a:extLst>
+                <a:ext uri="{FF2B5EF4-FFF2-40B4-BE49-F238E27FC236}">
+                  <a16:creationId xmlns:a16="http://schemas.microsoft.com/office/drawing/2014/main" id="{9DC579C9-2B02-64AB-2FBD-5421A8699E3D}"/>
+                </a:ext>
+              </a:extLst>
+            </p:cNvPr>
+            <p:cNvCxnSpPr>
+              <a:cxnSpLocks/>
+              <a:stCxn id="84" idx="2"/>
+              <a:endCxn id="102" idx="2"/>
+            </p:cNvCxnSpPr>
+            <p:nvPr/>
+          </p:nvCxnSpPr>
+          <p:spPr>
+            <a:xfrm>
+              <a:off x="5614408" y="4478666"/>
+              <a:ext cx="834629" cy="613893"/>
+            </a:xfrm>
+            <a:prstGeom prst="straightConnector1">
+              <a:avLst/>
+            </a:prstGeom>
+            <a:ln w="19050">
+              <a:solidFill>
+                <a:schemeClr val="tx1"/>
+              </a:solidFill>
+              <a:prstDash val="solid"/>
+              <a:tailEnd type="triangle"/>
+            </a:ln>
+          </p:spPr>
+          <p:style>
+            <a:lnRef idx="1">
+              <a:schemeClr val="accent1"/>
+            </a:lnRef>
+            <a:fillRef idx="0">
+              <a:schemeClr val="accent1"/>
+            </a:fillRef>
+            <a:effectRef idx="0">
+              <a:schemeClr val="accent1"/>
+            </a:effectRef>
+            <a:fontRef idx="minor">
+              <a:schemeClr val="tx1"/>
+            </a:fontRef>
+          </p:style>
+        </p:cxnSp>
+        <p:sp>
+          <p:nvSpPr>
+            <p:cNvPr id="109" name="TextBox 108">
+              <a:extLst>
+                <a:ext uri="{FF2B5EF4-FFF2-40B4-BE49-F238E27FC236}">
+                  <a16:creationId xmlns:a16="http://schemas.microsoft.com/office/drawing/2014/main" id="{35FD09CB-1EA0-C721-B9D5-8B0814D9365D}"/>
+                </a:ext>
+              </a:extLst>
+            </p:cNvPr>
+            <p:cNvSpPr txBox="1"/>
+            <p:nvPr/>
+          </p:nvSpPr>
+          <p:spPr>
+            <a:xfrm>
+              <a:off x="2047278" y="4991066"/>
+              <a:ext cx="3338271" cy="369332"/>
+            </a:xfrm>
+            <a:prstGeom prst="rect">
+              <a:avLst/>
+            </a:prstGeom>
+            <a:noFill/>
+          </p:spPr>
+          <p:txBody>
+            <a:bodyPr wrap="square" rtlCol="0">
+              <a:spAutoFit/>
+            </a:bodyPr>
+            <a:lstStyle/>
+            <a:p>
+              <a:pPr algn="ctr"/>
+              <a:r>
+                <a:rPr lang="en-GB" b="1" cap="all" dirty="0">
+                  <a:solidFill>
+                    <a:srgbClr val="C00000"/>
+                  </a:solidFill>
+                  <a:latin typeface="Alte Haas Grotesk" panose="02000503000000020004" pitchFamily="2" charset="0"/>
+                </a:rPr>
+                <a:t>Seat </a:t>
+              </a:r>
+              <a:r>
+                <a:rPr lang="en-GB" b="1" cap="all" dirty="0" err="1">
+                  <a:solidFill>
+                    <a:srgbClr val="C00000"/>
+                  </a:solidFill>
+                  <a:latin typeface="Alte Haas Grotesk" panose="02000503000000020004" pitchFamily="2" charset="0"/>
+                </a:rPr>
+                <a:t>SuggestionS</a:t>
+              </a:r>
+              <a:r>
+                <a:rPr lang="en-GB" b="1" cap="all" dirty="0">
+                  <a:solidFill>
+                    <a:srgbClr val="C00000"/>
+                  </a:solidFill>
+                  <a:latin typeface="Alte Haas Grotesk" panose="02000503000000020004" pitchFamily="2" charset="0"/>
+                </a:rPr>
+                <a:t> API</a:t>
+              </a:r>
+            </a:p>
+          </p:txBody>
+        </p:sp>
+        <p:sp>
+          <p:nvSpPr>
+            <p:cNvPr id="216" name="Rectangle 215">
+              <a:extLst>
+                <a:ext uri="{FF2B5EF4-FFF2-40B4-BE49-F238E27FC236}">
+                  <a16:creationId xmlns:a16="http://schemas.microsoft.com/office/drawing/2014/main" id="{B4EA41F1-A440-2F90-8DE8-61CF29EE04C4}"/>
+                </a:ext>
+              </a:extLst>
+            </p:cNvPr>
+            <p:cNvSpPr/>
+            <p:nvPr/>
+          </p:nvSpPr>
+          <p:spPr>
+            <a:xfrm rot="17820000">
+              <a:off x="5411476" y="3179914"/>
+              <a:ext cx="824437" cy="546311"/>
+            </a:xfrm>
+            <a:prstGeom prst="rect">
+              <a:avLst/>
+            </a:prstGeom>
+            <a:solidFill>
+              <a:srgbClr val="FFD966"/>
+            </a:solidFill>
+            <a:ln w="25400">
+              <a:solidFill>
+                <a:schemeClr val="tx1"/>
+              </a:solidFill>
+            </a:ln>
+          </p:spPr>
+          <p:style>
+            <a:lnRef idx="2">
+              <a:schemeClr val="accent1">
+                <a:shade val="50000"/>
+              </a:schemeClr>
+            </a:lnRef>
+            <a:fillRef idx="1">
+              <a:schemeClr val="accent1"/>
+            </a:fillRef>
+            <a:effectRef idx="0">
+              <a:schemeClr val="accent1"/>
+            </a:effectRef>
+            <a:fontRef idx="minor">
+              <a:schemeClr val="lt1"/>
+            </a:fontRef>
+          </p:style>
+          <p:txBody>
+            <a:bodyPr rtlCol="0" anchor="ctr"/>
+            <a:lstStyle/>
+            <a:p>
+              <a:pPr algn="ctr"/>
+              <a:r>
+                <a:rPr lang="fr-FR" sz="900" cap="all" dirty="0">
+                  <a:solidFill>
+                    <a:schemeClr val="tx1"/>
+                  </a:solidFill>
+                </a:rPr>
+                <a:t>Auditorium </a:t>
+              </a:r>
+              <a:r>
+                <a:rPr lang="fr-FR" sz="900" cap="all" dirty="0" err="1">
+                  <a:solidFill>
+                    <a:schemeClr val="tx1"/>
+                  </a:solidFill>
+                </a:rPr>
+                <a:t>seating</a:t>
+              </a:r>
+              <a:r>
+                <a:rPr lang="fr-FR" sz="900" cap="all" dirty="0">
+                  <a:solidFill>
+                    <a:schemeClr val="tx1"/>
+                  </a:solidFill>
+                </a:rPr>
+                <a:t> web Adapter</a:t>
+              </a:r>
+              <a:endParaRPr lang="en-GB" sz="900" cap="all" dirty="0">
+                <a:solidFill>
+                  <a:schemeClr val="tx1"/>
+                </a:solidFill>
+              </a:endParaRPr>
+            </a:p>
+          </p:txBody>
+        </p:sp>
+        <p:cxnSp>
+          <p:nvCxnSpPr>
+            <p:cNvPr id="159" name="Straight Arrow Connector 158">
+              <a:extLst>
+                <a:ext uri="{FF2B5EF4-FFF2-40B4-BE49-F238E27FC236}">
+                  <a16:creationId xmlns:a16="http://schemas.microsoft.com/office/drawing/2014/main" id="{482C9FBF-083C-E03A-1E91-7D0E1A3E8928}"/>
+                </a:ext>
+              </a:extLst>
+            </p:cNvPr>
+            <p:cNvCxnSpPr>
+              <a:cxnSpLocks/>
+              <a:stCxn id="160" idx="2"/>
+            </p:cNvCxnSpPr>
+            <p:nvPr/>
+          </p:nvCxnSpPr>
+          <p:spPr>
+            <a:xfrm>
+              <a:off x="2082406" y="2316045"/>
+              <a:ext cx="400567" cy="303239"/>
+            </a:xfrm>
+            <a:prstGeom prst="straightConnector1">
+              <a:avLst/>
+            </a:prstGeom>
+            <a:ln w="38100">
+              <a:solidFill>
+                <a:srgbClr val="C00000"/>
+              </a:solidFill>
+              <a:prstDash val="sysDash"/>
+              <a:tailEnd type="triangle"/>
+            </a:ln>
+          </p:spPr>
+          <p:style>
+            <a:lnRef idx="1">
+              <a:schemeClr val="accent1"/>
+            </a:lnRef>
+            <a:fillRef idx="0">
+              <a:schemeClr val="accent1"/>
+            </a:fillRef>
+            <a:effectRef idx="0">
+              <a:schemeClr val="accent1"/>
+            </a:effectRef>
+            <a:fontRef idx="minor">
+              <a:schemeClr val="tx1"/>
+            </a:fontRef>
+          </p:style>
+        </p:cxnSp>
+        <p:sp>
+          <p:nvSpPr>
+            <p:cNvPr id="160" name="Rectangle 159">
+              <a:extLst>
+                <a:ext uri="{FF2B5EF4-FFF2-40B4-BE49-F238E27FC236}">
+                  <a16:creationId xmlns:a16="http://schemas.microsoft.com/office/drawing/2014/main" id="{E6B81530-3AF7-F7F1-E6D2-30E2FCEF1862}"/>
+                </a:ext>
+              </a:extLst>
+            </p:cNvPr>
+            <p:cNvSpPr/>
+            <p:nvPr/>
+          </p:nvSpPr>
+          <p:spPr>
+            <a:xfrm rot="17798078">
+              <a:off x="1343693" y="1999023"/>
+              <a:ext cx="1086095" cy="437786"/>
+            </a:xfrm>
+            <a:prstGeom prst="rect">
+              <a:avLst/>
+            </a:prstGeom>
+            <a:solidFill>
+              <a:schemeClr val="accent4">
+                <a:lumMod val="60000"/>
+                <a:lumOff val="40000"/>
+              </a:schemeClr>
+            </a:solidFill>
+            <a:ln w="25400">
+              <a:solidFill>
+                <a:schemeClr val="tx1"/>
+              </a:solidFill>
+            </a:ln>
+          </p:spPr>
+          <p:style>
+            <a:lnRef idx="2">
+              <a:schemeClr val="accent1">
+                <a:shade val="50000"/>
+              </a:schemeClr>
+            </a:lnRef>
+            <a:fillRef idx="1">
+              <a:schemeClr val="accent1"/>
+            </a:fillRef>
+            <a:effectRef idx="0">
+              <a:schemeClr val="accent1"/>
+            </a:effectRef>
+            <a:fontRef idx="minor">
+              <a:schemeClr val="lt1"/>
+            </a:fontRef>
+          </p:style>
+          <p:txBody>
+            <a:bodyPr rtlCol="0" anchor="ctr"/>
+            <a:lstStyle/>
+            <a:p>
+              <a:pPr algn="ctr"/>
+              <a:r>
+                <a:rPr lang="fr-FR" sz="900" cap="all" dirty="0" err="1">
+                  <a:solidFill>
+                    <a:schemeClr val="tx1"/>
+                  </a:solidFill>
+                </a:rPr>
+                <a:t>WebController</a:t>
+              </a:r>
+              <a:r>
+                <a:rPr lang="fr-FR" sz="900" cap="all" dirty="0">
+                  <a:solidFill>
+                    <a:schemeClr val="tx1"/>
+                  </a:solidFill>
+                </a:rPr>
+                <a:t> (Adapter)</a:t>
+              </a:r>
+              <a:endParaRPr lang="en-GB" sz="900" cap="all" dirty="0">
+                <a:solidFill>
+                  <a:schemeClr val="tx1"/>
+                </a:solidFill>
+              </a:endParaRPr>
+            </a:p>
+          </p:txBody>
+        </p:sp>
+        <p:sp>
+          <p:nvSpPr>
+            <p:cNvPr id="161" name="TextBox 160">
+              <a:extLst>
+                <a:ext uri="{FF2B5EF4-FFF2-40B4-BE49-F238E27FC236}">
+                  <a16:creationId xmlns:a16="http://schemas.microsoft.com/office/drawing/2014/main" id="{7F5086DF-C070-E37B-B057-56181D96B9DE}"/>
+                </a:ext>
+              </a:extLst>
+            </p:cNvPr>
+            <p:cNvSpPr txBox="1"/>
+            <p:nvPr/>
+          </p:nvSpPr>
+          <p:spPr>
+            <a:xfrm>
+              <a:off x="2078667" y="2152354"/>
+              <a:ext cx="618793" cy="215444"/>
+            </a:xfrm>
+            <a:prstGeom prst="rect">
+              <a:avLst/>
+            </a:prstGeom>
+            <a:noFill/>
+          </p:spPr>
+          <p:txBody>
+            <a:bodyPr wrap="square" rtlCol="0">
+              <a:spAutoFit/>
+            </a:bodyPr>
+            <a:lstStyle/>
+            <a:p>
+              <a:r>
+                <a:rPr lang="fr-FR" sz="800" b="1" dirty="0">
+                  <a:solidFill>
+                    <a:srgbClr val="C00000"/>
+                  </a:solidFill>
+                  <a:latin typeface="Alte Haas Grotesk" panose="02000503000000020004" pitchFamily="2" charset="0"/>
+                </a:rPr>
+                <a:t>(in proc)</a:t>
+              </a:r>
+              <a:endParaRPr lang="en-GB" sz="800" b="1" dirty="0">
+                <a:solidFill>
+                  <a:srgbClr val="C00000"/>
+                </a:solidFill>
+                <a:latin typeface="Alte Haas Grotesk" panose="02000503000000020004" pitchFamily="2" charset="0"/>
+              </a:endParaRPr>
+            </a:p>
+          </p:txBody>
+        </p:sp>
+        <p:sp>
+          <p:nvSpPr>
+            <p:cNvPr id="134" name="TextBox 133">
+              <a:extLst>
+                <a:ext uri="{FF2B5EF4-FFF2-40B4-BE49-F238E27FC236}">
+                  <a16:creationId xmlns:a16="http://schemas.microsoft.com/office/drawing/2014/main" id="{CCB73EF0-935D-80FD-0DA6-10CCD5AA72D7}"/>
+                </a:ext>
+              </a:extLst>
+            </p:cNvPr>
+            <p:cNvSpPr txBox="1"/>
+            <p:nvPr/>
+          </p:nvSpPr>
+          <p:spPr>
+            <a:xfrm>
+              <a:off x="6600880" y="3691716"/>
+              <a:ext cx="487634" cy="230832"/>
+            </a:xfrm>
+            <a:prstGeom prst="rect">
+              <a:avLst/>
+            </a:prstGeom>
+            <a:solidFill>
+              <a:srgbClr val="FBE5D6"/>
+            </a:solidFill>
+          </p:spPr>
+          <p:txBody>
+            <a:bodyPr wrap="none" rtlCol="0">
+              <a:spAutoFit/>
+            </a:bodyPr>
+            <a:lstStyle/>
+            <a:p>
+              <a:r>
+                <a:rPr lang="fr-FR" sz="900" b="1" dirty="0">
+                  <a:latin typeface="Alte Haas Grotesk" panose="02000503000000020004" pitchFamily="2" charset="0"/>
+                </a:rPr>
+                <a:t>HTTP</a:t>
+              </a:r>
+              <a:endParaRPr lang="en-GB" sz="900" b="1" dirty="0">
+                <a:latin typeface="Alte Haas Grotesk" panose="02000503000000020004" pitchFamily="2" charset="0"/>
+              </a:endParaRPr>
+            </a:p>
+          </p:txBody>
+        </p:sp>
+      </p:grpSp>
+    </p:spTree>
+    <p:extLst>
+      <p:ext uri="{BB962C8B-B14F-4D97-AF65-F5344CB8AC3E}">
+        <p14:creationId xmlns:p14="http://schemas.microsoft.com/office/powerpoint/2010/main" val="287874265"/>
+      </p:ext>
+    </p:extLst>
+  </p:cSld>
+  <p:clrMapOvr>
+    <a:masterClrMapping/>
+  </p:clrMapOvr>
+</p:sld>
+</file>
+
+<file path=ppt/slides/slide7.xml><?xml version="1.0" encoding="utf-8"?>
+<p:sld xmlns:a="http://schemas.openxmlformats.org/drawingml/2006/main" xmlns:r="http://schemas.openxmlformats.org/officeDocument/2006/relationships" xmlns:p="http://schemas.openxmlformats.org/presentationml/2006/main">
+  <p:cSld>
+    <p:bg>
+      <p:bgPr>
+        <a:solidFill>
           <a:schemeClr val="bg1"/>
         </a:solidFill>
         <a:effectLst/>
@@ -36527,6 +38692,35 @@
           </a:p>
         </p:txBody>
       </p:sp>
+      <p:pic>
+        <p:nvPicPr>
+          <p:cNvPr id="3" name="Picture 2">
+            <a:extLst>
+              <a:ext uri="{FF2B5EF4-FFF2-40B4-BE49-F238E27FC236}">
+                <a16:creationId xmlns:a16="http://schemas.microsoft.com/office/drawing/2014/main" id="{AFF1330A-D6D4-FC50-C0CC-B32A097E6036}"/>
+              </a:ext>
+            </a:extLst>
+          </p:cNvPr>
+          <p:cNvPicPr>
+            <a:picLocks noChangeAspect="1"/>
+          </p:cNvPicPr>
+          <p:nvPr/>
+        </p:nvPicPr>
+        <p:blipFill rotWithShape="1">
+          <a:blip r:embed="rId2"/>
+          <a:srcRect l="13756" t="20345" r="1649" b="35983"/>
+          <a:stretch/>
+        </p:blipFill>
+        <p:spPr>
+          <a:xfrm>
+            <a:off x="479950" y="572677"/>
+            <a:ext cx="10313741" cy="2856323"/>
+          </a:xfrm>
+          <a:prstGeom prst="rect">
+            <a:avLst/>
+          </a:prstGeom>
+        </p:spPr>
+      </p:pic>
     </p:spTree>
     <p:extLst>
       <p:ext uri="{BB962C8B-B14F-4D97-AF65-F5344CB8AC3E}">

--- a/HexagonalAndBeyond.pptx
+++ b/HexagonalAndBeyond.pptx
@@ -5,13 +5,15 @@
     <p:sldMasterId id="2147483648" r:id="rId1"/>
   </p:sldMasterIdLst>
   <p:sldIdLst>
-    <p:sldId id="257" r:id="rId2"/>
-    <p:sldId id="263" r:id="rId3"/>
-    <p:sldId id="258" r:id="rId4"/>
-    <p:sldId id="259" r:id="rId5"/>
-    <p:sldId id="260" r:id="rId6"/>
-    <p:sldId id="265" r:id="rId7"/>
-    <p:sldId id="264" r:id="rId8"/>
+    <p:sldId id="268" r:id="rId2"/>
+    <p:sldId id="265" r:id="rId3"/>
+    <p:sldId id="266" r:id="rId4"/>
+    <p:sldId id="267" r:id="rId5"/>
+    <p:sldId id="257" r:id="rId6"/>
+    <p:sldId id="263" r:id="rId7"/>
+    <p:sldId id="258" r:id="rId8"/>
+    <p:sldId id="259" r:id="rId9"/>
+    <p:sldId id="260" r:id="rId10"/>
   </p:sldIdLst>
   <p:sldSz cx="12192000" cy="6858000"/>
   <p:notesSz cx="6858000" cy="9144000"/>
@@ -286,7 +288,7 @@
           <a:p>
             <a:fld id="{DC0C38C1-EB25-493B-8E40-CB7D44766240}" type="datetimeFigureOut">
               <a:rPr lang="fr-FR" smtClean="0"/>
-              <a:t>02/06/2022</a:t>
+              <a:t>06/06/2022</a:t>
             </a:fld>
             <a:endParaRPr lang="fr-FR"/>
           </a:p>
@@ -494,7 +496,7 @@
           <a:p>
             <a:fld id="{DC0C38C1-EB25-493B-8E40-CB7D44766240}" type="datetimeFigureOut">
               <a:rPr lang="fr-FR" smtClean="0"/>
-              <a:t>02/06/2022</a:t>
+              <a:t>06/06/2022</a:t>
             </a:fld>
             <a:endParaRPr lang="fr-FR"/>
           </a:p>
@@ -712,7 +714,7 @@
           <a:p>
             <a:fld id="{DC0C38C1-EB25-493B-8E40-CB7D44766240}" type="datetimeFigureOut">
               <a:rPr lang="fr-FR" smtClean="0"/>
-              <a:t>02/06/2022</a:t>
+              <a:t>06/06/2022</a:t>
             </a:fld>
             <a:endParaRPr lang="fr-FR"/>
           </a:p>
@@ -920,7 +922,7 @@
           <a:p>
             <a:fld id="{DC0C38C1-EB25-493B-8E40-CB7D44766240}" type="datetimeFigureOut">
               <a:rPr lang="fr-FR" smtClean="0"/>
-              <a:t>02/06/2022</a:t>
+              <a:t>06/06/2022</a:t>
             </a:fld>
             <a:endParaRPr lang="fr-FR"/>
           </a:p>
@@ -980,6 +982,48 @@
           </a:p>
         </p:txBody>
       </p:sp>
+      <p:pic>
+        <p:nvPicPr>
+          <p:cNvPr id="7" name="Content Placeholder 4" descr="A picture containing player, tiled&#10;&#10;Description automatically generated">
+            <a:extLst>
+              <a:ext uri="{FF2B5EF4-FFF2-40B4-BE49-F238E27FC236}">
+                <a16:creationId xmlns:a16="http://schemas.microsoft.com/office/drawing/2014/main" id="{3EF0A624-6C09-21CC-040E-49958991D99C}"/>
+              </a:ext>
+            </a:extLst>
+          </p:cNvPr>
+          <p:cNvPicPr>
+            <a:picLocks noChangeAspect="1"/>
+          </p:cNvPicPr>
+          <p:nvPr userDrawn="1"/>
+        </p:nvPicPr>
+        <p:blipFill rotWithShape="1">
+          <a:blip r:embed="rId2">
+            <a:duotone>
+              <a:schemeClr val="accent4">
+                <a:shade val="45000"/>
+                <a:satMod val="135000"/>
+              </a:schemeClr>
+              <a:prstClr val="white"/>
+            </a:duotone>
+            <a:extLst>
+              <a:ext uri="{28A0092B-C50C-407E-A947-70E740481C1C}">
+                <a14:useLocalDpi xmlns:a14="http://schemas.microsoft.com/office/drawing/2010/main" val="0"/>
+              </a:ext>
+            </a:extLst>
+          </a:blip>
+          <a:srcRect b="10000"/>
+          <a:stretch/>
+        </p:blipFill>
+        <p:spPr>
+          <a:xfrm>
+            <a:off x="20" y="10"/>
+            <a:ext cx="12191980" cy="6857990"/>
+          </a:xfrm>
+          <a:prstGeom prst="rect">
+            <a:avLst/>
+          </a:prstGeom>
+        </p:spPr>
+      </p:pic>
     </p:spTree>
     <p:extLst>
       <p:ext uri="{BB962C8B-B14F-4D97-AF65-F5344CB8AC3E}">
@@ -1204,7 +1248,7 @@
           <a:p>
             <a:fld id="{DC0C38C1-EB25-493B-8E40-CB7D44766240}" type="datetimeFigureOut">
               <a:rPr lang="fr-FR" smtClean="0"/>
-              <a:t>02/06/2022</a:t>
+              <a:t>06/06/2022</a:t>
             </a:fld>
             <a:endParaRPr lang="fr-FR"/>
           </a:p>
@@ -1480,7 +1524,7 @@
           <a:p>
             <a:fld id="{DC0C38C1-EB25-493B-8E40-CB7D44766240}" type="datetimeFigureOut">
               <a:rPr lang="fr-FR" smtClean="0"/>
-              <a:t>02/06/2022</a:t>
+              <a:t>06/06/2022</a:t>
             </a:fld>
             <a:endParaRPr lang="fr-FR"/>
           </a:p>
@@ -1903,7 +1947,7 @@
           <a:p>
             <a:fld id="{DC0C38C1-EB25-493B-8E40-CB7D44766240}" type="datetimeFigureOut">
               <a:rPr lang="fr-FR" smtClean="0"/>
-              <a:t>02/06/2022</a:t>
+              <a:t>06/06/2022</a:t>
             </a:fld>
             <a:endParaRPr lang="fr-FR"/>
           </a:p>
@@ -2053,7 +2097,7 @@
           <a:p>
             <a:fld id="{DC0C38C1-EB25-493B-8E40-CB7D44766240}" type="datetimeFigureOut">
               <a:rPr lang="fr-FR" smtClean="0"/>
-              <a:t>02/06/2022</a:t>
+              <a:t>06/06/2022</a:t>
             </a:fld>
             <a:endParaRPr lang="fr-FR"/>
           </a:p>
@@ -2174,7 +2218,7 @@
           <a:p>
             <a:fld id="{DC0C38C1-EB25-493B-8E40-CB7D44766240}" type="datetimeFigureOut">
               <a:rPr lang="fr-FR" smtClean="0"/>
-              <a:t>02/06/2022</a:t>
+              <a:t>06/06/2022</a:t>
             </a:fld>
             <a:endParaRPr lang="fr-FR"/>
           </a:p>
@@ -2495,7 +2539,7 @@
           <a:p>
             <a:fld id="{DC0C38C1-EB25-493B-8E40-CB7D44766240}" type="datetimeFigureOut">
               <a:rPr lang="fr-FR" smtClean="0"/>
-              <a:t>02/06/2022</a:t>
+              <a:t>06/06/2022</a:t>
             </a:fld>
             <a:endParaRPr lang="fr-FR"/>
           </a:p>
@@ -2792,7 +2836,7 @@
           <a:p>
             <a:fld id="{DC0C38C1-EB25-493B-8E40-CB7D44766240}" type="datetimeFigureOut">
               <a:rPr lang="fr-FR" smtClean="0"/>
-              <a:t>02/06/2022</a:t>
+              <a:t>06/06/2022</a:t>
             </a:fld>
             <a:endParaRPr lang="fr-FR"/>
           </a:p>
@@ -3038,7 +3082,7 @@
           <a:p>
             <a:fld id="{DC0C38C1-EB25-493B-8E40-CB7D44766240}" type="datetimeFigureOut">
               <a:rPr lang="fr-FR" smtClean="0"/>
-              <a:t>02/06/2022</a:t>
+              <a:t>06/06/2022</a:t>
             </a:fld>
             <a:endParaRPr lang="fr-FR"/>
           </a:p>
@@ -3134,6 +3178,48 @@
           </a:p>
         </p:txBody>
       </p:sp>
+      <p:pic>
+        <p:nvPicPr>
+          <p:cNvPr id="7" name="Content Placeholder 4" descr="A picture containing player, tiled&#10;&#10;Description automatically generated">
+            <a:extLst>
+              <a:ext uri="{FF2B5EF4-FFF2-40B4-BE49-F238E27FC236}">
+                <a16:creationId xmlns:a16="http://schemas.microsoft.com/office/drawing/2014/main" id="{61358C09-227D-3487-7286-7ACAEF86B770}"/>
+              </a:ext>
+            </a:extLst>
+          </p:cNvPr>
+          <p:cNvPicPr>
+            <a:picLocks noChangeAspect="1"/>
+          </p:cNvPicPr>
+          <p:nvPr userDrawn="1"/>
+        </p:nvPicPr>
+        <p:blipFill rotWithShape="1">
+          <a:blip r:embed="rId13">
+            <a:duotone>
+              <a:schemeClr val="accent4">
+                <a:shade val="45000"/>
+                <a:satMod val="135000"/>
+              </a:schemeClr>
+              <a:prstClr val="white"/>
+            </a:duotone>
+            <a:extLst>
+              <a:ext uri="{28A0092B-C50C-407E-A947-70E740481C1C}">
+                <a14:useLocalDpi xmlns:a14="http://schemas.microsoft.com/office/drawing/2010/main" val="0"/>
+              </a:ext>
+            </a:extLst>
+          </a:blip>
+          <a:srcRect b="10000"/>
+          <a:stretch/>
+        </p:blipFill>
+        <p:spPr>
+          <a:xfrm>
+            <a:off x="20" y="10"/>
+            <a:ext cx="12191980" cy="6857990"/>
+          </a:xfrm>
+          <a:prstGeom prst="rect">
+            <a:avLst/>
+          </a:prstGeom>
+        </p:spPr>
+      </p:pic>
     </p:spTree>
     <p:extLst>
       <p:ext uri="{BB962C8B-B14F-4D97-AF65-F5344CB8AC3E}">
@@ -3439,6 +3525,3845 @@
 </file>
 
 <file path=ppt/slides/slide1.xml><?xml version="1.0" encoding="utf-8"?>
+<p:sld xmlns:a="http://schemas.openxmlformats.org/drawingml/2006/main" xmlns:r="http://schemas.openxmlformats.org/officeDocument/2006/relationships" xmlns:p="http://schemas.openxmlformats.org/presentationml/2006/main">
+  <p:cSld>
+    <p:bg>
+      <p:bgPr>
+        <a:solidFill>
+          <a:schemeClr val="bg1"/>
+        </a:solidFill>
+        <a:effectLst/>
+      </p:bgPr>
+    </p:bg>
+    <p:spTree>
+      <p:nvGrpSpPr>
+        <p:cNvPr id="1" name=""/>
+        <p:cNvGrpSpPr/>
+        <p:nvPr/>
+      </p:nvGrpSpPr>
+      <p:grpSpPr>
+        <a:xfrm>
+          <a:off x="0" y="0"/>
+          <a:ext cx="0" cy="0"/>
+          <a:chOff x="0" y="0"/>
+          <a:chExt cx="0" cy="0"/>
+        </a:xfrm>
+      </p:grpSpPr>
+      <p:pic>
+        <p:nvPicPr>
+          <p:cNvPr id="5" name="Content Placeholder 4" descr="A picture containing player, tiled&#10;&#10;Description automatically generated">
+            <a:extLst>
+              <a:ext uri="{FF2B5EF4-FFF2-40B4-BE49-F238E27FC236}">
+                <a16:creationId xmlns:a16="http://schemas.microsoft.com/office/drawing/2014/main" id="{8B1B3379-69B8-E7E0-0CC9-3CCCCA7000D0}"/>
+              </a:ext>
+            </a:extLst>
+          </p:cNvPr>
+          <p:cNvPicPr>
+            <a:picLocks noGrp="1" noChangeAspect="1"/>
+          </p:cNvPicPr>
+          <p:nvPr>
+            <p:ph idx="1"/>
+          </p:nvPr>
+        </p:nvPicPr>
+        <p:blipFill rotWithShape="1">
+          <a:blip r:embed="rId2">
+            <a:duotone>
+              <a:schemeClr val="accent4">
+                <a:shade val="45000"/>
+                <a:satMod val="135000"/>
+              </a:schemeClr>
+              <a:prstClr val="white"/>
+            </a:duotone>
+            <a:extLst>
+              <a:ext uri="{28A0092B-C50C-407E-A947-70E740481C1C}">
+                <a14:useLocalDpi xmlns:a14="http://schemas.microsoft.com/office/drawing/2010/main" val="0"/>
+              </a:ext>
+            </a:extLst>
+          </a:blip>
+          <a:srcRect b="10000"/>
+          <a:stretch/>
+        </p:blipFill>
+        <p:spPr>
+          <a:xfrm>
+            <a:off x="20" y="10"/>
+            <a:ext cx="12191980" cy="6857990"/>
+          </a:xfrm>
+          <a:prstGeom prst="rect">
+            <a:avLst/>
+          </a:prstGeom>
+        </p:spPr>
+      </p:pic>
+      <p:sp>
+        <p:nvSpPr>
+          <p:cNvPr id="10" name="Freeform 5">
+            <a:extLst>
+              <a:ext uri="{FF2B5EF4-FFF2-40B4-BE49-F238E27FC236}">
+                <a16:creationId xmlns:a16="http://schemas.microsoft.com/office/drawing/2014/main" id="{87CC2527-562A-4F69-B487-4371E5B243E7}"/>
+              </a:ext>
+              <a:ext uri="{C183D7F6-B498-43B3-948B-1728B52AA6E4}">
+                <adec:decorative xmlns:adec="http://schemas.microsoft.com/office/drawing/2017/decorative" val="1"/>
+              </a:ext>
+            </a:extLst>
+          </p:cNvPr>
+          <p:cNvSpPr>
+            <a:spLocks noGrp="1" noRot="1" noChangeAspect="1" noMove="1" noResize="1" noEditPoints="1" noAdjustHandles="1" noChangeArrowheads="1" noChangeShapeType="1" noTextEdit="1"/>
+          </p:cNvSpPr>
+          <p:nvPr>
+            <p:extLst>
+              <p:ext uri="{386F3935-93C4-4BCD-93E2-E3B085C9AB24}">
+                <p16:designElem xmlns:p16="http://schemas.microsoft.com/office/powerpoint/2015/main" val="1"/>
+              </p:ext>
+            </p:extLst>
+          </p:nvPr>
+        </p:nvSpPr>
+        <p:spPr bwMode="grayWhite">
+          <a:xfrm>
+            <a:off x="7488621" y="2277613"/>
+            <a:ext cx="4703379" cy="4580387"/>
+          </a:xfrm>
+          <a:custGeom>
+            <a:avLst/>
+            <a:gdLst>
+              <a:gd name="T0" fmla="*/ 1333 w 1333"/>
+              <a:gd name="T1" fmla="*/ 1031 h 1298"/>
+              <a:gd name="T2" fmla="*/ 1333 w 1333"/>
+              <a:gd name="T3" fmla="*/ 380 h 1298"/>
+              <a:gd name="T4" fmla="*/ 706 w 1333"/>
+              <a:gd name="T5" fmla="*/ 0 h 1298"/>
+              <a:gd name="T6" fmla="*/ 0 w 1333"/>
+              <a:gd name="T7" fmla="*/ 706 h 1298"/>
+              <a:gd name="T8" fmla="*/ 323 w 1333"/>
+              <a:gd name="T9" fmla="*/ 1298 h 1298"/>
+              <a:gd name="T10" fmla="*/ 1090 w 1333"/>
+              <a:gd name="T11" fmla="*/ 1298 h 1298"/>
+              <a:gd name="T12" fmla="*/ 1333 w 1333"/>
+              <a:gd name="T13" fmla="*/ 1031 h 1298"/>
+            </a:gdLst>
+            <a:ahLst/>
+            <a:cxnLst>
+              <a:cxn ang="0">
+                <a:pos x="T0" y="T1"/>
+              </a:cxn>
+              <a:cxn ang="0">
+                <a:pos x="T2" y="T3"/>
+              </a:cxn>
+              <a:cxn ang="0">
+                <a:pos x="T4" y="T5"/>
+              </a:cxn>
+              <a:cxn ang="0">
+                <a:pos x="T6" y="T7"/>
+              </a:cxn>
+              <a:cxn ang="0">
+                <a:pos x="T8" y="T9"/>
+              </a:cxn>
+              <a:cxn ang="0">
+                <a:pos x="T10" y="T11"/>
+              </a:cxn>
+              <a:cxn ang="0">
+                <a:pos x="T12" y="T13"/>
+              </a:cxn>
+            </a:cxnLst>
+            <a:rect l="0" t="0" r="r" b="b"/>
+            <a:pathLst>
+              <a:path w="1333" h="1298">
+                <a:moveTo>
+                  <a:pt x="1333" y="1031"/>
+                </a:moveTo>
+                <a:cubicBezTo>
+                  <a:pt x="1333" y="380"/>
+                  <a:pt x="1333" y="380"/>
+                  <a:pt x="1333" y="380"/>
+                </a:cubicBezTo>
+                <a:cubicBezTo>
+                  <a:pt x="1215" y="154"/>
+                  <a:pt x="979" y="0"/>
+                  <a:pt x="706" y="0"/>
+                </a:cubicBezTo>
+                <a:cubicBezTo>
+                  <a:pt x="317" y="0"/>
+                  <a:pt x="0" y="316"/>
+                  <a:pt x="0" y="706"/>
+                </a:cubicBezTo>
+                <a:cubicBezTo>
+                  <a:pt x="0" y="954"/>
+                  <a:pt x="129" y="1172"/>
+                  <a:pt x="323" y="1298"/>
+                </a:cubicBezTo>
+                <a:cubicBezTo>
+                  <a:pt x="1090" y="1298"/>
+                  <a:pt x="1090" y="1298"/>
+                  <a:pt x="1090" y="1298"/>
+                </a:cubicBezTo>
+                <a:cubicBezTo>
+                  <a:pt x="1193" y="1232"/>
+                  <a:pt x="1276" y="1140"/>
+                  <a:pt x="1333" y="1031"/>
+                </a:cubicBezTo>
+                <a:close/>
+              </a:path>
+            </a:pathLst>
+          </a:custGeom>
+          <a:solidFill>
+            <a:schemeClr val="bg1">
+              <a:alpha val="70000"/>
+            </a:schemeClr>
+          </a:solidFill>
+          <a:ln w="50800" cap="sq" cmpd="dbl">
+            <a:noFill/>
+            <a:miter lim="800000"/>
+          </a:ln>
+          <a:effectLst/>
+        </p:spPr>
+        <p:txBody>
+          <a:bodyPr vert="horz" lIns="91440" tIns="45720" rIns="91440" bIns="45720" rtlCol="0" anchor="t">
+            <a:normAutofit/>
+          </a:bodyPr>
+          <a:lstStyle/>
+          <a:p>
+            <a:pPr algn="ctr">
+              <a:spcAft>
+                <a:spcPts val="1000"/>
+              </a:spcAft>
+              <a:buClr>
+                <a:schemeClr val="tx1"/>
+              </a:buClr>
+              <a:buSzPct val="100000"/>
+              <a:buFont typeface="Arial"/>
+              <a:buNone/>
+            </a:pPr>
+            <a:endParaRPr lang="en-US" sz="1600" cap="all"/>
+          </a:p>
+        </p:txBody>
+      </p:sp>
+      <p:sp>
+        <p:nvSpPr>
+          <p:cNvPr id="2" name="Title 1">
+            <a:extLst>
+              <a:ext uri="{FF2B5EF4-FFF2-40B4-BE49-F238E27FC236}">
+                <a16:creationId xmlns:a16="http://schemas.microsoft.com/office/drawing/2014/main" id="{E7DB03CF-C6DC-A3F8-8665-C81D3D0747EA}"/>
+              </a:ext>
+            </a:extLst>
+          </p:cNvPr>
+          <p:cNvSpPr>
+            <a:spLocks noGrp="1"/>
+          </p:cNvSpPr>
+          <p:nvPr>
+            <p:ph type="title"/>
+          </p:nvPr>
+        </p:nvSpPr>
+        <p:spPr>
+          <a:xfrm>
+            <a:off x="8022021" y="3231931"/>
+            <a:ext cx="3852041" cy="1834056"/>
+          </a:xfrm>
+        </p:spPr>
+        <p:txBody>
+          <a:bodyPr vert="horz" lIns="91440" tIns="45720" rIns="91440" bIns="45720" rtlCol="0" anchor="b">
+            <a:normAutofit/>
+          </a:bodyPr>
+          <a:lstStyle/>
+          <a:p>
+            <a:pPr algn="ctr"/>
+            <a:r>
+              <a:rPr lang="en-US" sz="4000" b="1" dirty="0">
+                <a:solidFill>
+                  <a:srgbClr val="C00000"/>
+                </a:solidFill>
+                <a:latin typeface="Alte Haas Grotesk" panose="02000503000000020004" pitchFamily="2" charset="0"/>
+              </a:rPr>
+              <a:t>Hexagonal Architecture </a:t>
+            </a:r>
+            <a:br>
+              <a:rPr lang="en-US" sz="4000" b="1" dirty="0">
+                <a:solidFill>
+                  <a:srgbClr val="C00000"/>
+                </a:solidFill>
+                <a:latin typeface="Alte Haas Grotesk" panose="02000503000000020004" pitchFamily="2" charset="0"/>
+              </a:rPr>
+            </a:br>
+            <a:r>
+              <a:rPr lang="en-US" sz="4000" b="1" dirty="0">
+                <a:solidFill>
+                  <a:srgbClr val="C00000"/>
+                </a:solidFill>
+                <a:latin typeface="Alte Haas Grotesk" panose="02000503000000020004" pitchFamily="2" charset="0"/>
+              </a:rPr>
+              <a:t>&amp; Beyond</a:t>
+            </a:r>
+          </a:p>
+        </p:txBody>
+      </p:sp>
+      <p:cxnSp>
+        <p:nvCxnSpPr>
+          <p:cNvPr id="12" name="Straight Connector 11">
+            <a:extLst>
+              <a:ext uri="{FF2B5EF4-FFF2-40B4-BE49-F238E27FC236}">
+                <a16:creationId xmlns:a16="http://schemas.microsoft.com/office/drawing/2014/main" id="{BCDAEC91-5BCE-4B55-9CC0-43EF94CB734B}"/>
+              </a:ext>
+              <a:ext uri="{C183D7F6-B498-43B3-948B-1728B52AA6E4}">
+                <adec:decorative xmlns:adec="http://schemas.microsoft.com/office/drawing/2017/decorative" val="1"/>
+              </a:ext>
+            </a:extLst>
+          </p:cNvPr>
+          <p:cNvCxnSpPr>
+            <a:cxnSpLocks noGrp="1" noRot="1" noChangeAspect="1" noMove="1" noResize="1" noEditPoints="1" noAdjustHandles="1" noChangeArrowheads="1" noChangeShapeType="1"/>
+          </p:cNvCxnSpPr>
+          <p:nvPr>
+            <p:extLst>
+              <p:ext uri="{386F3935-93C4-4BCD-93E2-E3B085C9AB24}">
+                <p16:designElem xmlns:p16="http://schemas.microsoft.com/office/powerpoint/2015/main" val="1"/>
+              </p:ext>
+            </p:extLst>
+          </p:nvPr>
+        </p:nvCxnSpPr>
+        <p:spPr>
+          <a:xfrm>
+            <a:off x="9480331" y="5123793"/>
+            <a:ext cx="935420" cy="0"/>
+          </a:xfrm>
+          <a:prstGeom prst="line">
+            <a:avLst/>
+          </a:prstGeom>
+          <a:ln w="25400" cap="sq">
+            <a:solidFill>
+              <a:schemeClr val="tx1">
+                <a:lumMod val="85000"/>
+                <a:lumOff val="15000"/>
+              </a:schemeClr>
+            </a:solidFill>
+            <a:bevel/>
+          </a:ln>
+        </p:spPr>
+        <p:style>
+          <a:lnRef idx="1">
+            <a:schemeClr val="accent1"/>
+          </a:lnRef>
+          <a:fillRef idx="0">
+            <a:schemeClr val="accent1"/>
+          </a:fillRef>
+          <a:effectRef idx="0">
+            <a:schemeClr val="accent1"/>
+          </a:effectRef>
+          <a:fontRef idx="minor">
+            <a:schemeClr val="tx1"/>
+          </a:fontRef>
+        </p:style>
+      </p:cxnSp>
+      <p:sp>
+        <p:nvSpPr>
+          <p:cNvPr id="8" name="Title 1">
+            <a:extLst>
+              <a:ext uri="{FF2B5EF4-FFF2-40B4-BE49-F238E27FC236}">
+                <a16:creationId xmlns:a16="http://schemas.microsoft.com/office/drawing/2014/main" id="{08F56715-01BF-57E5-7FBC-EBE845C60268}"/>
+              </a:ext>
+            </a:extLst>
+          </p:cNvPr>
+          <p:cNvSpPr txBox="1">
+            <a:spLocks/>
+          </p:cNvSpPr>
+          <p:nvPr/>
+        </p:nvSpPr>
+        <p:spPr>
+          <a:xfrm>
+            <a:off x="8022020" y="5128171"/>
+            <a:ext cx="3852041" cy="973522"/>
+          </a:xfrm>
+          <a:prstGeom prst="rect">
+            <a:avLst/>
+          </a:prstGeom>
+        </p:spPr>
+        <p:txBody>
+          <a:bodyPr vert="horz" lIns="91440" tIns="45720" rIns="91440" bIns="45720" rtlCol="0" anchor="b">
+            <a:normAutofit/>
+          </a:bodyPr>
+          <a:lstStyle>
+            <a:lvl1pPr algn="l" defTabSz="914400" rtl="0" eaLnBrk="1" latinLnBrk="0" hangingPunct="1">
+              <a:lnSpc>
+                <a:spcPct val="90000"/>
+              </a:lnSpc>
+              <a:spcBef>
+                <a:spcPct val="0"/>
+              </a:spcBef>
+              <a:buNone/>
+              <a:defRPr sz="4400" kern="1200">
+                <a:solidFill>
+                  <a:schemeClr val="tx1"/>
+                </a:solidFill>
+                <a:latin typeface="+mj-lt"/>
+                <a:ea typeface="+mj-ea"/>
+                <a:cs typeface="+mj-cs"/>
+              </a:defRPr>
+            </a:lvl1pPr>
+          </a:lstStyle>
+          <a:p>
+            <a:pPr algn="ctr"/>
+            <a:r>
+              <a:rPr lang="en-US" sz="1800" b="1" dirty="0">
+                <a:latin typeface="Alte Haas Grotesk" panose="02000503000000020004" pitchFamily="2" charset="0"/>
+              </a:rPr>
+              <a:t>Thomas PIERRAIN</a:t>
+            </a:r>
+          </a:p>
+          <a:p>
+            <a:pPr algn="ctr"/>
+            <a:r>
+              <a:rPr lang="en-US" sz="1800" b="1" dirty="0">
+                <a:latin typeface="Alte Haas Grotesk" panose="02000503000000020004" pitchFamily="2" charset="0"/>
+              </a:rPr>
+              <a:t>(use case driven)</a:t>
+            </a:r>
+          </a:p>
+          <a:p>
+            <a:pPr algn="ctr"/>
+            <a:r>
+              <a:rPr lang="en-US" sz="1800" b="1" dirty="0">
+                <a:latin typeface="Alte Haas Grotesk" panose="02000503000000020004" pitchFamily="2" charset="0"/>
+              </a:rPr>
+              <a:t>@tpierrain</a:t>
+            </a:r>
+          </a:p>
+        </p:txBody>
+      </p:sp>
+      <p:grpSp>
+        <p:nvGrpSpPr>
+          <p:cNvPr id="7" name="Group 6">
+            <a:extLst>
+              <a:ext uri="{FF2B5EF4-FFF2-40B4-BE49-F238E27FC236}">
+                <a16:creationId xmlns:a16="http://schemas.microsoft.com/office/drawing/2014/main" id="{40DE908B-A6F1-41EC-242B-54CBDCE3A3FB}"/>
+              </a:ext>
+            </a:extLst>
+          </p:cNvPr>
+          <p:cNvGrpSpPr/>
+          <p:nvPr/>
+        </p:nvGrpSpPr>
+        <p:grpSpPr>
+          <a:xfrm>
+            <a:off x="9325741" y="6101693"/>
+            <a:ext cx="1244597" cy="369280"/>
+            <a:chOff x="8974667" y="6020305"/>
+            <a:chExt cx="2209800" cy="655662"/>
+          </a:xfrm>
+        </p:grpSpPr>
+        <p:sp>
+          <p:nvSpPr>
+            <p:cNvPr id="6" name="Rectangle 5">
+              <a:extLst>
+                <a:ext uri="{FF2B5EF4-FFF2-40B4-BE49-F238E27FC236}">
+                  <a16:creationId xmlns:a16="http://schemas.microsoft.com/office/drawing/2014/main" id="{8F6FCA8A-9AA2-29FB-AD42-A4E2A2198F47}"/>
+                </a:ext>
+              </a:extLst>
+            </p:cNvPr>
+            <p:cNvSpPr/>
+            <p:nvPr/>
+          </p:nvSpPr>
+          <p:spPr>
+            <a:xfrm>
+              <a:off x="8974667" y="6020305"/>
+              <a:ext cx="2209800" cy="655662"/>
+            </a:xfrm>
+            <a:prstGeom prst="rect">
+              <a:avLst/>
+            </a:prstGeom>
+            <a:solidFill>
+              <a:schemeClr val="tx1"/>
+            </a:solidFill>
+            <a:ln>
+              <a:solidFill>
+                <a:schemeClr val="tx1"/>
+              </a:solidFill>
+            </a:ln>
+          </p:spPr>
+          <p:style>
+            <a:lnRef idx="2">
+              <a:schemeClr val="accent1">
+                <a:shade val="50000"/>
+              </a:schemeClr>
+            </a:lnRef>
+            <a:fillRef idx="1">
+              <a:schemeClr val="accent1"/>
+            </a:fillRef>
+            <a:effectRef idx="0">
+              <a:schemeClr val="accent1"/>
+            </a:effectRef>
+            <a:fontRef idx="minor">
+              <a:schemeClr val="lt1"/>
+            </a:fontRef>
+          </p:style>
+          <p:txBody>
+            <a:bodyPr rtlCol="0" anchor="ctr"/>
+            <a:lstStyle/>
+            <a:p>
+              <a:pPr algn="ctr"/>
+              <a:endParaRPr lang="en-US"/>
+            </a:p>
+          </p:txBody>
+        </p:sp>
+        <p:pic>
+          <p:nvPicPr>
+            <p:cNvPr id="9" name="Picture 2" descr="Office Manager &amp; DAF Externalisé: Une meilleure collaboration dans la  gestion des dépenses grâce à Spendesk">
+              <a:extLst>
+                <a:ext uri="{FF2B5EF4-FFF2-40B4-BE49-F238E27FC236}">
+                  <a16:creationId xmlns:a16="http://schemas.microsoft.com/office/drawing/2014/main" id="{7D3D6B3C-34C7-1614-79EE-52F224B96C1E}"/>
+                </a:ext>
+              </a:extLst>
+            </p:cNvPr>
+            <p:cNvPicPr>
+              <a:picLocks noChangeAspect="1" noChangeArrowheads="1"/>
+            </p:cNvPicPr>
+            <p:nvPr/>
+          </p:nvPicPr>
+          <p:blipFill>
+            <a:blip r:embed="rId3">
+              <a:extLst>
+                <a:ext uri="{28A0092B-C50C-407E-A947-70E740481C1C}">
+                  <a14:useLocalDpi xmlns:a14="http://schemas.microsoft.com/office/drawing/2010/main" val="0"/>
+                </a:ext>
+              </a:extLst>
+            </a:blip>
+            <a:srcRect/>
+            <a:stretch>
+              <a:fillRect/>
+            </a:stretch>
+          </p:blipFill>
+          <p:spPr bwMode="auto">
+            <a:xfrm>
+              <a:off x="9183416" y="6119988"/>
+              <a:ext cx="1792303" cy="456297"/>
+            </a:xfrm>
+            <a:prstGeom prst="rect">
+              <a:avLst/>
+            </a:prstGeom>
+            <a:noFill/>
+            <a:extLst>
+              <a:ext uri="{909E8E84-426E-40DD-AFC4-6F175D3DCCD1}">
+                <a14:hiddenFill xmlns:a14="http://schemas.microsoft.com/office/drawing/2010/main">
+                  <a:solidFill>
+                    <a:srgbClr val="FFFFFF"/>
+                  </a:solidFill>
+                </a14:hiddenFill>
+              </a:ext>
+            </a:extLst>
+          </p:spPr>
+        </p:pic>
+      </p:grpSp>
+    </p:spTree>
+    <p:extLst>
+      <p:ext uri="{BB962C8B-B14F-4D97-AF65-F5344CB8AC3E}">
+        <p14:creationId xmlns:p14="http://schemas.microsoft.com/office/powerpoint/2010/main" val="3463917330"/>
+      </p:ext>
+    </p:extLst>
+  </p:cSld>
+  <p:clrMapOvr>
+    <a:masterClrMapping/>
+  </p:clrMapOvr>
+</p:sld>
+</file>
+
+<file path=ppt/slides/slide2.xml><?xml version="1.0" encoding="utf-8"?>
+<p:sld xmlns:a="http://schemas.openxmlformats.org/drawingml/2006/main" xmlns:r="http://schemas.openxmlformats.org/officeDocument/2006/relationships" xmlns:p="http://schemas.openxmlformats.org/presentationml/2006/main">
+  <p:cSld>
+    <p:bg>
+      <p:bgPr>
+        <a:solidFill>
+          <a:schemeClr val="accent2">
+            <a:lumMod val="20000"/>
+            <a:lumOff val="80000"/>
+          </a:schemeClr>
+        </a:solidFill>
+        <a:effectLst/>
+      </p:bgPr>
+    </p:bg>
+    <p:spTree>
+      <p:nvGrpSpPr>
+        <p:cNvPr id="1" name=""/>
+        <p:cNvGrpSpPr/>
+        <p:nvPr/>
+      </p:nvGrpSpPr>
+      <p:grpSpPr>
+        <a:xfrm>
+          <a:off x="0" y="0"/>
+          <a:ext cx="0" cy="0"/>
+          <a:chOff x="0" y="0"/>
+          <a:chExt cx="0" cy="0"/>
+        </a:xfrm>
+      </p:grpSpPr>
+      <p:sp>
+        <p:nvSpPr>
+          <p:cNvPr id="76" name="TextBox 75">
+            <a:extLst>
+              <a:ext uri="{FF2B5EF4-FFF2-40B4-BE49-F238E27FC236}">
+                <a16:creationId xmlns:a16="http://schemas.microsoft.com/office/drawing/2014/main" id="{6C22163D-87CF-BDE6-599E-F2275CD480AD}"/>
+              </a:ext>
+            </a:extLst>
+          </p:cNvPr>
+          <p:cNvSpPr txBox="1"/>
+          <p:nvPr/>
+        </p:nvSpPr>
+        <p:spPr>
+          <a:xfrm>
+            <a:off x="553665" y="176549"/>
+            <a:ext cx="11130335" cy="461665"/>
+          </a:xfrm>
+          <a:prstGeom prst="rect">
+            <a:avLst/>
+          </a:prstGeom>
+          <a:noFill/>
+        </p:spPr>
+        <p:txBody>
+          <a:bodyPr wrap="square" rtlCol="0" anchor="t">
+            <a:spAutoFit/>
+          </a:bodyPr>
+          <a:lstStyle/>
+          <a:p>
+            <a:pPr algn="r"/>
+            <a:r>
+              <a:rPr lang="en-US" sz="2300" b="1" cap="all" dirty="0">
+                <a:solidFill>
+                  <a:srgbClr val="C00000"/>
+                </a:solidFill>
+                <a:latin typeface="Alte Haas Grotesk" panose="02000503000000020004" pitchFamily="2" charset="0"/>
+              </a:rPr>
+              <a:t>Hexagonal “Micro” services</a:t>
+            </a:r>
+          </a:p>
+        </p:txBody>
+      </p:sp>
+      <p:sp>
+        <p:nvSpPr>
+          <p:cNvPr id="139" name="TextBox 138">
+            <a:extLst>
+              <a:ext uri="{FF2B5EF4-FFF2-40B4-BE49-F238E27FC236}">
+                <a16:creationId xmlns:a16="http://schemas.microsoft.com/office/drawing/2014/main" id="{D87D58F9-2C40-7FD4-B61B-2A6215BFBADB}"/>
+              </a:ext>
+            </a:extLst>
+          </p:cNvPr>
+          <p:cNvSpPr txBox="1"/>
+          <p:nvPr/>
+        </p:nvSpPr>
+        <p:spPr>
+          <a:xfrm>
+            <a:off x="8269919" y="698400"/>
+            <a:ext cx="3364147" cy="369332"/>
+          </a:xfrm>
+          <a:prstGeom prst="rect">
+            <a:avLst/>
+          </a:prstGeom>
+          <a:noFill/>
+        </p:spPr>
+        <p:txBody>
+          <a:bodyPr wrap="square" rtlCol="0">
+            <a:spAutoFit/>
+          </a:bodyPr>
+          <a:lstStyle/>
+          <a:p>
+            <a:pPr algn="r"/>
+            <a:r>
+              <a:rPr lang="en-US" dirty="0"/>
+              <a:t>@tpierrain (use case driven)</a:t>
+            </a:r>
+          </a:p>
+        </p:txBody>
+      </p:sp>
+      <p:cxnSp>
+        <p:nvCxnSpPr>
+          <p:cNvPr id="80" name="Straight Arrow Connector 79">
+            <a:extLst>
+              <a:ext uri="{FF2B5EF4-FFF2-40B4-BE49-F238E27FC236}">
+                <a16:creationId xmlns:a16="http://schemas.microsoft.com/office/drawing/2014/main" id="{CF148EDC-DFD7-DD46-9E09-4881F99D4190}"/>
+              </a:ext>
+            </a:extLst>
+          </p:cNvPr>
+          <p:cNvCxnSpPr>
+            <a:cxnSpLocks/>
+            <a:stCxn id="216" idx="2"/>
+            <a:endCxn id="54" idx="3"/>
+          </p:cNvCxnSpPr>
+          <p:nvPr/>
+        </p:nvCxnSpPr>
+        <p:spPr>
+          <a:xfrm>
+            <a:off x="7481098" y="4095553"/>
+            <a:ext cx="1504138" cy="519474"/>
+          </a:xfrm>
+          <a:prstGeom prst="straightConnector1">
+            <a:avLst/>
+          </a:prstGeom>
+          <a:ln w="19050">
+            <a:solidFill>
+              <a:schemeClr val="tx1"/>
+            </a:solidFill>
+            <a:prstDash val="solid"/>
+            <a:tailEnd type="triangle"/>
+          </a:ln>
+        </p:spPr>
+        <p:style>
+          <a:lnRef idx="1">
+            <a:schemeClr val="accent1"/>
+          </a:lnRef>
+          <a:fillRef idx="0">
+            <a:schemeClr val="accent1"/>
+          </a:fillRef>
+          <a:effectRef idx="0">
+            <a:schemeClr val="accent1"/>
+          </a:effectRef>
+          <a:fontRef idx="minor">
+            <a:schemeClr val="tx1"/>
+          </a:fontRef>
+        </p:style>
+      </p:cxnSp>
+      <p:sp>
+        <p:nvSpPr>
+          <p:cNvPr id="54" name="Hexagon 53">
+            <a:extLst>
+              <a:ext uri="{FF2B5EF4-FFF2-40B4-BE49-F238E27FC236}">
+                <a16:creationId xmlns:a16="http://schemas.microsoft.com/office/drawing/2014/main" id="{9DD52ED7-5148-67C5-D885-4E2830223613}"/>
+              </a:ext>
+            </a:extLst>
+          </p:cNvPr>
+          <p:cNvSpPr/>
+          <p:nvPr/>
+        </p:nvSpPr>
+        <p:spPr>
+          <a:xfrm>
+            <a:off x="8985236" y="3672163"/>
+            <a:ext cx="2738578" cy="1885727"/>
+          </a:xfrm>
+          <a:prstGeom prst="hexagon">
+            <a:avLst/>
+          </a:prstGeom>
+          <a:solidFill>
+            <a:srgbClr val="C5E0B4"/>
+          </a:solidFill>
+          <a:ln w="47625">
+            <a:solidFill>
+              <a:schemeClr val="accent6">
+                <a:lumMod val="50000"/>
+              </a:schemeClr>
+            </a:solidFill>
+          </a:ln>
+        </p:spPr>
+        <p:style>
+          <a:lnRef idx="2">
+            <a:schemeClr val="accent1">
+              <a:shade val="50000"/>
+            </a:schemeClr>
+          </a:lnRef>
+          <a:fillRef idx="1">
+            <a:schemeClr val="accent1"/>
+          </a:fillRef>
+          <a:effectRef idx="0">
+            <a:schemeClr val="accent1"/>
+          </a:effectRef>
+          <a:fontRef idx="minor">
+            <a:schemeClr val="lt1"/>
+          </a:fontRef>
+        </p:style>
+        <p:txBody>
+          <a:bodyPr rtlCol="0" anchor="ctr"/>
+          <a:lstStyle/>
+          <a:p>
+            <a:pPr algn="ctr"/>
+            <a:r>
+              <a:rPr lang="en-GB" sz="1800" b="1" cap="all" dirty="0">
+                <a:solidFill>
+                  <a:schemeClr val="tx1"/>
+                </a:solidFill>
+                <a:latin typeface="Alte Haas Grotesk" panose="02000503000000020004" pitchFamily="2" charset="0"/>
+              </a:rPr>
+              <a:t>Auditorium </a:t>
+            </a:r>
+            <a:r>
+              <a:rPr lang="en-GB" sz="1800" b="1" cap="all" dirty="0" err="1">
+                <a:solidFill>
+                  <a:schemeClr val="tx1"/>
+                </a:solidFill>
+                <a:latin typeface="Alte Haas Grotesk" panose="02000503000000020004" pitchFamily="2" charset="0"/>
+              </a:rPr>
+              <a:t>seatings</a:t>
+            </a:r>
+            <a:r>
+              <a:rPr lang="en-GB" sz="1800" b="1" cap="all" dirty="0">
+                <a:solidFill>
+                  <a:schemeClr val="tx1"/>
+                </a:solidFill>
+                <a:latin typeface="Alte Haas Grotesk" panose="02000503000000020004" pitchFamily="2" charset="0"/>
+              </a:rPr>
+              <a:t> API</a:t>
+            </a:r>
+            <a:endParaRPr lang="fr-FR" dirty="0">
+              <a:solidFill>
+                <a:schemeClr val="tx1"/>
+              </a:solidFill>
+            </a:endParaRPr>
+          </a:p>
+        </p:txBody>
+      </p:sp>
+      <p:grpSp>
+        <p:nvGrpSpPr>
+          <p:cNvPr id="9" name="Group 8">
+            <a:extLst>
+              <a:ext uri="{FF2B5EF4-FFF2-40B4-BE49-F238E27FC236}">
+                <a16:creationId xmlns:a16="http://schemas.microsoft.com/office/drawing/2014/main" id="{12C75229-5FE5-9C3C-75B6-2803B1934537}"/>
+              </a:ext>
+            </a:extLst>
+          </p:cNvPr>
+          <p:cNvGrpSpPr/>
+          <p:nvPr/>
+        </p:nvGrpSpPr>
+        <p:grpSpPr>
+          <a:xfrm>
+            <a:off x="1185295" y="1169988"/>
+            <a:ext cx="7317239" cy="4795034"/>
+            <a:chOff x="-228725" y="651514"/>
+            <a:chExt cx="7317239" cy="4795034"/>
+          </a:xfrm>
+        </p:grpSpPr>
+        <p:sp>
+          <p:nvSpPr>
+            <p:cNvPr id="35" name="Hexagon 34">
+              <a:extLst>
+                <a:ext uri="{FF2B5EF4-FFF2-40B4-BE49-F238E27FC236}">
+                  <a16:creationId xmlns:a16="http://schemas.microsoft.com/office/drawing/2014/main" id="{33B14C1D-1A7E-737A-1CCD-C4EC7DED6FA1}"/>
+                </a:ext>
+              </a:extLst>
+            </p:cNvPr>
+            <p:cNvSpPr/>
+            <p:nvPr/>
+          </p:nvSpPr>
+          <p:spPr>
+            <a:xfrm>
+              <a:off x="1130412" y="1372282"/>
+              <a:ext cx="5174160" cy="3562815"/>
+            </a:xfrm>
+            <a:prstGeom prst="hexagon">
+              <a:avLst/>
+            </a:prstGeom>
+            <a:solidFill>
+              <a:srgbClr val="DFC9EF"/>
+            </a:solidFill>
+            <a:ln w="47625">
+              <a:solidFill>
+                <a:srgbClr val="7030A0"/>
+              </a:solidFill>
+            </a:ln>
+          </p:spPr>
+          <p:style>
+            <a:lnRef idx="2">
+              <a:schemeClr val="accent1">
+                <a:shade val="50000"/>
+              </a:schemeClr>
+            </a:lnRef>
+            <a:fillRef idx="1">
+              <a:schemeClr val="accent1"/>
+            </a:fillRef>
+            <a:effectRef idx="0">
+              <a:schemeClr val="accent1"/>
+            </a:effectRef>
+            <a:fontRef idx="minor">
+              <a:schemeClr val="lt1"/>
+            </a:fontRef>
+          </p:style>
+          <p:txBody>
+            <a:bodyPr rtlCol="0" anchor="ctr"/>
+            <a:lstStyle/>
+            <a:p>
+              <a:pPr algn="ctr"/>
+              <a:endParaRPr lang="fr-FR"/>
+            </a:p>
+          </p:txBody>
+        </p:sp>
+        <p:sp>
+          <p:nvSpPr>
+            <p:cNvPr id="34" name="Hexagon 33">
+              <a:extLst>
+                <a:ext uri="{FF2B5EF4-FFF2-40B4-BE49-F238E27FC236}">
+                  <a16:creationId xmlns:a16="http://schemas.microsoft.com/office/drawing/2014/main" id="{6A6D51E6-CF65-EF02-1DBB-4E90126E0B31}"/>
+                </a:ext>
+              </a:extLst>
+            </p:cNvPr>
+            <p:cNvSpPr/>
+            <p:nvPr/>
+          </p:nvSpPr>
+          <p:spPr>
+            <a:xfrm>
+              <a:off x="2206827" y="2106919"/>
+              <a:ext cx="3040380" cy="2093540"/>
+            </a:xfrm>
+            <a:prstGeom prst="hexagon">
+              <a:avLst/>
+            </a:prstGeom>
+            <a:solidFill>
+              <a:srgbClr val="BA8CDC"/>
+            </a:solidFill>
+            <a:ln w="28575">
+              <a:solidFill>
+                <a:srgbClr val="7030A0"/>
+              </a:solidFill>
+            </a:ln>
+          </p:spPr>
+          <p:style>
+            <a:lnRef idx="2">
+              <a:schemeClr val="accent1">
+                <a:shade val="50000"/>
+              </a:schemeClr>
+            </a:lnRef>
+            <a:fillRef idx="1">
+              <a:schemeClr val="accent1"/>
+            </a:fillRef>
+            <a:effectRef idx="0">
+              <a:schemeClr val="accent1"/>
+            </a:effectRef>
+            <a:fontRef idx="minor">
+              <a:schemeClr val="lt1"/>
+            </a:fontRef>
+          </p:style>
+          <p:txBody>
+            <a:bodyPr rtlCol="0" anchor="ctr"/>
+            <a:lstStyle/>
+            <a:p>
+              <a:pPr algn="ctr"/>
+              <a:endParaRPr lang="fr-FR"/>
+            </a:p>
+          </p:txBody>
+        </p:sp>
+        <p:grpSp>
+          <p:nvGrpSpPr>
+            <p:cNvPr id="40" name="Group 39">
+              <a:extLst>
+                <a:ext uri="{FF2B5EF4-FFF2-40B4-BE49-F238E27FC236}">
+                  <a16:creationId xmlns:a16="http://schemas.microsoft.com/office/drawing/2014/main" id="{940C4411-4AE3-4C39-3A25-7CA0DDA67A79}"/>
+                </a:ext>
+              </a:extLst>
+            </p:cNvPr>
+            <p:cNvGrpSpPr/>
+            <p:nvPr/>
+          </p:nvGrpSpPr>
+          <p:grpSpPr>
+            <a:xfrm>
+              <a:off x="2457876" y="2594187"/>
+              <a:ext cx="171374" cy="381578"/>
+              <a:chOff x="7689730" y="3195744"/>
+              <a:chExt cx="171374" cy="381578"/>
+            </a:xfrm>
+          </p:grpSpPr>
+          <p:cxnSp>
+            <p:nvCxnSpPr>
+              <p:cNvPr id="36" name="Straight Connector 35">
+                <a:extLst>
+                  <a:ext uri="{FF2B5EF4-FFF2-40B4-BE49-F238E27FC236}">
+                    <a16:creationId xmlns:a16="http://schemas.microsoft.com/office/drawing/2014/main" id="{5C6BA29F-F336-8477-0F22-3890AFCE60EA}"/>
+                  </a:ext>
+                </a:extLst>
+              </p:cNvPr>
+              <p:cNvCxnSpPr>
+                <a:cxnSpLocks/>
+              </p:cNvCxnSpPr>
+              <p:nvPr/>
+            </p:nvCxnSpPr>
+            <p:spPr>
+              <a:xfrm>
+                <a:off x="7775417" y="3367118"/>
+                <a:ext cx="0" cy="210204"/>
+              </a:xfrm>
+              <a:prstGeom prst="line">
+                <a:avLst/>
+              </a:prstGeom>
+              <a:ln w="38100">
+                <a:solidFill>
+                  <a:schemeClr val="tx1"/>
+                </a:solidFill>
+              </a:ln>
+            </p:spPr>
+            <p:style>
+              <a:lnRef idx="1">
+                <a:schemeClr val="accent1"/>
+              </a:lnRef>
+              <a:fillRef idx="0">
+                <a:schemeClr val="accent1"/>
+              </a:fillRef>
+              <a:effectRef idx="0">
+                <a:schemeClr val="accent1"/>
+              </a:effectRef>
+              <a:fontRef idx="minor">
+                <a:schemeClr val="tx1"/>
+              </a:fontRef>
+            </p:style>
+          </p:cxnSp>
+          <p:sp>
+            <p:nvSpPr>
+              <p:cNvPr id="39" name="Oval 38">
+                <a:extLst>
+                  <a:ext uri="{FF2B5EF4-FFF2-40B4-BE49-F238E27FC236}">
+                    <a16:creationId xmlns:a16="http://schemas.microsoft.com/office/drawing/2014/main" id="{EF1A047A-9909-5D12-7282-628EA8ED1B30}"/>
+                  </a:ext>
+                </a:extLst>
+              </p:cNvPr>
+              <p:cNvSpPr/>
+              <p:nvPr/>
+            </p:nvSpPr>
+            <p:spPr>
+              <a:xfrm>
+                <a:off x="7689730" y="3195744"/>
+                <a:ext cx="171374" cy="171374"/>
+              </a:xfrm>
+              <a:prstGeom prst="ellipse">
+                <a:avLst/>
+              </a:prstGeom>
+              <a:solidFill>
+                <a:schemeClr val="bg1"/>
+              </a:solidFill>
+              <a:ln w="19050">
+                <a:solidFill>
+                  <a:schemeClr val="tx1"/>
+                </a:solidFill>
+              </a:ln>
+            </p:spPr>
+            <p:style>
+              <a:lnRef idx="2">
+                <a:schemeClr val="accent1">
+                  <a:shade val="50000"/>
+                </a:schemeClr>
+              </a:lnRef>
+              <a:fillRef idx="1">
+                <a:schemeClr val="accent1"/>
+              </a:fillRef>
+              <a:effectRef idx="0">
+                <a:schemeClr val="accent1"/>
+              </a:effectRef>
+              <a:fontRef idx="minor">
+                <a:schemeClr val="lt1"/>
+              </a:fontRef>
+            </p:style>
+            <p:txBody>
+              <a:bodyPr rtlCol="0" anchor="ctr"/>
+              <a:lstStyle/>
+              <a:p>
+                <a:pPr algn="ctr"/>
+                <a:endParaRPr lang="en-GB"/>
+              </a:p>
+            </p:txBody>
+          </p:sp>
+        </p:grpSp>
+        <p:sp>
+          <p:nvSpPr>
+            <p:cNvPr id="43" name="Rectangle: Rounded Corners 42">
+              <a:extLst>
+                <a:ext uri="{FF2B5EF4-FFF2-40B4-BE49-F238E27FC236}">
+                  <a16:creationId xmlns:a16="http://schemas.microsoft.com/office/drawing/2014/main" id="{CE914DA8-CDC3-DE3A-3738-128639367FC4}"/>
+                </a:ext>
+              </a:extLst>
+            </p:cNvPr>
+            <p:cNvSpPr/>
+            <p:nvPr/>
+          </p:nvSpPr>
+          <p:spPr>
+            <a:xfrm>
+              <a:off x="4005403" y="2890186"/>
+              <a:ext cx="425816" cy="351565"/>
+            </a:xfrm>
+            <a:prstGeom prst="roundRect">
+              <a:avLst/>
+            </a:prstGeom>
+            <a:solidFill>
+              <a:srgbClr val="9A57CD"/>
+            </a:solidFill>
+            <a:ln>
+              <a:solidFill>
+                <a:schemeClr val="tx1"/>
+              </a:solidFill>
+            </a:ln>
+          </p:spPr>
+          <p:style>
+            <a:lnRef idx="2">
+              <a:schemeClr val="accent1">
+                <a:shade val="50000"/>
+              </a:schemeClr>
+            </a:lnRef>
+            <a:fillRef idx="1">
+              <a:schemeClr val="accent1"/>
+            </a:fillRef>
+            <a:effectRef idx="0">
+              <a:schemeClr val="accent1"/>
+            </a:effectRef>
+            <a:fontRef idx="minor">
+              <a:schemeClr val="lt1"/>
+            </a:fontRef>
+          </p:style>
+          <p:txBody>
+            <a:bodyPr rtlCol="0" anchor="ctr"/>
+            <a:lstStyle/>
+            <a:p>
+              <a:pPr algn="ctr"/>
+              <a:endParaRPr lang="en-GB"/>
+            </a:p>
+          </p:txBody>
+        </p:sp>
+        <p:cxnSp>
+          <p:nvCxnSpPr>
+            <p:cNvPr id="44" name="Connector: Elbow 43">
+              <a:extLst>
+                <a:ext uri="{FF2B5EF4-FFF2-40B4-BE49-F238E27FC236}">
+                  <a16:creationId xmlns:a16="http://schemas.microsoft.com/office/drawing/2014/main" id="{80B21C75-7B16-2C9B-F4C3-5F3C6DFDC475}"/>
+                </a:ext>
+              </a:extLst>
+            </p:cNvPr>
+            <p:cNvCxnSpPr>
+              <a:cxnSpLocks/>
+              <a:stCxn id="48" idx="3"/>
+              <a:endCxn id="46" idx="1"/>
+            </p:cNvCxnSpPr>
+            <p:nvPr/>
+          </p:nvCxnSpPr>
+          <p:spPr>
+            <a:xfrm flipV="1">
+              <a:off x="2761180" y="2504092"/>
+              <a:ext cx="604954" cy="612168"/>
+            </a:xfrm>
+            <a:prstGeom prst="bentConnector3">
+              <a:avLst/>
+            </a:prstGeom>
+            <a:ln w="9525">
+              <a:solidFill>
+                <a:schemeClr val="tx1"/>
+              </a:solidFill>
+              <a:tailEnd type="none"/>
+            </a:ln>
+          </p:spPr>
+          <p:style>
+            <a:lnRef idx="1">
+              <a:schemeClr val="accent1"/>
+            </a:lnRef>
+            <a:fillRef idx="0">
+              <a:schemeClr val="accent1"/>
+            </a:fillRef>
+            <a:effectRef idx="0">
+              <a:schemeClr val="accent1"/>
+            </a:effectRef>
+            <a:fontRef idx="minor">
+              <a:schemeClr val="tx1"/>
+            </a:fontRef>
+          </p:style>
+        </p:cxnSp>
+        <p:cxnSp>
+          <p:nvCxnSpPr>
+            <p:cNvPr id="45" name="Connector: Elbow 44">
+              <a:extLst>
+                <a:ext uri="{FF2B5EF4-FFF2-40B4-BE49-F238E27FC236}">
+                  <a16:creationId xmlns:a16="http://schemas.microsoft.com/office/drawing/2014/main" id="{8F16B881-7F02-9320-ABC2-0B490E03D5CA}"/>
+                </a:ext>
+              </a:extLst>
+            </p:cNvPr>
+            <p:cNvCxnSpPr>
+              <a:cxnSpLocks/>
+              <a:stCxn id="46" idx="3"/>
+              <a:endCxn id="43" idx="0"/>
+            </p:cNvCxnSpPr>
+            <p:nvPr/>
+          </p:nvCxnSpPr>
+          <p:spPr>
+            <a:xfrm>
+              <a:off x="3791951" y="2504092"/>
+              <a:ext cx="426360" cy="386094"/>
+            </a:xfrm>
+            <a:prstGeom prst="bentConnector2">
+              <a:avLst/>
+            </a:prstGeom>
+            <a:ln w="9525">
+              <a:solidFill>
+                <a:schemeClr val="tx1"/>
+              </a:solidFill>
+              <a:tailEnd type="none"/>
+            </a:ln>
+          </p:spPr>
+          <p:style>
+            <a:lnRef idx="1">
+              <a:schemeClr val="accent1"/>
+            </a:lnRef>
+            <a:fillRef idx="0">
+              <a:schemeClr val="accent1"/>
+            </a:fillRef>
+            <a:effectRef idx="0">
+              <a:schemeClr val="accent1"/>
+            </a:effectRef>
+            <a:fontRef idx="minor">
+              <a:schemeClr val="tx1"/>
+            </a:fontRef>
+          </p:style>
+        </p:cxnSp>
+        <p:sp>
+          <p:nvSpPr>
+            <p:cNvPr id="46" name="Rectangle: Rounded Corners 45">
+              <a:extLst>
+                <a:ext uri="{FF2B5EF4-FFF2-40B4-BE49-F238E27FC236}">
+                  <a16:creationId xmlns:a16="http://schemas.microsoft.com/office/drawing/2014/main" id="{3BEC7E3D-294F-32B3-0467-8A3ABCBC742D}"/>
+                </a:ext>
+              </a:extLst>
+            </p:cNvPr>
+            <p:cNvSpPr/>
+            <p:nvPr/>
+          </p:nvSpPr>
+          <p:spPr>
+            <a:xfrm>
+              <a:off x="3366134" y="2328309"/>
+              <a:ext cx="425817" cy="351565"/>
+            </a:xfrm>
+            <a:prstGeom prst="roundRect">
+              <a:avLst/>
+            </a:prstGeom>
+            <a:solidFill>
+              <a:srgbClr val="9A57CD"/>
+            </a:solidFill>
+            <a:ln>
+              <a:solidFill>
+                <a:schemeClr val="tx1"/>
+              </a:solidFill>
+            </a:ln>
+          </p:spPr>
+          <p:style>
+            <a:lnRef idx="2">
+              <a:schemeClr val="accent1">
+                <a:shade val="50000"/>
+              </a:schemeClr>
+            </a:lnRef>
+            <a:fillRef idx="1">
+              <a:schemeClr val="accent1"/>
+            </a:fillRef>
+            <a:effectRef idx="0">
+              <a:schemeClr val="accent1"/>
+            </a:effectRef>
+            <a:fontRef idx="minor">
+              <a:schemeClr val="lt1"/>
+            </a:fontRef>
+          </p:style>
+          <p:txBody>
+            <a:bodyPr rtlCol="0" anchor="ctr"/>
+            <a:lstStyle/>
+            <a:p>
+              <a:pPr algn="ctr"/>
+              <a:endParaRPr lang="en-GB"/>
+            </a:p>
+          </p:txBody>
+        </p:sp>
+        <p:sp>
+          <p:nvSpPr>
+            <p:cNvPr id="47" name="Diamond 46">
+              <a:extLst>
+                <a:ext uri="{FF2B5EF4-FFF2-40B4-BE49-F238E27FC236}">
+                  <a16:creationId xmlns:a16="http://schemas.microsoft.com/office/drawing/2014/main" id="{CF1E7E84-BE84-EF72-028C-7C6BE33BBDC3}"/>
+                </a:ext>
+              </a:extLst>
+            </p:cNvPr>
+            <p:cNvSpPr/>
+            <p:nvPr/>
+          </p:nvSpPr>
+          <p:spPr>
+            <a:xfrm>
+              <a:off x="3799194" y="2414175"/>
+              <a:ext cx="167131" cy="167131"/>
+            </a:xfrm>
+            <a:prstGeom prst="diamond">
+              <a:avLst/>
+            </a:prstGeom>
+            <a:solidFill>
+              <a:schemeClr val="tx1"/>
+            </a:solidFill>
+            <a:ln>
+              <a:solidFill>
+                <a:schemeClr val="tx1"/>
+              </a:solidFill>
+            </a:ln>
+          </p:spPr>
+          <p:style>
+            <a:lnRef idx="2">
+              <a:schemeClr val="accent1">
+                <a:shade val="50000"/>
+              </a:schemeClr>
+            </a:lnRef>
+            <a:fillRef idx="1">
+              <a:schemeClr val="accent1"/>
+            </a:fillRef>
+            <a:effectRef idx="0">
+              <a:schemeClr val="accent1"/>
+            </a:effectRef>
+            <a:fontRef idx="minor">
+              <a:schemeClr val="lt1"/>
+            </a:fontRef>
+          </p:style>
+          <p:txBody>
+            <a:bodyPr rtlCol="0" anchor="ctr"/>
+            <a:lstStyle/>
+            <a:p>
+              <a:pPr algn="ctr"/>
+              <a:endParaRPr lang="en-GB"/>
+            </a:p>
+          </p:txBody>
+        </p:sp>
+        <p:sp>
+          <p:nvSpPr>
+            <p:cNvPr id="48" name="Rectangle: Rounded Corners 47">
+              <a:extLst>
+                <a:ext uri="{FF2B5EF4-FFF2-40B4-BE49-F238E27FC236}">
+                  <a16:creationId xmlns:a16="http://schemas.microsoft.com/office/drawing/2014/main" id="{A41AD289-0792-2EA4-E800-3122F9EFFC59}"/>
+                </a:ext>
+              </a:extLst>
+            </p:cNvPr>
+            <p:cNvSpPr/>
+            <p:nvPr/>
+          </p:nvSpPr>
+          <p:spPr>
+            <a:xfrm>
+              <a:off x="2335362" y="2940477"/>
+              <a:ext cx="425818" cy="351565"/>
+            </a:xfrm>
+            <a:prstGeom prst="roundRect">
+              <a:avLst/>
+            </a:prstGeom>
+            <a:solidFill>
+              <a:srgbClr val="9A57CD"/>
+            </a:solidFill>
+            <a:ln>
+              <a:solidFill>
+                <a:schemeClr val="tx1"/>
+              </a:solidFill>
+            </a:ln>
+          </p:spPr>
+          <p:style>
+            <a:lnRef idx="2">
+              <a:schemeClr val="accent1">
+                <a:shade val="50000"/>
+              </a:schemeClr>
+            </a:lnRef>
+            <a:fillRef idx="1">
+              <a:schemeClr val="accent1"/>
+            </a:fillRef>
+            <a:effectRef idx="0">
+              <a:schemeClr val="accent1"/>
+            </a:effectRef>
+            <a:fontRef idx="minor">
+              <a:schemeClr val="lt1"/>
+            </a:fontRef>
+          </p:style>
+          <p:txBody>
+            <a:bodyPr rtlCol="0" anchor="ctr"/>
+            <a:lstStyle/>
+            <a:p>
+              <a:pPr algn="ctr"/>
+              <a:endParaRPr lang="en-GB"/>
+            </a:p>
+          </p:txBody>
+        </p:sp>
+        <p:sp>
+          <p:nvSpPr>
+            <p:cNvPr id="49" name="Diamond 48">
+              <a:extLst>
+                <a:ext uri="{FF2B5EF4-FFF2-40B4-BE49-F238E27FC236}">
+                  <a16:creationId xmlns:a16="http://schemas.microsoft.com/office/drawing/2014/main" id="{BC214A87-C3D5-FF0B-97DE-4DA23A95B490}"/>
+                </a:ext>
+              </a:extLst>
+            </p:cNvPr>
+            <p:cNvSpPr/>
+            <p:nvPr/>
+          </p:nvSpPr>
+          <p:spPr>
+            <a:xfrm>
+              <a:off x="2764551" y="3028958"/>
+              <a:ext cx="167130" cy="167132"/>
+            </a:xfrm>
+            <a:prstGeom prst="diamond">
+              <a:avLst/>
+            </a:prstGeom>
+            <a:solidFill>
+              <a:schemeClr val="tx1"/>
+            </a:solidFill>
+            <a:ln>
+              <a:solidFill>
+                <a:schemeClr val="tx1"/>
+              </a:solidFill>
+            </a:ln>
+          </p:spPr>
+          <p:style>
+            <a:lnRef idx="2">
+              <a:schemeClr val="accent1">
+                <a:shade val="50000"/>
+              </a:schemeClr>
+            </a:lnRef>
+            <a:fillRef idx="1">
+              <a:schemeClr val="accent1"/>
+            </a:fillRef>
+            <a:effectRef idx="0">
+              <a:schemeClr val="accent1"/>
+            </a:effectRef>
+            <a:fontRef idx="minor">
+              <a:schemeClr val="lt1"/>
+            </a:fontRef>
+          </p:style>
+          <p:txBody>
+            <a:bodyPr rtlCol="0" anchor="ctr"/>
+            <a:lstStyle/>
+            <a:p>
+              <a:pPr algn="ctr"/>
+              <a:endParaRPr lang="en-GB"/>
+            </a:p>
+          </p:txBody>
+        </p:sp>
+        <p:sp>
+          <p:nvSpPr>
+            <p:cNvPr id="50" name="Right Brace 49">
+              <a:extLst>
+                <a:ext uri="{FF2B5EF4-FFF2-40B4-BE49-F238E27FC236}">
+                  <a16:creationId xmlns:a16="http://schemas.microsoft.com/office/drawing/2014/main" id="{6933D540-CF40-3B71-81DD-0728A7B7E745}"/>
+                </a:ext>
+              </a:extLst>
+            </p:cNvPr>
+            <p:cNvSpPr/>
+            <p:nvPr/>
+          </p:nvSpPr>
+          <p:spPr>
+            <a:xfrm rot="12414236">
+              <a:off x="5134217" y="3214846"/>
+              <a:ext cx="883655" cy="428062"/>
+            </a:xfrm>
+            <a:prstGeom prst="rightBrace">
+              <a:avLst>
+                <a:gd name="adj1" fmla="val 9622"/>
+                <a:gd name="adj2" fmla="val 54011"/>
+              </a:avLst>
+            </a:prstGeom>
+            <a:ln w="34925">
+              <a:solidFill>
+                <a:schemeClr val="tx1"/>
+              </a:solidFill>
+            </a:ln>
+          </p:spPr>
+          <p:style>
+            <a:lnRef idx="1">
+              <a:schemeClr val="accent1"/>
+            </a:lnRef>
+            <a:fillRef idx="0">
+              <a:schemeClr val="accent1"/>
+            </a:fillRef>
+            <a:effectRef idx="0">
+              <a:schemeClr val="accent1"/>
+            </a:effectRef>
+            <a:fontRef idx="minor">
+              <a:schemeClr val="tx1"/>
+            </a:fontRef>
+          </p:style>
+          <p:txBody>
+            <a:bodyPr rtlCol="0" anchor="ctr"/>
+            <a:lstStyle/>
+            <a:p>
+              <a:pPr algn="ctr"/>
+              <a:endParaRPr lang="en-GB"/>
+            </a:p>
+          </p:txBody>
+        </p:sp>
+        <p:cxnSp>
+          <p:nvCxnSpPr>
+            <p:cNvPr id="51" name="Straight Arrow Connector 50">
+              <a:extLst>
+                <a:ext uri="{FF2B5EF4-FFF2-40B4-BE49-F238E27FC236}">
+                  <a16:creationId xmlns:a16="http://schemas.microsoft.com/office/drawing/2014/main" id="{272ECD37-CF7C-FD44-E585-9389787F552F}"/>
+                </a:ext>
+              </a:extLst>
+            </p:cNvPr>
+            <p:cNvCxnSpPr>
+              <a:cxnSpLocks/>
+              <a:stCxn id="43" idx="3"/>
+              <a:endCxn id="52" idx="1"/>
+            </p:cNvCxnSpPr>
+            <p:nvPr/>
+          </p:nvCxnSpPr>
+          <p:spPr>
+            <a:xfrm>
+              <a:off x="4431219" y="3065969"/>
+              <a:ext cx="634759" cy="60184"/>
+            </a:xfrm>
+            <a:prstGeom prst="straightConnector1">
+              <a:avLst/>
+            </a:prstGeom>
+            <a:ln w="9525">
+              <a:solidFill>
+                <a:schemeClr val="tx1"/>
+              </a:solidFill>
+              <a:prstDash val="dash"/>
+              <a:tailEnd type="triangle"/>
+            </a:ln>
+          </p:spPr>
+          <p:style>
+            <a:lnRef idx="1">
+              <a:schemeClr val="accent1"/>
+            </a:lnRef>
+            <a:fillRef idx="0">
+              <a:schemeClr val="accent1"/>
+            </a:fillRef>
+            <a:effectRef idx="0">
+              <a:schemeClr val="accent1"/>
+            </a:effectRef>
+            <a:fontRef idx="minor">
+              <a:schemeClr val="tx1"/>
+            </a:fontRef>
+          </p:style>
+        </p:cxnSp>
+        <p:sp>
+          <p:nvSpPr>
+            <p:cNvPr id="52" name="Oval 51">
+              <a:extLst>
+                <a:ext uri="{FF2B5EF4-FFF2-40B4-BE49-F238E27FC236}">
+                  <a16:creationId xmlns:a16="http://schemas.microsoft.com/office/drawing/2014/main" id="{213DB660-4E3D-3960-4A63-D7FBF409CF29}"/>
+                </a:ext>
+              </a:extLst>
+            </p:cNvPr>
+            <p:cNvSpPr/>
+            <p:nvPr/>
+          </p:nvSpPr>
+          <p:spPr>
+            <a:xfrm>
+              <a:off x="5040881" y="3101056"/>
+              <a:ext cx="171374" cy="171374"/>
+            </a:xfrm>
+            <a:prstGeom prst="ellipse">
+              <a:avLst/>
+            </a:prstGeom>
+            <a:solidFill>
+              <a:schemeClr val="bg1"/>
+            </a:solidFill>
+            <a:ln w="19050">
+              <a:solidFill>
+                <a:schemeClr val="tx1"/>
+              </a:solidFill>
+            </a:ln>
+          </p:spPr>
+          <p:style>
+            <a:lnRef idx="2">
+              <a:schemeClr val="accent1">
+                <a:shade val="50000"/>
+              </a:schemeClr>
+            </a:lnRef>
+            <a:fillRef idx="1">
+              <a:schemeClr val="accent1"/>
+            </a:fillRef>
+            <a:effectRef idx="0">
+              <a:schemeClr val="accent1"/>
+            </a:effectRef>
+            <a:fontRef idx="minor">
+              <a:schemeClr val="lt1"/>
+            </a:fontRef>
+          </p:style>
+          <p:txBody>
+            <a:bodyPr rtlCol="0" anchor="ctr"/>
+            <a:lstStyle/>
+            <a:p>
+              <a:pPr algn="ctr"/>
+              <a:endParaRPr lang="en-GB"/>
+            </a:p>
+          </p:txBody>
+        </p:sp>
+        <p:sp>
+          <p:nvSpPr>
+            <p:cNvPr id="63" name="Rectangle: Rounded Corners 62">
+              <a:extLst>
+                <a:ext uri="{FF2B5EF4-FFF2-40B4-BE49-F238E27FC236}">
+                  <a16:creationId xmlns:a16="http://schemas.microsoft.com/office/drawing/2014/main" id="{7AC230C3-B6DC-459A-6E3F-2394AB209B41}"/>
+                </a:ext>
+              </a:extLst>
+            </p:cNvPr>
+            <p:cNvSpPr/>
+            <p:nvPr/>
+          </p:nvSpPr>
+          <p:spPr>
+            <a:xfrm>
+              <a:off x="2899680" y="3543024"/>
+              <a:ext cx="425816" cy="351565"/>
+            </a:xfrm>
+            <a:prstGeom prst="roundRect">
+              <a:avLst/>
+            </a:prstGeom>
+            <a:solidFill>
+              <a:srgbClr val="9A57CD"/>
+            </a:solidFill>
+            <a:ln>
+              <a:solidFill>
+                <a:schemeClr val="tx1"/>
+              </a:solidFill>
+            </a:ln>
+          </p:spPr>
+          <p:style>
+            <a:lnRef idx="2">
+              <a:schemeClr val="accent1">
+                <a:shade val="50000"/>
+              </a:schemeClr>
+            </a:lnRef>
+            <a:fillRef idx="1">
+              <a:schemeClr val="accent1"/>
+            </a:fillRef>
+            <a:effectRef idx="0">
+              <a:schemeClr val="accent1"/>
+            </a:effectRef>
+            <a:fontRef idx="minor">
+              <a:schemeClr val="lt1"/>
+            </a:fontRef>
+          </p:style>
+          <p:txBody>
+            <a:bodyPr rtlCol="0" anchor="ctr"/>
+            <a:lstStyle/>
+            <a:p>
+              <a:pPr algn="ctr"/>
+              <a:endParaRPr lang="en-GB"/>
+            </a:p>
+          </p:txBody>
+        </p:sp>
+        <p:sp>
+          <p:nvSpPr>
+            <p:cNvPr id="64" name="Rectangle: Rounded Corners 63">
+              <a:extLst>
+                <a:ext uri="{FF2B5EF4-FFF2-40B4-BE49-F238E27FC236}">
+                  <a16:creationId xmlns:a16="http://schemas.microsoft.com/office/drawing/2014/main" id="{8253828B-6500-05DB-B3F4-DE0CEA08709C}"/>
+                </a:ext>
+              </a:extLst>
+            </p:cNvPr>
+            <p:cNvSpPr/>
+            <p:nvPr/>
+          </p:nvSpPr>
+          <p:spPr>
+            <a:xfrm>
+              <a:off x="3660068" y="3620884"/>
+              <a:ext cx="425816" cy="351565"/>
+            </a:xfrm>
+            <a:prstGeom prst="roundRect">
+              <a:avLst/>
+            </a:prstGeom>
+            <a:solidFill>
+              <a:srgbClr val="9A57CD"/>
+            </a:solidFill>
+            <a:ln>
+              <a:solidFill>
+                <a:schemeClr val="tx1"/>
+              </a:solidFill>
+            </a:ln>
+          </p:spPr>
+          <p:style>
+            <a:lnRef idx="2">
+              <a:schemeClr val="accent1">
+                <a:shade val="50000"/>
+              </a:schemeClr>
+            </a:lnRef>
+            <a:fillRef idx="1">
+              <a:schemeClr val="accent1"/>
+            </a:fillRef>
+            <a:effectRef idx="0">
+              <a:schemeClr val="accent1"/>
+            </a:effectRef>
+            <a:fontRef idx="minor">
+              <a:schemeClr val="lt1"/>
+            </a:fontRef>
+          </p:style>
+          <p:txBody>
+            <a:bodyPr rtlCol="0" anchor="ctr"/>
+            <a:lstStyle/>
+            <a:p>
+              <a:pPr algn="ctr"/>
+              <a:endParaRPr lang="en-GB"/>
+            </a:p>
+          </p:txBody>
+        </p:sp>
+        <p:cxnSp>
+          <p:nvCxnSpPr>
+            <p:cNvPr id="65" name="Connector: Elbow 64">
+              <a:extLst>
+                <a:ext uri="{FF2B5EF4-FFF2-40B4-BE49-F238E27FC236}">
+                  <a16:creationId xmlns:a16="http://schemas.microsoft.com/office/drawing/2014/main" id="{623284CD-18F4-CF51-5F9F-6A6C6563AA46}"/>
+                </a:ext>
+              </a:extLst>
+            </p:cNvPr>
+            <p:cNvCxnSpPr>
+              <a:cxnSpLocks/>
+              <a:stCxn id="63" idx="3"/>
+              <a:endCxn id="64" idx="1"/>
+            </p:cNvCxnSpPr>
+            <p:nvPr/>
+          </p:nvCxnSpPr>
+          <p:spPr>
+            <a:xfrm>
+              <a:off x="3325496" y="3718807"/>
+              <a:ext cx="334572" cy="77860"/>
+            </a:xfrm>
+            <a:prstGeom prst="bentConnector3">
+              <a:avLst>
+                <a:gd name="adj1" fmla="val 57592"/>
+              </a:avLst>
+            </a:prstGeom>
+            <a:ln w="9525">
+              <a:solidFill>
+                <a:schemeClr val="tx1"/>
+              </a:solidFill>
+              <a:tailEnd type="none"/>
+            </a:ln>
+          </p:spPr>
+          <p:style>
+            <a:lnRef idx="1">
+              <a:schemeClr val="accent1"/>
+            </a:lnRef>
+            <a:fillRef idx="0">
+              <a:schemeClr val="accent1"/>
+            </a:fillRef>
+            <a:effectRef idx="0">
+              <a:schemeClr val="accent1"/>
+            </a:effectRef>
+            <a:fontRef idx="minor">
+              <a:schemeClr val="tx1"/>
+            </a:fontRef>
+          </p:style>
+        </p:cxnSp>
+        <p:cxnSp>
+          <p:nvCxnSpPr>
+            <p:cNvPr id="66" name="Straight Arrow Connector 65">
+              <a:extLst>
+                <a:ext uri="{FF2B5EF4-FFF2-40B4-BE49-F238E27FC236}">
+                  <a16:creationId xmlns:a16="http://schemas.microsoft.com/office/drawing/2014/main" id="{4E289FFA-45DA-6FFE-34F0-C4A60E2E3E8F}"/>
+                </a:ext>
+              </a:extLst>
+            </p:cNvPr>
+            <p:cNvCxnSpPr>
+              <a:cxnSpLocks/>
+              <a:stCxn id="48" idx="2"/>
+              <a:endCxn id="63" idx="1"/>
+            </p:cNvCxnSpPr>
+            <p:nvPr/>
+          </p:nvCxnSpPr>
+          <p:spPr>
+            <a:xfrm>
+              <a:off x="2548271" y="3292042"/>
+              <a:ext cx="351409" cy="426765"/>
+            </a:xfrm>
+            <a:prstGeom prst="straightConnector1">
+              <a:avLst/>
+            </a:prstGeom>
+            <a:ln w="9525">
+              <a:solidFill>
+                <a:schemeClr val="tx1"/>
+              </a:solidFill>
+              <a:prstDash val="dash"/>
+              <a:tailEnd type="triangle"/>
+            </a:ln>
+          </p:spPr>
+          <p:style>
+            <a:lnRef idx="1">
+              <a:schemeClr val="accent1"/>
+            </a:lnRef>
+            <a:fillRef idx="0">
+              <a:schemeClr val="accent1"/>
+            </a:fillRef>
+            <a:effectRef idx="0">
+              <a:schemeClr val="accent1"/>
+            </a:effectRef>
+            <a:fontRef idx="minor">
+              <a:schemeClr val="tx1"/>
+            </a:fontRef>
+          </p:style>
+        </p:cxnSp>
+        <p:sp>
+          <p:nvSpPr>
+            <p:cNvPr id="70" name="TextBox 69">
+              <a:extLst>
+                <a:ext uri="{FF2B5EF4-FFF2-40B4-BE49-F238E27FC236}">
+                  <a16:creationId xmlns:a16="http://schemas.microsoft.com/office/drawing/2014/main" id="{F0DC8FA8-A750-E835-50E7-91D1B053EA3E}"/>
+                </a:ext>
+              </a:extLst>
+            </p:cNvPr>
+            <p:cNvSpPr txBox="1"/>
+            <p:nvPr/>
+          </p:nvSpPr>
+          <p:spPr>
+            <a:xfrm>
+              <a:off x="2582958" y="2115294"/>
+              <a:ext cx="2108329" cy="215444"/>
+            </a:xfrm>
+            <a:prstGeom prst="rect">
+              <a:avLst/>
+            </a:prstGeom>
+            <a:noFill/>
+          </p:spPr>
+          <p:txBody>
+            <a:bodyPr wrap="square" rtlCol="0">
+              <a:spAutoFit/>
+            </a:bodyPr>
+            <a:lstStyle/>
+            <a:p>
+              <a:pPr algn="r"/>
+              <a:r>
+                <a:rPr lang="en-GB" sz="800" b="1" cap="all" dirty="0">
+                  <a:latin typeface="Alte Haas Grotesk" panose="02000503000000020004" pitchFamily="2" charset="0"/>
+                </a:rPr>
+                <a:t>Seat suggestions Domain</a:t>
+              </a:r>
+            </a:p>
+          </p:txBody>
+        </p:sp>
+        <p:sp>
+          <p:nvSpPr>
+            <p:cNvPr id="71" name="TextBox 70">
+              <a:extLst>
+                <a:ext uri="{FF2B5EF4-FFF2-40B4-BE49-F238E27FC236}">
+                  <a16:creationId xmlns:a16="http://schemas.microsoft.com/office/drawing/2014/main" id="{36926729-2368-F21C-A7F2-F3D542F577A7}"/>
+                </a:ext>
+              </a:extLst>
+            </p:cNvPr>
+            <p:cNvSpPr txBox="1"/>
+            <p:nvPr/>
+          </p:nvSpPr>
+          <p:spPr>
+            <a:xfrm>
+              <a:off x="3888634" y="1405675"/>
+              <a:ext cx="1523320" cy="272522"/>
+            </a:xfrm>
+            <a:prstGeom prst="rect">
+              <a:avLst/>
+            </a:prstGeom>
+            <a:noFill/>
+          </p:spPr>
+          <p:txBody>
+            <a:bodyPr wrap="square" rtlCol="0">
+              <a:spAutoFit/>
+            </a:bodyPr>
+            <a:lstStyle/>
+            <a:p>
+              <a:pPr algn="r"/>
+              <a:r>
+                <a:rPr lang="en-GB" sz="800" b="1" cap="all" dirty="0">
+                  <a:latin typeface="Alte Haas Grotesk" panose="02000503000000020004" pitchFamily="2" charset="0"/>
+                </a:rPr>
+                <a:t>Infrastructure</a:t>
+              </a:r>
+            </a:p>
+          </p:txBody>
+        </p:sp>
+        <p:pic>
+          <p:nvPicPr>
+            <p:cNvPr id="72" name="Picture 71">
+              <a:extLst>
+                <a:ext uri="{FF2B5EF4-FFF2-40B4-BE49-F238E27FC236}">
+                  <a16:creationId xmlns:a16="http://schemas.microsoft.com/office/drawing/2014/main" id="{7EB3B387-29CE-ED80-CE7F-BA9EBA7FB2A2}"/>
+                </a:ext>
+              </a:extLst>
+            </p:cNvPr>
+            <p:cNvPicPr>
+              <a:picLocks noChangeAspect="1"/>
+            </p:cNvPicPr>
+            <p:nvPr/>
+          </p:nvPicPr>
+          <p:blipFill>
+            <a:blip r:embed="rId2">
+              <a:extLst>
+                <a:ext uri="{28A0092B-C50C-407E-A947-70E740481C1C}">
+                  <a14:useLocalDpi xmlns:a14="http://schemas.microsoft.com/office/drawing/2010/main" val="0"/>
+                </a:ext>
+              </a:extLst>
+            </a:blip>
+            <a:stretch>
+              <a:fillRect/>
+            </a:stretch>
+          </p:blipFill>
+          <p:spPr>
+            <a:xfrm>
+              <a:off x="-228725" y="651514"/>
+              <a:ext cx="696871" cy="656800"/>
+            </a:xfrm>
+            <a:prstGeom prst="rect">
+              <a:avLst/>
+            </a:prstGeom>
+          </p:spPr>
+        </p:pic>
+        <p:cxnSp>
+          <p:nvCxnSpPr>
+            <p:cNvPr id="73" name="Straight Arrow Connector 72">
+              <a:extLst>
+                <a:ext uri="{FF2B5EF4-FFF2-40B4-BE49-F238E27FC236}">
+                  <a16:creationId xmlns:a16="http://schemas.microsoft.com/office/drawing/2014/main" id="{E0BD609C-A372-9B77-A208-61AAF7FAC62E}"/>
+                </a:ext>
+              </a:extLst>
+            </p:cNvPr>
+            <p:cNvCxnSpPr>
+              <a:cxnSpLocks/>
+            </p:cNvCxnSpPr>
+            <p:nvPr/>
+          </p:nvCxnSpPr>
+          <p:spPr>
+            <a:xfrm>
+              <a:off x="447979" y="1267403"/>
+              <a:ext cx="1145077" cy="894772"/>
+            </a:xfrm>
+            <a:prstGeom prst="straightConnector1">
+              <a:avLst/>
+            </a:prstGeom>
+            <a:ln w="19050">
+              <a:solidFill>
+                <a:schemeClr val="tx1"/>
+              </a:solidFill>
+              <a:prstDash val="solid"/>
+              <a:tailEnd type="triangle"/>
+            </a:ln>
+          </p:spPr>
+          <p:style>
+            <a:lnRef idx="1">
+              <a:schemeClr val="accent1"/>
+            </a:lnRef>
+            <a:fillRef idx="0">
+              <a:schemeClr val="accent1"/>
+            </a:fillRef>
+            <a:effectRef idx="0">
+              <a:schemeClr val="accent1"/>
+            </a:effectRef>
+            <a:fontRef idx="minor">
+              <a:schemeClr val="tx1"/>
+            </a:fontRef>
+          </p:style>
+        </p:cxnSp>
+        <p:sp>
+          <p:nvSpPr>
+            <p:cNvPr id="74" name="TextBox 73">
+              <a:extLst>
+                <a:ext uri="{FF2B5EF4-FFF2-40B4-BE49-F238E27FC236}">
+                  <a16:creationId xmlns:a16="http://schemas.microsoft.com/office/drawing/2014/main" id="{39B6EC26-17C9-4060-F3BD-944E655A43B6}"/>
+                </a:ext>
+              </a:extLst>
+            </p:cNvPr>
+            <p:cNvSpPr txBox="1"/>
+            <p:nvPr/>
+          </p:nvSpPr>
+          <p:spPr>
+            <a:xfrm>
+              <a:off x="756465" y="1541936"/>
+              <a:ext cx="487634" cy="230832"/>
+            </a:xfrm>
+            <a:prstGeom prst="rect">
+              <a:avLst/>
+            </a:prstGeom>
+            <a:solidFill>
+              <a:srgbClr val="E4C16C"/>
+            </a:solidFill>
+          </p:spPr>
+          <p:txBody>
+            <a:bodyPr wrap="none" rtlCol="0">
+              <a:spAutoFit/>
+            </a:bodyPr>
+            <a:lstStyle>
+              <a:defPPr>
+                <a:defRPr lang="fr-FR"/>
+              </a:defPPr>
+              <a:lvl1pPr>
+                <a:defRPr sz="900" b="1">
+                  <a:latin typeface="Alte Haas Grotesk" panose="02000503000000020004" pitchFamily="2" charset="0"/>
+                </a:defRPr>
+              </a:lvl1pPr>
+            </a:lstStyle>
+            <a:p>
+              <a:r>
+                <a:rPr lang="fr-FR" dirty="0"/>
+                <a:t>HTTP</a:t>
+              </a:r>
+              <a:endParaRPr lang="en-GB" dirty="0"/>
+            </a:p>
+          </p:txBody>
+        </p:sp>
+        <p:sp>
+          <p:nvSpPr>
+            <p:cNvPr id="85" name="Right Brace 84">
+              <a:extLst>
+                <a:ext uri="{FF2B5EF4-FFF2-40B4-BE49-F238E27FC236}">
+                  <a16:creationId xmlns:a16="http://schemas.microsoft.com/office/drawing/2014/main" id="{ECBCF79C-DB7C-8437-A8D1-79A66D6A3034}"/>
+                </a:ext>
+              </a:extLst>
+            </p:cNvPr>
+            <p:cNvSpPr/>
+            <p:nvPr/>
+          </p:nvSpPr>
+          <p:spPr>
+            <a:xfrm rot="12414236">
+              <a:off x="4725358" y="4000552"/>
+              <a:ext cx="883655" cy="428062"/>
+            </a:xfrm>
+            <a:prstGeom prst="rightBrace">
+              <a:avLst>
+                <a:gd name="adj1" fmla="val 9622"/>
+                <a:gd name="adj2" fmla="val 54011"/>
+              </a:avLst>
+            </a:prstGeom>
+            <a:ln w="34925">
+              <a:solidFill>
+                <a:schemeClr val="tx1"/>
+              </a:solidFill>
+            </a:ln>
+          </p:spPr>
+          <p:style>
+            <a:lnRef idx="1">
+              <a:schemeClr val="accent1"/>
+            </a:lnRef>
+            <a:fillRef idx="0">
+              <a:schemeClr val="accent1"/>
+            </a:fillRef>
+            <a:effectRef idx="0">
+              <a:schemeClr val="accent1"/>
+            </a:effectRef>
+            <a:fontRef idx="minor">
+              <a:schemeClr val="tx1"/>
+            </a:fontRef>
+          </p:style>
+          <p:txBody>
+            <a:bodyPr rtlCol="0" anchor="ctr"/>
+            <a:lstStyle/>
+            <a:p>
+              <a:pPr algn="ctr"/>
+              <a:endParaRPr lang="en-GB"/>
+            </a:p>
+          </p:txBody>
+        </p:sp>
+        <p:sp>
+          <p:nvSpPr>
+            <p:cNvPr id="86" name="Oval 85">
+              <a:extLst>
+                <a:ext uri="{FF2B5EF4-FFF2-40B4-BE49-F238E27FC236}">
+                  <a16:creationId xmlns:a16="http://schemas.microsoft.com/office/drawing/2014/main" id="{EFB2C063-5C64-7717-7CF4-F13A7821C2FA}"/>
+                </a:ext>
+              </a:extLst>
+            </p:cNvPr>
+            <p:cNvSpPr/>
+            <p:nvPr/>
+          </p:nvSpPr>
+          <p:spPr>
+            <a:xfrm>
+              <a:off x="4632022" y="3886762"/>
+              <a:ext cx="171374" cy="171374"/>
+            </a:xfrm>
+            <a:prstGeom prst="ellipse">
+              <a:avLst/>
+            </a:prstGeom>
+            <a:solidFill>
+              <a:schemeClr val="bg1"/>
+            </a:solidFill>
+            <a:ln w="19050">
+              <a:solidFill>
+                <a:schemeClr val="tx1"/>
+              </a:solidFill>
+            </a:ln>
+          </p:spPr>
+          <p:style>
+            <a:lnRef idx="2">
+              <a:schemeClr val="accent1">
+                <a:shade val="50000"/>
+              </a:schemeClr>
+            </a:lnRef>
+            <a:fillRef idx="1">
+              <a:schemeClr val="accent1"/>
+            </a:fillRef>
+            <a:effectRef idx="0">
+              <a:schemeClr val="accent1"/>
+            </a:effectRef>
+            <a:fontRef idx="minor">
+              <a:schemeClr val="lt1"/>
+            </a:fontRef>
+          </p:style>
+          <p:txBody>
+            <a:bodyPr rtlCol="0" anchor="ctr"/>
+            <a:lstStyle/>
+            <a:p>
+              <a:pPr algn="ctr"/>
+              <a:endParaRPr lang="en-GB"/>
+            </a:p>
+          </p:txBody>
+        </p:sp>
+        <p:sp>
+          <p:nvSpPr>
+            <p:cNvPr id="84" name="Rectangle 83">
+              <a:extLst>
+                <a:ext uri="{FF2B5EF4-FFF2-40B4-BE49-F238E27FC236}">
+                  <a16:creationId xmlns:a16="http://schemas.microsoft.com/office/drawing/2014/main" id="{DC2D66E4-746D-C29C-9C6E-03E99FEE3A62}"/>
+                </a:ext>
+              </a:extLst>
+            </p:cNvPr>
+            <p:cNvSpPr/>
+            <p:nvPr/>
+          </p:nvSpPr>
+          <p:spPr>
+            <a:xfrm rot="17820000">
+              <a:off x="4959075" y="4081501"/>
+              <a:ext cx="823899" cy="546311"/>
+            </a:xfrm>
+            <a:prstGeom prst="rect">
+              <a:avLst/>
+            </a:prstGeom>
+            <a:solidFill>
+              <a:schemeClr val="accent4">
+                <a:lumMod val="60000"/>
+                <a:lumOff val="40000"/>
+              </a:schemeClr>
+            </a:solidFill>
+            <a:ln w="25400">
+              <a:solidFill>
+                <a:schemeClr val="tx1"/>
+              </a:solidFill>
+            </a:ln>
+          </p:spPr>
+          <p:style>
+            <a:lnRef idx="2">
+              <a:schemeClr val="accent1">
+                <a:shade val="50000"/>
+              </a:schemeClr>
+            </a:lnRef>
+            <a:fillRef idx="1">
+              <a:schemeClr val="accent1"/>
+            </a:fillRef>
+            <a:effectRef idx="0">
+              <a:schemeClr val="accent1"/>
+            </a:effectRef>
+            <a:fontRef idx="minor">
+              <a:schemeClr val="lt1"/>
+            </a:fontRef>
+          </p:style>
+          <p:txBody>
+            <a:bodyPr rtlCol="0" anchor="ctr"/>
+            <a:lstStyle/>
+            <a:p>
+              <a:pPr algn="ctr"/>
+              <a:r>
+                <a:rPr lang="fr-FR" sz="900" cap="all" dirty="0">
+                  <a:solidFill>
+                    <a:schemeClr val="tx1"/>
+                  </a:solidFill>
+                </a:rPr>
+                <a:t>Repository (Adapter)</a:t>
+              </a:r>
+              <a:endParaRPr lang="en-GB" sz="900" cap="all" dirty="0">
+                <a:solidFill>
+                  <a:schemeClr val="tx1"/>
+                </a:solidFill>
+              </a:endParaRPr>
+            </a:p>
+          </p:txBody>
+        </p:sp>
+        <p:cxnSp>
+          <p:nvCxnSpPr>
+            <p:cNvPr id="94" name="Straight Arrow Connector 93">
+              <a:extLst>
+                <a:ext uri="{FF2B5EF4-FFF2-40B4-BE49-F238E27FC236}">
+                  <a16:creationId xmlns:a16="http://schemas.microsoft.com/office/drawing/2014/main" id="{6264A4D3-64FF-9EDF-3633-89AB523BA0D2}"/>
+                </a:ext>
+              </a:extLst>
+            </p:cNvPr>
+            <p:cNvCxnSpPr>
+              <a:cxnSpLocks/>
+              <a:stCxn id="64" idx="3"/>
+              <a:endCxn id="86" idx="2"/>
+            </p:cNvCxnSpPr>
+            <p:nvPr/>
+          </p:nvCxnSpPr>
+          <p:spPr>
+            <a:xfrm>
+              <a:off x="4085884" y="3796667"/>
+              <a:ext cx="546138" cy="175782"/>
+            </a:xfrm>
+            <a:prstGeom prst="straightConnector1">
+              <a:avLst/>
+            </a:prstGeom>
+            <a:ln w="9525">
+              <a:solidFill>
+                <a:schemeClr val="tx1"/>
+              </a:solidFill>
+              <a:prstDash val="dash"/>
+              <a:tailEnd type="triangle"/>
+            </a:ln>
+          </p:spPr>
+          <p:style>
+            <a:lnRef idx="1">
+              <a:schemeClr val="accent1"/>
+            </a:lnRef>
+            <a:fillRef idx="0">
+              <a:schemeClr val="accent1"/>
+            </a:fillRef>
+            <a:effectRef idx="0">
+              <a:schemeClr val="accent1"/>
+            </a:effectRef>
+            <a:fontRef idx="minor">
+              <a:schemeClr val="tx1"/>
+            </a:fontRef>
+          </p:style>
+        </p:cxnSp>
+        <p:sp>
+          <p:nvSpPr>
+            <p:cNvPr id="100" name="Diamond 99">
+              <a:extLst>
+                <a:ext uri="{FF2B5EF4-FFF2-40B4-BE49-F238E27FC236}">
+                  <a16:creationId xmlns:a16="http://schemas.microsoft.com/office/drawing/2014/main" id="{6CA5F1AF-7106-D0E4-AB41-41734719A651}"/>
+                </a:ext>
+              </a:extLst>
+            </p:cNvPr>
+            <p:cNvSpPr/>
+            <p:nvPr/>
+          </p:nvSpPr>
+          <p:spPr>
+            <a:xfrm>
+              <a:off x="3332536" y="3640001"/>
+              <a:ext cx="167131" cy="167131"/>
+            </a:xfrm>
+            <a:prstGeom prst="diamond">
+              <a:avLst/>
+            </a:prstGeom>
+            <a:solidFill>
+              <a:schemeClr val="tx1"/>
+            </a:solidFill>
+            <a:ln>
+              <a:solidFill>
+                <a:schemeClr val="tx1"/>
+              </a:solidFill>
+            </a:ln>
+          </p:spPr>
+          <p:style>
+            <a:lnRef idx="2">
+              <a:schemeClr val="accent1">
+                <a:shade val="50000"/>
+              </a:schemeClr>
+            </a:lnRef>
+            <a:fillRef idx="1">
+              <a:schemeClr val="accent1"/>
+            </a:fillRef>
+            <a:effectRef idx="0">
+              <a:schemeClr val="accent1"/>
+            </a:effectRef>
+            <a:fontRef idx="minor">
+              <a:schemeClr val="lt1"/>
+            </a:fontRef>
+          </p:style>
+          <p:txBody>
+            <a:bodyPr rtlCol="0" anchor="ctr"/>
+            <a:lstStyle/>
+            <a:p>
+              <a:pPr algn="ctr"/>
+              <a:endParaRPr lang="en-GB"/>
+            </a:p>
+          </p:txBody>
+        </p:sp>
+        <p:sp>
+          <p:nvSpPr>
+            <p:cNvPr id="102" name="Flowchart: Magnetic Disk 101">
+              <a:extLst>
+                <a:ext uri="{FF2B5EF4-FFF2-40B4-BE49-F238E27FC236}">
+                  <a16:creationId xmlns:a16="http://schemas.microsoft.com/office/drawing/2014/main" id="{8809B9B3-2ABA-7002-C465-823660F01F15}"/>
+                </a:ext>
+              </a:extLst>
+            </p:cNvPr>
+            <p:cNvSpPr/>
+            <p:nvPr/>
+          </p:nvSpPr>
+          <p:spPr>
+            <a:xfrm>
+              <a:off x="6449037" y="4738570"/>
+              <a:ext cx="504521" cy="707978"/>
+            </a:xfrm>
+            <a:prstGeom prst="flowChartMagneticDisk">
+              <a:avLst/>
+            </a:prstGeom>
+            <a:solidFill>
+              <a:srgbClr val="DFC9EF"/>
+            </a:solidFill>
+            <a:ln w="25400">
+              <a:solidFill>
+                <a:srgbClr val="7030A0"/>
+              </a:solidFill>
+            </a:ln>
+          </p:spPr>
+          <p:style>
+            <a:lnRef idx="2">
+              <a:schemeClr val="accent1">
+                <a:shade val="50000"/>
+              </a:schemeClr>
+            </a:lnRef>
+            <a:fillRef idx="1">
+              <a:schemeClr val="accent1"/>
+            </a:fillRef>
+            <a:effectRef idx="0">
+              <a:schemeClr val="accent1"/>
+            </a:effectRef>
+            <a:fontRef idx="minor">
+              <a:schemeClr val="lt1"/>
+            </a:fontRef>
+          </p:style>
+          <p:txBody>
+            <a:bodyPr rtlCol="0" anchor="ctr"/>
+            <a:lstStyle/>
+            <a:p>
+              <a:pPr algn="ctr"/>
+              <a:r>
+                <a:rPr lang="fr-FR" sz="1400" b="1" cap="all" dirty="0" err="1">
+                  <a:solidFill>
+                    <a:schemeClr val="tx1"/>
+                  </a:solidFill>
+                  <a:latin typeface="Alte Haas Grotesk" panose="02000503000000020004" pitchFamily="2" charset="0"/>
+                </a:rPr>
+                <a:t>db</a:t>
+              </a:r>
+              <a:endParaRPr lang="fr-FR" sz="1400" b="1" cap="all" dirty="0">
+                <a:solidFill>
+                  <a:schemeClr val="tx1"/>
+                </a:solidFill>
+                <a:latin typeface="Alte Haas Grotesk" panose="02000503000000020004" pitchFamily="2" charset="0"/>
+              </a:endParaRPr>
+            </a:p>
+          </p:txBody>
+        </p:sp>
+        <p:cxnSp>
+          <p:nvCxnSpPr>
+            <p:cNvPr id="103" name="Straight Arrow Connector 102">
+              <a:extLst>
+                <a:ext uri="{FF2B5EF4-FFF2-40B4-BE49-F238E27FC236}">
+                  <a16:creationId xmlns:a16="http://schemas.microsoft.com/office/drawing/2014/main" id="{9DC579C9-2B02-64AB-2FBD-5421A8699E3D}"/>
+                </a:ext>
+              </a:extLst>
+            </p:cNvPr>
+            <p:cNvCxnSpPr>
+              <a:cxnSpLocks/>
+              <a:stCxn id="84" idx="2"/>
+              <a:endCxn id="102" idx="2"/>
+            </p:cNvCxnSpPr>
+            <p:nvPr/>
+          </p:nvCxnSpPr>
+          <p:spPr>
+            <a:xfrm>
+              <a:off x="5614408" y="4478666"/>
+              <a:ext cx="834629" cy="613893"/>
+            </a:xfrm>
+            <a:prstGeom prst="straightConnector1">
+              <a:avLst/>
+            </a:prstGeom>
+            <a:ln w="19050">
+              <a:solidFill>
+                <a:schemeClr val="tx1"/>
+              </a:solidFill>
+              <a:prstDash val="solid"/>
+              <a:tailEnd type="triangle"/>
+            </a:ln>
+          </p:spPr>
+          <p:style>
+            <a:lnRef idx="1">
+              <a:schemeClr val="accent1"/>
+            </a:lnRef>
+            <a:fillRef idx="0">
+              <a:schemeClr val="accent1"/>
+            </a:fillRef>
+            <a:effectRef idx="0">
+              <a:schemeClr val="accent1"/>
+            </a:effectRef>
+            <a:fontRef idx="minor">
+              <a:schemeClr val="tx1"/>
+            </a:fontRef>
+          </p:style>
+        </p:cxnSp>
+        <p:sp>
+          <p:nvSpPr>
+            <p:cNvPr id="109" name="TextBox 108">
+              <a:extLst>
+                <a:ext uri="{FF2B5EF4-FFF2-40B4-BE49-F238E27FC236}">
+                  <a16:creationId xmlns:a16="http://schemas.microsoft.com/office/drawing/2014/main" id="{35FD09CB-1EA0-C721-B9D5-8B0814D9365D}"/>
+                </a:ext>
+              </a:extLst>
+            </p:cNvPr>
+            <p:cNvSpPr txBox="1"/>
+            <p:nvPr/>
+          </p:nvSpPr>
+          <p:spPr>
+            <a:xfrm>
+              <a:off x="2047278" y="4991066"/>
+              <a:ext cx="3338271" cy="369332"/>
+            </a:xfrm>
+            <a:prstGeom prst="rect">
+              <a:avLst/>
+            </a:prstGeom>
+            <a:noFill/>
+          </p:spPr>
+          <p:txBody>
+            <a:bodyPr wrap="square" rtlCol="0">
+              <a:spAutoFit/>
+            </a:bodyPr>
+            <a:lstStyle/>
+            <a:p>
+              <a:pPr algn="ctr"/>
+              <a:r>
+                <a:rPr lang="en-GB" b="1" cap="all" dirty="0">
+                  <a:solidFill>
+                    <a:srgbClr val="C00000"/>
+                  </a:solidFill>
+                  <a:latin typeface="Alte Haas Grotesk" panose="02000503000000020004" pitchFamily="2" charset="0"/>
+                </a:rPr>
+                <a:t>Seat </a:t>
+              </a:r>
+              <a:r>
+                <a:rPr lang="en-GB" b="1" cap="all" dirty="0" err="1">
+                  <a:solidFill>
+                    <a:srgbClr val="C00000"/>
+                  </a:solidFill>
+                  <a:latin typeface="Alte Haas Grotesk" panose="02000503000000020004" pitchFamily="2" charset="0"/>
+                </a:rPr>
+                <a:t>SuggestionS</a:t>
+              </a:r>
+              <a:r>
+                <a:rPr lang="en-GB" b="1" cap="all" dirty="0">
+                  <a:solidFill>
+                    <a:srgbClr val="C00000"/>
+                  </a:solidFill>
+                  <a:latin typeface="Alte Haas Grotesk" panose="02000503000000020004" pitchFamily="2" charset="0"/>
+                </a:rPr>
+                <a:t> API</a:t>
+              </a:r>
+            </a:p>
+          </p:txBody>
+        </p:sp>
+        <p:sp>
+          <p:nvSpPr>
+            <p:cNvPr id="216" name="Rectangle 215">
+              <a:extLst>
+                <a:ext uri="{FF2B5EF4-FFF2-40B4-BE49-F238E27FC236}">
+                  <a16:creationId xmlns:a16="http://schemas.microsoft.com/office/drawing/2014/main" id="{B4EA41F1-A440-2F90-8DE8-61CF29EE04C4}"/>
+                </a:ext>
+              </a:extLst>
+            </p:cNvPr>
+            <p:cNvSpPr/>
+            <p:nvPr/>
+          </p:nvSpPr>
+          <p:spPr>
+            <a:xfrm rot="17820000">
+              <a:off x="5411476" y="3179914"/>
+              <a:ext cx="824437" cy="546311"/>
+            </a:xfrm>
+            <a:prstGeom prst="rect">
+              <a:avLst/>
+            </a:prstGeom>
+            <a:solidFill>
+              <a:srgbClr val="FFD966"/>
+            </a:solidFill>
+            <a:ln w="25400">
+              <a:solidFill>
+                <a:schemeClr val="tx1"/>
+              </a:solidFill>
+            </a:ln>
+          </p:spPr>
+          <p:style>
+            <a:lnRef idx="2">
+              <a:schemeClr val="accent1">
+                <a:shade val="50000"/>
+              </a:schemeClr>
+            </a:lnRef>
+            <a:fillRef idx="1">
+              <a:schemeClr val="accent1"/>
+            </a:fillRef>
+            <a:effectRef idx="0">
+              <a:schemeClr val="accent1"/>
+            </a:effectRef>
+            <a:fontRef idx="minor">
+              <a:schemeClr val="lt1"/>
+            </a:fontRef>
+          </p:style>
+          <p:txBody>
+            <a:bodyPr rtlCol="0" anchor="ctr"/>
+            <a:lstStyle/>
+            <a:p>
+              <a:pPr algn="ctr"/>
+              <a:r>
+                <a:rPr lang="fr-FR" sz="900" cap="all" dirty="0">
+                  <a:solidFill>
+                    <a:schemeClr val="tx1"/>
+                  </a:solidFill>
+                </a:rPr>
+                <a:t>Auditorium </a:t>
+              </a:r>
+              <a:r>
+                <a:rPr lang="fr-FR" sz="900" cap="all" dirty="0" err="1">
+                  <a:solidFill>
+                    <a:schemeClr val="tx1"/>
+                  </a:solidFill>
+                </a:rPr>
+                <a:t>seating</a:t>
+              </a:r>
+              <a:r>
+                <a:rPr lang="fr-FR" sz="900" cap="all" dirty="0">
+                  <a:solidFill>
+                    <a:schemeClr val="tx1"/>
+                  </a:solidFill>
+                </a:rPr>
+                <a:t> web Adapter</a:t>
+              </a:r>
+              <a:endParaRPr lang="en-GB" sz="900" cap="all" dirty="0">
+                <a:solidFill>
+                  <a:schemeClr val="tx1"/>
+                </a:solidFill>
+              </a:endParaRPr>
+            </a:p>
+          </p:txBody>
+        </p:sp>
+        <p:cxnSp>
+          <p:nvCxnSpPr>
+            <p:cNvPr id="159" name="Straight Arrow Connector 158">
+              <a:extLst>
+                <a:ext uri="{FF2B5EF4-FFF2-40B4-BE49-F238E27FC236}">
+                  <a16:creationId xmlns:a16="http://schemas.microsoft.com/office/drawing/2014/main" id="{482C9FBF-083C-E03A-1E91-7D0E1A3E8928}"/>
+                </a:ext>
+              </a:extLst>
+            </p:cNvPr>
+            <p:cNvCxnSpPr>
+              <a:cxnSpLocks/>
+              <a:stCxn id="160" idx="2"/>
+            </p:cNvCxnSpPr>
+            <p:nvPr/>
+          </p:nvCxnSpPr>
+          <p:spPr>
+            <a:xfrm>
+              <a:off x="2082406" y="2316045"/>
+              <a:ext cx="400567" cy="303239"/>
+            </a:xfrm>
+            <a:prstGeom prst="straightConnector1">
+              <a:avLst/>
+            </a:prstGeom>
+            <a:ln w="38100">
+              <a:solidFill>
+                <a:srgbClr val="C00000"/>
+              </a:solidFill>
+              <a:prstDash val="sysDash"/>
+              <a:tailEnd type="triangle"/>
+            </a:ln>
+          </p:spPr>
+          <p:style>
+            <a:lnRef idx="1">
+              <a:schemeClr val="accent1"/>
+            </a:lnRef>
+            <a:fillRef idx="0">
+              <a:schemeClr val="accent1"/>
+            </a:fillRef>
+            <a:effectRef idx="0">
+              <a:schemeClr val="accent1"/>
+            </a:effectRef>
+            <a:fontRef idx="minor">
+              <a:schemeClr val="tx1"/>
+            </a:fontRef>
+          </p:style>
+        </p:cxnSp>
+        <p:sp>
+          <p:nvSpPr>
+            <p:cNvPr id="160" name="Rectangle 159">
+              <a:extLst>
+                <a:ext uri="{FF2B5EF4-FFF2-40B4-BE49-F238E27FC236}">
+                  <a16:creationId xmlns:a16="http://schemas.microsoft.com/office/drawing/2014/main" id="{E6B81530-3AF7-F7F1-E6D2-30E2FCEF1862}"/>
+                </a:ext>
+              </a:extLst>
+            </p:cNvPr>
+            <p:cNvSpPr/>
+            <p:nvPr/>
+          </p:nvSpPr>
+          <p:spPr>
+            <a:xfrm rot="17798078">
+              <a:off x="1343693" y="1999023"/>
+              <a:ext cx="1086095" cy="437786"/>
+            </a:xfrm>
+            <a:prstGeom prst="rect">
+              <a:avLst/>
+            </a:prstGeom>
+            <a:solidFill>
+              <a:schemeClr val="accent4">
+                <a:lumMod val="60000"/>
+                <a:lumOff val="40000"/>
+              </a:schemeClr>
+            </a:solidFill>
+            <a:ln w="25400">
+              <a:solidFill>
+                <a:schemeClr val="tx1"/>
+              </a:solidFill>
+            </a:ln>
+          </p:spPr>
+          <p:style>
+            <a:lnRef idx="2">
+              <a:schemeClr val="accent1">
+                <a:shade val="50000"/>
+              </a:schemeClr>
+            </a:lnRef>
+            <a:fillRef idx="1">
+              <a:schemeClr val="accent1"/>
+            </a:fillRef>
+            <a:effectRef idx="0">
+              <a:schemeClr val="accent1"/>
+            </a:effectRef>
+            <a:fontRef idx="minor">
+              <a:schemeClr val="lt1"/>
+            </a:fontRef>
+          </p:style>
+          <p:txBody>
+            <a:bodyPr rtlCol="0" anchor="ctr"/>
+            <a:lstStyle/>
+            <a:p>
+              <a:pPr algn="ctr"/>
+              <a:r>
+                <a:rPr lang="fr-FR" sz="900" cap="all" dirty="0" err="1">
+                  <a:solidFill>
+                    <a:schemeClr val="tx1"/>
+                  </a:solidFill>
+                </a:rPr>
+                <a:t>WebController</a:t>
+              </a:r>
+              <a:r>
+                <a:rPr lang="fr-FR" sz="900" cap="all" dirty="0">
+                  <a:solidFill>
+                    <a:schemeClr val="tx1"/>
+                  </a:solidFill>
+                </a:rPr>
+                <a:t> (Adapter)</a:t>
+              </a:r>
+              <a:endParaRPr lang="en-GB" sz="900" cap="all" dirty="0">
+                <a:solidFill>
+                  <a:schemeClr val="tx1"/>
+                </a:solidFill>
+              </a:endParaRPr>
+            </a:p>
+          </p:txBody>
+        </p:sp>
+        <p:sp>
+          <p:nvSpPr>
+            <p:cNvPr id="161" name="TextBox 160">
+              <a:extLst>
+                <a:ext uri="{FF2B5EF4-FFF2-40B4-BE49-F238E27FC236}">
+                  <a16:creationId xmlns:a16="http://schemas.microsoft.com/office/drawing/2014/main" id="{7F5086DF-C070-E37B-B057-56181D96B9DE}"/>
+                </a:ext>
+              </a:extLst>
+            </p:cNvPr>
+            <p:cNvSpPr txBox="1"/>
+            <p:nvPr/>
+          </p:nvSpPr>
+          <p:spPr>
+            <a:xfrm>
+              <a:off x="2078667" y="2152354"/>
+              <a:ext cx="618793" cy="215444"/>
+            </a:xfrm>
+            <a:prstGeom prst="rect">
+              <a:avLst/>
+            </a:prstGeom>
+            <a:noFill/>
+          </p:spPr>
+          <p:txBody>
+            <a:bodyPr wrap="square" rtlCol="0">
+              <a:spAutoFit/>
+            </a:bodyPr>
+            <a:lstStyle/>
+            <a:p>
+              <a:r>
+                <a:rPr lang="fr-FR" sz="800" b="1" dirty="0">
+                  <a:solidFill>
+                    <a:srgbClr val="C00000"/>
+                  </a:solidFill>
+                  <a:latin typeface="Alte Haas Grotesk" panose="02000503000000020004" pitchFamily="2" charset="0"/>
+                </a:rPr>
+                <a:t>(in proc)</a:t>
+              </a:r>
+              <a:endParaRPr lang="en-GB" sz="800" b="1" dirty="0">
+                <a:solidFill>
+                  <a:srgbClr val="C00000"/>
+                </a:solidFill>
+                <a:latin typeface="Alte Haas Grotesk" panose="02000503000000020004" pitchFamily="2" charset="0"/>
+              </a:endParaRPr>
+            </a:p>
+          </p:txBody>
+        </p:sp>
+        <p:sp>
+          <p:nvSpPr>
+            <p:cNvPr id="134" name="TextBox 133">
+              <a:extLst>
+                <a:ext uri="{FF2B5EF4-FFF2-40B4-BE49-F238E27FC236}">
+                  <a16:creationId xmlns:a16="http://schemas.microsoft.com/office/drawing/2014/main" id="{CCB73EF0-935D-80FD-0DA6-10CCD5AA72D7}"/>
+                </a:ext>
+              </a:extLst>
+            </p:cNvPr>
+            <p:cNvSpPr txBox="1"/>
+            <p:nvPr/>
+          </p:nvSpPr>
+          <p:spPr>
+            <a:xfrm>
+              <a:off x="6600880" y="3691716"/>
+              <a:ext cx="487634" cy="230832"/>
+            </a:xfrm>
+            <a:prstGeom prst="rect">
+              <a:avLst/>
+            </a:prstGeom>
+            <a:solidFill>
+              <a:srgbClr val="D39807"/>
+            </a:solidFill>
+          </p:spPr>
+          <p:txBody>
+            <a:bodyPr wrap="none" rtlCol="0">
+              <a:spAutoFit/>
+            </a:bodyPr>
+            <a:lstStyle/>
+            <a:p>
+              <a:r>
+                <a:rPr lang="fr-FR" sz="900" b="1" dirty="0">
+                  <a:latin typeface="Alte Haas Grotesk" panose="02000503000000020004" pitchFamily="2" charset="0"/>
+                </a:rPr>
+                <a:t>HTTP</a:t>
+              </a:r>
+              <a:endParaRPr lang="en-GB" sz="900" b="1" dirty="0">
+                <a:latin typeface="Alte Haas Grotesk" panose="02000503000000020004" pitchFamily="2" charset="0"/>
+              </a:endParaRPr>
+            </a:p>
+          </p:txBody>
+        </p:sp>
+      </p:grpSp>
+    </p:spTree>
+    <p:extLst>
+      <p:ext uri="{BB962C8B-B14F-4D97-AF65-F5344CB8AC3E}">
+        <p14:creationId xmlns:p14="http://schemas.microsoft.com/office/powerpoint/2010/main" val="287874265"/>
+      </p:ext>
+    </p:extLst>
+  </p:cSld>
+  <p:clrMapOvr>
+    <a:masterClrMapping/>
+  </p:clrMapOvr>
+</p:sld>
+</file>
+
+<file path=ppt/slides/slide3.xml><?xml version="1.0" encoding="utf-8"?>
+<p:sld xmlns:a="http://schemas.openxmlformats.org/drawingml/2006/main" xmlns:r="http://schemas.openxmlformats.org/officeDocument/2006/relationships" xmlns:p="http://schemas.openxmlformats.org/presentationml/2006/main" show="0">
+  <p:cSld>
+    <p:bg>
+      <p:bgPr>
+        <a:solidFill>
+          <a:srgbClr val="FFBA21"/>
+        </a:solidFill>
+        <a:effectLst/>
+      </p:bgPr>
+    </p:bg>
+    <p:spTree>
+      <p:nvGrpSpPr>
+        <p:cNvPr id="1" name=""/>
+        <p:cNvGrpSpPr/>
+        <p:nvPr/>
+      </p:nvGrpSpPr>
+      <p:grpSpPr>
+        <a:xfrm>
+          <a:off x="0" y="0"/>
+          <a:ext cx="0" cy="0"/>
+          <a:chOff x="0" y="0"/>
+          <a:chExt cx="0" cy="0"/>
+        </a:xfrm>
+      </p:grpSpPr>
+      <p:sp>
+        <p:nvSpPr>
+          <p:cNvPr id="2" name="Title 1">
+            <a:extLst>
+              <a:ext uri="{FF2B5EF4-FFF2-40B4-BE49-F238E27FC236}">
+                <a16:creationId xmlns:a16="http://schemas.microsoft.com/office/drawing/2014/main" id="{CF10999B-CAFA-FEBA-6F89-7CC6749F4E55}"/>
+              </a:ext>
+            </a:extLst>
+          </p:cNvPr>
+          <p:cNvSpPr>
+            <a:spLocks noGrp="1"/>
+          </p:cNvSpPr>
+          <p:nvPr>
+            <p:ph type="ctrTitle"/>
+          </p:nvPr>
+        </p:nvSpPr>
+        <p:spPr>
+          <a:xfrm>
+            <a:off x="1015519" y="252821"/>
+            <a:ext cx="8402189" cy="1866395"/>
+          </a:xfrm>
+        </p:spPr>
+        <p:txBody>
+          <a:bodyPr anchor="t">
+            <a:normAutofit/>
+          </a:bodyPr>
+          <a:lstStyle/>
+          <a:p>
+            <a:r>
+              <a:rPr lang="en-US" sz="4000" b="1" cap="all" dirty="0">
+                <a:solidFill>
+                  <a:srgbClr val="C00000"/>
+                </a:solidFill>
+                <a:latin typeface="GoodDog" panose="02000000000000000000" pitchFamily="50" charset="0"/>
+              </a:rPr>
+              <a:t>Hexagonal Architecture</a:t>
+            </a:r>
+            <a:br>
+              <a:rPr lang="en-US" sz="4000" b="1" cap="all" dirty="0">
+                <a:solidFill>
+                  <a:srgbClr val="C00000"/>
+                </a:solidFill>
+                <a:latin typeface="GoodDog" panose="02000000000000000000" pitchFamily="50" charset="0"/>
+              </a:rPr>
+            </a:br>
+            <a:r>
+              <a:rPr lang="en-US" sz="4000" b="1" cap="all" dirty="0">
+                <a:solidFill>
+                  <a:srgbClr val="C00000"/>
+                </a:solidFill>
+                <a:latin typeface="GoodDog" panose="02000000000000000000" pitchFamily="50" charset="0"/>
+              </a:rPr>
+              <a:t>(and  beyond)</a:t>
+            </a:r>
+          </a:p>
+        </p:txBody>
+      </p:sp>
+      <p:pic>
+        <p:nvPicPr>
+          <p:cNvPr id="9" name="Picture 8" descr="Logo&#10;&#10;Description automatically generated with medium confidence">
+            <a:extLst>
+              <a:ext uri="{FF2B5EF4-FFF2-40B4-BE49-F238E27FC236}">
+                <a16:creationId xmlns:a16="http://schemas.microsoft.com/office/drawing/2014/main" id="{F03801CB-F5AB-1480-806C-52B17B1E29CB}"/>
+              </a:ext>
+            </a:extLst>
+          </p:cNvPr>
+          <p:cNvPicPr>
+            <a:picLocks noChangeAspect="1"/>
+          </p:cNvPicPr>
+          <p:nvPr/>
+        </p:nvPicPr>
+        <p:blipFill>
+          <a:blip r:embed="rId2">
+            <a:extLst>
+              <a:ext uri="{28A0092B-C50C-407E-A947-70E740481C1C}">
+                <a14:useLocalDpi xmlns:a14="http://schemas.microsoft.com/office/drawing/2010/main" val="0"/>
+              </a:ext>
+            </a:extLst>
+          </a:blip>
+          <a:stretch>
+            <a:fillRect/>
+          </a:stretch>
+        </p:blipFill>
+        <p:spPr>
+          <a:xfrm>
+            <a:off x="2543937" y="7674443"/>
+            <a:ext cx="2605189" cy="1492909"/>
+          </a:xfrm>
+          <a:prstGeom prst="rect">
+            <a:avLst/>
+          </a:prstGeom>
+        </p:spPr>
+      </p:pic>
+      <p:grpSp>
+        <p:nvGrpSpPr>
+          <p:cNvPr id="52" name="Group 51">
+            <a:extLst>
+              <a:ext uri="{FF2B5EF4-FFF2-40B4-BE49-F238E27FC236}">
+                <a16:creationId xmlns:a16="http://schemas.microsoft.com/office/drawing/2014/main" id="{74245154-5B9D-012B-690D-AF4EF153870D}"/>
+              </a:ext>
+            </a:extLst>
+          </p:cNvPr>
+          <p:cNvGrpSpPr/>
+          <p:nvPr/>
+        </p:nvGrpSpPr>
+        <p:grpSpPr>
+          <a:xfrm>
+            <a:off x="563232" y="1899273"/>
+            <a:ext cx="3792322" cy="2611311"/>
+            <a:chOff x="2544432" y="1890756"/>
+            <a:chExt cx="5174160" cy="3562815"/>
+          </a:xfrm>
+        </p:grpSpPr>
+        <p:sp>
+          <p:nvSpPr>
+            <p:cNvPr id="15" name="Hexagon 14">
+              <a:extLst>
+                <a:ext uri="{FF2B5EF4-FFF2-40B4-BE49-F238E27FC236}">
+                  <a16:creationId xmlns:a16="http://schemas.microsoft.com/office/drawing/2014/main" id="{3E22AAEB-600D-8F2E-92AB-5BEEA0C46415}"/>
+                </a:ext>
+              </a:extLst>
+            </p:cNvPr>
+            <p:cNvSpPr/>
+            <p:nvPr/>
+          </p:nvSpPr>
+          <p:spPr>
+            <a:xfrm>
+              <a:off x="2544432" y="1890756"/>
+              <a:ext cx="5174160" cy="3562815"/>
+            </a:xfrm>
+            <a:prstGeom prst="hexagon">
+              <a:avLst/>
+            </a:prstGeom>
+            <a:solidFill>
+              <a:srgbClr val="DFC9EF"/>
+            </a:solidFill>
+            <a:ln w="47625">
+              <a:solidFill>
+                <a:srgbClr val="7030A0"/>
+              </a:solidFill>
+            </a:ln>
+          </p:spPr>
+          <p:style>
+            <a:lnRef idx="2">
+              <a:schemeClr val="accent1">
+                <a:shade val="50000"/>
+              </a:schemeClr>
+            </a:lnRef>
+            <a:fillRef idx="1">
+              <a:schemeClr val="accent1"/>
+            </a:fillRef>
+            <a:effectRef idx="0">
+              <a:schemeClr val="accent1"/>
+            </a:effectRef>
+            <a:fontRef idx="minor">
+              <a:schemeClr val="lt1"/>
+            </a:fontRef>
+          </p:style>
+          <p:txBody>
+            <a:bodyPr rtlCol="0" anchor="ctr"/>
+            <a:lstStyle/>
+            <a:p>
+              <a:pPr algn="ctr"/>
+              <a:endParaRPr lang="fr-FR"/>
+            </a:p>
+          </p:txBody>
+        </p:sp>
+        <p:sp>
+          <p:nvSpPr>
+            <p:cNvPr id="16" name="Hexagon 15">
+              <a:extLst>
+                <a:ext uri="{FF2B5EF4-FFF2-40B4-BE49-F238E27FC236}">
+                  <a16:creationId xmlns:a16="http://schemas.microsoft.com/office/drawing/2014/main" id="{66522C6E-2C90-BA84-1847-B36B438C1BEB}"/>
+                </a:ext>
+              </a:extLst>
+            </p:cNvPr>
+            <p:cNvSpPr/>
+            <p:nvPr/>
+          </p:nvSpPr>
+          <p:spPr>
+            <a:xfrm>
+              <a:off x="3620847" y="2625393"/>
+              <a:ext cx="3040380" cy="2093540"/>
+            </a:xfrm>
+            <a:prstGeom prst="hexagon">
+              <a:avLst/>
+            </a:prstGeom>
+            <a:solidFill>
+              <a:srgbClr val="BA8CDC"/>
+            </a:solidFill>
+            <a:ln w="28575">
+              <a:solidFill>
+                <a:srgbClr val="7030A0"/>
+              </a:solidFill>
+            </a:ln>
+          </p:spPr>
+          <p:style>
+            <a:lnRef idx="2">
+              <a:schemeClr val="accent1">
+                <a:shade val="50000"/>
+              </a:schemeClr>
+            </a:lnRef>
+            <a:fillRef idx="1">
+              <a:schemeClr val="accent1"/>
+            </a:fillRef>
+            <a:effectRef idx="0">
+              <a:schemeClr val="accent1"/>
+            </a:effectRef>
+            <a:fontRef idx="minor">
+              <a:schemeClr val="lt1"/>
+            </a:fontRef>
+          </p:style>
+          <p:txBody>
+            <a:bodyPr rtlCol="0" anchor="ctr"/>
+            <a:lstStyle/>
+            <a:p>
+              <a:pPr algn="ctr"/>
+              <a:r>
+                <a:rPr lang="fr-FR" b="1" cap="all" dirty="0">
+                  <a:solidFill>
+                    <a:srgbClr val="DFC9EF"/>
+                  </a:solidFill>
+                  <a:latin typeface="Alte Haas Grotesk" panose="02000503000000020004" pitchFamily="2" charset="0"/>
+                </a:rPr>
+                <a:t>Domain code</a:t>
+              </a:r>
+            </a:p>
+          </p:txBody>
+        </p:sp>
+      </p:grpSp>
+      <p:grpSp>
+        <p:nvGrpSpPr>
+          <p:cNvPr id="54" name="Group 53">
+            <a:extLst>
+              <a:ext uri="{FF2B5EF4-FFF2-40B4-BE49-F238E27FC236}">
+                <a16:creationId xmlns:a16="http://schemas.microsoft.com/office/drawing/2014/main" id="{A0D0CF5A-95DA-EC32-E343-AA2D7A52A83D}"/>
+              </a:ext>
+            </a:extLst>
+          </p:cNvPr>
+          <p:cNvGrpSpPr/>
+          <p:nvPr/>
+        </p:nvGrpSpPr>
+        <p:grpSpPr>
+          <a:xfrm>
+            <a:off x="3947160" y="4088849"/>
+            <a:ext cx="2229574" cy="1535236"/>
+            <a:chOff x="2544432" y="1890756"/>
+            <a:chExt cx="5174160" cy="3562815"/>
+          </a:xfrm>
+        </p:grpSpPr>
+        <p:sp>
+          <p:nvSpPr>
+            <p:cNvPr id="55" name="Hexagon 54">
+              <a:extLst>
+                <a:ext uri="{FF2B5EF4-FFF2-40B4-BE49-F238E27FC236}">
+                  <a16:creationId xmlns:a16="http://schemas.microsoft.com/office/drawing/2014/main" id="{76C9A078-8394-A1AA-543A-7DE60AFA32B3}"/>
+                </a:ext>
+              </a:extLst>
+            </p:cNvPr>
+            <p:cNvSpPr/>
+            <p:nvPr/>
+          </p:nvSpPr>
+          <p:spPr>
+            <a:xfrm>
+              <a:off x="2544432" y="1890756"/>
+              <a:ext cx="5174160" cy="3562815"/>
+            </a:xfrm>
+            <a:prstGeom prst="hexagon">
+              <a:avLst/>
+            </a:prstGeom>
+            <a:solidFill>
+              <a:srgbClr val="C5E0B4"/>
+            </a:solidFill>
+            <a:ln w="47625">
+              <a:solidFill>
+                <a:srgbClr val="385723"/>
+              </a:solidFill>
+            </a:ln>
+          </p:spPr>
+          <p:style>
+            <a:lnRef idx="2">
+              <a:schemeClr val="accent1">
+                <a:shade val="50000"/>
+              </a:schemeClr>
+            </a:lnRef>
+            <a:fillRef idx="1">
+              <a:schemeClr val="accent1"/>
+            </a:fillRef>
+            <a:effectRef idx="0">
+              <a:schemeClr val="accent1"/>
+            </a:effectRef>
+            <a:fontRef idx="minor">
+              <a:schemeClr val="lt1"/>
+            </a:fontRef>
+          </p:style>
+          <p:txBody>
+            <a:bodyPr rtlCol="0" anchor="ctr"/>
+            <a:lstStyle/>
+            <a:p>
+              <a:pPr algn="ctr"/>
+              <a:endParaRPr lang="fr-FR"/>
+            </a:p>
+          </p:txBody>
+        </p:sp>
+        <p:sp>
+          <p:nvSpPr>
+            <p:cNvPr id="56" name="Hexagon 55">
+              <a:extLst>
+                <a:ext uri="{FF2B5EF4-FFF2-40B4-BE49-F238E27FC236}">
+                  <a16:creationId xmlns:a16="http://schemas.microsoft.com/office/drawing/2014/main" id="{1938EA02-A13B-7722-66EE-DC0BB4370AE6}"/>
+                </a:ext>
+              </a:extLst>
+            </p:cNvPr>
+            <p:cNvSpPr/>
+            <p:nvPr/>
+          </p:nvSpPr>
+          <p:spPr>
+            <a:xfrm>
+              <a:off x="3620847" y="2625393"/>
+              <a:ext cx="3040380" cy="2093540"/>
+            </a:xfrm>
+            <a:prstGeom prst="hexagon">
+              <a:avLst/>
+            </a:prstGeom>
+            <a:solidFill>
+              <a:srgbClr val="548235"/>
+            </a:solidFill>
+            <a:ln w="28575">
+              <a:solidFill>
+                <a:srgbClr val="385723"/>
+              </a:solidFill>
+            </a:ln>
+          </p:spPr>
+          <p:style>
+            <a:lnRef idx="2">
+              <a:schemeClr val="accent1">
+                <a:shade val="50000"/>
+              </a:schemeClr>
+            </a:lnRef>
+            <a:fillRef idx="1">
+              <a:schemeClr val="accent1"/>
+            </a:fillRef>
+            <a:effectRef idx="0">
+              <a:schemeClr val="accent1"/>
+            </a:effectRef>
+            <a:fontRef idx="minor">
+              <a:schemeClr val="lt1"/>
+            </a:fontRef>
+          </p:style>
+          <p:txBody>
+            <a:bodyPr rtlCol="0" anchor="ctr"/>
+            <a:lstStyle/>
+            <a:p>
+              <a:pPr algn="ctr"/>
+              <a:r>
+                <a:rPr lang="fr-FR" sz="1200" b="1" cap="all" dirty="0">
+                  <a:solidFill>
+                    <a:srgbClr val="C5E0B4"/>
+                  </a:solidFill>
+                  <a:latin typeface="Alte Haas Grotesk" panose="02000503000000020004" pitchFamily="2" charset="0"/>
+                </a:rPr>
+                <a:t>Domain code</a:t>
+              </a:r>
+            </a:p>
+          </p:txBody>
+        </p:sp>
+      </p:grpSp>
+      <p:grpSp>
+        <p:nvGrpSpPr>
+          <p:cNvPr id="57" name="Group 56">
+            <a:extLst>
+              <a:ext uri="{FF2B5EF4-FFF2-40B4-BE49-F238E27FC236}">
+                <a16:creationId xmlns:a16="http://schemas.microsoft.com/office/drawing/2014/main" id="{F1083A50-493F-B6A0-8C14-5F6AC13B786C}"/>
+              </a:ext>
+            </a:extLst>
+          </p:cNvPr>
+          <p:cNvGrpSpPr/>
+          <p:nvPr/>
+        </p:nvGrpSpPr>
+        <p:grpSpPr>
+          <a:xfrm>
+            <a:off x="5849715" y="2820079"/>
+            <a:ext cx="2229574" cy="1535236"/>
+            <a:chOff x="2544432" y="1890756"/>
+            <a:chExt cx="5174160" cy="3562815"/>
+          </a:xfrm>
+        </p:grpSpPr>
+        <p:sp>
+          <p:nvSpPr>
+            <p:cNvPr id="58" name="Hexagon 57">
+              <a:extLst>
+                <a:ext uri="{FF2B5EF4-FFF2-40B4-BE49-F238E27FC236}">
+                  <a16:creationId xmlns:a16="http://schemas.microsoft.com/office/drawing/2014/main" id="{1777617D-389C-D616-3D24-59910BB28966}"/>
+                </a:ext>
+              </a:extLst>
+            </p:cNvPr>
+            <p:cNvSpPr/>
+            <p:nvPr/>
+          </p:nvSpPr>
+          <p:spPr>
+            <a:xfrm>
+              <a:off x="2544432" y="1890756"/>
+              <a:ext cx="5174160" cy="3562815"/>
+            </a:xfrm>
+            <a:prstGeom prst="hexagon">
+              <a:avLst/>
+            </a:prstGeom>
+            <a:solidFill>
+              <a:srgbClr val="DEEBF7"/>
+            </a:solidFill>
+            <a:ln w="47625">
+              <a:solidFill>
+                <a:srgbClr val="4472C4"/>
+              </a:solidFill>
+            </a:ln>
+          </p:spPr>
+          <p:style>
+            <a:lnRef idx="2">
+              <a:schemeClr val="accent1">
+                <a:shade val="50000"/>
+              </a:schemeClr>
+            </a:lnRef>
+            <a:fillRef idx="1">
+              <a:schemeClr val="accent1"/>
+            </a:fillRef>
+            <a:effectRef idx="0">
+              <a:schemeClr val="accent1"/>
+            </a:effectRef>
+            <a:fontRef idx="minor">
+              <a:schemeClr val="lt1"/>
+            </a:fontRef>
+          </p:style>
+          <p:txBody>
+            <a:bodyPr rtlCol="0" anchor="ctr"/>
+            <a:lstStyle/>
+            <a:p>
+              <a:pPr algn="ctr"/>
+              <a:endParaRPr lang="fr-FR" sz="1200"/>
+            </a:p>
+          </p:txBody>
+        </p:sp>
+        <p:sp>
+          <p:nvSpPr>
+            <p:cNvPr id="59" name="Hexagon 58">
+              <a:extLst>
+                <a:ext uri="{FF2B5EF4-FFF2-40B4-BE49-F238E27FC236}">
+                  <a16:creationId xmlns:a16="http://schemas.microsoft.com/office/drawing/2014/main" id="{84CC4242-2B88-AD0D-B03D-92ABE5E390C9}"/>
+                </a:ext>
+              </a:extLst>
+            </p:cNvPr>
+            <p:cNvSpPr/>
+            <p:nvPr/>
+          </p:nvSpPr>
+          <p:spPr>
+            <a:xfrm>
+              <a:off x="3620847" y="2625393"/>
+              <a:ext cx="3040380" cy="2093540"/>
+            </a:xfrm>
+            <a:prstGeom prst="hexagon">
+              <a:avLst/>
+            </a:prstGeom>
+            <a:solidFill>
+              <a:srgbClr val="8FAADC"/>
+            </a:solidFill>
+            <a:ln w="28575">
+              <a:solidFill>
+                <a:srgbClr val="2F5597"/>
+              </a:solidFill>
+            </a:ln>
+          </p:spPr>
+          <p:style>
+            <a:lnRef idx="2">
+              <a:schemeClr val="accent1">
+                <a:shade val="50000"/>
+              </a:schemeClr>
+            </a:lnRef>
+            <a:fillRef idx="1">
+              <a:schemeClr val="accent1"/>
+            </a:fillRef>
+            <a:effectRef idx="0">
+              <a:schemeClr val="accent1"/>
+            </a:effectRef>
+            <a:fontRef idx="minor">
+              <a:schemeClr val="lt1"/>
+            </a:fontRef>
+          </p:style>
+          <p:txBody>
+            <a:bodyPr rtlCol="0" anchor="ctr"/>
+            <a:lstStyle/>
+            <a:p>
+              <a:pPr algn="ctr"/>
+              <a:r>
+                <a:rPr lang="fr-FR" sz="1200" b="1" cap="all" dirty="0">
+                  <a:solidFill>
+                    <a:srgbClr val="DEEBF7"/>
+                  </a:solidFill>
+                  <a:latin typeface="Alte Haas Grotesk" panose="02000503000000020004" pitchFamily="2" charset="0"/>
+                </a:rPr>
+                <a:t>Domain code</a:t>
+              </a:r>
+            </a:p>
+          </p:txBody>
+        </p:sp>
+      </p:grpSp>
+      <p:grpSp>
+        <p:nvGrpSpPr>
+          <p:cNvPr id="60" name="Group 59">
+            <a:extLst>
+              <a:ext uri="{FF2B5EF4-FFF2-40B4-BE49-F238E27FC236}">
+                <a16:creationId xmlns:a16="http://schemas.microsoft.com/office/drawing/2014/main" id="{B9552629-DB19-7492-3212-B40807827C87}"/>
+              </a:ext>
+            </a:extLst>
+          </p:cNvPr>
+          <p:cNvGrpSpPr/>
+          <p:nvPr/>
+        </p:nvGrpSpPr>
+        <p:grpSpPr>
+          <a:xfrm>
+            <a:off x="6176734" y="4671874"/>
+            <a:ext cx="2229574" cy="1535236"/>
+            <a:chOff x="2544432" y="1890756"/>
+            <a:chExt cx="5174160" cy="3562815"/>
+          </a:xfrm>
+        </p:grpSpPr>
+        <p:sp>
+          <p:nvSpPr>
+            <p:cNvPr id="61" name="Hexagon 60">
+              <a:extLst>
+                <a:ext uri="{FF2B5EF4-FFF2-40B4-BE49-F238E27FC236}">
+                  <a16:creationId xmlns:a16="http://schemas.microsoft.com/office/drawing/2014/main" id="{74CDC31F-44A4-51BF-B32C-E1456E5195BF}"/>
+                </a:ext>
+              </a:extLst>
+            </p:cNvPr>
+            <p:cNvSpPr/>
+            <p:nvPr/>
+          </p:nvSpPr>
+          <p:spPr>
+            <a:xfrm>
+              <a:off x="2544432" y="1890756"/>
+              <a:ext cx="5174160" cy="3562815"/>
+            </a:xfrm>
+            <a:prstGeom prst="hexagon">
+              <a:avLst/>
+            </a:prstGeom>
+            <a:solidFill>
+              <a:srgbClr val="EDEDED"/>
+            </a:solidFill>
+            <a:ln w="47625">
+              <a:solidFill>
+                <a:srgbClr val="595959"/>
+              </a:solidFill>
+            </a:ln>
+          </p:spPr>
+          <p:style>
+            <a:lnRef idx="2">
+              <a:schemeClr val="accent1">
+                <a:shade val="50000"/>
+              </a:schemeClr>
+            </a:lnRef>
+            <a:fillRef idx="1">
+              <a:schemeClr val="accent1"/>
+            </a:fillRef>
+            <a:effectRef idx="0">
+              <a:schemeClr val="accent1"/>
+            </a:effectRef>
+            <a:fontRef idx="minor">
+              <a:schemeClr val="lt1"/>
+            </a:fontRef>
+          </p:style>
+          <p:txBody>
+            <a:bodyPr rtlCol="0" anchor="ctr"/>
+            <a:lstStyle/>
+            <a:p>
+              <a:pPr algn="ctr"/>
+              <a:endParaRPr lang="fr-FR" sz="1200"/>
+            </a:p>
+          </p:txBody>
+        </p:sp>
+        <p:sp>
+          <p:nvSpPr>
+            <p:cNvPr id="62" name="Hexagon 61">
+              <a:extLst>
+                <a:ext uri="{FF2B5EF4-FFF2-40B4-BE49-F238E27FC236}">
+                  <a16:creationId xmlns:a16="http://schemas.microsoft.com/office/drawing/2014/main" id="{5EEF0B08-1797-26EF-7FB5-DBCC788FB6B8}"/>
+                </a:ext>
+              </a:extLst>
+            </p:cNvPr>
+            <p:cNvSpPr/>
+            <p:nvPr/>
+          </p:nvSpPr>
+          <p:spPr>
+            <a:xfrm>
+              <a:off x="3620847" y="2625393"/>
+              <a:ext cx="3040380" cy="2093540"/>
+            </a:xfrm>
+            <a:prstGeom prst="hexagon">
+              <a:avLst/>
+            </a:prstGeom>
+            <a:solidFill>
+              <a:srgbClr val="AFABAB"/>
+            </a:solidFill>
+            <a:ln w="28575">
+              <a:solidFill>
+                <a:srgbClr val="595959"/>
+              </a:solidFill>
+            </a:ln>
+          </p:spPr>
+          <p:style>
+            <a:lnRef idx="2">
+              <a:schemeClr val="accent1">
+                <a:shade val="50000"/>
+              </a:schemeClr>
+            </a:lnRef>
+            <a:fillRef idx="1">
+              <a:schemeClr val="accent1"/>
+            </a:fillRef>
+            <a:effectRef idx="0">
+              <a:schemeClr val="accent1"/>
+            </a:effectRef>
+            <a:fontRef idx="minor">
+              <a:schemeClr val="lt1"/>
+            </a:fontRef>
+          </p:style>
+          <p:txBody>
+            <a:bodyPr rtlCol="0" anchor="ctr"/>
+            <a:lstStyle/>
+            <a:p>
+              <a:pPr algn="ctr"/>
+              <a:r>
+                <a:rPr lang="fr-FR" sz="1200" b="1" cap="all" dirty="0">
+                  <a:solidFill>
+                    <a:srgbClr val="EDEDED"/>
+                  </a:solidFill>
+                  <a:latin typeface="Alte Haas Grotesk" panose="02000503000000020004" pitchFamily="2" charset="0"/>
+                </a:rPr>
+                <a:t>Domain code</a:t>
+              </a:r>
+            </a:p>
+          </p:txBody>
+        </p:sp>
+      </p:grpSp>
+      <p:grpSp>
+        <p:nvGrpSpPr>
+          <p:cNvPr id="144" name="Group 143">
+            <a:extLst>
+              <a:ext uri="{FF2B5EF4-FFF2-40B4-BE49-F238E27FC236}">
+                <a16:creationId xmlns:a16="http://schemas.microsoft.com/office/drawing/2014/main" id="{C4E94CBF-A3DD-5B91-5A00-7B37A96584DF}"/>
+              </a:ext>
+            </a:extLst>
+          </p:cNvPr>
+          <p:cNvGrpSpPr/>
+          <p:nvPr/>
+        </p:nvGrpSpPr>
+        <p:grpSpPr>
+          <a:xfrm>
+            <a:off x="8079289" y="2261279"/>
+            <a:ext cx="1494161" cy="1028847"/>
+            <a:chOff x="2544432" y="1890756"/>
+            <a:chExt cx="5174160" cy="3562815"/>
+          </a:xfrm>
+        </p:grpSpPr>
+        <p:sp>
+          <p:nvSpPr>
+            <p:cNvPr id="145" name="Hexagon 144">
+              <a:extLst>
+                <a:ext uri="{FF2B5EF4-FFF2-40B4-BE49-F238E27FC236}">
+                  <a16:creationId xmlns:a16="http://schemas.microsoft.com/office/drawing/2014/main" id="{E21F424A-A996-13BF-80A6-0D06A453791D}"/>
+                </a:ext>
+              </a:extLst>
+            </p:cNvPr>
+            <p:cNvSpPr/>
+            <p:nvPr/>
+          </p:nvSpPr>
+          <p:spPr>
+            <a:xfrm>
+              <a:off x="2544432" y="1890756"/>
+              <a:ext cx="5174160" cy="3562815"/>
+            </a:xfrm>
+            <a:prstGeom prst="hexagon">
+              <a:avLst/>
+            </a:prstGeom>
+            <a:solidFill>
+              <a:srgbClr val="FFDDDD"/>
+            </a:solidFill>
+            <a:ln w="47625">
+              <a:solidFill>
+                <a:srgbClr val="C00000"/>
+              </a:solidFill>
+            </a:ln>
+          </p:spPr>
+          <p:style>
+            <a:lnRef idx="2">
+              <a:schemeClr val="accent1">
+                <a:shade val="50000"/>
+              </a:schemeClr>
+            </a:lnRef>
+            <a:fillRef idx="1">
+              <a:schemeClr val="accent1"/>
+            </a:fillRef>
+            <a:effectRef idx="0">
+              <a:schemeClr val="accent1"/>
+            </a:effectRef>
+            <a:fontRef idx="minor">
+              <a:schemeClr val="lt1"/>
+            </a:fontRef>
+          </p:style>
+          <p:txBody>
+            <a:bodyPr rtlCol="0" anchor="ctr"/>
+            <a:lstStyle/>
+            <a:p>
+              <a:pPr algn="ctr"/>
+              <a:endParaRPr lang="fr-FR" sz="1200"/>
+            </a:p>
+          </p:txBody>
+        </p:sp>
+        <p:sp>
+          <p:nvSpPr>
+            <p:cNvPr id="146" name="Hexagon 145">
+              <a:extLst>
+                <a:ext uri="{FF2B5EF4-FFF2-40B4-BE49-F238E27FC236}">
+                  <a16:creationId xmlns:a16="http://schemas.microsoft.com/office/drawing/2014/main" id="{A7C9B8E8-973F-3C30-2803-0207DDBE3531}"/>
+                </a:ext>
+              </a:extLst>
+            </p:cNvPr>
+            <p:cNvSpPr/>
+            <p:nvPr/>
+          </p:nvSpPr>
+          <p:spPr>
+            <a:xfrm>
+              <a:off x="3620847" y="2625393"/>
+              <a:ext cx="3040380" cy="2093540"/>
+            </a:xfrm>
+            <a:prstGeom prst="hexagon">
+              <a:avLst/>
+            </a:prstGeom>
+            <a:solidFill>
+              <a:srgbClr val="FF6D6D"/>
+            </a:solidFill>
+            <a:ln w="28575">
+              <a:solidFill>
+                <a:srgbClr val="CC2206"/>
+              </a:solidFill>
+            </a:ln>
+          </p:spPr>
+          <p:style>
+            <a:lnRef idx="2">
+              <a:schemeClr val="accent1">
+                <a:shade val="50000"/>
+              </a:schemeClr>
+            </a:lnRef>
+            <a:fillRef idx="1">
+              <a:schemeClr val="accent1"/>
+            </a:fillRef>
+            <a:effectRef idx="0">
+              <a:schemeClr val="accent1"/>
+            </a:effectRef>
+            <a:fontRef idx="minor">
+              <a:schemeClr val="lt1"/>
+            </a:fontRef>
+          </p:style>
+          <p:txBody>
+            <a:bodyPr rtlCol="0" anchor="ctr"/>
+            <a:lstStyle/>
+            <a:p>
+              <a:pPr algn="ctr"/>
+              <a:r>
+                <a:rPr lang="fr-FR" sz="800" b="1" cap="all" dirty="0">
+                  <a:solidFill>
+                    <a:srgbClr val="DEEBF7"/>
+                  </a:solidFill>
+                  <a:latin typeface="Alte Haas Grotesk" panose="02000503000000020004" pitchFamily="2" charset="0"/>
+                </a:rPr>
+                <a:t>Domain code</a:t>
+              </a:r>
+            </a:p>
+          </p:txBody>
+        </p:sp>
+      </p:grpSp>
+    </p:spTree>
+    <p:extLst>
+      <p:ext uri="{BB962C8B-B14F-4D97-AF65-F5344CB8AC3E}">
+        <p14:creationId xmlns:p14="http://schemas.microsoft.com/office/powerpoint/2010/main" val="2843591548"/>
+      </p:ext>
+    </p:extLst>
+  </p:cSld>
+  <p:clrMapOvr>
+    <a:masterClrMapping/>
+  </p:clrMapOvr>
+</p:sld>
+</file>
+
+<file path=ppt/slides/slide4.xml><?xml version="1.0" encoding="utf-8"?>
+<p:sld xmlns:a="http://schemas.openxmlformats.org/drawingml/2006/main" xmlns:r="http://schemas.openxmlformats.org/officeDocument/2006/relationships" xmlns:p="http://schemas.openxmlformats.org/presentationml/2006/main" show="0">
+  <p:cSld>
+    <p:bg>
+      <p:bgPr>
+        <a:solidFill>
+          <a:srgbClr val="583414"/>
+        </a:solidFill>
+        <a:effectLst/>
+      </p:bgPr>
+    </p:bg>
+    <p:spTree>
+      <p:nvGrpSpPr>
+        <p:cNvPr id="1" name=""/>
+        <p:cNvGrpSpPr/>
+        <p:nvPr/>
+      </p:nvGrpSpPr>
+      <p:grpSpPr>
+        <a:xfrm>
+          <a:off x="0" y="0"/>
+          <a:ext cx="0" cy="0"/>
+          <a:chOff x="0" y="0"/>
+          <a:chExt cx="0" cy="0"/>
+        </a:xfrm>
+      </p:grpSpPr>
+      <p:sp>
+        <p:nvSpPr>
+          <p:cNvPr id="3" name="Subtitle 2">
+            <a:extLst>
+              <a:ext uri="{FF2B5EF4-FFF2-40B4-BE49-F238E27FC236}">
+                <a16:creationId xmlns:a16="http://schemas.microsoft.com/office/drawing/2014/main" id="{5953EF43-2BFC-EC7E-AFF1-B555F8AC36DC}"/>
+              </a:ext>
+            </a:extLst>
+          </p:cNvPr>
+          <p:cNvSpPr>
+            <a:spLocks noGrp="1"/>
+          </p:cNvSpPr>
+          <p:nvPr>
+            <p:ph type="subTitle" idx="1"/>
+          </p:nvPr>
+        </p:nvSpPr>
+        <p:spPr>
+          <a:xfrm>
+            <a:off x="2033047" y="5053765"/>
+            <a:ext cx="9144000" cy="1655762"/>
+          </a:xfrm>
+        </p:spPr>
+        <p:txBody>
+          <a:bodyPr/>
+          <a:lstStyle/>
+          <a:p>
+            <a:endParaRPr lang="en-US"/>
+          </a:p>
+        </p:txBody>
+      </p:sp>
+      <p:grpSp>
+        <p:nvGrpSpPr>
+          <p:cNvPr id="7" name="Group 6">
+            <a:extLst>
+              <a:ext uri="{FF2B5EF4-FFF2-40B4-BE49-F238E27FC236}">
+                <a16:creationId xmlns:a16="http://schemas.microsoft.com/office/drawing/2014/main" id="{1FD42497-2D87-1A82-B7EF-C92259432881}"/>
+              </a:ext>
+            </a:extLst>
+          </p:cNvPr>
+          <p:cNvGrpSpPr/>
+          <p:nvPr/>
+        </p:nvGrpSpPr>
+        <p:grpSpPr>
+          <a:xfrm>
+            <a:off x="6743868" y="2746498"/>
+            <a:ext cx="7977028" cy="3963029"/>
+            <a:chOff x="1168923" y="1679724"/>
+            <a:chExt cx="10218657" cy="5076682"/>
+          </a:xfrm>
+        </p:grpSpPr>
+        <p:pic>
+          <p:nvPicPr>
+            <p:cNvPr id="5" name="Picture 4">
+              <a:extLst>
+                <a:ext uri="{FF2B5EF4-FFF2-40B4-BE49-F238E27FC236}">
+                  <a16:creationId xmlns:a16="http://schemas.microsoft.com/office/drawing/2014/main" id="{2FE9FFC2-1345-C936-4F28-4E236AFB0E27}"/>
+                </a:ext>
+              </a:extLst>
+            </p:cNvPr>
+            <p:cNvPicPr>
+              <a:picLocks noChangeAspect="1"/>
+            </p:cNvPicPr>
+            <p:nvPr/>
+          </p:nvPicPr>
+          <p:blipFill>
+            <a:blip r:embed="rId2"/>
+            <a:stretch>
+              <a:fillRect/>
+            </a:stretch>
+          </p:blipFill>
+          <p:spPr>
+            <a:xfrm>
+              <a:off x="1178351" y="1679724"/>
+              <a:ext cx="10209229" cy="5076682"/>
+            </a:xfrm>
+            <a:prstGeom prst="rect">
+              <a:avLst/>
+            </a:prstGeom>
+          </p:spPr>
+        </p:pic>
+        <p:sp>
+          <p:nvSpPr>
+            <p:cNvPr id="6" name="Rectangle 5">
+              <a:extLst>
+                <a:ext uri="{FF2B5EF4-FFF2-40B4-BE49-F238E27FC236}">
+                  <a16:creationId xmlns:a16="http://schemas.microsoft.com/office/drawing/2014/main" id="{DF025CD7-1DB5-B4A5-2C1B-5C902E1FA36D}"/>
+                </a:ext>
+              </a:extLst>
+            </p:cNvPr>
+            <p:cNvSpPr/>
+            <p:nvPr/>
+          </p:nvSpPr>
+          <p:spPr>
+            <a:xfrm>
+              <a:off x="1168923" y="5429839"/>
+              <a:ext cx="3261675" cy="1168924"/>
+            </a:xfrm>
+            <a:prstGeom prst="rect">
+              <a:avLst/>
+            </a:prstGeom>
+            <a:solidFill>
+              <a:schemeClr val="tx1"/>
+            </a:solidFill>
+            <a:ln>
+              <a:noFill/>
+            </a:ln>
+          </p:spPr>
+          <p:style>
+            <a:lnRef idx="2">
+              <a:schemeClr val="accent1">
+                <a:shade val="50000"/>
+              </a:schemeClr>
+            </a:lnRef>
+            <a:fillRef idx="1">
+              <a:schemeClr val="accent1"/>
+            </a:fillRef>
+            <a:effectRef idx="0">
+              <a:schemeClr val="accent1"/>
+            </a:effectRef>
+            <a:fontRef idx="minor">
+              <a:schemeClr val="lt1"/>
+            </a:fontRef>
+          </p:style>
+          <p:txBody>
+            <a:bodyPr rtlCol="0" anchor="ctr"/>
+            <a:lstStyle/>
+            <a:p>
+              <a:pPr algn="ctr"/>
+              <a:endParaRPr lang="en-US"/>
+            </a:p>
+          </p:txBody>
+        </p:sp>
+      </p:grpSp>
+      <p:sp>
+        <p:nvSpPr>
+          <p:cNvPr id="2" name="Title 1">
+            <a:extLst>
+              <a:ext uri="{FF2B5EF4-FFF2-40B4-BE49-F238E27FC236}">
+                <a16:creationId xmlns:a16="http://schemas.microsoft.com/office/drawing/2014/main" id="{CF10999B-CAFA-FEBA-6F89-7CC6749F4E55}"/>
+              </a:ext>
+            </a:extLst>
+          </p:cNvPr>
+          <p:cNvSpPr>
+            <a:spLocks noGrp="1"/>
+          </p:cNvSpPr>
+          <p:nvPr>
+            <p:ph type="ctrTitle"/>
+          </p:nvPr>
+        </p:nvSpPr>
+        <p:spPr>
+          <a:xfrm>
+            <a:off x="1168923" y="0"/>
+            <a:ext cx="10426046" cy="2387600"/>
+          </a:xfrm>
+        </p:spPr>
+        <p:txBody>
+          <a:bodyPr>
+            <a:normAutofit fontScale="90000"/>
+          </a:bodyPr>
+          <a:lstStyle/>
+          <a:p>
+            <a:r>
+              <a:rPr lang="en-US" b="1" cap="all" dirty="0">
+                <a:solidFill>
+                  <a:schemeClr val="bg1"/>
+                </a:solidFill>
+                <a:latin typeface="Alte Haas Grotesk" panose="02000503000000020004" pitchFamily="2" charset="0"/>
+              </a:rPr>
+              <a:t>Hexagonal Architecture (and  beyond)</a:t>
+            </a:r>
+          </a:p>
+        </p:txBody>
+      </p:sp>
+      <p:pic>
+        <p:nvPicPr>
+          <p:cNvPr id="9" name="Picture 8" descr="Logo&#10;&#10;Description automatically generated with medium confidence">
+            <a:extLst>
+              <a:ext uri="{FF2B5EF4-FFF2-40B4-BE49-F238E27FC236}">
+                <a16:creationId xmlns:a16="http://schemas.microsoft.com/office/drawing/2014/main" id="{F03801CB-F5AB-1480-806C-52B17B1E29CB}"/>
+              </a:ext>
+            </a:extLst>
+          </p:cNvPr>
+          <p:cNvPicPr>
+            <a:picLocks noChangeAspect="1"/>
+          </p:cNvPicPr>
+          <p:nvPr/>
+        </p:nvPicPr>
+        <p:blipFill>
+          <a:blip r:embed="rId3">
+            <a:extLst>
+              <a:ext uri="{28A0092B-C50C-407E-A947-70E740481C1C}">
+                <a14:useLocalDpi xmlns:a14="http://schemas.microsoft.com/office/drawing/2010/main" val="0"/>
+              </a:ext>
+            </a:extLst>
+          </a:blip>
+          <a:stretch>
+            <a:fillRect/>
+          </a:stretch>
+        </p:blipFill>
+        <p:spPr>
+          <a:xfrm>
+            <a:off x="1014704" y="731257"/>
+            <a:ext cx="2605189" cy="1492909"/>
+          </a:xfrm>
+          <a:prstGeom prst="rect">
+            <a:avLst/>
+          </a:prstGeom>
+        </p:spPr>
+      </p:pic>
+      <p:sp>
+        <p:nvSpPr>
+          <p:cNvPr id="10" name="Hexagon 9">
+            <a:extLst>
+              <a:ext uri="{FF2B5EF4-FFF2-40B4-BE49-F238E27FC236}">
+                <a16:creationId xmlns:a16="http://schemas.microsoft.com/office/drawing/2014/main" id="{772D6BB8-1AA3-101F-7842-02A97AFF616F}"/>
+              </a:ext>
+            </a:extLst>
+          </p:cNvPr>
+          <p:cNvSpPr/>
+          <p:nvPr/>
+        </p:nvSpPr>
+        <p:spPr>
+          <a:xfrm>
+            <a:off x="2983643" y="2676748"/>
+            <a:ext cx="2983149" cy="2213583"/>
+          </a:xfrm>
+          <a:prstGeom prst="hexagon">
+            <a:avLst/>
+          </a:prstGeom>
+          <a:noFill/>
+          <a:ln w="88900">
+            <a:solidFill>
+              <a:srgbClr val="FFBA21"/>
+            </a:solidFill>
+          </a:ln>
+        </p:spPr>
+        <p:style>
+          <a:lnRef idx="2">
+            <a:schemeClr val="accent1">
+              <a:shade val="50000"/>
+            </a:schemeClr>
+          </a:lnRef>
+          <a:fillRef idx="1">
+            <a:schemeClr val="accent1"/>
+          </a:fillRef>
+          <a:effectRef idx="0">
+            <a:schemeClr val="accent1"/>
+          </a:effectRef>
+          <a:fontRef idx="minor">
+            <a:schemeClr val="lt1"/>
+          </a:fontRef>
+        </p:style>
+        <p:txBody>
+          <a:bodyPr rtlCol="0" anchor="ctr"/>
+          <a:lstStyle/>
+          <a:p>
+            <a:pPr algn="ctr"/>
+            <a:r>
+              <a:rPr lang="en-US" sz="2800" b="1" cap="all" dirty="0">
+                <a:solidFill>
+                  <a:srgbClr val="FFBA21"/>
+                </a:solidFill>
+                <a:latin typeface="Alte Haas Grotesk" panose="02000503000000020004" pitchFamily="2" charset="0"/>
+              </a:rPr>
+              <a:t>Domain </a:t>
+            </a:r>
+            <a:br>
+              <a:rPr lang="en-US" sz="2800" b="1" cap="all" dirty="0">
+                <a:solidFill>
+                  <a:srgbClr val="FFBA21"/>
+                </a:solidFill>
+                <a:latin typeface="Alte Haas Grotesk" panose="02000503000000020004" pitchFamily="2" charset="0"/>
+              </a:rPr>
+            </a:br>
+            <a:r>
+              <a:rPr lang="en-US" sz="2800" b="1" cap="all" dirty="0">
+                <a:solidFill>
+                  <a:srgbClr val="FFBA21"/>
+                </a:solidFill>
+                <a:latin typeface="Alte Haas Grotesk" panose="02000503000000020004" pitchFamily="2" charset="0"/>
+              </a:rPr>
+              <a:t>code</a:t>
+            </a:r>
+          </a:p>
+        </p:txBody>
+      </p:sp>
+    </p:spTree>
+    <p:extLst>
+      <p:ext uri="{BB962C8B-B14F-4D97-AF65-F5344CB8AC3E}">
+        <p14:creationId xmlns:p14="http://schemas.microsoft.com/office/powerpoint/2010/main" val="3328933378"/>
+      </p:ext>
+    </p:extLst>
+  </p:cSld>
+  <p:clrMapOvr>
+    <a:masterClrMapping/>
+  </p:clrMapOvr>
+</p:sld>
+</file>
+
+<file path=ppt/slides/slide5.xml><?xml version="1.0" encoding="utf-8"?>
 <p:sld xmlns:a="http://schemas.openxmlformats.org/drawingml/2006/main" xmlns:r="http://schemas.openxmlformats.org/officeDocument/2006/relationships" xmlns:p="http://schemas.openxmlformats.org/presentationml/2006/main" show="0">
   <p:cSld>
     <p:bg>
@@ -9945,7 +13870,7 @@
 </p:sld>
 </file>
 
-<file path=ppt/slides/slide2.xml><?xml version="1.0" encoding="utf-8"?>
+<file path=ppt/slides/slide6.xml><?xml version="1.0" encoding="utf-8"?>
 <p:sld xmlns:a="http://schemas.openxmlformats.org/drawingml/2006/main" xmlns:r="http://schemas.openxmlformats.org/officeDocument/2006/relationships" xmlns:p="http://schemas.openxmlformats.org/presentationml/2006/main">
   <p:cSld>
     <p:bg>
@@ -16095,7 +20020,7 @@
             <a:avLst/>
           </a:prstGeom>
           <a:solidFill>
-            <a:srgbClr val="FFF4D5"/>
+            <a:srgbClr val="E2BB5C"/>
           </a:solidFill>
         </p:spPr>
         <p:txBody>
@@ -16470,25 +20395,29 @@
             <a:avLst/>
           </a:prstGeom>
           <a:solidFill>
-            <a:srgbClr val="FFF4D5"/>
+            <a:srgbClr val="E2BB5C"/>
           </a:solidFill>
         </p:spPr>
         <p:txBody>
           <a:bodyPr wrap="none" rtlCol="0">
             <a:noAutofit/>
           </a:bodyPr>
-          <a:lstStyle/>
+          <a:lstStyle>
+            <a:defPPr>
+              <a:defRPr lang="fr-FR"/>
+            </a:defPPr>
+            <a:lvl1pPr algn="ctr">
+              <a:defRPr sz="900" b="1">
+                <a:latin typeface="Alte Haas Grotesk" panose="02000503000000020004" pitchFamily="2" charset="0"/>
+              </a:defRPr>
+            </a:lvl1pPr>
+          </a:lstStyle>
           <a:p>
-            <a:pPr algn="ctr"/>
             <a:r>
-              <a:rPr lang="fr-FR" sz="900" b="1" dirty="0">
-                <a:latin typeface="Alte Haas Grotesk" panose="02000503000000020004" pitchFamily="2" charset="0"/>
-              </a:rPr>
+              <a:rPr lang="fr-FR"/>
               <a:t>HTTP</a:t>
             </a:r>
-            <a:endParaRPr lang="en-GB" sz="900" b="1" dirty="0">
-              <a:latin typeface="Alte Haas Grotesk" panose="02000503000000020004" pitchFamily="2" charset="0"/>
-            </a:endParaRPr>
+            <a:endParaRPr lang="en-GB" dirty="0"/>
           </a:p>
         </p:txBody>
       </p:sp>
@@ -17224,7 +21153,7 @@
 </p:sld>
 </file>
 
-<file path=ppt/slides/slide3.xml><?xml version="1.0" encoding="utf-8"?>
+<file path=ppt/slides/slide7.xml><?xml version="1.0" encoding="utf-8"?>
 <p:sld xmlns:a="http://schemas.openxmlformats.org/drawingml/2006/main" xmlns:r="http://schemas.openxmlformats.org/officeDocument/2006/relationships" xmlns:p="http://schemas.openxmlformats.org/presentationml/2006/main">
   <p:cSld>
     <p:bg>
@@ -24026,7 +27955,7 @@
 </p:sld>
 </file>
 
-<file path=ppt/slides/slide4.xml><?xml version="1.0" encoding="utf-8"?>
+<file path=ppt/slides/slide8.xml><?xml version="1.0" encoding="utf-8"?>
 <p:sld xmlns:a="http://schemas.openxmlformats.org/drawingml/2006/main" xmlns:r="http://schemas.openxmlformats.org/officeDocument/2006/relationships" xmlns:p="http://schemas.openxmlformats.org/presentationml/2006/main">
   <p:cSld>
     <p:bg>
@@ -26952,7 +30881,7 @@
         </p:nvGrpSpPr>
         <p:grpSpPr>
           <a:xfrm>
-            <a:off x="9090456" y="4285847"/>
+            <a:off x="9084888" y="4266176"/>
             <a:ext cx="2893627" cy="1933204"/>
             <a:chOff x="6434086" y="829444"/>
             <a:chExt cx="5467100" cy="3652517"/>
@@ -28163,7 +32092,7 @@
         <p:spPr>
           <a:xfrm>
             <a:off x="9552903" y="4941393"/>
-            <a:ext cx="230548" cy="40870"/>
+            <a:ext cx="224980" cy="21199"/>
           </a:xfrm>
           <a:prstGeom prst="straightConnector1">
             <a:avLst/>
@@ -29097,7 +33026,11 @@
           <a:prstGeom prst="rect">
             <a:avLst/>
           </a:prstGeom>
-          <a:noFill/>
+          <a:solidFill>
+            <a:schemeClr val="tx1">
+              <a:alpha val="50000"/>
+            </a:schemeClr>
+          </a:solidFill>
         </p:spPr>
         <p:txBody>
           <a:bodyPr wrap="square" rtlCol="0">
@@ -29108,10 +33041,7 @@
             <a:r>
               <a:rPr lang="en-US" sz="1400" i="1" dirty="0">
                 <a:solidFill>
-                  <a:schemeClr val="tx1">
-                    <a:lumMod val="50000"/>
-                    <a:lumOff val="50000"/>
-                  </a:schemeClr>
+                  <a:schemeClr val="bg1"/>
                 </a:solidFill>
               </a:rPr>
               <a:t>Provides Auditorium layout (Topology) for a show, but with no information about seats availabilities</a:t>
@@ -29133,28 +33063,37 @@
         </p:nvSpPr>
         <p:spPr>
           <a:xfrm>
-            <a:off x="9526880" y="6192676"/>
-            <a:ext cx="2353248" cy="523220"/>
+            <a:off x="9438217" y="6238470"/>
+            <a:ext cx="2074413" cy="523220"/>
           </a:xfrm>
           <a:prstGeom prst="rect">
             <a:avLst/>
           </a:prstGeom>
-          <a:noFill/>
+          <a:solidFill>
+            <a:schemeClr val="tx1">
+              <a:alpha val="50000"/>
+            </a:schemeClr>
+          </a:solidFill>
         </p:spPr>
         <p:txBody>
           <a:bodyPr wrap="square" rtlCol="0">
             <a:spAutoFit/>
           </a:bodyPr>
-          <a:lstStyle/>
+          <a:lstStyle>
+            <a:defPPr>
+              <a:defRPr lang="fr-FR"/>
+            </a:defPPr>
+            <a:lvl1pPr>
+              <a:defRPr sz="1400" i="1">
+                <a:solidFill>
+                  <a:schemeClr val="bg1"/>
+                </a:solidFill>
+              </a:defRPr>
+            </a:lvl1pPr>
+          </a:lstStyle>
           <a:p>
             <a:r>
-              <a:rPr lang="en-US" sz="1400" i="1" dirty="0">
-                <a:solidFill>
-                  <a:schemeClr val="accent1">
-                    <a:lumMod val="75000"/>
-                  </a:schemeClr>
-                </a:solidFill>
-              </a:rPr>
+              <a:rPr lang="en-US" dirty="0"/>
               <a:t>Provides list of already reserved seats for a show</a:t>
             </a:r>
           </a:p>
@@ -29305,7 +33244,7 @@
 </p:sld>
 </file>
 
-<file path=ppt/slides/slide5.xml><?xml version="1.0" encoding="utf-8"?>
+<file path=ppt/slides/slide9.xml><?xml version="1.0" encoding="utf-8"?>
 <p:sld xmlns:a="http://schemas.openxmlformats.org/drawingml/2006/main" xmlns:r="http://schemas.openxmlformats.org/officeDocument/2006/relationships" xmlns:p="http://schemas.openxmlformats.org/presentationml/2006/main">
   <p:cSld>
     <p:bg>
@@ -35920,68 +39859,53 @@
         </p:nvSpPr>
         <p:spPr>
           <a:xfrm>
-            <a:off x="7020527" y="4979275"/>
+            <a:off x="6877463" y="5100557"/>
             <a:ext cx="1702341" cy="1384995"/>
           </a:xfrm>
           <a:prstGeom prst="rect">
             <a:avLst/>
           </a:prstGeom>
-          <a:noFill/>
+          <a:solidFill>
+            <a:schemeClr val="tx1">
+              <a:alpha val="50000"/>
+            </a:schemeClr>
+          </a:solidFill>
         </p:spPr>
         <p:txBody>
           <a:bodyPr wrap="square" rtlCol="0">
             <a:spAutoFit/>
           </a:bodyPr>
-          <a:lstStyle/>
+          <a:lstStyle>
+            <a:defPPr>
+              <a:defRPr lang="fr-FR"/>
+            </a:defPPr>
+            <a:lvl1pPr>
+              <a:defRPr sz="1400" i="1">
+                <a:solidFill>
+                  <a:schemeClr val="bg1"/>
+                </a:solidFill>
+              </a:defRPr>
+            </a:lvl1pPr>
+          </a:lstStyle>
           <a:p>
             <a:r>
-              <a:rPr lang="en-US" sz="1200" i="1" dirty="0">
-                <a:solidFill>
-                  <a:schemeClr val="accent6">
-                    <a:lumMod val="75000"/>
-                  </a:schemeClr>
-                </a:solidFill>
-              </a:rPr>
+              <a:rPr lang="en-US" sz="1200" dirty="0"/>
               <a:t>Provides </a:t>
             </a:r>
             <a:r>
-              <a:rPr lang="en-US" sz="1200" i="1" dirty="0" err="1">
-                <a:solidFill>
-                  <a:schemeClr val="accent6">
-                    <a:lumMod val="75000"/>
-                  </a:schemeClr>
-                </a:solidFill>
-              </a:rPr>
+              <a:rPr lang="en-US" sz="1200" dirty="0" err="1"/>
               <a:t>AuditoriumSeatings</a:t>
             </a:r>
             <a:r>
-              <a:rPr lang="en-US" sz="1200" i="1" dirty="0">
-                <a:solidFill>
-                  <a:schemeClr val="accent6">
-                    <a:lumMod val="75000"/>
-                  </a:schemeClr>
-                </a:solidFill>
-              </a:rPr>
+              <a:rPr lang="en-US" sz="1200" dirty="0"/>
               <a:t> (</a:t>
             </a:r>
             <a:r>
-              <a:rPr lang="en-US" sz="1200" i="1" dirty="0" err="1">
-                <a:solidFill>
-                  <a:schemeClr val="accent6">
-                    <a:lumMod val="75000"/>
-                  </a:schemeClr>
-                </a:solidFill>
-              </a:rPr>
+              <a:rPr lang="en-US" sz="1200" dirty="0" err="1"/>
               <a:t>AuditoriumSeating</a:t>
             </a:r>
             <a:r>
-              <a:rPr lang="en-US" sz="1200" i="1" dirty="0">
-                <a:solidFill>
-                  <a:schemeClr val="accent6">
-                    <a:lumMod val="75000"/>
-                  </a:schemeClr>
-                </a:solidFill>
-              </a:rPr>
+              <a:rPr lang="en-US" sz="1200" dirty="0"/>
               <a:t> = Auditorium layout for the show with current availabilities mapped for every seat)</a:t>
             </a:r>
           </a:p>
@@ -36190,2541 +40114,6 @@
     <p:extLst>
       <p:ext uri="{BB962C8B-B14F-4D97-AF65-F5344CB8AC3E}">
         <p14:creationId xmlns:p14="http://schemas.microsoft.com/office/powerpoint/2010/main" val="2553055316"/>
-      </p:ext>
-    </p:extLst>
-  </p:cSld>
-  <p:clrMapOvr>
-    <a:masterClrMapping/>
-  </p:clrMapOvr>
-</p:sld>
-</file>
-
-<file path=ppt/slides/slide6.xml><?xml version="1.0" encoding="utf-8"?>
-<p:sld xmlns:a="http://schemas.openxmlformats.org/drawingml/2006/main" xmlns:r="http://schemas.openxmlformats.org/officeDocument/2006/relationships" xmlns:p="http://schemas.openxmlformats.org/presentationml/2006/main">
-  <p:cSld>
-    <p:bg>
-      <p:bgPr>
-        <a:solidFill>
-          <a:schemeClr val="accent2">
-            <a:lumMod val="20000"/>
-            <a:lumOff val="80000"/>
-          </a:schemeClr>
-        </a:solidFill>
-        <a:effectLst/>
-      </p:bgPr>
-    </p:bg>
-    <p:spTree>
-      <p:nvGrpSpPr>
-        <p:cNvPr id="1" name=""/>
-        <p:cNvGrpSpPr/>
-        <p:nvPr/>
-      </p:nvGrpSpPr>
-      <p:grpSpPr>
-        <a:xfrm>
-          <a:off x="0" y="0"/>
-          <a:ext cx="0" cy="0"/>
-          <a:chOff x="0" y="0"/>
-          <a:chExt cx="0" cy="0"/>
-        </a:xfrm>
-      </p:grpSpPr>
-      <p:sp>
-        <p:nvSpPr>
-          <p:cNvPr id="76" name="TextBox 75">
-            <a:extLst>
-              <a:ext uri="{FF2B5EF4-FFF2-40B4-BE49-F238E27FC236}">
-                <a16:creationId xmlns:a16="http://schemas.microsoft.com/office/drawing/2014/main" id="{6C22163D-87CF-BDE6-599E-F2275CD480AD}"/>
-              </a:ext>
-            </a:extLst>
-          </p:cNvPr>
-          <p:cNvSpPr txBox="1"/>
-          <p:nvPr/>
-        </p:nvSpPr>
-        <p:spPr>
-          <a:xfrm>
-            <a:off x="553665" y="176549"/>
-            <a:ext cx="11130335" cy="461665"/>
-          </a:xfrm>
-          <a:prstGeom prst="rect">
-            <a:avLst/>
-          </a:prstGeom>
-          <a:noFill/>
-        </p:spPr>
-        <p:txBody>
-          <a:bodyPr wrap="square" rtlCol="0" anchor="t">
-            <a:spAutoFit/>
-          </a:bodyPr>
-          <a:lstStyle/>
-          <a:p>
-            <a:pPr algn="r"/>
-            <a:r>
-              <a:rPr lang="en-US" sz="2300" b="1" cap="all" dirty="0">
-                <a:solidFill>
-                  <a:srgbClr val="C00000"/>
-                </a:solidFill>
-                <a:latin typeface="Alte Haas Grotesk" panose="02000503000000020004" pitchFamily="2" charset="0"/>
-              </a:rPr>
-              <a:t>Hexagonal “Micro” services</a:t>
-            </a:r>
-          </a:p>
-        </p:txBody>
-      </p:sp>
-      <p:sp>
-        <p:nvSpPr>
-          <p:cNvPr id="139" name="TextBox 138">
-            <a:extLst>
-              <a:ext uri="{FF2B5EF4-FFF2-40B4-BE49-F238E27FC236}">
-                <a16:creationId xmlns:a16="http://schemas.microsoft.com/office/drawing/2014/main" id="{D87D58F9-2C40-7FD4-B61B-2A6215BFBADB}"/>
-              </a:ext>
-            </a:extLst>
-          </p:cNvPr>
-          <p:cNvSpPr txBox="1"/>
-          <p:nvPr/>
-        </p:nvSpPr>
-        <p:spPr>
-          <a:xfrm>
-            <a:off x="8269919" y="698400"/>
-            <a:ext cx="3364147" cy="369332"/>
-          </a:xfrm>
-          <a:prstGeom prst="rect">
-            <a:avLst/>
-          </a:prstGeom>
-          <a:noFill/>
-        </p:spPr>
-        <p:txBody>
-          <a:bodyPr wrap="square" rtlCol="0">
-            <a:spAutoFit/>
-          </a:bodyPr>
-          <a:lstStyle/>
-          <a:p>
-            <a:pPr algn="r"/>
-            <a:r>
-              <a:rPr lang="en-US" dirty="0"/>
-              <a:t>@tpierrain (use case driven)</a:t>
-            </a:r>
-          </a:p>
-        </p:txBody>
-      </p:sp>
-      <p:cxnSp>
-        <p:nvCxnSpPr>
-          <p:cNvPr id="80" name="Straight Arrow Connector 79">
-            <a:extLst>
-              <a:ext uri="{FF2B5EF4-FFF2-40B4-BE49-F238E27FC236}">
-                <a16:creationId xmlns:a16="http://schemas.microsoft.com/office/drawing/2014/main" id="{CF148EDC-DFD7-DD46-9E09-4881F99D4190}"/>
-              </a:ext>
-            </a:extLst>
-          </p:cNvPr>
-          <p:cNvCxnSpPr>
-            <a:cxnSpLocks/>
-            <a:stCxn id="216" idx="2"/>
-            <a:endCxn id="54" idx="3"/>
-          </p:cNvCxnSpPr>
-          <p:nvPr/>
-        </p:nvCxnSpPr>
-        <p:spPr>
-          <a:xfrm>
-            <a:off x="7481098" y="4095553"/>
-            <a:ext cx="1504138" cy="519474"/>
-          </a:xfrm>
-          <a:prstGeom prst="straightConnector1">
-            <a:avLst/>
-          </a:prstGeom>
-          <a:ln w="19050">
-            <a:solidFill>
-              <a:schemeClr val="tx1"/>
-            </a:solidFill>
-            <a:prstDash val="solid"/>
-            <a:tailEnd type="triangle"/>
-          </a:ln>
-        </p:spPr>
-        <p:style>
-          <a:lnRef idx="1">
-            <a:schemeClr val="accent1"/>
-          </a:lnRef>
-          <a:fillRef idx="0">
-            <a:schemeClr val="accent1"/>
-          </a:fillRef>
-          <a:effectRef idx="0">
-            <a:schemeClr val="accent1"/>
-          </a:effectRef>
-          <a:fontRef idx="minor">
-            <a:schemeClr val="tx1"/>
-          </a:fontRef>
-        </p:style>
-      </p:cxnSp>
-      <p:sp>
-        <p:nvSpPr>
-          <p:cNvPr id="54" name="Hexagon 53">
-            <a:extLst>
-              <a:ext uri="{FF2B5EF4-FFF2-40B4-BE49-F238E27FC236}">
-                <a16:creationId xmlns:a16="http://schemas.microsoft.com/office/drawing/2014/main" id="{9DD52ED7-5148-67C5-D885-4E2830223613}"/>
-              </a:ext>
-            </a:extLst>
-          </p:cNvPr>
-          <p:cNvSpPr/>
-          <p:nvPr/>
-        </p:nvSpPr>
-        <p:spPr>
-          <a:xfrm>
-            <a:off x="8985236" y="3672163"/>
-            <a:ext cx="2738578" cy="1885727"/>
-          </a:xfrm>
-          <a:prstGeom prst="hexagon">
-            <a:avLst/>
-          </a:prstGeom>
-          <a:solidFill>
-            <a:srgbClr val="C5E0B4"/>
-          </a:solidFill>
-          <a:ln w="47625">
-            <a:solidFill>
-              <a:schemeClr val="accent6">
-                <a:lumMod val="50000"/>
-              </a:schemeClr>
-            </a:solidFill>
-          </a:ln>
-        </p:spPr>
-        <p:style>
-          <a:lnRef idx="2">
-            <a:schemeClr val="accent1">
-              <a:shade val="50000"/>
-            </a:schemeClr>
-          </a:lnRef>
-          <a:fillRef idx="1">
-            <a:schemeClr val="accent1"/>
-          </a:fillRef>
-          <a:effectRef idx="0">
-            <a:schemeClr val="accent1"/>
-          </a:effectRef>
-          <a:fontRef idx="minor">
-            <a:schemeClr val="lt1"/>
-          </a:fontRef>
-        </p:style>
-        <p:txBody>
-          <a:bodyPr rtlCol="0" anchor="ctr"/>
-          <a:lstStyle/>
-          <a:p>
-            <a:pPr algn="ctr"/>
-            <a:r>
-              <a:rPr lang="en-GB" sz="1800" b="1" cap="all" dirty="0">
-                <a:solidFill>
-                  <a:schemeClr val="tx1"/>
-                </a:solidFill>
-                <a:latin typeface="Alte Haas Grotesk" panose="02000503000000020004" pitchFamily="2" charset="0"/>
-              </a:rPr>
-              <a:t>Auditorium </a:t>
-            </a:r>
-            <a:r>
-              <a:rPr lang="en-GB" sz="1800" b="1" cap="all" dirty="0" err="1">
-                <a:solidFill>
-                  <a:schemeClr val="tx1"/>
-                </a:solidFill>
-                <a:latin typeface="Alte Haas Grotesk" panose="02000503000000020004" pitchFamily="2" charset="0"/>
-              </a:rPr>
-              <a:t>seatings</a:t>
-            </a:r>
-            <a:r>
-              <a:rPr lang="en-GB" sz="1800" b="1" cap="all" dirty="0">
-                <a:solidFill>
-                  <a:schemeClr val="tx1"/>
-                </a:solidFill>
-                <a:latin typeface="Alte Haas Grotesk" panose="02000503000000020004" pitchFamily="2" charset="0"/>
-              </a:rPr>
-              <a:t> API</a:t>
-            </a:r>
-            <a:endParaRPr lang="fr-FR" dirty="0">
-              <a:solidFill>
-                <a:schemeClr val="tx1"/>
-              </a:solidFill>
-            </a:endParaRPr>
-          </a:p>
-        </p:txBody>
-      </p:sp>
-      <p:grpSp>
-        <p:nvGrpSpPr>
-          <p:cNvPr id="9" name="Group 8">
-            <a:extLst>
-              <a:ext uri="{FF2B5EF4-FFF2-40B4-BE49-F238E27FC236}">
-                <a16:creationId xmlns:a16="http://schemas.microsoft.com/office/drawing/2014/main" id="{12C75229-5FE5-9C3C-75B6-2803B1934537}"/>
-              </a:ext>
-            </a:extLst>
-          </p:cNvPr>
-          <p:cNvGrpSpPr/>
-          <p:nvPr/>
-        </p:nvGrpSpPr>
-        <p:grpSpPr>
-          <a:xfrm>
-            <a:off x="1185295" y="1169988"/>
-            <a:ext cx="7317239" cy="4795034"/>
-            <a:chOff x="-228725" y="651514"/>
-            <a:chExt cx="7317239" cy="4795034"/>
-          </a:xfrm>
-        </p:grpSpPr>
-        <p:sp>
-          <p:nvSpPr>
-            <p:cNvPr id="35" name="Hexagon 34">
-              <a:extLst>
-                <a:ext uri="{FF2B5EF4-FFF2-40B4-BE49-F238E27FC236}">
-                  <a16:creationId xmlns:a16="http://schemas.microsoft.com/office/drawing/2014/main" id="{33B14C1D-1A7E-737A-1CCD-C4EC7DED6FA1}"/>
-                </a:ext>
-              </a:extLst>
-            </p:cNvPr>
-            <p:cNvSpPr/>
-            <p:nvPr/>
-          </p:nvSpPr>
-          <p:spPr>
-            <a:xfrm>
-              <a:off x="1130412" y="1372282"/>
-              <a:ext cx="5174160" cy="3562815"/>
-            </a:xfrm>
-            <a:prstGeom prst="hexagon">
-              <a:avLst/>
-            </a:prstGeom>
-            <a:solidFill>
-              <a:srgbClr val="DFC9EF"/>
-            </a:solidFill>
-            <a:ln w="47625">
-              <a:solidFill>
-                <a:srgbClr val="7030A0"/>
-              </a:solidFill>
-            </a:ln>
-          </p:spPr>
-          <p:style>
-            <a:lnRef idx="2">
-              <a:schemeClr val="accent1">
-                <a:shade val="50000"/>
-              </a:schemeClr>
-            </a:lnRef>
-            <a:fillRef idx="1">
-              <a:schemeClr val="accent1"/>
-            </a:fillRef>
-            <a:effectRef idx="0">
-              <a:schemeClr val="accent1"/>
-            </a:effectRef>
-            <a:fontRef idx="minor">
-              <a:schemeClr val="lt1"/>
-            </a:fontRef>
-          </p:style>
-          <p:txBody>
-            <a:bodyPr rtlCol="0" anchor="ctr"/>
-            <a:lstStyle/>
-            <a:p>
-              <a:pPr algn="ctr"/>
-              <a:endParaRPr lang="fr-FR"/>
-            </a:p>
-          </p:txBody>
-        </p:sp>
-        <p:sp>
-          <p:nvSpPr>
-            <p:cNvPr id="34" name="Hexagon 33">
-              <a:extLst>
-                <a:ext uri="{FF2B5EF4-FFF2-40B4-BE49-F238E27FC236}">
-                  <a16:creationId xmlns:a16="http://schemas.microsoft.com/office/drawing/2014/main" id="{6A6D51E6-CF65-EF02-1DBB-4E90126E0B31}"/>
-                </a:ext>
-              </a:extLst>
-            </p:cNvPr>
-            <p:cNvSpPr/>
-            <p:nvPr/>
-          </p:nvSpPr>
-          <p:spPr>
-            <a:xfrm>
-              <a:off x="2206827" y="2106919"/>
-              <a:ext cx="3040380" cy="2093540"/>
-            </a:xfrm>
-            <a:prstGeom prst="hexagon">
-              <a:avLst/>
-            </a:prstGeom>
-            <a:solidFill>
-              <a:srgbClr val="BA8CDC"/>
-            </a:solidFill>
-            <a:ln w="28575">
-              <a:solidFill>
-                <a:srgbClr val="7030A0"/>
-              </a:solidFill>
-            </a:ln>
-          </p:spPr>
-          <p:style>
-            <a:lnRef idx="2">
-              <a:schemeClr val="accent1">
-                <a:shade val="50000"/>
-              </a:schemeClr>
-            </a:lnRef>
-            <a:fillRef idx="1">
-              <a:schemeClr val="accent1"/>
-            </a:fillRef>
-            <a:effectRef idx="0">
-              <a:schemeClr val="accent1"/>
-            </a:effectRef>
-            <a:fontRef idx="minor">
-              <a:schemeClr val="lt1"/>
-            </a:fontRef>
-          </p:style>
-          <p:txBody>
-            <a:bodyPr rtlCol="0" anchor="ctr"/>
-            <a:lstStyle/>
-            <a:p>
-              <a:pPr algn="ctr"/>
-              <a:endParaRPr lang="fr-FR"/>
-            </a:p>
-          </p:txBody>
-        </p:sp>
-        <p:grpSp>
-          <p:nvGrpSpPr>
-            <p:cNvPr id="40" name="Group 39">
-              <a:extLst>
-                <a:ext uri="{FF2B5EF4-FFF2-40B4-BE49-F238E27FC236}">
-                  <a16:creationId xmlns:a16="http://schemas.microsoft.com/office/drawing/2014/main" id="{940C4411-4AE3-4C39-3A25-7CA0DDA67A79}"/>
-                </a:ext>
-              </a:extLst>
-            </p:cNvPr>
-            <p:cNvGrpSpPr/>
-            <p:nvPr/>
-          </p:nvGrpSpPr>
-          <p:grpSpPr>
-            <a:xfrm>
-              <a:off x="2457876" y="2594187"/>
-              <a:ext cx="171374" cy="381578"/>
-              <a:chOff x="7689730" y="3195744"/>
-              <a:chExt cx="171374" cy="381578"/>
-            </a:xfrm>
-          </p:grpSpPr>
-          <p:cxnSp>
-            <p:nvCxnSpPr>
-              <p:cNvPr id="36" name="Straight Connector 35">
-                <a:extLst>
-                  <a:ext uri="{FF2B5EF4-FFF2-40B4-BE49-F238E27FC236}">
-                    <a16:creationId xmlns:a16="http://schemas.microsoft.com/office/drawing/2014/main" id="{5C6BA29F-F336-8477-0F22-3890AFCE60EA}"/>
-                  </a:ext>
-                </a:extLst>
-              </p:cNvPr>
-              <p:cNvCxnSpPr>
-                <a:cxnSpLocks/>
-              </p:cNvCxnSpPr>
-              <p:nvPr/>
-            </p:nvCxnSpPr>
-            <p:spPr>
-              <a:xfrm>
-                <a:off x="7775417" y="3367118"/>
-                <a:ext cx="0" cy="210204"/>
-              </a:xfrm>
-              <a:prstGeom prst="line">
-                <a:avLst/>
-              </a:prstGeom>
-              <a:ln w="38100">
-                <a:solidFill>
-                  <a:schemeClr val="tx1"/>
-                </a:solidFill>
-              </a:ln>
-            </p:spPr>
-            <p:style>
-              <a:lnRef idx="1">
-                <a:schemeClr val="accent1"/>
-              </a:lnRef>
-              <a:fillRef idx="0">
-                <a:schemeClr val="accent1"/>
-              </a:fillRef>
-              <a:effectRef idx="0">
-                <a:schemeClr val="accent1"/>
-              </a:effectRef>
-              <a:fontRef idx="minor">
-                <a:schemeClr val="tx1"/>
-              </a:fontRef>
-            </p:style>
-          </p:cxnSp>
-          <p:sp>
-            <p:nvSpPr>
-              <p:cNvPr id="39" name="Oval 38">
-                <a:extLst>
-                  <a:ext uri="{FF2B5EF4-FFF2-40B4-BE49-F238E27FC236}">
-                    <a16:creationId xmlns:a16="http://schemas.microsoft.com/office/drawing/2014/main" id="{EF1A047A-9909-5D12-7282-628EA8ED1B30}"/>
-                  </a:ext>
-                </a:extLst>
-              </p:cNvPr>
-              <p:cNvSpPr/>
-              <p:nvPr/>
-            </p:nvSpPr>
-            <p:spPr>
-              <a:xfrm>
-                <a:off x="7689730" y="3195744"/>
-                <a:ext cx="171374" cy="171374"/>
-              </a:xfrm>
-              <a:prstGeom prst="ellipse">
-                <a:avLst/>
-              </a:prstGeom>
-              <a:solidFill>
-                <a:schemeClr val="bg1"/>
-              </a:solidFill>
-              <a:ln w="19050">
-                <a:solidFill>
-                  <a:schemeClr val="tx1"/>
-                </a:solidFill>
-              </a:ln>
-            </p:spPr>
-            <p:style>
-              <a:lnRef idx="2">
-                <a:schemeClr val="accent1">
-                  <a:shade val="50000"/>
-                </a:schemeClr>
-              </a:lnRef>
-              <a:fillRef idx="1">
-                <a:schemeClr val="accent1"/>
-              </a:fillRef>
-              <a:effectRef idx="0">
-                <a:schemeClr val="accent1"/>
-              </a:effectRef>
-              <a:fontRef idx="minor">
-                <a:schemeClr val="lt1"/>
-              </a:fontRef>
-            </p:style>
-            <p:txBody>
-              <a:bodyPr rtlCol="0" anchor="ctr"/>
-              <a:lstStyle/>
-              <a:p>
-                <a:pPr algn="ctr"/>
-                <a:endParaRPr lang="en-GB"/>
-              </a:p>
-            </p:txBody>
-          </p:sp>
-        </p:grpSp>
-        <p:sp>
-          <p:nvSpPr>
-            <p:cNvPr id="43" name="Rectangle: Rounded Corners 42">
-              <a:extLst>
-                <a:ext uri="{FF2B5EF4-FFF2-40B4-BE49-F238E27FC236}">
-                  <a16:creationId xmlns:a16="http://schemas.microsoft.com/office/drawing/2014/main" id="{CE914DA8-CDC3-DE3A-3738-128639367FC4}"/>
-                </a:ext>
-              </a:extLst>
-            </p:cNvPr>
-            <p:cNvSpPr/>
-            <p:nvPr/>
-          </p:nvSpPr>
-          <p:spPr>
-            <a:xfrm>
-              <a:off x="4005403" y="2890186"/>
-              <a:ext cx="425816" cy="351565"/>
-            </a:xfrm>
-            <a:prstGeom prst="roundRect">
-              <a:avLst/>
-            </a:prstGeom>
-            <a:solidFill>
-              <a:srgbClr val="9A57CD"/>
-            </a:solidFill>
-            <a:ln>
-              <a:solidFill>
-                <a:schemeClr val="tx1"/>
-              </a:solidFill>
-            </a:ln>
-          </p:spPr>
-          <p:style>
-            <a:lnRef idx="2">
-              <a:schemeClr val="accent1">
-                <a:shade val="50000"/>
-              </a:schemeClr>
-            </a:lnRef>
-            <a:fillRef idx="1">
-              <a:schemeClr val="accent1"/>
-            </a:fillRef>
-            <a:effectRef idx="0">
-              <a:schemeClr val="accent1"/>
-            </a:effectRef>
-            <a:fontRef idx="minor">
-              <a:schemeClr val="lt1"/>
-            </a:fontRef>
-          </p:style>
-          <p:txBody>
-            <a:bodyPr rtlCol="0" anchor="ctr"/>
-            <a:lstStyle/>
-            <a:p>
-              <a:pPr algn="ctr"/>
-              <a:endParaRPr lang="en-GB"/>
-            </a:p>
-          </p:txBody>
-        </p:sp>
-        <p:cxnSp>
-          <p:nvCxnSpPr>
-            <p:cNvPr id="44" name="Connector: Elbow 43">
-              <a:extLst>
-                <a:ext uri="{FF2B5EF4-FFF2-40B4-BE49-F238E27FC236}">
-                  <a16:creationId xmlns:a16="http://schemas.microsoft.com/office/drawing/2014/main" id="{80B21C75-7B16-2C9B-F4C3-5F3C6DFDC475}"/>
-                </a:ext>
-              </a:extLst>
-            </p:cNvPr>
-            <p:cNvCxnSpPr>
-              <a:cxnSpLocks/>
-              <a:stCxn id="48" idx="3"/>
-              <a:endCxn id="46" idx="1"/>
-            </p:cNvCxnSpPr>
-            <p:nvPr/>
-          </p:nvCxnSpPr>
-          <p:spPr>
-            <a:xfrm flipV="1">
-              <a:off x="2761180" y="2504092"/>
-              <a:ext cx="604954" cy="612168"/>
-            </a:xfrm>
-            <a:prstGeom prst="bentConnector3">
-              <a:avLst/>
-            </a:prstGeom>
-            <a:ln w="9525">
-              <a:solidFill>
-                <a:schemeClr val="tx1"/>
-              </a:solidFill>
-              <a:tailEnd type="none"/>
-            </a:ln>
-          </p:spPr>
-          <p:style>
-            <a:lnRef idx="1">
-              <a:schemeClr val="accent1"/>
-            </a:lnRef>
-            <a:fillRef idx="0">
-              <a:schemeClr val="accent1"/>
-            </a:fillRef>
-            <a:effectRef idx="0">
-              <a:schemeClr val="accent1"/>
-            </a:effectRef>
-            <a:fontRef idx="minor">
-              <a:schemeClr val="tx1"/>
-            </a:fontRef>
-          </p:style>
-        </p:cxnSp>
-        <p:cxnSp>
-          <p:nvCxnSpPr>
-            <p:cNvPr id="45" name="Connector: Elbow 44">
-              <a:extLst>
-                <a:ext uri="{FF2B5EF4-FFF2-40B4-BE49-F238E27FC236}">
-                  <a16:creationId xmlns:a16="http://schemas.microsoft.com/office/drawing/2014/main" id="{8F16B881-7F02-9320-ABC2-0B490E03D5CA}"/>
-                </a:ext>
-              </a:extLst>
-            </p:cNvPr>
-            <p:cNvCxnSpPr>
-              <a:cxnSpLocks/>
-              <a:stCxn id="46" idx="3"/>
-              <a:endCxn id="43" idx="0"/>
-            </p:cNvCxnSpPr>
-            <p:nvPr/>
-          </p:nvCxnSpPr>
-          <p:spPr>
-            <a:xfrm>
-              <a:off x="3791951" y="2504092"/>
-              <a:ext cx="426360" cy="386094"/>
-            </a:xfrm>
-            <a:prstGeom prst="bentConnector2">
-              <a:avLst/>
-            </a:prstGeom>
-            <a:ln w="9525">
-              <a:solidFill>
-                <a:schemeClr val="tx1"/>
-              </a:solidFill>
-              <a:tailEnd type="none"/>
-            </a:ln>
-          </p:spPr>
-          <p:style>
-            <a:lnRef idx="1">
-              <a:schemeClr val="accent1"/>
-            </a:lnRef>
-            <a:fillRef idx="0">
-              <a:schemeClr val="accent1"/>
-            </a:fillRef>
-            <a:effectRef idx="0">
-              <a:schemeClr val="accent1"/>
-            </a:effectRef>
-            <a:fontRef idx="minor">
-              <a:schemeClr val="tx1"/>
-            </a:fontRef>
-          </p:style>
-        </p:cxnSp>
-        <p:sp>
-          <p:nvSpPr>
-            <p:cNvPr id="46" name="Rectangle: Rounded Corners 45">
-              <a:extLst>
-                <a:ext uri="{FF2B5EF4-FFF2-40B4-BE49-F238E27FC236}">
-                  <a16:creationId xmlns:a16="http://schemas.microsoft.com/office/drawing/2014/main" id="{3BEC7E3D-294F-32B3-0467-8A3ABCBC742D}"/>
-                </a:ext>
-              </a:extLst>
-            </p:cNvPr>
-            <p:cNvSpPr/>
-            <p:nvPr/>
-          </p:nvSpPr>
-          <p:spPr>
-            <a:xfrm>
-              <a:off x="3366134" y="2328309"/>
-              <a:ext cx="425817" cy="351565"/>
-            </a:xfrm>
-            <a:prstGeom prst="roundRect">
-              <a:avLst/>
-            </a:prstGeom>
-            <a:solidFill>
-              <a:srgbClr val="9A57CD"/>
-            </a:solidFill>
-            <a:ln>
-              <a:solidFill>
-                <a:schemeClr val="tx1"/>
-              </a:solidFill>
-            </a:ln>
-          </p:spPr>
-          <p:style>
-            <a:lnRef idx="2">
-              <a:schemeClr val="accent1">
-                <a:shade val="50000"/>
-              </a:schemeClr>
-            </a:lnRef>
-            <a:fillRef idx="1">
-              <a:schemeClr val="accent1"/>
-            </a:fillRef>
-            <a:effectRef idx="0">
-              <a:schemeClr val="accent1"/>
-            </a:effectRef>
-            <a:fontRef idx="minor">
-              <a:schemeClr val="lt1"/>
-            </a:fontRef>
-          </p:style>
-          <p:txBody>
-            <a:bodyPr rtlCol="0" anchor="ctr"/>
-            <a:lstStyle/>
-            <a:p>
-              <a:pPr algn="ctr"/>
-              <a:endParaRPr lang="en-GB"/>
-            </a:p>
-          </p:txBody>
-        </p:sp>
-        <p:sp>
-          <p:nvSpPr>
-            <p:cNvPr id="47" name="Diamond 46">
-              <a:extLst>
-                <a:ext uri="{FF2B5EF4-FFF2-40B4-BE49-F238E27FC236}">
-                  <a16:creationId xmlns:a16="http://schemas.microsoft.com/office/drawing/2014/main" id="{CF1E7E84-BE84-EF72-028C-7C6BE33BBDC3}"/>
-                </a:ext>
-              </a:extLst>
-            </p:cNvPr>
-            <p:cNvSpPr/>
-            <p:nvPr/>
-          </p:nvSpPr>
-          <p:spPr>
-            <a:xfrm>
-              <a:off x="3799194" y="2414175"/>
-              <a:ext cx="167131" cy="167131"/>
-            </a:xfrm>
-            <a:prstGeom prst="diamond">
-              <a:avLst/>
-            </a:prstGeom>
-            <a:solidFill>
-              <a:schemeClr val="tx1"/>
-            </a:solidFill>
-            <a:ln>
-              <a:solidFill>
-                <a:schemeClr val="tx1"/>
-              </a:solidFill>
-            </a:ln>
-          </p:spPr>
-          <p:style>
-            <a:lnRef idx="2">
-              <a:schemeClr val="accent1">
-                <a:shade val="50000"/>
-              </a:schemeClr>
-            </a:lnRef>
-            <a:fillRef idx="1">
-              <a:schemeClr val="accent1"/>
-            </a:fillRef>
-            <a:effectRef idx="0">
-              <a:schemeClr val="accent1"/>
-            </a:effectRef>
-            <a:fontRef idx="minor">
-              <a:schemeClr val="lt1"/>
-            </a:fontRef>
-          </p:style>
-          <p:txBody>
-            <a:bodyPr rtlCol="0" anchor="ctr"/>
-            <a:lstStyle/>
-            <a:p>
-              <a:pPr algn="ctr"/>
-              <a:endParaRPr lang="en-GB"/>
-            </a:p>
-          </p:txBody>
-        </p:sp>
-        <p:sp>
-          <p:nvSpPr>
-            <p:cNvPr id="48" name="Rectangle: Rounded Corners 47">
-              <a:extLst>
-                <a:ext uri="{FF2B5EF4-FFF2-40B4-BE49-F238E27FC236}">
-                  <a16:creationId xmlns:a16="http://schemas.microsoft.com/office/drawing/2014/main" id="{A41AD289-0792-2EA4-E800-3122F9EFFC59}"/>
-                </a:ext>
-              </a:extLst>
-            </p:cNvPr>
-            <p:cNvSpPr/>
-            <p:nvPr/>
-          </p:nvSpPr>
-          <p:spPr>
-            <a:xfrm>
-              <a:off x="2335362" y="2940477"/>
-              <a:ext cx="425818" cy="351565"/>
-            </a:xfrm>
-            <a:prstGeom prst="roundRect">
-              <a:avLst/>
-            </a:prstGeom>
-            <a:solidFill>
-              <a:srgbClr val="9A57CD"/>
-            </a:solidFill>
-            <a:ln>
-              <a:solidFill>
-                <a:schemeClr val="tx1"/>
-              </a:solidFill>
-            </a:ln>
-          </p:spPr>
-          <p:style>
-            <a:lnRef idx="2">
-              <a:schemeClr val="accent1">
-                <a:shade val="50000"/>
-              </a:schemeClr>
-            </a:lnRef>
-            <a:fillRef idx="1">
-              <a:schemeClr val="accent1"/>
-            </a:fillRef>
-            <a:effectRef idx="0">
-              <a:schemeClr val="accent1"/>
-            </a:effectRef>
-            <a:fontRef idx="minor">
-              <a:schemeClr val="lt1"/>
-            </a:fontRef>
-          </p:style>
-          <p:txBody>
-            <a:bodyPr rtlCol="0" anchor="ctr"/>
-            <a:lstStyle/>
-            <a:p>
-              <a:pPr algn="ctr"/>
-              <a:endParaRPr lang="en-GB"/>
-            </a:p>
-          </p:txBody>
-        </p:sp>
-        <p:sp>
-          <p:nvSpPr>
-            <p:cNvPr id="49" name="Diamond 48">
-              <a:extLst>
-                <a:ext uri="{FF2B5EF4-FFF2-40B4-BE49-F238E27FC236}">
-                  <a16:creationId xmlns:a16="http://schemas.microsoft.com/office/drawing/2014/main" id="{BC214A87-C3D5-FF0B-97DE-4DA23A95B490}"/>
-                </a:ext>
-              </a:extLst>
-            </p:cNvPr>
-            <p:cNvSpPr/>
-            <p:nvPr/>
-          </p:nvSpPr>
-          <p:spPr>
-            <a:xfrm>
-              <a:off x="2764551" y="3028958"/>
-              <a:ext cx="167130" cy="167132"/>
-            </a:xfrm>
-            <a:prstGeom prst="diamond">
-              <a:avLst/>
-            </a:prstGeom>
-            <a:solidFill>
-              <a:schemeClr val="tx1"/>
-            </a:solidFill>
-            <a:ln>
-              <a:solidFill>
-                <a:schemeClr val="tx1"/>
-              </a:solidFill>
-            </a:ln>
-          </p:spPr>
-          <p:style>
-            <a:lnRef idx="2">
-              <a:schemeClr val="accent1">
-                <a:shade val="50000"/>
-              </a:schemeClr>
-            </a:lnRef>
-            <a:fillRef idx="1">
-              <a:schemeClr val="accent1"/>
-            </a:fillRef>
-            <a:effectRef idx="0">
-              <a:schemeClr val="accent1"/>
-            </a:effectRef>
-            <a:fontRef idx="minor">
-              <a:schemeClr val="lt1"/>
-            </a:fontRef>
-          </p:style>
-          <p:txBody>
-            <a:bodyPr rtlCol="0" anchor="ctr"/>
-            <a:lstStyle/>
-            <a:p>
-              <a:pPr algn="ctr"/>
-              <a:endParaRPr lang="en-GB"/>
-            </a:p>
-          </p:txBody>
-        </p:sp>
-        <p:sp>
-          <p:nvSpPr>
-            <p:cNvPr id="50" name="Right Brace 49">
-              <a:extLst>
-                <a:ext uri="{FF2B5EF4-FFF2-40B4-BE49-F238E27FC236}">
-                  <a16:creationId xmlns:a16="http://schemas.microsoft.com/office/drawing/2014/main" id="{6933D540-CF40-3B71-81DD-0728A7B7E745}"/>
-                </a:ext>
-              </a:extLst>
-            </p:cNvPr>
-            <p:cNvSpPr/>
-            <p:nvPr/>
-          </p:nvSpPr>
-          <p:spPr>
-            <a:xfrm rot="12414236">
-              <a:off x="5134217" y="3214846"/>
-              <a:ext cx="883655" cy="428062"/>
-            </a:xfrm>
-            <a:prstGeom prst="rightBrace">
-              <a:avLst>
-                <a:gd name="adj1" fmla="val 9622"/>
-                <a:gd name="adj2" fmla="val 54011"/>
-              </a:avLst>
-            </a:prstGeom>
-            <a:ln w="34925">
-              <a:solidFill>
-                <a:schemeClr val="tx1"/>
-              </a:solidFill>
-            </a:ln>
-          </p:spPr>
-          <p:style>
-            <a:lnRef idx="1">
-              <a:schemeClr val="accent1"/>
-            </a:lnRef>
-            <a:fillRef idx="0">
-              <a:schemeClr val="accent1"/>
-            </a:fillRef>
-            <a:effectRef idx="0">
-              <a:schemeClr val="accent1"/>
-            </a:effectRef>
-            <a:fontRef idx="minor">
-              <a:schemeClr val="tx1"/>
-            </a:fontRef>
-          </p:style>
-          <p:txBody>
-            <a:bodyPr rtlCol="0" anchor="ctr"/>
-            <a:lstStyle/>
-            <a:p>
-              <a:pPr algn="ctr"/>
-              <a:endParaRPr lang="en-GB"/>
-            </a:p>
-          </p:txBody>
-        </p:sp>
-        <p:cxnSp>
-          <p:nvCxnSpPr>
-            <p:cNvPr id="51" name="Straight Arrow Connector 50">
-              <a:extLst>
-                <a:ext uri="{FF2B5EF4-FFF2-40B4-BE49-F238E27FC236}">
-                  <a16:creationId xmlns:a16="http://schemas.microsoft.com/office/drawing/2014/main" id="{272ECD37-CF7C-FD44-E585-9389787F552F}"/>
-                </a:ext>
-              </a:extLst>
-            </p:cNvPr>
-            <p:cNvCxnSpPr>
-              <a:cxnSpLocks/>
-              <a:stCxn id="43" idx="3"/>
-              <a:endCxn id="52" idx="1"/>
-            </p:cNvCxnSpPr>
-            <p:nvPr/>
-          </p:nvCxnSpPr>
-          <p:spPr>
-            <a:xfrm>
-              <a:off x="4431219" y="3065969"/>
-              <a:ext cx="634759" cy="60184"/>
-            </a:xfrm>
-            <a:prstGeom prst="straightConnector1">
-              <a:avLst/>
-            </a:prstGeom>
-            <a:ln w="9525">
-              <a:solidFill>
-                <a:schemeClr val="tx1"/>
-              </a:solidFill>
-              <a:prstDash val="dash"/>
-              <a:tailEnd type="triangle"/>
-            </a:ln>
-          </p:spPr>
-          <p:style>
-            <a:lnRef idx="1">
-              <a:schemeClr val="accent1"/>
-            </a:lnRef>
-            <a:fillRef idx="0">
-              <a:schemeClr val="accent1"/>
-            </a:fillRef>
-            <a:effectRef idx="0">
-              <a:schemeClr val="accent1"/>
-            </a:effectRef>
-            <a:fontRef idx="minor">
-              <a:schemeClr val="tx1"/>
-            </a:fontRef>
-          </p:style>
-        </p:cxnSp>
-        <p:sp>
-          <p:nvSpPr>
-            <p:cNvPr id="52" name="Oval 51">
-              <a:extLst>
-                <a:ext uri="{FF2B5EF4-FFF2-40B4-BE49-F238E27FC236}">
-                  <a16:creationId xmlns:a16="http://schemas.microsoft.com/office/drawing/2014/main" id="{213DB660-4E3D-3960-4A63-D7FBF409CF29}"/>
-                </a:ext>
-              </a:extLst>
-            </p:cNvPr>
-            <p:cNvSpPr/>
-            <p:nvPr/>
-          </p:nvSpPr>
-          <p:spPr>
-            <a:xfrm>
-              <a:off x="5040881" y="3101056"/>
-              <a:ext cx="171374" cy="171374"/>
-            </a:xfrm>
-            <a:prstGeom prst="ellipse">
-              <a:avLst/>
-            </a:prstGeom>
-            <a:solidFill>
-              <a:schemeClr val="bg1"/>
-            </a:solidFill>
-            <a:ln w="19050">
-              <a:solidFill>
-                <a:schemeClr val="tx1"/>
-              </a:solidFill>
-            </a:ln>
-          </p:spPr>
-          <p:style>
-            <a:lnRef idx="2">
-              <a:schemeClr val="accent1">
-                <a:shade val="50000"/>
-              </a:schemeClr>
-            </a:lnRef>
-            <a:fillRef idx="1">
-              <a:schemeClr val="accent1"/>
-            </a:fillRef>
-            <a:effectRef idx="0">
-              <a:schemeClr val="accent1"/>
-            </a:effectRef>
-            <a:fontRef idx="minor">
-              <a:schemeClr val="lt1"/>
-            </a:fontRef>
-          </p:style>
-          <p:txBody>
-            <a:bodyPr rtlCol="0" anchor="ctr"/>
-            <a:lstStyle/>
-            <a:p>
-              <a:pPr algn="ctr"/>
-              <a:endParaRPr lang="en-GB"/>
-            </a:p>
-          </p:txBody>
-        </p:sp>
-        <p:sp>
-          <p:nvSpPr>
-            <p:cNvPr id="63" name="Rectangle: Rounded Corners 62">
-              <a:extLst>
-                <a:ext uri="{FF2B5EF4-FFF2-40B4-BE49-F238E27FC236}">
-                  <a16:creationId xmlns:a16="http://schemas.microsoft.com/office/drawing/2014/main" id="{7AC230C3-B6DC-459A-6E3F-2394AB209B41}"/>
-                </a:ext>
-              </a:extLst>
-            </p:cNvPr>
-            <p:cNvSpPr/>
-            <p:nvPr/>
-          </p:nvSpPr>
-          <p:spPr>
-            <a:xfrm>
-              <a:off x="2899680" y="3543024"/>
-              <a:ext cx="425816" cy="351565"/>
-            </a:xfrm>
-            <a:prstGeom prst="roundRect">
-              <a:avLst/>
-            </a:prstGeom>
-            <a:solidFill>
-              <a:srgbClr val="9A57CD"/>
-            </a:solidFill>
-            <a:ln>
-              <a:solidFill>
-                <a:schemeClr val="tx1"/>
-              </a:solidFill>
-            </a:ln>
-          </p:spPr>
-          <p:style>
-            <a:lnRef idx="2">
-              <a:schemeClr val="accent1">
-                <a:shade val="50000"/>
-              </a:schemeClr>
-            </a:lnRef>
-            <a:fillRef idx="1">
-              <a:schemeClr val="accent1"/>
-            </a:fillRef>
-            <a:effectRef idx="0">
-              <a:schemeClr val="accent1"/>
-            </a:effectRef>
-            <a:fontRef idx="minor">
-              <a:schemeClr val="lt1"/>
-            </a:fontRef>
-          </p:style>
-          <p:txBody>
-            <a:bodyPr rtlCol="0" anchor="ctr"/>
-            <a:lstStyle/>
-            <a:p>
-              <a:pPr algn="ctr"/>
-              <a:endParaRPr lang="en-GB"/>
-            </a:p>
-          </p:txBody>
-        </p:sp>
-        <p:sp>
-          <p:nvSpPr>
-            <p:cNvPr id="64" name="Rectangle: Rounded Corners 63">
-              <a:extLst>
-                <a:ext uri="{FF2B5EF4-FFF2-40B4-BE49-F238E27FC236}">
-                  <a16:creationId xmlns:a16="http://schemas.microsoft.com/office/drawing/2014/main" id="{8253828B-6500-05DB-B3F4-DE0CEA08709C}"/>
-                </a:ext>
-              </a:extLst>
-            </p:cNvPr>
-            <p:cNvSpPr/>
-            <p:nvPr/>
-          </p:nvSpPr>
-          <p:spPr>
-            <a:xfrm>
-              <a:off x="3660068" y="3620884"/>
-              <a:ext cx="425816" cy="351565"/>
-            </a:xfrm>
-            <a:prstGeom prst="roundRect">
-              <a:avLst/>
-            </a:prstGeom>
-            <a:solidFill>
-              <a:srgbClr val="9A57CD"/>
-            </a:solidFill>
-            <a:ln>
-              <a:solidFill>
-                <a:schemeClr val="tx1"/>
-              </a:solidFill>
-            </a:ln>
-          </p:spPr>
-          <p:style>
-            <a:lnRef idx="2">
-              <a:schemeClr val="accent1">
-                <a:shade val="50000"/>
-              </a:schemeClr>
-            </a:lnRef>
-            <a:fillRef idx="1">
-              <a:schemeClr val="accent1"/>
-            </a:fillRef>
-            <a:effectRef idx="0">
-              <a:schemeClr val="accent1"/>
-            </a:effectRef>
-            <a:fontRef idx="minor">
-              <a:schemeClr val="lt1"/>
-            </a:fontRef>
-          </p:style>
-          <p:txBody>
-            <a:bodyPr rtlCol="0" anchor="ctr"/>
-            <a:lstStyle/>
-            <a:p>
-              <a:pPr algn="ctr"/>
-              <a:endParaRPr lang="en-GB"/>
-            </a:p>
-          </p:txBody>
-        </p:sp>
-        <p:cxnSp>
-          <p:nvCxnSpPr>
-            <p:cNvPr id="65" name="Connector: Elbow 64">
-              <a:extLst>
-                <a:ext uri="{FF2B5EF4-FFF2-40B4-BE49-F238E27FC236}">
-                  <a16:creationId xmlns:a16="http://schemas.microsoft.com/office/drawing/2014/main" id="{623284CD-18F4-CF51-5F9F-6A6C6563AA46}"/>
-                </a:ext>
-              </a:extLst>
-            </p:cNvPr>
-            <p:cNvCxnSpPr>
-              <a:cxnSpLocks/>
-              <a:stCxn id="63" idx="3"/>
-              <a:endCxn id="64" idx="1"/>
-            </p:cNvCxnSpPr>
-            <p:nvPr/>
-          </p:nvCxnSpPr>
-          <p:spPr>
-            <a:xfrm>
-              <a:off x="3325496" y="3718807"/>
-              <a:ext cx="334572" cy="77860"/>
-            </a:xfrm>
-            <a:prstGeom prst="bentConnector3">
-              <a:avLst>
-                <a:gd name="adj1" fmla="val 57592"/>
-              </a:avLst>
-            </a:prstGeom>
-            <a:ln w="9525">
-              <a:solidFill>
-                <a:schemeClr val="tx1"/>
-              </a:solidFill>
-              <a:tailEnd type="none"/>
-            </a:ln>
-          </p:spPr>
-          <p:style>
-            <a:lnRef idx="1">
-              <a:schemeClr val="accent1"/>
-            </a:lnRef>
-            <a:fillRef idx="0">
-              <a:schemeClr val="accent1"/>
-            </a:fillRef>
-            <a:effectRef idx="0">
-              <a:schemeClr val="accent1"/>
-            </a:effectRef>
-            <a:fontRef idx="minor">
-              <a:schemeClr val="tx1"/>
-            </a:fontRef>
-          </p:style>
-        </p:cxnSp>
-        <p:cxnSp>
-          <p:nvCxnSpPr>
-            <p:cNvPr id="66" name="Straight Arrow Connector 65">
-              <a:extLst>
-                <a:ext uri="{FF2B5EF4-FFF2-40B4-BE49-F238E27FC236}">
-                  <a16:creationId xmlns:a16="http://schemas.microsoft.com/office/drawing/2014/main" id="{4E289FFA-45DA-6FFE-34F0-C4A60E2E3E8F}"/>
-                </a:ext>
-              </a:extLst>
-            </p:cNvPr>
-            <p:cNvCxnSpPr>
-              <a:cxnSpLocks/>
-              <a:stCxn id="48" idx="2"/>
-              <a:endCxn id="63" idx="1"/>
-            </p:cNvCxnSpPr>
-            <p:nvPr/>
-          </p:nvCxnSpPr>
-          <p:spPr>
-            <a:xfrm>
-              <a:off x="2548271" y="3292042"/>
-              <a:ext cx="351409" cy="426765"/>
-            </a:xfrm>
-            <a:prstGeom prst="straightConnector1">
-              <a:avLst/>
-            </a:prstGeom>
-            <a:ln w="9525">
-              <a:solidFill>
-                <a:schemeClr val="tx1"/>
-              </a:solidFill>
-              <a:prstDash val="dash"/>
-              <a:tailEnd type="triangle"/>
-            </a:ln>
-          </p:spPr>
-          <p:style>
-            <a:lnRef idx="1">
-              <a:schemeClr val="accent1"/>
-            </a:lnRef>
-            <a:fillRef idx="0">
-              <a:schemeClr val="accent1"/>
-            </a:fillRef>
-            <a:effectRef idx="0">
-              <a:schemeClr val="accent1"/>
-            </a:effectRef>
-            <a:fontRef idx="minor">
-              <a:schemeClr val="tx1"/>
-            </a:fontRef>
-          </p:style>
-        </p:cxnSp>
-        <p:sp>
-          <p:nvSpPr>
-            <p:cNvPr id="70" name="TextBox 69">
-              <a:extLst>
-                <a:ext uri="{FF2B5EF4-FFF2-40B4-BE49-F238E27FC236}">
-                  <a16:creationId xmlns:a16="http://schemas.microsoft.com/office/drawing/2014/main" id="{F0DC8FA8-A750-E835-50E7-91D1B053EA3E}"/>
-                </a:ext>
-              </a:extLst>
-            </p:cNvPr>
-            <p:cNvSpPr txBox="1"/>
-            <p:nvPr/>
-          </p:nvSpPr>
-          <p:spPr>
-            <a:xfrm>
-              <a:off x="2582958" y="2115294"/>
-              <a:ext cx="2108329" cy="215444"/>
-            </a:xfrm>
-            <a:prstGeom prst="rect">
-              <a:avLst/>
-            </a:prstGeom>
-            <a:noFill/>
-          </p:spPr>
-          <p:txBody>
-            <a:bodyPr wrap="square" rtlCol="0">
-              <a:spAutoFit/>
-            </a:bodyPr>
-            <a:lstStyle/>
-            <a:p>
-              <a:pPr algn="r"/>
-              <a:r>
-                <a:rPr lang="en-GB" sz="800" b="1" cap="all" dirty="0">
-                  <a:latin typeface="Alte Haas Grotesk" panose="02000503000000020004" pitchFamily="2" charset="0"/>
-                </a:rPr>
-                <a:t>Seat suggestions Domain</a:t>
-              </a:r>
-            </a:p>
-          </p:txBody>
-        </p:sp>
-        <p:sp>
-          <p:nvSpPr>
-            <p:cNvPr id="71" name="TextBox 70">
-              <a:extLst>
-                <a:ext uri="{FF2B5EF4-FFF2-40B4-BE49-F238E27FC236}">
-                  <a16:creationId xmlns:a16="http://schemas.microsoft.com/office/drawing/2014/main" id="{36926729-2368-F21C-A7F2-F3D542F577A7}"/>
-                </a:ext>
-              </a:extLst>
-            </p:cNvPr>
-            <p:cNvSpPr txBox="1"/>
-            <p:nvPr/>
-          </p:nvSpPr>
-          <p:spPr>
-            <a:xfrm>
-              <a:off x="3888634" y="1405675"/>
-              <a:ext cx="1523320" cy="272522"/>
-            </a:xfrm>
-            <a:prstGeom prst="rect">
-              <a:avLst/>
-            </a:prstGeom>
-            <a:noFill/>
-          </p:spPr>
-          <p:txBody>
-            <a:bodyPr wrap="square" rtlCol="0">
-              <a:spAutoFit/>
-            </a:bodyPr>
-            <a:lstStyle/>
-            <a:p>
-              <a:pPr algn="r"/>
-              <a:r>
-                <a:rPr lang="en-GB" sz="800" b="1" cap="all" dirty="0">
-                  <a:latin typeface="Alte Haas Grotesk" panose="02000503000000020004" pitchFamily="2" charset="0"/>
-                </a:rPr>
-                <a:t>Infrastructure</a:t>
-              </a:r>
-            </a:p>
-          </p:txBody>
-        </p:sp>
-        <p:pic>
-          <p:nvPicPr>
-            <p:cNvPr id="72" name="Picture 71">
-              <a:extLst>
-                <a:ext uri="{FF2B5EF4-FFF2-40B4-BE49-F238E27FC236}">
-                  <a16:creationId xmlns:a16="http://schemas.microsoft.com/office/drawing/2014/main" id="{7EB3B387-29CE-ED80-CE7F-BA9EBA7FB2A2}"/>
-                </a:ext>
-              </a:extLst>
-            </p:cNvPr>
-            <p:cNvPicPr>
-              <a:picLocks noChangeAspect="1"/>
-            </p:cNvPicPr>
-            <p:nvPr/>
-          </p:nvPicPr>
-          <p:blipFill>
-            <a:blip r:embed="rId2">
-              <a:extLst>
-                <a:ext uri="{28A0092B-C50C-407E-A947-70E740481C1C}">
-                  <a14:useLocalDpi xmlns:a14="http://schemas.microsoft.com/office/drawing/2010/main" val="0"/>
-                </a:ext>
-              </a:extLst>
-            </a:blip>
-            <a:stretch>
-              <a:fillRect/>
-            </a:stretch>
-          </p:blipFill>
-          <p:spPr>
-            <a:xfrm>
-              <a:off x="-228725" y="651514"/>
-              <a:ext cx="696871" cy="656800"/>
-            </a:xfrm>
-            <a:prstGeom prst="rect">
-              <a:avLst/>
-            </a:prstGeom>
-          </p:spPr>
-        </p:pic>
-        <p:cxnSp>
-          <p:nvCxnSpPr>
-            <p:cNvPr id="73" name="Straight Arrow Connector 72">
-              <a:extLst>
-                <a:ext uri="{FF2B5EF4-FFF2-40B4-BE49-F238E27FC236}">
-                  <a16:creationId xmlns:a16="http://schemas.microsoft.com/office/drawing/2014/main" id="{E0BD609C-A372-9B77-A208-61AAF7FAC62E}"/>
-                </a:ext>
-              </a:extLst>
-            </p:cNvPr>
-            <p:cNvCxnSpPr>
-              <a:cxnSpLocks/>
-            </p:cNvCxnSpPr>
-            <p:nvPr/>
-          </p:nvCxnSpPr>
-          <p:spPr>
-            <a:xfrm>
-              <a:off x="447979" y="1267403"/>
-              <a:ext cx="1145077" cy="894772"/>
-            </a:xfrm>
-            <a:prstGeom prst="straightConnector1">
-              <a:avLst/>
-            </a:prstGeom>
-            <a:ln w="19050">
-              <a:solidFill>
-                <a:schemeClr val="tx1"/>
-              </a:solidFill>
-              <a:prstDash val="solid"/>
-              <a:tailEnd type="triangle"/>
-            </a:ln>
-          </p:spPr>
-          <p:style>
-            <a:lnRef idx="1">
-              <a:schemeClr val="accent1"/>
-            </a:lnRef>
-            <a:fillRef idx="0">
-              <a:schemeClr val="accent1"/>
-            </a:fillRef>
-            <a:effectRef idx="0">
-              <a:schemeClr val="accent1"/>
-            </a:effectRef>
-            <a:fontRef idx="minor">
-              <a:schemeClr val="tx1"/>
-            </a:fontRef>
-          </p:style>
-        </p:cxnSp>
-        <p:sp>
-          <p:nvSpPr>
-            <p:cNvPr id="74" name="TextBox 73">
-              <a:extLst>
-                <a:ext uri="{FF2B5EF4-FFF2-40B4-BE49-F238E27FC236}">
-                  <a16:creationId xmlns:a16="http://schemas.microsoft.com/office/drawing/2014/main" id="{39B6EC26-17C9-4060-F3BD-944E655A43B6}"/>
-                </a:ext>
-              </a:extLst>
-            </p:cNvPr>
-            <p:cNvSpPr txBox="1"/>
-            <p:nvPr/>
-          </p:nvSpPr>
-          <p:spPr>
-            <a:xfrm>
-              <a:off x="756465" y="1541936"/>
-              <a:ext cx="487634" cy="230832"/>
-            </a:xfrm>
-            <a:prstGeom prst="rect">
-              <a:avLst/>
-            </a:prstGeom>
-            <a:solidFill>
-              <a:srgbClr val="FBE5D6"/>
-            </a:solidFill>
-          </p:spPr>
-          <p:txBody>
-            <a:bodyPr wrap="none" rtlCol="0">
-              <a:spAutoFit/>
-            </a:bodyPr>
-            <a:lstStyle>
-              <a:defPPr>
-                <a:defRPr lang="fr-FR"/>
-              </a:defPPr>
-              <a:lvl1pPr>
-                <a:defRPr sz="900" b="1">
-                  <a:latin typeface="Alte Haas Grotesk" panose="02000503000000020004" pitchFamily="2" charset="0"/>
-                </a:defRPr>
-              </a:lvl1pPr>
-            </a:lstStyle>
-            <a:p>
-              <a:r>
-                <a:rPr lang="fr-FR" dirty="0"/>
-                <a:t>HTTP</a:t>
-              </a:r>
-              <a:endParaRPr lang="en-GB" dirty="0"/>
-            </a:p>
-          </p:txBody>
-        </p:sp>
-        <p:sp>
-          <p:nvSpPr>
-            <p:cNvPr id="85" name="Right Brace 84">
-              <a:extLst>
-                <a:ext uri="{FF2B5EF4-FFF2-40B4-BE49-F238E27FC236}">
-                  <a16:creationId xmlns:a16="http://schemas.microsoft.com/office/drawing/2014/main" id="{ECBCF79C-DB7C-8437-A8D1-79A66D6A3034}"/>
-                </a:ext>
-              </a:extLst>
-            </p:cNvPr>
-            <p:cNvSpPr/>
-            <p:nvPr/>
-          </p:nvSpPr>
-          <p:spPr>
-            <a:xfrm rot="12414236">
-              <a:off x="4725358" y="4000552"/>
-              <a:ext cx="883655" cy="428062"/>
-            </a:xfrm>
-            <a:prstGeom prst="rightBrace">
-              <a:avLst>
-                <a:gd name="adj1" fmla="val 9622"/>
-                <a:gd name="adj2" fmla="val 54011"/>
-              </a:avLst>
-            </a:prstGeom>
-            <a:ln w="34925">
-              <a:solidFill>
-                <a:schemeClr val="tx1"/>
-              </a:solidFill>
-            </a:ln>
-          </p:spPr>
-          <p:style>
-            <a:lnRef idx="1">
-              <a:schemeClr val="accent1"/>
-            </a:lnRef>
-            <a:fillRef idx="0">
-              <a:schemeClr val="accent1"/>
-            </a:fillRef>
-            <a:effectRef idx="0">
-              <a:schemeClr val="accent1"/>
-            </a:effectRef>
-            <a:fontRef idx="minor">
-              <a:schemeClr val="tx1"/>
-            </a:fontRef>
-          </p:style>
-          <p:txBody>
-            <a:bodyPr rtlCol="0" anchor="ctr"/>
-            <a:lstStyle/>
-            <a:p>
-              <a:pPr algn="ctr"/>
-              <a:endParaRPr lang="en-GB"/>
-            </a:p>
-          </p:txBody>
-        </p:sp>
-        <p:sp>
-          <p:nvSpPr>
-            <p:cNvPr id="86" name="Oval 85">
-              <a:extLst>
-                <a:ext uri="{FF2B5EF4-FFF2-40B4-BE49-F238E27FC236}">
-                  <a16:creationId xmlns:a16="http://schemas.microsoft.com/office/drawing/2014/main" id="{EFB2C063-5C64-7717-7CF4-F13A7821C2FA}"/>
-                </a:ext>
-              </a:extLst>
-            </p:cNvPr>
-            <p:cNvSpPr/>
-            <p:nvPr/>
-          </p:nvSpPr>
-          <p:spPr>
-            <a:xfrm>
-              <a:off x="4632022" y="3886762"/>
-              <a:ext cx="171374" cy="171374"/>
-            </a:xfrm>
-            <a:prstGeom prst="ellipse">
-              <a:avLst/>
-            </a:prstGeom>
-            <a:solidFill>
-              <a:schemeClr val="bg1"/>
-            </a:solidFill>
-            <a:ln w="19050">
-              <a:solidFill>
-                <a:schemeClr val="tx1"/>
-              </a:solidFill>
-            </a:ln>
-          </p:spPr>
-          <p:style>
-            <a:lnRef idx="2">
-              <a:schemeClr val="accent1">
-                <a:shade val="50000"/>
-              </a:schemeClr>
-            </a:lnRef>
-            <a:fillRef idx="1">
-              <a:schemeClr val="accent1"/>
-            </a:fillRef>
-            <a:effectRef idx="0">
-              <a:schemeClr val="accent1"/>
-            </a:effectRef>
-            <a:fontRef idx="minor">
-              <a:schemeClr val="lt1"/>
-            </a:fontRef>
-          </p:style>
-          <p:txBody>
-            <a:bodyPr rtlCol="0" anchor="ctr"/>
-            <a:lstStyle/>
-            <a:p>
-              <a:pPr algn="ctr"/>
-              <a:endParaRPr lang="en-GB"/>
-            </a:p>
-          </p:txBody>
-        </p:sp>
-        <p:sp>
-          <p:nvSpPr>
-            <p:cNvPr id="84" name="Rectangle 83">
-              <a:extLst>
-                <a:ext uri="{FF2B5EF4-FFF2-40B4-BE49-F238E27FC236}">
-                  <a16:creationId xmlns:a16="http://schemas.microsoft.com/office/drawing/2014/main" id="{DC2D66E4-746D-C29C-9C6E-03E99FEE3A62}"/>
-                </a:ext>
-              </a:extLst>
-            </p:cNvPr>
-            <p:cNvSpPr/>
-            <p:nvPr/>
-          </p:nvSpPr>
-          <p:spPr>
-            <a:xfrm rot="17820000">
-              <a:off x="4959075" y="4081501"/>
-              <a:ext cx="823899" cy="546311"/>
-            </a:xfrm>
-            <a:prstGeom prst="rect">
-              <a:avLst/>
-            </a:prstGeom>
-            <a:solidFill>
-              <a:schemeClr val="accent4">
-                <a:lumMod val="60000"/>
-                <a:lumOff val="40000"/>
-              </a:schemeClr>
-            </a:solidFill>
-            <a:ln w="25400">
-              <a:solidFill>
-                <a:schemeClr val="tx1"/>
-              </a:solidFill>
-            </a:ln>
-          </p:spPr>
-          <p:style>
-            <a:lnRef idx="2">
-              <a:schemeClr val="accent1">
-                <a:shade val="50000"/>
-              </a:schemeClr>
-            </a:lnRef>
-            <a:fillRef idx="1">
-              <a:schemeClr val="accent1"/>
-            </a:fillRef>
-            <a:effectRef idx="0">
-              <a:schemeClr val="accent1"/>
-            </a:effectRef>
-            <a:fontRef idx="minor">
-              <a:schemeClr val="lt1"/>
-            </a:fontRef>
-          </p:style>
-          <p:txBody>
-            <a:bodyPr rtlCol="0" anchor="ctr"/>
-            <a:lstStyle/>
-            <a:p>
-              <a:pPr algn="ctr"/>
-              <a:r>
-                <a:rPr lang="fr-FR" sz="900" cap="all" dirty="0">
-                  <a:solidFill>
-                    <a:schemeClr val="tx1"/>
-                  </a:solidFill>
-                </a:rPr>
-                <a:t>Repository (Adapter)</a:t>
-              </a:r>
-              <a:endParaRPr lang="en-GB" sz="900" cap="all" dirty="0">
-                <a:solidFill>
-                  <a:schemeClr val="tx1"/>
-                </a:solidFill>
-              </a:endParaRPr>
-            </a:p>
-          </p:txBody>
-        </p:sp>
-        <p:cxnSp>
-          <p:nvCxnSpPr>
-            <p:cNvPr id="94" name="Straight Arrow Connector 93">
-              <a:extLst>
-                <a:ext uri="{FF2B5EF4-FFF2-40B4-BE49-F238E27FC236}">
-                  <a16:creationId xmlns:a16="http://schemas.microsoft.com/office/drawing/2014/main" id="{6264A4D3-64FF-9EDF-3633-89AB523BA0D2}"/>
-                </a:ext>
-              </a:extLst>
-            </p:cNvPr>
-            <p:cNvCxnSpPr>
-              <a:cxnSpLocks/>
-              <a:stCxn id="64" idx="3"/>
-              <a:endCxn id="86" idx="2"/>
-            </p:cNvCxnSpPr>
-            <p:nvPr/>
-          </p:nvCxnSpPr>
-          <p:spPr>
-            <a:xfrm>
-              <a:off x="4085884" y="3796667"/>
-              <a:ext cx="546138" cy="175782"/>
-            </a:xfrm>
-            <a:prstGeom prst="straightConnector1">
-              <a:avLst/>
-            </a:prstGeom>
-            <a:ln w="9525">
-              <a:solidFill>
-                <a:schemeClr val="tx1"/>
-              </a:solidFill>
-              <a:prstDash val="dash"/>
-              <a:tailEnd type="triangle"/>
-            </a:ln>
-          </p:spPr>
-          <p:style>
-            <a:lnRef idx="1">
-              <a:schemeClr val="accent1"/>
-            </a:lnRef>
-            <a:fillRef idx="0">
-              <a:schemeClr val="accent1"/>
-            </a:fillRef>
-            <a:effectRef idx="0">
-              <a:schemeClr val="accent1"/>
-            </a:effectRef>
-            <a:fontRef idx="minor">
-              <a:schemeClr val="tx1"/>
-            </a:fontRef>
-          </p:style>
-        </p:cxnSp>
-        <p:sp>
-          <p:nvSpPr>
-            <p:cNvPr id="100" name="Diamond 99">
-              <a:extLst>
-                <a:ext uri="{FF2B5EF4-FFF2-40B4-BE49-F238E27FC236}">
-                  <a16:creationId xmlns:a16="http://schemas.microsoft.com/office/drawing/2014/main" id="{6CA5F1AF-7106-D0E4-AB41-41734719A651}"/>
-                </a:ext>
-              </a:extLst>
-            </p:cNvPr>
-            <p:cNvSpPr/>
-            <p:nvPr/>
-          </p:nvSpPr>
-          <p:spPr>
-            <a:xfrm>
-              <a:off x="3332536" y="3640001"/>
-              <a:ext cx="167131" cy="167131"/>
-            </a:xfrm>
-            <a:prstGeom prst="diamond">
-              <a:avLst/>
-            </a:prstGeom>
-            <a:solidFill>
-              <a:schemeClr val="tx1"/>
-            </a:solidFill>
-            <a:ln>
-              <a:solidFill>
-                <a:schemeClr val="tx1"/>
-              </a:solidFill>
-            </a:ln>
-          </p:spPr>
-          <p:style>
-            <a:lnRef idx="2">
-              <a:schemeClr val="accent1">
-                <a:shade val="50000"/>
-              </a:schemeClr>
-            </a:lnRef>
-            <a:fillRef idx="1">
-              <a:schemeClr val="accent1"/>
-            </a:fillRef>
-            <a:effectRef idx="0">
-              <a:schemeClr val="accent1"/>
-            </a:effectRef>
-            <a:fontRef idx="minor">
-              <a:schemeClr val="lt1"/>
-            </a:fontRef>
-          </p:style>
-          <p:txBody>
-            <a:bodyPr rtlCol="0" anchor="ctr"/>
-            <a:lstStyle/>
-            <a:p>
-              <a:pPr algn="ctr"/>
-              <a:endParaRPr lang="en-GB"/>
-            </a:p>
-          </p:txBody>
-        </p:sp>
-        <p:sp>
-          <p:nvSpPr>
-            <p:cNvPr id="102" name="Flowchart: Magnetic Disk 101">
-              <a:extLst>
-                <a:ext uri="{FF2B5EF4-FFF2-40B4-BE49-F238E27FC236}">
-                  <a16:creationId xmlns:a16="http://schemas.microsoft.com/office/drawing/2014/main" id="{8809B9B3-2ABA-7002-C465-823660F01F15}"/>
-                </a:ext>
-              </a:extLst>
-            </p:cNvPr>
-            <p:cNvSpPr/>
-            <p:nvPr/>
-          </p:nvSpPr>
-          <p:spPr>
-            <a:xfrm>
-              <a:off x="6449037" y="4738570"/>
-              <a:ext cx="504521" cy="707978"/>
-            </a:xfrm>
-            <a:prstGeom prst="flowChartMagneticDisk">
-              <a:avLst/>
-            </a:prstGeom>
-            <a:solidFill>
-              <a:srgbClr val="DFC9EF"/>
-            </a:solidFill>
-            <a:ln w="25400">
-              <a:solidFill>
-                <a:srgbClr val="7030A0"/>
-              </a:solidFill>
-            </a:ln>
-          </p:spPr>
-          <p:style>
-            <a:lnRef idx="2">
-              <a:schemeClr val="accent1">
-                <a:shade val="50000"/>
-              </a:schemeClr>
-            </a:lnRef>
-            <a:fillRef idx="1">
-              <a:schemeClr val="accent1"/>
-            </a:fillRef>
-            <a:effectRef idx="0">
-              <a:schemeClr val="accent1"/>
-            </a:effectRef>
-            <a:fontRef idx="minor">
-              <a:schemeClr val="lt1"/>
-            </a:fontRef>
-          </p:style>
-          <p:txBody>
-            <a:bodyPr rtlCol="0" anchor="ctr"/>
-            <a:lstStyle/>
-            <a:p>
-              <a:pPr algn="ctr"/>
-              <a:r>
-                <a:rPr lang="fr-FR" sz="1400" b="1" cap="all" dirty="0" err="1">
-                  <a:solidFill>
-                    <a:schemeClr val="tx1"/>
-                  </a:solidFill>
-                  <a:latin typeface="Alte Haas Grotesk" panose="02000503000000020004" pitchFamily="2" charset="0"/>
-                </a:rPr>
-                <a:t>db</a:t>
-              </a:r>
-              <a:endParaRPr lang="fr-FR" sz="1400" b="1" cap="all" dirty="0">
-                <a:solidFill>
-                  <a:schemeClr val="tx1"/>
-                </a:solidFill>
-                <a:latin typeface="Alte Haas Grotesk" panose="02000503000000020004" pitchFamily="2" charset="0"/>
-              </a:endParaRPr>
-            </a:p>
-          </p:txBody>
-        </p:sp>
-        <p:cxnSp>
-          <p:nvCxnSpPr>
-            <p:cNvPr id="103" name="Straight Arrow Connector 102">
-              <a:extLst>
-                <a:ext uri="{FF2B5EF4-FFF2-40B4-BE49-F238E27FC236}">
-                  <a16:creationId xmlns:a16="http://schemas.microsoft.com/office/drawing/2014/main" id="{9DC579C9-2B02-64AB-2FBD-5421A8699E3D}"/>
-                </a:ext>
-              </a:extLst>
-            </p:cNvPr>
-            <p:cNvCxnSpPr>
-              <a:cxnSpLocks/>
-              <a:stCxn id="84" idx="2"/>
-              <a:endCxn id="102" idx="2"/>
-            </p:cNvCxnSpPr>
-            <p:nvPr/>
-          </p:nvCxnSpPr>
-          <p:spPr>
-            <a:xfrm>
-              <a:off x="5614408" y="4478666"/>
-              <a:ext cx="834629" cy="613893"/>
-            </a:xfrm>
-            <a:prstGeom prst="straightConnector1">
-              <a:avLst/>
-            </a:prstGeom>
-            <a:ln w="19050">
-              <a:solidFill>
-                <a:schemeClr val="tx1"/>
-              </a:solidFill>
-              <a:prstDash val="solid"/>
-              <a:tailEnd type="triangle"/>
-            </a:ln>
-          </p:spPr>
-          <p:style>
-            <a:lnRef idx="1">
-              <a:schemeClr val="accent1"/>
-            </a:lnRef>
-            <a:fillRef idx="0">
-              <a:schemeClr val="accent1"/>
-            </a:fillRef>
-            <a:effectRef idx="0">
-              <a:schemeClr val="accent1"/>
-            </a:effectRef>
-            <a:fontRef idx="minor">
-              <a:schemeClr val="tx1"/>
-            </a:fontRef>
-          </p:style>
-        </p:cxnSp>
-        <p:sp>
-          <p:nvSpPr>
-            <p:cNvPr id="109" name="TextBox 108">
-              <a:extLst>
-                <a:ext uri="{FF2B5EF4-FFF2-40B4-BE49-F238E27FC236}">
-                  <a16:creationId xmlns:a16="http://schemas.microsoft.com/office/drawing/2014/main" id="{35FD09CB-1EA0-C721-B9D5-8B0814D9365D}"/>
-                </a:ext>
-              </a:extLst>
-            </p:cNvPr>
-            <p:cNvSpPr txBox="1"/>
-            <p:nvPr/>
-          </p:nvSpPr>
-          <p:spPr>
-            <a:xfrm>
-              <a:off x="2047278" y="4991066"/>
-              <a:ext cx="3338271" cy="369332"/>
-            </a:xfrm>
-            <a:prstGeom prst="rect">
-              <a:avLst/>
-            </a:prstGeom>
-            <a:noFill/>
-          </p:spPr>
-          <p:txBody>
-            <a:bodyPr wrap="square" rtlCol="0">
-              <a:spAutoFit/>
-            </a:bodyPr>
-            <a:lstStyle/>
-            <a:p>
-              <a:pPr algn="ctr"/>
-              <a:r>
-                <a:rPr lang="en-GB" b="1" cap="all" dirty="0">
-                  <a:solidFill>
-                    <a:srgbClr val="C00000"/>
-                  </a:solidFill>
-                  <a:latin typeface="Alte Haas Grotesk" panose="02000503000000020004" pitchFamily="2" charset="0"/>
-                </a:rPr>
-                <a:t>Seat </a:t>
-              </a:r>
-              <a:r>
-                <a:rPr lang="en-GB" b="1" cap="all" dirty="0" err="1">
-                  <a:solidFill>
-                    <a:srgbClr val="C00000"/>
-                  </a:solidFill>
-                  <a:latin typeface="Alte Haas Grotesk" panose="02000503000000020004" pitchFamily="2" charset="0"/>
-                </a:rPr>
-                <a:t>SuggestionS</a:t>
-              </a:r>
-              <a:r>
-                <a:rPr lang="en-GB" b="1" cap="all" dirty="0">
-                  <a:solidFill>
-                    <a:srgbClr val="C00000"/>
-                  </a:solidFill>
-                  <a:latin typeface="Alte Haas Grotesk" panose="02000503000000020004" pitchFamily="2" charset="0"/>
-                </a:rPr>
-                <a:t> API</a:t>
-              </a:r>
-            </a:p>
-          </p:txBody>
-        </p:sp>
-        <p:sp>
-          <p:nvSpPr>
-            <p:cNvPr id="216" name="Rectangle 215">
-              <a:extLst>
-                <a:ext uri="{FF2B5EF4-FFF2-40B4-BE49-F238E27FC236}">
-                  <a16:creationId xmlns:a16="http://schemas.microsoft.com/office/drawing/2014/main" id="{B4EA41F1-A440-2F90-8DE8-61CF29EE04C4}"/>
-                </a:ext>
-              </a:extLst>
-            </p:cNvPr>
-            <p:cNvSpPr/>
-            <p:nvPr/>
-          </p:nvSpPr>
-          <p:spPr>
-            <a:xfrm rot="17820000">
-              <a:off x="5411476" y="3179914"/>
-              <a:ext cx="824437" cy="546311"/>
-            </a:xfrm>
-            <a:prstGeom prst="rect">
-              <a:avLst/>
-            </a:prstGeom>
-            <a:solidFill>
-              <a:srgbClr val="FFD966"/>
-            </a:solidFill>
-            <a:ln w="25400">
-              <a:solidFill>
-                <a:schemeClr val="tx1"/>
-              </a:solidFill>
-            </a:ln>
-          </p:spPr>
-          <p:style>
-            <a:lnRef idx="2">
-              <a:schemeClr val="accent1">
-                <a:shade val="50000"/>
-              </a:schemeClr>
-            </a:lnRef>
-            <a:fillRef idx="1">
-              <a:schemeClr val="accent1"/>
-            </a:fillRef>
-            <a:effectRef idx="0">
-              <a:schemeClr val="accent1"/>
-            </a:effectRef>
-            <a:fontRef idx="minor">
-              <a:schemeClr val="lt1"/>
-            </a:fontRef>
-          </p:style>
-          <p:txBody>
-            <a:bodyPr rtlCol="0" anchor="ctr"/>
-            <a:lstStyle/>
-            <a:p>
-              <a:pPr algn="ctr"/>
-              <a:r>
-                <a:rPr lang="fr-FR" sz="900" cap="all" dirty="0">
-                  <a:solidFill>
-                    <a:schemeClr val="tx1"/>
-                  </a:solidFill>
-                </a:rPr>
-                <a:t>Auditorium </a:t>
-              </a:r>
-              <a:r>
-                <a:rPr lang="fr-FR" sz="900" cap="all" dirty="0" err="1">
-                  <a:solidFill>
-                    <a:schemeClr val="tx1"/>
-                  </a:solidFill>
-                </a:rPr>
-                <a:t>seating</a:t>
-              </a:r>
-              <a:r>
-                <a:rPr lang="fr-FR" sz="900" cap="all" dirty="0">
-                  <a:solidFill>
-                    <a:schemeClr val="tx1"/>
-                  </a:solidFill>
-                </a:rPr>
-                <a:t> web Adapter</a:t>
-              </a:r>
-              <a:endParaRPr lang="en-GB" sz="900" cap="all" dirty="0">
-                <a:solidFill>
-                  <a:schemeClr val="tx1"/>
-                </a:solidFill>
-              </a:endParaRPr>
-            </a:p>
-          </p:txBody>
-        </p:sp>
-        <p:cxnSp>
-          <p:nvCxnSpPr>
-            <p:cNvPr id="159" name="Straight Arrow Connector 158">
-              <a:extLst>
-                <a:ext uri="{FF2B5EF4-FFF2-40B4-BE49-F238E27FC236}">
-                  <a16:creationId xmlns:a16="http://schemas.microsoft.com/office/drawing/2014/main" id="{482C9FBF-083C-E03A-1E91-7D0E1A3E8928}"/>
-                </a:ext>
-              </a:extLst>
-            </p:cNvPr>
-            <p:cNvCxnSpPr>
-              <a:cxnSpLocks/>
-              <a:stCxn id="160" idx="2"/>
-            </p:cNvCxnSpPr>
-            <p:nvPr/>
-          </p:nvCxnSpPr>
-          <p:spPr>
-            <a:xfrm>
-              <a:off x="2082406" y="2316045"/>
-              <a:ext cx="400567" cy="303239"/>
-            </a:xfrm>
-            <a:prstGeom prst="straightConnector1">
-              <a:avLst/>
-            </a:prstGeom>
-            <a:ln w="38100">
-              <a:solidFill>
-                <a:srgbClr val="C00000"/>
-              </a:solidFill>
-              <a:prstDash val="sysDash"/>
-              <a:tailEnd type="triangle"/>
-            </a:ln>
-          </p:spPr>
-          <p:style>
-            <a:lnRef idx="1">
-              <a:schemeClr val="accent1"/>
-            </a:lnRef>
-            <a:fillRef idx="0">
-              <a:schemeClr val="accent1"/>
-            </a:fillRef>
-            <a:effectRef idx="0">
-              <a:schemeClr val="accent1"/>
-            </a:effectRef>
-            <a:fontRef idx="minor">
-              <a:schemeClr val="tx1"/>
-            </a:fontRef>
-          </p:style>
-        </p:cxnSp>
-        <p:sp>
-          <p:nvSpPr>
-            <p:cNvPr id="160" name="Rectangle 159">
-              <a:extLst>
-                <a:ext uri="{FF2B5EF4-FFF2-40B4-BE49-F238E27FC236}">
-                  <a16:creationId xmlns:a16="http://schemas.microsoft.com/office/drawing/2014/main" id="{E6B81530-3AF7-F7F1-E6D2-30E2FCEF1862}"/>
-                </a:ext>
-              </a:extLst>
-            </p:cNvPr>
-            <p:cNvSpPr/>
-            <p:nvPr/>
-          </p:nvSpPr>
-          <p:spPr>
-            <a:xfrm rot="17798078">
-              <a:off x="1343693" y="1999023"/>
-              <a:ext cx="1086095" cy="437786"/>
-            </a:xfrm>
-            <a:prstGeom prst="rect">
-              <a:avLst/>
-            </a:prstGeom>
-            <a:solidFill>
-              <a:schemeClr val="accent4">
-                <a:lumMod val="60000"/>
-                <a:lumOff val="40000"/>
-              </a:schemeClr>
-            </a:solidFill>
-            <a:ln w="25400">
-              <a:solidFill>
-                <a:schemeClr val="tx1"/>
-              </a:solidFill>
-            </a:ln>
-          </p:spPr>
-          <p:style>
-            <a:lnRef idx="2">
-              <a:schemeClr val="accent1">
-                <a:shade val="50000"/>
-              </a:schemeClr>
-            </a:lnRef>
-            <a:fillRef idx="1">
-              <a:schemeClr val="accent1"/>
-            </a:fillRef>
-            <a:effectRef idx="0">
-              <a:schemeClr val="accent1"/>
-            </a:effectRef>
-            <a:fontRef idx="minor">
-              <a:schemeClr val="lt1"/>
-            </a:fontRef>
-          </p:style>
-          <p:txBody>
-            <a:bodyPr rtlCol="0" anchor="ctr"/>
-            <a:lstStyle/>
-            <a:p>
-              <a:pPr algn="ctr"/>
-              <a:r>
-                <a:rPr lang="fr-FR" sz="900" cap="all" dirty="0" err="1">
-                  <a:solidFill>
-                    <a:schemeClr val="tx1"/>
-                  </a:solidFill>
-                </a:rPr>
-                <a:t>WebController</a:t>
-              </a:r>
-              <a:r>
-                <a:rPr lang="fr-FR" sz="900" cap="all" dirty="0">
-                  <a:solidFill>
-                    <a:schemeClr val="tx1"/>
-                  </a:solidFill>
-                </a:rPr>
-                <a:t> (Adapter)</a:t>
-              </a:r>
-              <a:endParaRPr lang="en-GB" sz="900" cap="all" dirty="0">
-                <a:solidFill>
-                  <a:schemeClr val="tx1"/>
-                </a:solidFill>
-              </a:endParaRPr>
-            </a:p>
-          </p:txBody>
-        </p:sp>
-        <p:sp>
-          <p:nvSpPr>
-            <p:cNvPr id="161" name="TextBox 160">
-              <a:extLst>
-                <a:ext uri="{FF2B5EF4-FFF2-40B4-BE49-F238E27FC236}">
-                  <a16:creationId xmlns:a16="http://schemas.microsoft.com/office/drawing/2014/main" id="{7F5086DF-C070-E37B-B057-56181D96B9DE}"/>
-                </a:ext>
-              </a:extLst>
-            </p:cNvPr>
-            <p:cNvSpPr txBox="1"/>
-            <p:nvPr/>
-          </p:nvSpPr>
-          <p:spPr>
-            <a:xfrm>
-              <a:off x="2078667" y="2152354"/>
-              <a:ext cx="618793" cy="215444"/>
-            </a:xfrm>
-            <a:prstGeom prst="rect">
-              <a:avLst/>
-            </a:prstGeom>
-            <a:noFill/>
-          </p:spPr>
-          <p:txBody>
-            <a:bodyPr wrap="square" rtlCol="0">
-              <a:spAutoFit/>
-            </a:bodyPr>
-            <a:lstStyle/>
-            <a:p>
-              <a:r>
-                <a:rPr lang="fr-FR" sz="800" b="1" dirty="0">
-                  <a:solidFill>
-                    <a:srgbClr val="C00000"/>
-                  </a:solidFill>
-                  <a:latin typeface="Alte Haas Grotesk" panose="02000503000000020004" pitchFamily="2" charset="0"/>
-                </a:rPr>
-                <a:t>(in proc)</a:t>
-              </a:r>
-              <a:endParaRPr lang="en-GB" sz="800" b="1" dirty="0">
-                <a:solidFill>
-                  <a:srgbClr val="C00000"/>
-                </a:solidFill>
-                <a:latin typeface="Alte Haas Grotesk" panose="02000503000000020004" pitchFamily="2" charset="0"/>
-              </a:endParaRPr>
-            </a:p>
-          </p:txBody>
-        </p:sp>
-        <p:sp>
-          <p:nvSpPr>
-            <p:cNvPr id="134" name="TextBox 133">
-              <a:extLst>
-                <a:ext uri="{FF2B5EF4-FFF2-40B4-BE49-F238E27FC236}">
-                  <a16:creationId xmlns:a16="http://schemas.microsoft.com/office/drawing/2014/main" id="{CCB73EF0-935D-80FD-0DA6-10CCD5AA72D7}"/>
-                </a:ext>
-              </a:extLst>
-            </p:cNvPr>
-            <p:cNvSpPr txBox="1"/>
-            <p:nvPr/>
-          </p:nvSpPr>
-          <p:spPr>
-            <a:xfrm>
-              <a:off x="6600880" y="3691716"/>
-              <a:ext cx="487634" cy="230832"/>
-            </a:xfrm>
-            <a:prstGeom prst="rect">
-              <a:avLst/>
-            </a:prstGeom>
-            <a:solidFill>
-              <a:srgbClr val="FBE5D6"/>
-            </a:solidFill>
-          </p:spPr>
-          <p:txBody>
-            <a:bodyPr wrap="none" rtlCol="0">
-              <a:spAutoFit/>
-            </a:bodyPr>
-            <a:lstStyle/>
-            <a:p>
-              <a:r>
-                <a:rPr lang="fr-FR" sz="900" b="1" dirty="0">
-                  <a:latin typeface="Alte Haas Grotesk" panose="02000503000000020004" pitchFamily="2" charset="0"/>
-                </a:rPr>
-                <a:t>HTTP</a:t>
-              </a:r>
-              <a:endParaRPr lang="en-GB" sz="900" b="1" dirty="0">
-                <a:latin typeface="Alte Haas Grotesk" panose="02000503000000020004" pitchFamily="2" charset="0"/>
-              </a:endParaRPr>
-            </a:p>
-          </p:txBody>
-        </p:sp>
-      </p:grpSp>
-    </p:spTree>
-    <p:extLst>
-      <p:ext uri="{BB962C8B-B14F-4D97-AF65-F5344CB8AC3E}">
-        <p14:creationId xmlns:p14="http://schemas.microsoft.com/office/powerpoint/2010/main" val="287874265"/>
-      </p:ext>
-    </p:extLst>
-  </p:cSld>
-  <p:clrMapOvr>
-    <a:masterClrMapping/>
-  </p:clrMapOvr>
-</p:sld>
-</file>
-
-<file path=ppt/slides/slide7.xml><?xml version="1.0" encoding="utf-8"?>
-<p:sld xmlns:a="http://schemas.openxmlformats.org/drawingml/2006/main" xmlns:r="http://schemas.openxmlformats.org/officeDocument/2006/relationships" xmlns:p="http://schemas.openxmlformats.org/presentationml/2006/main">
-  <p:cSld>
-    <p:bg>
-      <p:bgPr>
-        <a:solidFill>
-          <a:schemeClr val="bg1"/>
-        </a:solidFill>
-        <a:effectLst/>
-      </p:bgPr>
-    </p:bg>
-    <p:spTree>
-      <p:nvGrpSpPr>
-        <p:cNvPr id="1" name=""/>
-        <p:cNvGrpSpPr/>
-        <p:nvPr/>
-      </p:nvGrpSpPr>
-      <p:grpSpPr>
-        <a:xfrm>
-          <a:off x="0" y="0"/>
-          <a:ext cx="0" cy="0"/>
-          <a:chOff x="0" y="0"/>
-          <a:chExt cx="0" cy="0"/>
-        </a:xfrm>
-      </p:grpSpPr>
-      <p:sp>
-        <p:nvSpPr>
-          <p:cNvPr id="28" name="Freeform: Shape 27">
-            <a:extLst>
-              <a:ext uri="{FF2B5EF4-FFF2-40B4-BE49-F238E27FC236}">
-                <a16:creationId xmlns:a16="http://schemas.microsoft.com/office/drawing/2014/main" id="{C5604B79-1AA4-FE2D-2E58-FFA99C7505FC}"/>
-              </a:ext>
-            </a:extLst>
-          </p:cNvPr>
-          <p:cNvSpPr/>
-          <p:nvPr/>
-        </p:nvSpPr>
-        <p:spPr>
-          <a:xfrm rot="5400000">
-            <a:off x="2962221" y="3802758"/>
-            <a:ext cx="583793" cy="3153925"/>
-          </a:xfrm>
-          <a:custGeom>
-            <a:avLst/>
-            <a:gdLst>
-              <a:gd name="connsiteX0" fmla="*/ 297741 w 583793"/>
-              <a:gd name="connsiteY0" fmla="*/ 4133088 h 4133088"/>
-              <a:gd name="connsiteX1" fmla="*/ 297741 w 583793"/>
-              <a:gd name="connsiteY1" fmla="*/ 3883152 h 4133088"/>
-              <a:gd name="connsiteX2" fmla="*/ 578157 w 583793"/>
-              <a:gd name="connsiteY2" fmla="*/ 3700272 h 4133088"/>
-              <a:gd name="connsiteX3" fmla="*/ 5133 w 583793"/>
-              <a:gd name="connsiteY3" fmla="*/ 3523488 h 4133088"/>
-              <a:gd name="connsiteX4" fmla="*/ 572061 w 583793"/>
-              <a:gd name="connsiteY4" fmla="*/ 3328416 h 4133088"/>
-              <a:gd name="connsiteX5" fmla="*/ 17325 w 583793"/>
-              <a:gd name="connsiteY5" fmla="*/ 3157728 h 4133088"/>
-              <a:gd name="connsiteX6" fmla="*/ 559869 w 583793"/>
-              <a:gd name="connsiteY6" fmla="*/ 2974848 h 4133088"/>
-              <a:gd name="connsiteX7" fmla="*/ 17325 w 583793"/>
-              <a:gd name="connsiteY7" fmla="*/ 2798064 h 4133088"/>
-              <a:gd name="connsiteX8" fmla="*/ 578157 w 583793"/>
-              <a:gd name="connsiteY8" fmla="*/ 2609088 h 4133088"/>
-              <a:gd name="connsiteX9" fmla="*/ 17325 w 583793"/>
-              <a:gd name="connsiteY9" fmla="*/ 2426208 h 4133088"/>
-              <a:gd name="connsiteX10" fmla="*/ 565965 w 583793"/>
-              <a:gd name="connsiteY10" fmla="*/ 2243328 h 4133088"/>
-              <a:gd name="connsiteX11" fmla="*/ 17325 w 583793"/>
-              <a:gd name="connsiteY11" fmla="*/ 2072640 h 4133088"/>
-              <a:gd name="connsiteX12" fmla="*/ 565965 w 583793"/>
-              <a:gd name="connsiteY12" fmla="*/ 1883664 h 4133088"/>
-              <a:gd name="connsiteX13" fmla="*/ 17325 w 583793"/>
-              <a:gd name="connsiteY13" fmla="*/ 1706880 h 4133088"/>
-              <a:gd name="connsiteX14" fmla="*/ 565965 w 583793"/>
-              <a:gd name="connsiteY14" fmla="*/ 1524000 h 4133088"/>
-              <a:gd name="connsiteX15" fmla="*/ 17325 w 583793"/>
-              <a:gd name="connsiteY15" fmla="*/ 1341120 h 4133088"/>
-              <a:gd name="connsiteX16" fmla="*/ 565965 w 583793"/>
-              <a:gd name="connsiteY16" fmla="*/ 1158240 h 4133088"/>
-              <a:gd name="connsiteX17" fmla="*/ 17325 w 583793"/>
-              <a:gd name="connsiteY17" fmla="*/ 975360 h 4133088"/>
-              <a:gd name="connsiteX18" fmla="*/ 565965 w 583793"/>
-              <a:gd name="connsiteY18" fmla="*/ 798576 h 4133088"/>
-              <a:gd name="connsiteX19" fmla="*/ 17325 w 583793"/>
-              <a:gd name="connsiteY19" fmla="*/ 615696 h 4133088"/>
-              <a:gd name="connsiteX20" fmla="*/ 572061 w 583793"/>
-              <a:gd name="connsiteY20" fmla="*/ 438912 h 4133088"/>
-              <a:gd name="connsiteX21" fmla="*/ 5133 w 583793"/>
-              <a:gd name="connsiteY21" fmla="*/ 256032 h 4133088"/>
-              <a:gd name="connsiteX22" fmla="*/ 291645 w 583793"/>
-              <a:gd name="connsiteY22" fmla="*/ 231648 h 4133088"/>
-              <a:gd name="connsiteX23" fmla="*/ 285549 w 583793"/>
-              <a:gd name="connsiteY23" fmla="*/ 0 h 4133088"/>
-            </a:gdLst>
-            <a:ahLst/>
-            <a:cxnLst>
-              <a:cxn ang="0">
-                <a:pos x="connsiteX0" y="connsiteY0"/>
-              </a:cxn>
-              <a:cxn ang="0">
-                <a:pos x="connsiteX1" y="connsiteY1"/>
-              </a:cxn>
-              <a:cxn ang="0">
-                <a:pos x="connsiteX2" y="connsiteY2"/>
-              </a:cxn>
-              <a:cxn ang="0">
-                <a:pos x="connsiteX3" y="connsiteY3"/>
-              </a:cxn>
-              <a:cxn ang="0">
-                <a:pos x="connsiteX4" y="connsiteY4"/>
-              </a:cxn>
-              <a:cxn ang="0">
-                <a:pos x="connsiteX5" y="connsiteY5"/>
-              </a:cxn>
-              <a:cxn ang="0">
-                <a:pos x="connsiteX6" y="connsiteY6"/>
-              </a:cxn>
-              <a:cxn ang="0">
-                <a:pos x="connsiteX7" y="connsiteY7"/>
-              </a:cxn>
-              <a:cxn ang="0">
-                <a:pos x="connsiteX8" y="connsiteY8"/>
-              </a:cxn>
-              <a:cxn ang="0">
-                <a:pos x="connsiteX9" y="connsiteY9"/>
-              </a:cxn>
-              <a:cxn ang="0">
-                <a:pos x="connsiteX10" y="connsiteY10"/>
-              </a:cxn>
-              <a:cxn ang="0">
-                <a:pos x="connsiteX11" y="connsiteY11"/>
-              </a:cxn>
-              <a:cxn ang="0">
-                <a:pos x="connsiteX12" y="connsiteY12"/>
-              </a:cxn>
-              <a:cxn ang="0">
-                <a:pos x="connsiteX13" y="connsiteY13"/>
-              </a:cxn>
-              <a:cxn ang="0">
-                <a:pos x="connsiteX14" y="connsiteY14"/>
-              </a:cxn>
-              <a:cxn ang="0">
-                <a:pos x="connsiteX15" y="connsiteY15"/>
-              </a:cxn>
-              <a:cxn ang="0">
-                <a:pos x="connsiteX16" y="connsiteY16"/>
-              </a:cxn>
-              <a:cxn ang="0">
-                <a:pos x="connsiteX17" y="connsiteY17"/>
-              </a:cxn>
-              <a:cxn ang="0">
-                <a:pos x="connsiteX18" y="connsiteY18"/>
-              </a:cxn>
-              <a:cxn ang="0">
-                <a:pos x="connsiteX19" y="connsiteY19"/>
-              </a:cxn>
-              <a:cxn ang="0">
-                <a:pos x="connsiteX20" y="connsiteY20"/>
-              </a:cxn>
-              <a:cxn ang="0">
-                <a:pos x="connsiteX21" y="connsiteY21"/>
-              </a:cxn>
-              <a:cxn ang="0">
-                <a:pos x="connsiteX22" y="connsiteY22"/>
-              </a:cxn>
-              <a:cxn ang="0">
-                <a:pos x="connsiteX23" y="connsiteY23"/>
-              </a:cxn>
-            </a:cxnLst>
-            <a:rect l="l" t="t" r="r" b="b"/>
-            <a:pathLst>
-              <a:path w="583793" h="4133088">
-                <a:moveTo>
-                  <a:pt x="297741" y="4133088"/>
-                </a:moveTo>
-                <a:cubicBezTo>
-                  <a:pt x="274373" y="4044188"/>
-                  <a:pt x="251005" y="3955288"/>
-                  <a:pt x="297741" y="3883152"/>
-                </a:cubicBezTo>
-                <a:cubicBezTo>
-                  <a:pt x="344477" y="3811016"/>
-                  <a:pt x="626925" y="3760216"/>
-                  <a:pt x="578157" y="3700272"/>
-                </a:cubicBezTo>
-                <a:cubicBezTo>
-                  <a:pt x="529389" y="3640328"/>
-                  <a:pt x="6149" y="3585464"/>
-                  <a:pt x="5133" y="3523488"/>
-                </a:cubicBezTo>
-                <a:cubicBezTo>
-                  <a:pt x="4117" y="3461512"/>
-                  <a:pt x="570029" y="3389376"/>
-                  <a:pt x="572061" y="3328416"/>
-                </a:cubicBezTo>
-                <a:cubicBezTo>
-                  <a:pt x="574093" y="3267456"/>
-                  <a:pt x="19357" y="3216656"/>
-                  <a:pt x="17325" y="3157728"/>
-                </a:cubicBezTo>
-                <a:cubicBezTo>
-                  <a:pt x="15293" y="3098800"/>
-                  <a:pt x="559869" y="3034792"/>
-                  <a:pt x="559869" y="2974848"/>
-                </a:cubicBezTo>
-                <a:cubicBezTo>
-                  <a:pt x="559869" y="2914904"/>
-                  <a:pt x="14277" y="2859024"/>
-                  <a:pt x="17325" y="2798064"/>
-                </a:cubicBezTo>
-                <a:cubicBezTo>
-                  <a:pt x="20373" y="2737104"/>
-                  <a:pt x="578157" y="2671064"/>
-                  <a:pt x="578157" y="2609088"/>
-                </a:cubicBezTo>
-                <a:cubicBezTo>
-                  <a:pt x="578157" y="2547112"/>
-                  <a:pt x="19357" y="2487168"/>
-                  <a:pt x="17325" y="2426208"/>
-                </a:cubicBezTo>
-                <a:cubicBezTo>
-                  <a:pt x="15293" y="2365248"/>
-                  <a:pt x="565965" y="2302256"/>
-                  <a:pt x="565965" y="2243328"/>
-                </a:cubicBezTo>
-                <a:cubicBezTo>
-                  <a:pt x="565965" y="2184400"/>
-                  <a:pt x="17325" y="2132584"/>
-                  <a:pt x="17325" y="2072640"/>
-                </a:cubicBezTo>
-                <a:cubicBezTo>
-                  <a:pt x="17325" y="2012696"/>
-                  <a:pt x="565965" y="1944624"/>
-                  <a:pt x="565965" y="1883664"/>
-                </a:cubicBezTo>
-                <a:cubicBezTo>
-                  <a:pt x="565965" y="1822704"/>
-                  <a:pt x="17325" y="1766824"/>
-                  <a:pt x="17325" y="1706880"/>
-                </a:cubicBezTo>
-                <a:cubicBezTo>
-                  <a:pt x="17325" y="1646936"/>
-                  <a:pt x="565965" y="1584960"/>
-                  <a:pt x="565965" y="1524000"/>
-                </a:cubicBezTo>
-                <a:cubicBezTo>
-                  <a:pt x="565965" y="1463040"/>
-                  <a:pt x="17325" y="1402080"/>
-                  <a:pt x="17325" y="1341120"/>
-                </a:cubicBezTo>
-                <a:cubicBezTo>
-                  <a:pt x="17325" y="1280160"/>
-                  <a:pt x="565965" y="1219200"/>
-                  <a:pt x="565965" y="1158240"/>
-                </a:cubicBezTo>
-                <a:cubicBezTo>
-                  <a:pt x="565965" y="1097280"/>
-                  <a:pt x="17325" y="1035304"/>
-                  <a:pt x="17325" y="975360"/>
-                </a:cubicBezTo>
-                <a:cubicBezTo>
-                  <a:pt x="17325" y="915416"/>
-                  <a:pt x="565965" y="858520"/>
-                  <a:pt x="565965" y="798576"/>
-                </a:cubicBezTo>
-                <a:cubicBezTo>
-                  <a:pt x="565965" y="738632"/>
-                  <a:pt x="16309" y="675640"/>
-                  <a:pt x="17325" y="615696"/>
-                </a:cubicBezTo>
-                <a:cubicBezTo>
-                  <a:pt x="18341" y="555752"/>
-                  <a:pt x="574093" y="498856"/>
-                  <a:pt x="572061" y="438912"/>
-                </a:cubicBezTo>
-                <a:cubicBezTo>
-                  <a:pt x="570029" y="378968"/>
-                  <a:pt x="51869" y="290576"/>
-                  <a:pt x="5133" y="256032"/>
-                </a:cubicBezTo>
-                <a:cubicBezTo>
-                  <a:pt x="-41603" y="221488"/>
-                  <a:pt x="244909" y="274320"/>
-                  <a:pt x="291645" y="231648"/>
-                </a:cubicBezTo>
-                <a:cubicBezTo>
-                  <a:pt x="338381" y="188976"/>
-                  <a:pt x="311965" y="94488"/>
-                  <a:pt x="285549" y="0"/>
-                </a:cubicBezTo>
-              </a:path>
-            </a:pathLst>
-          </a:custGeom>
-          <a:noFill/>
-          <a:ln w="22225">
-            <a:solidFill>
-              <a:srgbClr val="C00000"/>
-            </a:solidFill>
-          </a:ln>
-          <a:scene3d>
-            <a:camera prst="orthographicFront"/>
-            <a:lightRig rig="sunset" dir="t"/>
-          </a:scene3d>
-        </p:spPr>
-        <p:style>
-          <a:lnRef idx="2">
-            <a:schemeClr val="accent1">
-              <a:shade val="50000"/>
-            </a:schemeClr>
-          </a:lnRef>
-          <a:fillRef idx="1">
-            <a:schemeClr val="accent1"/>
-          </a:fillRef>
-          <a:effectRef idx="0">
-            <a:schemeClr val="accent1"/>
-          </a:effectRef>
-          <a:fontRef idx="minor">
-            <a:schemeClr val="lt1"/>
-          </a:fontRef>
-        </p:style>
-        <p:txBody>
-          <a:bodyPr rtlCol="0" anchor="ctr"/>
-          <a:lstStyle/>
-          <a:p>
-            <a:pPr algn="ctr"/>
-            <a:endParaRPr lang="en-US"/>
-          </a:p>
-        </p:txBody>
-      </p:sp>
-      <p:pic>
-        <p:nvPicPr>
-          <p:cNvPr id="3" name="Picture 2">
-            <a:extLst>
-              <a:ext uri="{FF2B5EF4-FFF2-40B4-BE49-F238E27FC236}">
-                <a16:creationId xmlns:a16="http://schemas.microsoft.com/office/drawing/2014/main" id="{AFF1330A-D6D4-FC50-C0CC-B32A097E6036}"/>
-              </a:ext>
-            </a:extLst>
-          </p:cNvPr>
-          <p:cNvPicPr>
-            <a:picLocks noChangeAspect="1"/>
-          </p:cNvPicPr>
-          <p:nvPr/>
-        </p:nvPicPr>
-        <p:blipFill rotWithShape="1">
-          <a:blip r:embed="rId2"/>
-          <a:srcRect l="13756" t="20345" r="1649" b="35983"/>
-          <a:stretch/>
-        </p:blipFill>
-        <p:spPr>
-          <a:xfrm>
-            <a:off x="479950" y="572677"/>
-            <a:ext cx="10313741" cy="2856323"/>
-          </a:xfrm>
-          <a:prstGeom prst="rect">
-            <a:avLst/>
-          </a:prstGeom>
-        </p:spPr>
-      </p:pic>
-    </p:spTree>
-    <p:extLst>
-      <p:ext uri="{BB962C8B-B14F-4D97-AF65-F5344CB8AC3E}">
-        <p14:creationId xmlns:p14="http://schemas.microsoft.com/office/powerpoint/2010/main" val="4260936754"/>
       </p:ext>
     </p:extLst>
   </p:cSld>

--- a/HexagonalAndBeyond.pptx
+++ b/HexagonalAndBeyond.pptx
@@ -222,7 +222,7 @@
           <a:p>
             <a:fld id="{B9948A3C-6858-443B-89A4-B1C526E3FFA3}" type="datetimeFigureOut">
               <a:rPr lang="en-US" smtClean="0"/>
-              <a:t>06/06/2022</a:t>
+              <a:t>06/07/2022</a:t>
             </a:fld>
             <a:endParaRPr lang="en-US"/>
           </a:p>
@@ -898,7 +898,7 @@
           <a:p>
             <a:fld id="{DC0C38C1-EB25-493B-8E40-CB7D44766240}" type="datetimeFigureOut">
               <a:rPr lang="fr-FR" smtClean="0"/>
-              <a:t>06/06/2022</a:t>
+              <a:t>07/06/2022</a:t>
             </a:fld>
             <a:endParaRPr lang="fr-FR"/>
           </a:p>
@@ -1106,7 +1106,7 @@
           <a:p>
             <a:fld id="{DC0C38C1-EB25-493B-8E40-CB7D44766240}" type="datetimeFigureOut">
               <a:rPr lang="fr-FR" smtClean="0"/>
-              <a:t>06/06/2022</a:t>
+              <a:t>07/06/2022</a:t>
             </a:fld>
             <a:endParaRPr lang="fr-FR"/>
           </a:p>
@@ -1324,7 +1324,7 @@
           <a:p>
             <a:fld id="{DC0C38C1-EB25-493B-8E40-CB7D44766240}" type="datetimeFigureOut">
               <a:rPr lang="fr-FR" smtClean="0"/>
-              <a:t>06/06/2022</a:t>
+              <a:t>07/06/2022</a:t>
             </a:fld>
             <a:endParaRPr lang="fr-FR"/>
           </a:p>
@@ -1532,7 +1532,7 @@
           <a:p>
             <a:fld id="{DC0C38C1-EB25-493B-8E40-CB7D44766240}" type="datetimeFigureOut">
               <a:rPr lang="fr-FR" smtClean="0"/>
-              <a:t>06/06/2022</a:t>
+              <a:t>07/06/2022</a:t>
             </a:fld>
             <a:endParaRPr lang="fr-FR"/>
           </a:p>
@@ -1858,7 +1858,7 @@
           <a:p>
             <a:fld id="{DC0C38C1-EB25-493B-8E40-CB7D44766240}" type="datetimeFigureOut">
               <a:rPr lang="fr-FR" smtClean="0"/>
-              <a:t>06/06/2022</a:t>
+              <a:t>07/06/2022</a:t>
             </a:fld>
             <a:endParaRPr lang="fr-FR"/>
           </a:p>
@@ -2134,7 +2134,7 @@
           <a:p>
             <a:fld id="{DC0C38C1-EB25-493B-8E40-CB7D44766240}" type="datetimeFigureOut">
               <a:rPr lang="fr-FR" smtClean="0"/>
-              <a:t>06/06/2022</a:t>
+              <a:t>07/06/2022</a:t>
             </a:fld>
             <a:endParaRPr lang="fr-FR"/>
           </a:p>
@@ -2557,7 +2557,7 @@
           <a:p>
             <a:fld id="{DC0C38C1-EB25-493B-8E40-CB7D44766240}" type="datetimeFigureOut">
               <a:rPr lang="fr-FR" smtClean="0"/>
-              <a:t>06/06/2022</a:t>
+              <a:t>07/06/2022</a:t>
             </a:fld>
             <a:endParaRPr lang="fr-FR"/>
           </a:p>
@@ -2707,7 +2707,7 @@
           <a:p>
             <a:fld id="{DC0C38C1-EB25-493B-8E40-CB7D44766240}" type="datetimeFigureOut">
               <a:rPr lang="fr-FR" smtClean="0"/>
-              <a:t>06/06/2022</a:t>
+              <a:t>07/06/2022</a:t>
             </a:fld>
             <a:endParaRPr lang="fr-FR"/>
           </a:p>
@@ -2828,7 +2828,7 @@
           <a:p>
             <a:fld id="{DC0C38C1-EB25-493B-8E40-CB7D44766240}" type="datetimeFigureOut">
               <a:rPr lang="fr-FR" smtClean="0"/>
-              <a:t>06/06/2022</a:t>
+              <a:t>07/06/2022</a:t>
             </a:fld>
             <a:endParaRPr lang="fr-FR"/>
           </a:p>
@@ -3149,7 +3149,7 @@
           <a:p>
             <a:fld id="{DC0C38C1-EB25-493B-8E40-CB7D44766240}" type="datetimeFigureOut">
               <a:rPr lang="fr-FR" smtClean="0"/>
-              <a:t>06/06/2022</a:t>
+              <a:t>07/06/2022</a:t>
             </a:fld>
             <a:endParaRPr lang="fr-FR"/>
           </a:p>
@@ -3446,7 +3446,7 @@
           <a:p>
             <a:fld id="{DC0C38C1-EB25-493B-8E40-CB7D44766240}" type="datetimeFigureOut">
               <a:rPr lang="fr-FR" smtClean="0"/>
-              <a:t>06/06/2022</a:t>
+              <a:t>07/06/2022</a:t>
             </a:fld>
             <a:endParaRPr lang="fr-FR"/>
           </a:p>
@@ -3692,7 +3692,7 @@
           <a:p>
             <a:fld id="{DC0C38C1-EB25-493B-8E40-CB7D44766240}" type="datetimeFigureOut">
               <a:rPr lang="fr-FR" smtClean="0"/>
-              <a:t>06/06/2022</a:t>
+              <a:t>07/06/2022</a:t>
             </a:fld>
             <a:endParaRPr lang="fr-FR"/>
           </a:p>
@@ -39179,6 +39179,47 @@
           </a:p>
         </p:txBody>
       </p:sp>
+      <p:sp>
+        <p:nvSpPr>
+          <p:cNvPr id="14" name="TextBox 13">
+            <a:extLst>
+              <a:ext uri="{FF2B5EF4-FFF2-40B4-BE49-F238E27FC236}">
+                <a16:creationId xmlns:a16="http://schemas.microsoft.com/office/drawing/2014/main" id="{A7B76032-0EDE-7371-C9E6-691AD902CF1E}"/>
+              </a:ext>
+            </a:extLst>
+          </p:cNvPr>
+          <p:cNvSpPr txBox="1"/>
+          <p:nvPr/>
+        </p:nvSpPr>
+        <p:spPr>
+          <a:xfrm>
+            <a:off x="4709832" y="1978246"/>
+            <a:ext cx="3048000" cy="461665"/>
+          </a:xfrm>
+          <a:prstGeom prst="rect">
+            <a:avLst/>
+          </a:prstGeom>
+          <a:noFill/>
+        </p:spPr>
+        <p:txBody>
+          <a:bodyPr wrap="square">
+            <a:spAutoFit/>
+          </a:bodyPr>
+          <a:lstStyle/>
+          <a:p>
+            <a:pPr algn="r"/>
+            <a:r>
+              <a:rPr lang="en-GB" sz="2400" b="1" cap="all" dirty="0">
+                <a:solidFill>
+                  <a:srgbClr val="7030A0"/>
+                </a:solidFill>
+                <a:latin typeface="Alte Haas Grotesk" panose="02000503000000020004" pitchFamily="2" charset="0"/>
+              </a:rPr>
+              <a:t>Infra</a:t>
+            </a:r>
+          </a:p>
+        </p:txBody>
+      </p:sp>
     </p:spTree>
     <p:extLst>
       <p:ext uri="{BB962C8B-B14F-4D97-AF65-F5344CB8AC3E}">
@@ -40169,8 +40210,8 @@
           </p:nvCxnSpPr>
           <p:spPr>
             <a:xfrm flipV="1">
-              <a:off x="4175200" y="3022566"/>
-              <a:ext cx="604954" cy="612168"/>
+              <a:off x="4412183" y="3022566"/>
+              <a:ext cx="367971" cy="583337"/>
             </a:xfrm>
             <a:prstGeom prst="bentConnector3">
               <a:avLst/>
@@ -40365,8 +40406,8 @@
           </p:nvSpPr>
           <p:spPr>
             <a:xfrm>
-              <a:off x="3749382" y="3458951"/>
-              <a:ext cx="425818" cy="351565"/>
+              <a:off x="3730598" y="3430120"/>
+              <a:ext cx="681585" cy="351565"/>
             </a:xfrm>
             <a:prstGeom prst="roundRect">
               <a:avLst/>
@@ -40397,11 +40438,18 @@
             </a:fontRef>
           </p:style>
           <p:txBody>
-            <a:bodyPr rtlCol="0" anchor="ctr"/>
+            <a:bodyPr lIns="0" tIns="0" rIns="0" bIns="0" rtlCol="0" anchor="ctr"/>
             <a:lstStyle/>
             <a:p>
               <a:pPr algn="ctr"/>
-              <a:endParaRPr lang="en-GB"/>
+              <a:r>
+                <a:rPr lang="en-GB" sz="700" b="1" dirty="0">
+                  <a:solidFill>
+                    <a:schemeClr val="tx1"/>
+                  </a:solidFill>
+                </a:rPr>
+                <a:t>“implements”</a:t>
+              </a:r>
             </a:p>
           </p:txBody>
         </p:sp>
@@ -40419,7 +40467,7 @@
           </p:nvSpPr>
           <p:spPr>
             <a:xfrm>
-              <a:off x="4178571" y="3547432"/>
+              <a:off x="4421314" y="3519792"/>
               <a:ext cx="167130" cy="167132"/>
             </a:xfrm>
             <a:prstGeom prst="diamond">
@@ -40786,8 +40834,8 @@
           </p:nvCxnSpPr>
           <p:spPr>
             <a:xfrm>
-              <a:off x="3962291" y="3810516"/>
-              <a:ext cx="351409" cy="426765"/>
+              <a:off x="4071391" y="3781685"/>
+              <a:ext cx="242309" cy="455596"/>
             </a:xfrm>
             <a:prstGeom prst="straightConnector1">
               <a:avLst/>
@@ -41051,6 +41099,33 @@
             <a:p>
               <a:pPr algn="ctr"/>
               <a:r>
+                <a:rPr lang="fr-FR" sz="700" b="1" dirty="0">
+                  <a:solidFill>
+                    <a:srgbClr val="C00000"/>
+                  </a:solidFill>
+                </a:rPr>
+                <a:t>« </a:t>
+              </a:r>
+              <a:r>
+                <a:rPr lang="fr-FR" sz="700" b="1" dirty="0" err="1">
+                  <a:solidFill>
+                    <a:srgbClr val="C00000"/>
+                  </a:solidFill>
+                </a:rPr>
+                <a:t>implements</a:t>
+              </a:r>
+              <a:r>
+                <a:rPr lang="fr-FR" sz="700" b="1" dirty="0">
+                  <a:solidFill>
+                    <a:srgbClr val="C00000"/>
+                  </a:solidFill>
+                </a:rPr>
+                <a:t> »</a:t>
+              </a:r>
+            </a:p>
+            <a:p>
+              <a:pPr algn="ctr"/>
+              <a:r>
                 <a:rPr lang="fr-FR" sz="900" cap="all" dirty="0">
                   <a:solidFill>
                     <a:schemeClr val="tx1"/>
@@ -41218,7 +41293,34 @@
             <a:p>
               <a:pPr algn="ctr"/>
               <a:r>
-                <a:rPr lang="fr-FR" sz="900" cap="all" dirty="0">
+                <a:rPr lang="fr-FR" sz="600" b="1" dirty="0">
+                  <a:solidFill>
+                    <a:srgbClr val="C00000"/>
+                  </a:solidFill>
+                </a:rPr>
+                <a:t>« </a:t>
+              </a:r>
+              <a:r>
+                <a:rPr lang="fr-FR" sz="600" b="1" dirty="0" err="1">
+                  <a:solidFill>
+                    <a:srgbClr val="C00000"/>
+                  </a:solidFill>
+                </a:rPr>
+                <a:t>implements</a:t>
+              </a:r>
+              <a:r>
+                <a:rPr lang="fr-FR" sz="600" b="1" dirty="0">
+                  <a:solidFill>
+                    <a:srgbClr val="C00000"/>
+                  </a:solidFill>
+                </a:rPr>
+                <a:t> »</a:t>
+              </a:r>
+            </a:p>
+            <a:p>
+              <a:pPr algn="ctr"/>
+              <a:r>
+                <a:rPr lang="fr-FR" sz="800" cap="all" dirty="0">
                   <a:solidFill>
                     <a:schemeClr val="tx1"/>
                   </a:solidFill>
@@ -41226,7 +41328,7 @@
                 <a:t>Auditorium </a:t>
               </a:r>
               <a:r>
-                <a:rPr lang="fr-FR" sz="900" cap="all" dirty="0" err="1">
+                <a:rPr lang="fr-FR" sz="800" cap="all" dirty="0" err="1">
                   <a:solidFill>
                     <a:schemeClr val="tx1"/>
                   </a:solidFill>
@@ -41234,14 +41336,14 @@
                 <a:t>seating</a:t>
               </a:r>
               <a:r>
-                <a:rPr lang="fr-FR" sz="900" cap="all" dirty="0">
+                <a:rPr lang="fr-FR" sz="800" cap="all" dirty="0">
                   <a:solidFill>
                     <a:schemeClr val="tx1"/>
                   </a:solidFill>
                 </a:rPr>
                 <a:t> web Adapter</a:t>
               </a:r>
-              <a:endParaRPr lang="en-GB" sz="900" cap="all" dirty="0">
+              <a:endParaRPr lang="en-GB" sz="800" cap="all" dirty="0">
                 <a:solidFill>
                   <a:schemeClr val="tx1"/>
                 </a:solidFill>
@@ -41386,7 +41488,7 @@
           </p:nvSpPr>
           <p:spPr>
             <a:xfrm>
-              <a:off x="3492687" y="2670828"/>
+              <a:off x="3445482" y="2724592"/>
               <a:ext cx="618793" cy="215444"/>
             </a:xfrm>
             <a:prstGeom prst="rect">
@@ -41400,6 +41502,7 @@
             </a:bodyPr>
             <a:lstStyle/>
             <a:p>
+              <a:pPr algn="ctr"/>
               <a:r>
                 <a:rPr lang="fr-FR" sz="800" b="1" dirty="0">
                   <a:solidFill>
@@ -41407,7 +41510,7 @@
                   </a:solidFill>
                   <a:latin typeface="Alte Haas Grotesk" panose="02000503000000020004" pitchFamily="2" charset="0"/>
                 </a:rPr>
-                <a:t>(in proc)</a:t>
+                <a:t>« uses »</a:t>
               </a:r>
               <a:endParaRPr lang="en-GB" sz="800" b="1" dirty="0">
                 <a:solidFill>
@@ -41471,10 +41574,10 @@
       </p:sp>
       <p:grpSp>
         <p:nvGrpSpPr>
-          <p:cNvPr id="4" name="Group 3">
+          <p:cNvPr id="24" name="Group 23">
             <a:extLst>
               <a:ext uri="{FF2B5EF4-FFF2-40B4-BE49-F238E27FC236}">
-                <a16:creationId xmlns:a16="http://schemas.microsoft.com/office/drawing/2014/main" id="{27933357-0C22-DF0D-E992-E2FBD5F5AA02}"/>
+                <a16:creationId xmlns:a16="http://schemas.microsoft.com/office/drawing/2014/main" id="{62E348E0-95AA-E1A9-C94B-D5947EAE3A3B}"/>
               </a:ext>
             </a:extLst>
           </p:cNvPr>
@@ -41483,193 +41586,939 @@
         </p:nvGrpSpPr>
         <p:grpSpPr>
           <a:xfrm>
-            <a:off x="1626461" y="1250450"/>
-            <a:ext cx="433987" cy="966307"/>
-            <a:chOff x="1965168" y="2704885"/>
-            <a:chExt cx="171374" cy="381578"/>
+            <a:off x="341511" y="4718933"/>
+            <a:ext cx="2769754" cy="1799360"/>
+            <a:chOff x="341511" y="4718933"/>
+            <a:chExt cx="2769754" cy="1799360"/>
           </a:xfrm>
         </p:grpSpPr>
-        <p:cxnSp>
-          <p:nvCxnSpPr>
-            <p:cNvPr id="55" name="Straight Connector 54">
+        <p:sp>
+          <p:nvSpPr>
+            <p:cNvPr id="75" name="TextBox 74">
               <a:extLst>
                 <a:ext uri="{FF2B5EF4-FFF2-40B4-BE49-F238E27FC236}">
-                  <a16:creationId xmlns:a16="http://schemas.microsoft.com/office/drawing/2014/main" id="{DC68279D-A83E-7324-80B8-5171C272A59B}"/>
+                  <a16:creationId xmlns:a16="http://schemas.microsoft.com/office/drawing/2014/main" id="{65EFF98C-B995-A4F8-EC19-22345C2D0686}"/>
                 </a:ext>
               </a:extLst>
             </p:cNvPr>
-            <p:cNvCxnSpPr>
-              <a:cxnSpLocks/>
-            </p:cNvCxnSpPr>
-            <p:nvPr/>
-          </p:nvCxnSpPr>
-          <p:spPr>
-            <a:xfrm>
-              <a:off x="2050855" y="2876259"/>
-              <a:ext cx="0" cy="210204"/>
-            </a:xfrm>
-            <a:prstGeom prst="line">
-              <a:avLst/>
-            </a:prstGeom>
-            <a:ln w="79375">
-              <a:solidFill>
-                <a:schemeClr val="tx1"/>
-              </a:solidFill>
-            </a:ln>
-          </p:spPr>
-          <p:style>
-            <a:lnRef idx="1">
-              <a:schemeClr val="accent1"/>
-            </a:lnRef>
-            <a:fillRef idx="0">
-              <a:schemeClr val="accent1"/>
-            </a:fillRef>
-            <a:effectRef idx="0">
-              <a:schemeClr val="accent1"/>
-            </a:effectRef>
-            <a:fontRef idx="minor">
-              <a:schemeClr val="tx1"/>
-            </a:fontRef>
-          </p:style>
-        </p:cxnSp>
-        <p:sp>
-          <p:nvSpPr>
-            <p:cNvPr id="56" name="Oval 55">
-              <a:extLst>
-                <a:ext uri="{FF2B5EF4-FFF2-40B4-BE49-F238E27FC236}">
-                  <a16:creationId xmlns:a16="http://schemas.microsoft.com/office/drawing/2014/main" id="{4C70A84D-D904-96E4-3C82-748B751FF6FE}"/>
-                </a:ext>
-              </a:extLst>
-            </p:cNvPr>
-            <p:cNvSpPr/>
+            <p:cNvSpPr txBox="1"/>
             <p:nvPr/>
           </p:nvSpPr>
           <p:spPr>
             <a:xfrm>
-              <a:off x="1965168" y="2704885"/>
-              <a:ext cx="171374" cy="171374"/>
+              <a:off x="381094" y="4718933"/>
+              <a:ext cx="2690589" cy="1799360"/>
             </a:xfrm>
-            <a:prstGeom prst="ellipse">
+            <a:prstGeom prst="rect">
               <a:avLst/>
             </a:prstGeom>
             <a:solidFill>
-              <a:schemeClr val="bg1"/>
+              <a:schemeClr val="bg1">
+                <a:alpha val="50000"/>
+              </a:schemeClr>
             </a:solidFill>
-            <a:ln w="79375">
-              <a:solidFill>
-                <a:schemeClr val="tx1"/>
-              </a:solidFill>
-            </a:ln>
           </p:spPr>
-          <p:style>
-            <a:lnRef idx="2">
-              <a:schemeClr val="accent1">
-                <a:shade val="50000"/>
-              </a:schemeClr>
-            </a:lnRef>
-            <a:fillRef idx="1">
-              <a:schemeClr val="accent1"/>
-            </a:fillRef>
-            <a:effectRef idx="0">
-              <a:schemeClr val="accent1"/>
-            </a:effectRef>
-            <a:fontRef idx="minor">
-              <a:schemeClr val="lt1"/>
-            </a:fontRef>
-          </p:style>
           <p:txBody>
-            <a:bodyPr rtlCol="0" anchor="ctr"/>
+            <a:bodyPr wrap="square" rtlCol="0">
+              <a:noAutofit/>
+            </a:bodyPr>
             <a:lstStyle/>
             <a:p>
-              <a:pPr algn="ctr"/>
-              <a:endParaRPr lang="en-GB" sz="2000"/>
+              <a:endParaRPr lang="en-US" sz="1400" i="1" dirty="0">
+                <a:solidFill>
+                  <a:schemeClr val="bg1"/>
+                </a:solidFill>
+              </a:endParaRPr>
             </a:p>
           </p:txBody>
         </p:sp>
+        <p:grpSp>
+          <p:nvGrpSpPr>
+            <p:cNvPr id="16" name="Group 15">
+              <a:extLst>
+                <a:ext uri="{FF2B5EF4-FFF2-40B4-BE49-F238E27FC236}">
+                  <a16:creationId xmlns:a16="http://schemas.microsoft.com/office/drawing/2014/main" id="{4B9745AB-5849-07E2-B15A-F51F3F5DF45A}"/>
+                </a:ext>
+              </a:extLst>
+            </p:cNvPr>
+            <p:cNvGrpSpPr/>
+            <p:nvPr/>
+          </p:nvGrpSpPr>
+          <p:grpSpPr>
+            <a:xfrm>
+              <a:off x="341511" y="4946449"/>
+              <a:ext cx="2769754" cy="1417786"/>
+              <a:chOff x="341511" y="4946449"/>
+              <a:chExt cx="2769754" cy="1417786"/>
+            </a:xfrm>
+          </p:grpSpPr>
+          <p:grpSp>
+            <p:nvGrpSpPr>
+              <p:cNvPr id="4" name="Group 3">
+                <a:extLst>
+                  <a:ext uri="{FF2B5EF4-FFF2-40B4-BE49-F238E27FC236}">
+                    <a16:creationId xmlns:a16="http://schemas.microsoft.com/office/drawing/2014/main" id="{27933357-0C22-DF0D-E992-E2FBD5F5AA02}"/>
+                  </a:ext>
+                </a:extLst>
+              </p:cNvPr>
+              <p:cNvGrpSpPr/>
+              <p:nvPr/>
+            </p:nvGrpSpPr>
+            <p:grpSpPr>
+              <a:xfrm>
+                <a:off x="1509395" y="4946449"/>
+                <a:ext cx="333215" cy="741930"/>
+                <a:chOff x="1965168" y="2704885"/>
+                <a:chExt cx="171374" cy="381578"/>
+              </a:xfrm>
+            </p:grpSpPr>
+            <p:cxnSp>
+              <p:nvCxnSpPr>
+                <p:cNvPr id="55" name="Straight Connector 54">
+                  <a:extLst>
+                    <a:ext uri="{FF2B5EF4-FFF2-40B4-BE49-F238E27FC236}">
+                      <a16:creationId xmlns:a16="http://schemas.microsoft.com/office/drawing/2014/main" id="{DC68279D-A83E-7324-80B8-5171C272A59B}"/>
+                    </a:ext>
+                  </a:extLst>
+                </p:cNvPr>
+                <p:cNvCxnSpPr>
+                  <a:cxnSpLocks/>
+                </p:cNvCxnSpPr>
+                <p:nvPr/>
+              </p:nvCxnSpPr>
+              <p:spPr>
+                <a:xfrm>
+                  <a:off x="2050855" y="2876259"/>
+                  <a:ext cx="0" cy="210204"/>
+                </a:xfrm>
+                <a:prstGeom prst="line">
+                  <a:avLst/>
+                </a:prstGeom>
+                <a:ln w="79375">
+                  <a:solidFill>
+                    <a:schemeClr val="tx1"/>
+                  </a:solidFill>
+                </a:ln>
+              </p:spPr>
+              <p:style>
+                <a:lnRef idx="1">
+                  <a:schemeClr val="accent1"/>
+                </a:lnRef>
+                <a:fillRef idx="0">
+                  <a:schemeClr val="accent1"/>
+                </a:fillRef>
+                <a:effectRef idx="0">
+                  <a:schemeClr val="accent1"/>
+                </a:effectRef>
+                <a:fontRef idx="minor">
+                  <a:schemeClr val="tx1"/>
+                </a:fontRef>
+              </p:style>
+            </p:cxnSp>
+            <p:sp>
+              <p:nvSpPr>
+                <p:cNvPr id="56" name="Oval 55">
+                  <a:extLst>
+                    <a:ext uri="{FF2B5EF4-FFF2-40B4-BE49-F238E27FC236}">
+                      <a16:creationId xmlns:a16="http://schemas.microsoft.com/office/drawing/2014/main" id="{4C70A84D-D904-96E4-3C82-748B751FF6FE}"/>
+                    </a:ext>
+                  </a:extLst>
+                </p:cNvPr>
+                <p:cNvSpPr/>
+                <p:nvPr/>
+              </p:nvSpPr>
+              <p:spPr>
+                <a:xfrm>
+                  <a:off x="1965168" y="2704885"/>
+                  <a:ext cx="171374" cy="171374"/>
+                </a:xfrm>
+                <a:prstGeom prst="ellipse">
+                  <a:avLst/>
+                </a:prstGeom>
+                <a:solidFill>
+                  <a:schemeClr val="bg1"/>
+                </a:solidFill>
+                <a:ln w="79375">
+                  <a:solidFill>
+                    <a:schemeClr val="tx1"/>
+                  </a:solidFill>
+                </a:ln>
+              </p:spPr>
+              <p:style>
+                <a:lnRef idx="2">
+                  <a:schemeClr val="accent1">
+                    <a:shade val="50000"/>
+                  </a:schemeClr>
+                </a:lnRef>
+                <a:fillRef idx="1">
+                  <a:schemeClr val="accent1"/>
+                </a:fillRef>
+                <a:effectRef idx="0">
+                  <a:schemeClr val="accent1"/>
+                </a:effectRef>
+                <a:fontRef idx="minor">
+                  <a:schemeClr val="lt1"/>
+                </a:fontRef>
+              </p:style>
+              <p:txBody>
+                <a:bodyPr rtlCol="0" anchor="ctr"/>
+                <a:lstStyle/>
+                <a:p>
+                  <a:pPr algn="ctr"/>
+                  <a:endParaRPr lang="en-GB" sz="1600"/>
+                </a:p>
+              </p:txBody>
+            </p:sp>
+          </p:grpSp>
+          <p:sp>
+            <p:nvSpPr>
+              <p:cNvPr id="58" name="TextBox 57">
+                <a:extLst>
+                  <a:ext uri="{FF2B5EF4-FFF2-40B4-BE49-F238E27FC236}">
+                    <a16:creationId xmlns:a16="http://schemas.microsoft.com/office/drawing/2014/main" id="{C4310008-1AAB-20E4-D325-4A13492AF26D}"/>
+                  </a:ext>
+                </a:extLst>
+              </p:cNvPr>
+              <p:cNvSpPr txBox="1"/>
+              <p:nvPr/>
+            </p:nvSpPr>
+            <p:spPr>
+              <a:xfrm>
+                <a:off x="341511" y="5779460"/>
+                <a:ext cx="2769754" cy="584775"/>
+              </a:xfrm>
+              <a:prstGeom prst="rect">
+                <a:avLst/>
+              </a:prstGeom>
+              <a:noFill/>
+            </p:spPr>
+            <p:txBody>
+              <a:bodyPr wrap="square" rtlCol="0" anchor="ctr">
+                <a:spAutoFit/>
+              </a:bodyPr>
+              <a:lstStyle/>
+              <a:p>
+                <a:pPr algn="ctr"/>
+                <a:r>
+                  <a:rPr lang="en-US" sz="1600" b="1" cap="all" dirty="0">
+                    <a:latin typeface="Alte Haas Grotesk" panose="02000503000000020004" pitchFamily="2" charset="0"/>
+                  </a:rPr>
+                  <a:t>Left-side Ports</a:t>
+                </a:r>
+              </a:p>
+              <a:p>
+                <a:pPr algn="ctr"/>
+                <a:r>
+                  <a:rPr lang="en-US" sz="1600" b="1" cap="all" dirty="0">
+                    <a:solidFill>
+                      <a:srgbClr val="C00000"/>
+                    </a:solidFill>
+                    <a:latin typeface="Alte Haas Grotesk" panose="02000503000000020004" pitchFamily="2" charset="0"/>
+                  </a:rPr>
+                  <a:t>to enter our DOMAIN</a:t>
+                </a:r>
+              </a:p>
+            </p:txBody>
+          </p:sp>
+        </p:grpSp>
+      </p:grpSp>
+      <p:grpSp>
+        <p:nvGrpSpPr>
+          <p:cNvPr id="25" name="Group 24">
+            <a:extLst>
+              <a:ext uri="{FF2B5EF4-FFF2-40B4-BE49-F238E27FC236}">
+                <a16:creationId xmlns:a16="http://schemas.microsoft.com/office/drawing/2014/main" id="{D84129EB-2D9E-2D59-8B3C-7877A3E96595}"/>
+              </a:ext>
+            </a:extLst>
+          </p:cNvPr>
+          <p:cNvGrpSpPr/>
+          <p:nvPr/>
+        </p:nvGrpSpPr>
+        <p:grpSpPr>
+          <a:xfrm>
+            <a:off x="304414" y="416984"/>
+            <a:ext cx="2769754" cy="2745836"/>
+            <a:chOff x="304414" y="416984"/>
+            <a:chExt cx="2769754" cy="2745836"/>
+          </a:xfrm>
+        </p:grpSpPr>
+        <p:sp>
+          <p:nvSpPr>
+            <p:cNvPr id="73" name="TextBox 72">
+              <a:extLst>
+                <a:ext uri="{FF2B5EF4-FFF2-40B4-BE49-F238E27FC236}">
+                  <a16:creationId xmlns:a16="http://schemas.microsoft.com/office/drawing/2014/main" id="{DEE8EE4E-2167-8FEA-B736-ECB334203ED8}"/>
+                </a:ext>
+              </a:extLst>
+            </p:cNvPr>
+            <p:cNvSpPr txBox="1"/>
+            <p:nvPr/>
+          </p:nvSpPr>
+          <p:spPr>
+            <a:xfrm>
+              <a:off x="343997" y="416984"/>
+              <a:ext cx="2690589" cy="2745836"/>
+            </a:xfrm>
+            <a:prstGeom prst="rect">
+              <a:avLst/>
+            </a:prstGeom>
+            <a:solidFill>
+              <a:schemeClr val="bg1">
+                <a:alpha val="50000"/>
+              </a:schemeClr>
+            </a:solidFill>
+          </p:spPr>
+          <p:txBody>
+            <a:bodyPr wrap="square" rtlCol="0">
+              <a:noAutofit/>
+            </a:bodyPr>
+            <a:lstStyle/>
+            <a:p>
+              <a:endParaRPr lang="en-US" sz="1400" i="1" dirty="0">
+                <a:solidFill>
+                  <a:schemeClr val="bg1"/>
+                </a:solidFill>
+              </a:endParaRPr>
+            </a:p>
+          </p:txBody>
+        </p:sp>
+        <p:grpSp>
+          <p:nvGrpSpPr>
+            <p:cNvPr id="17" name="Group 16">
+              <a:extLst>
+                <a:ext uri="{FF2B5EF4-FFF2-40B4-BE49-F238E27FC236}">
+                  <a16:creationId xmlns:a16="http://schemas.microsoft.com/office/drawing/2014/main" id="{52A41478-3A7C-25B0-31B8-562CCD477DA1}"/>
+                </a:ext>
+              </a:extLst>
+            </p:cNvPr>
+            <p:cNvGrpSpPr/>
+            <p:nvPr/>
+          </p:nvGrpSpPr>
+          <p:grpSpPr>
+            <a:xfrm>
+              <a:off x="304414" y="774903"/>
+              <a:ext cx="2769754" cy="2166476"/>
+              <a:chOff x="304414" y="1238199"/>
+              <a:chExt cx="2769754" cy="2166476"/>
+            </a:xfrm>
+          </p:grpSpPr>
+          <p:sp>
+            <p:nvSpPr>
+              <p:cNvPr id="41" name="Rectangle 40">
+                <a:extLst>
+                  <a:ext uri="{FF2B5EF4-FFF2-40B4-BE49-F238E27FC236}">
+                    <a16:creationId xmlns:a16="http://schemas.microsoft.com/office/drawing/2014/main" id="{66E8D063-97D3-B05D-E4FD-111BEFA4586E}"/>
+                  </a:ext>
+                </a:extLst>
+              </p:cNvPr>
+              <p:cNvSpPr/>
+              <p:nvPr/>
+            </p:nvSpPr>
+            <p:spPr>
+              <a:xfrm rot="17820000">
+                <a:off x="1113666" y="1432387"/>
+                <a:ext cx="1151250" cy="762873"/>
+              </a:xfrm>
+              <a:prstGeom prst="rect">
+                <a:avLst/>
+              </a:prstGeom>
+              <a:solidFill>
+                <a:schemeClr val="accent6">
+                  <a:lumMod val="20000"/>
+                  <a:lumOff val="80000"/>
+                </a:schemeClr>
+              </a:solidFill>
+              <a:ln w="60325">
+                <a:solidFill>
+                  <a:schemeClr val="tx1"/>
+                </a:solidFill>
+              </a:ln>
+            </p:spPr>
+            <p:style>
+              <a:lnRef idx="2">
+                <a:schemeClr val="accent1">
+                  <a:shade val="50000"/>
+                </a:schemeClr>
+              </a:lnRef>
+              <a:fillRef idx="1">
+                <a:schemeClr val="accent1"/>
+              </a:fillRef>
+              <a:effectRef idx="0">
+                <a:schemeClr val="accent1"/>
+              </a:effectRef>
+              <a:fontRef idx="minor">
+                <a:schemeClr val="lt1"/>
+              </a:fontRef>
+            </p:style>
+            <p:txBody>
+              <a:bodyPr rtlCol="0" anchor="ctr"/>
+              <a:lstStyle/>
+              <a:p>
+                <a:pPr algn="ctr"/>
+                <a:r>
+                  <a:rPr lang="fr-FR" sz="1400" b="1" cap="all" dirty="0" err="1">
+                    <a:solidFill>
+                      <a:schemeClr val="tx1"/>
+                    </a:solidFill>
+                    <a:latin typeface="Alte Haas Grotesk" panose="02000503000000020004" pitchFamily="2" charset="0"/>
+                  </a:rPr>
+                  <a:t>Left</a:t>
+                </a:r>
+                <a:r>
+                  <a:rPr lang="fr-FR" sz="1400" b="1" cap="all" dirty="0">
+                    <a:solidFill>
+                      <a:schemeClr val="tx1"/>
+                    </a:solidFill>
+                    <a:latin typeface="Alte Haas Grotesk" panose="02000503000000020004" pitchFamily="2" charset="0"/>
+                  </a:rPr>
+                  <a:t> </a:t>
+                </a:r>
+                <a:r>
+                  <a:rPr lang="fr-FR" sz="1400" b="1" cap="all" dirty="0" err="1">
+                    <a:solidFill>
+                      <a:schemeClr val="tx1"/>
+                    </a:solidFill>
+                    <a:latin typeface="Alte Haas Grotesk" panose="02000503000000020004" pitchFamily="2" charset="0"/>
+                  </a:rPr>
+                  <a:t>adapters</a:t>
+                </a:r>
+                <a:endParaRPr lang="en-GB" sz="1400" b="1" cap="all" dirty="0">
+                  <a:solidFill>
+                    <a:schemeClr val="tx1"/>
+                  </a:solidFill>
+                  <a:latin typeface="Alte Haas Grotesk" panose="02000503000000020004" pitchFamily="2" charset="0"/>
+                </a:endParaRPr>
+              </a:p>
+            </p:txBody>
+          </p:sp>
+          <p:sp>
+            <p:nvSpPr>
+              <p:cNvPr id="42" name="TextBox 41">
+                <a:extLst>
+                  <a:ext uri="{FF2B5EF4-FFF2-40B4-BE49-F238E27FC236}">
+                    <a16:creationId xmlns:a16="http://schemas.microsoft.com/office/drawing/2014/main" id="{44A9F5C7-8234-E48F-1C51-ED05DD5983F4}"/>
+                  </a:ext>
+                </a:extLst>
+              </p:cNvPr>
+              <p:cNvSpPr txBox="1"/>
+              <p:nvPr/>
+            </p:nvSpPr>
+            <p:spPr>
+              <a:xfrm>
+                <a:off x="304414" y="2573678"/>
+                <a:ext cx="2769754" cy="830997"/>
+              </a:xfrm>
+              <a:prstGeom prst="rect">
+                <a:avLst/>
+              </a:prstGeom>
+              <a:noFill/>
+            </p:spPr>
+            <p:txBody>
+              <a:bodyPr wrap="square" rtlCol="0" anchor="ctr">
+                <a:spAutoFit/>
+              </a:bodyPr>
+              <a:lstStyle/>
+              <a:p>
+                <a:pPr algn="ctr"/>
+                <a:r>
+                  <a:rPr lang="en-US" sz="1600" b="1" cap="all" dirty="0">
+                    <a:latin typeface="Alte Haas Grotesk" panose="02000503000000020004" pitchFamily="2" charset="0"/>
+                  </a:rPr>
+                  <a:t>Left-side adapters translate </a:t>
+                </a:r>
+                <a:br>
+                  <a:rPr lang="en-US" sz="1600" b="1" cap="all" dirty="0">
+                    <a:latin typeface="Alte Haas Grotesk" panose="02000503000000020004" pitchFamily="2" charset="0"/>
+                  </a:rPr>
+                </a:br>
+                <a:r>
+                  <a:rPr lang="en-US" sz="1600" b="1" cap="all" dirty="0">
+                    <a:solidFill>
+                      <a:srgbClr val="C00000"/>
+                    </a:solidFill>
+                    <a:latin typeface="Alte Haas Grotesk" panose="02000503000000020004" pitchFamily="2" charset="0"/>
+                  </a:rPr>
+                  <a:t>tech to domain</a:t>
+                </a:r>
+              </a:p>
+            </p:txBody>
+          </p:sp>
+        </p:grpSp>
+      </p:grpSp>
+      <p:grpSp>
+        <p:nvGrpSpPr>
+          <p:cNvPr id="23" name="Group 22">
+            <a:extLst>
+              <a:ext uri="{FF2B5EF4-FFF2-40B4-BE49-F238E27FC236}">
+                <a16:creationId xmlns:a16="http://schemas.microsoft.com/office/drawing/2014/main" id="{3EFCCBE1-0A58-4728-74B2-4610C962A733}"/>
+              </a:ext>
+            </a:extLst>
+          </p:cNvPr>
+          <p:cNvGrpSpPr/>
+          <p:nvPr/>
+        </p:nvGrpSpPr>
+        <p:grpSpPr>
+          <a:xfrm>
+            <a:off x="9016962" y="4183418"/>
+            <a:ext cx="2769754" cy="2456795"/>
+            <a:chOff x="9045156" y="4183418"/>
+            <a:chExt cx="2769754" cy="2456795"/>
+          </a:xfrm>
+        </p:grpSpPr>
+        <p:sp>
+          <p:nvSpPr>
+            <p:cNvPr id="74" name="TextBox 73">
+              <a:extLst>
+                <a:ext uri="{FF2B5EF4-FFF2-40B4-BE49-F238E27FC236}">
+                  <a16:creationId xmlns:a16="http://schemas.microsoft.com/office/drawing/2014/main" id="{79837848-59D8-6F12-02F5-37547A7D5F7B}"/>
+                </a:ext>
+              </a:extLst>
+            </p:cNvPr>
+            <p:cNvSpPr txBox="1"/>
+            <p:nvPr/>
+          </p:nvSpPr>
+          <p:spPr>
+            <a:xfrm>
+              <a:off x="9084739" y="4183418"/>
+              <a:ext cx="2690589" cy="2456795"/>
+            </a:xfrm>
+            <a:prstGeom prst="rect">
+              <a:avLst/>
+            </a:prstGeom>
+            <a:solidFill>
+              <a:schemeClr val="bg1">
+                <a:alpha val="50000"/>
+              </a:schemeClr>
+            </a:solidFill>
+          </p:spPr>
+          <p:txBody>
+            <a:bodyPr wrap="square" rtlCol="0">
+              <a:noAutofit/>
+            </a:bodyPr>
+            <a:lstStyle/>
+            <a:p>
+              <a:endParaRPr lang="en-US" sz="1400" i="1" dirty="0">
+                <a:solidFill>
+                  <a:schemeClr val="bg1"/>
+                </a:solidFill>
+              </a:endParaRPr>
+            </a:p>
+          </p:txBody>
+        </p:sp>
+        <p:grpSp>
+          <p:nvGrpSpPr>
+            <p:cNvPr id="14" name="Group 13">
+              <a:extLst>
+                <a:ext uri="{FF2B5EF4-FFF2-40B4-BE49-F238E27FC236}">
+                  <a16:creationId xmlns:a16="http://schemas.microsoft.com/office/drawing/2014/main" id="{C0ECF4CF-B901-C335-1C18-F83FDB77A7C8}"/>
+                </a:ext>
+              </a:extLst>
+            </p:cNvPr>
+            <p:cNvGrpSpPr/>
+            <p:nvPr/>
+          </p:nvGrpSpPr>
+          <p:grpSpPr>
+            <a:xfrm>
+              <a:off x="9045156" y="4377946"/>
+              <a:ext cx="2769754" cy="2140347"/>
+              <a:chOff x="9035854" y="4377946"/>
+              <a:chExt cx="2769754" cy="2140347"/>
+            </a:xfrm>
+          </p:grpSpPr>
+          <p:sp>
+            <p:nvSpPr>
+              <p:cNvPr id="57" name="Rectangle 56">
+                <a:extLst>
+                  <a:ext uri="{FF2B5EF4-FFF2-40B4-BE49-F238E27FC236}">
+                    <a16:creationId xmlns:a16="http://schemas.microsoft.com/office/drawing/2014/main" id="{A3349801-769A-872D-3FC1-1A90440DBCB8}"/>
+                  </a:ext>
+                </a:extLst>
+              </p:cNvPr>
+              <p:cNvSpPr/>
+              <p:nvPr/>
+            </p:nvSpPr>
+            <p:spPr>
+              <a:xfrm rot="17820000">
+                <a:off x="9845106" y="4572134"/>
+                <a:ext cx="1151250" cy="762873"/>
+              </a:xfrm>
+              <a:prstGeom prst="rect">
+                <a:avLst/>
+              </a:prstGeom>
+              <a:solidFill>
+                <a:srgbClr val="FFD966"/>
+              </a:solidFill>
+              <a:ln w="60325">
+                <a:solidFill>
+                  <a:schemeClr val="tx1"/>
+                </a:solidFill>
+              </a:ln>
+            </p:spPr>
+            <p:style>
+              <a:lnRef idx="2">
+                <a:schemeClr val="accent1">
+                  <a:shade val="50000"/>
+                </a:schemeClr>
+              </a:lnRef>
+              <a:fillRef idx="1">
+                <a:schemeClr val="accent1"/>
+              </a:fillRef>
+              <a:effectRef idx="0">
+                <a:schemeClr val="accent1"/>
+              </a:effectRef>
+              <a:fontRef idx="minor">
+                <a:schemeClr val="lt1"/>
+              </a:fontRef>
+            </p:style>
+            <p:txBody>
+              <a:bodyPr rtlCol="0" anchor="ctr"/>
+              <a:lstStyle/>
+              <a:p>
+                <a:pPr algn="ctr"/>
+                <a:r>
+                  <a:rPr lang="fr-FR" sz="1400" b="1" cap="all" dirty="0">
+                    <a:solidFill>
+                      <a:schemeClr val="tx1"/>
+                    </a:solidFill>
+                    <a:latin typeface="Alte Haas Grotesk" panose="02000503000000020004" pitchFamily="2" charset="0"/>
+                  </a:rPr>
+                  <a:t>Right </a:t>
+                </a:r>
+                <a:r>
+                  <a:rPr lang="fr-FR" sz="1400" b="1" cap="all" dirty="0" err="1">
+                    <a:solidFill>
+                      <a:schemeClr val="tx1"/>
+                    </a:solidFill>
+                    <a:latin typeface="Alte Haas Grotesk" panose="02000503000000020004" pitchFamily="2" charset="0"/>
+                  </a:rPr>
+                  <a:t>Adapters</a:t>
+                </a:r>
+                <a:endParaRPr lang="en-GB" sz="1400" b="1" cap="all" dirty="0">
+                  <a:solidFill>
+                    <a:schemeClr val="tx1"/>
+                  </a:solidFill>
+                  <a:latin typeface="Alte Haas Grotesk" panose="02000503000000020004" pitchFamily="2" charset="0"/>
+                </a:endParaRPr>
+              </a:p>
+            </p:txBody>
+          </p:sp>
+          <p:sp>
+            <p:nvSpPr>
+              <p:cNvPr id="54" name="TextBox 53">
+                <a:extLst>
+                  <a:ext uri="{FF2B5EF4-FFF2-40B4-BE49-F238E27FC236}">
+                    <a16:creationId xmlns:a16="http://schemas.microsoft.com/office/drawing/2014/main" id="{F04CF76F-E99B-A719-220D-20B97B210456}"/>
+                  </a:ext>
+                </a:extLst>
+              </p:cNvPr>
+              <p:cNvSpPr txBox="1"/>
+              <p:nvPr/>
+            </p:nvSpPr>
+            <p:spPr>
+              <a:xfrm>
+                <a:off x="9035854" y="5687296"/>
+                <a:ext cx="2769754" cy="830997"/>
+              </a:xfrm>
+              <a:prstGeom prst="rect">
+                <a:avLst/>
+              </a:prstGeom>
+              <a:noFill/>
+            </p:spPr>
+            <p:txBody>
+              <a:bodyPr wrap="square" rtlCol="0" anchor="ctr">
+                <a:spAutoFit/>
+              </a:bodyPr>
+              <a:lstStyle/>
+              <a:p>
+                <a:pPr algn="ctr"/>
+                <a:r>
+                  <a:rPr lang="en-US" sz="1600" b="1" cap="all" dirty="0">
+                    <a:latin typeface="Alte Haas Grotesk" panose="02000503000000020004" pitchFamily="2" charset="0"/>
+                  </a:rPr>
+                  <a:t>Right-side adapters translate </a:t>
+                </a:r>
+                <a:r>
+                  <a:rPr lang="en-US" sz="1600" b="1" cap="all" dirty="0">
+                    <a:solidFill>
+                      <a:srgbClr val="C00000"/>
+                    </a:solidFill>
+                    <a:latin typeface="Alte Haas Grotesk" panose="02000503000000020004" pitchFamily="2" charset="0"/>
+                  </a:rPr>
+                  <a:t>domain to tech</a:t>
+                </a:r>
+              </a:p>
+            </p:txBody>
+          </p:sp>
+        </p:grpSp>
+      </p:grpSp>
+      <p:grpSp>
+        <p:nvGrpSpPr>
+          <p:cNvPr id="22" name="Group 21">
+            <a:extLst>
+              <a:ext uri="{FF2B5EF4-FFF2-40B4-BE49-F238E27FC236}">
+                <a16:creationId xmlns:a16="http://schemas.microsoft.com/office/drawing/2014/main" id="{57EC4C1B-655D-DF0E-A39B-A447D289ED0F}"/>
+              </a:ext>
+            </a:extLst>
+          </p:cNvPr>
+          <p:cNvGrpSpPr/>
+          <p:nvPr/>
+        </p:nvGrpSpPr>
+        <p:grpSpPr>
+          <a:xfrm>
+            <a:off x="9016962" y="1013903"/>
+            <a:ext cx="2769754" cy="1799360"/>
+            <a:chOff x="8988769" y="1013903"/>
+            <a:chExt cx="2769754" cy="1799360"/>
+          </a:xfrm>
+        </p:grpSpPr>
+        <p:sp>
+          <p:nvSpPr>
+            <p:cNvPr id="76" name="TextBox 75">
+              <a:extLst>
+                <a:ext uri="{FF2B5EF4-FFF2-40B4-BE49-F238E27FC236}">
+                  <a16:creationId xmlns:a16="http://schemas.microsoft.com/office/drawing/2014/main" id="{BFE85372-F9CA-C2EC-8A0A-D54CD9E9BFB3}"/>
+                </a:ext>
+              </a:extLst>
+            </p:cNvPr>
+            <p:cNvSpPr txBox="1"/>
+            <p:nvPr/>
+          </p:nvSpPr>
+          <p:spPr>
+            <a:xfrm>
+              <a:off x="9028352" y="1013903"/>
+              <a:ext cx="2690589" cy="1799360"/>
+            </a:xfrm>
+            <a:prstGeom prst="rect">
+              <a:avLst/>
+            </a:prstGeom>
+            <a:solidFill>
+              <a:schemeClr val="bg1">
+                <a:alpha val="50000"/>
+              </a:schemeClr>
+            </a:solidFill>
+          </p:spPr>
+          <p:txBody>
+            <a:bodyPr wrap="square" rtlCol="0">
+              <a:noAutofit/>
+            </a:bodyPr>
+            <a:lstStyle/>
+            <a:p>
+              <a:endParaRPr lang="en-US" sz="1400" i="1" dirty="0">
+                <a:solidFill>
+                  <a:schemeClr val="bg1"/>
+                </a:solidFill>
+              </a:endParaRPr>
+            </a:p>
+          </p:txBody>
+        </p:sp>
+        <p:grpSp>
+          <p:nvGrpSpPr>
+            <p:cNvPr id="15" name="Group 14">
+              <a:extLst>
+                <a:ext uri="{FF2B5EF4-FFF2-40B4-BE49-F238E27FC236}">
+                  <a16:creationId xmlns:a16="http://schemas.microsoft.com/office/drawing/2014/main" id="{94F2F14C-C3B3-E3FD-4B62-FF21B7638D8E}"/>
+                </a:ext>
+              </a:extLst>
+            </p:cNvPr>
+            <p:cNvGrpSpPr/>
+            <p:nvPr/>
+          </p:nvGrpSpPr>
+          <p:grpSpPr>
+            <a:xfrm>
+              <a:off x="8988769" y="1350091"/>
+              <a:ext cx="2769754" cy="1314501"/>
+              <a:chOff x="8988769" y="1350091"/>
+              <a:chExt cx="2769754" cy="1314501"/>
+            </a:xfrm>
+          </p:grpSpPr>
+          <p:grpSp>
+            <p:nvGrpSpPr>
+              <p:cNvPr id="60" name="Group 59">
+                <a:extLst>
+                  <a:ext uri="{FF2B5EF4-FFF2-40B4-BE49-F238E27FC236}">
+                    <a16:creationId xmlns:a16="http://schemas.microsoft.com/office/drawing/2014/main" id="{69569D49-812D-A592-10BD-E479797A7894}"/>
+                  </a:ext>
+                </a:extLst>
+              </p:cNvPr>
+              <p:cNvGrpSpPr/>
+              <p:nvPr/>
+            </p:nvGrpSpPr>
+            <p:grpSpPr>
+              <a:xfrm rot="17647871">
+                <a:off x="10084056" y="1145734"/>
+                <a:ext cx="333215" cy="741930"/>
+                <a:chOff x="1965168" y="2704885"/>
+                <a:chExt cx="171374" cy="381578"/>
+              </a:xfrm>
+            </p:grpSpPr>
+            <p:cxnSp>
+              <p:nvCxnSpPr>
+                <p:cNvPr id="61" name="Straight Connector 60">
+                  <a:extLst>
+                    <a:ext uri="{FF2B5EF4-FFF2-40B4-BE49-F238E27FC236}">
+                      <a16:creationId xmlns:a16="http://schemas.microsoft.com/office/drawing/2014/main" id="{7C2BEF41-370A-867C-AE12-3963289987CF}"/>
+                    </a:ext>
+                  </a:extLst>
+                </p:cNvPr>
+                <p:cNvCxnSpPr>
+                  <a:cxnSpLocks/>
+                </p:cNvCxnSpPr>
+                <p:nvPr/>
+              </p:nvCxnSpPr>
+              <p:spPr>
+                <a:xfrm>
+                  <a:off x="2050855" y="2876259"/>
+                  <a:ext cx="0" cy="210204"/>
+                </a:xfrm>
+                <a:prstGeom prst="line">
+                  <a:avLst/>
+                </a:prstGeom>
+                <a:ln w="79375">
+                  <a:solidFill>
+                    <a:schemeClr val="tx1"/>
+                  </a:solidFill>
+                </a:ln>
+              </p:spPr>
+              <p:style>
+                <a:lnRef idx="1">
+                  <a:schemeClr val="accent1"/>
+                </a:lnRef>
+                <a:fillRef idx="0">
+                  <a:schemeClr val="accent1"/>
+                </a:fillRef>
+                <a:effectRef idx="0">
+                  <a:schemeClr val="accent1"/>
+                </a:effectRef>
+                <a:fontRef idx="minor">
+                  <a:schemeClr val="tx1"/>
+                </a:fontRef>
+              </p:style>
+            </p:cxnSp>
+            <p:sp>
+              <p:nvSpPr>
+                <p:cNvPr id="62" name="Oval 61">
+                  <a:extLst>
+                    <a:ext uri="{FF2B5EF4-FFF2-40B4-BE49-F238E27FC236}">
+                      <a16:creationId xmlns:a16="http://schemas.microsoft.com/office/drawing/2014/main" id="{B947F06E-0722-4212-8690-62494898A77C}"/>
+                    </a:ext>
+                  </a:extLst>
+                </p:cNvPr>
+                <p:cNvSpPr/>
+                <p:nvPr/>
+              </p:nvSpPr>
+              <p:spPr>
+                <a:xfrm>
+                  <a:off x="1965168" y="2704885"/>
+                  <a:ext cx="171374" cy="171374"/>
+                </a:xfrm>
+                <a:prstGeom prst="ellipse">
+                  <a:avLst/>
+                </a:prstGeom>
+                <a:solidFill>
+                  <a:schemeClr val="bg1"/>
+                </a:solidFill>
+                <a:ln w="79375">
+                  <a:solidFill>
+                    <a:schemeClr val="tx1"/>
+                  </a:solidFill>
+                </a:ln>
+              </p:spPr>
+              <p:style>
+                <a:lnRef idx="2">
+                  <a:schemeClr val="accent1">
+                    <a:shade val="50000"/>
+                  </a:schemeClr>
+                </a:lnRef>
+                <a:fillRef idx="1">
+                  <a:schemeClr val="accent1"/>
+                </a:fillRef>
+                <a:effectRef idx="0">
+                  <a:schemeClr val="accent1"/>
+                </a:effectRef>
+                <a:fontRef idx="minor">
+                  <a:schemeClr val="lt1"/>
+                </a:fontRef>
+              </p:style>
+              <p:txBody>
+                <a:bodyPr rtlCol="0" anchor="ctr"/>
+                <a:lstStyle/>
+                <a:p>
+                  <a:pPr algn="ctr"/>
+                  <a:endParaRPr lang="en-GB" sz="1600"/>
+                </a:p>
+              </p:txBody>
+            </p:sp>
+          </p:grpSp>
+          <p:sp>
+            <p:nvSpPr>
+              <p:cNvPr id="67" name="TextBox 66">
+                <a:extLst>
+                  <a:ext uri="{FF2B5EF4-FFF2-40B4-BE49-F238E27FC236}">
+                    <a16:creationId xmlns:a16="http://schemas.microsoft.com/office/drawing/2014/main" id="{4EC4CF44-75AA-B81B-1E0C-C2AEFB03BACE}"/>
+                  </a:ext>
+                </a:extLst>
+              </p:cNvPr>
+              <p:cNvSpPr txBox="1"/>
+              <p:nvPr/>
+            </p:nvSpPr>
+            <p:spPr>
+              <a:xfrm>
+                <a:off x="8988769" y="1833595"/>
+                <a:ext cx="2769754" cy="830997"/>
+              </a:xfrm>
+              <a:prstGeom prst="rect">
+                <a:avLst/>
+              </a:prstGeom>
+              <a:noFill/>
+            </p:spPr>
+            <p:txBody>
+              <a:bodyPr wrap="square" rtlCol="0" anchor="ctr">
+                <a:spAutoFit/>
+              </a:bodyPr>
+              <a:lstStyle/>
+              <a:p>
+                <a:pPr algn="ctr"/>
+                <a:r>
+                  <a:rPr lang="en-US" sz="1600" b="1" cap="all" dirty="0">
+                    <a:latin typeface="Alte Haas Grotesk" panose="02000503000000020004" pitchFamily="2" charset="0"/>
+                  </a:rPr>
+                  <a:t>Right-side Ports </a:t>
+                </a:r>
+                <a:r>
+                  <a:rPr lang="en-US" sz="1600" b="1" cap="all" dirty="0">
+                    <a:solidFill>
+                      <a:srgbClr val="C00000"/>
+                    </a:solidFill>
+                    <a:latin typeface="Alte Haas Grotesk" panose="02000503000000020004" pitchFamily="2" charset="0"/>
+                  </a:rPr>
+                  <a:t>for</a:t>
+                </a:r>
+                <a:r>
+                  <a:rPr lang="en-US" sz="1600" b="1" cap="all" dirty="0">
+                    <a:latin typeface="Alte Haas Grotesk" panose="02000503000000020004" pitchFamily="2" charset="0"/>
+                  </a:rPr>
+                  <a:t> </a:t>
+                </a:r>
+                <a:r>
+                  <a:rPr lang="en-US" sz="1600" b="1" cap="all" dirty="0">
+                    <a:solidFill>
+                      <a:srgbClr val="C00000"/>
+                    </a:solidFill>
+                    <a:latin typeface="Alte Haas Grotesk" panose="02000503000000020004" pitchFamily="2" charset="0"/>
+                  </a:rPr>
+                  <a:t>OUR domain to interact with others</a:t>
+                </a:r>
+              </a:p>
+            </p:txBody>
+          </p:sp>
+        </p:grpSp>
       </p:grpSp>
       <p:sp>
         <p:nvSpPr>
-          <p:cNvPr id="57" name="Rectangle 56">
+          <p:cNvPr id="59" name="TextBox 58">
             <a:extLst>
               <a:ext uri="{FF2B5EF4-FFF2-40B4-BE49-F238E27FC236}">
-                <a16:creationId xmlns:a16="http://schemas.microsoft.com/office/drawing/2014/main" id="{A3349801-769A-872D-3FC1-1A90440DBCB8}"/>
-              </a:ext>
-            </a:extLst>
-          </p:cNvPr>
-          <p:cNvSpPr/>
-          <p:nvPr/>
-        </p:nvSpPr>
-        <p:spPr>
-          <a:xfrm rot="17820000">
-            <a:off x="9623939" y="4098009"/>
-            <a:ext cx="1499414" cy="993583"/>
-          </a:xfrm>
-          <a:prstGeom prst="rect">
-            <a:avLst/>
-          </a:prstGeom>
-          <a:solidFill>
-            <a:srgbClr val="FFD966"/>
-          </a:solidFill>
-          <a:ln w="60325">
-            <a:solidFill>
-              <a:schemeClr val="tx1"/>
-            </a:solidFill>
-          </a:ln>
-        </p:spPr>
-        <p:style>
-          <a:lnRef idx="2">
-            <a:schemeClr val="accent1">
-              <a:shade val="50000"/>
-            </a:schemeClr>
-          </a:lnRef>
-          <a:fillRef idx="1">
-            <a:schemeClr val="accent1"/>
-          </a:fillRef>
-          <a:effectRef idx="0">
-            <a:schemeClr val="accent1"/>
-          </a:effectRef>
-          <a:fontRef idx="minor">
-            <a:schemeClr val="lt1"/>
-          </a:fontRef>
-        </p:style>
-        <p:txBody>
-          <a:bodyPr rtlCol="0" anchor="ctr"/>
-          <a:lstStyle/>
-          <a:p>
-            <a:pPr algn="ctr"/>
-            <a:r>
-              <a:rPr lang="fr-FR" b="1" cap="all" dirty="0">
-                <a:solidFill>
-                  <a:schemeClr val="tx1"/>
-                </a:solidFill>
-                <a:latin typeface="Alte Haas Grotesk" panose="02000503000000020004" pitchFamily="2" charset="0"/>
-              </a:rPr>
-              <a:t>Right </a:t>
-            </a:r>
-            <a:r>
-              <a:rPr lang="fr-FR" b="1" cap="all" dirty="0" err="1">
-                <a:solidFill>
-                  <a:schemeClr val="tx1"/>
-                </a:solidFill>
-                <a:latin typeface="Alte Haas Grotesk" panose="02000503000000020004" pitchFamily="2" charset="0"/>
-              </a:rPr>
-              <a:t>Adapters</a:t>
-            </a:r>
-            <a:endParaRPr lang="en-GB" b="1" cap="all" dirty="0">
-              <a:solidFill>
-                <a:schemeClr val="tx1"/>
-              </a:solidFill>
-              <a:latin typeface="Alte Haas Grotesk" panose="02000503000000020004" pitchFamily="2" charset="0"/>
-            </a:endParaRPr>
-          </a:p>
-        </p:txBody>
-      </p:sp>
-      <p:sp>
-        <p:nvSpPr>
-          <p:cNvPr id="58" name="TextBox 57">
-            <a:extLst>
-              <a:ext uri="{FF2B5EF4-FFF2-40B4-BE49-F238E27FC236}">
-                <a16:creationId xmlns:a16="http://schemas.microsoft.com/office/drawing/2014/main" id="{C4310008-1AAB-20E4-D325-4A13492AF26D}"/>
+                <a16:creationId xmlns:a16="http://schemas.microsoft.com/office/drawing/2014/main" id="{2102DB3A-79CD-9E2E-981E-29FC394C7B17}"/>
               </a:ext>
             </a:extLst>
           </p:cNvPr>
@@ -41678,8 +42527,8 @@
         </p:nvSpPr>
         <p:spPr>
           <a:xfrm>
-            <a:off x="645547" y="2263083"/>
-            <a:ext cx="2769754" cy="1015663"/>
+            <a:off x="6800596" y="3388830"/>
+            <a:ext cx="618793" cy="215444"/>
           </a:xfrm>
           <a:prstGeom prst="rect">
             <a:avLst/>
@@ -41687,117 +42536,19 @@
           <a:noFill/>
         </p:spPr>
         <p:txBody>
-          <a:bodyPr wrap="square" rtlCol="0" anchor="ctr">
+          <a:bodyPr wrap="square" rtlCol="0">
             <a:spAutoFit/>
           </a:bodyPr>
           <a:lstStyle/>
           <a:p>
             <a:pPr algn="ctr"/>
             <a:r>
-              <a:rPr lang="en-US" sz="2000" b="1" cap="all" dirty="0">
+              <a:rPr lang="fr-FR" sz="800" b="1" dirty="0">
                 <a:latin typeface="Alte Haas Grotesk" panose="02000503000000020004" pitchFamily="2" charset="0"/>
               </a:rPr>
-              <a:t>Left-side Ports</a:t>
+              <a:t>« uses »</a:t>
             </a:r>
-          </a:p>
-          <a:p>
-            <a:pPr algn="ctr"/>
-            <a:r>
-              <a:rPr lang="en-US" sz="2000" b="1" cap="all" dirty="0">
-                <a:solidFill>
-                  <a:srgbClr val="C00000"/>
-                </a:solidFill>
-                <a:latin typeface="Alte Haas Grotesk" panose="02000503000000020004" pitchFamily="2" charset="0"/>
-              </a:rPr>
-              <a:t>to enter our DOMAIN</a:t>
-            </a:r>
-          </a:p>
-        </p:txBody>
-      </p:sp>
-      <p:sp>
-        <p:nvSpPr>
-          <p:cNvPr id="41" name="Rectangle 40">
-            <a:extLst>
-              <a:ext uri="{FF2B5EF4-FFF2-40B4-BE49-F238E27FC236}">
-                <a16:creationId xmlns:a16="http://schemas.microsoft.com/office/drawing/2014/main" id="{66E8D063-97D3-B05D-E4FD-111BEFA4586E}"/>
-              </a:ext>
-            </a:extLst>
-          </p:cNvPr>
-          <p:cNvSpPr/>
-          <p:nvPr/>
-        </p:nvSpPr>
-        <p:spPr>
-          <a:xfrm rot="17820000">
-            <a:off x="1087377" y="4101312"/>
-            <a:ext cx="1499414" cy="993583"/>
-          </a:xfrm>
-          <a:prstGeom prst="rect">
-            <a:avLst/>
-          </a:prstGeom>
-          <a:solidFill>
-            <a:schemeClr val="accent6">
-              <a:lumMod val="20000"/>
-              <a:lumOff val="80000"/>
-            </a:schemeClr>
-          </a:solidFill>
-          <a:ln w="60325">
-            <a:solidFill>
-              <a:schemeClr val="tx1"/>
-            </a:solidFill>
-          </a:ln>
-        </p:spPr>
-        <p:style>
-          <a:lnRef idx="2">
-            <a:schemeClr val="accent1">
-              <a:shade val="50000"/>
-            </a:schemeClr>
-          </a:lnRef>
-          <a:fillRef idx="1">
-            <a:schemeClr val="accent1"/>
-          </a:fillRef>
-          <a:effectRef idx="0">
-            <a:schemeClr val="accent1"/>
-          </a:effectRef>
-          <a:fontRef idx="minor">
-            <a:schemeClr val="lt1"/>
-          </a:fontRef>
-        </p:style>
-        <p:txBody>
-          <a:bodyPr rtlCol="0" anchor="ctr"/>
-          <a:lstStyle/>
-          <a:p>
-            <a:pPr algn="ctr"/>
-            <a:r>
-              <a:rPr lang="fr-FR" b="1" cap="all" dirty="0" err="1">
-                <a:solidFill>
-                  <a:schemeClr val="tx1"/>
-                </a:solidFill>
-                <a:latin typeface="Alte Haas Grotesk" panose="02000503000000020004" pitchFamily="2" charset="0"/>
-              </a:rPr>
-              <a:t>Left</a:t>
-            </a:r>
-            <a:r>
-              <a:rPr lang="fr-FR" b="1" cap="all" dirty="0">
-                <a:solidFill>
-                  <a:schemeClr val="tx1"/>
-                </a:solidFill>
-                <a:latin typeface="Alte Haas Grotesk" panose="02000503000000020004" pitchFamily="2" charset="0"/>
-              </a:rPr>
-              <a:t> </a:t>
-            </a:r>
-            <a:r>
-              <a:rPr lang="fr-FR" b="1" cap="all" dirty="0" err="1">
-                <a:solidFill>
-                  <a:schemeClr val="tx1"/>
-                </a:solidFill>
-                <a:latin typeface="Alte Haas Grotesk" panose="02000503000000020004" pitchFamily="2" charset="0"/>
-              </a:rPr>
-              <a:t>adapters</a:t>
-            </a:r>
-            <a:endParaRPr lang="en-GB" b="1" cap="all" dirty="0">
-              <a:solidFill>
-                <a:schemeClr val="tx1"/>
-              </a:solidFill>
+            <a:endParaRPr lang="en-GB" sz="800" b="1" dirty="0">
               <a:latin typeface="Alte Haas Grotesk" panose="02000503000000020004" pitchFamily="2" charset="0"/>
             </a:endParaRPr>
           </a:p>
@@ -41805,10 +42556,10 @@
       </p:sp>
       <p:sp>
         <p:nvSpPr>
-          <p:cNvPr id="42" name="TextBox 41">
+          <p:cNvPr id="68" name="TextBox 67">
             <a:extLst>
               <a:ext uri="{FF2B5EF4-FFF2-40B4-BE49-F238E27FC236}">
-                <a16:creationId xmlns:a16="http://schemas.microsoft.com/office/drawing/2014/main" id="{44A9F5C7-8234-E48F-1C51-ED05DD5983F4}"/>
+                <a16:creationId xmlns:a16="http://schemas.microsoft.com/office/drawing/2014/main" id="{7A5F9E24-0B8E-F9C4-E2A5-BC49F978C415}"/>
               </a:ext>
             </a:extLst>
           </p:cNvPr>
@@ -41817,8 +42568,8 @@
         </p:nvSpPr>
         <p:spPr>
           <a:xfrm>
-            <a:off x="548538" y="5433932"/>
-            <a:ext cx="2769754" cy="1323439"/>
+            <a:off x="6452966" y="4179326"/>
+            <a:ext cx="618793" cy="215444"/>
           </a:xfrm>
           <a:prstGeom prst="rect">
             <a:avLst/>
@@ -41826,88 +42577,30 @@
           <a:noFill/>
         </p:spPr>
         <p:txBody>
-          <a:bodyPr wrap="square" rtlCol="0" anchor="ctr">
+          <a:bodyPr wrap="square" rtlCol="0">
             <a:spAutoFit/>
           </a:bodyPr>
           <a:lstStyle/>
           <a:p>
             <a:pPr algn="ctr"/>
             <a:r>
-              <a:rPr lang="en-US" sz="2000" b="1" cap="all" dirty="0">
+              <a:rPr lang="fr-FR" sz="800" b="1" dirty="0">
                 <a:latin typeface="Alte Haas Grotesk" panose="02000503000000020004" pitchFamily="2" charset="0"/>
               </a:rPr>
-              <a:t>Left-side adapters translate </a:t>
+              <a:t>« uses »</a:t>
             </a:r>
-            <a:br>
-              <a:rPr lang="en-US" sz="2000" b="1" cap="all" dirty="0">
-                <a:latin typeface="Alte Haas Grotesk" panose="02000503000000020004" pitchFamily="2" charset="0"/>
-              </a:rPr>
-            </a:br>
-            <a:r>
-              <a:rPr lang="en-US" sz="2000" b="1" cap="all" dirty="0">
-                <a:solidFill>
-                  <a:srgbClr val="C00000"/>
-                </a:solidFill>
-                <a:latin typeface="Alte Haas Grotesk" panose="02000503000000020004" pitchFamily="2" charset="0"/>
-              </a:rPr>
-              <a:t>tech to domain</a:t>
-            </a:r>
-          </a:p>
-        </p:txBody>
-      </p:sp>
-      <p:sp>
-        <p:nvSpPr>
-          <p:cNvPr id="54" name="TextBox 53">
-            <a:extLst>
-              <a:ext uri="{FF2B5EF4-FFF2-40B4-BE49-F238E27FC236}">
-                <a16:creationId xmlns:a16="http://schemas.microsoft.com/office/drawing/2014/main" id="{F04CF76F-E99B-A719-220D-20B97B210456}"/>
-              </a:ext>
-            </a:extLst>
-          </p:cNvPr>
-          <p:cNvSpPr txBox="1"/>
-          <p:nvPr/>
-        </p:nvSpPr>
-        <p:spPr>
-          <a:xfrm>
-            <a:off x="8988769" y="5441075"/>
-            <a:ext cx="2769754" cy="1323439"/>
-          </a:xfrm>
-          <a:prstGeom prst="rect">
-            <a:avLst/>
-          </a:prstGeom>
-          <a:noFill/>
-        </p:spPr>
-        <p:txBody>
-          <a:bodyPr wrap="square" rtlCol="0" anchor="ctr">
-            <a:spAutoFit/>
-          </a:bodyPr>
-          <a:lstStyle/>
-          <a:p>
-            <a:pPr algn="ctr"/>
-            <a:r>
-              <a:rPr lang="en-US" sz="2000" b="1" cap="all" dirty="0">
-                <a:latin typeface="Alte Haas Grotesk" panose="02000503000000020004" pitchFamily="2" charset="0"/>
-              </a:rPr>
-              <a:t>Right-side adapters translate </a:t>
-            </a:r>
-            <a:r>
-              <a:rPr lang="en-US" sz="2000" b="1" cap="all" dirty="0">
-                <a:solidFill>
-                  <a:srgbClr val="C00000"/>
-                </a:solidFill>
-                <a:latin typeface="Alte Haas Grotesk" panose="02000503000000020004" pitchFamily="2" charset="0"/>
-              </a:rPr>
-              <a:t>domain to tech</a:t>
-            </a:r>
+            <a:endParaRPr lang="en-GB" sz="800" b="1" dirty="0">
+              <a:latin typeface="Alte Haas Grotesk" panose="02000503000000020004" pitchFamily="2" charset="0"/>
+            </a:endParaRPr>
           </a:p>
         </p:txBody>
       </p:sp>
       <p:grpSp>
         <p:nvGrpSpPr>
-          <p:cNvPr id="60" name="Group 59">
+          <p:cNvPr id="21" name="Group 20">
             <a:extLst>
               <a:ext uri="{FF2B5EF4-FFF2-40B4-BE49-F238E27FC236}">
-                <a16:creationId xmlns:a16="http://schemas.microsoft.com/office/drawing/2014/main" id="{69569D49-812D-A592-10BD-E479797A7894}"/>
+                <a16:creationId xmlns:a16="http://schemas.microsoft.com/office/drawing/2014/main" id="{427D2682-1FBB-B97B-7115-0C07029C70FF}"/>
               </a:ext>
             </a:extLst>
           </p:cNvPr>
@@ -41915,62 +42608,19 @@
           <p:nvPr/>
         </p:nvGrpSpPr>
         <p:grpSpPr>
-          <a:xfrm rot="17647871">
-            <a:off x="10156653" y="1254864"/>
-            <a:ext cx="433987" cy="966307"/>
-            <a:chOff x="1965168" y="2704885"/>
-            <a:chExt cx="171374" cy="381578"/>
+          <a:xfrm>
+            <a:off x="1117876" y="3308979"/>
+            <a:ext cx="1045500" cy="1292575"/>
+            <a:chOff x="1115646" y="3414241"/>
+            <a:chExt cx="1045500" cy="1076682"/>
           </a:xfrm>
         </p:grpSpPr>
-        <p:cxnSp>
-          <p:nvCxnSpPr>
-            <p:cNvPr id="61" name="Straight Connector 60">
+        <p:sp>
+          <p:nvSpPr>
+            <p:cNvPr id="18" name="Arrow: Right 17">
               <a:extLst>
                 <a:ext uri="{FF2B5EF4-FFF2-40B4-BE49-F238E27FC236}">
-                  <a16:creationId xmlns:a16="http://schemas.microsoft.com/office/drawing/2014/main" id="{7C2BEF41-370A-867C-AE12-3963289987CF}"/>
-                </a:ext>
-              </a:extLst>
-            </p:cNvPr>
-            <p:cNvCxnSpPr>
-              <a:cxnSpLocks/>
-            </p:cNvCxnSpPr>
-            <p:nvPr/>
-          </p:nvCxnSpPr>
-          <p:spPr>
-            <a:xfrm>
-              <a:off x="2050855" y="2876259"/>
-              <a:ext cx="0" cy="210204"/>
-            </a:xfrm>
-            <a:prstGeom prst="line">
-              <a:avLst/>
-            </a:prstGeom>
-            <a:ln w="79375">
-              <a:solidFill>
-                <a:schemeClr val="tx1"/>
-              </a:solidFill>
-            </a:ln>
-          </p:spPr>
-          <p:style>
-            <a:lnRef idx="1">
-              <a:schemeClr val="accent1"/>
-            </a:lnRef>
-            <a:fillRef idx="0">
-              <a:schemeClr val="accent1"/>
-            </a:fillRef>
-            <a:effectRef idx="0">
-              <a:schemeClr val="accent1"/>
-            </a:effectRef>
-            <a:fontRef idx="minor">
-              <a:schemeClr val="tx1"/>
-            </a:fontRef>
-          </p:style>
-        </p:cxnSp>
-        <p:sp>
-          <p:nvSpPr>
-            <p:cNvPr id="62" name="Oval 61">
-              <a:extLst>
-                <a:ext uri="{FF2B5EF4-FFF2-40B4-BE49-F238E27FC236}">
-                  <a16:creationId xmlns:a16="http://schemas.microsoft.com/office/drawing/2014/main" id="{B947F06E-0722-4212-8690-62494898A77C}"/>
+                  <a16:creationId xmlns:a16="http://schemas.microsoft.com/office/drawing/2014/main" id="{BE487A0D-C9E9-F011-5CC0-D5C1E8266E82}"/>
                 </a:ext>
               </a:extLst>
             </p:cNvPr>
@@ -41978,110 +42628,199 @@
             <p:nvPr/>
           </p:nvSpPr>
           <p:spPr>
-            <a:xfrm>
-              <a:off x="1965168" y="2704885"/>
-              <a:ext cx="171374" cy="171374"/>
+            <a:xfrm rot="5400000">
+              <a:off x="1104629" y="3554907"/>
+              <a:ext cx="1076682" cy="795349"/>
             </a:xfrm>
-            <a:prstGeom prst="ellipse">
+            <a:prstGeom prst="rightArrow">
               <a:avLst/>
             </a:prstGeom>
             <a:solidFill>
-              <a:schemeClr val="bg1"/>
+              <a:schemeClr val="bg1">
+                <a:alpha val="50000"/>
+              </a:schemeClr>
             </a:solidFill>
-            <a:ln w="79375">
-              <a:solidFill>
-                <a:schemeClr val="tx1"/>
-              </a:solidFill>
-            </a:ln>
           </p:spPr>
-          <p:style>
-            <a:lnRef idx="2">
-              <a:schemeClr val="accent1">
-                <a:shade val="50000"/>
-              </a:schemeClr>
-            </a:lnRef>
-            <a:fillRef idx="1">
-              <a:schemeClr val="accent1"/>
-            </a:fillRef>
-            <a:effectRef idx="0">
-              <a:schemeClr val="accent1"/>
-            </a:effectRef>
-            <a:fontRef idx="minor">
-              <a:schemeClr val="lt1"/>
-            </a:fontRef>
-          </p:style>
           <p:txBody>
-            <a:bodyPr rtlCol="0" anchor="ctr"/>
+            <a:bodyPr wrap="square" rtlCol="0">
+              <a:noAutofit/>
+            </a:bodyPr>
             <a:lstStyle/>
             <a:p>
+              <a:endParaRPr lang="en-US" sz="1400" i="1">
+                <a:solidFill>
+                  <a:schemeClr val="bg1"/>
+                </a:solidFill>
+              </a:endParaRPr>
+            </a:p>
+          </p:txBody>
+        </p:sp>
+        <p:sp>
+          <p:nvSpPr>
+            <p:cNvPr id="19" name="TextBox 18">
+              <a:extLst>
+                <a:ext uri="{FF2B5EF4-FFF2-40B4-BE49-F238E27FC236}">
+                  <a16:creationId xmlns:a16="http://schemas.microsoft.com/office/drawing/2014/main" id="{3FE23F85-D8E6-DC0E-15A5-2227B4E1B0F5}"/>
+                </a:ext>
+              </a:extLst>
+            </p:cNvPr>
+            <p:cNvSpPr txBox="1"/>
+            <p:nvPr/>
+          </p:nvSpPr>
+          <p:spPr>
+            <a:xfrm>
+              <a:off x="1115646" y="3580939"/>
+              <a:ext cx="1045500" cy="369332"/>
+            </a:xfrm>
+            <a:prstGeom prst="rect">
+              <a:avLst/>
+            </a:prstGeom>
+            <a:solidFill>
+              <a:schemeClr val="bg1">
+                <a:alpha val="50000"/>
+              </a:schemeClr>
+            </a:solidFill>
+          </p:spPr>
+          <p:txBody>
+            <a:bodyPr wrap="square" rtlCol="0">
+              <a:noAutofit/>
+            </a:bodyPr>
+            <a:lstStyle>
+              <a:defPPr>
+                <a:defRPr lang="fr-FR"/>
+              </a:defPPr>
+              <a:lvl1pPr>
+                <a:defRPr sz="1400" i="1">
+                  <a:solidFill>
+                    <a:schemeClr val="bg1"/>
+                  </a:solidFill>
+                </a:defRPr>
+              </a:lvl1pPr>
+            </a:lstStyle>
+            <a:p>
               <a:pPr algn="ctr"/>
-              <a:endParaRPr lang="en-GB" sz="2000"/>
+              <a:r>
+                <a:rPr lang="en-US" sz="2000" b="1" i="0" dirty="0">
+                  <a:solidFill>
+                    <a:schemeClr val="tx1"/>
+                  </a:solidFill>
+                  <a:latin typeface="Alte Haas Grotesk" panose="02000503000000020004" pitchFamily="2" charset="0"/>
+                </a:rPr>
+                <a:t>“use”</a:t>
+              </a:r>
             </a:p>
           </p:txBody>
         </p:sp>
       </p:grpSp>
-      <p:sp>
-        <p:nvSpPr>
-          <p:cNvPr id="67" name="TextBox 66">
+      <p:grpSp>
+        <p:nvGrpSpPr>
+          <p:cNvPr id="20" name="Group 19">
             <a:extLst>
               <a:ext uri="{FF2B5EF4-FFF2-40B4-BE49-F238E27FC236}">
-                <a16:creationId xmlns:a16="http://schemas.microsoft.com/office/drawing/2014/main" id="{4EC4CF44-75AA-B81B-1E0C-C2AEFB03BACE}"/>
+                <a16:creationId xmlns:a16="http://schemas.microsoft.com/office/drawing/2014/main" id="{EEFE0FEB-9CC7-1EB0-3E1B-B632CE685320}"/>
               </a:ext>
             </a:extLst>
           </p:cNvPr>
-          <p:cNvSpPr txBox="1"/>
+          <p:cNvGrpSpPr/>
           <p:nvPr/>
-        </p:nvSpPr>
-        <p:spPr>
+        </p:nvGrpSpPr>
+        <p:grpSpPr>
           <a:xfrm>
-            <a:off x="8988769" y="2113609"/>
-            <a:ext cx="2769754" cy="1323439"/>
+            <a:off x="9560590" y="2894860"/>
+            <a:ext cx="1753585" cy="1166637"/>
+            <a:chOff x="9301456" y="2920492"/>
+            <a:chExt cx="1753585" cy="1076682"/>
           </a:xfrm>
-          <a:prstGeom prst="rect">
-            <a:avLst/>
-          </a:prstGeom>
-          <a:noFill/>
-        </p:spPr>
-        <p:txBody>
-          <a:bodyPr wrap="square" rtlCol="0" anchor="ctr">
-            <a:spAutoFit/>
-          </a:bodyPr>
-          <a:lstStyle/>
-          <a:p>
-            <a:pPr algn="ctr"/>
-            <a:r>
-              <a:rPr lang="en-US" sz="2000" b="1" cap="all" dirty="0">
-                <a:latin typeface="Alte Haas Grotesk" panose="02000503000000020004" pitchFamily="2" charset="0"/>
-              </a:rPr>
-              <a:t>Right-side Ports </a:t>
-            </a:r>
-            <a:r>
-              <a:rPr lang="en-US" sz="2000" b="1" cap="all" dirty="0">
+        </p:grpSpPr>
+        <p:sp>
+          <p:nvSpPr>
+            <p:cNvPr id="69" name="Arrow: Right 68">
+              <a:extLst>
+                <a:ext uri="{FF2B5EF4-FFF2-40B4-BE49-F238E27FC236}">
+                  <a16:creationId xmlns:a16="http://schemas.microsoft.com/office/drawing/2014/main" id="{F050B0EE-25EC-04DD-87E8-D3CB8F564012}"/>
+                </a:ext>
+              </a:extLst>
+            </p:cNvPr>
+            <p:cNvSpPr/>
+            <p:nvPr/>
+          </p:nvSpPr>
+          <p:spPr>
+            <a:xfrm rot="16200000">
+              <a:off x="9604364" y="3061158"/>
+              <a:ext cx="1076682" cy="795349"/>
+            </a:xfrm>
+            <a:prstGeom prst="rightArrow">
+              <a:avLst/>
+            </a:prstGeom>
+            <a:solidFill>
+              <a:schemeClr val="bg1">
+                <a:alpha val="50000"/>
+              </a:schemeClr>
+            </a:solidFill>
+          </p:spPr>
+          <p:txBody>
+            <a:bodyPr wrap="square" rtlCol="0">
+              <a:noAutofit/>
+            </a:bodyPr>
+            <a:lstStyle/>
+            <a:p>
+              <a:endParaRPr lang="en-US" sz="1400" i="1">
                 <a:solidFill>
-                  <a:srgbClr val="C00000"/>
+                  <a:schemeClr val="bg1"/>
                 </a:solidFill>
-                <a:latin typeface="Alte Haas Grotesk" panose="02000503000000020004" pitchFamily="2" charset="0"/>
-              </a:rPr>
-              <a:t>for</a:t>
-            </a:r>
-            <a:r>
-              <a:rPr lang="en-US" sz="2000" b="1" cap="all" dirty="0">
-                <a:latin typeface="Alte Haas Grotesk" panose="02000503000000020004" pitchFamily="2" charset="0"/>
-              </a:rPr>
-              <a:t> </a:t>
-            </a:r>
-            <a:r>
-              <a:rPr lang="en-US" sz="2000" b="1" cap="all" dirty="0">
-                <a:solidFill>
-                  <a:srgbClr val="C00000"/>
-                </a:solidFill>
-                <a:latin typeface="Alte Haas Grotesk" panose="02000503000000020004" pitchFamily="2" charset="0"/>
-              </a:rPr>
-              <a:t>OUR domain to interact with others</a:t>
-            </a:r>
-          </a:p>
-        </p:txBody>
-      </p:sp>
+              </a:endParaRPr>
+            </a:p>
+          </p:txBody>
+        </p:sp>
+        <p:sp>
+          <p:nvSpPr>
+            <p:cNvPr id="72" name="TextBox 71">
+              <a:extLst>
+                <a:ext uri="{FF2B5EF4-FFF2-40B4-BE49-F238E27FC236}">
+                  <a16:creationId xmlns:a16="http://schemas.microsoft.com/office/drawing/2014/main" id="{97D1F1F7-B2A8-BC0F-4EA4-B2934A5FA6A0}"/>
+                </a:ext>
+              </a:extLst>
+            </p:cNvPr>
+            <p:cNvSpPr txBox="1"/>
+            <p:nvPr/>
+          </p:nvSpPr>
+          <p:spPr>
+            <a:xfrm>
+              <a:off x="9301456" y="3465142"/>
+              <a:ext cx="1753585" cy="351393"/>
+            </a:xfrm>
+            <a:prstGeom prst="rect">
+              <a:avLst/>
+            </a:prstGeom>
+            <a:solidFill>
+              <a:schemeClr val="bg1">
+                <a:alpha val="50000"/>
+              </a:schemeClr>
+            </a:solidFill>
+          </p:spPr>
+          <p:txBody>
+            <a:bodyPr wrap="square" rtlCol="0">
+              <a:noAutofit/>
+            </a:bodyPr>
+            <a:lstStyle>
+              <a:defPPr>
+                <a:defRPr lang="fr-FR"/>
+              </a:defPPr>
+              <a:lvl1pPr algn="ctr">
+                <a:defRPr sz="2000" b="1" i="0">
+                  <a:latin typeface="Alte Haas Grotesk" panose="02000503000000020004" pitchFamily="2" charset="0"/>
+                </a:defRPr>
+              </a:lvl1pPr>
+            </a:lstStyle>
+            <a:p>
+              <a:r>
+                <a:rPr lang="en-US" dirty="0"/>
+                <a:t>“implement”</a:t>
+              </a:r>
+            </a:p>
+          </p:txBody>
+        </p:sp>
+      </p:grpSp>
     </p:spTree>
     <p:extLst>
       <p:ext uri="{BB962C8B-B14F-4D97-AF65-F5344CB8AC3E}">

--- a/HexagonalAndBeyond.pptx
+++ b/HexagonalAndBeyond.pptx
@@ -5,24 +5,26 @@
     <p:sldMasterId id="2147483648" r:id="rId1"/>
   </p:sldMasterIdLst>
   <p:notesMasterIdLst>
-    <p:notesMasterId r:id="rId17"/>
+    <p:notesMasterId r:id="rId19"/>
   </p:notesMasterIdLst>
   <p:sldIdLst>
     <p:sldId id="268" r:id="rId2"/>
-    <p:sldId id="265" r:id="rId3"/>
-    <p:sldId id="273" r:id="rId4"/>
-    <p:sldId id="272" r:id="rId5"/>
-    <p:sldId id="276" r:id="rId6"/>
-    <p:sldId id="274" r:id="rId7"/>
-    <p:sldId id="277" r:id="rId8"/>
-    <p:sldId id="275" r:id="rId9"/>
-    <p:sldId id="271" r:id="rId10"/>
-    <p:sldId id="263" r:id="rId11"/>
-    <p:sldId id="258" r:id="rId12"/>
-    <p:sldId id="259" r:id="rId13"/>
-    <p:sldId id="270" r:id="rId14"/>
-    <p:sldId id="260" r:id="rId15"/>
-    <p:sldId id="269" r:id="rId16"/>
+    <p:sldId id="278" r:id="rId3"/>
+    <p:sldId id="265" r:id="rId4"/>
+    <p:sldId id="273" r:id="rId5"/>
+    <p:sldId id="272" r:id="rId6"/>
+    <p:sldId id="276" r:id="rId7"/>
+    <p:sldId id="274" r:id="rId8"/>
+    <p:sldId id="277" r:id="rId9"/>
+    <p:sldId id="279" r:id="rId10"/>
+    <p:sldId id="275" r:id="rId11"/>
+    <p:sldId id="271" r:id="rId12"/>
+    <p:sldId id="263" r:id="rId13"/>
+    <p:sldId id="258" r:id="rId14"/>
+    <p:sldId id="259" r:id="rId15"/>
+    <p:sldId id="270" r:id="rId16"/>
+    <p:sldId id="260" r:id="rId17"/>
+    <p:sldId id="269" r:id="rId18"/>
   </p:sldIdLst>
   <p:sldSz cx="12192000" cy="6858000"/>
   <p:notesSz cx="6858000" cy="9144000"/>
@@ -554,7 +556,7 @@
           <a:p>
             <a:fld id="{04029CEC-398D-4A32-BEC5-723E50178FA5}" type="slidenum">
               <a:rPr lang="en-US" smtClean="0"/>
-              <a:t>6</a:t>
+              <a:t>2</a:t>
             </a:fld>
             <a:endParaRPr lang="en-US"/>
           </a:p>
@@ -563,7 +565,7 @@
     </p:spTree>
     <p:extLst>
       <p:ext uri="{BB962C8B-B14F-4D97-AF65-F5344CB8AC3E}">
-        <p14:creationId xmlns:p14="http://schemas.microsoft.com/office/powerpoint/2010/main" val="3335387401"/>
+        <p14:creationId xmlns:p14="http://schemas.microsoft.com/office/powerpoint/2010/main" val="3590305622"/>
       </p:ext>
     </p:extLst>
   </p:cSld>
@@ -647,7 +649,7 @@
     </p:spTree>
     <p:extLst>
       <p:ext uri="{BB962C8B-B14F-4D97-AF65-F5344CB8AC3E}">
-        <p14:creationId xmlns:p14="http://schemas.microsoft.com/office/powerpoint/2010/main" val="2633533085"/>
+        <p14:creationId xmlns:p14="http://schemas.microsoft.com/office/powerpoint/2010/main" val="3335387401"/>
       </p:ext>
     </p:extLst>
   </p:cSld>
@@ -722,7 +724,91 @@
           <a:p>
             <a:fld id="{04029CEC-398D-4A32-BEC5-723E50178FA5}" type="slidenum">
               <a:rPr lang="en-US" smtClean="0"/>
-              <a:t>9</a:t>
+              <a:t>8</a:t>
+            </a:fld>
+            <a:endParaRPr lang="en-US"/>
+          </a:p>
+        </p:txBody>
+      </p:sp>
+    </p:spTree>
+    <p:extLst>
+      <p:ext uri="{BB962C8B-B14F-4D97-AF65-F5344CB8AC3E}">
+        <p14:creationId xmlns:p14="http://schemas.microsoft.com/office/powerpoint/2010/main" val="2633533085"/>
+      </p:ext>
+    </p:extLst>
+  </p:cSld>
+  <p:clrMapOvr>
+    <a:masterClrMapping/>
+  </p:clrMapOvr>
+</p:notes>
+</file>
+
+<file path=ppt/notesSlides/notesSlide4.xml><?xml version="1.0" encoding="utf-8"?>
+<p:notes xmlns:a="http://schemas.openxmlformats.org/drawingml/2006/main" xmlns:r="http://schemas.openxmlformats.org/officeDocument/2006/relationships" xmlns:p="http://schemas.openxmlformats.org/presentationml/2006/main">
+  <p:cSld>
+    <p:spTree>
+      <p:nvGrpSpPr>
+        <p:cNvPr id="1" name=""/>
+        <p:cNvGrpSpPr/>
+        <p:nvPr/>
+      </p:nvGrpSpPr>
+      <p:grpSpPr>
+        <a:xfrm>
+          <a:off x="0" y="0"/>
+          <a:ext cx="0" cy="0"/>
+          <a:chOff x="0" y="0"/>
+          <a:chExt cx="0" cy="0"/>
+        </a:xfrm>
+      </p:grpSpPr>
+      <p:sp>
+        <p:nvSpPr>
+          <p:cNvPr id="2" name="Slide Image Placeholder 1"/>
+          <p:cNvSpPr>
+            <a:spLocks noGrp="1" noRot="1" noChangeAspect="1"/>
+          </p:cNvSpPr>
+          <p:nvPr>
+            <p:ph type="sldImg"/>
+          </p:nvPr>
+        </p:nvSpPr>
+        <p:spPr/>
+      </p:sp>
+      <p:sp>
+        <p:nvSpPr>
+          <p:cNvPr id="3" name="Notes Placeholder 2"/>
+          <p:cNvSpPr>
+            <a:spLocks noGrp="1"/>
+          </p:cNvSpPr>
+          <p:nvPr>
+            <p:ph type="body" idx="1"/>
+          </p:nvPr>
+        </p:nvSpPr>
+        <p:spPr/>
+        <p:txBody>
+          <a:bodyPr/>
+          <a:lstStyle/>
+          <a:p>
+            <a:endParaRPr lang="en-US" dirty="0"/>
+          </a:p>
+        </p:txBody>
+      </p:sp>
+      <p:sp>
+        <p:nvSpPr>
+          <p:cNvPr id="4" name="Slide Number Placeholder 3"/>
+          <p:cNvSpPr>
+            <a:spLocks noGrp="1"/>
+          </p:cNvSpPr>
+          <p:nvPr>
+            <p:ph type="sldNum" sz="quarter" idx="5"/>
+          </p:nvPr>
+        </p:nvSpPr>
+        <p:spPr/>
+        <p:txBody>
+          <a:bodyPr/>
+          <a:lstStyle/>
+          <a:p>
+            <a:fld id="{04029CEC-398D-4A32-BEC5-723E50178FA5}" type="slidenum">
+              <a:rPr lang="en-US" smtClean="0"/>
+              <a:t>11</a:t>
             </a:fld>
             <a:endParaRPr lang="en-US"/>
           </a:p>
@@ -4675,6 +4761,3312 @@
     <p:bg>
       <p:bgPr>
         <a:solidFill>
+          <a:schemeClr val="accent2">
+            <a:lumMod val="20000"/>
+            <a:lumOff val="80000"/>
+          </a:schemeClr>
+        </a:solidFill>
+        <a:effectLst/>
+      </p:bgPr>
+    </p:bg>
+    <p:spTree>
+      <p:nvGrpSpPr>
+        <p:cNvPr id="1" name=""/>
+        <p:cNvGrpSpPr/>
+        <p:nvPr/>
+      </p:nvGrpSpPr>
+      <p:grpSpPr>
+        <a:xfrm>
+          <a:off x="0" y="0"/>
+          <a:ext cx="0" cy="0"/>
+          <a:chOff x="0" y="0"/>
+          <a:chExt cx="0" cy="0"/>
+        </a:xfrm>
+      </p:grpSpPr>
+      <p:sp>
+        <p:nvSpPr>
+          <p:cNvPr id="76" name="TextBox 75">
+            <a:extLst>
+              <a:ext uri="{FF2B5EF4-FFF2-40B4-BE49-F238E27FC236}">
+                <a16:creationId xmlns:a16="http://schemas.microsoft.com/office/drawing/2014/main" id="{6C22163D-87CF-BDE6-599E-F2275CD480AD}"/>
+              </a:ext>
+            </a:extLst>
+          </p:cNvPr>
+          <p:cNvSpPr txBox="1"/>
+          <p:nvPr/>
+        </p:nvSpPr>
+        <p:spPr>
+          <a:xfrm>
+            <a:off x="553665" y="176549"/>
+            <a:ext cx="11130335" cy="707886"/>
+          </a:xfrm>
+          <a:prstGeom prst="rect">
+            <a:avLst/>
+          </a:prstGeom>
+          <a:noFill/>
+        </p:spPr>
+        <p:txBody>
+          <a:bodyPr wrap="square" rtlCol="0" anchor="t">
+            <a:spAutoFit/>
+          </a:bodyPr>
+          <a:lstStyle/>
+          <a:p>
+            <a:pPr algn="r"/>
+            <a:r>
+              <a:rPr lang="en-US" sz="4000" b="1" cap="all" dirty="0">
+                <a:solidFill>
+                  <a:srgbClr val="C00000"/>
+                </a:solidFill>
+                <a:latin typeface="Alte Haas Grotesk" panose="02000503000000020004" pitchFamily="2" charset="0"/>
+              </a:rPr>
+              <a:t>Hexagonal “Micro” services</a:t>
+            </a:r>
+          </a:p>
+        </p:txBody>
+      </p:sp>
+      <p:sp>
+        <p:nvSpPr>
+          <p:cNvPr id="139" name="TextBox 138">
+            <a:extLst>
+              <a:ext uri="{FF2B5EF4-FFF2-40B4-BE49-F238E27FC236}">
+                <a16:creationId xmlns:a16="http://schemas.microsoft.com/office/drawing/2014/main" id="{D87D58F9-2C40-7FD4-B61B-2A6215BFBADB}"/>
+              </a:ext>
+            </a:extLst>
+          </p:cNvPr>
+          <p:cNvSpPr txBox="1"/>
+          <p:nvPr/>
+        </p:nvSpPr>
+        <p:spPr>
+          <a:xfrm>
+            <a:off x="8236963" y="842546"/>
+            <a:ext cx="3364147" cy="369332"/>
+          </a:xfrm>
+          <a:prstGeom prst="rect">
+            <a:avLst/>
+          </a:prstGeom>
+          <a:noFill/>
+        </p:spPr>
+        <p:txBody>
+          <a:bodyPr wrap="square" rtlCol="0">
+            <a:spAutoFit/>
+          </a:bodyPr>
+          <a:lstStyle/>
+          <a:p>
+            <a:pPr algn="r"/>
+            <a:r>
+              <a:rPr lang="en-US" dirty="0"/>
+              <a:t>@tpierrain (use case driven)</a:t>
+            </a:r>
+          </a:p>
+        </p:txBody>
+      </p:sp>
+      <p:cxnSp>
+        <p:nvCxnSpPr>
+          <p:cNvPr id="80" name="Straight Arrow Connector 79">
+            <a:extLst>
+              <a:ext uri="{FF2B5EF4-FFF2-40B4-BE49-F238E27FC236}">
+                <a16:creationId xmlns:a16="http://schemas.microsoft.com/office/drawing/2014/main" id="{CF148EDC-DFD7-DD46-9E09-4881F99D4190}"/>
+              </a:ext>
+            </a:extLst>
+          </p:cNvPr>
+          <p:cNvCxnSpPr>
+            <a:cxnSpLocks/>
+            <a:stCxn id="216" idx="2"/>
+            <a:endCxn id="54" idx="3"/>
+          </p:cNvCxnSpPr>
+          <p:nvPr/>
+        </p:nvCxnSpPr>
+        <p:spPr>
+          <a:xfrm>
+            <a:off x="7481098" y="4095553"/>
+            <a:ext cx="1504138" cy="519474"/>
+          </a:xfrm>
+          <a:prstGeom prst="straightConnector1">
+            <a:avLst/>
+          </a:prstGeom>
+          <a:ln w="19050">
+            <a:solidFill>
+              <a:schemeClr val="tx1"/>
+            </a:solidFill>
+            <a:prstDash val="solid"/>
+            <a:tailEnd type="triangle"/>
+          </a:ln>
+        </p:spPr>
+        <p:style>
+          <a:lnRef idx="1">
+            <a:schemeClr val="accent1"/>
+          </a:lnRef>
+          <a:fillRef idx="0">
+            <a:schemeClr val="accent1"/>
+          </a:fillRef>
+          <a:effectRef idx="0">
+            <a:schemeClr val="accent1"/>
+          </a:effectRef>
+          <a:fontRef idx="minor">
+            <a:schemeClr val="tx1"/>
+          </a:fontRef>
+        </p:style>
+      </p:cxnSp>
+      <p:sp>
+        <p:nvSpPr>
+          <p:cNvPr id="54" name="Hexagon 53">
+            <a:extLst>
+              <a:ext uri="{FF2B5EF4-FFF2-40B4-BE49-F238E27FC236}">
+                <a16:creationId xmlns:a16="http://schemas.microsoft.com/office/drawing/2014/main" id="{9DD52ED7-5148-67C5-D885-4E2830223613}"/>
+              </a:ext>
+            </a:extLst>
+          </p:cNvPr>
+          <p:cNvSpPr/>
+          <p:nvPr/>
+        </p:nvSpPr>
+        <p:spPr>
+          <a:xfrm>
+            <a:off x="8985236" y="3672163"/>
+            <a:ext cx="2738578" cy="1885727"/>
+          </a:xfrm>
+          <a:prstGeom prst="hexagon">
+            <a:avLst/>
+          </a:prstGeom>
+          <a:solidFill>
+            <a:srgbClr val="C5E0B4"/>
+          </a:solidFill>
+          <a:ln w="47625">
+            <a:solidFill>
+              <a:schemeClr val="accent6">
+                <a:lumMod val="50000"/>
+              </a:schemeClr>
+            </a:solidFill>
+          </a:ln>
+        </p:spPr>
+        <p:style>
+          <a:lnRef idx="2">
+            <a:schemeClr val="accent1">
+              <a:shade val="50000"/>
+            </a:schemeClr>
+          </a:lnRef>
+          <a:fillRef idx="1">
+            <a:schemeClr val="accent1"/>
+          </a:fillRef>
+          <a:effectRef idx="0">
+            <a:schemeClr val="accent1"/>
+          </a:effectRef>
+          <a:fontRef idx="minor">
+            <a:schemeClr val="lt1"/>
+          </a:fontRef>
+        </p:style>
+        <p:txBody>
+          <a:bodyPr rtlCol="0" anchor="ctr"/>
+          <a:lstStyle/>
+          <a:p>
+            <a:pPr algn="ctr"/>
+            <a:r>
+              <a:rPr lang="en-GB" sz="1800" b="1" cap="all" dirty="0">
+                <a:solidFill>
+                  <a:schemeClr val="tx1"/>
+                </a:solidFill>
+                <a:latin typeface="Alte Haas Grotesk" panose="02000503000000020004" pitchFamily="2" charset="0"/>
+              </a:rPr>
+              <a:t>Auditorium </a:t>
+            </a:r>
+            <a:r>
+              <a:rPr lang="en-GB" sz="1800" b="1" cap="all" dirty="0" err="1">
+                <a:solidFill>
+                  <a:schemeClr val="tx1"/>
+                </a:solidFill>
+                <a:latin typeface="Alte Haas Grotesk" panose="02000503000000020004" pitchFamily="2" charset="0"/>
+              </a:rPr>
+              <a:t>seatings</a:t>
+            </a:r>
+            <a:r>
+              <a:rPr lang="en-GB" sz="1800" b="1" cap="all" dirty="0">
+                <a:solidFill>
+                  <a:schemeClr val="tx1"/>
+                </a:solidFill>
+                <a:latin typeface="Alte Haas Grotesk" panose="02000503000000020004" pitchFamily="2" charset="0"/>
+              </a:rPr>
+              <a:t> API</a:t>
+            </a:r>
+            <a:endParaRPr lang="fr-FR" dirty="0">
+              <a:solidFill>
+                <a:schemeClr val="tx1"/>
+              </a:solidFill>
+            </a:endParaRPr>
+          </a:p>
+        </p:txBody>
+      </p:sp>
+      <p:grpSp>
+        <p:nvGrpSpPr>
+          <p:cNvPr id="9" name="Group 8">
+            <a:extLst>
+              <a:ext uri="{FF2B5EF4-FFF2-40B4-BE49-F238E27FC236}">
+                <a16:creationId xmlns:a16="http://schemas.microsoft.com/office/drawing/2014/main" id="{12C75229-5FE5-9C3C-75B6-2803B1934537}"/>
+              </a:ext>
+            </a:extLst>
+          </p:cNvPr>
+          <p:cNvGrpSpPr/>
+          <p:nvPr/>
+        </p:nvGrpSpPr>
+        <p:grpSpPr>
+          <a:xfrm>
+            <a:off x="1185295" y="1169988"/>
+            <a:ext cx="7317239" cy="4795034"/>
+            <a:chOff x="-228725" y="651514"/>
+            <a:chExt cx="7317239" cy="4795034"/>
+          </a:xfrm>
+        </p:grpSpPr>
+        <p:sp>
+          <p:nvSpPr>
+            <p:cNvPr id="35" name="Hexagon 34">
+              <a:extLst>
+                <a:ext uri="{FF2B5EF4-FFF2-40B4-BE49-F238E27FC236}">
+                  <a16:creationId xmlns:a16="http://schemas.microsoft.com/office/drawing/2014/main" id="{33B14C1D-1A7E-737A-1CCD-C4EC7DED6FA1}"/>
+                </a:ext>
+              </a:extLst>
+            </p:cNvPr>
+            <p:cNvSpPr/>
+            <p:nvPr/>
+          </p:nvSpPr>
+          <p:spPr>
+            <a:xfrm>
+              <a:off x="1130412" y="1372282"/>
+              <a:ext cx="5174160" cy="3562815"/>
+            </a:xfrm>
+            <a:prstGeom prst="hexagon">
+              <a:avLst/>
+            </a:prstGeom>
+            <a:solidFill>
+              <a:srgbClr val="DFC9EF"/>
+            </a:solidFill>
+            <a:ln w="47625">
+              <a:solidFill>
+                <a:srgbClr val="7030A0"/>
+              </a:solidFill>
+            </a:ln>
+          </p:spPr>
+          <p:style>
+            <a:lnRef idx="2">
+              <a:schemeClr val="accent1">
+                <a:shade val="50000"/>
+              </a:schemeClr>
+            </a:lnRef>
+            <a:fillRef idx="1">
+              <a:schemeClr val="accent1"/>
+            </a:fillRef>
+            <a:effectRef idx="0">
+              <a:schemeClr val="accent1"/>
+            </a:effectRef>
+            <a:fontRef idx="minor">
+              <a:schemeClr val="lt1"/>
+            </a:fontRef>
+          </p:style>
+          <p:txBody>
+            <a:bodyPr rtlCol="0" anchor="ctr"/>
+            <a:lstStyle/>
+            <a:p>
+              <a:pPr algn="ctr"/>
+              <a:endParaRPr lang="fr-FR"/>
+            </a:p>
+          </p:txBody>
+        </p:sp>
+        <p:sp>
+          <p:nvSpPr>
+            <p:cNvPr id="34" name="Hexagon 33">
+              <a:extLst>
+                <a:ext uri="{FF2B5EF4-FFF2-40B4-BE49-F238E27FC236}">
+                  <a16:creationId xmlns:a16="http://schemas.microsoft.com/office/drawing/2014/main" id="{6A6D51E6-CF65-EF02-1DBB-4E90126E0B31}"/>
+                </a:ext>
+              </a:extLst>
+            </p:cNvPr>
+            <p:cNvSpPr/>
+            <p:nvPr/>
+          </p:nvSpPr>
+          <p:spPr>
+            <a:xfrm>
+              <a:off x="2206827" y="2106919"/>
+              <a:ext cx="3040380" cy="2093540"/>
+            </a:xfrm>
+            <a:prstGeom prst="hexagon">
+              <a:avLst/>
+            </a:prstGeom>
+            <a:solidFill>
+              <a:srgbClr val="BA8CDC"/>
+            </a:solidFill>
+            <a:ln w="28575">
+              <a:solidFill>
+                <a:srgbClr val="7030A0"/>
+              </a:solidFill>
+            </a:ln>
+          </p:spPr>
+          <p:style>
+            <a:lnRef idx="2">
+              <a:schemeClr val="accent1">
+                <a:shade val="50000"/>
+              </a:schemeClr>
+            </a:lnRef>
+            <a:fillRef idx="1">
+              <a:schemeClr val="accent1"/>
+            </a:fillRef>
+            <a:effectRef idx="0">
+              <a:schemeClr val="accent1"/>
+            </a:effectRef>
+            <a:fontRef idx="minor">
+              <a:schemeClr val="lt1"/>
+            </a:fontRef>
+          </p:style>
+          <p:txBody>
+            <a:bodyPr rtlCol="0" anchor="ctr"/>
+            <a:lstStyle/>
+            <a:p>
+              <a:pPr algn="ctr"/>
+              <a:endParaRPr lang="fr-FR"/>
+            </a:p>
+          </p:txBody>
+        </p:sp>
+        <p:grpSp>
+          <p:nvGrpSpPr>
+            <p:cNvPr id="40" name="Group 39">
+              <a:extLst>
+                <a:ext uri="{FF2B5EF4-FFF2-40B4-BE49-F238E27FC236}">
+                  <a16:creationId xmlns:a16="http://schemas.microsoft.com/office/drawing/2014/main" id="{940C4411-4AE3-4C39-3A25-7CA0DDA67A79}"/>
+                </a:ext>
+              </a:extLst>
+            </p:cNvPr>
+            <p:cNvGrpSpPr/>
+            <p:nvPr/>
+          </p:nvGrpSpPr>
+          <p:grpSpPr>
+            <a:xfrm>
+              <a:off x="2457876" y="2594187"/>
+              <a:ext cx="171374" cy="381578"/>
+              <a:chOff x="7689730" y="3195744"/>
+              <a:chExt cx="171374" cy="381578"/>
+            </a:xfrm>
+          </p:grpSpPr>
+          <p:cxnSp>
+            <p:nvCxnSpPr>
+              <p:cNvPr id="36" name="Straight Connector 35">
+                <a:extLst>
+                  <a:ext uri="{FF2B5EF4-FFF2-40B4-BE49-F238E27FC236}">
+                    <a16:creationId xmlns:a16="http://schemas.microsoft.com/office/drawing/2014/main" id="{5C6BA29F-F336-8477-0F22-3890AFCE60EA}"/>
+                  </a:ext>
+                </a:extLst>
+              </p:cNvPr>
+              <p:cNvCxnSpPr>
+                <a:cxnSpLocks/>
+              </p:cNvCxnSpPr>
+              <p:nvPr/>
+            </p:nvCxnSpPr>
+            <p:spPr>
+              <a:xfrm>
+                <a:off x="7775417" y="3367118"/>
+                <a:ext cx="0" cy="210204"/>
+              </a:xfrm>
+              <a:prstGeom prst="line">
+                <a:avLst/>
+              </a:prstGeom>
+              <a:ln w="38100">
+                <a:solidFill>
+                  <a:schemeClr val="tx1"/>
+                </a:solidFill>
+              </a:ln>
+            </p:spPr>
+            <p:style>
+              <a:lnRef idx="1">
+                <a:schemeClr val="accent1"/>
+              </a:lnRef>
+              <a:fillRef idx="0">
+                <a:schemeClr val="accent1"/>
+              </a:fillRef>
+              <a:effectRef idx="0">
+                <a:schemeClr val="accent1"/>
+              </a:effectRef>
+              <a:fontRef idx="minor">
+                <a:schemeClr val="tx1"/>
+              </a:fontRef>
+            </p:style>
+          </p:cxnSp>
+          <p:sp>
+            <p:nvSpPr>
+              <p:cNvPr id="39" name="Oval 38">
+                <a:extLst>
+                  <a:ext uri="{FF2B5EF4-FFF2-40B4-BE49-F238E27FC236}">
+                    <a16:creationId xmlns:a16="http://schemas.microsoft.com/office/drawing/2014/main" id="{EF1A047A-9909-5D12-7282-628EA8ED1B30}"/>
+                  </a:ext>
+                </a:extLst>
+              </p:cNvPr>
+              <p:cNvSpPr/>
+              <p:nvPr/>
+            </p:nvSpPr>
+            <p:spPr>
+              <a:xfrm>
+                <a:off x="7689730" y="3195744"/>
+                <a:ext cx="171374" cy="171374"/>
+              </a:xfrm>
+              <a:prstGeom prst="ellipse">
+                <a:avLst/>
+              </a:prstGeom>
+              <a:solidFill>
+                <a:schemeClr val="bg1"/>
+              </a:solidFill>
+              <a:ln w="19050">
+                <a:solidFill>
+                  <a:schemeClr val="tx1"/>
+                </a:solidFill>
+              </a:ln>
+            </p:spPr>
+            <p:style>
+              <a:lnRef idx="2">
+                <a:schemeClr val="accent1">
+                  <a:shade val="50000"/>
+                </a:schemeClr>
+              </a:lnRef>
+              <a:fillRef idx="1">
+                <a:schemeClr val="accent1"/>
+              </a:fillRef>
+              <a:effectRef idx="0">
+                <a:schemeClr val="accent1"/>
+              </a:effectRef>
+              <a:fontRef idx="minor">
+                <a:schemeClr val="lt1"/>
+              </a:fontRef>
+            </p:style>
+            <p:txBody>
+              <a:bodyPr rtlCol="0" anchor="ctr"/>
+              <a:lstStyle/>
+              <a:p>
+                <a:pPr algn="ctr"/>
+                <a:endParaRPr lang="en-GB"/>
+              </a:p>
+            </p:txBody>
+          </p:sp>
+        </p:grpSp>
+        <p:sp>
+          <p:nvSpPr>
+            <p:cNvPr id="43" name="Rectangle: Rounded Corners 42">
+              <a:extLst>
+                <a:ext uri="{FF2B5EF4-FFF2-40B4-BE49-F238E27FC236}">
+                  <a16:creationId xmlns:a16="http://schemas.microsoft.com/office/drawing/2014/main" id="{CE914DA8-CDC3-DE3A-3738-128639367FC4}"/>
+                </a:ext>
+              </a:extLst>
+            </p:cNvPr>
+            <p:cNvSpPr/>
+            <p:nvPr/>
+          </p:nvSpPr>
+          <p:spPr>
+            <a:xfrm>
+              <a:off x="4005403" y="2890186"/>
+              <a:ext cx="425816" cy="351565"/>
+            </a:xfrm>
+            <a:prstGeom prst="roundRect">
+              <a:avLst/>
+            </a:prstGeom>
+            <a:solidFill>
+              <a:srgbClr val="9A57CD"/>
+            </a:solidFill>
+            <a:ln>
+              <a:solidFill>
+                <a:schemeClr val="tx1"/>
+              </a:solidFill>
+            </a:ln>
+          </p:spPr>
+          <p:style>
+            <a:lnRef idx="2">
+              <a:schemeClr val="accent1">
+                <a:shade val="50000"/>
+              </a:schemeClr>
+            </a:lnRef>
+            <a:fillRef idx="1">
+              <a:schemeClr val="accent1"/>
+            </a:fillRef>
+            <a:effectRef idx="0">
+              <a:schemeClr val="accent1"/>
+            </a:effectRef>
+            <a:fontRef idx="minor">
+              <a:schemeClr val="lt1"/>
+            </a:fontRef>
+          </p:style>
+          <p:txBody>
+            <a:bodyPr rtlCol="0" anchor="ctr"/>
+            <a:lstStyle/>
+            <a:p>
+              <a:pPr algn="ctr"/>
+              <a:endParaRPr lang="en-GB"/>
+            </a:p>
+          </p:txBody>
+        </p:sp>
+        <p:cxnSp>
+          <p:nvCxnSpPr>
+            <p:cNvPr id="44" name="Connector: Elbow 43">
+              <a:extLst>
+                <a:ext uri="{FF2B5EF4-FFF2-40B4-BE49-F238E27FC236}">
+                  <a16:creationId xmlns:a16="http://schemas.microsoft.com/office/drawing/2014/main" id="{80B21C75-7B16-2C9B-F4C3-5F3C6DFDC475}"/>
+                </a:ext>
+              </a:extLst>
+            </p:cNvPr>
+            <p:cNvCxnSpPr>
+              <a:cxnSpLocks/>
+              <a:stCxn id="48" idx="3"/>
+              <a:endCxn id="46" idx="1"/>
+            </p:cNvCxnSpPr>
+            <p:nvPr/>
+          </p:nvCxnSpPr>
+          <p:spPr>
+            <a:xfrm flipV="1">
+              <a:off x="2761180" y="2504092"/>
+              <a:ext cx="604954" cy="612168"/>
+            </a:xfrm>
+            <a:prstGeom prst="bentConnector3">
+              <a:avLst/>
+            </a:prstGeom>
+            <a:ln w="9525">
+              <a:solidFill>
+                <a:schemeClr val="tx1"/>
+              </a:solidFill>
+              <a:tailEnd type="none"/>
+            </a:ln>
+          </p:spPr>
+          <p:style>
+            <a:lnRef idx="1">
+              <a:schemeClr val="accent1"/>
+            </a:lnRef>
+            <a:fillRef idx="0">
+              <a:schemeClr val="accent1"/>
+            </a:fillRef>
+            <a:effectRef idx="0">
+              <a:schemeClr val="accent1"/>
+            </a:effectRef>
+            <a:fontRef idx="minor">
+              <a:schemeClr val="tx1"/>
+            </a:fontRef>
+          </p:style>
+        </p:cxnSp>
+        <p:cxnSp>
+          <p:nvCxnSpPr>
+            <p:cNvPr id="45" name="Connector: Elbow 44">
+              <a:extLst>
+                <a:ext uri="{FF2B5EF4-FFF2-40B4-BE49-F238E27FC236}">
+                  <a16:creationId xmlns:a16="http://schemas.microsoft.com/office/drawing/2014/main" id="{8F16B881-7F02-9320-ABC2-0B490E03D5CA}"/>
+                </a:ext>
+              </a:extLst>
+            </p:cNvPr>
+            <p:cNvCxnSpPr>
+              <a:cxnSpLocks/>
+              <a:stCxn id="46" idx="3"/>
+              <a:endCxn id="43" idx="0"/>
+            </p:cNvCxnSpPr>
+            <p:nvPr/>
+          </p:nvCxnSpPr>
+          <p:spPr>
+            <a:xfrm>
+              <a:off x="3791951" y="2504092"/>
+              <a:ext cx="426360" cy="386094"/>
+            </a:xfrm>
+            <a:prstGeom prst="bentConnector2">
+              <a:avLst/>
+            </a:prstGeom>
+            <a:ln w="9525">
+              <a:solidFill>
+                <a:schemeClr val="tx1"/>
+              </a:solidFill>
+              <a:tailEnd type="none"/>
+            </a:ln>
+          </p:spPr>
+          <p:style>
+            <a:lnRef idx="1">
+              <a:schemeClr val="accent1"/>
+            </a:lnRef>
+            <a:fillRef idx="0">
+              <a:schemeClr val="accent1"/>
+            </a:fillRef>
+            <a:effectRef idx="0">
+              <a:schemeClr val="accent1"/>
+            </a:effectRef>
+            <a:fontRef idx="minor">
+              <a:schemeClr val="tx1"/>
+            </a:fontRef>
+          </p:style>
+        </p:cxnSp>
+        <p:sp>
+          <p:nvSpPr>
+            <p:cNvPr id="46" name="Rectangle: Rounded Corners 45">
+              <a:extLst>
+                <a:ext uri="{FF2B5EF4-FFF2-40B4-BE49-F238E27FC236}">
+                  <a16:creationId xmlns:a16="http://schemas.microsoft.com/office/drawing/2014/main" id="{3BEC7E3D-294F-32B3-0467-8A3ABCBC742D}"/>
+                </a:ext>
+              </a:extLst>
+            </p:cNvPr>
+            <p:cNvSpPr/>
+            <p:nvPr/>
+          </p:nvSpPr>
+          <p:spPr>
+            <a:xfrm>
+              <a:off x="3366134" y="2328309"/>
+              <a:ext cx="425817" cy="351565"/>
+            </a:xfrm>
+            <a:prstGeom prst="roundRect">
+              <a:avLst/>
+            </a:prstGeom>
+            <a:solidFill>
+              <a:srgbClr val="9A57CD"/>
+            </a:solidFill>
+            <a:ln>
+              <a:solidFill>
+                <a:schemeClr val="tx1"/>
+              </a:solidFill>
+            </a:ln>
+          </p:spPr>
+          <p:style>
+            <a:lnRef idx="2">
+              <a:schemeClr val="accent1">
+                <a:shade val="50000"/>
+              </a:schemeClr>
+            </a:lnRef>
+            <a:fillRef idx="1">
+              <a:schemeClr val="accent1"/>
+            </a:fillRef>
+            <a:effectRef idx="0">
+              <a:schemeClr val="accent1"/>
+            </a:effectRef>
+            <a:fontRef idx="minor">
+              <a:schemeClr val="lt1"/>
+            </a:fontRef>
+          </p:style>
+          <p:txBody>
+            <a:bodyPr rtlCol="0" anchor="ctr"/>
+            <a:lstStyle/>
+            <a:p>
+              <a:pPr algn="ctr"/>
+              <a:endParaRPr lang="en-GB"/>
+            </a:p>
+          </p:txBody>
+        </p:sp>
+        <p:sp>
+          <p:nvSpPr>
+            <p:cNvPr id="47" name="Diamond 46">
+              <a:extLst>
+                <a:ext uri="{FF2B5EF4-FFF2-40B4-BE49-F238E27FC236}">
+                  <a16:creationId xmlns:a16="http://schemas.microsoft.com/office/drawing/2014/main" id="{CF1E7E84-BE84-EF72-028C-7C6BE33BBDC3}"/>
+                </a:ext>
+              </a:extLst>
+            </p:cNvPr>
+            <p:cNvSpPr/>
+            <p:nvPr/>
+          </p:nvSpPr>
+          <p:spPr>
+            <a:xfrm>
+              <a:off x="3799194" y="2414175"/>
+              <a:ext cx="167131" cy="167131"/>
+            </a:xfrm>
+            <a:prstGeom prst="diamond">
+              <a:avLst/>
+            </a:prstGeom>
+            <a:solidFill>
+              <a:schemeClr val="tx1"/>
+            </a:solidFill>
+            <a:ln>
+              <a:solidFill>
+                <a:schemeClr val="tx1"/>
+              </a:solidFill>
+            </a:ln>
+          </p:spPr>
+          <p:style>
+            <a:lnRef idx="2">
+              <a:schemeClr val="accent1">
+                <a:shade val="50000"/>
+              </a:schemeClr>
+            </a:lnRef>
+            <a:fillRef idx="1">
+              <a:schemeClr val="accent1"/>
+            </a:fillRef>
+            <a:effectRef idx="0">
+              <a:schemeClr val="accent1"/>
+            </a:effectRef>
+            <a:fontRef idx="minor">
+              <a:schemeClr val="lt1"/>
+            </a:fontRef>
+          </p:style>
+          <p:txBody>
+            <a:bodyPr rtlCol="0" anchor="ctr"/>
+            <a:lstStyle/>
+            <a:p>
+              <a:pPr algn="ctr"/>
+              <a:endParaRPr lang="en-GB"/>
+            </a:p>
+          </p:txBody>
+        </p:sp>
+        <p:sp>
+          <p:nvSpPr>
+            <p:cNvPr id="48" name="Rectangle: Rounded Corners 47">
+              <a:extLst>
+                <a:ext uri="{FF2B5EF4-FFF2-40B4-BE49-F238E27FC236}">
+                  <a16:creationId xmlns:a16="http://schemas.microsoft.com/office/drawing/2014/main" id="{A41AD289-0792-2EA4-E800-3122F9EFFC59}"/>
+                </a:ext>
+              </a:extLst>
+            </p:cNvPr>
+            <p:cNvSpPr/>
+            <p:nvPr/>
+          </p:nvSpPr>
+          <p:spPr>
+            <a:xfrm>
+              <a:off x="2335362" y="2940477"/>
+              <a:ext cx="425818" cy="351565"/>
+            </a:xfrm>
+            <a:prstGeom prst="roundRect">
+              <a:avLst/>
+            </a:prstGeom>
+            <a:solidFill>
+              <a:srgbClr val="9A57CD"/>
+            </a:solidFill>
+            <a:ln>
+              <a:solidFill>
+                <a:schemeClr val="tx1"/>
+              </a:solidFill>
+            </a:ln>
+          </p:spPr>
+          <p:style>
+            <a:lnRef idx="2">
+              <a:schemeClr val="accent1">
+                <a:shade val="50000"/>
+              </a:schemeClr>
+            </a:lnRef>
+            <a:fillRef idx="1">
+              <a:schemeClr val="accent1"/>
+            </a:fillRef>
+            <a:effectRef idx="0">
+              <a:schemeClr val="accent1"/>
+            </a:effectRef>
+            <a:fontRef idx="minor">
+              <a:schemeClr val="lt1"/>
+            </a:fontRef>
+          </p:style>
+          <p:txBody>
+            <a:bodyPr rtlCol="0" anchor="ctr"/>
+            <a:lstStyle/>
+            <a:p>
+              <a:pPr algn="ctr"/>
+              <a:endParaRPr lang="en-GB"/>
+            </a:p>
+          </p:txBody>
+        </p:sp>
+        <p:sp>
+          <p:nvSpPr>
+            <p:cNvPr id="49" name="Diamond 48">
+              <a:extLst>
+                <a:ext uri="{FF2B5EF4-FFF2-40B4-BE49-F238E27FC236}">
+                  <a16:creationId xmlns:a16="http://schemas.microsoft.com/office/drawing/2014/main" id="{BC214A87-C3D5-FF0B-97DE-4DA23A95B490}"/>
+                </a:ext>
+              </a:extLst>
+            </p:cNvPr>
+            <p:cNvSpPr/>
+            <p:nvPr/>
+          </p:nvSpPr>
+          <p:spPr>
+            <a:xfrm>
+              <a:off x="2764551" y="3028958"/>
+              <a:ext cx="167130" cy="167132"/>
+            </a:xfrm>
+            <a:prstGeom prst="diamond">
+              <a:avLst/>
+            </a:prstGeom>
+            <a:solidFill>
+              <a:schemeClr val="tx1"/>
+            </a:solidFill>
+            <a:ln>
+              <a:solidFill>
+                <a:schemeClr val="tx1"/>
+              </a:solidFill>
+            </a:ln>
+          </p:spPr>
+          <p:style>
+            <a:lnRef idx="2">
+              <a:schemeClr val="accent1">
+                <a:shade val="50000"/>
+              </a:schemeClr>
+            </a:lnRef>
+            <a:fillRef idx="1">
+              <a:schemeClr val="accent1"/>
+            </a:fillRef>
+            <a:effectRef idx="0">
+              <a:schemeClr val="accent1"/>
+            </a:effectRef>
+            <a:fontRef idx="minor">
+              <a:schemeClr val="lt1"/>
+            </a:fontRef>
+          </p:style>
+          <p:txBody>
+            <a:bodyPr rtlCol="0" anchor="ctr"/>
+            <a:lstStyle/>
+            <a:p>
+              <a:pPr algn="ctr"/>
+              <a:endParaRPr lang="en-GB"/>
+            </a:p>
+          </p:txBody>
+        </p:sp>
+        <p:sp>
+          <p:nvSpPr>
+            <p:cNvPr id="50" name="Right Brace 49">
+              <a:extLst>
+                <a:ext uri="{FF2B5EF4-FFF2-40B4-BE49-F238E27FC236}">
+                  <a16:creationId xmlns:a16="http://schemas.microsoft.com/office/drawing/2014/main" id="{6933D540-CF40-3B71-81DD-0728A7B7E745}"/>
+                </a:ext>
+              </a:extLst>
+            </p:cNvPr>
+            <p:cNvSpPr/>
+            <p:nvPr/>
+          </p:nvSpPr>
+          <p:spPr>
+            <a:xfrm rot="12414236">
+              <a:off x="5134217" y="3214846"/>
+              <a:ext cx="883655" cy="428062"/>
+            </a:xfrm>
+            <a:prstGeom prst="rightBrace">
+              <a:avLst>
+                <a:gd name="adj1" fmla="val 9622"/>
+                <a:gd name="adj2" fmla="val 54011"/>
+              </a:avLst>
+            </a:prstGeom>
+            <a:ln w="34925">
+              <a:solidFill>
+                <a:schemeClr val="tx1"/>
+              </a:solidFill>
+            </a:ln>
+          </p:spPr>
+          <p:style>
+            <a:lnRef idx="1">
+              <a:schemeClr val="accent1"/>
+            </a:lnRef>
+            <a:fillRef idx="0">
+              <a:schemeClr val="accent1"/>
+            </a:fillRef>
+            <a:effectRef idx="0">
+              <a:schemeClr val="accent1"/>
+            </a:effectRef>
+            <a:fontRef idx="minor">
+              <a:schemeClr val="tx1"/>
+            </a:fontRef>
+          </p:style>
+          <p:txBody>
+            <a:bodyPr rtlCol="0" anchor="ctr"/>
+            <a:lstStyle/>
+            <a:p>
+              <a:pPr algn="ctr"/>
+              <a:endParaRPr lang="en-GB"/>
+            </a:p>
+          </p:txBody>
+        </p:sp>
+        <p:cxnSp>
+          <p:nvCxnSpPr>
+            <p:cNvPr id="51" name="Straight Arrow Connector 50">
+              <a:extLst>
+                <a:ext uri="{FF2B5EF4-FFF2-40B4-BE49-F238E27FC236}">
+                  <a16:creationId xmlns:a16="http://schemas.microsoft.com/office/drawing/2014/main" id="{272ECD37-CF7C-FD44-E585-9389787F552F}"/>
+                </a:ext>
+              </a:extLst>
+            </p:cNvPr>
+            <p:cNvCxnSpPr>
+              <a:cxnSpLocks/>
+              <a:stCxn id="43" idx="3"/>
+              <a:endCxn id="52" idx="1"/>
+            </p:cNvCxnSpPr>
+            <p:nvPr/>
+          </p:nvCxnSpPr>
+          <p:spPr>
+            <a:xfrm>
+              <a:off x="4431219" y="3065969"/>
+              <a:ext cx="634759" cy="60184"/>
+            </a:xfrm>
+            <a:prstGeom prst="straightConnector1">
+              <a:avLst/>
+            </a:prstGeom>
+            <a:ln w="9525">
+              <a:solidFill>
+                <a:schemeClr val="tx1"/>
+              </a:solidFill>
+              <a:prstDash val="dash"/>
+              <a:tailEnd type="triangle"/>
+            </a:ln>
+          </p:spPr>
+          <p:style>
+            <a:lnRef idx="1">
+              <a:schemeClr val="accent1"/>
+            </a:lnRef>
+            <a:fillRef idx="0">
+              <a:schemeClr val="accent1"/>
+            </a:fillRef>
+            <a:effectRef idx="0">
+              <a:schemeClr val="accent1"/>
+            </a:effectRef>
+            <a:fontRef idx="minor">
+              <a:schemeClr val="tx1"/>
+            </a:fontRef>
+          </p:style>
+        </p:cxnSp>
+        <p:sp>
+          <p:nvSpPr>
+            <p:cNvPr id="52" name="Oval 51">
+              <a:extLst>
+                <a:ext uri="{FF2B5EF4-FFF2-40B4-BE49-F238E27FC236}">
+                  <a16:creationId xmlns:a16="http://schemas.microsoft.com/office/drawing/2014/main" id="{213DB660-4E3D-3960-4A63-D7FBF409CF29}"/>
+                </a:ext>
+              </a:extLst>
+            </p:cNvPr>
+            <p:cNvSpPr/>
+            <p:nvPr/>
+          </p:nvSpPr>
+          <p:spPr>
+            <a:xfrm>
+              <a:off x="5040881" y="3101056"/>
+              <a:ext cx="171374" cy="171374"/>
+            </a:xfrm>
+            <a:prstGeom prst="ellipse">
+              <a:avLst/>
+            </a:prstGeom>
+            <a:solidFill>
+              <a:schemeClr val="bg1"/>
+            </a:solidFill>
+            <a:ln w="19050">
+              <a:solidFill>
+                <a:schemeClr val="tx1"/>
+              </a:solidFill>
+            </a:ln>
+          </p:spPr>
+          <p:style>
+            <a:lnRef idx="2">
+              <a:schemeClr val="accent1">
+                <a:shade val="50000"/>
+              </a:schemeClr>
+            </a:lnRef>
+            <a:fillRef idx="1">
+              <a:schemeClr val="accent1"/>
+            </a:fillRef>
+            <a:effectRef idx="0">
+              <a:schemeClr val="accent1"/>
+            </a:effectRef>
+            <a:fontRef idx="minor">
+              <a:schemeClr val="lt1"/>
+            </a:fontRef>
+          </p:style>
+          <p:txBody>
+            <a:bodyPr rtlCol="0" anchor="ctr"/>
+            <a:lstStyle/>
+            <a:p>
+              <a:pPr algn="ctr"/>
+              <a:endParaRPr lang="en-GB"/>
+            </a:p>
+          </p:txBody>
+        </p:sp>
+        <p:sp>
+          <p:nvSpPr>
+            <p:cNvPr id="63" name="Rectangle: Rounded Corners 62">
+              <a:extLst>
+                <a:ext uri="{FF2B5EF4-FFF2-40B4-BE49-F238E27FC236}">
+                  <a16:creationId xmlns:a16="http://schemas.microsoft.com/office/drawing/2014/main" id="{7AC230C3-B6DC-459A-6E3F-2394AB209B41}"/>
+                </a:ext>
+              </a:extLst>
+            </p:cNvPr>
+            <p:cNvSpPr/>
+            <p:nvPr/>
+          </p:nvSpPr>
+          <p:spPr>
+            <a:xfrm>
+              <a:off x="2899680" y="3543024"/>
+              <a:ext cx="425816" cy="351565"/>
+            </a:xfrm>
+            <a:prstGeom prst="roundRect">
+              <a:avLst/>
+            </a:prstGeom>
+            <a:solidFill>
+              <a:srgbClr val="9A57CD"/>
+            </a:solidFill>
+            <a:ln>
+              <a:solidFill>
+                <a:schemeClr val="tx1"/>
+              </a:solidFill>
+            </a:ln>
+          </p:spPr>
+          <p:style>
+            <a:lnRef idx="2">
+              <a:schemeClr val="accent1">
+                <a:shade val="50000"/>
+              </a:schemeClr>
+            </a:lnRef>
+            <a:fillRef idx="1">
+              <a:schemeClr val="accent1"/>
+            </a:fillRef>
+            <a:effectRef idx="0">
+              <a:schemeClr val="accent1"/>
+            </a:effectRef>
+            <a:fontRef idx="minor">
+              <a:schemeClr val="lt1"/>
+            </a:fontRef>
+          </p:style>
+          <p:txBody>
+            <a:bodyPr rtlCol="0" anchor="ctr"/>
+            <a:lstStyle/>
+            <a:p>
+              <a:pPr algn="ctr"/>
+              <a:endParaRPr lang="en-GB"/>
+            </a:p>
+          </p:txBody>
+        </p:sp>
+        <p:sp>
+          <p:nvSpPr>
+            <p:cNvPr id="64" name="Rectangle: Rounded Corners 63">
+              <a:extLst>
+                <a:ext uri="{FF2B5EF4-FFF2-40B4-BE49-F238E27FC236}">
+                  <a16:creationId xmlns:a16="http://schemas.microsoft.com/office/drawing/2014/main" id="{8253828B-6500-05DB-B3F4-DE0CEA08709C}"/>
+                </a:ext>
+              </a:extLst>
+            </p:cNvPr>
+            <p:cNvSpPr/>
+            <p:nvPr/>
+          </p:nvSpPr>
+          <p:spPr>
+            <a:xfrm>
+              <a:off x="3660068" y="3620884"/>
+              <a:ext cx="425816" cy="351565"/>
+            </a:xfrm>
+            <a:prstGeom prst="roundRect">
+              <a:avLst/>
+            </a:prstGeom>
+            <a:solidFill>
+              <a:srgbClr val="9A57CD"/>
+            </a:solidFill>
+            <a:ln>
+              <a:solidFill>
+                <a:schemeClr val="tx1"/>
+              </a:solidFill>
+            </a:ln>
+          </p:spPr>
+          <p:style>
+            <a:lnRef idx="2">
+              <a:schemeClr val="accent1">
+                <a:shade val="50000"/>
+              </a:schemeClr>
+            </a:lnRef>
+            <a:fillRef idx="1">
+              <a:schemeClr val="accent1"/>
+            </a:fillRef>
+            <a:effectRef idx="0">
+              <a:schemeClr val="accent1"/>
+            </a:effectRef>
+            <a:fontRef idx="minor">
+              <a:schemeClr val="lt1"/>
+            </a:fontRef>
+          </p:style>
+          <p:txBody>
+            <a:bodyPr rtlCol="0" anchor="ctr"/>
+            <a:lstStyle/>
+            <a:p>
+              <a:pPr algn="ctr"/>
+              <a:endParaRPr lang="en-GB"/>
+            </a:p>
+          </p:txBody>
+        </p:sp>
+        <p:cxnSp>
+          <p:nvCxnSpPr>
+            <p:cNvPr id="65" name="Connector: Elbow 64">
+              <a:extLst>
+                <a:ext uri="{FF2B5EF4-FFF2-40B4-BE49-F238E27FC236}">
+                  <a16:creationId xmlns:a16="http://schemas.microsoft.com/office/drawing/2014/main" id="{623284CD-18F4-CF51-5F9F-6A6C6563AA46}"/>
+                </a:ext>
+              </a:extLst>
+            </p:cNvPr>
+            <p:cNvCxnSpPr>
+              <a:cxnSpLocks/>
+              <a:stCxn id="63" idx="3"/>
+              <a:endCxn id="64" idx="1"/>
+            </p:cNvCxnSpPr>
+            <p:nvPr/>
+          </p:nvCxnSpPr>
+          <p:spPr>
+            <a:xfrm>
+              <a:off x="3325496" y="3718807"/>
+              <a:ext cx="334572" cy="77860"/>
+            </a:xfrm>
+            <a:prstGeom prst="bentConnector3">
+              <a:avLst>
+                <a:gd name="adj1" fmla="val 57592"/>
+              </a:avLst>
+            </a:prstGeom>
+            <a:ln w="9525">
+              <a:solidFill>
+                <a:schemeClr val="tx1"/>
+              </a:solidFill>
+              <a:tailEnd type="none"/>
+            </a:ln>
+          </p:spPr>
+          <p:style>
+            <a:lnRef idx="1">
+              <a:schemeClr val="accent1"/>
+            </a:lnRef>
+            <a:fillRef idx="0">
+              <a:schemeClr val="accent1"/>
+            </a:fillRef>
+            <a:effectRef idx="0">
+              <a:schemeClr val="accent1"/>
+            </a:effectRef>
+            <a:fontRef idx="minor">
+              <a:schemeClr val="tx1"/>
+            </a:fontRef>
+          </p:style>
+        </p:cxnSp>
+        <p:cxnSp>
+          <p:nvCxnSpPr>
+            <p:cNvPr id="66" name="Straight Arrow Connector 65">
+              <a:extLst>
+                <a:ext uri="{FF2B5EF4-FFF2-40B4-BE49-F238E27FC236}">
+                  <a16:creationId xmlns:a16="http://schemas.microsoft.com/office/drawing/2014/main" id="{4E289FFA-45DA-6FFE-34F0-C4A60E2E3E8F}"/>
+                </a:ext>
+              </a:extLst>
+            </p:cNvPr>
+            <p:cNvCxnSpPr>
+              <a:cxnSpLocks/>
+              <a:stCxn id="48" idx="2"/>
+              <a:endCxn id="63" idx="1"/>
+            </p:cNvCxnSpPr>
+            <p:nvPr/>
+          </p:nvCxnSpPr>
+          <p:spPr>
+            <a:xfrm>
+              <a:off x="2548271" y="3292042"/>
+              <a:ext cx="351409" cy="426765"/>
+            </a:xfrm>
+            <a:prstGeom prst="straightConnector1">
+              <a:avLst/>
+            </a:prstGeom>
+            <a:ln w="9525">
+              <a:solidFill>
+                <a:schemeClr val="tx1"/>
+              </a:solidFill>
+              <a:prstDash val="dash"/>
+              <a:tailEnd type="triangle"/>
+            </a:ln>
+          </p:spPr>
+          <p:style>
+            <a:lnRef idx="1">
+              <a:schemeClr val="accent1"/>
+            </a:lnRef>
+            <a:fillRef idx="0">
+              <a:schemeClr val="accent1"/>
+            </a:fillRef>
+            <a:effectRef idx="0">
+              <a:schemeClr val="accent1"/>
+            </a:effectRef>
+            <a:fontRef idx="minor">
+              <a:schemeClr val="tx1"/>
+            </a:fontRef>
+          </p:style>
+        </p:cxnSp>
+        <p:sp>
+          <p:nvSpPr>
+            <p:cNvPr id="70" name="TextBox 69">
+              <a:extLst>
+                <a:ext uri="{FF2B5EF4-FFF2-40B4-BE49-F238E27FC236}">
+                  <a16:creationId xmlns:a16="http://schemas.microsoft.com/office/drawing/2014/main" id="{F0DC8FA8-A750-E835-50E7-91D1B053EA3E}"/>
+                </a:ext>
+              </a:extLst>
+            </p:cNvPr>
+            <p:cNvSpPr txBox="1"/>
+            <p:nvPr/>
+          </p:nvSpPr>
+          <p:spPr>
+            <a:xfrm>
+              <a:off x="2582958" y="2115294"/>
+              <a:ext cx="2108329" cy="215444"/>
+            </a:xfrm>
+            <a:prstGeom prst="rect">
+              <a:avLst/>
+            </a:prstGeom>
+            <a:noFill/>
+          </p:spPr>
+          <p:txBody>
+            <a:bodyPr wrap="square" rtlCol="0">
+              <a:spAutoFit/>
+            </a:bodyPr>
+            <a:lstStyle/>
+            <a:p>
+              <a:pPr algn="r"/>
+              <a:r>
+                <a:rPr lang="en-GB" sz="800" b="1" cap="all" dirty="0">
+                  <a:latin typeface="Alte Haas Grotesk" panose="02000503000000020004" pitchFamily="2" charset="0"/>
+                </a:rPr>
+                <a:t>Seat suggestions Domain</a:t>
+              </a:r>
+            </a:p>
+          </p:txBody>
+        </p:sp>
+        <p:sp>
+          <p:nvSpPr>
+            <p:cNvPr id="71" name="TextBox 70">
+              <a:extLst>
+                <a:ext uri="{FF2B5EF4-FFF2-40B4-BE49-F238E27FC236}">
+                  <a16:creationId xmlns:a16="http://schemas.microsoft.com/office/drawing/2014/main" id="{36926729-2368-F21C-A7F2-F3D542F577A7}"/>
+                </a:ext>
+              </a:extLst>
+            </p:cNvPr>
+            <p:cNvSpPr txBox="1"/>
+            <p:nvPr/>
+          </p:nvSpPr>
+          <p:spPr>
+            <a:xfrm>
+              <a:off x="3888634" y="1405675"/>
+              <a:ext cx="1523320" cy="272522"/>
+            </a:xfrm>
+            <a:prstGeom prst="rect">
+              <a:avLst/>
+            </a:prstGeom>
+            <a:noFill/>
+          </p:spPr>
+          <p:txBody>
+            <a:bodyPr wrap="square" rtlCol="0">
+              <a:spAutoFit/>
+            </a:bodyPr>
+            <a:lstStyle/>
+            <a:p>
+              <a:pPr algn="r"/>
+              <a:r>
+                <a:rPr lang="en-GB" sz="800" b="1" cap="all" dirty="0">
+                  <a:latin typeface="Alte Haas Grotesk" panose="02000503000000020004" pitchFamily="2" charset="0"/>
+                </a:rPr>
+                <a:t>Infrastructure</a:t>
+              </a:r>
+            </a:p>
+          </p:txBody>
+        </p:sp>
+        <p:pic>
+          <p:nvPicPr>
+            <p:cNvPr id="72" name="Picture 71">
+              <a:extLst>
+                <a:ext uri="{FF2B5EF4-FFF2-40B4-BE49-F238E27FC236}">
+                  <a16:creationId xmlns:a16="http://schemas.microsoft.com/office/drawing/2014/main" id="{7EB3B387-29CE-ED80-CE7F-BA9EBA7FB2A2}"/>
+                </a:ext>
+              </a:extLst>
+            </p:cNvPr>
+            <p:cNvPicPr>
+              <a:picLocks noChangeAspect="1"/>
+            </p:cNvPicPr>
+            <p:nvPr/>
+          </p:nvPicPr>
+          <p:blipFill>
+            <a:blip r:embed="rId2">
+              <a:extLst>
+                <a:ext uri="{28A0092B-C50C-407E-A947-70E740481C1C}">
+                  <a14:useLocalDpi xmlns:a14="http://schemas.microsoft.com/office/drawing/2010/main" val="0"/>
+                </a:ext>
+              </a:extLst>
+            </a:blip>
+            <a:stretch>
+              <a:fillRect/>
+            </a:stretch>
+          </p:blipFill>
+          <p:spPr>
+            <a:xfrm>
+              <a:off x="-228725" y="651514"/>
+              <a:ext cx="696871" cy="656800"/>
+            </a:xfrm>
+            <a:prstGeom prst="rect">
+              <a:avLst/>
+            </a:prstGeom>
+          </p:spPr>
+        </p:pic>
+        <p:cxnSp>
+          <p:nvCxnSpPr>
+            <p:cNvPr id="73" name="Straight Arrow Connector 72">
+              <a:extLst>
+                <a:ext uri="{FF2B5EF4-FFF2-40B4-BE49-F238E27FC236}">
+                  <a16:creationId xmlns:a16="http://schemas.microsoft.com/office/drawing/2014/main" id="{E0BD609C-A372-9B77-A208-61AAF7FAC62E}"/>
+                </a:ext>
+              </a:extLst>
+            </p:cNvPr>
+            <p:cNvCxnSpPr>
+              <a:cxnSpLocks/>
+            </p:cNvCxnSpPr>
+            <p:nvPr/>
+          </p:nvCxnSpPr>
+          <p:spPr>
+            <a:xfrm>
+              <a:off x="447979" y="1267403"/>
+              <a:ext cx="1145077" cy="894772"/>
+            </a:xfrm>
+            <a:prstGeom prst="straightConnector1">
+              <a:avLst/>
+            </a:prstGeom>
+            <a:ln w="19050">
+              <a:solidFill>
+                <a:schemeClr val="tx1"/>
+              </a:solidFill>
+              <a:prstDash val="solid"/>
+              <a:tailEnd type="triangle"/>
+            </a:ln>
+          </p:spPr>
+          <p:style>
+            <a:lnRef idx="1">
+              <a:schemeClr val="accent1"/>
+            </a:lnRef>
+            <a:fillRef idx="0">
+              <a:schemeClr val="accent1"/>
+            </a:fillRef>
+            <a:effectRef idx="0">
+              <a:schemeClr val="accent1"/>
+            </a:effectRef>
+            <a:fontRef idx="minor">
+              <a:schemeClr val="tx1"/>
+            </a:fontRef>
+          </p:style>
+        </p:cxnSp>
+        <p:sp>
+          <p:nvSpPr>
+            <p:cNvPr id="74" name="TextBox 73">
+              <a:extLst>
+                <a:ext uri="{FF2B5EF4-FFF2-40B4-BE49-F238E27FC236}">
+                  <a16:creationId xmlns:a16="http://schemas.microsoft.com/office/drawing/2014/main" id="{39B6EC26-17C9-4060-F3BD-944E655A43B6}"/>
+                </a:ext>
+              </a:extLst>
+            </p:cNvPr>
+            <p:cNvSpPr txBox="1"/>
+            <p:nvPr/>
+          </p:nvSpPr>
+          <p:spPr>
+            <a:xfrm>
+              <a:off x="756465" y="1541936"/>
+              <a:ext cx="487634" cy="230832"/>
+            </a:xfrm>
+            <a:prstGeom prst="rect">
+              <a:avLst/>
+            </a:prstGeom>
+            <a:solidFill>
+              <a:srgbClr val="E4C16C"/>
+            </a:solidFill>
+          </p:spPr>
+          <p:txBody>
+            <a:bodyPr wrap="none" rtlCol="0">
+              <a:spAutoFit/>
+            </a:bodyPr>
+            <a:lstStyle>
+              <a:defPPr>
+                <a:defRPr lang="fr-FR"/>
+              </a:defPPr>
+              <a:lvl1pPr>
+                <a:defRPr sz="900" b="1">
+                  <a:latin typeface="Alte Haas Grotesk" panose="02000503000000020004" pitchFamily="2" charset="0"/>
+                </a:defRPr>
+              </a:lvl1pPr>
+            </a:lstStyle>
+            <a:p>
+              <a:r>
+                <a:rPr lang="fr-FR" dirty="0"/>
+                <a:t>HTTP</a:t>
+              </a:r>
+              <a:endParaRPr lang="en-GB" dirty="0"/>
+            </a:p>
+          </p:txBody>
+        </p:sp>
+        <p:sp>
+          <p:nvSpPr>
+            <p:cNvPr id="85" name="Right Brace 84">
+              <a:extLst>
+                <a:ext uri="{FF2B5EF4-FFF2-40B4-BE49-F238E27FC236}">
+                  <a16:creationId xmlns:a16="http://schemas.microsoft.com/office/drawing/2014/main" id="{ECBCF79C-DB7C-8437-A8D1-79A66D6A3034}"/>
+                </a:ext>
+              </a:extLst>
+            </p:cNvPr>
+            <p:cNvSpPr/>
+            <p:nvPr/>
+          </p:nvSpPr>
+          <p:spPr>
+            <a:xfrm rot="12414236">
+              <a:off x="4725358" y="4000552"/>
+              <a:ext cx="883655" cy="428062"/>
+            </a:xfrm>
+            <a:prstGeom prst="rightBrace">
+              <a:avLst>
+                <a:gd name="adj1" fmla="val 9622"/>
+                <a:gd name="adj2" fmla="val 54011"/>
+              </a:avLst>
+            </a:prstGeom>
+            <a:ln w="34925">
+              <a:solidFill>
+                <a:schemeClr val="tx1"/>
+              </a:solidFill>
+            </a:ln>
+          </p:spPr>
+          <p:style>
+            <a:lnRef idx="1">
+              <a:schemeClr val="accent1"/>
+            </a:lnRef>
+            <a:fillRef idx="0">
+              <a:schemeClr val="accent1"/>
+            </a:fillRef>
+            <a:effectRef idx="0">
+              <a:schemeClr val="accent1"/>
+            </a:effectRef>
+            <a:fontRef idx="minor">
+              <a:schemeClr val="tx1"/>
+            </a:fontRef>
+          </p:style>
+          <p:txBody>
+            <a:bodyPr rtlCol="0" anchor="ctr"/>
+            <a:lstStyle/>
+            <a:p>
+              <a:pPr algn="ctr"/>
+              <a:endParaRPr lang="en-GB"/>
+            </a:p>
+          </p:txBody>
+        </p:sp>
+        <p:sp>
+          <p:nvSpPr>
+            <p:cNvPr id="86" name="Oval 85">
+              <a:extLst>
+                <a:ext uri="{FF2B5EF4-FFF2-40B4-BE49-F238E27FC236}">
+                  <a16:creationId xmlns:a16="http://schemas.microsoft.com/office/drawing/2014/main" id="{EFB2C063-5C64-7717-7CF4-F13A7821C2FA}"/>
+                </a:ext>
+              </a:extLst>
+            </p:cNvPr>
+            <p:cNvSpPr/>
+            <p:nvPr/>
+          </p:nvSpPr>
+          <p:spPr>
+            <a:xfrm>
+              <a:off x="4632022" y="3886762"/>
+              <a:ext cx="171374" cy="171374"/>
+            </a:xfrm>
+            <a:prstGeom prst="ellipse">
+              <a:avLst/>
+            </a:prstGeom>
+            <a:solidFill>
+              <a:schemeClr val="bg1"/>
+            </a:solidFill>
+            <a:ln w="19050">
+              <a:solidFill>
+                <a:schemeClr val="tx1"/>
+              </a:solidFill>
+            </a:ln>
+          </p:spPr>
+          <p:style>
+            <a:lnRef idx="2">
+              <a:schemeClr val="accent1">
+                <a:shade val="50000"/>
+              </a:schemeClr>
+            </a:lnRef>
+            <a:fillRef idx="1">
+              <a:schemeClr val="accent1"/>
+            </a:fillRef>
+            <a:effectRef idx="0">
+              <a:schemeClr val="accent1"/>
+            </a:effectRef>
+            <a:fontRef idx="minor">
+              <a:schemeClr val="lt1"/>
+            </a:fontRef>
+          </p:style>
+          <p:txBody>
+            <a:bodyPr rtlCol="0" anchor="ctr"/>
+            <a:lstStyle/>
+            <a:p>
+              <a:pPr algn="ctr"/>
+              <a:endParaRPr lang="en-GB"/>
+            </a:p>
+          </p:txBody>
+        </p:sp>
+        <p:sp>
+          <p:nvSpPr>
+            <p:cNvPr id="84" name="Rectangle 83">
+              <a:extLst>
+                <a:ext uri="{FF2B5EF4-FFF2-40B4-BE49-F238E27FC236}">
+                  <a16:creationId xmlns:a16="http://schemas.microsoft.com/office/drawing/2014/main" id="{DC2D66E4-746D-C29C-9C6E-03E99FEE3A62}"/>
+                </a:ext>
+              </a:extLst>
+            </p:cNvPr>
+            <p:cNvSpPr/>
+            <p:nvPr/>
+          </p:nvSpPr>
+          <p:spPr>
+            <a:xfrm rot="17820000">
+              <a:off x="4959075" y="4081501"/>
+              <a:ext cx="823899" cy="546311"/>
+            </a:xfrm>
+            <a:prstGeom prst="rect">
+              <a:avLst/>
+            </a:prstGeom>
+            <a:solidFill>
+              <a:schemeClr val="accent4">
+                <a:lumMod val="60000"/>
+                <a:lumOff val="40000"/>
+              </a:schemeClr>
+            </a:solidFill>
+            <a:ln w="25400">
+              <a:solidFill>
+                <a:schemeClr val="tx1"/>
+              </a:solidFill>
+            </a:ln>
+          </p:spPr>
+          <p:style>
+            <a:lnRef idx="2">
+              <a:schemeClr val="accent1">
+                <a:shade val="50000"/>
+              </a:schemeClr>
+            </a:lnRef>
+            <a:fillRef idx="1">
+              <a:schemeClr val="accent1"/>
+            </a:fillRef>
+            <a:effectRef idx="0">
+              <a:schemeClr val="accent1"/>
+            </a:effectRef>
+            <a:fontRef idx="minor">
+              <a:schemeClr val="lt1"/>
+            </a:fontRef>
+          </p:style>
+          <p:txBody>
+            <a:bodyPr rtlCol="0" anchor="ctr"/>
+            <a:lstStyle/>
+            <a:p>
+              <a:pPr algn="ctr"/>
+              <a:r>
+                <a:rPr lang="fr-FR" sz="900" cap="all" dirty="0">
+                  <a:solidFill>
+                    <a:schemeClr val="tx1"/>
+                  </a:solidFill>
+                </a:rPr>
+                <a:t>Repository (Adapter)</a:t>
+              </a:r>
+              <a:endParaRPr lang="en-GB" sz="900" cap="all" dirty="0">
+                <a:solidFill>
+                  <a:schemeClr val="tx1"/>
+                </a:solidFill>
+              </a:endParaRPr>
+            </a:p>
+          </p:txBody>
+        </p:sp>
+        <p:cxnSp>
+          <p:nvCxnSpPr>
+            <p:cNvPr id="94" name="Straight Arrow Connector 93">
+              <a:extLst>
+                <a:ext uri="{FF2B5EF4-FFF2-40B4-BE49-F238E27FC236}">
+                  <a16:creationId xmlns:a16="http://schemas.microsoft.com/office/drawing/2014/main" id="{6264A4D3-64FF-9EDF-3633-89AB523BA0D2}"/>
+                </a:ext>
+              </a:extLst>
+            </p:cNvPr>
+            <p:cNvCxnSpPr>
+              <a:cxnSpLocks/>
+              <a:stCxn id="64" idx="3"/>
+              <a:endCxn id="86" idx="2"/>
+            </p:cNvCxnSpPr>
+            <p:nvPr/>
+          </p:nvCxnSpPr>
+          <p:spPr>
+            <a:xfrm>
+              <a:off x="4085884" y="3796667"/>
+              <a:ext cx="546138" cy="175782"/>
+            </a:xfrm>
+            <a:prstGeom prst="straightConnector1">
+              <a:avLst/>
+            </a:prstGeom>
+            <a:ln w="9525">
+              <a:solidFill>
+                <a:schemeClr val="tx1"/>
+              </a:solidFill>
+              <a:prstDash val="dash"/>
+              <a:tailEnd type="triangle"/>
+            </a:ln>
+          </p:spPr>
+          <p:style>
+            <a:lnRef idx="1">
+              <a:schemeClr val="accent1"/>
+            </a:lnRef>
+            <a:fillRef idx="0">
+              <a:schemeClr val="accent1"/>
+            </a:fillRef>
+            <a:effectRef idx="0">
+              <a:schemeClr val="accent1"/>
+            </a:effectRef>
+            <a:fontRef idx="minor">
+              <a:schemeClr val="tx1"/>
+            </a:fontRef>
+          </p:style>
+        </p:cxnSp>
+        <p:sp>
+          <p:nvSpPr>
+            <p:cNvPr id="100" name="Diamond 99">
+              <a:extLst>
+                <a:ext uri="{FF2B5EF4-FFF2-40B4-BE49-F238E27FC236}">
+                  <a16:creationId xmlns:a16="http://schemas.microsoft.com/office/drawing/2014/main" id="{6CA5F1AF-7106-D0E4-AB41-41734719A651}"/>
+                </a:ext>
+              </a:extLst>
+            </p:cNvPr>
+            <p:cNvSpPr/>
+            <p:nvPr/>
+          </p:nvSpPr>
+          <p:spPr>
+            <a:xfrm>
+              <a:off x="3332536" y="3640001"/>
+              <a:ext cx="167131" cy="167131"/>
+            </a:xfrm>
+            <a:prstGeom prst="diamond">
+              <a:avLst/>
+            </a:prstGeom>
+            <a:solidFill>
+              <a:schemeClr val="tx1"/>
+            </a:solidFill>
+            <a:ln>
+              <a:solidFill>
+                <a:schemeClr val="tx1"/>
+              </a:solidFill>
+            </a:ln>
+          </p:spPr>
+          <p:style>
+            <a:lnRef idx="2">
+              <a:schemeClr val="accent1">
+                <a:shade val="50000"/>
+              </a:schemeClr>
+            </a:lnRef>
+            <a:fillRef idx="1">
+              <a:schemeClr val="accent1"/>
+            </a:fillRef>
+            <a:effectRef idx="0">
+              <a:schemeClr val="accent1"/>
+            </a:effectRef>
+            <a:fontRef idx="minor">
+              <a:schemeClr val="lt1"/>
+            </a:fontRef>
+          </p:style>
+          <p:txBody>
+            <a:bodyPr rtlCol="0" anchor="ctr"/>
+            <a:lstStyle/>
+            <a:p>
+              <a:pPr algn="ctr"/>
+              <a:endParaRPr lang="en-GB"/>
+            </a:p>
+          </p:txBody>
+        </p:sp>
+        <p:sp>
+          <p:nvSpPr>
+            <p:cNvPr id="102" name="Flowchart: Magnetic Disk 101">
+              <a:extLst>
+                <a:ext uri="{FF2B5EF4-FFF2-40B4-BE49-F238E27FC236}">
+                  <a16:creationId xmlns:a16="http://schemas.microsoft.com/office/drawing/2014/main" id="{8809B9B3-2ABA-7002-C465-823660F01F15}"/>
+                </a:ext>
+              </a:extLst>
+            </p:cNvPr>
+            <p:cNvSpPr/>
+            <p:nvPr/>
+          </p:nvSpPr>
+          <p:spPr>
+            <a:xfrm>
+              <a:off x="6449037" y="4738570"/>
+              <a:ext cx="504521" cy="707978"/>
+            </a:xfrm>
+            <a:prstGeom prst="flowChartMagneticDisk">
+              <a:avLst/>
+            </a:prstGeom>
+            <a:solidFill>
+              <a:srgbClr val="DFC9EF"/>
+            </a:solidFill>
+            <a:ln w="25400">
+              <a:solidFill>
+                <a:srgbClr val="7030A0"/>
+              </a:solidFill>
+            </a:ln>
+          </p:spPr>
+          <p:style>
+            <a:lnRef idx="2">
+              <a:schemeClr val="accent1">
+                <a:shade val="50000"/>
+              </a:schemeClr>
+            </a:lnRef>
+            <a:fillRef idx="1">
+              <a:schemeClr val="accent1"/>
+            </a:fillRef>
+            <a:effectRef idx="0">
+              <a:schemeClr val="accent1"/>
+            </a:effectRef>
+            <a:fontRef idx="minor">
+              <a:schemeClr val="lt1"/>
+            </a:fontRef>
+          </p:style>
+          <p:txBody>
+            <a:bodyPr rtlCol="0" anchor="ctr"/>
+            <a:lstStyle/>
+            <a:p>
+              <a:pPr algn="ctr"/>
+              <a:r>
+                <a:rPr lang="fr-FR" sz="1400" b="1" cap="all" dirty="0" err="1">
+                  <a:solidFill>
+                    <a:schemeClr val="tx1"/>
+                  </a:solidFill>
+                  <a:latin typeface="Alte Haas Grotesk" panose="02000503000000020004" pitchFamily="2" charset="0"/>
+                </a:rPr>
+                <a:t>db</a:t>
+              </a:r>
+              <a:endParaRPr lang="fr-FR" sz="1400" b="1" cap="all" dirty="0">
+                <a:solidFill>
+                  <a:schemeClr val="tx1"/>
+                </a:solidFill>
+                <a:latin typeface="Alte Haas Grotesk" panose="02000503000000020004" pitchFamily="2" charset="0"/>
+              </a:endParaRPr>
+            </a:p>
+          </p:txBody>
+        </p:sp>
+        <p:cxnSp>
+          <p:nvCxnSpPr>
+            <p:cNvPr id="103" name="Straight Arrow Connector 102">
+              <a:extLst>
+                <a:ext uri="{FF2B5EF4-FFF2-40B4-BE49-F238E27FC236}">
+                  <a16:creationId xmlns:a16="http://schemas.microsoft.com/office/drawing/2014/main" id="{9DC579C9-2B02-64AB-2FBD-5421A8699E3D}"/>
+                </a:ext>
+              </a:extLst>
+            </p:cNvPr>
+            <p:cNvCxnSpPr>
+              <a:cxnSpLocks/>
+              <a:stCxn id="84" idx="2"/>
+              <a:endCxn id="102" idx="2"/>
+            </p:cNvCxnSpPr>
+            <p:nvPr/>
+          </p:nvCxnSpPr>
+          <p:spPr>
+            <a:xfrm>
+              <a:off x="5614408" y="4478666"/>
+              <a:ext cx="834629" cy="613893"/>
+            </a:xfrm>
+            <a:prstGeom prst="straightConnector1">
+              <a:avLst/>
+            </a:prstGeom>
+            <a:ln w="19050">
+              <a:solidFill>
+                <a:schemeClr val="tx1"/>
+              </a:solidFill>
+              <a:prstDash val="solid"/>
+              <a:tailEnd type="triangle"/>
+            </a:ln>
+          </p:spPr>
+          <p:style>
+            <a:lnRef idx="1">
+              <a:schemeClr val="accent1"/>
+            </a:lnRef>
+            <a:fillRef idx="0">
+              <a:schemeClr val="accent1"/>
+            </a:fillRef>
+            <a:effectRef idx="0">
+              <a:schemeClr val="accent1"/>
+            </a:effectRef>
+            <a:fontRef idx="minor">
+              <a:schemeClr val="tx1"/>
+            </a:fontRef>
+          </p:style>
+        </p:cxnSp>
+        <p:sp>
+          <p:nvSpPr>
+            <p:cNvPr id="109" name="TextBox 108">
+              <a:extLst>
+                <a:ext uri="{FF2B5EF4-FFF2-40B4-BE49-F238E27FC236}">
+                  <a16:creationId xmlns:a16="http://schemas.microsoft.com/office/drawing/2014/main" id="{35FD09CB-1EA0-C721-B9D5-8B0814D9365D}"/>
+                </a:ext>
+              </a:extLst>
+            </p:cNvPr>
+            <p:cNvSpPr txBox="1"/>
+            <p:nvPr/>
+          </p:nvSpPr>
+          <p:spPr>
+            <a:xfrm>
+              <a:off x="2047278" y="4991066"/>
+              <a:ext cx="3338271" cy="369332"/>
+            </a:xfrm>
+            <a:prstGeom prst="rect">
+              <a:avLst/>
+            </a:prstGeom>
+            <a:noFill/>
+          </p:spPr>
+          <p:txBody>
+            <a:bodyPr wrap="square" rtlCol="0">
+              <a:spAutoFit/>
+            </a:bodyPr>
+            <a:lstStyle/>
+            <a:p>
+              <a:pPr algn="ctr"/>
+              <a:r>
+                <a:rPr lang="en-GB" b="1" cap="all" dirty="0">
+                  <a:solidFill>
+                    <a:srgbClr val="C00000"/>
+                  </a:solidFill>
+                  <a:latin typeface="Alte Haas Grotesk" panose="02000503000000020004" pitchFamily="2" charset="0"/>
+                </a:rPr>
+                <a:t>Seat Suggestions API</a:t>
+              </a:r>
+            </a:p>
+          </p:txBody>
+        </p:sp>
+        <p:sp>
+          <p:nvSpPr>
+            <p:cNvPr id="216" name="Rectangle 215">
+              <a:extLst>
+                <a:ext uri="{FF2B5EF4-FFF2-40B4-BE49-F238E27FC236}">
+                  <a16:creationId xmlns:a16="http://schemas.microsoft.com/office/drawing/2014/main" id="{B4EA41F1-A440-2F90-8DE8-61CF29EE04C4}"/>
+                </a:ext>
+              </a:extLst>
+            </p:cNvPr>
+            <p:cNvSpPr/>
+            <p:nvPr/>
+          </p:nvSpPr>
+          <p:spPr>
+            <a:xfrm rot="17820000">
+              <a:off x="5411476" y="3179914"/>
+              <a:ext cx="824437" cy="546311"/>
+            </a:xfrm>
+            <a:prstGeom prst="rect">
+              <a:avLst/>
+            </a:prstGeom>
+            <a:solidFill>
+              <a:srgbClr val="FFD966"/>
+            </a:solidFill>
+            <a:ln w="25400">
+              <a:solidFill>
+                <a:schemeClr val="tx1"/>
+              </a:solidFill>
+            </a:ln>
+          </p:spPr>
+          <p:style>
+            <a:lnRef idx="2">
+              <a:schemeClr val="accent1">
+                <a:shade val="50000"/>
+              </a:schemeClr>
+            </a:lnRef>
+            <a:fillRef idx="1">
+              <a:schemeClr val="accent1"/>
+            </a:fillRef>
+            <a:effectRef idx="0">
+              <a:schemeClr val="accent1"/>
+            </a:effectRef>
+            <a:fontRef idx="minor">
+              <a:schemeClr val="lt1"/>
+            </a:fontRef>
+          </p:style>
+          <p:txBody>
+            <a:bodyPr rtlCol="0" anchor="ctr"/>
+            <a:lstStyle/>
+            <a:p>
+              <a:pPr algn="ctr"/>
+              <a:r>
+                <a:rPr lang="fr-FR" sz="900" cap="all" dirty="0">
+                  <a:solidFill>
+                    <a:schemeClr val="tx1"/>
+                  </a:solidFill>
+                </a:rPr>
+                <a:t>Auditorium </a:t>
+              </a:r>
+              <a:r>
+                <a:rPr lang="fr-FR" sz="900" cap="all" dirty="0" err="1">
+                  <a:solidFill>
+                    <a:schemeClr val="tx1"/>
+                  </a:solidFill>
+                </a:rPr>
+                <a:t>seating</a:t>
+              </a:r>
+              <a:r>
+                <a:rPr lang="fr-FR" sz="900" cap="all" dirty="0">
+                  <a:solidFill>
+                    <a:schemeClr val="tx1"/>
+                  </a:solidFill>
+                </a:rPr>
+                <a:t> web Adapter</a:t>
+              </a:r>
+              <a:endParaRPr lang="en-GB" sz="900" cap="all" dirty="0">
+                <a:solidFill>
+                  <a:schemeClr val="tx1"/>
+                </a:solidFill>
+              </a:endParaRPr>
+            </a:p>
+          </p:txBody>
+        </p:sp>
+        <p:cxnSp>
+          <p:nvCxnSpPr>
+            <p:cNvPr id="159" name="Straight Arrow Connector 158">
+              <a:extLst>
+                <a:ext uri="{FF2B5EF4-FFF2-40B4-BE49-F238E27FC236}">
+                  <a16:creationId xmlns:a16="http://schemas.microsoft.com/office/drawing/2014/main" id="{482C9FBF-083C-E03A-1E91-7D0E1A3E8928}"/>
+                </a:ext>
+              </a:extLst>
+            </p:cNvPr>
+            <p:cNvCxnSpPr>
+              <a:cxnSpLocks/>
+              <a:stCxn id="160" idx="2"/>
+            </p:cNvCxnSpPr>
+            <p:nvPr/>
+          </p:nvCxnSpPr>
+          <p:spPr>
+            <a:xfrm>
+              <a:off x="2082406" y="2316045"/>
+              <a:ext cx="400567" cy="303239"/>
+            </a:xfrm>
+            <a:prstGeom prst="straightConnector1">
+              <a:avLst/>
+            </a:prstGeom>
+            <a:ln w="38100">
+              <a:solidFill>
+                <a:srgbClr val="C00000"/>
+              </a:solidFill>
+              <a:prstDash val="sysDash"/>
+              <a:tailEnd type="triangle"/>
+            </a:ln>
+          </p:spPr>
+          <p:style>
+            <a:lnRef idx="1">
+              <a:schemeClr val="accent1"/>
+            </a:lnRef>
+            <a:fillRef idx="0">
+              <a:schemeClr val="accent1"/>
+            </a:fillRef>
+            <a:effectRef idx="0">
+              <a:schemeClr val="accent1"/>
+            </a:effectRef>
+            <a:fontRef idx="minor">
+              <a:schemeClr val="tx1"/>
+            </a:fontRef>
+          </p:style>
+        </p:cxnSp>
+        <p:sp>
+          <p:nvSpPr>
+            <p:cNvPr id="160" name="Rectangle 159">
+              <a:extLst>
+                <a:ext uri="{FF2B5EF4-FFF2-40B4-BE49-F238E27FC236}">
+                  <a16:creationId xmlns:a16="http://schemas.microsoft.com/office/drawing/2014/main" id="{E6B81530-3AF7-F7F1-E6D2-30E2FCEF1862}"/>
+                </a:ext>
+              </a:extLst>
+            </p:cNvPr>
+            <p:cNvSpPr/>
+            <p:nvPr/>
+          </p:nvSpPr>
+          <p:spPr>
+            <a:xfrm rot="17798078">
+              <a:off x="1343693" y="1999023"/>
+              <a:ext cx="1086095" cy="437786"/>
+            </a:xfrm>
+            <a:prstGeom prst="rect">
+              <a:avLst/>
+            </a:prstGeom>
+            <a:solidFill>
+              <a:schemeClr val="accent4">
+                <a:lumMod val="60000"/>
+                <a:lumOff val="40000"/>
+              </a:schemeClr>
+            </a:solidFill>
+            <a:ln w="25400">
+              <a:solidFill>
+                <a:schemeClr val="tx1"/>
+              </a:solidFill>
+            </a:ln>
+          </p:spPr>
+          <p:style>
+            <a:lnRef idx="2">
+              <a:schemeClr val="accent1">
+                <a:shade val="50000"/>
+              </a:schemeClr>
+            </a:lnRef>
+            <a:fillRef idx="1">
+              <a:schemeClr val="accent1"/>
+            </a:fillRef>
+            <a:effectRef idx="0">
+              <a:schemeClr val="accent1"/>
+            </a:effectRef>
+            <a:fontRef idx="minor">
+              <a:schemeClr val="lt1"/>
+            </a:fontRef>
+          </p:style>
+          <p:txBody>
+            <a:bodyPr rtlCol="0" anchor="ctr"/>
+            <a:lstStyle/>
+            <a:p>
+              <a:pPr algn="ctr"/>
+              <a:r>
+                <a:rPr lang="fr-FR" sz="900" cap="all" dirty="0" err="1">
+                  <a:solidFill>
+                    <a:schemeClr val="tx1"/>
+                  </a:solidFill>
+                </a:rPr>
+                <a:t>WebController</a:t>
+              </a:r>
+              <a:r>
+                <a:rPr lang="fr-FR" sz="900" cap="all" dirty="0">
+                  <a:solidFill>
+                    <a:schemeClr val="tx1"/>
+                  </a:solidFill>
+                </a:rPr>
+                <a:t> (Adapter)</a:t>
+              </a:r>
+              <a:endParaRPr lang="en-GB" sz="900" cap="all" dirty="0">
+                <a:solidFill>
+                  <a:schemeClr val="tx1"/>
+                </a:solidFill>
+              </a:endParaRPr>
+            </a:p>
+          </p:txBody>
+        </p:sp>
+        <p:sp>
+          <p:nvSpPr>
+            <p:cNvPr id="161" name="TextBox 160">
+              <a:extLst>
+                <a:ext uri="{FF2B5EF4-FFF2-40B4-BE49-F238E27FC236}">
+                  <a16:creationId xmlns:a16="http://schemas.microsoft.com/office/drawing/2014/main" id="{7F5086DF-C070-E37B-B057-56181D96B9DE}"/>
+                </a:ext>
+              </a:extLst>
+            </p:cNvPr>
+            <p:cNvSpPr txBox="1"/>
+            <p:nvPr/>
+          </p:nvSpPr>
+          <p:spPr>
+            <a:xfrm>
+              <a:off x="2078667" y="2152354"/>
+              <a:ext cx="618793" cy="215444"/>
+            </a:xfrm>
+            <a:prstGeom prst="rect">
+              <a:avLst/>
+            </a:prstGeom>
+            <a:noFill/>
+          </p:spPr>
+          <p:txBody>
+            <a:bodyPr wrap="square" rtlCol="0">
+              <a:spAutoFit/>
+            </a:bodyPr>
+            <a:lstStyle/>
+            <a:p>
+              <a:r>
+                <a:rPr lang="fr-FR" sz="800" b="1" dirty="0">
+                  <a:solidFill>
+                    <a:srgbClr val="C00000"/>
+                  </a:solidFill>
+                  <a:latin typeface="Alte Haas Grotesk" panose="02000503000000020004" pitchFamily="2" charset="0"/>
+                </a:rPr>
+                <a:t>(in proc)</a:t>
+              </a:r>
+              <a:endParaRPr lang="en-GB" sz="800" b="1" dirty="0">
+                <a:solidFill>
+                  <a:srgbClr val="C00000"/>
+                </a:solidFill>
+                <a:latin typeface="Alte Haas Grotesk" panose="02000503000000020004" pitchFamily="2" charset="0"/>
+              </a:endParaRPr>
+            </a:p>
+          </p:txBody>
+        </p:sp>
+        <p:sp>
+          <p:nvSpPr>
+            <p:cNvPr id="134" name="TextBox 133">
+              <a:extLst>
+                <a:ext uri="{FF2B5EF4-FFF2-40B4-BE49-F238E27FC236}">
+                  <a16:creationId xmlns:a16="http://schemas.microsoft.com/office/drawing/2014/main" id="{CCB73EF0-935D-80FD-0DA6-10CCD5AA72D7}"/>
+                </a:ext>
+              </a:extLst>
+            </p:cNvPr>
+            <p:cNvSpPr txBox="1"/>
+            <p:nvPr/>
+          </p:nvSpPr>
+          <p:spPr>
+            <a:xfrm>
+              <a:off x="6600880" y="3691716"/>
+              <a:ext cx="487634" cy="230832"/>
+            </a:xfrm>
+            <a:prstGeom prst="rect">
+              <a:avLst/>
+            </a:prstGeom>
+            <a:solidFill>
+              <a:srgbClr val="D39807"/>
+            </a:solidFill>
+          </p:spPr>
+          <p:txBody>
+            <a:bodyPr wrap="none" rtlCol="0">
+              <a:spAutoFit/>
+            </a:bodyPr>
+            <a:lstStyle/>
+            <a:p>
+              <a:r>
+                <a:rPr lang="fr-FR" sz="900" b="1" dirty="0">
+                  <a:latin typeface="Alte Haas Grotesk" panose="02000503000000020004" pitchFamily="2" charset="0"/>
+                </a:rPr>
+                <a:t>HTTP</a:t>
+              </a:r>
+              <a:endParaRPr lang="en-GB" sz="900" b="1" dirty="0">
+                <a:latin typeface="Alte Haas Grotesk" panose="02000503000000020004" pitchFamily="2" charset="0"/>
+              </a:endParaRPr>
+            </a:p>
+          </p:txBody>
+        </p:sp>
+      </p:grpSp>
+    </p:spTree>
+    <p:extLst>
+      <p:ext uri="{BB962C8B-B14F-4D97-AF65-F5344CB8AC3E}">
+        <p14:creationId xmlns:p14="http://schemas.microsoft.com/office/powerpoint/2010/main" val="942741703"/>
+      </p:ext>
+    </p:extLst>
+  </p:cSld>
+  <p:clrMapOvr>
+    <a:masterClrMapping/>
+  </p:clrMapOvr>
+</p:sld>
+</file>
+
+<file path=ppt/slides/slide11.xml><?xml version="1.0" encoding="utf-8"?>
+<p:sld xmlns:a="http://schemas.openxmlformats.org/drawingml/2006/main" xmlns:r="http://schemas.openxmlformats.org/officeDocument/2006/relationships" xmlns:p="http://schemas.openxmlformats.org/presentationml/2006/main">
+  <p:cSld>
+    <p:spTree>
+      <p:nvGrpSpPr>
+        <p:cNvPr id="1" name=""/>
+        <p:cNvGrpSpPr/>
+        <p:nvPr/>
+      </p:nvGrpSpPr>
+      <p:grpSpPr>
+        <a:xfrm>
+          <a:off x="0" y="0"/>
+          <a:ext cx="0" cy="0"/>
+          <a:chOff x="0" y="0"/>
+          <a:chExt cx="0" cy="0"/>
+        </a:xfrm>
+      </p:grpSpPr>
+      <p:sp>
+        <p:nvSpPr>
+          <p:cNvPr id="2" name="Title 1">
+            <a:extLst>
+              <a:ext uri="{FF2B5EF4-FFF2-40B4-BE49-F238E27FC236}">
+                <a16:creationId xmlns:a16="http://schemas.microsoft.com/office/drawing/2014/main" id="{68B2F55C-0C67-8008-3583-F16BF41CBA06}"/>
+              </a:ext>
+            </a:extLst>
+          </p:cNvPr>
+          <p:cNvSpPr>
+            <a:spLocks noGrp="1"/>
+          </p:cNvSpPr>
+          <p:nvPr>
+            <p:ph type="title"/>
+          </p:nvPr>
+        </p:nvSpPr>
+        <p:spPr/>
+        <p:txBody>
+          <a:bodyPr>
+            <a:normAutofit/>
+          </a:bodyPr>
+          <a:lstStyle/>
+          <a:p>
+            <a:r>
+              <a:rPr lang="en-US" sz="3600" b="1" cap="all" dirty="0">
+                <a:solidFill>
+                  <a:srgbClr val="C00000"/>
+                </a:solidFill>
+                <a:latin typeface="Alte Haas Grotesk" panose="02000503000000020004" pitchFamily="2" charset="0"/>
+              </a:rPr>
+              <a:t>Hexagonal Architecture: one pattern, multiple facets?</a:t>
+            </a:r>
+          </a:p>
+        </p:txBody>
+      </p:sp>
+      <p:sp>
+        <p:nvSpPr>
+          <p:cNvPr id="3" name="Content Placeholder 2">
+            <a:extLst>
+              <a:ext uri="{FF2B5EF4-FFF2-40B4-BE49-F238E27FC236}">
+                <a16:creationId xmlns:a16="http://schemas.microsoft.com/office/drawing/2014/main" id="{E9C66A2F-28C4-07BB-AD2E-7140FA48EA35}"/>
+              </a:ext>
+            </a:extLst>
+          </p:cNvPr>
+          <p:cNvSpPr>
+            <a:spLocks noGrp="1"/>
+          </p:cNvSpPr>
+          <p:nvPr>
+            <p:ph idx="1"/>
+          </p:nvPr>
+        </p:nvSpPr>
+        <p:spPr>
+          <a:xfrm>
+            <a:off x="1985034" y="1825625"/>
+            <a:ext cx="9709608" cy="1996567"/>
+          </a:xfrm>
+          <a:solidFill>
+            <a:schemeClr val="bg2">
+              <a:alpha val="48000"/>
+            </a:schemeClr>
+          </a:solidFill>
+          <a:ln>
+            <a:noFill/>
+          </a:ln>
+        </p:spPr>
+        <p:txBody>
+          <a:bodyPr tIns="91440" bIns="0">
+            <a:normAutofit fontScale="85000" lnSpcReduction="20000"/>
+          </a:bodyPr>
+          <a:lstStyle/>
+          <a:p>
+            <a:r>
+              <a:rPr lang="en-US" b="1" i="1" dirty="0">
+                <a:solidFill>
+                  <a:srgbClr val="C00000"/>
+                </a:solidFill>
+                <a:effectLst/>
+                <a:ea typeface="Times New Roman" panose="02020603050405020304" pitchFamily="18" charset="0"/>
+              </a:rPr>
+              <a:t>The technological facet:</a:t>
+            </a:r>
+            <a:r>
+              <a:rPr lang="en-US" b="1" i="1" dirty="0">
+                <a:effectLst/>
+                <a:ea typeface="Times New Roman" panose="02020603050405020304" pitchFamily="18" charset="0"/>
+              </a:rPr>
+              <a:t> </a:t>
+            </a:r>
+            <a:r>
+              <a:rPr lang="en-US" dirty="0">
+                <a:effectLst/>
+                <a:ea typeface="Times New Roman" panose="02020603050405020304" pitchFamily="18" charset="0"/>
+              </a:rPr>
+              <a:t>to easily switch one technology with another without breaking our core domain code (like plug-ins)</a:t>
+            </a:r>
+          </a:p>
+          <a:p>
+            <a:r>
+              <a:rPr lang="en-US" b="1" i="1" dirty="0">
+                <a:solidFill>
+                  <a:srgbClr val="C00000"/>
+                </a:solidFill>
+                <a:effectLst/>
+                <a:ea typeface="Times New Roman" panose="02020603050405020304" pitchFamily="18" charset="0"/>
+              </a:rPr>
+              <a:t>The testability facet:</a:t>
+            </a:r>
+            <a:r>
+              <a:rPr lang="en-US" b="1" i="1" dirty="0">
+                <a:effectLst/>
+                <a:ea typeface="Times New Roman" panose="02020603050405020304" pitchFamily="18" charset="0"/>
+              </a:rPr>
+              <a:t> </a:t>
+            </a:r>
+            <a:r>
+              <a:rPr lang="en-US" dirty="0">
+                <a:effectLst/>
+                <a:ea typeface="Times New Roman" panose="02020603050405020304" pitchFamily="18" charset="0"/>
+              </a:rPr>
+              <a:t>to easily </a:t>
+            </a:r>
+            <a:r>
+              <a:rPr lang="en-US" dirty="0"/>
+              <a:t>develop and test an application in isolation from its eventual run-time devices and databases</a:t>
+            </a:r>
+          </a:p>
+          <a:p>
+            <a:r>
+              <a:rPr lang="en-US" b="1" i="1" dirty="0">
+                <a:solidFill>
+                  <a:srgbClr val="C00000"/>
+                </a:solidFill>
+                <a:ea typeface="Times New Roman" panose="02020603050405020304" pitchFamily="18" charset="0"/>
+              </a:rPr>
+              <a:t>The fast feedback facet:</a:t>
+            </a:r>
+            <a:r>
+              <a:rPr lang="en-US" b="1" i="1" dirty="0">
+                <a:ea typeface="Times New Roman" panose="02020603050405020304" pitchFamily="18" charset="0"/>
+              </a:rPr>
+              <a:t> </a:t>
+            </a:r>
+            <a:r>
+              <a:rPr lang="en-US" dirty="0">
+                <a:ea typeface="Times New Roman" panose="02020603050405020304" pitchFamily="18" charset="0"/>
+              </a:rPr>
+              <a:t>to have good time to market and fast feedbacks about what is really at stakes for our users</a:t>
+            </a:r>
+            <a:endParaRPr lang="en-US" dirty="0"/>
+          </a:p>
+        </p:txBody>
+      </p:sp>
+      <p:pic>
+        <p:nvPicPr>
+          <p:cNvPr id="5" name="Picture 4" descr="A picture containing person, person, standing, male&#10;&#10;Description automatically generated">
+            <a:extLst>
+              <a:ext uri="{FF2B5EF4-FFF2-40B4-BE49-F238E27FC236}">
+                <a16:creationId xmlns:a16="http://schemas.microsoft.com/office/drawing/2014/main" id="{F3DE751F-C344-8D54-82A7-E99DF8141B97}"/>
+              </a:ext>
+            </a:extLst>
+          </p:cNvPr>
+          <p:cNvPicPr>
+            <a:picLocks noChangeAspect="1"/>
+          </p:cNvPicPr>
+          <p:nvPr/>
+        </p:nvPicPr>
+        <p:blipFill rotWithShape="1">
+          <a:blip r:embed="rId3">
+            <a:extLst>
+              <a:ext uri="{28A0092B-C50C-407E-A947-70E740481C1C}">
+                <a14:useLocalDpi xmlns:a14="http://schemas.microsoft.com/office/drawing/2010/main" val="0"/>
+              </a:ext>
+            </a:extLst>
+          </a:blip>
+          <a:srcRect l="40101" r="17239" b="24426"/>
+          <a:stretch/>
+        </p:blipFill>
+        <p:spPr>
+          <a:xfrm>
+            <a:off x="414544" y="1825625"/>
+            <a:ext cx="1446424" cy="1996567"/>
+          </a:xfrm>
+          <a:prstGeom prst="rect">
+            <a:avLst/>
+          </a:prstGeom>
+        </p:spPr>
+      </p:pic>
+      <p:pic>
+        <p:nvPicPr>
+          <p:cNvPr id="8" name="Picture 7" descr="Diagram&#10;&#10;Description automatically generated">
+            <a:extLst>
+              <a:ext uri="{FF2B5EF4-FFF2-40B4-BE49-F238E27FC236}">
+                <a16:creationId xmlns:a16="http://schemas.microsoft.com/office/drawing/2014/main" id="{36BCD140-61B6-07DA-023B-B4739982E383}"/>
+              </a:ext>
+            </a:extLst>
+          </p:cNvPr>
+          <p:cNvPicPr>
+            <a:picLocks noChangeAspect="1"/>
+          </p:cNvPicPr>
+          <p:nvPr/>
+        </p:nvPicPr>
+        <p:blipFill rotWithShape="1">
+          <a:blip r:embed="rId4">
+            <a:extLst>
+              <a:ext uri="{28A0092B-C50C-407E-A947-70E740481C1C}">
+                <a14:useLocalDpi xmlns:a14="http://schemas.microsoft.com/office/drawing/2010/main" val="0"/>
+              </a:ext>
+            </a:extLst>
+          </a:blip>
+          <a:srcRect l="5891" r="5889" b="7939"/>
+          <a:stretch/>
+        </p:blipFill>
+        <p:spPr>
+          <a:xfrm>
+            <a:off x="414544" y="4424775"/>
+            <a:ext cx="1446424" cy="2207673"/>
+          </a:xfrm>
+          <a:prstGeom prst="rect">
+            <a:avLst/>
+          </a:prstGeom>
+        </p:spPr>
+      </p:pic>
+      <p:sp>
+        <p:nvSpPr>
+          <p:cNvPr id="9" name="Content Placeholder 2">
+            <a:extLst>
+              <a:ext uri="{FF2B5EF4-FFF2-40B4-BE49-F238E27FC236}">
+                <a16:creationId xmlns:a16="http://schemas.microsoft.com/office/drawing/2014/main" id="{8DC5BEAB-D245-08BF-4CA9-671338EE36A1}"/>
+              </a:ext>
+            </a:extLst>
+          </p:cNvPr>
+          <p:cNvSpPr txBox="1">
+            <a:spLocks/>
+          </p:cNvSpPr>
+          <p:nvPr/>
+        </p:nvSpPr>
+        <p:spPr>
+          <a:xfrm>
+            <a:off x="1985034" y="4414615"/>
+            <a:ext cx="9709608" cy="2217833"/>
+          </a:xfrm>
+          <a:prstGeom prst="rect">
+            <a:avLst/>
+          </a:prstGeom>
+          <a:solidFill>
+            <a:schemeClr val="bg2">
+              <a:alpha val="48000"/>
+            </a:schemeClr>
+          </a:solidFill>
+          <a:ln>
+            <a:noFill/>
+          </a:ln>
+        </p:spPr>
+        <p:txBody>
+          <a:bodyPr vert="horz" lIns="91440" tIns="91440" rIns="91440" bIns="0" rtlCol="0">
+            <a:noAutofit/>
+          </a:bodyPr>
+          <a:lstStyle>
+            <a:lvl1pPr marL="228600" indent="-228600" algn="l" defTabSz="914400" rtl="0" eaLnBrk="1" latinLnBrk="0" hangingPunct="1">
+              <a:lnSpc>
+                <a:spcPct val="90000"/>
+              </a:lnSpc>
+              <a:spcBef>
+                <a:spcPts val="1000"/>
+              </a:spcBef>
+              <a:buFont typeface="Arial" panose="020B0604020202020204" pitchFamily="34" charset="0"/>
+              <a:buChar char="•"/>
+              <a:defRPr sz="2800" kern="1200">
+                <a:solidFill>
+                  <a:schemeClr val="tx1"/>
+                </a:solidFill>
+                <a:latin typeface="+mn-lt"/>
+                <a:ea typeface="+mn-ea"/>
+                <a:cs typeface="+mn-cs"/>
+              </a:defRPr>
+            </a:lvl1pPr>
+            <a:lvl2pPr marL="685800" indent="-228600" algn="l" defTabSz="914400" rtl="0" eaLnBrk="1" latinLnBrk="0" hangingPunct="1">
+              <a:lnSpc>
+                <a:spcPct val="90000"/>
+              </a:lnSpc>
+              <a:spcBef>
+                <a:spcPts val="500"/>
+              </a:spcBef>
+              <a:buFont typeface="Arial" panose="020B0604020202020204" pitchFamily="34" charset="0"/>
+              <a:buChar char="•"/>
+              <a:defRPr sz="2400" kern="1200">
+                <a:solidFill>
+                  <a:schemeClr val="tx1"/>
+                </a:solidFill>
+                <a:latin typeface="+mn-lt"/>
+                <a:ea typeface="+mn-ea"/>
+                <a:cs typeface="+mn-cs"/>
+              </a:defRPr>
+            </a:lvl2pPr>
+            <a:lvl3pPr marL="1143000" indent="-228600" algn="l" defTabSz="914400" rtl="0" eaLnBrk="1" latinLnBrk="0" hangingPunct="1">
+              <a:lnSpc>
+                <a:spcPct val="90000"/>
+              </a:lnSpc>
+              <a:spcBef>
+                <a:spcPts val="500"/>
+              </a:spcBef>
+              <a:buFont typeface="Arial" panose="020B0604020202020204" pitchFamily="34" charset="0"/>
+              <a:buChar char="•"/>
+              <a:defRPr sz="2000" kern="1200">
+                <a:solidFill>
+                  <a:schemeClr val="tx1"/>
+                </a:solidFill>
+                <a:latin typeface="+mn-lt"/>
+                <a:ea typeface="+mn-ea"/>
+                <a:cs typeface="+mn-cs"/>
+              </a:defRPr>
+            </a:lvl3pPr>
+            <a:lvl4pPr marL="1600200" indent="-228600" algn="l" defTabSz="914400" rtl="0" eaLnBrk="1" latinLnBrk="0" hangingPunct="1">
+              <a:lnSpc>
+                <a:spcPct val="90000"/>
+              </a:lnSpc>
+              <a:spcBef>
+                <a:spcPts val="500"/>
+              </a:spcBef>
+              <a:buFont typeface="Arial" panose="020B0604020202020204" pitchFamily="34" charset="0"/>
+              <a:buChar char="•"/>
+              <a:defRPr sz="1800" kern="1200">
+                <a:solidFill>
+                  <a:schemeClr val="tx1"/>
+                </a:solidFill>
+                <a:latin typeface="+mn-lt"/>
+                <a:ea typeface="+mn-ea"/>
+                <a:cs typeface="+mn-cs"/>
+              </a:defRPr>
+            </a:lvl4pPr>
+            <a:lvl5pPr marL="2057400" indent="-228600" algn="l" defTabSz="914400" rtl="0" eaLnBrk="1" latinLnBrk="0" hangingPunct="1">
+              <a:lnSpc>
+                <a:spcPct val="90000"/>
+              </a:lnSpc>
+              <a:spcBef>
+                <a:spcPts val="500"/>
+              </a:spcBef>
+              <a:buFont typeface="Arial" panose="020B0604020202020204" pitchFamily="34" charset="0"/>
+              <a:buChar char="•"/>
+              <a:defRPr sz="1800" kern="1200">
+                <a:solidFill>
+                  <a:schemeClr val="tx1"/>
+                </a:solidFill>
+                <a:latin typeface="+mn-lt"/>
+                <a:ea typeface="+mn-ea"/>
+                <a:cs typeface="+mn-cs"/>
+              </a:defRPr>
+            </a:lvl5pPr>
+            <a:lvl6pPr marL="2514600" indent="-228600" algn="l" defTabSz="914400" rtl="0" eaLnBrk="1" latinLnBrk="0" hangingPunct="1">
+              <a:lnSpc>
+                <a:spcPct val="90000"/>
+              </a:lnSpc>
+              <a:spcBef>
+                <a:spcPts val="500"/>
+              </a:spcBef>
+              <a:buFont typeface="Arial" panose="020B0604020202020204" pitchFamily="34" charset="0"/>
+              <a:buChar char="•"/>
+              <a:defRPr sz="1800" kern="1200">
+                <a:solidFill>
+                  <a:schemeClr val="tx1"/>
+                </a:solidFill>
+                <a:latin typeface="+mn-lt"/>
+                <a:ea typeface="+mn-ea"/>
+                <a:cs typeface="+mn-cs"/>
+              </a:defRPr>
+            </a:lvl6pPr>
+            <a:lvl7pPr marL="2971800" indent="-228600" algn="l" defTabSz="914400" rtl="0" eaLnBrk="1" latinLnBrk="0" hangingPunct="1">
+              <a:lnSpc>
+                <a:spcPct val="90000"/>
+              </a:lnSpc>
+              <a:spcBef>
+                <a:spcPts val="500"/>
+              </a:spcBef>
+              <a:buFont typeface="Arial" panose="020B0604020202020204" pitchFamily="34" charset="0"/>
+              <a:buChar char="•"/>
+              <a:defRPr sz="1800" kern="1200">
+                <a:solidFill>
+                  <a:schemeClr val="tx1"/>
+                </a:solidFill>
+                <a:latin typeface="+mn-lt"/>
+                <a:ea typeface="+mn-ea"/>
+                <a:cs typeface="+mn-cs"/>
+              </a:defRPr>
+            </a:lvl7pPr>
+            <a:lvl8pPr marL="3429000" indent="-228600" algn="l" defTabSz="914400" rtl="0" eaLnBrk="1" latinLnBrk="0" hangingPunct="1">
+              <a:lnSpc>
+                <a:spcPct val="90000"/>
+              </a:lnSpc>
+              <a:spcBef>
+                <a:spcPts val="500"/>
+              </a:spcBef>
+              <a:buFont typeface="Arial" panose="020B0604020202020204" pitchFamily="34" charset="0"/>
+              <a:buChar char="•"/>
+              <a:defRPr sz="1800" kern="1200">
+                <a:solidFill>
+                  <a:schemeClr val="tx1"/>
+                </a:solidFill>
+                <a:latin typeface="+mn-lt"/>
+                <a:ea typeface="+mn-ea"/>
+                <a:cs typeface="+mn-cs"/>
+              </a:defRPr>
+            </a:lvl8pPr>
+            <a:lvl9pPr marL="3886200" indent="-228600" algn="l" defTabSz="914400" rtl="0" eaLnBrk="1" latinLnBrk="0" hangingPunct="1">
+              <a:lnSpc>
+                <a:spcPct val="90000"/>
+              </a:lnSpc>
+              <a:spcBef>
+                <a:spcPts val="500"/>
+              </a:spcBef>
+              <a:buFont typeface="Arial" panose="020B0604020202020204" pitchFamily="34" charset="0"/>
+              <a:buChar char="•"/>
+              <a:defRPr sz="1800" kern="1200">
+                <a:solidFill>
+                  <a:schemeClr val="tx1"/>
+                </a:solidFill>
+                <a:latin typeface="+mn-lt"/>
+                <a:ea typeface="+mn-ea"/>
+                <a:cs typeface="+mn-cs"/>
+              </a:defRPr>
+            </a:lvl9pPr>
+          </a:lstStyle>
+          <a:p>
+            <a:r>
+              <a:rPr lang="en-US" sz="1800" b="1" i="1" dirty="0">
+                <a:effectLst/>
+                <a:ea typeface="Times New Roman" panose="02020603050405020304" pitchFamily="18" charset="0"/>
+              </a:rPr>
+              <a:t>The tactical DDD facet: </a:t>
+            </a:r>
+            <a:r>
+              <a:rPr lang="en-US" sz="1800" dirty="0">
+                <a:effectLst/>
+                <a:ea typeface="Times New Roman" panose="02020603050405020304" pitchFamily="18" charset="0"/>
+              </a:rPr>
+              <a:t>to properly split and protect our domain code from the infrastructure one</a:t>
+            </a:r>
+          </a:p>
+          <a:p>
+            <a:r>
+              <a:rPr lang="en-US" sz="1800" b="1" i="1" dirty="0">
+                <a:ea typeface="Times New Roman" panose="02020603050405020304" pitchFamily="18" charset="0"/>
+              </a:rPr>
+              <a:t>The </a:t>
+            </a:r>
+            <a:r>
+              <a:rPr lang="en-US" sz="1800" b="1" i="1" dirty="0">
+                <a:effectLst/>
+                <a:ea typeface="Times New Roman" panose="02020603050405020304" pitchFamily="18" charset="0"/>
+              </a:rPr>
+              <a:t>simplicity facet</a:t>
+            </a:r>
+            <a:r>
+              <a:rPr lang="en-US" sz="1800" b="1" i="1" dirty="0">
+                <a:ea typeface="Times New Roman" panose="02020603050405020304" pitchFamily="18" charset="0"/>
+              </a:rPr>
+              <a:t>: </a:t>
+            </a:r>
+            <a:r>
+              <a:rPr lang="en-US" sz="1800" dirty="0">
+                <a:ea typeface="Times New Roman" panose="02020603050405020304" pitchFamily="18" charset="0"/>
+              </a:rPr>
+              <a:t>to </a:t>
+            </a:r>
+            <a:r>
+              <a:rPr lang="en-US" sz="1800" dirty="0">
+                <a:effectLst/>
+                <a:ea typeface="Times New Roman" panose="02020603050405020304" pitchFamily="18" charset="0"/>
+              </a:rPr>
+              <a:t>reduce layering and complexity of our architectures </a:t>
+            </a:r>
+          </a:p>
+          <a:p>
+            <a:r>
+              <a:rPr lang="en-US" sz="1800" b="1" i="1" dirty="0">
+                <a:effectLst/>
+                <a:ea typeface="Times New Roman" panose="02020603050405020304" pitchFamily="18" charset="0"/>
+              </a:rPr>
+              <a:t>The late architectural decisions facet: </a:t>
+            </a:r>
+            <a:r>
+              <a:rPr lang="en-US" sz="1800" dirty="0">
+                <a:effectLst/>
+                <a:ea typeface="Times New Roman" panose="02020603050405020304" pitchFamily="18" charset="0"/>
+              </a:rPr>
+              <a:t>to postpone architectural decisions at the right time</a:t>
+            </a:r>
+          </a:p>
+          <a:p>
+            <a:r>
+              <a:rPr lang="en-US" sz="1800" b="1" i="1" dirty="0">
+                <a:effectLst/>
+                <a:ea typeface="Times New Roman" panose="02020603050405020304" pitchFamily="18" charset="0"/>
+              </a:rPr>
+              <a:t>The strategic DDD facet: </a:t>
+            </a:r>
+            <a:r>
+              <a:rPr lang="en-US" sz="1800" dirty="0">
+                <a:ea typeface="Times New Roman" panose="02020603050405020304" pitchFamily="18" charset="0"/>
+              </a:rPr>
+              <a:t>t</a:t>
+            </a:r>
+            <a:r>
+              <a:rPr lang="en-US" sz="1800" dirty="0">
+                <a:effectLst/>
+                <a:ea typeface="Times New Roman" panose="02020603050405020304" pitchFamily="18" charset="0"/>
+              </a:rPr>
+              <a:t>o adapt not only technologies but also external models</a:t>
+            </a:r>
+          </a:p>
+          <a:p>
+            <a:r>
+              <a:rPr lang="en-US" sz="1800" b="1" i="1" dirty="0"/>
+              <a:t>The Refactoring hive facet:</a:t>
+            </a:r>
+            <a:r>
+              <a:rPr lang="en-US" sz="1800" dirty="0"/>
+              <a:t> to modularize a monolith splitting every Bounded Context into a hexagon</a:t>
+            </a:r>
+          </a:p>
+        </p:txBody>
+      </p:sp>
+      <p:sp>
+        <p:nvSpPr>
+          <p:cNvPr id="10" name="TextBox 9">
+            <a:extLst>
+              <a:ext uri="{FF2B5EF4-FFF2-40B4-BE49-F238E27FC236}">
+                <a16:creationId xmlns:a16="http://schemas.microsoft.com/office/drawing/2014/main" id="{A4653DE9-97F0-8018-41FF-42B4248D2821}"/>
+              </a:ext>
+            </a:extLst>
+          </p:cNvPr>
+          <p:cNvSpPr txBox="1"/>
+          <p:nvPr/>
+        </p:nvSpPr>
+        <p:spPr>
+          <a:xfrm>
+            <a:off x="414544" y="4424775"/>
+            <a:ext cx="1446424" cy="2207673"/>
+          </a:xfrm>
+          <a:prstGeom prst="rect">
+            <a:avLst/>
+          </a:prstGeom>
+          <a:solidFill>
+            <a:schemeClr val="bg1">
+              <a:alpha val="72000"/>
+            </a:schemeClr>
+          </a:solidFill>
+        </p:spPr>
+        <p:txBody>
+          <a:bodyPr wrap="square" rtlCol="0" anchor="ctr">
+            <a:noAutofit/>
+          </a:bodyPr>
+          <a:lstStyle/>
+          <a:p>
+            <a:pPr algn="ctr"/>
+            <a:r>
+              <a:rPr lang="en-US" b="1" dirty="0">
+                <a:solidFill>
+                  <a:srgbClr val="C00000"/>
+                </a:solidFill>
+                <a:latin typeface="Alte Haas Grotesk" panose="02000503000000020004" pitchFamily="2" charset="0"/>
+              </a:rPr>
+              <a:t>Community</a:t>
+            </a:r>
+          </a:p>
+        </p:txBody>
+      </p:sp>
+    </p:spTree>
+    <p:extLst>
+      <p:ext uri="{BB962C8B-B14F-4D97-AF65-F5344CB8AC3E}">
+        <p14:creationId xmlns:p14="http://schemas.microsoft.com/office/powerpoint/2010/main" val="2537048152"/>
+      </p:ext>
+    </p:extLst>
+  </p:cSld>
+  <p:clrMapOvr>
+    <a:masterClrMapping/>
+  </p:clrMapOvr>
+  <p:timing>
+    <p:tnLst>
+      <p:par>
+        <p:cTn id="1" dur="indefinite" restart="never" nodeType="tmRoot">
+          <p:childTnLst>
+            <p:seq concurrent="1" nextAc="seek">
+              <p:cTn id="2" dur="indefinite" nodeType="mainSeq">
+                <p:childTnLst>
+                  <p:par>
+                    <p:cTn id="3" fill="hold">
+                      <p:stCondLst>
+                        <p:cond delay="indefinite"/>
+                      </p:stCondLst>
+                      <p:childTnLst>
+                        <p:par>
+                          <p:cTn id="4" fill="hold">
+                            <p:stCondLst>
+                              <p:cond delay="0"/>
+                            </p:stCondLst>
+                            <p:childTnLst>
+                              <p:par>
+                                <p:cTn id="5" presetID="1" presetClass="entr" presetSubtype="0" fill="hold" nodeType="clickEffect">
+                                  <p:stCondLst>
+                                    <p:cond delay="0"/>
+                                  </p:stCondLst>
+                                  <p:childTnLst>
+                                    <p:set>
+                                      <p:cBhvr>
+                                        <p:cTn id="6" dur="1" fill="hold">
+                                          <p:stCondLst>
+                                            <p:cond delay="0"/>
+                                          </p:stCondLst>
+                                        </p:cTn>
+                                        <p:tgtEl>
+                                          <p:spTgt spid="5"/>
+                                        </p:tgtEl>
+                                        <p:attrNameLst>
+                                          <p:attrName>style.visibility</p:attrName>
+                                        </p:attrNameLst>
+                                      </p:cBhvr>
+                                      <p:to>
+                                        <p:strVal val="visible"/>
+                                      </p:to>
+                                    </p:set>
+                                  </p:childTnLst>
+                                </p:cTn>
+                              </p:par>
+                              <p:par>
+                                <p:cTn id="7" presetID="1" presetClass="entr" presetSubtype="0" fill="hold" grpId="0" nodeType="withEffect">
+                                  <p:stCondLst>
+                                    <p:cond delay="0"/>
+                                  </p:stCondLst>
+                                  <p:childTnLst>
+                                    <p:set>
+                                      <p:cBhvr>
+                                        <p:cTn id="8" dur="1" fill="hold">
+                                          <p:stCondLst>
+                                            <p:cond delay="0"/>
+                                          </p:stCondLst>
+                                        </p:cTn>
+                                        <p:tgtEl>
+                                          <p:spTgt spid="3">
+                                            <p:bg/>
+                                          </p:spTgt>
+                                        </p:tgtEl>
+                                        <p:attrNameLst>
+                                          <p:attrName>style.visibility</p:attrName>
+                                        </p:attrNameLst>
+                                      </p:cBhvr>
+                                      <p:to>
+                                        <p:strVal val="visible"/>
+                                      </p:to>
+                                    </p:set>
+                                  </p:childTnLst>
+                                </p:cTn>
+                              </p:par>
+                              <p:par>
+                                <p:cTn id="9" presetID="1" presetClass="entr" presetSubtype="0" fill="hold" grpId="0" nodeType="withEffect">
+                                  <p:stCondLst>
+                                    <p:cond delay="0"/>
+                                  </p:stCondLst>
+                                  <p:childTnLst>
+                                    <p:set>
+                                      <p:cBhvr>
+                                        <p:cTn id="10" dur="1" fill="hold">
+                                          <p:stCondLst>
+                                            <p:cond delay="0"/>
+                                          </p:stCondLst>
+                                        </p:cTn>
+                                        <p:tgtEl>
+                                          <p:spTgt spid="3">
+                                            <p:txEl>
+                                              <p:pRg st="0" end="0"/>
+                                            </p:txEl>
+                                          </p:spTgt>
+                                        </p:tgtEl>
+                                        <p:attrNameLst>
+                                          <p:attrName>style.visibility</p:attrName>
+                                        </p:attrNameLst>
+                                      </p:cBhvr>
+                                      <p:to>
+                                        <p:strVal val="visible"/>
+                                      </p:to>
+                                    </p:set>
+                                  </p:childTnLst>
+                                </p:cTn>
+                              </p:par>
+                            </p:childTnLst>
+                          </p:cTn>
+                        </p:par>
+                      </p:childTnLst>
+                    </p:cTn>
+                  </p:par>
+                  <p:par>
+                    <p:cTn id="11" fill="hold">
+                      <p:stCondLst>
+                        <p:cond delay="indefinite"/>
+                      </p:stCondLst>
+                      <p:childTnLst>
+                        <p:par>
+                          <p:cTn id="12" fill="hold">
+                            <p:stCondLst>
+                              <p:cond delay="0"/>
+                            </p:stCondLst>
+                            <p:childTnLst>
+                              <p:par>
+                                <p:cTn id="13" presetID="1" presetClass="entr" presetSubtype="0" fill="hold" grpId="0" nodeType="clickEffect">
+                                  <p:stCondLst>
+                                    <p:cond delay="0"/>
+                                  </p:stCondLst>
+                                  <p:childTnLst>
+                                    <p:set>
+                                      <p:cBhvr>
+                                        <p:cTn id="14" dur="1" fill="hold">
+                                          <p:stCondLst>
+                                            <p:cond delay="0"/>
+                                          </p:stCondLst>
+                                        </p:cTn>
+                                        <p:tgtEl>
+                                          <p:spTgt spid="3">
+                                            <p:txEl>
+                                              <p:pRg st="1" end="1"/>
+                                            </p:txEl>
+                                          </p:spTgt>
+                                        </p:tgtEl>
+                                        <p:attrNameLst>
+                                          <p:attrName>style.visibility</p:attrName>
+                                        </p:attrNameLst>
+                                      </p:cBhvr>
+                                      <p:to>
+                                        <p:strVal val="visible"/>
+                                      </p:to>
+                                    </p:set>
+                                  </p:childTnLst>
+                                </p:cTn>
+                              </p:par>
+                            </p:childTnLst>
+                          </p:cTn>
+                        </p:par>
+                      </p:childTnLst>
+                    </p:cTn>
+                  </p:par>
+                  <p:par>
+                    <p:cTn id="15" fill="hold">
+                      <p:stCondLst>
+                        <p:cond delay="indefinite"/>
+                      </p:stCondLst>
+                      <p:childTnLst>
+                        <p:par>
+                          <p:cTn id="16" fill="hold">
+                            <p:stCondLst>
+                              <p:cond delay="0"/>
+                            </p:stCondLst>
+                            <p:childTnLst>
+                              <p:par>
+                                <p:cTn id="17" presetID="1" presetClass="entr" presetSubtype="0" fill="hold" grpId="0" nodeType="clickEffect">
+                                  <p:stCondLst>
+                                    <p:cond delay="0"/>
+                                  </p:stCondLst>
+                                  <p:childTnLst>
+                                    <p:set>
+                                      <p:cBhvr>
+                                        <p:cTn id="18" dur="1" fill="hold">
+                                          <p:stCondLst>
+                                            <p:cond delay="0"/>
+                                          </p:stCondLst>
+                                        </p:cTn>
+                                        <p:tgtEl>
+                                          <p:spTgt spid="3">
+                                            <p:txEl>
+                                              <p:pRg st="2" end="2"/>
+                                            </p:txEl>
+                                          </p:spTgt>
+                                        </p:tgtEl>
+                                        <p:attrNameLst>
+                                          <p:attrName>style.visibility</p:attrName>
+                                        </p:attrNameLst>
+                                      </p:cBhvr>
+                                      <p:to>
+                                        <p:strVal val="visible"/>
+                                      </p:to>
+                                    </p:set>
+                                  </p:childTnLst>
+                                </p:cTn>
+                              </p:par>
+                            </p:childTnLst>
+                          </p:cTn>
+                        </p:par>
+                      </p:childTnLst>
+                    </p:cTn>
+                  </p:par>
+                  <p:par>
+                    <p:cTn id="19" fill="hold">
+                      <p:stCondLst>
+                        <p:cond delay="indefinite"/>
+                      </p:stCondLst>
+                      <p:childTnLst>
+                        <p:par>
+                          <p:cTn id="20" fill="hold">
+                            <p:stCondLst>
+                              <p:cond delay="0"/>
+                            </p:stCondLst>
+                            <p:childTnLst>
+                              <p:par>
+                                <p:cTn id="21" presetID="1" presetClass="entr" presetSubtype="0" fill="hold" nodeType="clickEffect">
+                                  <p:stCondLst>
+                                    <p:cond delay="0"/>
+                                  </p:stCondLst>
+                                  <p:childTnLst>
+                                    <p:set>
+                                      <p:cBhvr>
+                                        <p:cTn id="22" dur="1" fill="hold">
+                                          <p:stCondLst>
+                                            <p:cond delay="0"/>
+                                          </p:stCondLst>
+                                        </p:cTn>
+                                        <p:tgtEl>
+                                          <p:spTgt spid="8"/>
+                                        </p:tgtEl>
+                                        <p:attrNameLst>
+                                          <p:attrName>style.visibility</p:attrName>
+                                        </p:attrNameLst>
+                                      </p:cBhvr>
+                                      <p:to>
+                                        <p:strVal val="visible"/>
+                                      </p:to>
+                                    </p:set>
+                                  </p:childTnLst>
+                                </p:cTn>
+                              </p:par>
+                              <p:par>
+                                <p:cTn id="23" presetID="1" presetClass="entr" presetSubtype="0" fill="hold" grpId="0" nodeType="withEffect">
+                                  <p:stCondLst>
+                                    <p:cond delay="0"/>
+                                  </p:stCondLst>
+                                  <p:childTnLst>
+                                    <p:set>
+                                      <p:cBhvr>
+                                        <p:cTn id="24" dur="1" fill="hold">
+                                          <p:stCondLst>
+                                            <p:cond delay="0"/>
+                                          </p:stCondLst>
+                                        </p:cTn>
+                                        <p:tgtEl>
+                                          <p:spTgt spid="10"/>
+                                        </p:tgtEl>
+                                        <p:attrNameLst>
+                                          <p:attrName>style.visibility</p:attrName>
+                                        </p:attrNameLst>
+                                      </p:cBhvr>
+                                      <p:to>
+                                        <p:strVal val="visible"/>
+                                      </p:to>
+                                    </p:set>
+                                  </p:childTnLst>
+                                </p:cTn>
+                              </p:par>
+                              <p:par>
+                                <p:cTn id="25" presetID="1" presetClass="entr" presetSubtype="0" fill="hold" grpId="0" nodeType="withEffect">
+                                  <p:stCondLst>
+                                    <p:cond delay="0"/>
+                                  </p:stCondLst>
+                                  <p:childTnLst>
+                                    <p:set>
+                                      <p:cBhvr>
+                                        <p:cTn id="26" dur="1" fill="hold">
+                                          <p:stCondLst>
+                                            <p:cond delay="0"/>
+                                          </p:stCondLst>
+                                        </p:cTn>
+                                        <p:tgtEl>
+                                          <p:spTgt spid="9"/>
+                                        </p:tgtEl>
+                                        <p:attrNameLst>
+                                          <p:attrName>style.visibility</p:attrName>
+                                        </p:attrNameLst>
+                                      </p:cBhvr>
+                                      <p:to>
+                                        <p:strVal val="visible"/>
+                                      </p:to>
+                                    </p:set>
+                                  </p:childTnLst>
+                                </p:cTn>
+                              </p:par>
+                              <p:par>
+                                <p:cTn id="27" presetID="1" presetClass="entr" presetSubtype="0" fill="hold" nodeType="withEffect">
+                                  <p:stCondLst>
+                                    <p:cond delay="0"/>
+                                  </p:stCondLst>
+                                  <p:childTnLst>
+                                    <p:set>
+                                      <p:cBhvr>
+                                        <p:cTn id="28" dur="1" fill="hold">
+                                          <p:stCondLst>
+                                            <p:cond delay="0"/>
+                                          </p:stCondLst>
+                                        </p:cTn>
+                                        <p:tgtEl>
+                                          <p:spTgt spid="9">
+                                            <p:txEl>
+                                              <p:pRg st="0" end="0"/>
+                                            </p:txEl>
+                                          </p:spTgt>
+                                        </p:tgtEl>
+                                        <p:attrNameLst>
+                                          <p:attrName>style.visibility</p:attrName>
+                                        </p:attrNameLst>
+                                      </p:cBhvr>
+                                      <p:to>
+                                        <p:strVal val="visible"/>
+                                      </p:to>
+                                    </p:set>
+                                  </p:childTnLst>
+                                </p:cTn>
+                              </p:par>
+                            </p:childTnLst>
+                          </p:cTn>
+                        </p:par>
+                      </p:childTnLst>
+                    </p:cTn>
+                  </p:par>
+                  <p:par>
+                    <p:cTn id="29" fill="hold">
+                      <p:stCondLst>
+                        <p:cond delay="indefinite"/>
+                      </p:stCondLst>
+                      <p:childTnLst>
+                        <p:par>
+                          <p:cTn id="30" fill="hold">
+                            <p:stCondLst>
+                              <p:cond delay="0"/>
+                            </p:stCondLst>
+                            <p:childTnLst>
+                              <p:par>
+                                <p:cTn id="31" presetID="1" presetClass="entr" presetSubtype="0" fill="hold" nodeType="clickEffect">
+                                  <p:stCondLst>
+                                    <p:cond delay="0"/>
+                                  </p:stCondLst>
+                                  <p:childTnLst>
+                                    <p:set>
+                                      <p:cBhvr>
+                                        <p:cTn id="32" dur="1" fill="hold">
+                                          <p:stCondLst>
+                                            <p:cond delay="0"/>
+                                          </p:stCondLst>
+                                        </p:cTn>
+                                        <p:tgtEl>
+                                          <p:spTgt spid="9">
+                                            <p:txEl>
+                                              <p:pRg st="1" end="1"/>
+                                            </p:txEl>
+                                          </p:spTgt>
+                                        </p:tgtEl>
+                                        <p:attrNameLst>
+                                          <p:attrName>style.visibility</p:attrName>
+                                        </p:attrNameLst>
+                                      </p:cBhvr>
+                                      <p:to>
+                                        <p:strVal val="visible"/>
+                                      </p:to>
+                                    </p:set>
+                                  </p:childTnLst>
+                                </p:cTn>
+                              </p:par>
+                            </p:childTnLst>
+                          </p:cTn>
+                        </p:par>
+                      </p:childTnLst>
+                    </p:cTn>
+                  </p:par>
+                  <p:par>
+                    <p:cTn id="33" fill="hold">
+                      <p:stCondLst>
+                        <p:cond delay="indefinite"/>
+                      </p:stCondLst>
+                      <p:childTnLst>
+                        <p:par>
+                          <p:cTn id="34" fill="hold">
+                            <p:stCondLst>
+                              <p:cond delay="0"/>
+                            </p:stCondLst>
+                            <p:childTnLst>
+                              <p:par>
+                                <p:cTn id="35" presetID="1" presetClass="entr" presetSubtype="0" fill="hold" nodeType="clickEffect">
+                                  <p:stCondLst>
+                                    <p:cond delay="0"/>
+                                  </p:stCondLst>
+                                  <p:childTnLst>
+                                    <p:set>
+                                      <p:cBhvr>
+                                        <p:cTn id="36" dur="1" fill="hold">
+                                          <p:stCondLst>
+                                            <p:cond delay="0"/>
+                                          </p:stCondLst>
+                                        </p:cTn>
+                                        <p:tgtEl>
+                                          <p:spTgt spid="9">
+                                            <p:txEl>
+                                              <p:pRg st="2" end="2"/>
+                                            </p:txEl>
+                                          </p:spTgt>
+                                        </p:tgtEl>
+                                        <p:attrNameLst>
+                                          <p:attrName>style.visibility</p:attrName>
+                                        </p:attrNameLst>
+                                      </p:cBhvr>
+                                      <p:to>
+                                        <p:strVal val="visible"/>
+                                      </p:to>
+                                    </p:set>
+                                  </p:childTnLst>
+                                </p:cTn>
+                              </p:par>
+                            </p:childTnLst>
+                          </p:cTn>
+                        </p:par>
+                      </p:childTnLst>
+                    </p:cTn>
+                  </p:par>
+                  <p:par>
+                    <p:cTn id="37" fill="hold">
+                      <p:stCondLst>
+                        <p:cond delay="indefinite"/>
+                      </p:stCondLst>
+                      <p:childTnLst>
+                        <p:par>
+                          <p:cTn id="38" fill="hold">
+                            <p:stCondLst>
+                              <p:cond delay="0"/>
+                            </p:stCondLst>
+                            <p:childTnLst>
+                              <p:par>
+                                <p:cTn id="39" presetID="1" presetClass="entr" presetSubtype="0" fill="hold" nodeType="clickEffect">
+                                  <p:stCondLst>
+                                    <p:cond delay="0"/>
+                                  </p:stCondLst>
+                                  <p:childTnLst>
+                                    <p:set>
+                                      <p:cBhvr>
+                                        <p:cTn id="40" dur="1" fill="hold">
+                                          <p:stCondLst>
+                                            <p:cond delay="0"/>
+                                          </p:stCondLst>
+                                        </p:cTn>
+                                        <p:tgtEl>
+                                          <p:spTgt spid="9">
+                                            <p:txEl>
+                                              <p:pRg st="3" end="3"/>
+                                            </p:txEl>
+                                          </p:spTgt>
+                                        </p:tgtEl>
+                                        <p:attrNameLst>
+                                          <p:attrName>style.visibility</p:attrName>
+                                        </p:attrNameLst>
+                                      </p:cBhvr>
+                                      <p:to>
+                                        <p:strVal val="visible"/>
+                                      </p:to>
+                                    </p:set>
+                                  </p:childTnLst>
+                                </p:cTn>
+                              </p:par>
+                            </p:childTnLst>
+                          </p:cTn>
+                        </p:par>
+                      </p:childTnLst>
+                    </p:cTn>
+                  </p:par>
+                  <p:par>
+                    <p:cTn id="41" fill="hold">
+                      <p:stCondLst>
+                        <p:cond delay="indefinite"/>
+                      </p:stCondLst>
+                      <p:childTnLst>
+                        <p:par>
+                          <p:cTn id="42" fill="hold">
+                            <p:stCondLst>
+                              <p:cond delay="0"/>
+                            </p:stCondLst>
+                            <p:childTnLst>
+                              <p:par>
+                                <p:cTn id="43" presetID="1" presetClass="entr" presetSubtype="0" fill="hold" nodeType="clickEffect">
+                                  <p:stCondLst>
+                                    <p:cond delay="0"/>
+                                  </p:stCondLst>
+                                  <p:childTnLst>
+                                    <p:set>
+                                      <p:cBhvr>
+                                        <p:cTn id="44" dur="1" fill="hold">
+                                          <p:stCondLst>
+                                            <p:cond delay="0"/>
+                                          </p:stCondLst>
+                                        </p:cTn>
+                                        <p:tgtEl>
+                                          <p:spTgt spid="9">
+                                            <p:txEl>
+                                              <p:pRg st="4" end="4"/>
+                                            </p:txEl>
+                                          </p:spTgt>
+                                        </p:tgtEl>
+                                        <p:attrNameLst>
+                                          <p:attrName>style.visibility</p:attrName>
+                                        </p:attrNameLst>
+                                      </p:cBhvr>
+                                      <p:to>
+                                        <p:strVal val="visible"/>
+                                      </p:to>
+                                    </p:set>
+                                  </p:childTnLst>
+                                </p:cTn>
+                              </p:par>
+                            </p:childTnLst>
+                          </p:cTn>
+                        </p:par>
+                      </p:childTnLst>
+                    </p:cTn>
+                  </p:par>
+                </p:childTnLst>
+              </p:cTn>
+              <p:prevCondLst>
+                <p:cond evt="onPrev" delay="0">
+                  <p:tgtEl>
+                    <p:sldTgt/>
+                  </p:tgtEl>
+                </p:cond>
+              </p:prevCondLst>
+              <p:nextCondLst>
+                <p:cond evt="onNext" delay="0">
+                  <p:tgtEl>
+                    <p:sldTgt/>
+                  </p:tgtEl>
+                </p:cond>
+              </p:nextCondLst>
+            </p:seq>
+          </p:childTnLst>
+        </p:cTn>
+      </p:par>
+    </p:tnLst>
+    <p:bldLst>
+      <p:bldP spid="3" grpId="0" uiExpand="1" build="p" animBg="1"/>
+      <p:bldP spid="9" grpId="0" animBg="1"/>
+      <p:bldP spid="10" grpId="0" animBg="1"/>
+    </p:bldLst>
+  </p:timing>
+</p:sld>
+</file>
+
+<file path=ppt/slides/slide12.xml><?xml version="1.0" encoding="utf-8"?>
+<p:sld xmlns:a="http://schemas.openxmlformats.org/drawingml/2006/main" xmlns:r="http://schemas.openxmlformats.org/officeDocument/2006/relationships" xmlns:p="http://schemas.openxmlformats.org/presentationml/2006/main">
+  <p:cSld>
+    <p:bg>
+      <p:bgPr>
+        <a:solidFill>
           <a:srgbClr val="FFF4D5"/>
         </a:solidFill>
         <a:effectLst/>
@@ -11952,7 +15344,7 @@
 </p:sld>
 </file>
 
-<file path=ppt/slides/slide11.xml><?xml version="1.0" encoding="utf-8"?>
+<file path=ppt/slides/slide13.xml><?xml version="1.0" encoding="utf-8"?>
 <p:sld xmlns:a="http://schemas.openxmlformats.org/drawingml/2006/main" xmlns:r="http://schemas.openxmlformats.org/officeDocument/2006/relationships" xmlns:p="http://schemas.openxmlformats.org/presentationml/2006/main">
   <p:cSld>
     <p:bg>
@@ -18738,7 +22130,7 @@
 </p:sld>
 </file>
 
-<file path=ppt/slides/slide12.xml><?xml version="1.0" encoding="utf-8"?>
+<file path=ppt/slides/slide14.xml><?xml version="1.0" encoding="utf-8"?>
 <p:sld xmlns:a="http://schemas.openxmlformats.org/drawingml/2006/main" xmlns:r="http://schemas.openxmlformats.org/officeDocument/2006/relationships" xmlns:p="http://schemas.openxmlformats.org/presentationml/2006/main">
   <p:cSld>
     <p:bg>
@@ -24011,7 +27403,7 @@
 </p:sld>
 </file>
 
-<file path=ppt/slides/slide13.xml><?xml version="1.0" encoding="utf-8"?>
+<file path=ppt/slides/slide15.xml><?xml version="1.0" encoding="utf-8"?>
 <p:sld xmlns:a="http://schemas.openxmlformats.org/drawingml/2006/main" xmlns:r="http://schemas.openxmlformats.org/officeDocument/2006/relationships" xmlns:p="http://schemas.openxmlformats.org/presentationml/2006/main">
   <p:cSld>
     <p:spTree>
@@ -24101,7 +27493,7 @@
 </p:sld>
 </file>
 
-<file path=ppt/slides/slide14.xml><?xml version="1.0" encoding="utf-8"?>
+<file path=ppt/slides/slide16.xml><?xml version="1.0" encoding="utf-8"?>
 <p:sld xmlns:a="http://schemas.openxmlformats.org/drawingml/2006/main" xmlns:r="http://schemas.openxmlformats.org/officeDocument/2006/relationships" xmlns:p="http://schemas.openxmlformats.org/presentationml/2006/main">
   <p:cSld>
     <p:bg>
@@ -30964,7 +34356,7 @@
 </p:sld>
 </file>
 
-<file path=ppt/slides/slide15.xml><?xml version="1.0" encoding="utf-8"?>
+<file path=ppt/slides/slide17.xml><?xml version="1.0" encoding="utf-8"?>
 <p:sld xmlns:a="http://schemas.openxmlformats.org/drawingml/2006/main" xmlns:r="http://schemas.openxmlformats.org/officeDocument/2006/relationships" xmlns:p="http://schemas.openxmlformats.org/presentationml/2006/main" show="0">
   <p:cSld>
     <p:bg>
@@ -36299,6 +39691,481 @@
 <file path=ppt/slides/slide2.xml><?xml version="1.0" encoding="utf-8"?>
 <p:sld xmlns:a="http://schemas.openxmlformats.org/drawingml/2006/main" xmlns:r="http://schemas.openxmlformats.org/officeDocument/2006/relationships" xmlns:p="http://schemas.openxmlformats.org/presentationml/2006/main">
   <p:cSld>
+    <p:spTree>
+      <p:nvGrpSpPr>
+        <p:cNvPr id="1" name=""/>
+        <p:cNvGrpSpPr/>
+        <p:nvPr/>
+      </p:nvGrpSpPr>
+      <p:grpSpPr>
+        <a:xfrm>
+          <a:off x="0" y="0"/>
+          <a:ext cx="0" cy="0"/>
+          <a:chOff x="0" y="0"/>
+          <a:chExt cx="0" cy="0"/>
+        </a:xfrm>
+      </p:grpSpPr>
+      <p:sp>
+        <p:nvSpPr>
+          <p:cNvPr id="2" name="Title 1">
+            <a:extLst>
+              <a:ext uri="{FF2B5EF4-FFF2-40B4-BE49-F238E27FC236}">
+                <a16:creationId xmlns:a16="http://schemas.microsoft.com/office/drawing/2014/main" id="{68B2F55C-0C67-8008-3583-F16BF41CBA06}"/>
+              </a:ext>
+            </a:extLst>
+          </p:cNvPr>
+          <p:cNvSpPr>
+            <a:spLocks noGrp="1"/>
+          </p:cNvSpPr>
+          <p:nvPr>
+            <p:ph type="title"/>
+          </p:nvPr>
+        </p:nvSpPr>
+        <p:spPr/>
+        <p:txBody>
+          <a:bodyPr>
+            <a:normAutofit/>
+          </a:bodyPr>
+          <a:lstStyle/>
+          <a:p>
+            <a:r>
+              <a:rPr lang="en-US" sz="3600" b="1" cap="all" dirty="0">
+                <a:solidFill>
+                  <a:srgbClr val="C00000"/>
+                </a:solidFill>
+                <a:latin typeface="Alte Haas Grotesk" panose="02000503000000020004" pitchFamily="2" charset="0"/>
+              </a:rPr>
+              <a:t>Hexagonal Architecture: one pattern to…</a:t>
+            </a:r>
+          </a:p>
+        </p:txBody>
+      </p:sp>
+      <p:sp>
+        <p:nvSpPr>
+          <p:cNvPr id="3" name="Content Placeholder 2">
+            <a:extLst>
+              <a:ext uri="{FF2B5EF4-FFF2-40B4-BE49-F238E27FC236}">
+                <a16:creationId xmlns:a16="http://schemas.microsoft.com/office/drawing/2014/main" id="{E9C66A2F-28C4-07BB-AD2E-7140FA48EA35}"/>
+              </a:ext>
+            </a:extLst>
+          </p:cNvPr>
+          <p:cNvSpPr>
+            <a:spLocks noGrp="1"/>
+          </p:cNvSpPr>
+          <p:nvPr>
+            <p:ph idx="1"/>
+          </p:nvPr>
+        </p:nvSpPr>
+        <p:spPr>
+          <a:xfrm>
+            <a:off x="1985034" y="1825625"/>
+            <a:ext cx="9709608" cy="1996567"/>
+          </a:xfrm>
+          <a:solidFill>
+            <a:schemeClr val="bg2">
+              <a:alpha val="48000"/>
+            </a:schemeClr>
+          </a:solidFill>
+          <a:ln>
+            <a:noFill/>
+          </a:ln>
+        </p:spPr>
+        <p:txBody>
+          <a:bodyPr tIns="91440" bIns="0">
+            <a:normAutofit fontScale="85000" lnSpcReduction="20000"/>
+          </a:bodyPr>
+          <a:lstStyle/>
+          <a:p>
+            <a:r>
+              <a:rPr lang="en-US" dirty="0">
+                <a:ea typeface="Times New Roman" panose="02020603050405020304" pitchFamily="18" charset="0"/>
+              </a:rPr>
+              <a:t>E</a:t>
+            </a:r>
+            <a:r>
+              <a:rPr lang="en-US" dirty="0">
+                <a:effectLst/>
+                <a:ea typeface="Times New Roman" panose="02020603050405020304" pitchFamily="18" charset="0"/>
+              </a:rPr>
+              <a:t>asily switch one technology with another without breaking our core domain code (like plug-ins)</a:t>
+            </a:r>
+          </a:p>
+          <a:p>
+            <a:r>
+              <a:rPr lang="en-US" dirty="0">
+                <a:ea typeface="Times New Roman" panose="02020603050405020304" pitchFamily="18" charset="0"/>
+              </a:rPr>
+              <a:t>E</a:t>
+            </a:r>
+            <a:r>
+              <a:rPr lang="en-US" dirty="0">
+                <a:effectLst/>
+                <a:ea typeface="Times New Roman" panose="02020603050405020304" pitchFamily="18" charset="0"/>
+              </a:rPr>
+              <a:t>asily </a:t>
+            </a:r>
+            <a:r>
+              <a:rPr lang="en-US" dirty="0"/>
+              <a:t>develop and test an application in isolation from its eventual run-time devices and databases</a:t>
+            </a:r>
+          </a:p>
+          <a:p>
+            <a:r>
+              <a:rPr lang="en-US" dirty="0">
+                <a:ea typeface="Times New Roman" panose="02020603050405020304" pitchFamily="18" charset="0"/>
+              </a:rPr>
+              <a:t>Have good time to market and fast feedbacks about what is really at stakes for our users</a:t>
+            </a:r>
+            <a:endParaRPr lang="en-US" dirty="0"/>
+          </a:p>
+        </p:txBody>
+      </p:sp>
+      <p:grpSp>
+        <p:nvGrpSpPr>
+          <p:cNvPr id="6" name="Group 5">
+            <a:extLst>
+              <a:ext uri="{FF2B5EF4-FFF2-40B4-BE49-F238E27FC236}">
+                <a16:creationId xmlns:a16="http://schemas.microsoft.com/office/drawing/2014/main" id="{0CF7EEAF-7BBA-45B8-51AA-4E57A48D0E0C}"/>
+              </a:ext>
+            </a:extLst>
+          </p:cNvPr>
+          <p:cNvGrpSpPr/>
+          <p:nvPr/>
+        </p:nvGrpSpPr>
+        <p:grpSpPr>
+          <a:xfrm>
+            <a:off x="272124" y="1825625"/>
+            <a:ext cx="1731264" cy="2827564"/>
+            <a:chOff x="272124" y="1825625"/>
+            <a:chExt cx="1731264" cy="2827564"/>
+          </a:xfrm>
+        </p:grpSpPr>
+        <p:pic>
+          <p:nvPicPr>
+            <p:cNvPr id="5" name="Picture 4" descr="A picture containing person, person, standing, male&#10;&#10;Description automatically generated">
+              <a:extLst>
+                <a:ext uri="{FF2B5EF4-FFF2-40B4-BE49-F238E27FC236}">
+                  <a16:creationId xmlns:a16="http://schemas.microsoft.com/office/drawing/2014/main" id="{F3DE751F-C344-8D54-82A7-E99DF8141B97}"/>
+                </a:ext>
+              </a:extLst>
+            </p:cNvPr>
+            <p:cNvPicPr>
+              <a:picLocks noChangeAspect="1"/>
+            </p:cNvPicPr>
+            <p:nvPr/>
+          </p:nvPicPr>
+          <p:blipFill rotWithShape="1">
+            <a:blip r:embed="rId3">
+              <a:extLst>
+                <a:ext uri="{28A0092B-C50C-407E-A947-70E740481C1C}">
+                  <a14:useLocalDpi xmlns:a14="http://schemas.microsoft.com/office/drawing/2010/main" val="0"/>
+                </a:ext>
+              </a:extLst>
+            </a:blip>
+            <a:srcRect l="40101" r="17239" b="24426"/>
+            <a:stretch/>
+          </p:blipFill>
+          <p:spPr>
+            <a:xfrm>
+              <a:off x="414544" y="1825625"/>
+              <a:ext cx="1446424" cy="1996567"/>
+            </a:xfrm>
+            <a:prstGeom prst="rect">
+              <a:avLst/>
+            </a:prstGeom>
+          </p:spPr>
+        </p:pic>
+        <p:sp>
+          <p:nvSpPr>
+            <p:cNvPr id="4" name="TextBox 3">
+              <a:extLst>
+                <a:ext uri="{FF2B5EF4-FFF2-40B4-BE49-F238E27FC236}">
+                  <a16:creationId xmlns:a16="http://schemas.microsoft.com/office/drawing/2014/main" id="{DCAF773B-D565-A9D9-E503-E066F958C85B}"/>
+                </a:ext>
+              </a:extLst>
+            </p:cNvPr>
+            <p:cNvSpPr txBox="1"/>
+            <p:nvPr/>
+          </p:nvSpPr>
+          <p:spPr>
+            <a:xfrm>
+              <a:off x="272124" y="3822192"/>
+              <a:ext cx="1731264" cy="830997"/>
+            </a:xfrm>
+            <a:prstGeom prst="rect">
+              <a:avLst/>
+            </a:prstGeom>
+            <a:noFill/>
+          </p:spPr>
+          <p:txBody>
+            <a:bodyPr wrap="square" rtlCol="0">
+              <a:spAutoFit/>
+            </a:bodyPr>
+            <a:lstStyle/>
+            <a:p>
+              <a:pPr algn="ctr"/>
+              <a:r>
+                <a:rPr lang="en-US" sz="2400" b="1" dirty="0">
+                  <a:latin typeface="Alte Haas Grotesk" panose="02000503000000020004" pitchFamily="2" charset="0"/>
+                </a:rPr>
+                <a:t>Alistair Cockburn</a:t>
+              </a:r>
+            </a:p>
+          </p:txBody>
+        </p:sp>
+      </p:grpSp>
+    </p:spTree>
+    <p:extLst>
+      <p:ext uri="{BB962C8B-B14F-4D97-AF65-F5344CB8AC3E}">
+        <p14:creationId xmlns:p14="http://schemas.microsoft.com/office/powerpoint/2010/main" val="2620929481"/>
+      </p:ext>
+    </p:extLst>
+  </p:cSld>
+  <p:clrMapOvr>
+    <a:masterClrMapping/>
+  </p:clrMapOvr>
+  <p:timing>
+    <p:tnLst>
+      <p:par>
+        <p:cTn id="1" dur="indefinite" restart="never" nodeType="tmRoot">
+          <p:childTnLst>
+            <p:seq concurrent="1" nextAc="seek">
+              <p:cTn id="2" dur="indefinite" nodeType="mainSeq">
+                <p:childTnLst>
+                  <p:par>
+                    <p:cTn id="3" fill="hold">
+                      <p:stCondLst>
+                        <p:cond delay="indefinite"/>
+                      </p:stCondLst>
+                      <p:childTnLst>
+                        <p:par>
+                          <p:cTn id="4" fill="hold">
+                            <p:stCondLst>
+                              <p:cond delay="0"/>
+                            </p:stCondLst>
+                            <p:childTnLst>
+                              <p:par>
+                                <p:cTn id="5" presetID="1" presetClass="entr" presetSubtype="0" fill="hold" nodeType="clickEffect">
+                                  <p:stCondLst>
+                                    <p:cond delay="0"/>
+                                  </p:stCondLst>
+                                  <p:childTnLst>
+                                    <p:set>
+                                      <p:cBhvr>
+                                        <p:cTn id="6" dur="1" fill="hold">
+                                          <p:stCondLst>
+                                            <p:cond delay="0"/>
+                                          </p:stCondLst>
+                                        </p:cTn>
+                                        <p:tgtEl>
+                                          <p:spTgt spid="6"/>
+                                        </p:tgtEl>
+                                        <p:attrNameLst>
+                                          <p:attrName>style.visibility</p:attrName>
+                                        </p:attrNameLst>
+                                      </p:cBhvr>
+                                      <p:to>
+                                        <p:strVal val="visible"/>
+                                      </p:to>
+                                    </p:set>
+                                  </p:childTnLst>
+                                </p:cTn>
+                              </p:par>
+                              <p:par>
+                                <p:cTn id="7" presetID="1" presetClass="entr" presetSubtype="0" fill="hold" grpId="0" nodeType="withEffect">
+                                  <p:stCondLst>
+                                    <p:cond delay="0"/>
+                                  </p:stCondLst>
+                                  <p:childTnLst>
+                                    <p:set>
+                                      <p:cBhvr>
+                                        <p:cTn id="8" dur="1" fill="hold">
+                                          <p:stCondLst>
+                                            <p:cond delay="0"/>
+                                          </p:stCondLst>
+                                        </p:cTn>
+                                        <p:tgtEl>
+                                          <p:spTgt spid="3">
+                                            <p:bg/>
+                                          </p:spTgt>
+                                        </p:tgtEl>
+                                        <p:attrNameLst>
+                                          <p:attrName>style.visibility</p:attrName>
+                                        </p:attrNameLst>
+                                      </p:cBhvr>
+                                      <p:to>
+                                        <p:strVal val="visible"/>
+                                      </p:to>
+                                    </p:set>
+                                  </p:childTnLst>
+                                </p:cTn>
+                              </p:par>
+                              <p:par>
+                                <p:cTn id="9" presetID="1" presetClass="entr" presetSubtype="0" fill="hold" grpId="0" nodeType="withEffect">
+                                  <p:stCondLst>
+                                    <p:cond delay="0"/>
+                                  </p:stCondLst>
+                                  <p:childTnLst>
+                                    <p:set>
+                                      <p:cBhvr>
+                                        <p:cTn id="10" dur="1" fill="hold">
+                                          <p:stCondLst>
+                                            <p:cond delay="0"/>
+                                          </p:stCondLst>
+                                        </p:cTn>
+                                        <p:tgtEl>
+                                          <p:spTgt spid="3">
+                                            <p:txEl>
+                                              <p:pRg st="0" end="0"/>
+                                            </p:txEl>
+                                          </p:spTgt>
+                                        </p:tgtEl>
+                                        <p:attrNameLst>
+                                          <p:attrName>style.visibility</p:attrName>
+                                        </p:attrNameLst>
+                                      </p:cBhvr>
+                                      <p:to>
+                                        <p:strVal val="visible"/>
+                                      </p:to>
+                                    </p:set>
+                                  </p:childTnLst>
+                                </p:cTn>
+                              </p:par>
+                            </p:childTnLst>
+                          </p:cTn>
+                        </p:par>
+                      </p:childTnLst>
+                    </p:cTn>
+                  </p:par>
+                  <p:par>
+                    <p:cTn id="11" fill="hold">
+                      <p:stCondLst>
+                        <p:cond delay="indefinite"/>
+                      </p:stCondLst>
+                      <p:childTnLst>
+                        <p:par>
+                          <p:cTn id="12" fill="hold">
+                            <p:stCondLst>
+                              <p:cond delay="0"/>
+                            </p:stCondLst>
+                            <p:childTnLst>
+                              <p:par>
+                                <p:cTn id="13" presetID="1" presetClass="entr" presetSubtype="0" fill="hold" grpId="0" nodeType="clickEffect">
+                                  <p:stCondLst>
+                                    <p:cond delay="0"/>
+                                  </p:stCondLst>
+                                  <p:childTnLst>
+                                    <p:set>
+                                      <p:cBhvr>
+                                        <p:cTn id="14" dur="1" fill="hold">
+                                          <p:stCondLst>
+                                            <p:cond delay="0"/>
+                                          </p:stCondLst>
+                                        </p:cTn>
+                                        <p:tgtEl>
+                                          <p:spTgt spid="3">
+                                            <p:txEl>
+                                              <p:pRg st="1" end="1"/>
+                                            </p:txEl>
+                                          </p:spTgt>
+                                        </p:tgtEl>
+                                        <p:attrNameLst>
+                                          <p:attrName>style.visibility</p:attrName>
+                                        </p:attrNameLst>
+                                      </p:cBhvr>
+                                      <p:to>
+                                        <p:strVal val="visible"/>
+                                      </p:to>
+                                    </p:set>
+                                  </p:childTnLst>
+                                </p:cTn>
+                              </p:par>
+                            </p:childTnLst>
+                          </p:cTn>
+                        </p:par>
+                      </p:childTnLst>
+                    </p:cTn>
+                  </p:par>
+                  <p:par>
+                    <p:cTn id="15" fill="hold">
+                      <p:stCondLst>
+                        <p:cond delay="indefinite"/>
+                      </p:stCondLst>
+                      <p:childTnLst>
+                        <p:par>
+                          <p:cTn id="16" fill="hold">
+                            <p:stCondLst>
+                              <p:cond delay="0"/>
+                            </p:stCondLst>
+                            <p:childTnLst>
+                              <p:par>
+                                <p:cTn id="17" presetID="1" presetClass="entr" presetSubtype="0" fill="hold" grpId="0" nodeType="clickEffect">
+                                  <p:stCondLst>
+                                    <p:cond delay="0"/>
+                                  </p:stCondLst>
+                                  <p:childTnLst>
+                                    <p:set>
+                                      <p:cBhvr>
+                                        <p:cTn id="18" dur="1" fill="hold">
+                                          <p:stCondLst>
+                                            <p:cond delay="0"/>
+                                          </p:stCondLst>
+                                        </p:cTn>
+                                        <p:tgtEl>
+                                          <p:spTgt spid="3">
+                                            <p:txEl>
+                                              <p:pRg st="2" end="2"/>
+                                            </p:txEl>
+                                          </p:spTgt>
+                                        </p:tgtEl>
+                                        <p:attrNameLst>
+                                          <p:attrName>style.visibility</p:attrName>
+                                        </p:attrNameLst>
+                                      </p:cBhvr>
+                                      <p:to>
+                                        <p:strVal val="visible"/>
+                                      </p:to>
+                                    </p:set>
+                                  </p:childTnLst>
+                                </p:cTn>
+                              </p:par>
+                            </p:childTnLst>
+                          </p:cTn>
+                        </p:par>
+                      </p:childTnLst>
+                    </p:cTn>
+                  </p:par>
+                </p:childTnLst>
+              </p:cTn>
+              <p:prevCondLst>
+                <p:cond evt="onPrev" delay="0">
+                  <p:tgtEl>
+                    <p:sldTgt/>
+                  </p:tgtEl>
+                </p:cond>
+              </p:prevCondLst>
+              <p:nextCondLst>
+                <p:cond evt="onNext" delay="0">
+                  <p:tgtEl>
+                    <p:sldTgt/>
+                  </p:tgtEl>
+                </p:cond>
+              </p:nextCondLst>
+            </p:seq>
+          </p:childTnLst>
+        </p:cTn>
+      </p:par>
+    </p:tnLst>
+    <p:bldLst>
+      <p:bldP spid="3" grpId="0" uiExpand="1" build="p" animBg="1"/>
+    </p:bldLst>
+  </p:timing>
+</p:sld>
+</file>
+
+<file path=ppt/slides/slide3.xml><?xml version="1.0" encoding="utf-8"?>
+<p:sld xmlns:a="http://schemas.openxmlformats.org/drawingml/2006/main" xmlns:r="http://schemas.openxmlformats.org/officeDocument/2006/relationships" xmlns:p="http://schemas.openxmlformats.org/presentationml/2006/main">
+  <p:cSld>
     <p:bg>
       <p:bgPr>
         <a:solidFill>
@@ -36549,7 +40416,7 @@
 </p:sld>
 </file>
 
-<file path=ppt/slides/slide3.xml><?xml version="1.0" encoding="utf-8"?>
+<file path=ppt/slides/slide4.xml><?xml version="1.0" encoding="utf-8"?>
 <p:sld xmlns:a="http://schemas.openxmlformats.org/drawingml/2006/main" xmlns:r="http://schemas.openxmlformats.org/officeDocument/2006/relationships" xmlns:p="http://schemas.openxmlformats.org/presentationml/2006/main">
   <p:cSld>
     <p:bg>
@@ -36841,7 +40708,7 @@
 </p:sld>
 </file>
 
-<file path=ppt/slides/slide4.xml><?xml version="1.0" encoding="utf-8"?>
+<file path=ppt/slides/slide5.xml><?xml version="1.0" encoding="utf-8"?>
 <p:sld xmlns:a="http://schemas.openxmlformats.org/drawingml/2006/main" xmlns:r="http://schemas.openxmlformats.org/officeDocument/2006/relationships" xmlns:p="http://schemas.openxmlformats.org/presentationml/2006/main">
   <p:cSld>
     <p:bg>
@@ -38753,7 +42620,7 @@
 </p:sld>
 </file>
 
-<file path=ppt/slides/slide5.xml><?xml version="1.0" encoding="utf-8"?>
+<file path=ppt/slides/slide6.xml><?xml version="1.0" encoding="utf-8"?>
 <p:sld xmlns:a="http://schemas.openxmlformats.org/drawingml/2006/main" xmlns:r="http://schemas.openxmlformats.org/officeDocument/2006/relationships" xmlns:p="http://schemas.openxmlformats.org/presentationml/2006/main">
   <p:cSld>
     <p:bg>
@@ -39233,7 +43100,7 @@
 </p:sld>
 </file>
 
-<file path=ppt/slides/slide6.xml><?xml version="1.0" encoding="utf-8"?>
+<file path=ppt/slides/slide7.xml><?xml version="1.0" encoding="utf-8"?>
 <p:sld xmlns:a="http://schemas.openxmlformats.org/drawingml/2006/main" xmlns:r="http://schemas.openxmlformats.org/officeDocument/2006/relationships" xmlns:p="http://schemas.openxmlformats.org/presentationml/2006/main">
   <p:cSld>
     <p:bg>
@@ -39864,7 +43731,7 @@
 </p:sld>
 </file>
 
-<file path=ppt/slides/slide7.xml><?xml version="1.0" encoding="utf-8"?>
+<file path=ppt/slides/slide8.xml><?xml version="1.0" encoding="utf-8"?>
 <p:sld xmlns:a="http://schemas.openxmlformats.org/drawingml/2006/main" xmlns:r="http://schemas.openxmlformats.org/officeDocument/2006/relationships" xmlns:p="http://schemas.openxmlformats.org/presentationml/2006/main">
   <p:cSld>
     <p:bg>
@@ -42834,20 +46701,9 @@
 </p:sld>
 </file>
 
-<file path=ppt/slides/slide8.xml><?xml version="1.0" encoding="utf-8"?>
+<file path=ppt/slides/slide9.xml><?xml version="1.0" encoding="utf-8"?>
 <p:sld xmlns:a="http://schemas.openxmlformats.org/drawingml/2006/main" xmlns:r="http://schemas.openxmlformats.org/officeDocument/2006/relationships" xmlns:p="http://schemas.openxmlformats.org/presentationml/2006/main">
   <p:cSld>
-    <p:bg>
-      <p:bgPr>
-        <a:solidFill>
-          <a:schemeClr val="accent2">
-            <a:lumMod val="20000"/>
-            <a:lumOff val="80000"/>
-          </a:schemeClr>
-        </a:solidFill>
-        <a:effectLst/>
-      </p:bgPr>
-    </p:bg>
     <p:spTree>
       <p:nvGrpSpPr>
         <p:cNvPr id="1" name=""/>
@@ -42864,10 +46720,10 @@
       </p:grpSpPr>
       <p:sp>
         <p:nvSpPr>
-          <p:cNvPr id="76" name="TextBox 75">
+          <p:cNvPr id="42" name="TextBox 41">
             <a:extLst>
               <a:ext uri="{FF2B5EF4-FFF2-40B4-BE49-F238E27FC236}">
-                <a16:creationId xmlns:a16="http://schemas.microsoft.com/office/drawing/2014/main" id="{6C22163D-87CF-BDE6-599E-F2275CD480AD}"/>
+                <a16:creationId xmlns:a16="http://schemas.microsoft.com/office/drawing/2014/main" id="{1A015AE1-65F7-E657-31AE-53DE7CA0C5EE}"/>
               </a:ext>
             </a:extLst>
           </p:cNvPr>
@@ -42876,39 +46732,38 @@
         </p:nvSpPr>
         <p:spPr>
           <a:xfrm>
-            <a:off x="553665" y="176549"/>
-            <a:ext cx="11130335" cy="707886"/>
+            <a:off x="9133736" y="3653995"/>
+            <a:ext cx="2690589" cy="1673856"/>
           </a:xfrm>
           <a:prstGeom prst="rect">
             <a:avLst/>
           </a:prstGeom>
-          <a:noFill/>
+          <a:solidFill>
+            <a:schemeClr val="bg1">
+              <a:alpha val="50000"/>
+            </a:schemeClr>
+          </a:solidFill>
         </p:spPr>
         <p:txBody>
-          <a:bodyPr wrap="square" rtlCol="0" anchor="t">
-            <a:spAutoFit/>
+          <a:bodyPr wrap="square" rtlCol="0">
+            <a:noAutofit/>
           </a:bodyPr>
           <a:lstStyle/>
           <a:p>
-            <a:pPr algn="r"/>
-            <a:r>
-              <a:rPr lang="en-US" sz="4000" b="1" cap="all" dirty="0">
-                <a:solidFill>
-                  <a:srgbClr val="C00000"/>
-                </a:solidFill>
-                <a:latin typeface="Alte Haas Grotesk" panose="02000503000000020004" pitchFamily="2" charset="0"/>
-              </a:rPr>
-              <a:t>Hexagonal “Micro” services</a:t>
-            </a:r>
+            <a:endParaRPr lang="en-US" sz="1400" i="1" dirty="0">
+              <a:solidFill>
+                <a:schemeClr val="bg1"/>
+              </a:solidFill>
+            </a:endParaRPr>
           </a:p>
         </p:txBody>
       </p:sp>
       <p:sp>
         <p:nvSpPr>
-          <p:cNvPr id="139" name="TextBox 138">
+          <p:cNvPr id="41" name="TextBox 40">
             <a:extLst>
               <a:ext uri="{FF2B5EF4-FFF2-40B4-BE49-F238E27FC236}">
-                <a16:creationId xmlns:a16="http://schemas.microsoft.com/office/drawing/2014/main" id="{D87D58F9-2C40-7FD4-B61B-2A6215BFBADB}"/>
+                <a16:creationId xmlns:a16="http://schemas.microsoft.com/office/drawing/2014/main" id="{85AF376A-C725-654A-6200-3CD6D1F10F68}"/>
               </a:ext>
             </a:extLst>
           </p:cNvPr>
@@ -42917,157 +46772,27 @@
         </p:nvSpPr>
         <p:spPr>
           <a:xfrm>
-            <a:off x="8236963" y="842546"/>
-            <a:ext cx="3364147" cy="369332"/>
+            <a:off x="634366" y="3547432"/>
+            <a:ext cx="2690589" cy="2745836"/>
           </a:xfrm>
           <a:prstGeom prst="rect">
             <a:avLst/>
           </a:prstGeom>
-          <a:noFill/>
+          <a:solidFill>
+            <a:schemeClr val="bg1">
+              <a:alpha val="50000"/>
+            </a:schemeClr>
+          </a:solidFill>
         </p:spPr>
         <p:txBody>
           <a:bodyPr wrap="square" rtlCol="0">
-            <a:spAutoFit/>
+            <a:noAutofit/>
           </a:bodyPr>
           <a:lstStyle/>
           <a:p>
-            <a:pPr algn="r"/>
-            <a:r>
-              <a:rPr lang="en-US" dirty="0"/>
-              <a:t>@tpierrain (use case driven)</a:t>
-            </a:r>
-          </a:p>
-        </p:txBody>
-      </p:sp>
-      <p:cxnSp>
-        <p:nvCxnSpPr>
-          <p:cNvPr id="80" name="Straight Arrow Connector 79">
-            <a:extLst>
-              <a:ext uri="{FF2B5EF4-FFF2-40B4-BE49-F238E27FC236}">
-                <a16:creationId xmlns:a16="http://schemas.microsoft.com/office/drawing/2014/main" id="{CF148EDC-DFD7-DD46-9E09-4881F99D4190}"/>
-              </a:ext>
-            </a:extLst>
-          </p:cNvPr>
-          <p:cNvCxnSpPr>
-            <a:cxnSpLocks/>
-            <a:stCxn id="216" idx="2"/>
-            <a:endCxn id="54" idx="3"/>
-          </p:cNvCxnSpPr>
-          <p:nvPr/>
-        </p:nvCxnSpPr>
-        <p:spPr>
-          <a:xfrm>
-            <a:off x="7481098" y="4095553"/>
-            <a:ext cx="1504138" cy="519474"/>
-          </a:xfrm>
-          <a:prstGeom prst="straightConnector1">
-            <a:avLst/>
-          </a:prstGeom>
-          <a:ln w="19050">
-            <a:solidFill>
-              <a:schemeClr val="tx1"/>
-            </a:solidFill>
-            <a:prstDash val="solid"/>
-            <a:tailEnd type="triangle"/>
-          </a:ln>
-        </p:spPr>
-        <p:style>
-          <a:lnRef idx="1">
-            <a:schemeClr val="accent1"/>
-          </a:lnRef>
-          <a:fillRef idx="0">
-            <a:schemeClr val="accent1"/>
-          </a:fillRef>
-          <a:effectRef idx="0">
-            <a:schemeClr val="accent1"/>
-          </a:effectRef>
-          <a:fontRef idx="minor">
-            <a:schemeClr val="tx1"/>
-          </a:fontRef>
-        </p:style>
-      </p:cxnSp>
-      <p:sp>
-        <p:nvSpPr>
-          <p:cNvPr id="54" name="Hexagon 53">
-            <a:extLst>
-              <a:ext uri="{FF2B5EF4-FFF2-40B4-BE49-F238E27FC236}">
-                <a16:creationId xmlns:a16="http://schemas.microsoft.com/office/drawing/2014/main" id="{9DD52ED7-5148-67C5-D885-4E2830223613}"/>
-              </a:ext>
-            </a:extLst>
-          </p:cNvPr>
-          <p:cNvSpPr/>
-          <p:nvPr/>
-        </p:nvSpPr>
-        <p:spPr>
-          <a:xfrm>
-            <a:off x="8985236" y="3672163"/>
-            <a:ext cx="2738578" cy="1885727"/>
-          </a:xfrm>
-          <a:prstGeom prst="hexagon">
-            <a:avLst/>
-          </a:prstGeom>
-          <a:solidFill>
-            <a:srgbClr val="C5E0B4"/>
-          </a:solidFill>
-          <a:ln w="47625">
-            <a:solidFill>
-              <a:schemeClr val="accent6">
-                <a:lumMod val="50000"/>
-              </a:schemeClr>
-            </a:solidFill>
-          </a:ln>
-        </p:spPr>
-        <p:style>
-          <a:lnRef idx="2">
-            <a:schemeClr val="accent1">
-              <a:shade val="50000"/>
-            </a:schemeClr>
-          </a:lnRef>
-          <a:fillRef idx="1">
-            <a:schemeClr val="accent1"/>
-          </a:fillRef>
-          <a:effectRef idx="0">
-            <a:schemeClr val="accent1"/>
-          </a:effectRef>
-          <a:fontRef idx="minor">
-            <a:schemeClr val="lt1"/>
-          </a:fontRef>
-        </p:style>
-        <p:txBody>
-          <a:bodyPr rtlCol="0" anchor="ctr"/>
-          <a:lstStyle/>
-          <a:p>
-            <a:pPr algn="ctr"/>
-            <a:r>
-              <a:rPr lang="en-GB" sz="1800" b="1" cap="all" dirty="0">
-                <a:solidFill>
-                  <a:schemeClr val="tx1"/>
-                </a:solidFill>
-                <a:latin typeface="Alte Haas Grotesk" panose="02000503000000020004" pitchFamily="2" charset="0"/>
-              </a:rPr>
-              <a:t>Auditorium </a:t>
-            </a:r>
-            <a:r>
-              <a:rPr lang="en-GB" sz="1800" b="1" cap="all" dirty="0" err="1">
-                <a:solidFill>
-                  <a:schemeClr val="tx1"/>
-                </a:solidFill>
-                <a:latin typeface="Alte Haas Grotesk" panose="02000503000000020004" pitchFamily="2" charset="0"/>
-              </a:rPr>
-              <a:t>seatings</a:t>
-            </a:r>
-            <a:r>
-              <a:rPr lang="en-GB" sz="1800" b="1" cap="all" dirty="0">
-                <a:solidFill>
-                  <a:schemeClr val="tx1"/>
-                </a:solidFill>
-                <a:latin typeface="Alte Haas Grotesk" panose="02000503000000020004" pitchFamily="2" charset="0"/>
-              </a:rPr>
-              <a:t> API</a:t>
-            </a:r>
-            <a:endParaRPr lang="fr-FR" dirty="0">
+            <a:endParaRPr lang="en-US" sz="1400" i="1" dirty="0">
               <a:solidFill>
-                <a:schemeClr val="tx1"/>
+                <a:schemeClr val="bg1"/>
               </a:solidFill>
             </a:endParaRPr>
           </a:p>
@@ -43075,10 +46800,10 @@
       </p:sp>
       <p:grpSp>
         <p:nvGrpSpPr>
-          <p:cNvPr id="9" name="Group 8">
+          <p:cNvPr id="2" name="Group 1">
             <a:extLst>
               <a:ext uri="{FF2B5EF4-FFF2-40B4-BE49-F238E27FC236}">
-                <a16:creationId xmlns:a16="http://schemas.microsoft.com/office/drawing/2014/main" id="{12C75229-5FE5-9C3C-75B6-2803B1934537}"/>
+                <a16:creationId xmlns:a16="http://schemas.microsoft.com/office/drawing/2014/main" id="{34DC0F48-A1C4-AF9B-BC46-522299835CEE}"/>
               </a:ext>
             </a:extLst>
           </p:cNvPr>
@@ -43087,10 +46812,10 @@
         </p:nvGrpSpPr>
         <p:grpSpPr>
           <a:xfrm>
-            <a:off x="1185295" y="1169988"/>
-            <a:ext cx="7317239" cy="4795034"/>
-            <a:chOff x="-228725" y="651514"/>
-            <a:chExt cx="7317239" cy="4795034"/>
+            <a:off x="3508920" y="1890756"/>
+            <a:ext cx="5174160" cy="3562815"/>
+            <a:chOff x="2544432" y="1890756"/>
+            <a:chExt cx="5174160" cy="3562815"/>
           </a:xfrm>
         </p:grpSpPr>
         <p:sp>
@@ -43107,7 +46832,7 @@
           </p:nvSpPr>
           <p:spPr>
             <a:xfrm>
-              <a:off x="1130412" y="1372282"/>
+              <a:off x="2544432" y="1890756"/>
               <a:ext cx="5174160" cy="3562815"/>
             </a:xfrm>
             <a:prstGeom prst="hexagon">
@@ -43161,7 +46886,7 @@
           </p:nvSpPr>
           <p:spPr>
             <a:xfrm>
-              <a:off x="2206827" y="2106919"/>
+              <a:off x="3620847" y="2625393"/>
               <a:ext cx="3040380" cy="2093540"/>
             </a:xfrm>
             <a:prstGeom prst="hexagon">
@@ -43215,7 +46940,7 @@
           </p:nvGrpSpPr>
           <p:grpSpPr>
             <a:xfrm>
-              <a:off x="2457876" y="2594187"/>
+              <a:off x="3871896" y="3112661"/>
               <a:ext cx="171374" cy="381578"/>
               <a:chOff x="7689730" y="3195744"/>
               <a:chExt cx="171374" cy="381578"/>
@@ -43333,7 +47058,7 @@
           </p:nvSpPr>
           <p:spPr>
             <a:xfrm>
-              <a:off x="4005403" y="2890186"/>
+              <a:off x="5419423" y="3408660"/>
               <a:ext cx="425816" cy="351565"/>
             </a:xfrm>
             <a:prstGeom prst="roundRect">
@@ -43391,7 +47116,7 @@
           </p:nvCxnSpPr>
           <p:spPr>
             <a:xfrm flipV="1">
-              <a:off x="2761180" y="2504092"/>
+              <a:off x="4175200" y="3022566"/>
               <a:ext cx="604954" cy="612168"/>
             </a:xfrm>
             <a:prstGeom prst="bentConnector3">
@@ -43437,7 +47162,7 @@
           </p:nvCxnSpPr>
           <p:spPr>
             <a:xfrm>
-              <a:off x="3791951" y="2504092"/>
+              <a:off x="5205971" y="3022566"/>
               <a:ext cx="426360" cy="386094"/>
             </a:xfrm>
             <a:prstGeom prst="bentConnector2">
@@ -43479,7 +47204,7 @@
           </p:nvSpPr>
           <p:spPr>
             <a:xfrm>
-              <a:off x="3366134" y="2328309"/>
+              <a:off x="4780154" y="2846783"/>
               <a:ext cx="425817" cy="351565"/>
             </a:xfrm>
             <a:prstGeom prst="roundRect">
@@ -43533,7 +47258,7 @@
           </p:nvSpPr>
           <p:spPr>
             <a:xfrm>
-              <a:off x="3799194" y="2414175"/>
+              <a:off x="5213214" y="2932649"/>
               <a:ext cx="167131" cy="167131"/>
             </a:xfrm>
             <a:prstGeom prst="diamond">
@@ -43587,7 +47312,7 @@
           </p:nvSpPr>
           <p:spPr>
             <a:xfrm>
-              <a:off x="2335362" y="2940477"/>
+              <a:off x="3749382" y="3458951"/>
               <a:ext cx="425818" cy="351565"/>
             </a:xfrm>
             <a:prstGeom prst="roundRect">
@@ -43641,7 +47366,7 @@
           </p:nvSpPr>
           <p:spPr>
             <a:xfrm>
-              <a:off x="2764551" y="3028958"/>
+              <a:off x="4178571" y="3547432"/>
               <a:ext cx="167130" cy="167132"/>
             </a:xfrm>
             <a:prstGeom prst="diamond">
@@ -43695,7 +47420,7 @@
           </p:nvSpPr>
           <p:spPr>
             <a:xfrm rot="12414236">
-              <a:off x="5134217" y="3214846"/>
+              <a:off x="6548237" y="3733320"/>
               <a:ext cx="883655" cy="428062"/>
             </a:xfrm>
             <a:prstGeom prst="rightBrace">
@@ -43751,7 +47476,7 @@
           </p:nvCxnSpPr>
           <p:spPr>
             <a:xfrm>
-              <a:off x="4431219" y="3065969"/>
+              <a:off x="5845239" y="3584443"/>
               <a:ext cx="634759" cy="60184"/>
             </a:xfrm>
             <a:prstGeom prst="straightConnector1">
@@ -43794,7 +47519,7 @@
           </p:nvSpPr>
           <p:spPr>
             <a:xfrm>
-              <a:off x="5040881" y="3101056"/>
+              <a:off x="6454901" y="3619530"/>
               <a:ext cx="171374" cy="171374"/>
             </a:xfrm>
             <a:prstGeom prst="ellipse">
@@ -43848,7 +47573,7 @@
           </p:nvSpPr>
           <p:spPr>
             <a:xfrm>
-              <a:off x="2899680" y="3543024"/>
+              <a:off x="4313700" y="4061498"/>
               <a:ext cx="425816" cy="351565"/>
             </a:xfrm>
             <a:prstGeom prst="roundRect">
@@ -43902,7 +47627,7 @@
           </p:nvSpPr>
           <p:spPr>
             <a:xfrm>
-              <a:off x="3660068" y="3620884"/>
+              <a:off x="5074088" y="4139358"/>
               <a:ext cx="425816" cy="351565"/>
             </a:xfrm>
             <a:prstGeom prst="roundRect">
@@ -43960,7 +47685,7 @@
           </p:nvCxnSpPr>
           <p:spPr>
             <a:xfrm>
-              <a:off x="3325496" y="3718807"/>
+              <a:off x="4739516" y="4237281"/>
               <a:ext cx="334572" cy="77860"/>
             </a:xfrm>
             <a:prstGeom prst="bentConnector3">
@@ -44008,7 +47733,7 @@
           </p:nvCxnSpPr>
           <p:spPr>
             <a:xfrm>
-              <a:off x="2548271" y="3292042"/>
+              <a:off x="3962291" y="3810516"/>
               <a:ext cx="351409" cy="426765"/>
             </a:xfrm>
             <a:prstGeom prst="straightConnector1">
@@ -44051,8 +47776,8 @@
           </p:nvSpPr>
           <p:spPr>
             <a:xfrm>
-              <a:off x="2582958" y="2115294"/>
-              <a:ext cx="2108329" cy="215444"/>
+              <a:off x="3996978" y="2633768"/>
+              <a:ext cx="2108329" cy="307777"/>
             </a:xfrm>
             <a:prstGeom prst="rect">
               <a:avLst/>
@@ -44067,10 +47792,10 @@
             <a:p>
               <a:pPr algn="r"/>
               <a:r>
-                <a:rPr lang="en-GB" sz="800" b="1" cap="all" dirty="0">
+                <a:rPr lang="en-GB" sz="1400" b="1" cap="all" dirty="0">
                   <a:latin typeface="Alte Haas Grotesk" panose="02000503000000020004" pitchFamily="2" charset="0"/>
                 </a:rPr>
-                <a:t>Seat suggestions Domain</a:t>
+                <a:t>Domain</a:t>
               </a:r>
             </a:p>
           </p:txBody>
@@ -44089,8 +47814,8 @@
           </p:nvSpPr>
           <p:spPr>
             <a:xfrm>
-              <a:off x="3888634" y="1405675"/>
-              <a:ext cx="1523320" cy="272522"/>
+              <a:off x="4780154" y="1924149"/>
+              <a:ext cx="2045820" cy="307777"/>
             </a:xfrm>
             <a:prstGeom prst="rect">
               <a:avLst/>
@@ -44105,139 +47830,11 @@
             <a:p>
               <a:pPr algn="r"/>
               <a:r>
-                <a:rPr lang="en-GB" sz="800" b="1" cap="all" dirty="0">
+                <a:rPr lang="en-GB" sz="1400" b="1" cap="all" dirty="0">
                   <a:latin typeface="Alte Haas Grotesk" panose="02000503000000020004" pitchFamily="2" charset="0"/>
                 </a:rPr>
                 <a:t>Infrastructure</a:t>
               </a:r>
-            </a:p>
-          </p:txBody>
-        </p:sp>
-        <p:pic>
-          <p:nvPicPr>
-            <p:cNvPr id="72" name="Picture 71">
-              <a:extLst>
-                <a:ext uri="{FF2B5EF4-FFF2-40B4-BE49-F238E27FC236}">
-                  <a16:creationId xmlns:a16="http://schemas.microsoft.com/office/drawing/2014/main" id="{7EB3B387-29CE-ED80-CE7F-BA9EBA7FB2A2}"/>
-                </a:ext>
-              </a:extLst>
-            </p:cNvPr>
-            <p:cNvPicPr>
-              <a:picLocks noChangeAspect="1"/>
-            </p:cNvPicPr>
-            <p:nvPr/>
-          </p:nvPicPr>
-          <p:blipFill>
-            <a:blip r:embed="rId2">
-              <a:extLst>
-                <a:ext uri="{28A0092B-C50C-407E-A947-70E740481C1C}">
-                  <a14:useLocalDpi xmlns:a14="http://schemas.microsoft.com/office/drawing/2010/main" val="0"/>
-                </a:ext>
-              </a:extLst>
-            </a:blip>
-            <a:stretch>
-              <a:fillRect/>
-            </a:stretch>
-          </p:blipFill>
-          <p:spPr>
-            <a:xfrm>
-              <a:off x="-228725" y="651514"/>
-              <a:ext cx="696871" cy="656800"/>
-            </a:xfrm>
-            <a:prstGeom prst="rect">
-              <a:avLst/>
-            </a:prstGeom>
-          </p:spPr>
-        </p:pic>
-        <p:cxnSp>
-          <p:nvCxnSpPr>
-            <p:cNvPr id="73" name="Straight Arrow Connector 72">
-              <a:extLst>
-                <a:ext uri="{FF2B5EF4-FFF2-40B4-BE49-F238E27FC236}">
-                  <a16:creationId xmlns:a16="http://schemas.microsoft.com/office/drawing/2014/main" id="{E0BD609C-A372-9B77-A208-61AAF7FAC62E}"/>
-                </a:ext>
-              </a:extLst>
-            </p:cNvPr>
-            <p:cNvCxnSpPr>
-              <a:cxnSpLocks/>
-            </p:cNvCxnSpPr>
-            <p:nvPr/>
-          </p:nvCxnSpPr>
-          <p:spPr>
-            <a:xfrm>
-              <a:off x="447979" y="1267403"/>
-              <a:ext cx="1145077" cy="894772"/>
-            </a:xfrm>
-            <a:prstGeom prst="straightConnector1">
-              <a:avLst/>
-            </a:prstGeom>
-            <a:ln w="19050">
-              <a:solidFill>
-                <a:schemeClr val="tx1"/>
-              </a:solidFill>
-              <a:prstDash val="solid"/>
-              <a:tailEnd type="triangle"/>
-            </a:ln>
-          </p:spPr>
-          <p:style>
-            <a:lnRef idx="1">
-              <a:schemeClr val="accent1"/>
-            </a:lnRef>
-            <a:fillRef idx="0">
-              <a:schemeClr val="accent1"/>
-            </a:fillRef>
-            <a:effectRef idx="0">
-              <a:schemeClr val="accent1"/>
-            </a:effectRef>
-            <a:fontRef idx="minor">
-              <a:schemeClr val="tx1"/>
-            </a:fontRef>
-          </p:style>
-        </p:cxnSp>
-        <p:sp>
-          <p:nvSpPr>
-            <p:cNvPr id="74" name="TextBox 73">
-              <a:extLst>
-                <a:ext uri="{FF2B5EF4-FFF2-40B4-BE49-F238E27FC236}">
-                  <a16:creationId xmlns:a16="http://schemas.microsoft.com/office/drawing/2014/main" id="{39B6EC26-17C9-4060-F3BD-944E655A43B6}"/>
-                </a:ext>
-              </a:extLst>
-            </p:cNvPr>
-            <p:cNvSpPr txBox="1"/>
-            <p:nvPr/>
-          </p:nvSpPr>
-          <p:spPr>
-            <a:xfrm>
-              <a:off x="756465" y="1541936"/>
-              <a:ext cx="487634" cy="230832"/>
-            </a:xfrm>
-            <a:prstGeom prst="rect">
-              <a:avLst/>
-            </a:prstGeom>
-            <a:solidFill>
-              <a:srgbClr val="E4C16C"/>
-            </a:solidFill>
-          </p:spPr>
-          <p:txBody>
-            <a:bodyPr wrap="none" rtlCol="0">
-              <a:spAutoFit/>
-            </a:bodyPr>
-            <a:lstStyle>
-              <a:defPPr>
-                <a:defRPr lang="fr-FR"/>
-              </a:defPPr>
-              <a:lvl1pPr>
-                <a:defRPr sz="900" b="1">
-                  <a:latin typeface="Alte Haas Grotesk" panose="02000503000000020004" pitchFamily="2" charset="0"/>
-                </a:defRPr>
-              </a:lvl1pPr>
-            </a:lstStyle>
-            <a:p>
-              <a:r>
-                <a:rPr lang="fr-FR" dirty="0"/>
-                <a:t>HTTP</a:t>
-              </a:r>
-              <a:endParaRPr lang="en-GB" dirty="0"/>
             </a:p>
           </p:txBody>
         </p:sp>
@@ -44255,7 +47852,7 @@
           </p:nvSpPr>
           <p:spPr>
             <a:xfrm rot="12414236">
-              <a:off x="4725358" y="4000552"/>
+              <a:off x="6139378" y="4519026"/>
               <a:ext cx="883655" cy="428062"/>
             </a:xfrm>
             <a:prstGeom prst="rightBrace">
@@ -44307,7 +47904,7 @@
           </p:nvSpPr>
           <p:spPr>
             <a:xfrm>
-              <a:off x="4632022" y="3886762"/>
+              <a:off x="6046042" y="4405236"/>
               <a:ext cx="171374" cy="171374"/>
             </a:xfrm>
             <a:prstGeom prst="ellipse">
@@ -44361,7 +47958,7 @@
           </p:nvSpPr>
           <p:spPr>
             <a:xfrm rot="17820000">
-              <a:off x="4959075" y="4081501"/>
+              <a:off x="6373095" y="4599975"/>
               <a:ext cx="823899" cy="546311"/>
             </a:xfrm>
             <a:prstGeom prst="rect">
@@ -44434,7 +48031,7 @@
           </p:nvCxnSpPr>
           <p:spPr>
             <a:xfrm>
-              <a:off x="4085884" y="3796667"/>
+              <a:off x="5499904" y="4315141"/>
               <a:ext cx="546138" cy="175782"/>
             </a:xfrm>
             <a:prstGeom prst="straightConnector1">
@@ -44477,7 +48074,7 @@
           </p:nvSpPr>
           <p:spPr>
             <a:xfrm>
-              <a:off x="3332536" y="3640001"/>
+              <a:off x="4746556" y="4158475"/>
               <a:ext cx="167131" cy="167131"/>
             </a:xfrm>
             <a:prstGeom prst="diamond">
@@ -44519,162 +48116,6 @@
         </p:sp>
         <p:sp>
           <p:nvSpPr>
-            <p:cNvPr id="102" name="Flowchart: Magnetic Disk 101">
-              <a:extLst>
-                <a:ext uri="{FF2B5EF4-FFF2-40B4-BE49-F238E27FC236}">
-                  <a16:creationId xmlns:a16="http://schemas.microsoft.com/office/drawing/2014/main" id="{8809B9B3-2ABA-7002-C465-823660F01F15}"/>
-                </a:ext>
-              </a:extLst>
-            </p:cNvPr>
-            <p:cNvSpPr/>
-            <p:nvPr/>
-          </p:nvSpPr>
-          <p:spPr>
-            <a:xfrm>
-              <a:off x="6449037" y="4738570"/>
-              <a:ext cx="504521" cy="707978"/>
-            </a:xfrm>
-            <a:prstGeom prst="flowChartMagneticDisk">
-              <a:avLst/>
-            </a:prstGeom>
-            <a:solidFill>
-              <a:srgbClr val="DFC9EF"/>
-            </a:solidFill>
-            <a:ln w="25400">
-              <a:solidFill>
-                <a:srgbClr val="7030A0"/>
-              </a:solidFill>
-            </a:ln>
-          </p:spPr>
-          <p:style>
-            <a:lnRef idx="2">
-              <a:schemeClr val="accent1">
-                <a:shade val="50000"/>
-              </a:schemeClr>
-            </a:lnRef>
-            <a:fillRef idx="1">
-              <a:schemeClr val="accent1"/>
-            </a:fillRef>
-            <a:effectRef idx="0">
-              <a:schemeClr val="accent1"/>
-            </a:effectRef>
-            <a:fontRef idx="minor">
-              <a:schemeClr val="lt1"/>
-            </a:fontRef>
-          </p:style>
-          <p:txBody>
-            <a:bodyPr rtlCol="0" anchor="ctr"/>
-            <a:lstStyle/>
-            <a:p>
-              <a:pPr algn="ctr"/>
-              <a:r>
-                <a:rPr lang="fr-FR" sz="1400" b="1" cap="all" dirty="0" err="1">
-                  <a:solidFill>
-                    <a:schemeClr val="tx1"/>
-                  </a:solidFill>
-                  <a:latin typeface="Alte Haas Grotesk" panose="02000503000000020004" pitchFamily="2" charset="0"/>
-                </a:rPr>
-                <a:t>db</a:t>
-              </a:r>
-              <a:endParaRPr lang="fr-FR" sz="1400" b="1" cap="all" dirty="0">
-                <a:solidFill>
-                  <a:schemeClr val="tx1"/>
-                </a:solidFill>
-                <a:latin typeface="Alte Haas Grotesk" panose="02000503000000020004" pitchFamily="2" charset="0"/>
-              </a:endParaRPr>
-            </a:p>
-          </p:txBody>
-        </p:sp>
-        <p:cxnSp>
-          <p:nvCxnSpPr>
-            <p:cNvPr id="103" name="Straight Arrow Connector 102">
-              <a:extLst>
-                <a:ext uri="{FF2B5EF4-FFF2-40B4-BE49-F238E27FC236}">
-                  <a16:creationId xmlns:a16="http://schemas.microsoft.com/office/drawing/2014/main" id="{9DC579C9-2B02-64AB-2FBD-5421A8699E3D}"/>
-                </a:ext>
-              </a:extLst>
-            </p:cNvPr>
-            <p:cNvCxnSpPr>
-              <a:cxnSpLocks/>
-              <a:stCxn id="84" idx="2"/>
-              <a:endCxn id="102" idx="2"/>
-            </p:cNvCxnSpPr>
-            <p:nvPr/>
-          </p:nvCxnSpPr>
-          <p:spPr>
-            <a:xfrm>
-              <a:off x="5614408" y="4478666"/>
-              <a:ext cx="834629" cy="613893"/>
-            </a:xfrm>
-            <a:prstGeom prst="straightConnector1">
-              <a:avLst/>
-            </a:prstGeom>
-            <a:ln w="19050">
-              <a:solidFill>
-                <a:schemeClr val="tx1"/>
-              </a:solidFill>
-              <a:prstDash val="solid"/>
-              <a:tailEnd type="triangle"/>
-            </a:ln>
-          </p:spPr>
-          <p:style>
-            <a:lnRef idx="1">
-              <a:schemeClr val="accent1"/>
-            </a:lnRef>
-            <a:fillRef idx="0">
-              <a:schemeClr val="accent1"/>
-            </a:fillRef>
-            <a:effectRef idx="0">
-              <a:schemeClr val="accent1"/>
-            </a:effectRef>
-            <a:fontRef idx="minor">
-              <a:schemeClr val="tx1"/>
-            </a:fontRef>
-          </p:style>
-        </p:cxnSp>
-        <p:sp>
-          <p:nvSpPr>
-            <p:cNvPr id="109" name="TextBox 108">
-              <a:extLst>
-                <a:ext uri="{FF2B5EF4-FFF2-40B4-BE49-F238E27FC236}">
-                  <a16:creationId xmlns:a16="http://schemas.microsoft.com/office/drawing/2014/main" id="{35FD09CB-1EA0-C721-B9D5-8B0814D9365D}"/>
-                </a:ext>
-              </a:extLst>
-            </p:cNvPr>
-            <p:cNvSpPr txBox="1"/>
-            <p:nvPr/>
-          </p:nvSpPr>
-          <p:spPr>
-            <a:xfrm>
-              <a:off x="2047278" y="4991066"/>
-              <a:ext cx="3338271" cy="369332"/>
-            </a:xfrm>
-            <a:prstGeom prst="rect">
-              <a:avLst/>
-            </a:prstGeom>
-            <a:noFill/>
-          </p:spPr>
-          <p:txBody>
-            <a:bodyPr wrap="square" rtlCol="0">
-              <a:spAutoFit/>
-            </a:bodyPr>
-            <a:lstStyle/>
-            <a:p>
-              <a:pPr algn="ctr"/>
-              <a:r>
-                <a:rPr lang="en-GB" b="1" cap="all" dirty="0">
-                  <a:solidFill>
-                    <a:srgbClr val="C00000"/>
-                  </a:solidFill>
-                  <a:latin typeface="Alte Haas Grotesk" panose="02000503000000020004" pitchFamily="2" charset="0"/>
-                </a:rPr>
-                <a:t>Seat Suggestions API</a:t>
-              </a:r>
-            </a:p>
-          </p:txBody>
-        </p:sp>
-        <p:sp>
-          <p:nvSpPr>
             <p:cNvPr id="216" name="Rectangle 215">
               <a:extLst>
                 <a:ext uri="{FF2B5EF4-FFF2-40B4-BE49-F238E27FC236}">
@@ -44687,7 +48128,7 @@
           </p:nvSpPr>
           <p:spPr>
             <a:xfrm rot="17820000">
-              <a:off x="5411476" y="3179914"/>
+              <a:off x="6825496" y="3698388"/>
               <a:ext cx="824437" cy="546311"/>
             </a:xfrm>
             <a:prstGeom prst="rect">
@@ -44772,7 +48213,7 @@
           </p:nvCxnSpPr>
           <p:spPr>
             <a:xfrm>
-              <a:off x="2082406" y="2316045"/>
+              <a:off x="3496426" y="2834519"/>
               <a:ext cx="400567" cy="303239"/>
             </a:xfrm>
             <a:prstGeom prst="straightConnector1">
@@ -44815,7 +48256,7 @@
           </p:nvSpPr>
           <p:spPr>
             <a:xfrm rot="17798078">
-              <a:off x="1343693" y="1999023"/>
+              <a:off x="2757713" y="2517497"/>
               <a:ext cx="1086095" cy="437786"/>
             </a:xfrm>
             <a:prstGeom prst="rect">
@@ -44892,7 +48333,7 @@
           </p:nvSpPr>
           <p:spPr>
             <a:xfrm>
-              <a:off x="2078667" y="2152354"/>
+              <a:off x="3492687" y="2670828"/>
               <a:ext cx="618793" cy="215444"/>
             </a:xfrm>
             <a:prstGeom prst="rect">
@@ -44924,606 +48365,13 @@
             </a:p>
           </p:txBody>
         </p:sp>
-        <p:sp>
-          <p:nvSpPr>
-            <p:cNvPr id="134" name="TextBox 133">
-              <a:extLst>
-                <a:ext uri="{FF2B5EF4-FFF2-40B4-BE49-F238E27FC236}">
-                  <a16:creationId xmlns:a16="http://schemas.microsoft.com/office/drawing/2014/main" id="{CCB73EF0-935D-80FD-0DA6-10CCD5AA72D7}"/>
-                </a:ext>
-              </a:extLst>
-            </p:cNvPr>
-            <p:cNvSpPr txBox="1"/>
-            <p:nvPr/>
-          </p:nvSpPr>
-          <p:spPr>
-            <a:xfrm>
-              <a:off x="6600880" y="3691716"/>
-              <a:ext cx="487634" cy="230832"/>
-            </a:xfrm>
-            <a:prstGeom prst="rect">
-              <a:avLst/>
-            </a:prstGeom>
-            <a:solidFill>
-              <a:srgbClr val="D39807"/>
-            </a:solidFill>
-          </p:spPr>
-          <p:txBody>
-            <a:bodyPr wrap="none" rtlCol="0">
-              <a:spAutoFit/>
-            </a:bodyPr>
-            <a:lstStyle/>
-            <a:p>
-              <a:r>
-                <a:rPr lang="fr-FR" sz="900" b="1" dirty="0">
-                  <a:latin typeface="Alte Haas Grotesk" panose="02000503000000020004" pitchFamily="2" charset="0"/>
-                </a:rPr>
-                <a:t>HTTP</a:t>
-              </a:r>
-              <a:endParaRPr lang="en-GB" sz="900" b="1" dirty="0">
-                <a:latin typeface="Alte Haas Grotesk" panose="02000503000000020004" pitchFamily="2" charset="0"/>
-              </a:endParaRPr>
-            </a:p>
-          </p:txBody>
-        </p:sp>
       </p:grpSp>
-    </p:spTree>
-    <p:extLst>
-      <p:ext uri="{BB962C8B-B14F-4D97-AF65-F5344CB8AC3E}">
-        <p14:creationId xmlns:p14="http://schemas.microsoft.com/office/powerpoint/2010/main" val="942741703"/>
-      </p:ext>
-    </p:extLst>
-  </p:cSld>
-  <p:clrMapOvr>
-    <a:masterClrMapping/>
-  </p:clrMapOvr>
-</p:sld>
-</file>
-
-<file path=ppt/slides/slide9.xml><?xml version="1.0" encoding="utf-8"?>
-<p:sld xmlns:a="http://schemas.openxmlformats.org/drawingml/2006/main" xmlns:r="http://schemas.openxmlformats.org/officeDocument/2006/relationships" xmlns:p="http://schemas.openxmlformats.org/presentationml/2006/main">
-  <p:cSld>
-    <p:spTree>
-      <p:nvGrpSpPr>
-        <p:cNvPr id="1" name=""/>
-        <p:cNvGrpSpPr/>
-        <p:nvPr/>
-      </p:nvGrpSpPr>
-      <p:grpSpPr>
-        <a:xfrm>
-          <a:off x="0" y="0"/>
-          <a:ext cx="0" cy="0"/>
-          <a:chOff x="0" y="0"/>
-          <a:chExt cx="0" cy="0"/>
-        </a:xfrm>
-      </p:grpSpPr>
       <p:sp>
         <p:nvSpPr>
-          <p:cNvPr id="2" name="Title 1">
+          <p:cNvPr id="53" name="TextBox 52">
             <a:extLst>
               <a:ext uri="{FF2B5EF4-FFF2-40B4-BE49-F238E27FC236}">
-                <a16:creationId xmlns:a16="http://schemas.microsoft.com/office/drawing/2014/main" id="{68B2F55C-0C67-8008-3583-F16BF41CBA06}"/>
-              </a:ext>
-            </a:extLst>
-          </p:cNvPr>
-          <p:cNvSpPr>
-            <a:spLocks noGrp="1"/>
-          </p:cNvSpPr>
-          <p:nvPr>
-            <p:ph type="title"/>
-          </p:nvPr>
-        </p:nvSpPr>
-        <p:spPr/>
-        <p:txBody>
-          <a:bodyPr>
-            <a:normAutofit/>
-          </a:bodyPr>
-          <a:lstStyle/>
-          <a:p>
-            <a:r>
-              <a:rPr lang="en-US" sz="3600" b="1" cap="all" dirty="0">
-                <a:solidFill>
-                  <a:srgbClr val="C00000"/>
-                </a:solidFill>
-                <a:latin typeface="Alte Haas Grotesk" panose="02000503000000020004" pitchFamily="2" charset="0"/>
-              </a:rPr>
-              <a:t>Hexagonal Architecture: one pattern, multiple facets?</a:t>
-            </a:r>
-          </a:p>
-        </p:txBody>
-      </p:sp>
-      <p:sp>
-        <p:nvSpPr>
-          <p:cNvPr id="3" name="Content Placeholder 2">
-            <a:extLst>
-              <a:ext uri="{FF2B5EF4-FFF2-40B4-BE49-F238E27FC236}">
-                <a16:creationId xmlns:a16="http://schemas.microsoft.com/office/drawing/2014/main" id="{E9C66A2F-28C4-07BB-AD2E-7140FA48EA35}"/>
-              </a:ext>
-            </a:extLst>
-          </p:cNvPr>
-          <p:cNvSpPr>
-            <a:spLocks noGrp="1"/>
-          </p:cNvSpPr>
-          <p:nvPr>
-            <p:ph idx="1"/>
-          </p:nvPr>
-        </p:nvSpPr>
-        <p:spPr>
-          <a:xfrm>
-            <a:off x="1985034" y="1825625"/>
-            <a:ext cx="9709608" cy="1996567"/>
-          </a:xfrm>
-          <a:solidFill>
-            <a:schemeClr val="bg2">
-              <a:alpha val="48000"/>
-            </a:schemeClr>
-          </a:solidFill>
-          <a:ln>
-            <a:noFill/>
-          </a:ln>
-        </p:spPr>
-        <p:txBody>
-          <a:bodyPr tIns="91440" bIns="0">
-            <a:normAutofit fontScale="85000" lnSpcReduction="20000"/>
-          </a:bodyPr>
-          <a:lstStyle/>
-          <a:p>
-            <a:r>
-              <a:rPr lang="en-US" b="1" i="1" dirty="0">
-                <a:solidFill>
-                  <a:srgbClr val="C00000"/>
-                </a:solidFill>
-                <a:effectLst/>
-                <a:ea typeface="Times New Roman" panose="02020603050405020304" pitchFamily="18" charset="0"/>
-              </a:rPr>
-              <a:t>The technological facet:</a:t>
-            </a:r>
-            <a:r>
-              <a:rPr lang="en-US" b="1" i="1" dirty="0">
-                <a:effectLst/>
-                <a:ea typeface="Times New Roman" panose="02020603050405020304" pitchFamily="18" charset="0"/>
-              </a:rPr>
-              <a:t> </a:t>
-            </a:r>
-            <a:r>
-              <a:rPr lang="en-US" dirty="0">
-                <a:effectLst/>
-                <a:ea typeface="Times New Roman" panose="02020603050405020304" pitchFamily="18" charset="0"/>
-              </a:rPr>
-              <a:t>to easily switch one technology with another without breaking our core domain code (like plug-ins)</a:t>
-            </a:r>
-          </a:p>
-          <a:p>
-            <a:r>
-              <a:rPr lang="en-US" b="1" i="1" dirty="0">
-                <a:solidFill>
-                  <a:srgbClr val="C00000"/>
-                </a:solidFill>
-                <a:effectLst/>
-                <a:ea typeface="Times New Roman" panose="02020603050405020304" pitchFamily="18" charset="0"/>
-              </a:rPr>
-              <a:t>The testability facet:</a:t>
-            </a:r>
-            <a:r>
-              <a:rPr lang="en-US" b="1" i="1" dirty="0">
-                <a:effectLst/>
-                <a:ea typeface="Times New Roman" panose="02020603050405020304" pitchFamily="18" charset="0"/>
-              </a:rPr>
-              <a:t> </a:t>
-            </a:r>
-            <a:r>
-              <a:rPr lang="en-US" dirty="0">
-                <a:effectLst/>
-                <a:ea typeface="Times New Roman" panose="02020603050405020304" pitchFamily="18" charset="0"/>
-              </a:rPr>
-              <a:t>to easily </a:t>
-            </a:r>
-            <a:r>
-              <a:rPr lang="en-US" dirty="0"/>
-              <a:t>develop and test an application in isolation from its eventual run-time devices and databases</a:t>
-            </a:r>
-          </a:p>
-          <a:p>
-            <a:r>
-              <a:rPr lang="en-US" b="1" i="1" dirty="0">
-                <a:solidFill>
-                  <a:srgbClr val="C00000"/>
-                </a:solidFill>
-                <a:ea typeface="Times New Roman" panose="02020603050405020304" pitchFamily="18" charset="0"/>
-              </a:rPr>
-              <a:t>The fast feedback facet:</a:t>
-            </a:r>
-            <a:r>
-              <a:rPr lang="en-US" b="1" i="1" dirty="0">
-                <a:ea typeface="Times New Roman" panose="02020603050405020304" pitchFamily="18" charset="0"/>
-              </a:rPr>
-              <a:t> </a:t>
-            </a:r>
-            <a:r>
-              <a:rPr lang="en-US" dirty="0">
-                <a:ea typeface="Times New Roman" panose="02020603050405020304" pitchFamily="18" charset="0"/>
-              </a:rPr>
-              <a:t>to have good time to market and fast feedbacks about what is really at stakes for our users</a:t>
-            </a:r>
-            <a:endParaRPr lang="en-US" dirty="0"/>
-          </a:p>
-        </p:txBody>
-      </p:sp>
-      <p:pic>
-        <p:nvPicPr>
-          <p:cNvPr id="5" name="Picture 4" descr="A picture containing person, person, standing, male&#10;&#10;Description automatically generated">
-            <a:extLst>
-              <a:ext uri="{FF2B5EF4-FFF2-40B4-BE49-F238E27FC236}">
-                <a16:creationId xmlns:a16="http://schemas.microsoft.com/office/drawing/2014/main" id="{F3DE751F-C344-8D54-82A7-E99DF8141B97}"/>
-              </a:ext>
-            </a:extLst>
-          </p:cNvPr>
-          <p:cNvPicPr>
-            <a:picLocks noChangeAspect="1"/>
-          </p:cNvPicPr>
-          <p:nvPr/>
-        </p:nvPicPr>
-        <p:blipFill rotWithShape="1">
-          <a:blip r:embed="rId3">
-            <a:extLst>
-              <a:ext uri="{28A0092B-C50C-407E-A947-70E740481C1C}">
-                <a14:useLocalDpi xmlns:a14="http://schemas.microsoft.com/office/drawing/2010/main" val="0"/>
-              </a:ext>
-            </a:extLst>
-          </a:blip>
-          <a:srcRect l="40101" r="17239" b="24426"/>
-          <a:stretch/>
-        </p:blipFill>
-        <p:spPr>
-          <a:xfrm>
-            <a:off x="414544" y="1825625"/>
-            <a:ext cx="1446424" cy="1996567"/>
-          </a:xfrm>
-          <a:prstGeom prst="rect">
-            <a:avLst/>
-          </a:prstGeom>
-        </p:spPr>
-      </p:pic>
-      <p:pic>
-        <p:nvPicPr>
-          <p:cNvPr id="8" name="Picture 7" descr="Diagram&#10;&#10;Description automatically generated">
-            <a:extLst>
-              <a:ext uri="{FF2B5EF4-FFF2-40B4-BE49-F238E27FC236}">
-                <a16:creationId xmlns:a16="http://schemas.microsoft.com/office/drawing/2014/main" id="{36BCD140-61B6-07DA-023B-B4739982E383}"/>
-              </a:ext>
-            </a:extLst>
-          </p:cNvPr>
-          <p:cNvPicPr>
-            <a:picLocks noChangeAspect="1"/>
-          </p:cNvPicPr>
-          <p:nvPr/>
-        </p:nvPicPr>
-        <p:blipFill rotWithShape="1">
-          <a:blip r:embed="rId4">
-            <a:extLst>
-              <a:ext uri="{28A0092B-C50C-407E-A947-70E740481C1C}">
-                <a14:useLocalDpi xmlns:a14="http://schemas.microsoft.com/office/drawing/2010/main" val="0"/>
-              </a:ext>
-            </a:extLst>
-          </a:blip>
-          <a:srcRect l="5891" r="5889" b="7939"/>
-          <a:stretch/>
-        </p:blipFill>
-        <p:spPr>
-          <a:xfrm>
-            <a:off x="414544" y="4424775"/>
-            <a:ext cx="1446424" cy="2207673"/>
-          </a:xfrm>
-          <a:prstGeom prst="rect">
-            <a:avLst/>
-          </a:prstGeom>
-        </p:spPr>
-      </p:pic>
-      <p:sp>
-        <p:nvSpPr>
-          <p:cNvPr id="9" name="Content Placeholder 2">
-            <a:extLst>
-              <a:ext uri="{FF2B5EF4-FFF2-40B4-BE49-F238E27FC236}">
-                <a16:creationId xmlns:a16="http://schemas.microsoft.com/office/drawing/2014/main" id="{8DC5BEAB-D245-08BF-4CA9-671338EE36A1}"/>
-              </a:ext>
-            </a:extLst>
-          </p:cNvPr>
-          <p:cNvSpPr txBox="1">
-            <a:spLocks/>
-          </p:cNvSpPr>
-          <p:nvPr/>
-        </p:nvSpPr>
-        <p:spPr>
-          <a:xfrm>
-            <a:off x="1985034" y="4414615"/>
-            <a:ext cx="9709608" cy="2217833"/>
-          </a:xfrm>
-          <a:prstGeom prst="rect">
-            <a:avLst/>
-          </a:prstGeom>
-          <a:solidFill>
-            <a:schemeClr val="bg2">
-              <a:alpha val="48000"/>
-            </a:schemeClr>
-          </a:solidFill>
-          <a:ln>
-            <a:noFill/>
-          </a:ln>
-        </p:spPr>
-        <p:txBody>
-          <a:bodyPr vert="horz" lIns="91440" tIns="91440" rIns="91440" bIns="0" rtlCol="0">
-            <a:noAutofit/>
-          </a:bodyPr>
-          <a:lstStyle>
-            <a:lvl1pPr marL="228600" indent="-228600" algn="l" defTabSz="914400" rtl="0" eaLnBrk="1" latinLnBrk="0" hangingPunct="1">
-              <a:lnSpc>
-                <a:spcPct val="90000"/>
-              </a:lnSpc>
-              <a:spcBef>
-                <a:spcPts val="1000"/>
-              </a:spcBef>
-              <a:buFont typeface="Arial" panose="020B0604020202020204" pitchFamily="34" charset="0"/>
-              <a:buChar char="•"/>
-              <a:defRPr sz="2800" kern="1200">
-                <a:solidFill>
-                  <a:schemeClr val="tx1"/>
-                </a:solidFill>
-                <a:latin typeface="+mn-lt"/>
-                <a:ea typeface="+mn-ea"/>
-                <a:cs typeface="+mn-cs"/>
-              </a:defRPr>
-            </a:lvl1pPr>
-            <a:lvl2pPr marL="685800" indent="-228600" algn="l" defTabSz="914400" rtl="0" eaLnBrk="1" latinLnBrk="0" hangingPunct="1">
-              <a:lnSpc>
-                <a:spcPct val="90000"/>
-              </a:lnSpc>
-              <a:spcBef>
-                <a:spcPts val="500"/>
-              </a:spcBef>
-              <a:buFont typeface="Arial" panose="020B0604020202020204" pitchFamily="34" charset="0"/>
-              <a:buChar char="•"/>
-              <a:defRPr sz="2400" kern="1200">
-                <a:solidFill>
-                  <a:schemeClr val="tx1"/>
-                </a:solidFill>
-                <a:latin typeface="+mn-lt"/>
-                <a:ea typeface="+mn-ea"/>
-                <a:cs typeface="+mn-cs"/>
-              </a:defRPr>
-            </a:lvl2pPr>
-            <a:lvl3pPr marL="1143000" indent="-228600" algn="l" defTabSz="914400" rtl="0" eaLnBrk="1" latinLnBrk="0" hangingPunct="1">
-              <a:lnSpc>
-                <a:spcPct val="90000"/>
-              </a:lnSpc>
-              <a:spcBef>
-                <a:spcPts val="500"/>
-              </a:spcBef>
-              <a:buFont typeface="Arial" panose="020B0604020202020204" pitchFamily="34" charset="0"/>
-              <a:buChar char="•"/>
-              <a:defRPr sz="2000" kern="1200">
-                <a:solidFill>
-                  <a:schemeClr val="tx1"/>
-                </a:solidFill>
-                <a:latin typeface="+mn-lt"/>
-                <a:ea typeface="+mn-ea"/>
-                <a:cs typeface="+mn-cs"/>
-              </a:defRPr>
-            </a:lvl3pPr>
-            <a:lvl4pPr marL="1600200" indent="-228600" algn="l" defTabSz="914400" rtl="0" eaLnBrk="1" latinLnBrk="0" hangingPunct="1">
-              <a:lnSpc>
-                <a:spcPct val="90000"/>
-              </a:lnSpc>
-              <a:spcBef>
-                <a:spcPts val="500"/>
-              </a:spcBef>
-              <a:buFont typeface="Arial" panose="020B0604020202020204" pitchFamily="34" charset="0"/>
-              <a:buChar char="•"/>
-              <a:defRPr sz="1800" kern="1200">
-                <a:solidFill>
-                  <a:schemeClr val="tx1"/>
-                </a:solidFill>
-                <a:latin typeface="+mn-lt"/>
-                <a:ea typeface="+mn-ea"/>
-                <a:cs typeface="+mn-cs"/>
-              </a:defRPr>
-            </a:lvl4pPr>
-            <a:lvl5pPr marL="2057400" indent="-228600" algn="l" defTabSz="914400" rtl="0" eaLnBrk="1" latinLnBrk="0" hangingPunct="1">
-              <a:lnSpc>
-                <a:spcPct val="90000"/>
-              </a:lnSpc>
-              <a:spcBef>
-                <a:spcPts val="500"/>
-              </a:spcBef>
-              <a:buFont typeface="Arial" panose="020B0604020202020204" pitchFamily="34" charset="0"/>
-              <a:buChar char="•"/>
-              <a:defRPr sz="1800" kern="1200">
-                <a:solidFill>
-                  <a:schemeClr val="tx1"/>
-                </a:solidFill>
-                <a:latin typeface="+mn-lt"/>
-                <a:ea typeface="+mn-ea"/>
-                <a:cs typeface="+mn-cs"/>
-              </a:defRPr>
-            </a:lvl5pPr>
-            <a:lvl6pPr marL="2514600" indent="-228600" algn="l" defTabSz="914400" rtl="0" eaLnBrk="1" latinLnBrk="0" hangingPunct="1">
-              <a:lnSpc>
-                <a:spcPct val="90000"/>
-              </a:lnSpc>
-              <a:spcBef>
-                <a:spcPts val="500"/>
-              </a:spcBef>
-              <a:buFont typeface="Arial" panose="020B0604020202020204" pitchFamily="34" charset="0"/>
-              <a:buChar char="•"/>
-              <a:defRPr sz="1800" kern="1200">
-                <a:solidFill>
-                  <a:schemeClr val="tx1"/>
-                </a:solidFill>
-                <a:latin typeface="+mn-lt"/>
-                <a:ea typeface="+mn-ea"/>
-                <a:cs typeface="+mn-cs"/>
-              </a:defRPr>
-            </a:lvl6pPr>
-            <a:lvl7pPr marL="2971800" indent="-228600" algn="l" defTabSz="914400" rtl="0" eaLnBrk="1" latinLnBrk="0" hangingPunct="1">
-              <a:lnSpc>
-                <a:spcPct val="90000"/>
-              </a:lnSpc>
-              <a:spcBef>
-                <a:spcPts val="500"/>
-              </a:spcBef>
-              <a:buFont typeface="Arial" panose="020B0604020202020204" pitchFamily="34" charset="0"/>
-              <a:buChar char="•"/>
-              <a:defRPr sz="1800" kern="1200">
-                <a:solidFill>
-                  <a:schemeClr val="tx1"/>
-                </a:solidFill>
-                <a:latin typeface="+mn-lt"/>
-                <a:ea typeface="+mn-ea"/>
-                <a:cs typeface="+mn-cs"/>
-              </a:defRPr>
-            </a:lvl7pPr>
-            <a:lvl8pPr marL="3429000" indent="-228600" algn="l" defTabSz="914400" rtl="0" eaLnBrk="1" latinLnBrk="0" hangingPunct="1">
-              <a:lnSpc>
-                <a:spcPct val="90000"/>
-              </a:lnSpc>
-              <a:spcBef>
-                <a:spcPts val="500"/>
-              </a:spcBef>
-              <a:buFont typeface="Arial" panose="020B0604020202020204" pitchFamily="34" charset="0"/>
-              <a:buChar char="•"/>
-              <a:defRPr sz="1800" kern="1200">
-                <a:solidFill>
-                  <a:schemeClr val="tx1"/>
-                </a:solidFill>
-                <a:latin typeface="+mn-lt"/>
-                <a:ea typeface="+mn-ea"/>
-                <a:cs typeface="+mn-cs"/>
-              </a:defRPr>
-            </a:lvl8pPr>
-            <a:lvl9pPr marL="3886200" indent="-228600" algn="l" defTabSz="914400" rtl="0" eaLnBrk="1" latinLnBrk="0" hangingPunct="1">
-              <a:lnSpc>
-                <a:spcPct val="90000"/>
-              </a:lnSpc>
-              <a:spcBef>
-                <a:spcPts val="500"/>
-              </a:spcBef>
-              <a:buFont typeface="Arial" panose="020B0604020202020204" pitchFamily="34" charset="0"/>
-              <a:buChar char="•"/>
-              <a:defRPr sz="1800" kern="1200">
-                <a:solidFill>
-                  <a:schemeClr val="tx1"/>
-                </a:solidFill>
-                <a:latin typeface="+mn-lt"/>
-                <a:ea typeface="+mn-ea"/>
-                <a:cs typeface="+mn-cs"/>
-              </a:defRPr>
-            </a:lvl9pPr>
-          </a:lstStyle>
-          <a:p>
-            <a:r>
-              <a:rPr lang="en-US" sz="1800" b="1" i="1" dirty="0">
-                <a:effectLst/>
-                <a:ea typeface="Times New Roman" panose="02020603050405020304" pitchFamily="18" charset="0"/>
-              </a:rPr>
-              <a:t>The tactical DDD facet: </a:t>
-            </a:r>
-            <a:r>
-              <a:rPr lang="en-US" sz="1800" dirty="0">
-                <a:effectLst/>
-                <a:ea typeface="Times New Roman" panose="02020603050405020304" pitchFamily="18" charset="0"/>
-              </a:rPr>
-              <a:t>to properly split and protect our domain code from the infrastructure one</a:t>
-            </a:r>
-          </a:p>
-          <a:p>
-            <a:r>
-              <a:rPr lang="en-US" sz="1800" b="1" i="1" dirty="0">
-                <a:ea typeface="Times New Roman" panose="02020603050405020304" pitchFamily="18" charset="0"/>
-              </a:rPr>
-              <a:t>The </a:t>
-            </a:r>
-            <a:r>
-              <a:rPr lang="en-US" sz="1800" b="1" i="1" dirty="0">
-                <a:effectLst/>
-                <a:ea typeface="Times New Roman" panose="02020603050405020304" pitchFamily="18" charset="0"/>
-              </a:rPr>
-              <a:t>simplicity facet</a:t>
-            </a:r>
-            <a:r>
-              <a:rPr lang="en-US" sz="1800" b="1" i="1" dirty="0">
-                <a:ea typeface="Times New Roman" panose="02020603050405020304" pitchFamily="18" charset="0"/>
-              </a:rPr>
-              <a:t>: </a:t>
-            </a:r>
-            <a:r>
-              <a:rPr lang="en-US" sz="1800" dirty="0">
-                <a:ea typeface="Times New Roman" panose="02020603050405020304" pitchFamily="18" charset="0"/>
-              </a:rPr>
-              <a:t>to </a:t>
-            </a:r>
-            <a:r>
-              <a:rPr lang="en-US" sz="1800" dirty="0">
-                <a:effectLst/>
-                <a:ea typeface="Times New Roman" panose="02020603050405020304" pitchFamily="18" charset="0"/>
-              </a:rPr>
-              <a:t>reduce layering and complexity of our architectures </a:t>
-            </a:r>
-          </a:p>
-          <a:p>
-            <a:r>
-              <a:rPr lang="en-US" sz="1800" b="1" i="1" dirty="0">
-                <a:effectLst/>
-                <a:ea typeface="Times New Roman" panose="02020603050405020304" pitchFamily="18" charset="0"/>
-              </a:rPr>
-              <a:t>The late architectural decisions facet: </a:t>
-            </a:r>
-            <a:r>
-              <a:rPr lang="en-US" sz="1800" dirty="0">
-                <a:effectLst/>
-                <a:ea typeface="Times New Roman" panose="02020603050405020304" pitchFamily="18" charset="0"/>
-              </a:rPr>
-              <a:t>to postpone architectural decisions at the right time</a:t>
-            </a:r>
-          </a:p>
-          <a:p>
-            <a:r>
-              <a:rPr lang="en-US" sz="1800" b="1" i="1" dirty="0">
-                <a:effectLst/>
-                <a:ea typeface="Times New Roman" panose="02020603050405020304" pitchFamily="18" charset="0"/>
-              </a:rPr>
-              <a:t>The strategic DDD facet: </a:t>
-            </a:r>
-            <a:r>
-              <a:rPr lang="en-US" sz="1800" dirty="0">
-                <a:ea typeface="Times New Roman" panose="02020603050405020304" pitchFamily="18" charset="0"/>
-              </a:rPr>
-              <a:t>t</a:t>
-            </a:r>
-            <a:r>
-              <a:rPr lang="en-US" sz="1800" dirty="0">
-                <a:effectLst/>
-                <a:ea typeface="Times New Roman" panose="02020603050405020304" pitchFamily="18" charset="0"/>
-              </a:rPr>
-              <a:t>o adapt not only technologies but also external models</a:t>
-            </a:r>
-          </a:p>
-          <a:p>
-            <a:r>
-              <a:rPr lang="en-US" sz="1800" b="1" i="1" dirty="0"/>
-              <a:t>The Refactoring hive facet:</a:t>
-            </a:r>
-            <a:r>
-              <a:rPr lang="en-US" sz="1800" dirty="0"/>
-              <a:t> to modularize a monolith splitting every Bounded Context into a hexagon</a:t>
-            </a:r>
-          </a:p>
-        </p:txBody>
-      </p:sp>
-      <p:sp>
-        <p:nvSpPr>
-          <p:cNvPr id="10" name="TextBox 9">
-            <a:extLst>
-              <a:ext uri="{FF2B5EF4-FFF2-40B4-BE49-F238E27FC236}">
-                <a16:creationId xmlns:a16="http://schemas.microsoft.com/office/drawing/2014/main" id="{A4653DE9-97F0-8018-41FF-42B4248D2821}"/>
+                <a16:creationId xmlns:a16="http://schemas.microsoft.com/office/drawing/2014/main" id="{DA178585-0911-0938-903A-12270E1D978E}"/>
               </a:ext>
             </a:extLst>
           </p:cNvPr>
@@ -45532,611 +48380,338 @@
         </p:nvSpPr>
         <p:spPr>
           <a:xfrm>
-            <a:off x="414544" y="4424775"/>
-            <a:ext cx="1446424" cy="2207673"/>
+            <a:off x="553665" y="176549"/>
+            <a:ext cx="11130335" cy="830997"/>
+          </a:xfrm>
+          <a:prstGeom prst="rect">
+            <a:avLst/>
+          </a:prstGeom>
+          <a:noFill/>
+        </p:spPr>
+        <p:txBody>
+          <a:bodyPr wrap="square" rtlCol="0" anchor="t">
+            <a:spAutoFit/>
+          </a:bodyPr>
+          <a:lstStyle/>
+          <a:p>
+            <a:pPr algn="r"/>
+            <a:r>
+              <a:rPr lang="en-US" sz="4800" b="1" cap="all" dirty="0">
+                <a:solidFill>
+                  <a:srgbClr val="C00000"/>
+                </a:solidFill>
+                <a:latin typeface="Alte Haas Grotesk" panose="02000503000000020004" pitchFamily="2" charset="0"/>
+              </a:rPr>
+              <a:t>Ports &amp; Adapters</a:t>
+            </a:r>
+          </a:p>
+        </p:txBody>
+      </p:sp>
+      <p:grpSp>
+        <p:nvGrpSpPr>
+          <p:cNvPr id="4" name="Group 3">
+            <a:extLst>
+              <a:ext uri="{FF2B5EF4-FFF2-40B4-BE49-F238E27FC236}">
+                <a16:creationId xmlns:a16="http://schemas.microsoft.com/office/drawing/2014/main" id="{27933357-0C22-DF0D-E992-E2FBD5F5AA02}"/>
+              </a:ext>
+            </a:extLst>
+          </p:cNvPr>
+          <p:cNvGrpSpPr/>
+          <p:nvPr/>
+        </p:nvGrpSpPr>
+        <p:grpSpPr>
+          <a:xfrm>
+            <a:off x="1649364" y="1768178"/>
+            <a:ext cx="660591" cy="1470859"/>
+            <a:chOff x="1965168" y="2704885"/>
+            <a:chExt cx="171374" cy="381578"/>
+          </a:xfrm>
+        </p:grpSpPr>
+        <p:cxnSp>
+          <p:nvCxnSpPr>
+            <p:cNvPr id="55" name="Straight Connector 54">
+              <a:extLst>
+                <a:ext uri="{FF2B5EF4-FFF2-40B4-BE49-F238E27FC236}">
+                  <a16:creationId xmlns:a16="http://schemas.microsoft.com/office/drawing/2014/main" id="{DC68279D-A83E-7324-80B8-5171C272A59B}"/>
+                </a:ext>
+              </a:extLst>
+            </p:cNvPr>
+            <p:cNvCxnSpPr>
+              <a:cxnSpLocks/>
+            </p:cNvCxnSpPr>
+            <p:nvPr/>
+          </p:nvCxnSpPr>
+          <p:spPr>
+            <a:xfrm>
+              <a:off x="2050855" y="2876259"/>
+              <a:ext cx="0" cy="210204"/>
+            </a:xfrm>
+            <a:prstGeom prst="line">
+              <a:avLst/>
+            </a:prstGeom>
+            <a:ln w="79375">
+              <a:solidFill>
+                <a:schemeClr val="tx1"/>
+              </a:solidFill>
+            </a:ln>
+          </p:spPr>
+          <p:style>
+            <a:lnRef idx="1">
+              <a:schemeClr val="accent1"/>
+            </a:lnRef>
+            <a:fillRef idx="0">
+              <a:schemeClr val="accent1"/>
+            </a:fillRef>
+            <a:effectRef idx="0">
+              <a:schemeClr val="accent1"/>
+            </a:effectRef>
+            <a:fontRef idx="minor">
+              <a:schemeClr val="tx1"/>
+            </a:fontRef>
+          </p:style>
+        </p:cxnSp>
+        <p:sp>
+          <p:nvSpPr>
+            <p:cNvPr id="56" name="Oval 55">
+              <a:extLst>
+                <a:ext uri="{FF2B5EF4-FFF2-40B4-BE49-F238E27FC236}">
+                  <a16:creationId xmlns:a16="http://schemas.microsoft.com/office/drawing/2014/main" id="{4C70A84D-D904-96E4-3C82-748B751FF6FE}"/>
+                </a:ext>
+              </a:extLst>
+            </p:cNvPr>
+            <p:cNvSpPr/>
+            <p:nvPr/>
+          </p:nvSpPr>
+          <p:spPr>
+            <a:xfrm>
+              <a:off x="1965168" y="2704885"/>
+              <a:ext cx="171374" cy="171374"/>
+            </a:xfrm>
+            <a:prstGeom prst="ellipse">
+              <a:avLst/>
+            </a:prstGeom>
+            <a:solidFill>
+              <a:schemeClr val="bg1"/>
+            </a:solidFill>
+            <a:ln w="79375">
+              <a:solidFill>
+                <a:schemeClr val="tx1"/>
+              </a:solidFill>
+            </a:ln>
+          </p:spPr>
+          <p:style>
+            <a:lnRef idx="2">
+              <a:schemeClr val="accent1">
+                <a:shade val="50000"/>
+              </a:schemeClr>
+            </a:lnRef>
+            <a:fillRef idx="1">
+              <a:schemeClr val="accent1"/>
+            </a:fillRef>
+            <a:effectRef idx="0">
+              <a:schemeClr val="accent1"/>
+            </a:effectRef>
+            <a:fontRef idx="minor">
+              <a:schemeClr val="lt1"/>
+            </a:fontRef>
+          </p:style>
+          <p:txBody>
+            <a:bodyPr rtlCol="0" anchor="ctr"/>
+            <a:lstStyle/>
+            <a:p>
+              <a:pPr algn="ctr"/>
+              <a:endParaRPr lang="en-GB" sz="2000"/>
+            </a:p>
+          </p:txBody>
+        </p:sp>
+      </p:grpSp>
+      <p:sp>
+        <p:nvSpPr>
+          <p:cNvPr id="57" name="Rectangle 56">
+            <a:extLst>
+              <a:ext uri="{FF2B5EF4-FFF2-40B4-BE49-F238E27FC236}">
+                <a16:creationId xmlns:a16="http://schemas.microsoft.com/office/drawing/2014/main" id="{A3349801-769A-872D-3FC1-1A90440DBCB8}"/>
+              </a:ext>
+            </a:extLst>
+          </p:cNvPr>
+          <p:cNvSpPr/>
+          <p:nvPr/>
+        </p:nvSpPr>
+        <p:spPr>
+          <a:xfrm rot="17820000">
+            <a:off x="9729323" y="2068628"/>
+            <a:ext cx="1499414" cy="993583"/>
           </a:xfrm>
           <a:prstGeom prst="rect">
             <a:avLst/>
           </a:prstGeom>
           <a:solidFill>
-            <a:schemeClr val="bg1">
-              <a:alpha val="72000"/>
+            <a:srgbClr val="FFD966"/>
+          </a:solidFill>
+          <a:ln w="60325">
+            <a:solidFill>
+              <a:schemeClr val="tx1"/>
+            </a:solidFill>
+          </a:ln>
+        </p:spPr>
+        <p:style>
+          <a:lnRef idx="2">
+            <a:schemeClr val="accent1">
+              <a:shade val="50000"/>
             </a:schemeClr>
-          </a:solidFill>
+          </a:lnRef>
+          <a:fillRef idx="1">
+            <a:schemeClr val="accent1"/>
+          </a:fillRef>
+          <a:effectRef idx="0">
+            <a:schemeClr val="accent1"/>
+          </a:effectRef>
+          <a:fontRef idx="minor">
+            <a:schemeClr val="lt1"/>
+          </a:fontRef>
+        </p:style>
+        <p:txBody>
+          <a:bodyPr rtlCol="0" anchor="ctr"/>
+          <a:lstStyle/>
+          <a:p>
+            <a:pPr algn="ctr"/>
+            <a:r>
+              <a:rPr lang="fr-FR" sz="2000" b="1" cap="all" dirty="0">
+                <a:solidFill>
+                  <a:schemeClr val="tx1"/>
+                </a:solidFill>
+                <a:latin typeface="Alte Haas Grotesk" panose="02000503000000020004" pitchFamily="2" charset="0"/>
+              </a:rPr>
+              <a:t>Adapter</a:t>
+            </a:r>
+            <a:endParaRPr lang="en-GB" sz="2000" b="1" cap="all" dirty="0">
+              <a:solidFill>
+                <a:schemeClr val="tx1"/>
+              </a:solidFill>
+              <a:latin typeface="Alte Haas Grotesk" panose="02000503000000020004" pitchFamily="2" charset="0"/>
+            </a:endParaRPr>
+          </a:p>
+        </p:txBody>
+      </p:sp>
+      <p:sp>
+        <p:nvSpPr>
+          <p:cNvPr id="58" name="TextBox 57">
+            <a:extLst>
+              <a:ext uri="{FF2B5EF4-FFF2-40B4-BE49-F238E27FC236}">
+                <a16:creationId xmlns:a16="http://schemas.microsoft.com/office/drawing/2014/main" id="{C4310008-1AAB-20E4-D325-4A13492AF26D}"/>
+              </a:ext>
+            </a:extLst>
+          </p:cNvPr>
+          <p:cNvSpPr txBox="1"/>
+          <p:nvPr/>
+        </p:nvSpPr>
+        <p:spPr>
+          <a:xfrm>
+            <a:off x="653577" y="3955966"/>
+            <a:ext cx="2769754" cy="1938992"/>
+          </a:xfrm>
+          <a:prstGeom prst="rect">
+            <a:avLst/>
+          </a:prstGeom>
+          <a:noFill/>
         </p:spPr>
         <p:txBody>
           <a:bodyPr wrap="square" rtlCol="0" anchor="ctr">
-            <a:noAutofit/>
+            <a:spAutoFit/>
           </a:bodyPr>
           <a:lstStyle/>
           <a:p>
             <a:pPr algn="ctr"/>
             <a:r>
-              <a:rPr lang="en-US" b="1" dirty="0">
+              <a:rPr lang="en-US" sz="2000" b="1" cap="all" dirty="0">
                 <a:solidFill>
-                  <a:srgbClr val="C00000"/>
+                  <a:srgbClr val="FF0000"/>
                 </a:solidFill>
                 <a:latin typeface="Alte Haas Grotesk" panose="02000503000000020004" pitchFamily="2" charset="0"/>
               </a:rPr>
-              <a:t>Community</a:t>
+              <a:t>Left-side Ports  are</a:t>
             </a:r>
+            <a:r>
+              <a:rPr lang="en-US" sz="2000" b="1" cap="all" dirty="0">
+                <a:latin typeface="Alte Haas Grotesk" panose="02000503000000020004" pitchFamily="2" charset="0"/>
+              </a:rPr>
+              <a:t> domain-driven </a:t>
+            </a:r>
+            <a:r>
+              <a:rPr lang="en-US" sz="2000" b="1" cap="all" dirty="0">
+                <a:solidFill>
+                  <a:srgbClr val="FF0000"/>
+                </a:solidFill>
+                <a:latin typeface="Alte Haas Grotesk" panose="02000503000000020004" pitchFamily="2" charset="0"/>
+              </a:rPr>
+              <a:t>Contracts</a:t>
+            </a:r>
+            <a:r>
+              <a:rPr lang="en-US" sz="2000" b="1" cap="all" dirty="0">
+                <a:latin typeface="Alte Haas Grotesk" panose="02000503000000020004" pitchFamily="2" charset="0"/>
+              </a:rPr>
+              <a:t> for others to interact with</a:t>
+            </a:r>
+          </a:p>
+        </p:txBody>
+      </p:sp>
+      <p:sp>
+        <p:nvSpPr>
+          <p:cNvPr id="59" name="TextBox 58">
+            <a:extLst>
+              <a:ext uri="{FF2B5EF4-FFF2-40B4-BE49-F238E27FC236}">
+                <a16:creationId xmlns:a16="http://schemas.microsoft.com/office/drawing/2014/main" id="{BE96AEF4-CF93-8037-64BC-FE31A3A5E29F}"/>
+              </a:ext>
+            </a:extLst>
+          </p:cNvPr>
+          <p:cNvSpPr txBox="1"/>
+          <p:nvPr/>
+        </p:nvSpPr>
+        <p:spPr>
+          <a:xfrm>
+            <a:off x="9119069" y="3999835"/>
+            <a:ext cx="2769754" cy="830997"/>
+          </a:xfrm>
+          <a:prstGeom prst="rect">
+            <a:avLst/>
+          </a:prstGeom>
+          <a:noFill/>
+        </p:spPr>
+        <p:txBody>
+          <a:bodyPr wrap="square" rtlCol="0" anchor="ctr">
+            <a:spAutoFit/>
+          </a:bodyPr>
+          <a:lstStyle/>
+          <a:p>
+            <a:pPr algn="ctr"/>
+            <a:r>
+              <a:rPr lang="en-US" sz="2400" b="1" cap="all" dirty="0">
+                <a:latin typeface="Alte Haas Grotesk" panose="02000503000000020004" pitchFamily="2" charset="0"/>
+              </a:rPr>
+              <a:t>Adapters adapt </a:t>
+            </a:r>
+            <a:r>
+              <a:rPr lang="fr-FR" sz="2400" b="1" cap="all" dirty="0">
+                <a:latin typeface="Alte Haas Grotesk" panose="02000503000000020004" pitchFamily="2" charset="0"/>
+              </a:rPr>
+              <a:t>😁</a:t>
+            </a:r>
+            <a:endParaRPr lang="en-US" sz="2400" b="1" cap="all" dirty="0">
+              <a:latin typeface="Alte Haas Grotesk" panose="02000503000000020004" pitchFamily="2" charset="0"/>
+            </a:endParaRPr>
           </a:p>
         </p:txBody>
       </p:sp>
     </p:spTree>
     <p:extLst>
       <p:ext uri="{BB962C8B-B14F-4D97-AF65-F5344CB8AC3E}">
-        <p14:creationId xmlns:p14="http://schemas.microsoft.com/office/powerpoint/2010/main" val="2537048152"/>
+        <p14:creationId xmlns:p14="http://schemas.microsoft.com/office/powerpoint/2010/main" val="459552970"/>
       </p:ext>
     </p:extLst>
   </p:cSld>
   <p:clrMapOvr>
     <a:masterClrMapping/>
   </p:clrMapOvr>
-  <p:timing>
-    <p:tnLst>
-      <p:par>
-        <p:cTn id="1" dur="indefinite" restart="never" nodeType="tmRoot">
-          <p:childTnLst>
-            <p:seq concurrent="1" nextAc="seek">
-              <p:cTn id="2" dur="indefinite" nodeType="mainSeq">
-                <p:childTnLst>
-                  <p:par>
-                    <p:cTn id="3" fill="hold">
-                      <p:stCondLst>
-                        <p:cond delay="indefinite"/>
-                      </p:stCondLst>
-                      <p:childTnLst>
-                        <p:par>
-                          <p:cTn id="4" fill="hold">
-                            <p:stCondLst>
-                              <p:cond delay="0"/>
-                            </p:stCondLst>
-                            <p:childTnLst>
-                              <p:par>
-                                <p:cTn id="5" presetID="1" presetClass="entr" presetSubtype="0" fill="hold" nodeType="clickEffect">
-                                  <p:stCondLst>
-                                    <p:cond delay="0"/>
-                                  </p:stCondLst>
-                                  <p:childTnLst>
-                                    <p:set>
-                                      <p:cBhvr>
-                                        <p:cTn id="6" dur="1" fill="hold">
-                                          <p:stCondLst>
-                                            <p:cond delay="0"/>
-                                          </p:stCondLst>
-                                        </p:cTn>
-                                        <p:tgtEl>
-                                          <p:spTgt spid="5"/>
-                                        </p:tgtEl>
-                                        <p:attrNameLst>
-                                          <p:attrName>style.visibility</p:attrName>
-                                        </p:attrNameLst>
-                                      </p:cBhvr>
-                                      <p:to>
-                                        <p:strVal val="visible"/>
-                                      </p:to>
-                                    </p:set>
-                                  </p:childTnLst>
-                                </p:cTn>
-                              </p:par>
-                              <p:par>
-                                <p:cTn id="7" presetID="1" presetClass="entr" presetSubtype="0" fill="hold" grpId="0" nodeType="withEffect">
-                                  <p:stCondLst>
-                                    <p:cond delay="0"/>
-                                  </p:stCondLst>
-                                  <p:childTnLst>
-                                    <p:set>
-                                      <p:cBhvr>
-                                        <p:cTn id="8" dur="1" fill="hold">
-                                          <p:stCondLst>
-                                            <p:cond delay="0"/>
-                                          </p:stCondLst>
-                                        </p:cTn>
-                                        <p:tgtEl>
-                                          <p:spTgt spid="3">
-                                            <p:bg/>
-                                          </p:spTgt>
-                                        </p:tgtEl>
-                                        <p:attrNameLst>
-                                          <p:attrName>style.visibility</p:attrName>
-                                        </p:attrNameLst>
-                                      </p:cBhvr>
-                                      <p:to>
-                                        <p:strVal val="visible"/>
-                                      </p:to>
-                                    </p:set>
-                                  </p:childTnLst>
-                                </p:cTn>
-                              </p:par>
-                              <p:par>
-                                <p:cTn id="9" presetID="1" presetClass="entr" presetSubtype="0" fill="hold" grpId="0" nodeType="withEffect">
-                                  <p:stCondLst>
-                                    <p:cond delay="0"/>
-                                  </p:stCondLst>
-                                  <p:childTnLst>
-                                    <p:set>
-                                      <p:cBhvr>
-                                        <p:cTn id="10" dur="1" fill="hold">
-                                          <p:stCondLst>
-                                            <p:cond delay="0"/>
-                                          </p:stCondLst>
-                                        </p:cTn>
-                                        <p:tgtEl>
-                                          <p:spTgt spid="3">
-                                            <p:txEl>
-                                              <p:pRg st="0" end="0"/>
-                                            </p:txEl>
-                                          </p:spTgt>
-                                        </p:tgtEl>
-                                        <p:attrNameLst>
-                                          <p:attrName>style.visibility</p:attrName>
-                                        </p:attrNameLst>
-                                      </p:cBhvr>
-                                      <p:to>
-                                        <p:strVal val="visible"/>
-                                      </p:to>
-                                    </p:set>
-                                  </p:childTnLst>
-                                </p:cTn>
-                              </p:par>
-                            </p:childTnLst>
-                          </p:cTn>
-                        </p:par>
-                      </p:childTnLst>
-                    </p:cTn>
-                  </p:par>
-                  <p:par>
-                    <p:cTn id="11" fill="hold">
-                      <p:stCondLst>
-                        <p:cond delay="indefinite"/>
-                      </p:stCondLst>
-                      <p:childTnLst>
-                        <p:par>
-                          <p:cTn id="12" fill="hold">
-                            <p:stCondLst>
-                              <p:cond delay="0"/>
-                            </p:stCondLst>
-                            <p:childTnLst>
-                              <p:par>
-                                <p:cTn id="13" presetID="1" presetClass="entr" presetSubtype="0" fill="hold" grpId="0" nodeType="clickEffect">
-                                  <p:stCondLst>
-                                    <p:cond delay="0"/>
-                                  </p:stCondLst>
-                                  <p:childTnLst>
-                                    <p:set>
-                                      <p:cBhvr>
-                                        <p:cTn id="14" dur="1" fill="hold">
-                                          <p:stCondLst>
-                                            <p:cond delay="0"/>
-                                          </p:stCondLst>
-                                        </p:cTn>
-                                        <p:tgtEl>
-                                          <p:spTgt spid="3">
-                                            <p:txEl>
-                                              <p:pRg st="1" end="1"/>
-                                            </p:txEl>
-                                          </p:spTgt>
-                                        </p:tgtEl>
-                                        <p:attrNameLst>
-                                          <p:attrName>style.visibility</p:attrName>
-                                        </p:attrNameLst>
-                                      </p:cBhvr>
-                                      <p:to>
-                                        <p:strVal val="visible"/>
-                                      </p:to>
-                                    </p:set>
-                                  </p:childTnLst>
-                                </p:cTn>
-                              </p:par>
-                            </p:childTnLst>
-                          </p:cTn>
-                        </p:par>
-                      </p:childTnLst>
-                    </p:cTn>
-                  </p:par>
-                  <p:par>
-                    <p:cTn id="15" fill="hold">
-                      <p:stCondLst>
-                        <p:cond delay="indefinite"/>
-                      </p:stCondLst>
-                      <p:childTnLst>
-                        <p:par>
-                          <p:cTn id="16" fill="hold">
-                            <p:stCondLst>
-                              <p:cond delay="0"/>
-                            </p:stCondLst>
-                            <p:childTnLst>
-                              <p:par>
-                                <p:cTn id="17" presetID="1" presetClass="entr" presetSubtype="0" fill="hold" grpId="0" nodeType="clickEffect">
-                                  <p:stCondLst>
-                                    <p:cond delay="0"/>
-                                  </p:stCondLst>
-                                  <p:childTnLst>
-                                    <p:set>
-                                      <p:cBhvr>
-                                        <p:cTn id="18" dur="1" fill="hold">
-                                          <p:stCondLst>
-                                            <p:cond delay="0"/>
-                                          </p:stCondLst>
-                                        </p:cTn>
-                                        <p:tgtEl>
-                                          <p:spTgt spid="3">
-                                            <p:txEl>
-                                              <p:pRg st="2" end="2"/>
-                                            </p:txEl>
-                                          </p:spTgt>
-                                        </p:tgtEl>
-                                        <p:attrNameLst>
-                                          <p:attrName>style.visibility</p:attrName>
-                                        </p:attrNameLst>
-                                      </p:cBhvr>
-                                      <p:to>
-                                        <p:strVal val="visible"/>
-                                      </p:to>
-                                    </p:set>
-                                  </p:childTnLst>
-                                </p:cTn>
-                              </p:par>
-                            </p:childTnLst>
-                          </p:cTn>
-                        </p:par>
-                      </p:childTnLst>
-                    </p:cTn>
-                  </p:par>
-                  <p:par>
-                    <p:cTn id="19" fill="hold">
-                      <p:stCondLst>
-                        <p:cond delay="indefinite"/>
-                      </p:stCondLst>
-                      <p:childTnLst>
-                        <p:par>
-                          <p:cTn id="20" fill="hold">
-                            <p:stCondLst>
-                              <p:cond delay="0"/>
-                            </p:stCondLst>
-                            <p:childTnLst>
-                              <p:par>
-                                <p:cTn id="21" presetID="1" presetClass="entr" presetSubtype="0" fill="hold" nodeType="clickEffect">
-                                  <p:stCondLst>
-                                    <p:cond delay="0"/>
-                                  </p:stCondLst>
-                                  <p:childTnLst>
-                                    <p:set>
-                                      <p:cBhvr>
-                                        <p:cTn id="22" dur="1" fill="hold">
-                                          <p:stCondLst>
-                                            <p:cond delay="0"/>
-                                          </p:stCondLst>
-                                        </p:cTn>
-                                        <p:tgtEl>
-                                          <p:spTgt spid="8"/>
-                                        </p:tgtEl>
-                                        <p:attrNameLst>
-                                          <p:attrName>style.visibility</p:attrName>
-                                        </p:attrNameLst>
-                                      </p:cBhvr>
-                                      <p:to>
-                                        <p:strVal val="visible"/>
-                                      </p:to>
-                                    </p:set>
-                                  </p:childTnLst>
-                                </p:cTn>
-                              </p:par>
-                              <p:par>
-                                <p:cTn id="23" presetID="1" presetClass="entr" presetSubtype="0" fill="hold" grpId="0" nodeType="withEffect">
-                                  <p:stCondLst>
-                                    <p:cond delay="0"/>
-                                  </p:stCondLst>
-                                  <p:childTnLst>
-                                    <p:set>
-                                      <p:cBhvr>
-                                        <p:cTn id="24" dur="1" fill="hold">
-                                          <p:stCondLst>
-                                            <p:cond delay="0"/>
-                                          </p:stCondLst>
-                                        </p:cTn>
-                                        <p:tgtEl>
-                                          <p:spTgt spid="10"/>
-                                        </p:tgtEl>
-                                        <p:attrNameLst>
-                                          <p:attrName>style.visibility</p:attrName>
-                                        </p:attrNameLst>
-                                      </p:cBhvr>
-                                      <p:to>
-                                        <p:strVal val="visible"/>
-                                      </p:to>
-                                    </p:set>
-                                  </p:childTnLst>
-                                </p:cTn>
-                              </p:par>
-                              <p:par>
-                                <p:cTn id="25" presetID="1" presetClass="entr" presetSubtype="0" fill="hold" grpId="0" nodeType="withEffect">
-                                  <p:stCondLst>
-                                    <p:cond delay="0"/>
-                                  </p:stCondLst>
-                                  <p:childTnLst>
-                                    <p:set>
-                                      <p:cBhvr>
-                                        <p:cTn id="26" dur="1" fill="hold">
-                                          <p:stCondLst>
-                                            <p:cond delay="0"/>
-                                          </p:stCondLst>
-                                        </p:cTn>
-                                        <p:tgtEl>
-                                          <p:spTgt spid="9"/>
-                                        </p:tgtEl>
-                                        <p:attrNameLst>
-                                          <p:attrName>style.visibility</p:attrName>
-                                        </p:attrNameLst>
-                                      </p:cBhvr>
-                                      <p:to>
-                                        <p:strVal val="visible"/>
-                                      </p:to>
-                                    </p:set>
-                                  </p:childTnLst>
-                                </p:cTn>
-                              </p:par>
-                              <p:par>
-                                <p:cTn id="27" presetID="1" presetClass="entr" presetSubtype="0" fill="hold" nodeType="withEffect">
-                                  <p:stCondLst>
-                                    <p:cond delay="0"/>
-                                  </p:stCondLst>
-                                  <p:childTnLst>
-                                    <p:set>
-                                      <p:cBhvr>
-                                        <p:cTn id="28" dur="1" fill="hold">
-                                          <p:stCondLst>
-                                            <p:cond delay="0"/>
-                                          </p:stCondLst>
-                                        </p:cTn>
-                                        <p:tgtEl>
-                                          <p:spTgt spid="9">
-                                            <p:txEl>
-                                              <p:pRg st="0" end="0"/>
-                                            </p:txEl>
-                                          </p:spTgt>
-                                        </p:tgtEl>
-                                        <p:attrNameLst>
-                                          <p:attrName>style.visibility</p:attrName>
-                                        </p:attrNameLst>
-                                      </p:cBhvr>
-                                      <p:to>
-                                        <p:strVal val="visible"/>
-                                      </p:to>
-                                    </p:set>
-                                  </p:childTnLst>
-                                </p:cTn>
-                              </p:par>
-                            </p:childTnLst>
-                          </p:cTn>
-                        </p:par>
-                      </p:childTnLst>
-                    </p:cTn>
-                  </p:par>
-                  <p:par>
-                    <p:cTn id="29" fill="hold">
-                      <p:stCondLst>
-                        <p:cond delay="indefinite"/>
-                      </p:stCondLst>
-                      <p:childTnLst>
-                        <p:par>
-                          <p:cTn id="30" fill="hold">
-                            <p:stCondLst>
-                              <p:cond delay="0"/>
-                            </p:stCondLst>
-                            <p:childTnLst>
-                              <p:par>
-                                <p:cTn id="31" presetID="1" presetClass="entr" presetSubtype="0" fill="hold" nodeType="clickEffect">
-                                  <p:stCondLst>
-                                    <p:cond delay="0"/>
-                                  </p:stCondLst>
-                                  <p:childTnLst>
-                                    <p:set>
-                                      <p:cBhvr>
-                                        <p:cTn id="32" dur="1" fill="hold">
-                                          <p:stCondLst>
-                                            <p:cond delay="0"/>
-                                          </p:stCondLst>
-                                        </p:cTn>
-                                        <p:tgtEl>
-                                          <p:spTgt spid="9">
-                                            <p:txEl>
-                                              <p:pRg st="1" end="1"/>
-                                            </p:txEl>
-                                          </p:spTgt>
-                                        </p:tgtEl>
-                                        <p:attrNameLst>
-                                          <p:attrName>style.visibility</p:attrName>
-                                        </p:attrNameLst>
-                                      </p:cBhvr>
-                                      <p:to>
-                                        <p:strVal val="visible"/>
-                                      </p:to>
-                                    </p:set>
-                                  </p:childTnLst>
-                                </p:cTn>
-                              </p:par>
-                            </p:childTnLst>
-                          </p:cTn>
-                        </p:par>
-                      </p:childTnLst>
-                    </p:cTn>
-                  </p:par>
-                  <p:par>
-                    <p:cTn id="33" fill="hold">
-                      <p:stCondLst>
-                        <p:cond delay="indefinite"/>
-                      </p:stCondLst>
-                      <p:childTnLst>
-                        <p:par>
-                          <p:cTn id="34" fill="hold">
-                            <p:stCondLst>
-                              <p:cond delay="0"/>
-                            </p:stCondLst>
-                            <p:childTnLst>
-                              <p:par>
-                                <p:cTn id="35" presetID="1" presetClass="entr" presetSubtype="0" fill="hold" nodeType="clickEffect">
-                                  <p:stCondLst>
-                                    <p:cond delay="0"/>
-                                  </p:stCondLst>
-                                  <p:childTnLst>
-                                    <p:set>
-                                      <p:cBhvr>
-                                        <p:cTn id="36" dur="1" fill="hold">
-                                          <p:stCondLst>
-                                            <p:cond delay="0"/>
-                                          </p:stCondLst>
-                                        </p:cTn>
-                                        <p:tgtEl>
-                                          <p:spTgt spid="9">
-                                            <p:txEl>
-                                              <p:pRg st="2" end="2"/>
-                                            </p:txEl>
-                                          </p:spTgt>
-                                        </p:tgtEl>
-                                        <p:attrNameLst>
-                                          <p:attrName>style.visibility</p:attrName>
-                                        </p:attrNameLst>
-                                      </p:cBhvr>
-                                      <p:to>
-                                        <p:strVal val="visible"/>
-                                      </p:to>
-                                    </p:set>
-                                  </p:childTnLst>
-                                </p:cTn>
-                              </p:par>
-                            </p:childTnLst>
-                          </p:cTn>
-                        </p:par>
-                      </p:childTnLst>
-                    </p:cTn>
-                  </p:par>
-                  <p:par>
-                    <p:cTn id="37" fill="hold">
-                      <p:stCondLst>
-                        <p:cond delay="indefinite"/>
-                      </p:stCondLst>
-                      <p:childTnLst>
-                        <p:par>
-                          <p:cTn id="38" fill="hold">
-                            <p:stCondLst>
-                              <p:cond delay="0"/>
-                            </p:stCondLst>
-                            <p:childTnLst>
-                              <p:par>
-                                <p:cTn id="39" presetID="1" presetClass="entr" presetSubtype="0" fill="hold" nodeType="clickEffect">
-                                  <p:stCondLst>
-                                    <p:cond delay="0"/>
-                                  </p:stCondLst>
-                                  <p:childTnLst>
-                                    <p:set>
-                                      <p:cBhvr>
-                                        <p:cTn id="40" dur="1" fill="hold">
-                                          <p:stCondLst>
-                                            <p:cond delay="0"/>
-                                          </p:stCondLst>
-                                        </p:cTn>
-                                        <p:tgtEl>
-                                          <p:spTgt spid="9">
-                                            <p:txEl>
-                                              <p:pRg st="3" end="3"/>
-                                            </p:txEl>
-                                          </p:spTgt>
-                                        </p:tgtEl>
-                                        <p:attrNameLst>
-                                          <p:attrName>style.visibility</p:attrName>
-                                        </p:attrNameLst>
-                                      </p:cBhvr>
-                                      <p:to>
-                                        <p:strVal val="visible"/>
-                                      </p:to>
-                                    </p:set>
-                                  </p:childTnLst>
-                                </p:cTn>
-                              </p:par>
-                            </p:childTnLst>
-                          </p:cTn>
-                        </p:par>
-                      </p:childTnLst>
-                    </p:cTn>
-                  </p:par>
-                  <p:par>
-                    <p:cTn id="41" fill="hold">
-                      <p:stCondLst>
-                        <p:cond delay="indefinite"/>
-                      </p:stCondLst>
-                      <p:childTnLst>
-                        <p:par>
-                          <p:cTn id="42" fill="hold">
-                            <p:stCondLst>
-                              <p:cond delay="0"/>
-                            </p:stCondLst>
-                            <p:childTnLst>
-                              <p:par>
-                                <p:cTn id="43" presetID="1" presetClass="entr" presetSubtype="0" fill="hold" nodeType="clickEffect">
-                                  <p:stCondLst>
-                                    <p:cond delay="0"/>
-                                  </p:stCondLst>
-                                  <p:childTnLst>
-                                    <p:set>
-                                      <p:cBhvr>
-                                        <p:cTn id="44" dur="1" fill="hold">
-                                          <p:stCondLst>
-                                            <p:cond delay="0"/>
-                                          </p:stCondLst>
-                                        </p:cTn>
-                                        <p:tgtEl>
-                                          <p:spTgt spid="9">
-                                            <p:txEl>
-                                              <p:pRg st="4" end="4"/>
-                                            </p:txEl>
-                                          </p:spTgt>
-                                        </p:tgtEl>
-                                        <p:attrNameLst>
-                                          <p:attrName>style.visibility</p:attrName>
-                                        </p:attrNameLst>
-                                      </p:cBhvr>
-                                      <p:to>
-                                        <p:strVal val="visible"/>
-                                      </p:to>
-                                    </p:set>
-                                  </p:childTnLst>
-                                </p:cTn>
-                              </p:par>
-                            </p:childTnLst>
-                          </p:cTn>
-                        </p:par>
-                      </p:childTnLst>
-                    </p:cTn>
-                  </p:par>
-                </p:childTnLst>
-              </p:cTn>
-              <p:prevCondLst>
-                <p:cond evt="onPrev" delay="0">
-                  <p:tgtEl>
-                    <p:sldTgt/>
-                  </p:tgtEl>
-                </p:cond>
-              </p:prevCondLst>
-              <p:nextCondLst>
-                <p:cond evt="onNext" delay="0">
-                  <p:tgtEl>
-                    <p:sldTgt/>
-                  </p:tgtEl>
-                </p:cond>
-              </p:nextCondLst>
-            </p:seq>
-          </p:childTnLst>
-        </p:cTn>
-      </p:par>
-    </p:tnLst>
-    <p:bldLst>
-      <p:bldP spid="3" grpId="0" uiExpand="1" build="p" animBg="1"/>
-      <p:bldP spid="9" grpId="0" animBg="1"/>
-      <p:bldP spid="10" grpId="0" animBg="1"/>
-    </p:bldLst>
-  </p:timing>
 </p:sld>
 </file>
 

--- a/HexagonalAndBeyond.pptx
+++ b/HexagonalAndBeyond.pptx
@@ -224,7 +224,7 @@
           <a:p>
             <a:fld id="{B9948A3C-6858-443B-89A4-B1C526E3FFA3}" type="datetimeFigureOut">
               <a:rPr lang="en-US" smtClean="0"/>
-              <a:t>06/07/2022</a:t>
+              <a:t>08/16/2022</a:t>
             </a:fld>
             <a:endParaRPr lang="en-US"/>
           </a:p>
@@ -535,6 +535,159 @@
           <a:bodyPr/>
           <a:lstStyle/>
           <a:p>
+            <a:r>
+              <a:rPr lang="en-US" dirty="0"/>
+              <a:t>Hello everyone.  I’m truly happy to be among you today, in order to talk about this specific topic: Hexagonal Architecture (a.k.a. Ports &amp; Adapters).</a:t>
+            </a:r>
+          </a:p>
+          <a:p>
+            <a:endParaRPr lang="en-US" dirty="0"/>
+          </a:p>
+          <a:p>
+            <a:r>
+              <a:rPr lang="en-US" dirty="0"/>
+              <a:t>The first time Alistair had the idea of this pattern, it was in order for him to be able to code something even when he was not being able to interact with external systems. </a:t>
+            </a:r>
+          </a:p>
+          <a:p>
+            <a:r>
+              <a:rPr lang="en-US" dirty="0"/>
+              <a:t>In his case it was for a weather forecast application and he needed to connect with lots of different captors systems as input (temperature, Hydrometeorology, etc.), and to publish their results towards many third parties.</a:t>
+            </a:r>
+          </a:p>
+          <a:p>
+            <a:endParaRPr lang="en-US" dirty="0"/>
+          </a:p>
+          <a:p>
+            <a:r>
+              <a:rPr lang="en-US" dirty="0"/>
+              <a:t> the entanglement between the business logic and the interaction with external entities</a:t>
+            </a:r>
+          </a:p>
+          <a:p>
+            <a:endParaRPr lang="en-US" dirty="0"/>
+          </a:p>
+          <a:p>
+            <a:r>
+              <a:rPr lang="en-US" dirty="0"/>
+              <a:t>to protect his code against combinatory explosion </a:t>
+            </a:r>
+          </a:p>
+          <a:p>
+            <a:endParaRPr lang="en-US" dirty="0"/>
+          </a:p>
+          <a:p>
+            <a:r>
+              <a:rPr lang="en-US" dirty="0"/>
+              <a:t>Hexagonal architecture (a.k.a. Ports and Adapters) is a fabulous pattern that has more advantages than the ones for which it has been originally created. </a:t>
+            </a:r>
+          </a:p>
+          <a:p>
+            <a:r>
+              <a:rPr lang="en-US" dirty="0"/>
+              <a:t>I’ve been using this pattern in production since more than 8 years. Many times, with many different contexts and teams.</a:t>
+            </a:r>
+          </a:p>
+          <a:p>
+            <a:endParaRPr lang="en-US" dirty="0"/>
+          </a:p>
+          <a:p>
+            <a:r>
+              <a:rPr lang="en-US" dirty="0"/>
+              <a:t>One can think in an orthodox vision that patterns do not evolve. That it is important to keep Alistair Cockburn’s pattern like it was described back in the days.</a:t>
+            </a:r>
+          </a:p>
+          <a:p>
+            <a:r>
+              <a:rPr lang="en-US" dirty="0"/>
+              <a:t>One can think that some patterns may evolve, that Hexagonal Architecture has more facets than we think. This session will present both the original pattern in detail, and some alternative versions (related to Domain Driven Design).</a:t>
+            </a:r>
+          </a:p>
+          <a:p>
+            <a:endParaRPr lang="en-US" dirty="0"/>
+          </a:p>
+        </p:txBody>
+      </p:sp>
+      <p:sp>
+        <p:nvSpPr>
+          <p:cNvPr id="4" name="Slide Number Placeholder 3"/>
+          <p:cNvSpPr>
+            <a:spLocks noGrp="1"/>
+          </p:cNvSpPr>
+          <p:nvPr>
+            <p:ph type="sldNum" sz="quarter" idx="5"/>
+          </p:nvPr>
+        </p:nvSpPr>
+        <p:spPr/>
+        <p:txBody>
+          <a:bodyPr/>
+          <a:lstStyle/>
+          <a:p>
+            <a:fld id="{04029CEC-398D-4A32-BEC5-723E50178FA5}" type="slidenum">
+              <a:rPr lang="en-US" smtClean="0"/>
+              <a:t>1</a:t>
+            </a:fld>
+            <a:endParaRPr lang="en-US"/>
+          </a:p>
+        </p:txBody>
+      </p:sp>
+    </p:spTree>
+    <p:extLst>
+      <p:ext uri="{BB962C8B-B14F-4D97-AF65-F5344CB8AC3E}">
+        <p14:creationId xmlns:p14="http://schemas.microsoft.com/office/powerpoint/2010/main" val="1150003886"/>
+      </p:ext>
+    </p:extLst>
+  </p:cSld>
+  <p:clrMapOvr>
+    <a:masterClrMapping/>
+  </p:clrMapOvr>
+</p:notes>
+</file>
+
+<file path=ppt/notesSlides/notesSlide2.xml><?xml version="1.0" encoding="utf-8"?>
+<p:notes xmlns:a="http://schemas.openxmlformats.org/drawingml/2006/main" xmlns:r="http://schemas.openxmlformats.org/officeDocument/2006/relationships" xmlns:p="http://schemas.openxmlformats.org/presentationml/2006/main">
+  <p:cSld>
+    <p:spTree>
+      <p:nvGrpSpPr>
+        <p:cNvPr id="1" name=""/>
+        <p:cNvGrpSpPr/>
+        <p:nvPr/>
+      </p:nvGrpSpPr>
+      <p:grpSpPr>
+        <a:xfrm>
+          <a:off x="0" y="0"/>
+          <a:ext cx="0" cy="0"/>
+          <a:chOff x="0" y="0"/>
+          <a:chExt cx="0" cy="0"/>
+        </a:xfrm>
+      </p:grpSpPr>
+      <p:sp>
+        <p:nvSpPr>
+          <p:cNvPr id="2" name="Slide Image Placeholder 1"/>
+          <p:cNvSpPr>
+            <a:spLocks noGrp="1" noRot="1" noChangeAspect="1"/>
+          </p:cNvSpPr>
+          <p:nvPr>
+            <p:ph type="sldImg"/>
+          </p:nvPr>
+        </p:nvSpPr>
+        <p:spPr/>
+      </p:sp>
+      <p:sp>
+        <p:nvSpPr>
+          <p:cNvPr id="3" name="Notes Placeholder 2"/>
+          <p:cNvSpPr>
+            <a:spLocks noGrp="1"/>
+          </p:cNvSpPr>
+          <p:nvPr>
+            <p:ph type="body" idx="1"/>
+          </p:nvPr>
+        </p:nvSpPr>
+        <p:spPr/>
+        <p:txBody>
+          <a:bodyPr/>
+          <a:lstStyle/>
+          <a:p>
             <a:endParaRPr lang="en-US" dirty="0"/>
           </a:p>
         </p:txBody>
@@ -575,7 +728,7 @@
 </p:notes>
 </file>
 
-<file path=ppt/notesSlides/notesSlide2.xml><?xml version="1.0" encoding="utf-8"?>
+<file path=ppt/notesSlides/notesSlide3.xml><?xml version="1.0" encoding="utf-8"?>
 <p:notes xmlns:a="http://schemas.openxmlformats.org/drawingml/2006/main" xmlns:r="http://schemas.openxmlformats.org/officeDocument/2006/relationships" xmlns:p="http://schemas.openxmlformats.org/presentationml/2006/main">
   <p:cSld>
     <p:spTree>
@@ -659,7 +812,7 @@
 </p:notes>
 </file>
 
-<file path=ppt/notesSlides/notesSlide3.xml><?xml version="1.0" encoding="utf-8"?>
+<file path=ppt/notesSlides/notesSlide4.xml><?xml version="1.0" encoding="utf-8"?>
 <p:notes xmlns:a="http://schemas.openxmlformats.org/drawingml/2006/main" xmlns:r="http://schemas.openxmlformats.org/officeDocument/2006/relationships" xmlns:p="http://schemas.openxmlformats.org/presentationml/2006/main">
   <p:cSld>
     <p:spTree>
@@ -743,7 +896,7 @@
 </p:notes>
 </file>
 
-<file path=ppt/notesSlides/notesSlide4.xml><?xml version="1.0" encoding="utf-8"?>
+<file path=ppt/notesSlides/notesSlide5.xml><?xml version="1.0" encoding="utf-8"?>
 <p:notes xmlns:a="http://schemas.openxmlformats.org/drawingml/2006/main" xmlns:r="http://schemas.openxmlformats.org/officeDocument/2006/relationships" xmlns:p="http://schemas.openxmlformats.org/presentationml/2006/main">
   <p:cSld>
     <p:spTree>
@@ -984,7 +1137,7 @@
           <a:p>
             <a:fld id="{DC0C38C1-EB25-493B-8E40-CB7D44766240}" type="datetimeFigureOut">
               <a:rPr lang="fr-FR" smtClean="0"/>
-              <a:t>07/06/2022</a:t>
+              <a:t>16/08/2022</a:t>
             </a:fld>
             <a:endParaRPr lang="fr-FR"/>
           </a:p>
@@ -1192,7 +1345,7 @@
           <a:p>
             <a:fld id="{DC0C38C1-EB25-493B-8E40-CB7D44766240}" type="datetimeFigureOut">
               <a:rPr lang="fr-FR" smtClean="0"/>
-              <a:t>07/06/2022</a:t>
+              <a:t>16/08/2022</a:t>
             </a:fld>
             <a:endParaRPr lang="fr-FR"/>
           </a:p>
@@ -1410,7 +1563,7 @@
           <a:p>
             <a:fld id="{DC0C38C1-EB25-493B-8E40-CB7D44766240}" type="datetimeFigureOut">
               <a:rPr lang="fr-FR" smtClean="0"/>
-              <a:t>07/06/2022</a:t>
+              <a:t>16/08/2022</a:t>
             </a:fld>
             <a:endParaRPr lang="fr-FR"/>
           </a:p>
@@ -1618,7 +1771,7 @@
           <a:p>
             <a:fld id="{DC0C38C1-EB25-493B-8E40-CB7D44766240}" type="datetimeFigureOut">
               <a:rPr lang="fr-FR" smtClean="0"/>
-              <a:t>07/06/2022</a:t>
+              <a:t>16/08/2022</a:t>
             </a:fld>
             <a:endParaRPr lang="fr-FR"/>
           </a:p>
@@ -1944,7 +2097,7 @@
           <a:p>
             <a:fld id="{DC0C38C1-EB25-493B-8E40-CB7D44766240}" type="datetimeFigureOut">
               <a:rPr lang="fr-FR" smtClean="0"/>
-              <a:t>07/06/2022</a:t>
+              <a:t>16/08/2022</a:t>
             </a:fld>
             <a:endParaRPr lang="fr-FR"/>
           </a:p>
@@ -2220,7 +2373,7 @@
           <a:p>
             <a:fld id="{DC0C38C1-EB25-493B-8E40-CB7D44766240}" type="datetimeFigureOut">
               <a:rPr lang="fr-FR" smtClean="0"/>
-              <a:t>07/06/2022</a:t>
+              <a:t>16/08/2022</a:t>
             </a:fld>
             <a:endParaRPr lang="fr-FR"/>
           </a:p>
@@ -2643,7 +2796,7 @@
           <a:p>
             <a:fld id="{DC0C38C1-EB25-493B-8E40-CB7D44766240}" type="datetimeFigureOut">
               <a:rPr lang="fr-FR" smtClean="0"/>
-              <a:t>07/06/2022</a:t>
+              <a:t>16/08/2022</a:t>
             </a:fld>
             <a:endParaRPr lang="fr-FR"/>
           </a:p>
@@ -2793,7 +2946,7 @@
           <a:p>
             <a:fld id="{DC0C38C1-EB25-493B-8E40-CB7D44766240}" type="datetimeFigureOut">
               <a:rPr lang="fr-FR" smtClean="0"/>
-              <a:t>07/06/2022</a:t>
+              <a:t>16/08/2022</a:t>
             </a:fld>
             <a:endParaRPr lang="fr-FR"/>
           </a:p>
@@ -2914,7 +3067,7 @@
           <a:p>
             <a:fld id="{DC0C38C1-EB25-493B-8E40-CB7D44766240}" type="datetimeFigureOut">
               <a:rPr lang="fr-FR" smtClean="0"/>
-              <a:t>07/06/2022</a:t>
+              <a:t>16/08/2022</a:t>
             </a:fld>
             <a:endParaRPr lang="fr-FR"/>
           </a:p>
@@ -3235,7 +3388,7 @@
           <a:p>
             <a:fld id="{DC0C38C1-EB25-493B-8E40-CB7D44766240}" type="datetimeFigureOut">
               <a:rPr lang="fr-FR" smtClean="0"/>
-              <a:t>07/06/2022</a:t>
+              <a:t>16/08/2022</a:t>
             </a:fld>
             <a:endParaRPr lang="fr-FR"/>
           </a:p>
@@ -3532,7 +3685,7 @@
           <a:p>
             <a:fld id="{DC0C38C1-EB25-493B-8E40-CB7D44766240}" type="datetimeFigureOut">
               <a:rPr lang="fr-FR" smtClean="0"/>
-              <a:t>07/06/2022</a:t>
+              <a:t>16/08/2022</a:t>
             </a:fld>
             <a:endParaRPr lang="fr-FR"/>
           </a:p>
@@ -3778,7 +3931,7 @@
           <a:p>
             <a:fld id="{DC0C38C1-EB25-493B-8E40-CB7D44766240}" type="datetimeFigureOut">
               <a:rPr lang="fr-FR" smtClean="0"/>
-              <a:t>07/06/2022</a:t>
+              <a:t>16/08/2022</a:t>
             </a:fld>
             <a:endParaRPr lang="fr-FR"/>
           </a:p>
@@ -4262,7 +4415,7 @@
           </p:nvPr>
         </p:nvPicPr>
         <p:blipFill rotWithShape="1">
-          <a:blip r:embed="rId2">
+          <a:blip r:embed="rId3">
             <a:duotone>
               <a:schemeClr val="accent4">
                 <a:shade val="45000"/>
@@ -4709,7 +4862,7 @@
             <p:nvPr/>
           </p:nvPicPr>
           <p:blipFill>
-            <a:blip r:embed="rId3">
+            <a:blip r:embed="rId4">
               <a:extLst>
                 <a:ext uri="{28A0092B-C50C-407E-A947-70E740481C1C}">
                   <a14:useLocalDpi xmlns:a14="http://schemas.microsoft.com/office/drawing/2010/main" val="0"/>
